--- a/WebGLContentPipeline/WebGLContentPipelineWithglTF.pptx
+++ b/WebGLContentPipeline/WebGLContentPipelineWithglTF.pptx
@@ -5,42 +5,41 @@
     <p:sldMasterId id="2147483890" r:id="rId1"/>
   </p:sldMasterIdLst>
   <p:notesMasterIdLst>
-    <p:notesMasterId r:id="rId32"/>
+    <p:notesMasterId r:id="rId31"/>
   </p:notesMasterIdLst>
   <p:handoutMasterIdLst>
-    <p:handoutMasterId r:id="rId33"/>
+    <p:handoutMasterId r:id="rId32"/>
   </p:handoutMasterIdLst>
   <p:sldIdLst>
     <p:sldId id="421" r:id="rId2"/>
     <p:sldId id="463" r:id="rId3"/>
     <p:sldId id="427" r:id="rId4"/>
-    <p:sldId id="429" r:id="rId5"/>
-    <p:sldId id="430" r:id="rId6"/>
-    <p:sldId id="431" r:id="rId7"/>
-    <p:sldId id="455" r:id="rId8"/>
-    <p:sldId id="456" r:id="rId9"/>
-    <p:sldId id="457" r:id="rId10"/>
-    <p:sldId id="458" r:id="rId11"/>
-    <p:sldId id="461" r:id="rId12"/>
-    <p:sldId id="464" r:id="rId13"/>
-    <p:sldId id="452" r:id="rId14"/>
-    <p:sldId id="433" r:id="rId15"/>
-    <p:sldId id="434" r:id="rId16"/>
-    <p:sldId id="435" r:id="rId17"/>
-    <p:sldId id="438" r:id="rId18"/>
-    <p:sldId id="437" r:id="rId19"/>
-    <p:sldId id="439" r:id="rId20"/>
-    <p:sldId id="440" r:id="rId21"/>
-    <p:sldId id="441" r:id="rId22"/>
-    <p:sldId id="445" r:id="rId23"/>
-    <p:sldId id="436" r:id="rId24"/>
-    <p:sldId id="450" r:id="rId25"/>
-    <p:sldId id="442" r:id="rId26"/>
-    <p:sldId id="443" r:id="rId27"/>
-    <p:sldId id="444" r:id="rId28"/>
-    <p:sldId id="448" r:id="rId29"/>
-    <p:sldId id="447" r:id="rId30"/>
-    <p:sldId id="462" r:id="rId31"/>
+    <p:sldId id="430" r:id="rId5"/>
+    <p:sldId id="431" r:id="rId6"/>
+    <p:sldId id="455" r:id="rId7"/>
+    <p:sldId id="456" r:id="rId8"/>
+    <p:sldId id="457" r:id="rId9"/>
+    <p:sldId id="458" r:id="rId10"/>
+    <p:sldId id="461" r:id="rId11"/>
+    <p:sldId id="464" r:id="rId12"/>
+    <p:sldId id="433" r:id="rId13"/>
+    <p:sldId id="467" r:id="rId14"/>
+    <p:sldId id="435" r:id="rId15"/>
+    <p:sldId id="438" r:id="rId16"/>
+    <p:sldId id="437" r:id="rId17"/>
+    <p:sldId id="439" r:id="rId18"/>
+    <p:sldId id="440" r:id="rId19"/>
+    <p:sldId id="441" r:id="rId20"/>
+    <p:sldId id="445" r:id="rId21"/>
+    <p:sldId id="436" r:id="rId22"/>
+    <p:sldId id="450" r:id="rId23"/>
+    <p:sldId id="442" r:id="rId24"/>
+    <p:sldId id="443" r:id="rId25"/>
+    <p:sldId id="444" r:id="rId26"/>
+    <p:sldId id="448" r:id="rId27"/>
+    <p:sldId id="465" r:id="rId28"/>
+    <p:sldId id="447" r:id="rId29"/>
+    <p:sldId id="462" r:id="rId30"/>
   </p:sldIdLst>
   <p:sldSz cx="9144000" cy="6858000" type="screen4x3"/>
   <p:notesSz cx="7315200" cy="9601200"/>
@@ -919,15 +918,7 @@
           <a:p>
             <a:r>
               <a:rPr lang="en-US" dirty="0" smtClean="0"/>
-              <a:t>Like OpenGL, WebGL is a rendering API that exposes the capabilities of the hardware.  It knows about low-level concepts like buffers, textures, </a:t>
-            </a:r>
-            <a:r>
-              <a:rPr lang="en-US" dirty="0" smtClean="0"/>
-              <a:t>shader programs, and </a:t>
-            </a:r>
-            <a:r>
-              <a:rPr lang="en-US" dirty="0" smtClean="0"/>
-              <a:t>uniforms.</a:t>
+              <a:t>Like OpenGL, WebGL is a rendering API that exposes the capabilities of the hardware.  It knows about low-level concepts like buffers, textures, shader programs, and uniforms.</a:t>
             </a:r>
             <a:r>
               <a:rPr lang="en-US" baseline="0" dirty="0" smtClean="0"/>
@@ -948,18 +939,13 @@
             </a:r>
             <a:r>
               <a:rPr lang="en-US" baseline="0" dirty="0" smtClean="0"/>
-              <a:t> of work engine developers have to do by providing an efficient and extensible format based on JSON and binary blobs, and an open-source content pipeline for creating glTF assets from COLLADA.</a:t>
-            </a:r>
-          </a:p>
-          <a:p>
+              <a:t> of work engine developers have to do by providing an efficient and extensible format based on JSON and binary blobs, and an open-source content pipeline for creating glTF assets from COLLADA</a:t>
+            </a:r>
+            <a:r>
+              <a:rPr lang="en-US" baseline="0" dirty="0" smtClean="0"/>
+              <a:t>.</a:t>
+            </a:r>
             <a:endParaRPr lang="en-US" baseline="0" dirty="0" smtClean="0"/>
-          </a:p>
-          <a:p>
-            <a:r>
-              <a:rPr lang="en-US" b="1" baseline="0" dirty="0" smtClean="0"/>
-              <a:t>// TODO: everything after this!</a:t>
-            </a:r>
-            <a:endParaRPr lang="en-US" b="1" dirty="0"/>
           </a:p>
         </p:txBody>
       </p:sp>
@@ -1051,45 +1037,384 @@
           <a:p>
             <a:r>
               <a:rPr lang="en-US" dirty="0" smtClean="0"/>
-              <a:t>We developed 4 renderers.  Sometimes multiple times each</a:t>
-            </a:r>
-            <a:r>
-              <a:rPr lang="en-US" dirty="0" smtClean="0"/>
-              <a:t>.</a:t>
+              <a:t>Here is the layout</a:t>
+            </a:r>
+            <a:r>
+              <a:rPr lang="en-US" baseline="0" dirty="0" smtClean="0"/>
+              <a:t> of a glTF assets.  From the bottom up:</a:t>
             </a:r>
           </a:p>
           <a:p>
             <a:endParaRPr lang="en-US" dirty="0" smtClean="0"/>
           </a:p>
           <a:p>
-            <a:pPr marL="0" marR="0" indent="0" algn="l" defTabSz="914400" rtl="0" eaLnBrk="0" fontAlgn="base" latinLnBrk="0" hangingPunct="0">
-              <a:lnSpc>
-                <a:spcPct val="100000"/>
-              </a:lnSpc>
-              <a:spcBef>
-                <a:spcPct val="30000"/>
-              </a:spcBef>
-              <a:spcAft>
-                <a:spcPct val="0"/>
-              </a:spcAft>
-              <a:buClrTx/>
-              <a:buSzTx/>
+            <a:r>
+              <a:rPr lang="en-US" dirty="0" smtClean="0"/>
+              <a:t>Geometry</a:t>
+            </a:r>
+          </a:p>
+          <a:p>
+            <a:pPr marL="171450" indent="-171450">
+              <a:buFontTx/>
+              <a:buChar char="•"/>
+            </a:pPr>
+            <a:r>
+              <a:rPr lang="en-US" dirty="0" smtClean="0"/>
+              <a:t>buffer – binary blob.  Can be combination of geometry, animation, and skins</a:t>
+            </a:r>
+          </a:p>
+          <a:p>
+            <a:pPr marL="171450" indent="-171450">
+              <a:buFontTx/>
+              <a:buChar char="•"/>
+            </a:pPr>
+            <a:r>
+              <a:rPr lang="en-US" dirty="0" smtClean="0"/>
+              <a:t>bufferView</a:t>
+            </a:r>
+            <a:r>
+              <a:rPr lang="en-US" baseline="0" dirty="0" smtClean="0"/>
+              <a:t> – subset of buffer with target info (ARRAY_BUFFER, ELEMENT_BUFFER, animation/skin)</a:t>
+            </a:r>
+          </a:p>
+          <a:p>
+            <a:pPr marL="171450" indent="-171450">
+              <a:buFontTx/>
+              <a:buChar char="•"/>
+            </a:pPr>
+            <a:r>
+              <a:rPr lang="en-US" baseline="0" dirty="0" smtClean="0"/>
+              <a:t>accessor – subset of bufferView with type info, e.g., float-</a:t>
+            </a:r>
+            <a:r>
+              <a:rPr lang="en-US" baseline="0" dirty="0" smtClean="0"/>
+              <a:t>pointing.  </a:t>
+            </a:r>
+            <a:r>
+              <a:rPr lang="en-US" baseline="0" dirty="0" smtClean="0"/>
+              <a:t>Similar to a call to </a:t>
+            </a:r>
+            <a:r>
+              <a:rPr lang="en-US" baseline="0" dirty="0" err="1" smtClean="0"/>
+              <a:t>glVertexAttribPointer</a:t>
+            </a:r>
+            <a:endParaRPr lang="en-US" baseline="0" dirty="0" smtClean="0"/>
+          </a:p>
+          <a:p>
+            <a:pPr marL="628650" lvl="1" indent="-171450">
+              <a:buFontTx/>
+              <a:buChar char="•"/>
+            </a:pPr>
+            <a:r>
+              <a:rPr lang="en-US" baseline="0" dirty="0" smtClean="0"/>
+              <a:t>For example, a bufferView may be all vertices in the asset (think </a:t>
+            </a:r>
+            <a:r>
+              <a:rPr lang="en-US" baseline="0" dirty="0" err="1" smtClean="0"/>
+              <a:t>glBufferData</a:t>
+            </a:r>
+            <a:r>
+              <a:rPr lang="en-US" baseline="0" dirty="0" smtClean="0"/>
+              <a:t>), where as an accessor may be an individual attribute for a mesh (think </a:t>
+            </a:r>
+            <a:r>
+              <a:rPr lang="en-US" baseline="0" dirty="0" err="1" smtClean="0"/>
+              <a:t>glVertexAttribPointer</a:t>
+            </a:r>
+            <a:r>
+              <a:rPr lang="en-US" baseline="0" dirty="0" smtClean="0"/>
+              <a:t>)</a:t>
+            </a:r>
+          </a:p>
+          <a:p>
+            <a:pPr marL="171450" lvl="0" indent="-171450">
+              <a:buFontTx/>
+              <a:buChar char="•"/>
+            </a:pPr>
+            <a:r>
+              <a:rPr lang="en-US" baseline="0" dirty="0" smtClean="0"/>
+              <a:t>mesh – (composed of primitives, not shown) – corresponds to </a:t>
+            </a:r>
+            <a:r>
+              <a:rPr lang="en-US" baseline="0" dirty="0" err="1" smtClean="0"/>
+              <a:t>glDrawElements</a:t>
+            </a:r>
+            <a:endParaRPr lang="en-US" baseline="0" dirty="0" smtClean="0"/>
+          </a:p>
+          <a:p>
+            <a:pPr marL="171450" lvl="0" indent="-171450">
+              <a:buFontTx/>
+              <a:buChar char="•"/>
+            </a:pPr>
+            <a:r>
+              <a:rPr lang="en-US" baseline="0" dirty="0" smtClean="0"/>
+              <a:t>node – one or more meshes, plus transform, plus children</a:t>
+            </a:r>
+          </a:p>
+          <a:p>
+            <a:pPr marL="0" lvl="0" indent="0">
               <a:buFontTx/>
               <a:buNone/>
-              <a:tabLst/>
-              <a:defRPr/>
             </a:pPr>
-            <a:r>
-              <a:rPr lang="en-US" dirty="0" smtClean="0"/>
-              <a:t>Established</a:t>
+            <a:endParaRPr lang="en-US" dirty="0" smtClean="0"/>
+          </a:p>
+          <a:p>
+            <a:pPr marL="0" lvl="0" indent="0">
+              <a:buFontTx/>
+              <a:buNone/>
+            </a:pPr>
+            <a:r>
+              <a:rPr lang="en-US" dirty="0" smtClean="0"/>
+              <a:t>Material</a:t>
+            </a:r>
+          </a:p>
+          <a:p>
+            <a:pPr marL="171450" lvl="0" indent="-171450">
+              <a:buFont typeface="Arial"/>
+              <a:buChar char="•"/>
+            </a:pPr>
+            <a:r>
+              <a:rPr lang="en-US" dirty="0" smtClean="0"/>
+              <a:t>image – Image file</a:t>
+            </a:r>
+          </a:p>
+          <a:p>
+            <a:pPr marL="171450" lvl="0" indent="-171450">
+              <a:buFont typeface="Arial"/>
+              <a:buChar char="•"/>
+            </a:pPr>
+            <a:r>
+              <a:rPr lang="en-US" dirty="0" smtClean="0"/>
+              <a:t>sampler – texture filter and wrap modes, think</a:t>
             </a:r>
             <a:r>
               <a:rPr lang="en-US" baseline="0" dirty="0" smtClean="0"/>
-              <a:t> engines like Unity and C4 already have a runtime format.  WebGL engines are still emerging.</a:t>
+              <a:t> </a:t>
+            </a:r>
+            <a:r>
+              <a:rPr lang="en-US" baseline="0" dirty="0" err="1" smtClean="0"/>
+              <a:t>glTexParameter</a:t>
             </a:r>
             <a:endParaRPr lang="en-US" dirty="0" smtClean="0"/>
           </a:p>
           <a:p>
+            <a:pPr marL="171450" lvl="0" indent="-171450">
+              <a:buFont typeface="Arial"/>
+              <a:buChar char="•"/>
+            </a:pPr>
+            <a:r>
+              <a:rPr lang="en-US" dirty="0" smtClean="0"/>
+              <a:t>texture – think glTexImage2D</a:t>
+            </a:r>
+          </a:p>
+          <a:p>
+            <a:pPr marL="171450" lvl="0" indent="-171450">
+              <a:buFont typeface="Arial"/>
+              <a:buChar char="•"/>
+            </a:pPr>
+            <a:endParaRPr lang="en-US" dirty="0" smtClean="0"/>
+          </a:p>
+          <a:p>
+            <a:pPr marL="171450" lvl="0" indent="-171450">
+              <a:buFont typeface="Arial"/>
+              <a:buChar char="•"/>
+            </a:pPr>
+            <a:r>
+              <a:rPr lang="en-US" dirty="0" smtClean="0"/>
+              <a:t>shader – GLSL shader source</a:t>
+            </a:r>
+          </a:p>
+          <a:p>
+            <a:pPr marL="171450" lvl="0" indent="-171450">
+              <a:buFont typeface="Arial"/>
+              <a:buChar char="•"/>
+            </a:pPr>
+            <a:r>
+              <a:rPr lang="en-US" dirty="0" smtClean="0"/>
+              <a:t>program – think </a:t>
+            </a:r>
+            <a:r>
+              <a:rPr lang="en-US" dirty="0" err="1" smtClean="0"/>
+              <a:t>glCompileShader</a:t>
+            </a:r>
+            <a:r>
+              <a:rPr lang="en-US" dirty="0" smtClean="0"/>
+              <a:t> and </a:t>
+            </a:r>
+            <a:r>
+              <a:rPr lang="en-US" dirty="0" err="1" smtClean="0"/>
+              <a:t>glLinkProgram</a:t>
+            </a:r>
+            <a:endParaRPr lang="en-US" dirty="0" smtClean="0"/>
+          </a:p>
+          <a:p>
+            <a:pPr marL="171450" lvl="0" indent="-171450">
+              <a:buFont typeface="Arial"/>
+              <a:buChar char="•"/>
+            </a:pPr>
+            <a:r>
+              <a:rPr lang="en-US" dirty="0" smtClean="0"/>
+              <a:t>technique – parameter inputs (attributes + uniforms) + </a:t>
+            </a:r>
+            <a:r>
+              <a:rPr lang="en-US" dirty="0" smtClean="0"/>
+              <a:t>pass,</a:t>
+            </a:r>
+            <a:r>
+              <a:rPr lang="en-US" baseline="0" dirty="0" smtClean="0"/>
+              <a:t> which is</a:t>
+            </a:r>
+            <a:r>
+              <a:rPr lang="en-US" dirty="0" smtClean="0"/>
+              <a:t> </a:t>
+            </a:r>
+            <a:r>
+              <a:rPr lang="en-US" dirty="0" smtClean="0"/>
+              <a:t>program + render state</a:t>
+            </a:r>
+          </a:p>
+          <a:p>
+            <a:pPr marL="171450" lvl="0" indent="-171450">
+              <a:buFont typeface="Arial"/>
+              <a:buChar char="•"/>
+            </a:pPr>
+            <a:r>
+              <a:rPr lang="en-US" dirty="0" smtClean="0"/>
+              <a:t>material </a:t>
+            </a:r>
+            <a:r>
+              <a:rPr lang="en-US" dirty="0" smtClean="0"/>
+              <a:t>– an instance of a technique.  Overrides parameter </a:t>
+            </a:r>
+            <a:r>
+              <a:rPr lang="en-US" dirty="0" smtClean="0"/>
+              <a:t>inputs.  This is a standard material/technique/pass layout like we see in </a:t>
+            </a:r>
+            <a:r>
+              <a:rPr lang="en-US" dirty="0" err="1" smtClean="0"/>
+              <a:t>CgFX</a:t>
+            </a:r>
+            <a:r>
+              <a:rPr lang="en-US" dirty="0" smtClean="0"/>
+              <a:t>,</a:t>
+            </a:r>
+            <a:r>
+              <a:rPr lang="en-US" baseline="0" dirty="0" smtClean="0"/>
+              <a:t> </a:t>
+            </a:r>
+            <a:r>
+              <a:rPr lang="en-US" baseline="0" dirty="0" err="1" smtClean="0"/>
+              <a:t>ColladaFX</a:t>
+            </a:r>
+            <a:r>
+              <a:rPr lang="en-US" baseline="0" dirty="0" smtClean="0"/>
+              <a:t>, etc.</a:t>
+            </a:r>
+            <a:endParaRPr lang="en-US" dirty="0" smtClean="0"/>
+          </a:p>
+          <a:p>
+            <a:pPr marL="171450" lvl="0" indent="-171450">
+              <a:buFont typeface="Arial"/>
+              <a:buChar char="•"/>
+            </a:pPr>
+            <a:endParaRPr lang="en-US" dirty="0" smtClean="0"/>
+          </a:p>
+          <a:p>
+            <a:pPr marL="0" lvl="0" indent="0">
+              <a:buFont typeface="Arial"/>
+              <a:buNone/>
+            </a:pPr>
+            <a:r>
+              <a:rPr lang="en-US" dirty="0" smtClean="0"/>
+              <a:t>Animation</a:t>
+            </a:r>
+          </a:p>
+          <a:p>
+            <a:pPr marL="171450" lvl="0" indent="-171450">
+              <a:buFont typeface="Arial"/>
+              <a:buChar char="•"/>
+            </a:pPr>
+            <a:r>
+              <a:rPr lang="en-US" dirty="0" smtClean="0"/>
+              <a:t>animation accesses </a:t>
+            </a:r>
+            <a:r>
+              <a:rPr lang="en-US" dirty="0" err="1" smtClean="0"/>
+              <a:t>keyframes</a:t>
+            </a:r>
+            <a:r>
+              <a:rPr lang="en-US" dirty="0" smtClean="0"/>
+              <a:t> from accessor</a:t>
+            </a:r>
+          </a:p>
+          <a:p>
+            <a:pPr marL="171450" lvl="0" indent="-171450">
+              <a:buFont typeface="Arial"/>
+              <a:buChar char="•"/>
+            </a:pPr>
+            <a:r>
+              <a:rPr lang="en-US" dirty="0" smtClean="0"/>
+              <a:t>animation targets node (transforms), material/technique parameters, and camera/light</a:t>
+            </a:r>
+          </a:p>
+          <a:p>
+            <a:pPr marL="171450" lvl="0" indent="-171450">
+              <a:buFont typeface="Arial"/>
+              <a:buChar char="•"/>
+            </a:pPr>
+            <a:endParaRPr lang="en-US" dirty="0" smtClean="0"/>
+          </a:p>
+          <a:p>
+            <a:pPr marL="0" lvl="0" indent="0">
+              <a:buFont typeface="Arial"/>
+              <a:buNone/>
+            </a:pPr>
+            <a:r>
+              <a:rPr lang="en-US" dirty="0" smtClean="0"/>
+              <a:t>Skin</a:t>
+            </a:r>
+          </a:p>
+          <a:p>
+            <a:pPr marL="171450" lvl="0" indent="-171450">
+              <a:buFontTx/>
+              <a:buChar char="•"/>
+            </a:pPr>
+            <a:r>
+              <a:rPr lang="en-US" dirty="0" smtClean="0"/>
+              <a:t>skin accesses inverse-bind</a:t>
+            </a:r>
+            <a:r>
+              <a:rPr lang="en-US" baseline="0" dirty="0" smtClean="0"/>
+              <a:t> matrices from accessor</a:t>
+            </a:r>
+          </a:p>
+          <a:p>
+            <a:pPr marL="171450" lvl="0" indent="-171450">
+              <a:buFontTx/>
+              <a:buChar char="•"/>
+            </a:pPr>
+            <a:r>
+              <a:rPr lang="en-US" baseline="0" dirty="0" smtClean="0"/>
+              <a:t>node references skins.  skins reference </a:t>
+            </a:r>
+            <a:r>
+              <a:rPr lang="en-US" baseline="0" dirty="0" smtClean="0"/>
+              <a:t>nodes</a:t>
+            </a:r>
+            <a:endParaRPr lang="en-US" dirty="0" smtClean="0"/>
+          </a:p>
+          <a:p>
+            <a:pPr marL="171450" lvl="0" indent="-171450">
+              <a:buFont typeface="Arial"/>
+              <a:buChar char="•"/>
+            </a:pPr>
+            <a:endParaRPr lang="en-US" dirty="0" smtClean="0"/>
+          </a:p>
+          <a:p>
+            <a:pPr marL="171450" lvl="0" indent="-171450">
+              <a:buFont typeface="Arial"/>
+              <a:buChar char="•"/>
+            </a:pPr>
             <a:endParaRPr lang="en-US" dirty="0"/>
           </a:p>
         </p:txBody>
@@ -1126,7 +1451,7 @@
     </p:spTree>
     <p:extLst>
       <p:ext uri="{BB962C8B-B14F-4D97-AF65-F5344CB8AC3E}">
-        <p14:creationId xmlns:p14="http://schemas.microsoft.com/office/powerpoint/2010/main" val="1619271357"/>
+        <p14:creationId xmlns:p14="http://schemas.microsoft.com/office/powerpoint/2010/main" val="904054511"/>
       </p:ext>
     </p:extLst>
   </p:cSld>
@@ -1180,341 +1505,6 @@
           <a:bodyPr/>
           <a:lstStyle/>
           <a:p>
-            <a:r>
-              <a:rPr lang="en-US" dirty="0" smtClean="0"/>
-              <a:t>Bottom-up:</a:t>
-            </a:r>
-          </a:p>
-          <a:p>
-            <a:endParaRPr lang="en-US" dirty="0" smtClean="0"/>
-          </a:p>
-          <a:p>
-            <a:r>
-              <a:rPr lang="en-US" dirty="0" smtClean="0"/>
-              <a:t>Geometry</a:t>
-            </a:r>
-          </a:p>
-          <a:p>
-            <a:pPr marL="171450" indent="-171450">
-              <a:buFontTx/>
-              <a:buChar char="•"/>
-            </a:pPr>
-            <a:r>
-              <a:rPr lang="en-US" dirty="0" smtClean="0"/>
-              <a:t>buffer – binary blob.  Can be combination of geometry, animation, and skins</a:t>
-            </a:r>
-          </a:p>
-          <a:p>
-            <a:pPr marL="171450" indent="-171450">
-              <a:buFontTx/>
-              <a:buChar char="•"/>
-            </a:pPr>
-            <a:r>
-              <a:rPr lang="en-US" dirty="0" smtClean="0"/>
-              <a:t>bufferView</a:t>
-            </a:r>
-            <a:r>
-              <a:rPr lang="en-US" baseline="0" dirty="0" smtClean="0"/>
-              <a:t> – subset of buffer with target info (ARRAY_BUFFER, ELEMENT_BUFFER, animation/skin)</a:t>
-            </a:r>
-          </a:p>
-          <a:p>
-            <a:pPr marL="171450" indent="-171450">
-              <a:buFontTx/>
-              <a:buChar char="•"/>
-            </a:pPr>
-            <a:r>
-              <a:rPr lang="en-US" baseline="0" dirty="0" smtClean="0"/>
-              <a:t>accessor – subset of bufferView with type info, e.g., float-point.  Similar to a call to </a:t>
-            </a:r>
-            <a:r>
-              <a:rPr lang="en-US" baseline="0" dirty="0" err="1" smtClean="0"/>
-              <a:t>glVertexAttribPointer</a:t>
-            </a:r>
-            <a:endParaRPr lang="en-US" baseline="0" dirty="0" smtClean="0"/>
-          </a:p>
-          <a:p>
-            <a:pPr marL="628650" lvl="1" indent="-171450">
-              <a:buFontTx/>
-              <a:buChar char="•"/>
-            </a:pPr>
-            <a:r>
-              <a:rPr lang="en-US" baseline="0" dirty="0" smtClean="0"/>
-              <a:t>For example, a bufferView may be all vertices in the asset (think </a:t>
-            </a:r>
-            <a:r>
-              <a:rPr lang="en-US" baseline="0" dirty="0" err="1" smtClean="0"/>
-              <a:t>glBufferData</a:t>
-            </a:r>
-            <a:r>
-              <a:rPr lang="en-US" baseline="0" dirty="0" smtClean="0"/>
-              <a:t>), where as an accessor may be an individual attribute for a mesh (think </a:t>
-            </a:r>
-            <a:r>
-              <a:rPr lang="en-US" baseline="0" dirty="0" err="1" smtClean="0"/>
-              <a:t>glVertexAttribPointer</a:t>
-            </a:r>
-            <a:r>
-              <a:rPr lang="en-US" baseline="0" dirty="0" smtClean="0"/>
-              <a:t>)</a:t>
-            </a:r>
-          </a:p>
-          <a:p>
-            <a:pPr marL="171450" lvl="0" indent="-171450">
-              <a:buFontTx/>
-              <a:buChar char="•"/>
-            </a:pPr>
-            <a:r>
-              <a:rPr lang="en-US" baseline="0" dirty="0" smtClean="0"/>
-              <a:t>mesh – (composed of primitives, not shown) – corresponds to </a:t>
-            </a:r>
-            <a:r>
-              <a:rPr lang="en-US" baseline="0" dirty="0" err="1" smtClean="0"/>
-              <a:t>glDrawElements</a:t>
-            </a:r>
-            <a:endParaRPr lang="en-US" baseline="0" dirty="0" smtClean="0"/>
-          </a:p>
-          <a:p>
-            <a:pPr marL="171450" lvl="0" indent="-171450">
-              <a:buFontTx/>
-              <a:buChar char="•"/>
-            </a:pPr>
-            <a:r>
-              <a:rPr lang="en-US" baseline="0" dirty="0" smtClean="0"/>
-              <a:t>node – one or more meshes, plus transform, plus children</a:t>
-            </a:r>
-          </a:p>
-          <a:p>
-            <a:pPr marL="0" lvl="0" indent="0">
-              <a:buFontTx/>
-              <a:buNone/>
-            </a:pPr>
-            <a:endParaRPr lang="en-US" dirty="0" smtClean="0"/>
-          </a:p>
-          <a:p>
-            <a:pPr marL="0" lvl="0" indent="0">
-              <a:buFontTx/>
-              <a:buNone/>
-            </a:pPr>
-            <a:r>
-              <a:rPr lang="en-US" dirty="0" smtClean="0"/>
-              <a:t>Material</a:t>
-            </a:r>
-          </a:p>
-          <a:p>
-            <a:pPr marL="171450" lvl="0" indent="-171450">
-              <a:buFont typeface="Arial"/>
-              <a:buChar char="•"/>
-            </a:pPr>
-            <a:r>
-              <a:rPr lang="en-US" dirty="0" smtClean="0"/>
-              <a:t>image – Image file</a:t>
-            </a:r>
-          </a:p>
-          <a:p>
-            <a:pPr marL="171450" lvl="0" indent="-171450">
-              <a:buFont typeface="Arial"/>
-              <a:buChar char="•"/>
-            </a:pPr>
-            <a:r>
-              <a:rPr lang="en-US" dirty="0" smtClean="0"/>
-              <a:t>sampler – texture filter and wrap modes, think</a:t>
-            </a:r>
-            <a:r>
-              <a:rPr lang="en-US" baseline="0" dirty="0" smtClean="0"/>
-              <a:t> </a:t>
-            </a:r>
-            <a:r>
-              <a:rPr lang="en-US" baseline="0" dirty="0" err="1" smtClean="0"/>
-              <a:t>glTexParameter</a:t>
-            </a:r>
-            <a:endParaRPr lang="en-US" dirty="0" smtClean="0"/>
-          </a:p>
-          <a:p>
-            <a:pPr marL="171450" lvl="0" indent="-171450">
-              <a:buFont typeface="Arial"/>
-              <a:buChar char="•"/>
-            </a:pPr>
-            <a:r>
-              <a:rPr lang="en-US" dirty="0" smtClean="0"/>
-              <a:t>texture – think glTexImage2D</a:t>
-            </a:r>
-          </a:p>
-          <a:p>
-            <a:pPr marL="171450" lvl="0" indent="-171450">
-              <a:buFont typeface="Arial"/>
-              <a:buChar char="•"/>
-            </a:pPr>
-            <a:endParaRPr lang="en-US" dirty="0" smtClean="0"/>
-          </a:p>
-          <a:p>
-            <a:pPr marL="171450" lvl="0" indent="-171450">
-              <a:buFont typeface="Arial"/>
-              <a:buChar char="•"/>
-            </a:pPr>
-            <a:r>
-              <a:rPr lang="en-US" dirty="0" smtClean="0"/>
-              <a:t>shader – GLSL shader source</a:t>
-            </a:r>
-          </a:p>
-          <a:p>
-            <a:pPr marL="171450" lvl="0" indent="-171450">
-              <a:buFont typeface="Arial"/>
-              <a:buChar char="•"/>
-            </a:pPr>
-            <a:r>
-              <a:rPr lang="en-US" dirty="0" smtClean="0"/>
-              <a:t>program – think </a:t>
-            </a:r>
-            <a:r>
-              <a:rPr lang="en-US" dirty="0" err="1" smtClean="0"/>
-              <a:t>glCompileShader</a:t>
-            </a:r>
-            <a:r>
-              <a:rPr lang="en-US" dirty="0" smtClean="0"/>
-              <a:t> and </a:t>
-            </a:r>
-            <a:r>
-              <a:rPr lang="en-US" dirty="0" err="1" smtClean="0"/>
-              <a:t>glLinkProgram</a:t>
-            </a:r>
-            <a:endParaRPr lang="en-US" dirty="0" smtClean="0"/>
-          </a:p>
-          <a:p>
-            <a:pPr marL="171450" lvl="0" indent="-171450">
-              <a:buFont typeface="Arial"/>
-              <a:buChar char="•"/>
-            </a:pPr>
-            <a:r>
-              <a:rPr lang="en-US" dirty="0" smtClean="0"/>
-              <a:t>technique – parameter inputs (attributes + uniforms) + pass – program + render state</a:t>
-            </a:r>
-          </a:p>
-          <a:p>
-            <a:pPr marL="171450" lvl="0" indent="-171450">
-              <a:buFont typeface="Arial"/>
-              <a:buChar char="•"/>
-            </a:pPr>
-            <a:r>
-              <a:rPr lang="en-US" dirty="0" smtClean="0"/>
-              <a:t>Material – an instance of a technique.  Overrides parameter inputs</a:t>
-            </a:r>
-          </a:p>
-          <a:p>
-            <a:pPr marL="171450" lvl="0" indent="-171450">
-              <a:buFont typeface="Arial"/>
-              <a:buChar char="•"/>
-            </a:pPr>
-            <a:endParaRPr lang="en-US" dirty="0" smtClean="0"/>
-          </a:p>
-          <a:p>
-            <a:pPr marL="0" lvl="0" indent="0">
-              <a:buFont typeface="Arial"/>
-              <a:buNone/>
-            </a:pPr>
-            <a:r>
-              <a:rPr lang="en-US" dirty="0" smtClean="0"/>
-              <a:t>Animation</a:t>
-            </a:r>
-          </a:p>
-          <a:p>
-            <a:pPr marL="171450" lvl="0" indent="-171450">
-              <a:buFont typeface="Arial"/>
-              <a:buChar char="•"/>
-            </a:pPr>
-            <a:r>
-              <a:rPr lang="en-US" dirty="0" smtClean="0"/>
-              <a:t>animation accesses </a:t>
-            </a:r>
-            <a:r>
-              <a:rPr lang="en-US" dirty="0" err="1" smtClean="0"/>
-              <a:t>keyframes</a:t>
-            </a:r>
-            <a:r>
-              <a:rPr lang="en-US" dirty="0" smtClean="0"/>
-              <a:t> from accessor</a:t>
-            </a:r>
-          </a:p>
-          <a:p>
-            <a:pPr marL="171450" lvl="0" indent="-171450">
-              <a:buFont typeface="Arial"/>
-              <a:buChar char="•"/>
-            </a:pPr>
-            <a:r>
-              <a:rPr lang="en-US" dirty="0" smtClean="0"/>
-              <a:t>animation targets node (transforms), material/technique parameters, and camera/light</a:t>
-            </a:r>
-          </a:p>
-          <a:p>
-            <a:pPr marL="171450" lvl="0" indent="-171450">
-              <a:buFont typeface="Arial"/>
-              <a:buChar char="•"/>
-            </a:pPr>
-            <a:endParaRPr lang="en-US" dirty="0" smtClean="0"/>
-          </a:p>
-          <a:p>
-            <a:pPr marL="0" lvl="0" indent="0">
-              <a:buFont typeface="Arial"/>
-              <a:buNone/>
-            </a:pPr>
-            <a:r>
-              <a:rPr lang="en-US" dirty="0" smtClean="0"/>
-              <a:t>Skin</a:t>
-            </a:r>
-          </a:p>
-          <a:p>
-            <a:pPr marL="171450" lvl="0" indent="-171450">
-              <a:buFontTx/>
-              <a:buChar char="•"/>
-            </a:pPr>
-            <a:r>
-              <a:rPr lang="en-US" dirty="0" smtClean="0"/>
-              <a:t>skin accesses inverse-bind</a:t>
-            </a:r>
-            <a:r>
-              <a:rPr lang="en-US" baseline="0" dirty="0" smtClean="0"/>
-              <a:t> matrices from accessor</a:t>
-            </a:r>
-          </a:p>
-          <a:p>
-            <a:pPr marL="171450" lvl="0" indent="-171450">
-              <a:buFontTx/>
-              <a:buChar char="•"/>
-            </a:pPr>
-            <a:r>
-              <a:rPr lang="en-US" baseline="0" dirty="0" smtClean="0"/>
-              <a:t>node references skins.  skins reference nodes - https://</a:t>
-            </a:r>
-            <a:r>
-              <a:rPr lang="en-US" baseline="0" dirty="0" err="1" smtClean="0"/>
-              <a:t>github.com</a:t>
-            </a:r>
-            <a:r>
-              <a:rPr lang="en-US" baseline="0" dirty="0" smtClean="0"/>
-              <a:t>/</a:t>
-            </a:r>
-            <a:r>
-              <a:rPr lang="en-US" baseline="0" dirty="0" err="1" smtClean="0"/>
-              <a:t>KhronosGroup</a:t>
-            </a:r>
-            <a:r>
-              <a:rPr lang="en-US" baseline="0" dirty="0" smtClean="0"/>
-              <a:t>/glTF/issues/193</a:t>
-            </a:r>
-            <a:endParaRPr lang="en-US" dirty="0" smtClean="0"/>
-          </a:p>
-          <a:p>
-            <a:pPr marL="171450" lvl="0" indent="-171450">
-              <a:buFont typeface="Arial"/>
-              <a:buChar char="•"/>
-            </a:pPr>
-            <a:endParaRPr lang="en-US" dirty="0" smtClean="0"/>
-          </a:p>
-          <a:p>
-            <a:pPr marL="171450" lvl="0" indent="-171450">
-              <a:buFont typeface="Arial"/>
-              <a:buChar char="•"/>
-            </a:pPr>
             <a:endParaRPr lang="en-US" dirty="0"/>
           </a:p>
         </p:txBody>
@@ -1551,7 +1541,7 @@
     </p:spTree>
     <p:extLst>
       <p:ext uri="{BB962C8B-B14F-4D97-AF65-F5344CB8AC3E}">
-        <p14:creationId xmlns:p14="http://schemas.microsoft.com/office/powerpoint/2010/main" val="904054511"/>
+        <p14:creationId xmlns:p14="http://schemas.microsoft.com/office/powerpoint/2010/main" val="4208148760"/>
       </p:ext>
     </p:extLst>
   </p:cSld>
@@ -1605,7 +1595,36 @@
           <a:bodyPr/>
           <a:lstStyle/>
           <a:p>
-            <a:endParaRPr lang="en-US"/>
+            <a:r>
+              <a:rPr lang="en-US" dirty="0" smtClean="0"/>
+              <a:t>The content pipeline is code outside the engine that creates that processes and creates the final runtime asset.</a:t>
+            </a:r>
+            <a:r>
+              <a:rPr lang="en-US" baseline="0" dirty="0" smtClean="0"/>
+              <a:t>  In general, this is not usually all coded from scratch.  Instead it is a combination of tools, often in different languages, from different third-parties, </a:t>
+            </a:r>
+            <a:r>
+              <a:rPr lang="en-US" baseline="0" dirty="0" smtClean="0"/>
+              <a:t>e.g., texture compression, mesh compression, vertex cache optimize, etc</a:t>
+            </a:r>
+            <a:r>
+              <a:rPr lang="en-US" baseline="0" dirty="0" smtClean="0"/>
+              <a:t>.</a:t>
+            </a:r>
+          </a:p>
+          <a:p>
+            <a:endParaRPr lang="en-US" baseline="0" dirty="0" smtClean="0"/>
+          </a:p>
+          <a:p>
+            <a:r>
+              <a:rPr lang="en-US" baseline="0" dirty="0" smtClean="0"/>
+              <a:t>TODO</a:t>
+            </a:r>
+            <a:r>
+              <a:rPr lang="en-US" baseline="0" smtClean="0"/>
+              <a:t>: finish notes</a:t>
+            </a:r>
+            <a:endParaRPr lang="en-US" dirty="0"/>
           </a:p>
         </p:txBody>
       </p:sp>
@@ -1641,7 +1660,7 @@
     </p:spTree>
     <p:extLst>
       <p:ext uri="{BB962C8B-B14F-4D97-AF65-F5344CB8AC3E}">
-        <p14:creationId xmlns:p14="http://schemas.microsoft.com/office/powerpoint/2010/main" val="4208148760"/>
+        <p14:creationId xmlns:p14="http://schemas.microsoft.com/office/powerpoint/2010/main" val="186672020"/>
       </p:ext>
     </p:extLst>
   </p:cSld>
@@ -1695,7 +1714,7 @@
           <a:bodyPr/>
           <a:lstStyle/>
           <a:p>
-            <a:endParaRPr lang="en-US"/>
+            <a:endParaRPr lang="en-US" dirty="0"/>
           </a:p>
         </p:txBody>
       </p:sp>
@@ -1731,7 +1750,7 @@
     </p:spTree>
     <p:extLst>
       <p:ext uri="{BB962C8B-B14F-4D97-AF65-F5344CB8AC3E}">
-        <p14:creationId xmlns:p14="http://schemas.microsoft.com/office/powerpoint/2010/main" val="3721483404"/>
+        <p14:creationId xmlns:p14="http://schemas.microsoft.com/office/powerpoint/2010/main" val="186672020"/>
       </p:ext>
     </p:extLst>
   </p:cSld>
@@ -1787,11 +1806,40 @@
           <a:p>
             <a:r>
               <a:rPr lang="en-US" dirty="0" smtClean="0"/>
-              <a:t>Usually not all hand coded, but instead a combination of many tools</a:t>
+              <a:t>Also, triangle strips/fans to triangles.</a:t>
+            </a:r>
+          </a:p>
+          <a:p>
+            <a:endParaRPr lang="en-US" dirty="0" smtClean="0"/>
+          </a:p>
+          <a:p>
+            <a:r>
+              <a:rPr lang="en-US" dirty="0" smtClean="0"/>
+              <a:t>For polygons, this only adds</a:t>
             </a:r>
             <a:r>
               <a:rPr lang="en-US" baseline="0" dirty="0" smtClean="0"/>
-              <a:t> from different third-parties, e.g., texture compression, mesh compression, vertex cache optimize, etc.</a:t>
+              <a:t> indices so the payload increase is not that bad.</a:t>
+            </a:r>
+            <a:endParaRPr lang="en-US" dirty="0" smtClean="0"/>
+          </a:p>
+          <a:p>
+            <a:endParaRPr lang="en-US" dirty="0" smtClean="0"/>
+          </a:p>
+          <a:p>
+            <a:r>
+              <a:rPr lang="en-US" dirty="0" smtClean="0"/>
+              <a:t>Ear clipping.  Accelerate with spatial</a:t>
+            </a:r>
+            <a:r>
+              <a:rPr lang="en-US" baseline="0" dirty="0" smtClean="0"/>
+              <a:t> data structure.</a:t>
+            </a:r>
+          </a:p>
+          <a:p>
+            <a:r>
+              <a:rPr lang="en-US" baseline="0" dirty="0" smtClean="0"/>
+              <a:t>Randomized algorithm.  Select random cut.  Split polygon if it doesn’t intersect any edges.</a:t>
             </a:r>
             <a:endParaRPr lang="en-US" dirty="0"/>
           </a:p>
@@ -1829,7 +1877,7 @@
     </p:spTree>
     <p:extLst>
       <p:ext uri="{BB962C8B-B14F-4D97-AF65-F5344CB8AC3E}">
-        <p14:creationId xmlns:p14="http://schemas.microsoft.com/office/powerpoint/2010/main" val="186672020"/>
+        <p14:creationId xmlns:p14="http://schemas.microsoft.com/office/powerpoint/2010/main" val="2669552986"/>
       </p:ext>
     </p:extLst>
   </p:cSld>
@@ -1885,12 +1933,141 @@
           <a:p>
             <a:r>
               <a:rPr lang="en-US" dirty="0" err="1" smtClean="0"/>
-              <a:t>SketchUp</a:t>
+              <a:t>Deindexing</a:t>
+            </a:r>
+            <a:r>
+              <a:rPr lang="en-US" dirty="0" smtClean="0"/>
+              <a:t> reduces the about of index data but can increase the amount of vertex data.  A single set of indices is required for </a:t>
+            </a:r>
+            <a:r>
+              <a:rPr lang="en-US" dirty="0" err="1" smtClean="0"/>
+              <a:t>glDrawElements</a:t>
+            </a:r>
+            <a:r>
+              <a:rPr lang="en-US" dirty="0" smtClean="0"/>
+              <a:t> and</a:t>
             </a:r>
             <a:r>
               <a:rPr lang="en-US" baseline="0" dirty="0" smtClean="0"/>
-              <a:t> story with one triangle per primitive.</a:t>
-            </a:r>
+              <a:t> friends</a:t>
+            </a:r>
+            <a:r>
+              <a:rPr lang="en-US" dirty="0" smtClean="0"/>
+              <a:t>.</a:t>
+            </a:r>
+          </a:p>
+          <a:p>
+            <a:endParaRPr lang="en-US" dirty="0" smtClean="0"/>
+          </a:p>
+          <a:p>
+            <a:r>
+              <a:rPr lang="en-US" dirty="0" smtClean="0"/>
+              <a:t>Example here is one side of a box.  It is 2 triangles with one normal.  </a:t>
+            </a:r>
+            <a:r>
+              <a:rPr lang="en-US" dirty="0" err="1" smtClean="0"/>
+              <a:t>Deindexing</a:t>
+            </a:r>
+            <a:r>
+              <a:rPr lang="en-US" dirty="0" smtClean="0"/>
+              <a:t> requires duplicating the normals.</a:t>
+            </a:r>
+          </a:p>
+          <a:p>
+            <a:endParaRPr lang="en-US" dirty="0" smtClean="0"/>
+          </a:p>
+          <a:p>
+            <a:r>
+              <a:rPr lang="en-US" dirty="0" smtClean="0"/>
+              <a:t>This example:</a:t>
+            </a:r>
+          </a:p>
+          <a:p>
+            <a:r>
+              <a:rPr lang="en-US" dirty="0" smtClean="0"/>
+              <a:t>Before:</a:t>
+            </a:r>
+          </a:p>
+          <a:p>
+            <a:r>
+              <a:rPr lang="en-US" dirty="0" smtClean="0"/>
+              <a:t>Vertex</a:t>
+            </a:r>
+            <a:r>
+              <a:rPr lang="en-US" baseline="0" dirty="0" smtClean="0"/>
+              <a:t> data: 16 + 4 = 20</a:t>
+            </a:r>
+          </a:p>
+          <a:p>
+            <a:r>
+              <a:rPr lang="en-US" baseline="0" dirty="0" smtClean="0"/>
+              <a:t>Index data: 12 +12 = 24</a:t>
+            </a:r>
+          </a:p>
+          <a:p>
+            <a:r>
+              <a:rPr lang="en-US" baseline="0" dirty="0" smtClean="0"/>
+              <a:t>Total: 44</a:t>
+            </a:r>
+          </a:p>
+          <a:p>
+            <a:endParaRPr lang="en-US" baseline="0" dirty="0" smtClean="0"/>
+          </a:p>
+          <a:p>
+            <a:r>
+              <a:rPr lang="en-US" baseline="0" dirty="0" smtClean="0"/>
+              <a:t>After:</a:t>
+            </a:r>
+          </a:p>
+          <a:p>
+            <a:r>
+              <a:rPr lang="en-US" baseline="0" dirty="0" smtClean="0"/>
+              <a:t>Vertex data: 16 + 16 = 32</a:t>
+            </a:r>
+          </a:p>
+          <a:p>
+            <a:r>
+              <a:rPr lang="en-US" baseline="0" dirty="0" smtClean="0"/>
+              <a:t>Index data: 12</a:t>
+            </a:r>
+          </a:p>
+          <a:p>
+            <a:r>
+              <a:rPr lang="en-US" baseline="0" dirty="0" smtClean="0"/>
+              <a:t>Total: 46</a:t>
+            </a:r>
+          </a:p>
+          <a:p>
+            <a:endParaRPr lang="en-US" baseline="0" dirty="0" smtClean="0"/>
+          </a:p>
+          <a:p>
+            <a:r>
+              <a:rPr lang="en-US" baseline="0" dirty="0" smtClean="0"/>
+              <a:t>If most attributes are unique (not shared by multiple vertices), </a:t>
+            </a:r>
+            <a:r>
+              <a:rPr lang="en-US" baseline="0" dirty="0" err="1" smtClean="0"/>
+              <a:t>deindexing</a:t>
+            </a:r>
+            <a:r>
+              <a:rPr lang="en-US" baseline="0" dirty="0" smtClean="0"/>
+              <a:t> can decrease the size.</a:t>
+            </a:r>
+          </a:p>
+          <a:p>
+            <a:endParaRPr lang="en-US" baseline="0" dirty="0" smtClean="0"/>
+          </a:p>
+          <a:p>
+            <a:r>
+              <a:rPr lang="en-US" baseline="0" smtClean="0"/>
+              <a:t>* See </a:t>
+            </a:r>
+            <a:r>
+              <a:rPr lang="en-US" baseline="0" dirty="0" smtClean="0"/>
+              <a:t>“Indexing Multiple Vertex Arrays” in OpenGL Insights.  Chapter 26.</a:t>
+            </a:r>
+          </a:p>
+          <a:p>
             <a:endParaRPr lang="en-US" dirty="0"/>
           </a:p>
         </p:txBody>
@@ -1927,7 +2104,7 @@
     </p:spTree>
     <p:extLst>
       <p:ext uri="{BB962C8B-B14F-4D97-AF65-F5344CB8AC3E}">
-        <p14:creationId xmlns:p14="http://schemas.microsoft.com/office/powerpoint/2010/main" val="2455773791"/>
+        <p14:creationId xmlns:p14="http://schemas.microsoft.com/office/powerpoint/2010/main" val="2669552986"/>
       </p:ext>
     </p:extLst>
   </p:cSld>
@@ -1983,7 +2160,7 @@
           <a:p>
             <a:r>
               <a:rPr lang="en-US" dirty="0" smtClean="0"/>
-              <a:t>Also, triangle strips/fans to triangles.</a:t>
+              <a:t>Node hierarchy or “scene graph.”</a:t>
             </a:r>
           </a:p>
           <a:p>
@@ -1992,31 +2169,56 @@
           <a:p>
             <a:r>
               <a:rPr lang="en-US" dirty="0" smtClean="0"/>
-              <a:t>For polygons, this only adds</a:t>
+              <a:t>Increases the batch size and, therefore, reduces the number of draw calls.</a:t>
+            </a:r>
+          </a:p>
+          <a:p>
+            <a:endParaRPr lang="en-US" dirty="0" smtClean="0"/>
+          </a:p>
+          <a:p>
+            <a:r>
+              <a:rPr lang="en-US" dirty="0" smtClean="0"/>
+              <a:t>Nodes need the same material (and vertex format, which is implied when they share material).</a:t>
+            </a:r>
+          </a:p>
+          <a:p>
+            <a:endParaRPr lang="en-US" dirty="0" smtClean="0"/>
+          </a:p>
+          <a:p>
+            <a:r>
+              <a:rPr lang="en-US" dirty="0" smtClean="0"/>
+              <a:t>Transform combined meshes into the same coordinate system.  Children have their transform applied when they are combined with their parent.</a:t>
+            </a:r>
+          </a:p>
+          <a:p>
+            <a:endParaRPr lang="en-US" dirty="0" smtClean="0"/>
+          </a:p>
+          <a:p>
+            <a:r>
+              <a:rPr lang="en-US" dirty="0" smtClean="0"/>
+              <a:t>If a node is targeted by an animation, it’s sub-tree can be combined, but it can’t be combined with its parent.</a:t>
+            </a:r>
+          </a:p>
+          <a:p>
+            <a:endParaRPr lang="en-US" dirty="0" smtClean="0"/>
+          </a:p>
+          <a:p>
+            <a:r>
+              <a:rPr lang="en-US" dirty="0" smtClean="0"/>
+              <a:t>Texture atlases</a:t>
             </a:r>
             <a:r>
               <a:rPr lang="en-US" baseline="0" dirty="0" smtClean="0"/>
-              <a:t> indices so the payload increase is not that bad.</a:t>
-            </a:r>
-            <a:endParaRPr lang="en-US" dirty="0" smtClean="0"/>
-          </a:p>
-          <a:p>
-            <a:endParaRPr lang="en-US" dirty="0" smtClean="0"/>
-          </a:p>
-          <a:p>
-            <a:r>
-              <a:rPr lang="en-US" dirty="0" smtClean="0"/>
-              <a:t>Ear clipping.  Accelerate with spatial</a:t>
-            </a:r>
+              <a:t> help nodes have the same material since they share the same texture.</a:t>
+            </a:r>
+          </a:p>
+          <a:p>
+            <a:endParaRPr lang="en-US" baseline="0" dirty="0" smtClean="0"/>
+          </a:p>
+          <a:p>
             <a:r>
               <a:rPr lang="en-US" baseline="0" dirty="0" smtClean="0"/>
-              <a:t> data structure.</a:t>
-            </a:r>
-          </a:p>
-          <a:p>
-            <a:r>
-              <a:rPr lang="en-US" baseline="0" dirty="0" smtClean="0"/>
-              <a:t>Randomized algorithm.  Select random cut.  Split polygon if it doesn’t intersect any edges.</a:t>
+              <a:t>Also reduces the number of meshes and combines buffers as needed.</a:t>
             </a:r>
             <a:endParaRPr lang="en-US" dirty="0"/>
           </a:p>
@@ -2109,142 +2311,38 @@
           <a:lstStyle/>
           <a:p>
             <a:r>
+              <a:rPr lang="en-US" dirty="0" smtClean="0"/>
+              <a:t>Needs to duplicate some vertices.</a:t>
+            </a:r>
+          </a:p>
+          <a:p>
+            <a:endParaRPr lang="en-US" dirty="0" smtClean="0"/>
+          </a:p>
+          <a:p>
+            <a:r>
+              <a:rPr lang="en-US" dirty="0" smtClean="0"/>
+              <a:t>Without extensions,</a:t>
+            </a:r>
+            <a:r>
+              <a:rPr lang="en-US" baseline="0" dirty="0" smtClean="0"/>
+              <a:t> this is n</a:t>
+            </a:r>
+            <a:r>
+              <a:rPr lang="en-US" dirty="0" smtClean="0"/>
+              <a:t>eeded for WebGL 2 and OpenGL ES 2.  The unsigned </a:t>
+            </a:r>
+            <a:r>
               <a:rPr lang="en-US" dirty="0" err="1" smtClean="0"/>
-              <a:t>Deindexing</a:t>
-            </a:r>
-            <a:r>
-              <a:rPr lang="en-US" dirty="0" smtClean="0"/>
-              <a:t> reduces the about of index data but can increase the amount of vertex data.  A single set of indices is required for </a:t>
-            </a:r>
-            <a:r>
-              <a:rPr lang="en-US" dirty="0" err="1" smtClean="0"/>
-              <a:t>glDrawElements</a:t>
-            </a:r>
-            <a:r>
-              <a:rPr lang="en-US" dirty="0" smtClean="0"/>
-              <a:t> and</a:t>
+              <a:t>int</a:t>
+            </a:r>
+            <a:r>
+              <a:rPr lang="en-US" dirty="0" smtClean="0"/>
+              <a:t> extension</a:t>
             </a:r>
             <a:r>
               <a:rPr lang="en-US" baseline="0" dirty="0" smtClean="0"/>
-              <a:t> friends</a:t>
-            </a:r>
-            <a:r>
-              <a:rPr lang="en-US" dirty="0" smtClean="0"/>
-              <a:t>.</a:t>
-            </a:r>
-          </a:p>
-          <a:p>
-            <a:endParaRPr lang="en-US" dirty="0" smtClean="0"/>
-          </a:p>
-          <a:p>
-            <a:r>
-              <a:rPr lang="en-US" dirty="0" smtClean="0"/>
-              <a:t>Example here is one side of a box.  It is 2 triangles with one normal.  </a:t>
-            </a:r>
-            <a:r>
-              <a:rPr lang="en-US" dirty="0" err="1" smtClean="0"/>
-              <a:t>Deindexing</a:t>
-            </a:r>
-            <a:r>
-              <a:rPr lang="en-US" dirty="0" smtClean="0"/>
-              <a:t> requires duplicating the normals.</a:t>
-            </a:r>
-          </a:p>
-          <a:p>
-            <a:endParaRPr lang="en-US" dirty="0" smtClean="0"/>
-          </a:p>
-          <a:p>
-            <a:r>
-              <a:rPr lang="en-US" dirty="0" smtClean="0"/>
-              <a:t>This example:</a:t>
-            </a:r>
-          </a:p>
-          <a:p>
-            <a:r>
-              <a:rPr lang="en-US" dirty="0" smtClean="0"/>
-              <a:t>Before:</a:t>
-            </a:r>
-          </a:p>
-          <a:p>
-            <a:r>
-              <a:rPr lang="en-US" dirty="0" smtClean="0"/>
-              <a:t>Vertex</a:t>
-            </a:r>
-            <a:r>
-              <a:rPr lang="en-US" baseline="0" dirty="0" smtClean="0"/>
-              <a:t> data: 16 + 4 = 20</a:t>
-            </a:r>
-          </a:p>
-          <a:p>
-            <a:r>
-              <a:rPr lang="en-US" baseline="0" dirty="0" smtClean="0"/>
-              <a:t>Index data: 12 +12 = 24</a:t>
-            </a:r>
-          </a:p>
-          <a:p>
-            <a:r>
-              <a:rPr lang="en-US" baseline="0" dirty="0" smtClean="0"/>
-              <a:t>Total: 44</a:t>
-            </a:r>
-          </a:p>
-          <a:p>
-            <a:endParaRPr lang="en-US" baseline="0" dirty="0" smtClean="0"/>
-          </a:p>
-          <a:p>
-            <a:r>
-              <a:rPr lang="en-US" baseline="0" dirty="0" smtClean="0"/>
-              <a:t>After:</a:t>
-            </a:r>
-          </a:p>
-          <a:p>
-            <a:r>
-              <a:rPr lang="en-US" baseline="0" dirty="0" smtClean="0"/>
-              <a:t>Vertex data: 16 + 16 = 32</a:t>
-            </a:r>
-          </a:p>
-          <a:p>
-            <a:r>
-              <a:rPr lang="en-US" baseline="0" dirty="0" smtClean="0"/>
-              <a:t>Index data: 12</a:t>
-            </a:r>
-          </a:p>
-          <a:p>
-            <a:r>
-              <a:rPr lang="en-US" baseline="0" dirty="0" smtClean="0"/>
-              <a:t>Total: 46</a:t>
-            </a:r>
-          </a:p>
-          <a:p>
-            <a:endParaRPr lang="en-US" baseline="0" dirty="0" smtClean="0"/>
-          </a:p>
-          <a:p>
-            <a:r>
-              <a:rPr lang="en-US" baseline="0" dirty="0" smtClean="0"/>
-              <a:t>If most attributes are unique (not shared by multiple vertices), </a:t>
-            </a:r>
-            <a:r>
-              <a:rPr lang="en-US" baseline="0" dirty="0" err="1" smtClean="0"/>
-              <a:t>deindexing</a:t>
-            </a:r>
-            <a:r>
-              <a:rPr lang="en-US" baseline="0" dirty="0" smtClean="0"/>
-              <a:t> can decrease the size.</a:t>
-            </a:r>
-          </a:p>
-          <a:p>
-            <a:endParaRPr lang="en-US" baseline="0" dirty="0" smtClean="0"/>
-          </a:p>
-          <a:p>
-            <a:r>
-              <a:rPr lang="en-US" baseline="0" smtClean="0"/>
-              <a:t>* See </a:t>
-            </a:r>
-            <a:r>
-              <a:rPr lang="en-US" baseline="0" dirty="0" smtClean="0"/>
-              <a:t>“Indexing Multiple Vertex Arrays” in OpenGL Insights.  Chapter 26.</a:t>
-            </a:r>
-          </a:p>
-          <a:p>
+              <a:t> is widely supported, and although it uses more memory and potentially contributes to cache pollution, I have not noticed a performance hit, and it allows for larger batches.</a:t>
+            </a:r>
             <a:endParaRPr lang="en-US" dirty="0"/>
           </a:p>
         </p:txBody>
@@ -2335,36 +2433,152 @@
           <a:bodyPr/>
           <a:lstStyle/>
           <a:p>
-            <a:r>
-              <a:rPr lang="en-US" dirty="0" smtClean="0"/>
-              <a:t>Node hierarchy or “scene graph.”</a:t>
-            </a:r>
-          </a:p>
-          <a:p>
+            <a:pPr marL="0" marR="0" indent="0" algn="l" defTabSz="914400" rtl="0" eaLnBrk="0" fontAlgn="base" latinLnBrk="0" hangingPunct="0">
+              <a:lnSpc>
+                <a:spcPct val="100000"/>
+              </a:lnSpc>
+              <a:spcBef>
+                <a:spcPct val="30000"/>
+              </a:spcBef>
+              <a:spcAft>
+                <a:spcPct val="0"/>
+              </a:spcAft>
+              <a:buClrTx/>
+              <a:buSzTx/>
+              <a:buFontTx/>
+              <a:buNone/>
+              <a:tabLst/>
+              <a:defRPr/>
+            </a:pPr>
+            <a:r>
+              <a:rPr lang="en-US" dirty="0" smtClean="0"/>
+              <a:t>Need to consider decompression time along with the payload savings.</a:t>
+            </a:r>
+          </a:p>
+          <a:p>
+            <a:pPr marL="0" marR="0" indent="0" algn="l" defTabSz="914400" rtl="0" eaLnBrk="0" fontAlgn="base" latinLnBrk="0" hangingPunct="0">
+              <a:lnSpc>
+                <a:spcPct val="100000"/>
+              </a:lnSpc>
+              <a:spcBef>
+                <a:spcPct val="30000"/>
+              </a:spcBef>
+              <a:spcAft>
+                <a:spcPct val="0"/>
+              </a:spcAft>
+              <a:buClrTx/>
+              <a:buSzTx/>
+              <a:buFontTx/>
+              <a:buNone/>
+              <a:tabLst/>
+              <a:defRPr/>
+            </a:pPr>
             <a:endParaRPr lang="en-US" dirty="0" smtClean="0"/>
           </a:p>
           <a:p>
-            <a:r>
-              <a:rPr lang="en-US" dirty="0" smtClean="0"/>
-              <a:t>Increases the batch size and, therefore, reduces the number of draw calls.</a:t>
-            </a:r>
-          </a:p>
-          <a:p>
+            <a:pPr marL="0" marR="0" indent="0" algn="l" defTabSz="914400" rtl="0" eaLnBrk="0" fontAlgn="base" latinLnBrk="0" hangingPunct="0">
+              <a:lnSpc>
+                <a:spcPct val="100000"/>
+              </a:lnSpc>
+              <a:spcBef>
+                <a:spcPct val="30000"/>
+              </a:spcBef>
+              <a:spcAft>
+                <a:spcPct val="0"/>
+              </a:spcAft>
+              <a:buClrTx/>
+              <a:buSzTx/>
+              <a:buFontTx/>
+              <a:buNone/>
+              <a:tabLst/>
+              <a:defRPr/>
+            </a:pPr>
+            <a:r>
+              <a:rPr lang="en-US" dirty="0" smtClean="0"/>
+              <a:t>Open3DGC – http://</a:t>
+            </a:r>
+            <a:r>
+              <a:rPr lang="en-US" dirty="0" err="1" smtClean="0"/>
+              <a:t>kmamou.blogspot.com</a:t>
+            </a:r>
+            <a:r>
+              <a:rPr lang="en-US" dirty="0" smtClean="0"/>
+              <a:t>/2013/07/open-3d-graphics-compression-open3dgc.html</a:t>
+            </a:r>
+          </a:p>
+          <a:p>
+            <a:pPr marL="0" marR="0" indent="0" algn="l" defTabSz="914400" rtl="0" eaLnBrk="0" fontAlgn="base" latinLnBrk="0" hangingPunct="0">
+              <a:lnSpc>
+                <a:spcPct val="100000"/>
+              </a:lnSpc>
+              <a:spcBef>
+                <a:spcPct val="30000"/>
+              </a:spcBef>
+              <a:spcAft>
+                <a:spcPct val="0"/>
+              </a:spcAft>
+              <a:buClrTx/>
+              <a:buSzTx/>
+              <a:buFontTx/>
+              <a:buNone/>
+              <a:tabLst/>
+              <a:defRPr/>
+            </a:pPr>
+            <a:r>
+              <a:rPr lang="en-US" dirty="0" smtClean="0"/>
+              <a:t>TFAN – fans, quantize, parallelogram predict, O(n) </a:t>
+            </a:r>
+            <a:r>
+              <a:rPr lang="en-US" dirty="0" err="1" smtClean="0"/>
+              <a:t>wrt</a:t>
+            </a:r>
+            <a:r>
+              <a:rPr lang="en-US" baseline="0" dirty="0" smtClean="0"/>
+              <a:t> vertices to decompress.</a:t>
+            </a:r>
             <a:endParaRPr lang="en-US" dirty="0" smtClean="0"/>
           </a:p>
           <a:p>
-            <a:r>
-              <a:rPr lang="en-US" dirty="0" smtClean="0"/>
-              <a:t>Nodes need the same material (and vertex format, which is implied when they share material).</a:t>
-            </a:r>
-          </a:p>
-          <a:p>
+            <a:pPr marL="0" marR="0" indent="0" algn="l" defTabSz="914400" rtl="0" eaLnBrk="0" fontAlgn="base" latinLnBrk="0" hangingPunct="0">
+              <a:lnSpc>
+                <a:spcPct val="100000"/>
+              </a:lnSpc>
+              <a:spcBef>
+                <a:spcPct val="30000"/>
+              </a:spcBef>
+              <a:spcAft>
+                <a:spcPct val="0"/>
+              </a:spcAft>
+              <a:buClrTx/>
+              <a:buSzTx/>
+              <a:buFontTx/>
+              <a:buNone/>
+              <a:tabLst/>
+              <a:defRPr/>
+            </a:pPr>
             <a:endParaRPr lang="en-US" dirty="0" smtClean="0"/>
           </a:p>
           <a:p>
-            <a:r>
-              <a:rPr lang="en-US" dirty="0" smtClean="0"/>
-              <a:t>Transform combined meshes into the same coordinate system.  Children have their transform applied when they are combined with their parent.</a:t>
+            <a:pPr marL="0" marR="0" indent="0" algn="l" defTabSz="914400" rtl="0" eaLnBrk="0" fontAlgn="base" latinLnBrk="0" hangingPunct="0">
+              <a:lnSpc>
+                <a:spcPct val="100000"/>
+              </a:lnSpc>
+              <a:spcBef>
+                <a:spcPct val="30000"/>
+              </a:spcBef>
+              <a:spcAft>
+                <a:spcPct val="0"/>
+              </a:spcAft>
+              <a:buClrTx/>
+              <a:buSzTx/>
+              <a:buFontTx/>
+              <a:buNone/>
+              <a:tabLst/>
+              <a:defRPr/>
+            </a:pPr>
+            <a:r>
+              <a:rPr lang="en-US" dirty="0" smtClean="0"/>
+              <a:t>These transform tricks also apply to animation data.</a:t>
             </a:r>
           </a:p>
           <a:p>
@@ -2373,31 +2587,8 @@
           <a:p>
             <a:r>
               <a:rPr lang="en-US" dirty="0" smtClean="0"/>
-              <a:t>If a node is targeted by an animation, it’s sub-tree can be combined, but it can’t be combined with its parent.</a:t>
-            </a:r>
-          </a:p>
-          <a:p>
-            <a:endParaRPr lang="en-US" dirty="0" smtClean="0"/>
-          </a:p>
-          <a:p>
-            <a:r>
-              <a:rPr lang="en-US" dirty="0" smtClean="0"/>
-              <a:t>Texture atlases</a:t>
-            </a:r>
-            <a:r>
-              <a:rPr lang="en-US" baseline="0" dirty="0" smtClean="0"/>
-              <a:t> help nodes have the same material since they share the same texture.</a:t>
-            </a:r>
-          </a:p>
-          <a:p>
-            <a:endParaRPr lang="en-US" baseline="0" dirty="0" smtClean="0"/>
-          </a:p>
-          <a:p>
-            <a:r>
-              <a:rPr lang="en-US" baseline="0" dirty="0" smtClean="0"/>
-              <a:t>Also reduces the number of meshes and combines buffers as needed.</a:t>
-            </a:r>
-            <a:endParaRPr lang="en-US" dirty="0"/>
+              <a:t>Also see “WebGL Models: End-to-End” in OpenGL Insights (Chapter 30).</a:t>
+            </a:r>
           </a:p>
         </p:txBody>
       </p:sp>
@@ -2433,7 +2624,7 @@
     </p:spTree>
     <p:extLst>
       <p:ext uri="{BB962C8B-B14F-4D97-AF65-F5344CB8AC3E}">
-        <p14:creationId xmlns:p14="http://schemas.microsoft.com/office/powerpoint/2010/main" val="2669552986"/>
+        <p14:creationId xmlns:p14="http://schemas.microsoft.com/office/powerpoint/2010/main" val="2034918674"/>
       </p:ext>
     </p:extLst>
   </p:cSld>
@@ -2489,36 +2680,19 @@
           <a:p>
             <a:r>
               <a:rPr lang="en-US" dirty="0" smtClean="0"/>
-              <a:t>Needs to duplicate some vertices.</a:t>
-            </a:r>
-          </a:p>
-          <a:p>
-            <a:endParaRPr lang="en-US" dirty="0" smtClean="0"/>
-          </a:p>
-          <a:p>
-            <a:r>
-              <a:rPr lang="en-US" dirty="0" smtClean="0"/>
-              <a:t>Without extensions,</a:t>
+              <a:t>Slide</a:t>
             </a:r>
             <a:r>
               <a:rPr lang="en-US" baseline="0" dirty="0" smtClean="0"/>
-              <a:t> this is n</a:t>
-            </a:r>
-            <a:r>
-              <a:rPr lang="en-US" dirty="0" smtClean="0"/>
-              <a:t>eeded for WebGL 2 and OpenGL ES 2.  The unsigned </a:t>
-            </a:r>
-            <a:r>
-              <a:rPr lang="en-US" dirty="0" err="1" smtClean="0"/>
-              <a:t>int</a:t>
-            </a:r>
-            <a:r>
-              <a:rPr lang="en-US" dirty="0" smtClean="0"/>
-              <a:t> extension</a:t>
+              <a:t> from https://</a:t>
+            </a:r>
+            <a:r>
+              <a:rPr lang="en-US" baseline="0" dirty="0" err="1" smtClean="0"/>
+              <a:t>www.khronos.org</a:t>
             </a:r>
             <a:r>
               <a:rPr lang="en-US" baseline="0" dirty="0" smtClean="0"/>
-              <a:t> is widely supported, and although it uses more memory and potentially contributes to cache pollution, I have not noticed a performance hit, and it allows for larger batches.</a:t>
+              <a:t>/assets/uploads/developers/library/2013-siggraph-collada-bof/COLLADA-BOF_SIGGRAPH-2013.pdf</a:t>
             </a:r>
             <a:endParaRPr lang="en-US" dirty="0"/>
           </a:p>
@@ -2556,7 +2730,7 @@
     </p:spTree>
     <p:extLst>
       <p:ext uri="{BB962C8B-B14F-4D97-AF65-F5344CB8AC3E}">
-        <p14:creationId xmlns:p14="http://schemas.microsoft.com/office/powerpoint/2010/main" val="2669552986"/>
+        <p14:creationId xmlns:p14="http://schemas.microsoft.com/office/powerpoint/2010/main" val="1814129139"/>
       </p:ext>
     </p:extLst>
   </p:cSld>
@@ -2610,7 +2784,15 @@
           <a:bodyPr/>
           <a:lstStyle/>
           <a:p>
-            <a:endParaRPr lang="en-US"/>
+            <a:r>
+              <a:rPr lang="en-US" dirty="0" smtClean="0"/>
+              <a:t>We’ll briefly talk about the differences between interchange and runtime formats.  Then, we’ll look at the design goals of glTF and some examples of the schema.  Finally, we’ll look at the open-source</a:t>
+            </a:r>
+            <a:r>
+              <a:rPr lang="en-US" baseline="0" dirty="0" smtClean="0"/>
+              <a:t> tools and pipeline stages to convert a COLLADA asset to glTF.</a:t>
+            </a:r>
+            <a:endParaRPr lang="en-US" dirty="0"/>
           </a:p>
         </p:txBody>
       </p:sp>
@@ -2700,162 +2882,38 @@
           <a:bodyPr/>
           <a:lstStyle/>
           <a:p>
-            <a:pPr marL="0" marR="0" indent="0" algn="l" defTabSz="914400" rtl="0" eaLnBrk="0" fontAlgn="base" latinLnBrk="0" hangingPunct="0">
-              <a:lnSpc>
-                <a:spcPct val="100000"/>
-              </a:lnSpc>
-              <a:spcBef>
-                <a:spcPct val="30000"/>
-              </a:spcBef>
-              <a:spcAft>
-                <a:spcPct val="0"/>
-              </a:spcAft>
-              <a:buClrTx/>
-              <a:buSzTx/>
-              <a:buFontTx/>
-              <a:buNone/>
-              <a:tabLst/>
-              <a:defRPr/>
-            </a:pPr>
-            <a:r>
-              <a:rPr lang="en-US" dirty="0" smtClean="0"/>
-              <a:t>Need to consider decompression time along with the payload savings.</a:t>
-            </a:r>
-          </a:p>
-          <a:p>
-            <a:pPr marL="0" marR="0" indent="0" algn="l" defTabSz="914400" rtl="0" eaLnBrk="0" fontAlgn="base" latinLnBrk="0" hangingPunct="0">
-              <a:lnSpc>
-                <a:spcPct val="100000"/>
-              </a:lnSpc>
-              <a:spcBef>
-                <a:spcPct val="30000"/>
-              </a:spcBef>
-              <a:spcAft>
-                <a:spcPct val="0"/>
-              </a:spcAft>
-              <a:buClrTx/>
-              <a:buSzTx/>
-              <a:buFontTx/>
-              <a:buNone/>
-              <a:tabLst/>
-              <a:defRPr/>
-            </a:pPr>
+            <a:r>
+              <a:rPr lang="en-US" dirty="0" smtClean="0"/>
+              <a:t>Vertex clustering from my master’s thesis is shown here.</a:t>
+            </a:r>
+          </a:p>
+          <a:p>
             <a:endParaRPr lang="en-US" dirty="0" smtClean="0"/>
           </a:p>
           <a:p>
-            <a:pPr marL="0" marR="0" indent="0" algn="l" defTabSz="914400" rtl="0" eaLnBrk="0" fontAlgn="base" latinLnBrk="0" hangingPunct="0">
-              <a:lnSpc>
-                <a:spcPct val="100000"/>
-              </a:lnSpc>
-              <a:spcBef>
-                <a:spcPct val="30000"/>
-              </a:spcBef>
-              <a:spcAft>
-                <a:spcPct val="0"/>
-              </a:spcAft>
-              <a:buClrTx/>
-              <a:buSzTx/>
-              <a:buFontTx/>
-              <a:buNone/>
-              <a:tabLst/>
-              <a:defRPr/>
-            </a:pPr>
-            <a:r>
-              <a:rPr lang="en-US" dirty="0" smtClean="0"/>
-              <a:t>Open3DGC – http://</a:t>
-            </a:r>
-            <a:r>
-              <a:rPr lang="en-US" dirty="0" err="1" smtClean="0"/>
-              <a:t>kmamou.blogspot.com</a:t>
-            </a:r>
-            <a:r>
-              <a:rPr lang="en-US" dirty="0" smtClean="0"/>
-              <a:t>/2013/07/open-3d-graphics-compression-open3dgc.html</a:t>
-            </a:r>
-          </a:p>
-          <a:p>
-            <a:pPr marL="0" marR="0" indent="0" algn="l" defTabSz="914400" rtl="0" eaLnBrk="0" fontAlgn="base" latinLnBrk="0" hangingPunct="0">
-              <a:lnSpc>
-                <a:spcPct val="100000"/>
-              </a:lnSpc>
-              <a:spcBef>
-                <a:spcPct val="30000"/>
-              </a:spcBef>
-              <a:spcAft>
-                <a:spcPct val="0"/>
-              </a:spcAft>
-              <a:buClrTx/>
-              <a:buSzTx/>
-              <a:buFontTx/>
-              <a:buNone/>
-              <a:tabLst/>
-              <a:defRPr/>
-            </a:pPr>
-            <a:r>
-              <a:rPr lang="en-US" dirty="0" smtClean="0"/>
-              <a:t>TFAN – fans, quantize, parallelogram predict, O(n) </a:t>
-            </a:r>
-            <a:r>
-              <a:rPr lang="en-US" dirty="0" err="1" smtClean="0"/>
-              <a:t>wrt</a:t>
-            </a:r>
-            <a:r>
-              <a:rPr lang="en-US" baseline="0" dirty="0" smtClean="0"/>
-              <a:t> vertices to decompress.</a:t>
-            </a:r>
+            <a:r>
+              <a:rPr lang="en-US" dirty="0" smtClean="0"/>
+              <a:t>QEM is most popular.</a:t>
+            </a:r>
+          </a:p>
+          <a:p>
             <a:endParaRPr lang="en-US" dirty="0" smtClean="0"/>
           </a:p>
           <a:p>
-            <a:pPr marL="0" marR="0" indent="0" algn="l" defTabSz="914400" rtl="0" eaLnBrk="0" fontAlgn="base" latinLnBrk="0" hangingPunct="0">
-              <a:lnSpc>
-                <a:spcPct val="100000"/>
-              </a:lnSpc>
-              <a:spcBef>
-                <a:spcPct val="30000"/>
-              </a:spcBef>
-              <a:spcAft>
-                <a:spcPct val="0"/>
-              </a:spcAft>
-              <a:buClrTx/>
-              <a:buSzTx/>
-              <a:buFontTx/>
-              <a:buNone/>
-              <a:tabLst/>
-              <a:defRPr/>
-            </a:pPr>
+            <a:r>
+              <a:rPr lang="en-US" dirty="0" smtClean="0"/>
+              <a:t>Many games are not using geometric LOD on their characters.</a:t>
+            </a:r>
+          </a:p>
+          <a:p>
             <a:endParaRPr lang="en-US" dirty="0" smtClean="0"/>
           </a:p>
           <a:p>
-            <a:pPr marL="0" marR="0" indent="0" algn="l" defTabSz="914400" rtl="0" eaLnBrk="0" fontAlgn="base" latinLnBrk="0" hangingPunct="0">
-              <a:lnSpc>
-                <a:spcPct val="100000"/>
-              </a:lnSpc>
-              <a:spcBef>
-                <a:spcPct val="30000"/>
-              </a:spcBef>
-              <a:spcAft>
-                <a:spcPct val="0"/>
-              </a:spcAft>
-              <a:buClrTx/>
-              <a:buSzTx/>
-              <a:buFontTx/>
-              <a:buNone/>
-              <a:tabLst/>
-              <a:defRPr/>
-            </a:pPr>
-            <a:r>
-              <a:rPr lang="en-US" dirty="0" smtClean="0"/>
-              <a:t>These transform tricks also apply to animation data.</a:t>
-            </a:r>
-          </a:p>
-          <a:p>
-            <a:endParaRPr lang="en-US" dirty="0" smtClean="0"/>
-          </a:p>
-          <a:p>
-            <a:r>
-              <a:rPr lang="en-US" dirty="0" smtClean="0"/>
-              <a:t>Also see “WebGL Models: End-to-End” in OpenGL Insights (Chapter 30).</a:t>
-            </a:r>
+            <a:r>
+              <a:rPr lang="en-US" dirty="0" smtClean="0"/>
+              <a:t>Many generate different models for different platforms – mobile vs. console vs. desktop.</a:t>
+            </a:r>
+            <a:endParaRPr lang="en-US" dirty="0"/>
           </a:p>
         </p:txBody>
       </p:sp>
@@ -2891,7 +2949,7 @@
     </p:spTree>
     <p:extLst>
       <p:ext uri="{BB962C8B-B14F-4D97-AF65-F5344CB8AC3E}">
-        <p14:creationId xmlns:p14="http://schemas.microsoft.com/office/powerpoint/2010/main" val="2034918674"/>
+        <p14:creationId xmlns:p14="http://schemas.microsoft.com/office/powerpoint/2010/main" val="2669552986"/>
       </p:ext>
     </p:extLst>
   </p:cSld>
@@ -2947,19 +3005,85 @@
           <a:p>
             <a:r>
               <a:rPr lang="en-US" dirty="0" smtClean="0"/>
-              <a:t>Slide</a:t>
-            </a:r>
-            <a:r>
-              <a:rPr lang="en-US" baseline="0" dirty="0" smtClean="0"/>
-              <a:t> from https://</a:t>
-            </a:r>
-            <a:r>
-              <a:rPr lang="en-US" baseline="0" dirty="0" err="1" smtClean="0"/>
-              <a:t>www.khronos.org</a:t>
-            </a:r>
-            <a:r>
-              <a:rPr lang="en-US" baseline="0" dirty="0" smtClean="0"/>
-              <a:t>/assets/uploads/developers/library/2013-siggraph-collada-bof/COLLADA-BOF_SIGGRAPH-2013.pdf</a:t>
+              <a:t>Vertex cache optimization</a:t>
+            </a:r>
+          </a:p>
+          <a:p>
+            <a:r>
+              <a:rPr lang="en-US" dirty="0" smtClean="0"/>
+              <a:t>* http://</a:t>
+            </a:r>
+            <a:r>
+              <a:rPr lang="en-US" dirty="0" err="1" smtClean="0"/>
+              <a:t>home.comcast.net</a:t>
+            </a:r>
+            <a:r>
+              <a:rPr lang="en-US" dirty="0" smtClean="0"/>
+              <a:t>/~</a:t>
+            </a:r>
+            <a:r>
+              <a:rPr lang="en-US" dirty="0" err="1" smtClean="0"/>
+              <a:t>tom_forsyth</a:t>
+            </a:r>
+            <a:r>
+              <a:rPr lang="en-US" dirty="0" smtClean="0"/>
+              <a:t>/papers/</a:t>
+            </a:r>
+            <a:r>
+              <a:rPr lang="en-US" dirty="0" err="1" smtClean="0"/>
+              <a:t>fast_vert_cache_opt.html</a:t>
+            </a:r>
+            <a:endParaRPr lang="en-US" dirty="0" smtClean="0"/>
+          </a:p>
+          <a:p>
+            <a:pPr marL="0" indent="0">
+              <a:buFontTx/>
+              <a:buNone/>
+            </a:pPr>
+            <a:r>
+              <a:rPr lang="en-US" dirty="0" smtClean="0"/>
+              <a:t>* http://</a:t>
+            </a:r>
+            <a:r>
+              <a:rPr lang="en-US" dirty="0" err="1" smtClean="0"/>
+              <a:t>gfx.cs.princeton.edu</a:t>
+            </a:r>
+            <a:r>
+              <a:rPr lang="en-US" dirty="0" smtClean="0"/>
+              <a:t>/pubs/Sander_2007_%3ETR/</a:t>
+            </a:r>
+          </a:p>
+          <a:p>
+            <a:pPr marL="171450" indent="-171450">
+              <a:buFontTx/>
+              <a:buChar char="•"/>
+            </a:pPr>
+            <a:endParaRPr lang="en-US" dirty="0" smtClean="0"/>
+          </a:p>
+          <a:p>
+            <a:r>
+              <a:rPr lang="en-US" dirty="0" smtClean="0"/>
+              <a:t>Interleaving – see Chapter 3 - http://</a:t>
+            </a:r>
+            <a:r>
+              <a:rPr lang="en-US" dirty="0" err="1" smtClean="0"/>
+              <a:t>www.sci.utah.edu</a:t>
+            </a:r>
+            <a:r>
+              <a:rPr lang="en-US" dirty="0" smtClean="0"/>
+              <a:t>/~</a:t>
+            </a:r>
+            <a:r>
+              <a:rPr lang="en-US" dirty="0" err="1" smtClean="0"/>
+              <a:t>csilva</a:t>
+            </a:r>
+            <a:r>
+              <a:rPr lang="en-US" dirty="0" smtClean="0"/>
+              <a:t>/papers/thesis/</a:t>
+            </a:r>
+            <a:r>
+              <a:rPr lang="en-US" dirty="0" err="1" smtClean="0"/>
+              <a:t>louis-bavoil-ms-thesis.pdf</a:t>
             </a:r>
             <a:endParaRPr lang="en-US" dirty="0"/>
           </a:p>
@@ -2997,7 +3121,7 @@
     </p:spTree>
     <p:extLst>
       <p:ext uri="{BB962C8B-B14F-4D97-AF65-F5344CB8AC3E}">
-        <p14:creationId xmlns:p14="http://schemas.microsoft.com/office/powerpoint/2010/main" val="1814129139"/>
+        <p14:creationId xmlns:p14="http://schemas.microsoft.com/office/powerpoint/2010/main" val="2669552986"/>
       </p:ext>
     </p:extLst>
   </p:cSld>
@@ -3053,7 +3177,7 @@
           <a:p>
             <a:r>
               <a:rPr lang="en-US" dirty="0" smtClean="0"/>
-              <a:t>Vertex clustering from my master’s thesis is shown here.</a:t>
+              <a:t>Animation:</a:t>
             </a:r>
           </a:p>
           <a:p>
@@ -3062,7 +3186,7 @@
           <a:p>
             <a:r>
               <a:rPr lang="en-US" dirty="0" smtClean="0"/>
-              <a:t>QEM is most popular.</a:t>
+              <a:t>15 fps may be fine instead of 30 or 60</a:t>
             </a:r>
           </a:p>
           <a:p>
@@ -3071,16 +3195,62 @@
           <a:p>
             <a:r>
               <a:rPr lang="en-US" dirty="0" smtClean="0"/>
-              <a:t>Many games are not using geometric LOD on their characters.</a:t>
-            </a:r>
-          </a:p>
-          <a:p>
+              <a:t>Control points don’t need to be uniformly sampled,</a:t>
+            </a:r>
+            <a:r>
+              <a:rPr lang="en-US" baseline="0" dirty="0" smtClean="0"/>
+              <a:t> e.g., samples can be removed for linear parts.</a:t>
+            </a:r>
             <a:endParaRPr lang="en-US" dirty="0" smtClean="0"/>
           </a:p>
           <a:p>
-            <a:r>
-              <a:rPr lang="en-US" dirty="0" smtClean="0"/>
-              <a:t>Many generate different models for different platforms – mobile vs. console vs. desktop.</a:t>
+            <a:endParaRPr lang="en-US" dirty="0" smtClean="0"/>
+          </a:p>
+          <a:p>
+            <a:r>
+              <a:rPr lang="en-US" dirty="0" smtClean="0"/>
+              <a:t>Don’t store a channel for scale, for example, if</a:t>
+            </a:r>
+            <a:r>
+              <a:rPr lang="en-US" baseline="0" dirty="0" smtClean="0"/>
+              <a:t> it never changes.</a:t>
+            </a:r>
+            <a:endParaRPr lang="en-US" dirty="0" smtClean="0"/>
+          </a:p>
+          <a:p>
+            <a:endParaRPr lang="en-US" dirty="0" smtClean="0"/>
+          </a:p>
+          <a:p>
+            <a:r>
+              <a:rPr lang="en-US" dirty="0" smtClean="0"/>
+              <a:t>See Section 11.8 in Game Engine Architecture</a:t>
+            </a:r>
+          </a:p>
+          <a:p>
+            <a:endParaRPr lang="en-US" dirty="0" smtClean="0"/>
+          </a:p>
+          <a:p>
+            <a:r>
+              <a:rPr lang="en-US" dirty="0" smtClean="0"/>
+              <a:t>Skins:</a:t>
+            </a:r>
+          </a:p>
+          <a:p>
+            <a:endParaRPr lang="en-US" dirty="0" smtClean="0"/>
+          </a:p>
+          <a:p>
+            <a:r>
+              <a:rPr lang="en-US" dirty="0" smtClean="0"/>
+              <a:t>2 joints for an elbow.  3 weights for a hip.  Games rarely use more than 4 weights.</a:t>
+            </a:r>
+          </a:p>
+          <a:p>
+            <a:endParaRPr lang="en-US" dirty="0" smtClean="0"/>
+          </a:p>
+          <a:p>
+            <a:r>
+              <a:rPr lang="en-US" dirty="0" smtClean="0"/>
+              <a:t>Mesh splits are required to keep joint matrices in a uniform array.</a:t>
             </a:r>
             <a:endParaRPr lang="en-US" dirty="0"/>
           </a:p>
@@ -3118,7 +3288,7 @@
     </p:spTree>
     <p:extLst>
       <p:ext uri="{BB962C8B-B14F-4D97-AF65-F5344CB8AC3E}">
-        <p14:creationId xmlns:p14="http://schemas.microsoft.com/office/powerpoint/2010/main" val="2669552986"/>
+        <p14:creationId xmlns:p14="http://schemas.microsoft.com/office/powerpoint/2010/main" val="1241094565"/>
       </p:ext>
     </p:extLst>
   </p:cSld>
@@ -3174,33 +3344,128 @@
           <a:p>
             <a:r>
               <a:rPr lang="en-US" dirty="0" smtClean="0"/>
-              <a:t>Vertex cache optimization</a:t>
-            </a:r>
-          </a:p>
-          <a:p>
-            <a:r>
-              <a:rPr lang="en-US" dirty="0" smtClean="0"/>
-              <a:t>* http://</a:t>
+              <a:t>Care needs to be taken when </a:t>
             </a:r>
             <a:r>
               <a:rPr lang="en-US" dirty="0" err="1" smtClean="0"/>
-              <a:t>home.comcast.net</a:t>
-            </a:r>
-            <a:r>
-              <a:rPr lang="en-US" dirty="0" smtClean="0"/>
-              <a:t>/~</a:t>
+              <a:t>mipmapping</a:t>
+            </a:r>
+            <a:r>
+              <a:rPr lang="en-US" dirty="0" smtClean="0"/>
+              <a:t>.</a:t>
+            </a:r>
+          </a:p>
+          <a:p>
+            <a:endParaRPr lang="en-US" dirty="0" smtClean="0"/>
+          </a:p>
+          <a:p>
+            <a:r>
+              <a:rPr lang="en-US" dirty="0" smtClean="0"/>
+              <a:t>Packing a texture atlas is NP hard,</a:t>
+            </a:r>
+            <a:r>
+              <a:rPr lang="en-US" baseline="0" dirty="0" smtClean="0"/>
+              <a:t> see</a:t>
+            </a:r>
+          </a:p>
+          <a:p>
+            <a:pPr marL="171450" indent="-171450">
+              <a:buFontTx/>
+              <a:buChar char="•"/>
+            </a:pPr>
+            <a:r>
+              <a:rPr lang="en-US" baseline="0" dirty="0" smtClean="0"/>
+              <a:t>http://</a:t>
+            </a:r>
+            <a:r>
+              <a:rPr lang="en-US" baseline="0" dirty="0" err="1" smtClean="0"/>
+              <a:t>clb.demon.fi</a:t>
+            </a:r>
+            <a:r>
+              <a:rPr lang="en-US" baseline="0" dirty="0" smtClean="0"/>
+              <a:t>/files/</a:t>
+            </a:r>
+            <a:r>
+              <a:rPr lang="en-US" baseline="0" dirty="0" err="1" smtClean="0"/>
+              <a:t>RectangleBinPack.pdf</a:t>
+            </a:r>
+            <a:endParaRPr lang="en-US" baseline="0" dirty="0" smtClean="0"/>
+          </a:p>
+          <a:p>
+            <a:pPr marL="171450" indent="-171450">
+              <a:buFontTx/>
+              <a:buChar char="•"/>
+            </a:pPr>
+            <a:r>
+              <a:rPr lang="en-US" dirty="0" smtClean="0"/>
+              <a:t>http://</a:t>
             </a:r>
             <a:r>
               <a:rPr lang="en-US" dirty="0" err="1" smtClean="0"/>
-              <a:t>tom_forsyth</a:t>
-            </a:r>
-            <a:r>
-              <a:rPr lang="en-US" dirty="0" smtClean="0"/>
-              <a:t>/papers/</a:t>
+              <a:t>clb.demon.fi</a:t>
+            </a:r>
+            <a:r>
+              <a:rPr lang="en-US" dirty="0" smtClean="0"/>
+              <a:t>/projects/even-more-rectangle-bin-packing</a:t>
+            </a:r>
+          </a:p>
+          <a:p>
+            <a:pPr marL="171450" indent="-171450">
+              <a:buFontTx/>
+              <a:buChar char="•"/>
+            </a:pPr>
+            <a:r>
+              <a:rPr lang="en-US" dirty="0" smtClean="0"/>
+              <a:t>http://</a:t>
             </a:r>
             <a:r>
               <a:rPr lang="en-US" dirty="0" err="1" smtClean="0"/>
-              <a:t>fast_vert_cache_opt.html</a:t>
+              <a:t>www.blackpawn.com</a:t>
+            </a:r>
+            <a:r>
+              <a:rPr lang="en-US" dirty="0" smtClean="0"/>
+              <a:t>/texts/</a:t>
+            </a:r>
+            <a:r>
+              <a:rPr lang="en-US" dirty="0" err="1" smtClean="0"/>
+              <a:t>lightmaps</a:t>
+            </a:r>
+            <a:r>
+              <a:rPr lang="en-US" dirty="0" smtClean="0"/>
+              <a:t>/</a:t>
+            </a:r>
+          </a:p>
+          <a:p>
+            <a:endParaRPr lang="en-US" dirty="0" smtClean="0"/>
+          </a:p>
+          <a:p>
+            <a:pPr marL="171450" indent="-171450">
+              <a:buFontTx/>
+              <a:buChar char="•"/>
+            </a:pPr>
+            <a:r>
+              <a:rPr lang="en-US" dirty="0" smtClean="0"/>
+              <a:t>See https://</a:t>
+            </a:r>
+            <a:r>
+              <a:rPr lang="en-US" dirty="0" err="1" smtClean="0"/>
+              <a:t>developer.nvidia.com</a:t>
+            </a:r>
+            <a:r>
+              <a:rPr lang="en-US" dirty="0" smtClean="0"/>
+              <a:t>/sites/default/files/</a:t>
+            </a:r>
+            <a:r>
+              <a:rPr lang="en-US" dirty="0" err="1" smtClean="0"/>
+              <a:t>akamai</a:t>
+            </a:r>
+            <a:r>
+              <a:rPr lang="en-US" dirty="0" smtClean="0"/>
+              <a:t>/tools/files/</a:t>
+            </a:r>
+            <a:r>
+              <a:rPr lang="en-US" dirty="0" err="1" smtClean="0"/>
+              <a:t>Texture_Atlas_Whitepaper.pdf</a:t>
             </a:r>
             <a:endParaRPr lang="en-US" dirty="0" smtClean="0"/>
           </a:p>
@@ -3209,52 +3474,7 @@
               <a:buFontTx/>
               <a:buNone/>
             </a:pPr>
-            <a:r>
-              <a:rPr lang="en-US" dirty="0" smtClean="0"/>
-              <a:t>* http://</a:t>
-            </a:r>
-            <a:r>
-              <a:rPr lang="en-US" dirty="0" err="1" smtClean="0"/>
-              <a:t>gfx.cs.princeton.edu</a:t>
-            </a:r>
-            <a:r>
-              <a:rPr lang="en-US" dirty="0" smtClean="0"/>
-              <a:t>/pubs/Sander_2007_%3ETR/</a:t>
-            </a:r>
-          </a:p>
-          <a:p>
-            <a:pPr marL="171450" indent="-171450">
-              <a:buFontTx/>
-              <a:buChar char="•"/>
-            </a:pPr>
             <a:endParaRPr lang="en-US" dirty="0" smtClean="0"/>
-          </a:p>
-          <a:p>
-            <a:r>
-              <a:rPr lang="en-US" dirty="0" smtClean="0"/>
-              <a:t>Interleaving – see Chapter 3 - http://</a:t>
-            </a:r>
-            <a:r>
-              <a:rPr lang="en-US" dirty="0" err="1" smtClean="0"/>
-              <a:t>www.sci.utah.edu</a:t>
-            </a:r>
-            <a:r>
-              <a:rPr lang="en-US" dirty="0" smtClean="0"/>
-              <a:t>/~</a:t>
-            </a:r>
-            <a:r>
-              <a:rPr lang="en-US" dirty="0" err="1" smtClean="0"/>
-              <a:t>csilva</a:t>
-            </a:r>
-            <a:r>
-              <a:rPr lang="en-US" dirty="0" smtClean="0"/>
-              <a:t>/papers/thesis/</a:t>
-            </a:r>
-            <a:r>
-              <a:rPr lang="en-US" dirty="0" err="1" smtClean="0"/>
-              <a:t>louis-bavoil-ms-thesis.pdf</a:t>
-            </a:r>
-            <a:endParaRPr lang="en-US" dirty="0"/>
           </a:p>
         </p:txBody>
       </p:sp>
@@ -3290,7 +3510,7 @@
     </p:spTree>
     <p:extLst>
       <p:ext uri="{BB962C8B-B14F-4D97-AF65-F5344CB8AC3E}">
-        <p14:creationId xmlns:p14="http://schemas.microsoft.com/office/powerpoint/2010/main" val="2669552986"/>
+        <p14:creationId xmlns:p14="http://schemas.microsoft.com/office/powerpoint/2010/main" val="3525526836"/>
       </p:ext>
     </p:extLst>
   </p:cSld>
@@ -3345,82 +3565,70 @@
           <a:lstStyle/>
           <a:p>
             <a:r>
-              <a:rPr lang="en-US" dirty="0" smtClean="0"/>
-              <a:t>Animation:</a:t>
-            </a:r>
-          </a:p>
-          <a:p>
-            <a:endParaRPr lang="en-US" dirty="0" smtClean="0"/>
-          </a:p>
-          <a:p>
-            <a:r>
-              <a:rPr lang="en-US" dirty="0" smtClean="0"/>
-              <a:t>15 fps may be fine instead of 30 or 60</a:t>
-            </a:r>
-          </a:p>
-          <a:p>
-            <a:endParaRPr lang="en-US" dirty="0" smtClean="0"/>
-          </a:p>
-          <a:p>
-            <a:r>
-              <a:rPr lang="en-US" dirty="0" smtClean="0"/>
-              <a:t>Control points don’t need to be uniformly sampled,</a:t>
+              <a:rPr lang="en-US" dirty="0" err="1" smtClean="0"/>
+              <a:t>glGenerateMipmap</a:t>
+            </a:r>
+            <a:r>
+              <a:rPr lang="en-US" dirty="0" smtClean="0"/>
+              <a:t> may use a low-quality filter and/or</a:t>
             </a:r>
             <a:r>
               <a:rPr lang="en-US" baseline="0" dirty="0" smtClean="0"/>
-              <a:t> e.g., samples can be removed for linear parts.</a:t>
-            </a:r>
-            <a:endParaRPr lang="en-US" dirty="0" smtClean="0"/>
-          </a:p>
-          <a:p>
-            <a:endParaRPr lang="en-US" dirty="0" smtClean="0"/>
-          </a:p>
-          <a:p>
-            <a:r>
-              <a:rPr lang="en-US" dirty="0" smtClean="0"/>
-              <a:t>Don’t store a channel for scale, for example, if</a:t>
-            </a:r>
+              <a:t> be slow.</a:t>
+            </a:r>
+          </a:p>
+          <a:p>
+            <a:endParaRPr lang="en-US" baseline="0" dirty="0" smtClean="0"/>
+          </a:p>
+          <a:p>
             <a:r>
               <a:rPr lang="en-US" baseline="0" dirty="0" smtClean="0"/>
-              <a:t> it never changes.</a:t>
-            </a:r>
-            <a:endParaRPr lang="en-US" dirty="0" smtClean="0"/>
-          </a:p>
-          <a:p>
-            <a:endParaRPr lang="en-US" dirty="0" smtClean="0"/>
-          </a:p>
-          <a:p>
-            <a:r>
-              <a:rPr lang="en-US" dirty="0" smtClean="0"/>
-              <a:t>See Section 11.8 in Game Engine Architecture</a:t>
-            </a:r>
-          </a:p>
-          <a:p>
-            <a:endParaRPr lang="en-US" dirty="0" smtClean="0"/>
-          </a:p>
-          <a:p>
-            <a:r>
-              <a:rPr lang="en-US" dirty="0" smtClean="0"/>
-              <a:t>Skins:</a:t>
-            </a:r>
-          </a:p>
-          <a:p>
-            <a:endParaRPr lang="en-US" dirty="0" smtClean="0"/>
-          </a:p>
-          <a:p>
-            <a:r>
-              <a:rPr lang="en-US" dirty="0" smtClean="0"/>
-              <a:t>2 joints for an elbow.  3 weights for a hip.  Games rarely use more than 4 weights.</a:t>
-            </a:r>
-          </a:p>
-          <a:p>
-            <a:endParaRPr lang="en-US" dirty="0" smtClean="0"/>
-          </a:p>
-          <a:p>
-            <a:r>
-              <a:rPr lang="en-US" dirty="0" smtClean="0"/>
-              <a:t>Mesh splits are required to keep joint matrices in a uniform array.</a:t>
-            </a:r>
+              <a:t>In addition to visual quality, mipmaps also help the GPU cache since sampling from the </a:t>
+            </a:r>
+            <a:r>
+              <a:rPr lang="en-US" baseline="0" dirty="0" err="1" smtClean="0"/>
+              <a:t>mip</a:t>
+            </a:r>
+            <a:r>
+              <a:rPr lang="en-US" baseline="0" dirty="0" smtClean="0"/>
+              <a:t> level has better spatial coherence than sampling from the full texture.</a:t>
+            </a:r>
+          </a:p>
+          <a:p>
+            <a:endParaRPr lang="en-US" baseline="0" dirty="0" smtClean="0"/>
+          </a:p>
+          <a:p>
+            <a:pPr marL="0" marR="0" indent="0" algn="l" defTabSz="914400" rtl="0" eaLnBrk="0" fontAlgn="base" latinLnBrk="0" hangingPunct="0">
+              <a:lnSpc>
+                <a:spcPct val="100000"/>
+              </a:lnSpc>
+              <a:spcBef>
+                <a:spcPct val="30000"/>
+              </a:spcBef>
+              <a:spcAft>
+                <a:spcPct val="0"/>
+              </a:spcAft>
+              <a:buClrTx/>
+              <a:buSzTx/>
+              <a:buFontTx/>
+              <a:buNone/>
+              <a:tabLst/>
+              <a:defRPr/>
+            </a:pPr>
+            <a:r>
+              <a:rPr lang="en-US" dirty="0" smtClean="0"/>
+              <a:t>Image from Real-Time Rendering - http://</a:t>
+            </a:r>
+            <a:r>
+              <a:rPr lang="en-US" dirty="0" err="1" smtClean="0"/>
+              <a:t>www.realtimerendering.com</a:t>
+            </a:r>
+            <a:r>
+              <a:rPr lang="en-US" dirty="0" smtClean="0"/>
+              <a:t>/</a:t>
+            </a:r>
+          </a:p>
+          <a:p>
             <a:endParaRPr lang="en-US" dirty="0"/>
           </a:p>
         </p:txBody>
@@ -3457,7 +3665,7 @@
     </p:spTree>
     <p:extLst>
       <p:ext uri="{BB962C8B-B14F-4D97-AF65-F5344CB8AC3E}">
-        <p14:creationId xmlns:p14="http://schemas.microsoft.com/office/powerpoint/2010/main" val="1241094565"/>
+        <p14:creationId xmlns:p14="http://schemas.microsoft.com/office/powerpoint/2010/main" val="3525526836"/>
       </p:ext>
     </p:extLst>
   </p:cSld>
@@ -3513,15 +3721,36 @@
           <a:p>
             <a:r>
               <a:rPr lang="en-US" dirty="0" smtClean="0"/>
-              <a:t>Care needs to be taken when </a:t>
+              <a:t>Format for modeling: lossless.  Format for runtime: can</a:t>
+            </a:r>
+            <a:r>
+              <a:rPr lang="en-US" baseline="0" dirty="0" smtClean="0"/>
+              <a:t> be </a:t>
+            </a:r>
+            <a:r>
+              <a:rPr lang="en-US" baseline="0" dirty="0" err="1" smtClean="0"/>
+              <a:t>lossly</a:t>
+            </a:r>
+            <a:r>
+              <a:rPr lang="en-US" baseline="0" dirty="0" smtClean="0"/>
+              <a:t>.  In our engine, we would compress satellite imagery except for the leaf nodes.</a:t>
+            </a:r>
+          </a:p>
+          <a:p>
+            <a:endParaRPr lang="en-US" dirty="0" smtClean="0"/>
+          </a:p>
+          <a:p>
+            <a:r>
+              <a:rPr lang="en-US" dirty="0" smtClean="0"/>
+              <a:t>Often, we convert .</a:t>
             </a:r>
             <a:r>
               <a:rPr lang="en-US" dirty="0" err="1" smtClean="0"/>
-              <a:t>mipmapping</a:t>
-            </a:r>
-            <a:r>
-              <a:rPr lang="en-US" dirty="0" smtClean="0"/>
-              <a:t>.</a:t>
+              <a:t>tga</a:t>
+            </a:r>
+            <a:r>
+              <a:rPr lang="en-US" dirty="0" smtClean="0"/>
+              <a:t> to .png.</a:t>
             </a:r>
           </a:p>
           <a:p>
@@ -3530,120 +3759,106 @@
           <a:p>
             <a:r>
               <a:rPr lang="en-US" dirty="0" smtClean="0"/>
-              <a:t>Packing a texture atlas is NP hard,</a:t>
+              <a:t>.jpg can have an alpha channel nowadays.</a:t>
+            </a:r>
+          </a:p>
+          <a:p>
+            <a:endParaRPr lang="en-US" dirty="0" smtClean="0"/>
+          </a:p>
+          <a:p>
+            <a:r>
+              <a:rPr lang="en-US" dirty="0" smtClean="0"/>
+              <a:t>JPEG compression is better than DXT.</a:t>
+            </a:r>
+          </a:p>
+          <a:p>
+            <a:endParaRPr lang="en-US" dirty="0" smtClean="0"/>
+          </a:p>
+          <a:p>
+            <a:r>
+              <a:rPr lang="en-US" dirty="0" smtClean="0"/>
+              <a:t>DXT – use PCA to fit a line through color space.  </a:t>
+            </a:r>
+            <a:r>
+              <a:rPr lang="en-US" dirty="0" err="1" smtClean="0"/>
+              <a:t>Lossy</a:t>
+            </a:r>
+            <a:r>
+              <a:rPr lang="en-US" dirty="0" smtClean="0"/>
+              <a:t>.  Slow to compress but fast to decompress on</a:t>
             </a:r>
             <a:r>
               <a:rPr lang="en-US" baseline="0" dirty="0" smtClean="0"/>
-              <a:t> see</a:t>
-            </a:r>
-          </a:p>
-          <a:p>
-            <a:pPr marL="171450" indent="-171450">
-              <a:buFontTx/>
-              <a:buChar char="•"/>
-            </a:pPr>
-            <a:r>
-              <a:rPr lang="en-US" baseline="0" dirty="0" smtClean="0"/>
-              <a:t>http://</a:t>
-            </a:r>
-            <a:r>
-              <a:rPr lang="en-US" baseline="0" dirty="0" err="1" smtClean="0"/>
-              <a:t>clb.demon.fi</a:t>
-            </a:r>
-            <a:r>
-              <a:rPr lang="en-US" baseline="0" dirty="0" smtClean="0"/>
-              <a:t>/files/</a:t>
-            </a:r>
-            <a:r>
-              <a:rPr lang="en-US" baseline="0" dirty="0" err="1" smtClean="0"/>
-              <a:t>RectangleBinPack.pdf</a:t>
-            </a:r>
+              <a:t>-the-fly in hardware.  Also higher visual quality if compressing a larger texture, compared to a smaller uncompressed texture.  Several versions of DXT, with and without alpha.</a:t>
+            </a:r>
+          </a:p>
+          <a:p>
             <a:endParaRPr lang="en-US" baseline="0" dirty="0" smtClean="0"/>
           </a:p>
           <a:p>
-            <a:pPr marL="171450" indent="-171450">
-              <a:buFontTx/>
-              <a:buChar char="•"/>
-            </a:pPr>
-            <a:r>
-              <a:rPr lang="en-US" dirty="0" smtClean="0"/>
-              <a:t>http://</a:t>
-            </a:r>
-            <a:r>
-              <a:rPr lang="en-US" dirty="0" err="1" smtClean="0"/>
-              <a:t>clb.demon.fi</a:t>
-            </a:r>
-            <a:r>
-              <a:rPr lang="en-US" dirty="0" smtClean="0"/>
-              <a:t>/projects/even-more-rectangle-bin-packing</a:t>
-            </a:r>
-          </a:p>
-          <a:p>
-            <a:pPr marL="171450" indent="-171450">
-              <a:buFontTx/>
-              <a:buChar char="•"/>
-            </a:pPr>
-            <a:r>
-              <a:rPr lang="en-US" dirty="0" smtClean="0"/>
-              <a:t>http://</a:t>
-            </a:r>
-            <a:r>
-              <a:rPr lang="en-US" dirty="0" err="1" smtClean="0"/>
-              <a:t>www.blackpawn.com</a:t>
-            </a:r>
-            <a:r>
-              <a:rPr lang="en-US" dirty="0" smtClean="0"/>
-              <a:t>/texts/</a:t>
-            </a:r>
-            <a:r>
-              <a:rPr lang="en-US" dirty="0" err="1" smtClean="0"/>
-              <a:t>lightmaps</a:t>
-            </a:r>
-            <a:r>
-              <a:rPr lang="en-US" dirty="0" smtClean="0"/>
-              <a:t>/</a:t>
-            </a:r>
-          </a:p>
-          <a:p>
-            <a:endParaRPr lang="en-US" dirty="0" smtClean="0"/>
-          </a:p>
-          <a:p>
-            <a:pPr marL="171450" indent="-171450">
-              <a:buFontTx/>
-              <a:buChar char="•"/>
-            </a:pPr>
-            <a:r>
-              <a:rPr lang="en-US" dirty="0" smtClean="0"/>
-              <a:t>See https://</a:t>
-            </a:r>
-            <a:r>
-              <a:rPr lang="en-US" dirty="0" err="1" smtClean="0"/>
-              <a:t>developer.nvidia.com</a:t>
-            </a:r>
-            <a:r>
-              <a:rPr lang="en-US" dirty="0" smtClean="0"/>
-              <a:t>/sites/default/files/</a:t>
-            </a:r>
-            <a:r>
-              <a:rPr lang="en-US" dirty="0" err="1" smtClean="0"/>
-              <a:t>akamai</a:t>
-            </a:r>
-            <a:r>
-              <a:rPr lang="en-US" dirty="0" smtClean="0"/>
-              <a:t>/tools/files/</a:t>
-            </a:r>
-            <a:r>
-              <a:rPr lang="en-US" dirty="0" err="1" smtClean="0"/>
-              <a:t>Texture_Atlas_Whitepaper.pdf</a:t>
-            </a:r>
-            <a:endParaRPr lang="en-US" dirty="0" smtClean="0"/>
-          </a:p>
-          <a:p>
-            <a:pPr marL="0" indent="0">
+            <a:pPr marL="0" marR="0" indent="0" algn="l" defTabSz="914400" rtl="0" eaLnBrk="0" fontAlgn="base" latinLnBrk="0" hangingPunct="0">
+              <a:lnSpc>
+                <a:spcPct val="100000"/>
+              </a:lnSpc>
+              <a:spcBef>
+                <a:spcPct val="30000"/>
+              </a:spcBef>
+              <a:spcAft>
+                <a:spcPct val="0"/>
+              </a:spcAft>
+              <a:buClrTx/>
+              <a:buSzTx/>
               <a:buFontTx/>
               <a:buNone/>
+              <a:tabLst/>
+              <a:defRPr/>
             </a:pPr>
+            <a:r>
+              <a:rPr lang="en-US" baseline="0" dirty="0" smtClean="0"/>
+              <a:t>ETC2 required in ES 3.0 and GL 4.3.  Higher quality than DXT at same bitrate.  More flexibility in texture format, e.g., R and RG formats.</a:t>
+            </a:r>
             <a:endParaRPr lang="en-US" dirty="0" smtClean="0"/>
+          </a:p>
+          <a:p>
+            <a:endParaRPr lang="en-US" baseline="0" dirty="0" smtClean="0"/>
+          </a:p>
+          <a:p>
+            <a:r>
+              <a:rPr lang="en-US" baseline="0" dirty="0" smtClean="0"/>
+              <a:t>Also, ASTC (Adaptive Scalable Texture Compression), but is optional in GL.</a:t>
+            </a:r>
+          </a:p>
+          <a:p>
+            <a:endParaRPr lang="en-US" baseline="0" dirty="0" smtClean="0"/>
+          </a:p>
+          <a:p>
+            <a:r>
+              <a:rPr lang="en-US" baseline="0" dirty="0" smtClean="0"/>
+              <a:t>“Recent research shows that special-purpose packing methods can compress ETC-files to sizes smaller than JPEG for equal quality, at around 2.2 </a:t>
+            </a:r>
+            <a:r>
+              <a:rPr lang="en-US" baseline="0" dirty="0" err="1" smtClean="0"/>
+              <a:t>bpp</a:t>
+            </a:r>
+            <a:r>
+              <a:rPr lang="en-US" baseline="0" dirty="0" smtClean="0"/>
+              <a:t>.”</a:t>
+            </a:r>
+          </a:p>
+          <a:p>
+            <a:r>
+              <a:rPr lang="en-US" baseline="0" dirty="0" smtClean="0"/>
+              <a:t>* See https://</a:t>
+            </a:r>
+            <a:r>
+              <a:rPr lang="en-US" baseline="0" dirty="0" err="1" smtClean="0"/>
+              <a:t>www.khronos.org</a:t>
+            </a:r>
+            <a:r>
+              <a:rPr lang="en-US" baseline="0" dirty="0" smtClean="0"/>
+              <a:t>/assets/uploads/developers/library/2012-siggraph-opengl-es-bof/Ericsson-ETC2-SIGGRAPH_Aug12.pdf</a:t>
+            </a:r>
+            <a:endParaRPr lang="en-US" dirty="0"/>
           </a:p>
         </p:txBody>
       </p:sp>
@@ -3734,16 +3949,30 @@
           <a:lstStyle/>
           <a:p>
             <a:r>
-              <a:rPr lang="en-US" dirty="0" err="1" smtClean="0"/>
-              <a:t>glGenerateMipmap</a:t>
-            </a:r>
-            <a:r>
-              <a:rPr lang="en-US" dirty="0" smtClean="0"/>
-              <a:t> may use a low-quality filter and/or</a:t>
+              <a:rPr lang="en-US" dirty="0" smtClean="0"/>
+              <a:t>g-buffer format is engine-specific.</a:t>
+            </a:r>
+          </a:p>
+          <a:p>
+            <a:endParaRPr lang="en-US" dirty="0" smtClean="0"/>
+          </a:p>
+          <a:p>
+            <a:r>
+              <a:rPr lang="en-US" dirty="0" smtClean="0"/>
+              <a:t>Less important if shaders are hand-coded.</a:t>
+            </a:r>
+          </a:p>
+          <a:p>
+            <a:endParaRPr lang="en-US" dirty="0" smtClean="0"/>
+          </a:p>
+          <a:p>
+            <a:r>
+              <a:rPr lang="en-US" dirty="0" smtClean="0"/>
+              <a:t>Combine uniforms.  Replace uniforms with constants if they aren’t targeted for animation (don’t add</a:t>
             </a:r>
             <a:r>
               <a:rPr lang="en-US" baseline="0" dirty="0" smtClean="0"/>
-              <a:t> be slow.</a:t>
+              <a:t> more materials or techniques though).</a:t>
             </a:r>
           </a:p>
           <a:p>
@@ -3752,19 +3981,39 @@
           <a:p>
             <a:r>
               <a:rPr lang="en-US" baseline="0" dirty="0" smtClean="0"/>
-              <a:t>In addition to visual quality, mipmaps also help the GPU cache since sampling from the </a:t>
+              <a:t>Minify or just remove whitespace.  Size is nothing compared to textures, geometry, and animations.</a:t>
+            </a:r>
+          </a:p>
+          <a:p>
+            <a:endParaRPr lang="en-US" baseline="0" dirty="0" smtClean="0"/>
+          </a:p>
+          <a:p>
+            <a:r>
+              <a:rPr lang="en-US" baseline="0" dirty="0" smtClean="0"/>
+              <a:t>See</a:t>
+            </a:r>
+          </a:p>
+          <a:p>
+            <a:r>
+              <a:rPr lang="en-US" baseline="0" dirty="0" smtClean="0"/>
+              <a:t>* https://</a:t>
             </a:r>
             <a:r>
               <a:rPr lang="en-US" baseline="0" dirty="0" err="1" smtClean="0"/>
-              <a:t>mip</a:t>
+              <a:t>github.com</a:t>
             </a:r>
             <a:r>
               <a:rPr lang="en-US" baseline="0" dirty="0" smtClean="0"/>
-              <a:t> level has better spatial coherence than sampling from the full texture.</a:t>
-            </a:r>
-          </a:p>
-          <a:p>
-            <a:endParaRPr lang="en-US" baseline="0" dirty="0" smtClean="0"/>
+              <a:t>/</a:t>
+            </a:r>
+            <a:r>
+              <a:rPr lang="en-US" baseline="0" dirty="0" err="1" smtClean="0"/>
+              <a:t>KhronosGroup</a:t>
+            </a:r>
+            <a:r>
+              <a:rPr lang="en-US" baseline="0" dirty="0" smtClean="0"/>
+              <a:t>/glTF/issues/34</a:t>
+            </a:r>
           </a:p>
           <a:p>
             <a:pPr marL="0" marR="0" indent="0" algn="l" defTabSz="914400" rtl="0" eaLnBrk="0" fontAlgn="base" latinLnBrk="0" hangingPunct="0">
@@ -3786,19 +4035,38 @@
             </a:pPr>
             <a:r>
               <a:rPr lang="en-US" dirty="0" smtClean="0"/>
-              <a:t>Image from Real-Time Rendering - http://</a:t>
+              <a:t>*</a:t>
+            </a:r>
+            <a:r>
+              <a:rPr lang="en-US" baseline="0" dirty="0" smtClean="0"/>
+              <a:t> </a:t>
+            </a:r>
+            <a:r>
+              <a:rPr lang="en-US" dirty="0" smtClean="0"/>
+              <a:t>https://</a:t>
             </a:r>
             <a:r>
               <a:rPr lang="en-US" dirty="0" err="1" smtClean="0"/>
-              <a:t>www.realtimerendering.com</a:t>
+              <a:t>github.com</a:t>
             </a:r>
             <a:r>
               <a:rPr lang="en-US" dirty="0" smtClean="0"/>
               <a:t>/</a:t>
             </a:r>
-          </a:p>
-          <a:p>
-            <a:endParaRPr lang="en-US" dirty="0"/>
+            <a:r>
+              <a:rPr lang="en-US" dirty="0" err="1" smtClean="0"/>
+              <a:t>KhronosGroup</a:t>
+            </a:r>
+            <a:r>
+              <a:rPr lang="en-US" dirty="0" smtClean="0"/>
+              <a:t>/glTF/issues/36</a:t>
+            </a:r>
+          </a:p>
+          <a:p>
+            <a:endParaRPr lang="en-US" dirty="0" smtClean="0"/>
+          </a:p>
+          <a:p>
+            <a:endParaRPr lang="en-US" dirty="0" smtClean="0"/>
           </a:p>
         </p:txBody>
       </p:sp>
@@ -3889,143 +4157,12 @@
           <a:lstStyle/>
           <a:p>
             <a:r>
-              <a:rPr lang="en-US" dirty="0" smtClean="0"/>
-              <a:t>Format for modeling: lossless.  Format for runtime: can</a:t>
+              <a:rPr lang="en-US" dirty="0" err="1" smtClean="0"/>
+              <a:t>SketchUp</a:t>
             </a:r>
             <a:r>
               <a:rPr lang="en-US" baseline="0" dirty="0" smtClean="0"/>
-              <a:t> be </a:t>
-            </a:r>
-            <a:r>
-              <a:rPr lang="en-US" baseline="0" dirty="0" err="1" smtClean="0"/>
-              <a:t>lossly</a:t>
-            </a:r>
-            <a:r>
-              <a:rPr lang="en-US" baseline="0" dirty="0" smtClean="0"/>
-              <a:t>.  In our engine, we would compress satellite imagery except for the leaf nodes.</a:t>
-            </a:r>
-          </a:p>
-          <a:p>
-            <a:endParaRPr lang="en-US" dirty="0" smtClean="0"/>
-          </a:p>
-          <a:p>
-            <a:r>
-              <a:rPr lang="en-US" dirty="0" smtClean="0"/>
-              <a:t>Often, we convert .</a:t>
-            </a:r>
-            <a:r>
-              <a:rPr lang="en-US" dirty="0" err="1" smtClean="0"/>
-              <a:t>tga</a:t>
-            </a:r>
-            <a:r>
-              <a:rPr lang="en-US" dirty="0" smtClean="0"/>
-              <a:t> to .png.</a:t>
-            </a:r>
-          </a:p>
-          <a:p>
-            <a:endParaRPr lang="en-US" dirty="0" smtClean="0"/>
-          </a:p>
-          <a:p>
-            <a:r>
-              <a:rPr lang="en-US" dirty="0" smtClean="0"/>
-              <a:t>.jpg can have an alpha channel nowadays.</a:t>
-            </a:r>
-          </a:p>
-          <a:p>
-            <a:endParaRPr lang="en-US" dirty="0" smtClean="0"/>
-          </a:p>
-          <a:p>
-            <a:r>
-              <a:rPr lang="en-US" dirty="0" smtClean="0"/>
-              <a:t>JPEG compression is better than DXT.</a:t>
-            </a:r>
-          </a:p>
-          <a:p>
-            <a:endParaRPr lang="en-US" dirty="0" smtClean="0"/>
-          </a:p>
-          <a:p>
-            <a:r>
-              <a:rPr lang="en-US" dirty="0" smtClean="0"/>
-              <a:t>DXT – use PCA to fit a line through color space.  </a:t>
-            </a:r>
-            <a:r>
-              <a:rPr lang="en-US" dirty="0" err="1" smtClean="0"/>
-              <a:t>Lossy</a:t>
-            </a:r>
-            <a:r>
-              <a:rPr lang="en-US" dirty="0" smtClean="0"/>
-              <a:t>.  Slow to compress but fast to decompress on</a:t>
-            </a:r>
-            <a:r>
-              <a:rPr lang="en-US" baseline="0" dirty="0" smtClean="0"/>
-              <a:t>-the-fly in hardware.  Also higher visual quality if compressing a larger texture, compared to a smaller uncompressed texture.  Several versions of DXT, with and without alpha.</a:t>
-            </a:r>
-          </a:p>
-          <a:p>
-            <a:endParaRPr lang="en-US" baseline="0" dirty="0" smtClean="0"/>
-          </a:p>
-          <a:p>
-            <a:pPr marL="0" marR="0" indent="0" algn="l" defTabSz="914400" rtl="0" eaLnBrk="0" fontAlgn="base" latinLnBrk="0" hangingPunct="0">
-              <a:lnSpc>
-                <a:spcPct val="100000"/>
-              </a:lnSpc>
-              <a:spcBef>
-                <a:spcPct val="30000"/>
-              </a:spcBef>
-              <a:spcAft>
-                <a:spcPct val="0"/>
-              </a:spcAft>
-              <a:buClrTx/>
-              <a:buSzTx/>
-              <a:buFontTx/>
-              <a:buNone/>
-              <a:tabLst/>
-              <a:defRPr/>
-            </a:pPr>
-            <a:r>
-              <a:rPr lang="en-US" baseline="0" dirty="0" smtClean="0"/>
-              <a:t>ETC2 required in ES 3.0 and GL 4.3.  Higher quality than DXT at same bitrate.  More flexibility in texture format, e.g., R and RG formats.</a:t>
-            </a:r>
-            <a:endParaRPr lang="en-US" dirty="0" smtClean="0"/>
-          </a:p>
-          <a:p>
-            <a:endParaRPr lang="en-US" baseline="0" dirty="0" smtClean="0"/>
-          </a:p>
-          <a:p>
-            <a:r>
-              <a:rPr lang="en-US" baseline="0" dirty="0" smtClean="0"/>
-              <a:t>Also, ASTC (Adaptive Scalable Texture Compression), but is optional in GL.</a:t>
-            </a:r>
-          </a:p>
-          <a:p>
-            <a:endParaRPr lang="en-US" baseline="0" dirty="0" smtClean="0"/>
-          </a:p>
-          <a:p>
-            <a:r>
-              <a:rPr lang="en-US" baseline="0" dirty="0" smtClean="0"/>
-              <a:t>“Recent research shows that special-purpose packing methods can compress ETC-files to sizes smaller than JPEG for equal quality, at around 2.2 </a:t>
-            </a:r>
-            <a:r>
-              <a:rPr lang="en-US" baseline="0" dirty="0" err="1" smtClean="0"/>
-              <a:t>bpp</a:t>
-            </a:r>
-            <a:r>
-              <a:rPr lang="en-US" baseline="0" dirty="0" smtClean="0"/>
-              <a:t>.”</a:t>
-            </a:r>
-          </a:p>
-          <a:p>
-            <a:r>
-              <a:rPr lang="en-US" baseline="0" dirty="0" smtClean="0"/>
-              <a:t>* See https://</a:t>
-            </a:r>
-            <a:r>
-              <a:rPr lang="en-US" baseline="0" dirty="0" err="1" smtClean="0"/>
-              <a:t>www.khronos.org</a:t>
-            </a:r>
-            <a:r>
-              <a:rPr lang="en-US" baseline="0" dirty="0" smtClean="0"/>
-              <a:t>/assets/uploads/developers/library/2012-siggraph-opengl-es-bof/Ericsson-ETC2-SIGGRAPH_Aug12.pdf</a:t>
+              <a:t> story with one triangle per primitive.</a:t>
             </a:r>
             <a:endParaRPr lang="en-US" dirty="0"/>
           </a:p>
@@ -4063,7 +4200,7 @@
     </p:spTree>
     <p:extLst>
       <p:ext uri="{BB962C8B-B14F-4D97-AF65-F5344CB8AC3E}">
-        <p14:creationId xmlns:p14="http://schemas.microsoft.com/office/powerpoint/2010/main" val="3525526836"/>
+        <p14:creationId xmlns:p14="http://schemas.microsoft.com/office/powerpoint/2010/main" val="2455773791"/>
       </p:ext>
     </p:extLst>
   </p:cSld>
@@ -4117,129 +4254,7 @@
           <a:bodyPr/>
           <a:lstStyle/>
           <a:p>
-            <a:r>
-              <a:rPr lang="en-US" dirty="0" smtClean="0"/>
-              <a:t>g-buffer format is engine-specific</a:t>
-            </a:r>
-            <a:r>
-              <a:rPr lang="en-US" dirty="0" smtClean="0"/>
-              <a:t>.</a:t>
-            </a:r>
-          </a:p>
-          <a:p>
-            <a:endParaRPr lang="en-US" dirty="0" smtClean="0"/>
-          </a:p>
-          <a:p>
-            <a:r>
-              <a:rPr lang="en-US" dirty="0" smtClean="0"/>
-              <a:t>Less important if shaders are hand-coded.</a:t>
-            </a:r>
-          </a:p>
-          <a:p>
-            <a:endParaRPr lang="en-US" dirty="0" smtClean="0"/>
-          </a:p>
-          <a:p>
-            <a:r>
-              <a:rPr lang="en-US" dirty="0" smtClean="0"/>
-              <a:t>Combine uniforms.  Replace uniforms with constants if they aren’t targeted for animation (don’t add</a:t>
-            </a:r>
-            <a:r>
-              <a:rPr lang="en-US" baseline="0" dirty="0" smtClean="0"/>
-              <a:t> more materials or techniques though).</a:t>
-            </a:r>
-          </a:p>
-          <a:p>
-            <a:endParaRPr lang="en-US" baseline="0" dirty="0" smtClean="0"/>
-          </a:p>
-          <a:p>
-            <a:r>
-              <a:rPr lang="en-US" baseline="0" dirty="0" smtClean="0"/>
-              <a:t>Minify or just remove whitespace.  Size is nothing compared to textures, geometry, and animations.</a:t>
-            </a:r>
-          </a:p>
-          <a:p>
-            <a:endParaRPr lang="en-US" baseline="0" dirty="0" smtClean="0"/>
-          </a:p>
-          <a:p>
-            <a:r>
-              <a:rPr lang="en-US" baseline="0" dirty="0" smtClean="0"/>
-              <a:t>See</a:t>
-            </a:r>
-          </a:p>
-          <a:p>
-            <a:r>
-              <a:rPr lang="en-US" baseline="0" dirty="0" smtClean="0"/>
-              <a:t>* https://</a:t>
-            </a:r>
-            <a:r>
-              <a:rPr lang="en-US" baseline="0" dirty="0" err="1" smtClean="0"/>
-              <a:t>github.com</a:t>
-            </a:r>
-            <a:r>
-              <a:rPr lang="en-US" baseline="0" dirty="0" smtClean="0"/>
-              <a:t>/</a:t>
-            </a:r>
-            <a:r>
-              <a:rPr lang="en-US" baseline="0" dirty="0" err="1" smtClean="0"/>
-              <a:t>KhronosGroup</a:t>
-            </a:r>
-            <a:r>
-              <a:rPr lang="en-US" baseline="0" dirty="0" smtClean="0"/>
-              <a:t>/glTF/issues/34</a:t>
-            </a:r>
-          </a:p>
-          <a:p>
-            <a:pPr marL="0" marR="0" indent="0" algn="l" defTabSz="914400" rtl="0" eaLnBrk="0" fontAlgn="base" latinLnBrk="0" hangingPunct="0">
-              <a:lnSpc>
-                <a:spcPct val="100000"/>
-              </a:lnSpc>
-              <a:spcBef>
-                <a:spcPct val="30000"/>
-              </a:spcBef>
-              <a:spcAft>
-                <a:spcPct val="0"/>
-              </a:spcAft>
-              <a:buClrTx/>
-              <a:buSzTx/>
-              <a:buFontTx/>
-              <a:buNone/>
-              <a:tabLst/>
-              <a:defRPr/>
-            </a:pPr>
-            <a:r>
-              <a:rPr lang="en-US" dirty="0" smtClean="0"/>
-              <a:t>*</a:t>
-            </a:r>
-            <a:r>
-              <a:rPr lang="en-US" baseline="0" dirty="0" smtClean="0"/>
-              <a:t> </a:t>
-            </a:r>
-            <a:r>
-              <a:rPr lang="en-US" dirty="0" smtClean="0"/>
-              <a:t>https://</a:t>
-            </a:r>
-            <a:r>
-              <a:rPr lang="en-US" dirty="0" err="1" smtClean="0"/>
-              <a:t>github.com</a:t>
-            </a:r>
-            <a:r>
-              <a:rPr lang="en-US" dirty="0" smtClean="0"/>
-              <a:t>/</a:t>
-            </a:r>
-            <a:r>
-              <a:rPr lang="en-US" dirty="0" err="1" smtClean="0"/>
-              <a:t>KhronosGroup</a:t>
-            </a:r>
-            <a:r>
-              <a:rPr lang="en-US" dirty="0" smtClean="0"/>
-              <a:t>/glTF/issues/36</a:t>
-            </a:r>
-          </a:p>
-          <a:p>
-            <a:endParaRPr lang="en-US" dirty="0" smtClean="0"/>
-          </a:p>
-          <a:p>
-            <a:endParaRPr lang="en-US" dirty="0" smtClean="0"/>
+            <a:endParaRPr lang="en-US"/>
           </a:p>
         </p:txBody>
       </p:sp>
@@ -4275,7 +4290,7 @@
     </p:spTree>
     <p:extLst>
       <p:ext uri="{BB962C8B-B14F-4D97-AF65-F5344CB8AC3E}">
-        <p14:creationId xmlns:p14="http://schemas.microsoft.com/office/powerpoint/2010/main" val="3525526836"/>
+        <p14:creationId xmlns:p14="http://schemas.microsoft.com/office/powerpoint/2010/main" val="415749413"/>
       </p:ext>
     </p:extLst>
   </p:cSld>
@@ -4329,7 +4344,42 @@
           <a:bodyPr/>
           <a:lstStyle/>
           <a:p>
-            <a:endParaRPr lang="en-US"/>
+            <a:pPr marL="0" marR="0" indent="0" algn="l" defTabSz="914400" rtl="0" eaLnBrk="0" fontAlgn="base" latinLnBrk="0" hangingPunct="0">
+              <a:lnSpc>
+                <a:spcPct val="100000"/>
+              </a:lnSpc>
+              <a:spcBef>
+                <a:spcPct val="30000"/>
+              </a:spcBef>
+              <a:spcAft>
+                <a:spcPct val="0"/>
+              </a:spcAft>
+              <a:buClrTx/>
+              <a:buSzTx/>
+              <a:buFontTx/>
+              <a:buNone/>
+              <a:tabLst/>
+              <a:defRPr/>
+            </a:pPr>
+            <a:r>
+              <a:rPr lang="en-US" dirty="0" err="1" smtClean="0"/>
+              <a:t>Khronos</a:t>
+            </a:r>
+            <a:r>
+              <a:rPr lang="en-US" dirty="0" smtClean="0"/>
+              <a:t> logos from http://</a:t>
+            </a:r>
+            <a:r>
+              <a:rPr lang="en-US" dirty="0" err="1" smtClean="0"/>
+              <a:t>www.khronos.org</a:t>
+            </a:r>
+            <a:r>
+              <a:rPr lang="en-US" dirty="0" smtClean="0"/>
+              <a:t>/legal/trademarks/</a:t>
+            </a:r>
+          </a:p>
+          <a:p>
+            <a:endParaRPr lang="en-US" dirty="0"/>
           </a:p>
         </p:txBody>
       </p:sp>
@@ -4365,7 +4415,7 @@
     </p:spTree>
     <p:extLst>
       <p:ext uri="{BB962C8B-B14F-4D97-AF65-F5344CB8AC3E}">
-        <p14:creationId xmlns:p14="http://schemas.microsoft.com/office/powerpoint/2010/main" val="415749413"/>
+        <p14:creationId xmlns:p14="http://schemas.microsoft.com/office/powerpoint/2010/main" val="1684194221"/>
       </p:ext>
     </p:extLst>
   </p:cSld>
@@ -4421,46 +4471,12 @@
           <a:p>
             <a:r>
               <a:rPr lang="en-US" dirty="0" smtClean="0"/>
-              <a:t>COLLADA is an open-standard from </a:t>
-            </a:r>
-            <a:r>
-              <a:rPr lang="en-US" dirty="0" err="1" smtClean="0"/>
-              <a:t>Khronos</a:t>
-            </a:r>
-            <a:r>
-              <a:rPr lang="en-US" dirty="0" smtClean="0"/>
-              <a:t>.  Open-source OpenCOLLADA and COLLADA DOM read/write COLLADA file.</a:t>
-            </a:r>
-          </a:p>
-          <a:p>
-            <a:r>
-              <a:rPr lang="en-US" dirty="0" smtClean="0"/>
-              <a:t>FBX</a:t>
+              <a:t>Interchange formats are used by artists to move assets from one tool to another.  These</a:t>
             </a:r>
             <a:r>
               <a:rPr lang="en-US" baseline="0" dirty="0" smtClean="0"/>
-              <a:t> is proprietary and owned by Autodesk.  Autodesk has an SDK to read/write FBX.  FBX can be binary or ASCII.  There is an unofficial spec.</a:t>
-            </a:r>
-            <a:endParaRPr lang="en-US" dirty="0" smtClean="0"/>
-          </a:p>
-          <a:p>
-            <a:r>
-              <a:rPr lang="en-US" dirty="0" smtClean="0"/>
-              <a:t>OBJ is originally from </a:t>
-            </a:r>
-            <a:r>
-              <a:rPr lang="en-US" dirty="0" err="1" smtClean="0"/>
-              <a:t>Wavefront</a:t>
-            </a:r>
-            <a:r>
-              <a:rPr lang="en-US" dirty="0" smtClean="0"/>
-              <a:t>.  It is geometry only, so doesn’t include animations, skins, physics, etc</a:t>
-            </a:r>
-            <a:r>
-              <a:rPr lang="en-US" dirty="0" smtClean="0"/>
-              <a:t>.</a:t>
-            </a:r>
-            <a:endParaRPr lang="en-US" dirty="0" smtClean="0"/>
+              <a:t> formats strive to preserve the full authoring contents of an assets but are not optimized for runtime engines, especially for use on the web with WebGL.</a:t>
+            </a:r>
           </a:p>
         </p:txBody>
       </p:sp>
@@ -4497,96 +4513,6 @@
     <p:extLst>
       <p:ext uri="{BB962C8B-B14F-4D97-AF65-F5344CB8AC3E}">
         <p14:creationId xmlns:p14="http://schemas.microsoft.com/office/powerpoint/2010/main" val="4104019670"/>
-      </p:ext>
-    </p:extLst>
-  </p:cSld>
-  <p:clrMapOvr>
-    <a:masterClrMapping/>
-  </p:clrMapOvr>
-</p:notes>
-</file>
-
-<file path=ppt/notesSlides/notesSlide30.xml><?xml version="1.0" encoding="utf-8"?>
-<p:notes xmlns:a="http://schemas.openxmlformats.org/drawingml/2006/main" xmlns:r="http://schemas.openxmlformats.org/officeDocument/2006/relationships" xmlns:p="http://schemas.openxmlformats.org/presentationml/2006/main">
-  <p:cSld>
-    <p:spTree>
-      <p:nvGrpSpPr>
-        <p:cNvPr id="1" name=""/>
-        <p:cNvGrpSpPr/>
-        <p:nvPr/>
-      </p:nvGrpSpPr>
-      <p:grpSpPr>
-        <a:xfrm>
-          <a:off x="0" y="0"/>
-          <a:ext cx="0" cy="0"/>
-          <a:chOff x="0" y="0"/>
-          <a:chExt cx="0" cy="0"/>
-        </a:xfrm>
-      </p:grpSpPr>
-      <p:sp>
-        <p:nvSpPr>
-          <p:cNvPr id="2" name="Slide Image Placeholder 1"/>
-          <p:cNvSpPr>
-            <a:spLocks noGrp="1" noRot="1" noChangeAspect="1"/>
-          </p:cNvSpPr>
-          <p:nvPr>
-            <p:ph type="sldImg"/>
-          </p:nvPr>
-        </p:nvSpPr>
-        <p:spPr/>
-      </p:sp>
-      <p:sp>
-        <p:nvSpPr>
-          <p:cNvPr id="3" name="Notes Placeholder 2"/>
-          <p:cNvSpPr>
-            <a:spLocks noGrp="1"/>
-          </p:cNvSpPr>
-          <p:nvPr>
-            <p:ph type="body" idx="1"/>
-          </p:nvPr>
-        </p:nvSpPr>
-        <p:spPr/>
-        <p:txBody>
-          <a:bodyPr/>
-          <a:lstStyle/>
-          <a:p>
-            <a:endParaRPr lang="en-US"/>
-          </a:p>
-        </p:txBody>
-      </p:sp>
-      <p:sp>
-        <p:nvSpPr>
-          <p:cNvPr id="4" name="Slide Number Placeholder 3"/>
-          <p:cNvSpPr>
-            <a:spLocks noGrp="1"/>
-          </p:cNvSpPr>
-          <p:nvPr>
-            <p:ph type="sldNum" sz="quarter" idx="10"/>
-          </p:nvPr>
-        </p:nvSpPr>
-        <p:spPr/>
-        <p:txBody>
-          <a:bodyPr/>
-          <a:lstStyle/>
-          <a:p>
-            <a:pPr>
-              <a:defRPr/>
-            </a:pPr>
-            <a:fld id="{61388809-6B81-4C55-A44B-C841547B66BA}" type="slidenum">
-              <a:rPr lang="en-US" smtClean="0"/>
-              <a:pPr>
-                <a:defRPr/>
-              </a:pPr>
-              <a:t>30</a:t>
-            </a:fld>
-            <a:endParaRPr lang="en-US"/>
-          </a:p>
-        </p:txBody>
-      </p:sp>
-    </p:spTree>
-    <p:extLst>
-      <p:ext uri="{BB962C8B-B14F-4D97-AF65-F5344CB8AC3E}">
-        <p14:creationId xmlns:p14="http://schemas.microsoft.com/office/powerpoint/2010/main" val="1684194221"/>
       </p:ext>
     </p:extLst>
   </p:cSld>
@@ -4642,7 +4568,80 @@
           <a:p>
             <a:r>
               <a:rPr lang="en-US" dirty="0" smtClean="0"/>
-              <a:t>Interchange formats can move assets between tools, but what about between tools and the runtime engine?</a:t>
+              <a:t>Interchange formats are generally</a:t>
+            </a:r>
+            <a:r>
+              <a:rPr lang="en-US" baseline="0" dirty="0" smtClean="0"/>
+              <a:t> verbose and slow to load for runtime </a:t>
+            </a:r>
+            <a:r>
+              <a:rPr lang="en-US" baseline="0" dirty="0" smtClean="0"/>
+              <a:t>use.  </a:t>
+            </a:r>
+            <a:r>
+              <a:rPr lang="en-US" dirty="0" smtClean="0"/>
+              <a:t>They need </a:t>
+            </a:r>
+            <a:r>
+              <a:rPr lang="en-US" dirty="0" smtClean="0"/>
+              <a:t>to go through many conversion steps before </a:t>
+            </a:r>
+            <a:r>
+              <a:rPr lang="en-US" dirty="0" smtClean="0"/>
+              <a:t>being ready for WebGL.  </a:t>
+            </a:r>
+            <a:r>
+              <a:rPr lang="en-US" dirty="0" smtClean="0"/>
+              <a:t>This doesn’t belong in </a:t>
+            </a:r>
+            <a:r>
+              <a:rPr lang="en-US" dirty="0" smtClean="0"/>
+              <a:t>the runtime engine; </a:t>
+            </a:r>
+            <a:r>
+              <a:rPr lang="en-US" dirty="0" smtClean="0"/>
+              <a:t>it belongs in the content pipeline</a:t>
+            </a:r>
+            <a:r>
+              <a:rPr lang="en-US" dirty="0" smtClean="0"/>
+              <a:t>.</a:t>
+            </a:r>
+          </a:p>
+          <a:p>
+            <a:endParaRPr lang="en-US" dirty="0" smtClean="0"/>
+          </a:p>
+          <a:p>
+            <a:r>
+              <a:rPr lang="en-US" dirty="0" smtClean="0"/>
+              <a:t>Several examples from COLLADA</a:t>
+            </a:r>
+            <a:r>
+              <a:rPr lang="en-US" baseline="0" dirty="0" smtClean="0"/>
+              <a:t> are shown here.  With this format, XML is verbose; indices are specified per attribute, not vertex vertex as WebGL requires; unsigned </a:t>
+            </a:r>
+            <a:r>
+              <a:rPr lang="en-US" baseline="0" dirty="0" err="1" smtClean="0"/>
+              <a:t>int</a:t>
+            </a:r>
+            <a:r>
+              <a:rPr lang="en-US" baseline="0" dirty="0" smtClean="0"/>
+              <a:t> indices are used, which requires a WebGL extension (a widely supported one though) or division into multiple meshes; each node can have a stack of transforms, whereas at runtime, we just want a 4x4 matrix; polygons and splines need to be tessellated; shaders need to be generated for materials (h</a:t>
+            </a:r>
+            <a:r>
+              <a:rPr lang="en-US" dirty="0" smtClean="0"/>
+              <a:t>owever, some engines will want to do this to match their g-buffer</a:t>
+            </a:r>
+            <a:r>
+              <a:rPr lang="en-US" baseline="0" dirty="0" smtClean="0"/>
+              <a:t> format for deferred shading, for example); any image format may be used, including ones not supported by browsers; and </a:t>
+            </a:r>
+            <a:r>
+              <a:rPr lang="en-US" baseline="0" dirty="0" err="1" smtClean="0"/>
+              <a:t>keyframe</a:t>
+            </a:r>
+            <a:r>
+              <a:rPr lang="en-US" baseline="0" dirty="0" smtClean="0"/>
+              <a:t> animations support several different splines, which is more flexibility than most runtime engines need.</a:t>
             </a:r>
             <a:endParaRPr lang="en-US" dirty="0"/>
           </a:p>
@@ -4680,7 +4679,7 @@
     </p:spTree>
     <p:extLst>
       <p:ext uri="{BB962C8B-B14F-4D97-AF65-F5344CB8AC3E}">
-        <p14:creationId xmlns:p14="http://schemas.microsoft.com/office/powerpoint/2010/main" val="2207361743"/>
+        <p14:creationId xmlns:p14="http://schemas.microsoft.com/office/powerpoint/2010/main" val="314104410"/>
       </p:ext>
     </p:extLst>
   </p:cSld>
@@ -4734,48 +4733,51 @@
           <a:bodyPr/>
           <a:lstStyle/>
           <a:p>
-            <a:r>
-              <a:rPr lang="en-US" dirty="0" smtClean="0"/>
-              <a:t>Interchange formats are generally</a:t>
+            <a:pPr marL="0" marR="0" indent="0" algn="l" defTabSz="914400" rtl="0" eaLnBrk="0" fontAlgn="base" latinLnBrk="0" hangingPunct="0">
+              <a:lnSpc>
+                <a:spcPct val="100000"/>
+              </a:lnSpc>
+              <a:spcBef>
+                <a:spcPct val="30000"/>
+              </a:spcBef>
+              <a:spcAft>
+                <a:spcPct val="0"/>
+              </a:spcAft>
+              <a:buClrTx/>
+              <a:buSzTx/>
+              <a:buFontTx/>
+              <a:buNone/>
+              <a:tabLst/>
+              <a:defRPr/>
+            </a:pPr>
+            <a:r>
+              <a:rPr lang="en-US" dirty="0" smtClean="0"/>
+              <a:t>Instead of loading interchange formats, most engines use an offline content-pipeline to convert</a:t>
             </a:r>
             <a:r>
               <a:rPr lang="en-US" baseline="0" dirty="0" smtClean="0"/>
-              <a:t> verbose and slow to load for runtime use.</a:t>
-            </a:r>
-            <a:endParaRPr lang="en-US" dirty="0" smtClean="0"/>
-          </a:p>
-          <a:p>
-            <a:r>
-              <a:rPr lang="en-US" dirty="0" smtClean="0"/>
-              <a:t>Interchange formats need to go through many conversion steps before a graphics API.  This doesn’t belong in a runtime; it belongs in the content pipeline.</a:t>
-            </a:r>
-          </a:p>
-          <a:p>
-            <a:endParaRPr lang="en-US" dirty="0" smtClean="0"/>
-          </a:p>
-          <a:p>
-            <a:r>
-              <a:rPr lang="en-US" dirty="0" smtClean="0"/>
-              <a:t>Common profile materials – need to generate shaders to render.  However, some engines will want to do this to match their g-buffer</a:t>
-            </a:r>
-            <a:r>
-              <a:rPr lang="en-US" baseline="0" dirty="0" smtClean="0"/>
-              <a:t> format for deferred shading, for example.</a:t>
-            </a:r>
-          </a:p>
-          <a:p>
+              <a:t> assets to a runtime format for their engine.  Thinking in terms of images, this is similar to creating an image as a .bmp but then publishing it to the web as a .jpg.</a:t>
+            </a:r>
+          </a:p>
+          <a:p>
+            <a:pPr marL="0" marR="0" indent="0" algn="l" defTabSz="914400" rtl="0" eaLnBrk="0" fontAlgn="base" latinLnBrk="0" hangingPunct="0">
+              <a:lnSpc>
+                <a:spcPct val="100000"/>
+              </a:lnSpc>
+              <a:spcBef>
+                <a:spcPct val="30000"/>
+              </a:spcBef>
+              <a:spcAft>
+                <a:spcPct val="0"/>
+              </a:spcAft>
+              <a:buClrTx/>
+              <a:buSzTx/>
+              <a:buFontTx/>
+              <a:buNone/>
+              <a:tabLst/>
+              <a:defRPr/>
+            </a:pPr>
             <a:endParaRPr lang="en-US" baseline="0" dirty="0" smtClean="0"/>
-          </a:p>
-          <a:p>
-            <a:r>
-              <a:rPr lang="en-US" baseline="0" dirty="0" err="1" smtClean="0"/>
-              <a:t>Keyframe</a:t>
-            </a:r>
-            <a:r>
-              <a:rPr lang="en-US" baseline="0" dirty="0" smtClean="0"/>
-              <a:t> animation supports several different splines.  Great for interchange, but a runtime usually only needs one or two.</a:t>
-            </a:r>
-            <a:endParaRPr lang="en-US" dirty="0"/>
           </a:p>
         </p:txBody>
       </p:sp>
@@ -4811,7 +4813,7 @@
     </p:spTree>
     <p:extLst>
       <p:ext uri="{BB962C8B-B14F-4D97-AF65-F5344CB8AC3E}">
-        <p14:creationId xmlns:p14="http://schemas.microsoft.com/office/powerpoint/2010/main" val="314104410"/>
+        <p14:creationId xmlns:p14="http://schemas.microsoft.com/office/powerpoint/2010/main" val="1081727386"/>
       </p:ext>
     </p:extLst>
   </p:cSld>
@@ -4865,9 +4867,164 @@
           <a:bodyPr/>
           <a:lstStyle/>
           <a:p>
-            <a:r>
-              <a:rPr lang="en-US" dirty="0" smtClean="0"/>
-              <a:t>Again, .bmp vs. .jpg example.</a:t>
+            <a:pPr marL="0" marR="0" indent="0" algn="l" defTabSz="914400" rtl="0" eaLnBrk="0" fontAlgn="base" latinLnBrk="0" hangingPunct="0">
+              <a:lnSpc>
+                <a:spcPct val="100000"/>
+              </a:lnSpc>
+              <a:spcBef>
+                <a:spcPct val="30000"/>
+              </a:spcBef>
+              <a:spcAft>
+                <a:spcPct val="0"/>
+              </a:spcAft>
+              <a:buClrTx/>
+              <a:buSzTx/>
+              <a:buFontTx/>
+              <a:buNone/>
+              <a:tabLst/>
+              <a:defRPr/>
+            </a:pPr>
+            <a:r>
+              <a:rPr lang="en-US" baseline="0" dirty="0" smtClean="0"/>
+              <a:t>With WebGL, there are a handful of ah hoc runtime formats, usually based on JSON, for a few of the major engines like </a:t>
+            </a:r>
+            <a:r>
+              <a:rPr lang="en-US" baseline="0" dirty="0" err="1" smtClean="0"/>
+              <a:t>Three.js</a:t>
+            </a:r>
+            <a:r>
+              <a:rPr lang="en-US" baseline="0" dirty="0" smtClean="0"/>
+              <a:t> [1] and </a:t>
+            </a:r>
+            <a:r>
+              <a:rPr lang="en-US" baseline="0" dirty="0" err="1" smtClean="0"/>
+              <a:t>Babylon.js</a:t>
+            </a:r>
+            <a:r>
+              <a:rPr lang="en-US" baseline="0" dirty="0" smtClean="0"/>
+              <a:t> [2]</a:t>
+            </a:r>
+          </a:p>
+          <a:p>
+            <a:pPr marL="0" marR="0" indent="0" algn="l" defTabSz="914400" rtl="0" eaLnBrk="0" fontAlgn="base" latinLnBrk="0" hangingPunct="0">
+              <a:lnSpc>
+                <a:spcPct val="100000"/>
+              </a:lnSpc>
+              <a:spcBef>
+                <a:spcPct val="30000"/>
+              </a:spcBef>
+              <a:spcAft>
+                <a:spcPct val="0"/>
+              </a:spcAft>
+              <a:buClrTx/>
+              <a:buSzTx/>
+              <a:buFontTx/>
+              <a:buNone/>
+              <a:tabLst/>
+              <a:defRPr/>
+            </a:pPr>
+            <a:endParaRPr lang="en-US" baseline="0" dirty="0" smtClean="0"/>
+          </a:p>
+          <a:p>
+            <a:pPr marL="0" marR="0" indent="0" algn="l" defTabSz="914400" rtl="0" eaLnBrk="0" fontAlgn="base" latinLnBrk="0" hangingPunct="0">
+              <a:lnSpc>
+                <a:spcPct val="100000"/>
+              </a:lnSpc>
+              <a:spcBef>
+                <a:spcPct val="30000"/>
+              </a:spcBef>
+              <a:spcAft>
+                <a:spcPct val="0"/>
+              </a:spcAft>
+              <a:buClrTx/>
+              <a:buSzTx/>
+              <a:buFontTx/>
+              <a:buNone/>
+              <a:tabLst/>
+              <a:defRPr/>
+            </a:pPr>
+            <a:r>
+              <a:rPr lang="en-US" baseline="0" dirty="0" smtClean="0"/>
+              <a:t>[1] https://</a:t>
+            </a:r>
+            <a:r>
+              <a:rPr lang="en-US" baseline="0" dirty="0" err="1" smtClean="0"/>
+              <a:t>github.com</a:t>
+            </a:r>
+            <a:r>
+              <a:rPr lang="en-US" baseline="0" dirty="0" smtClean="0"/>
+              <a:t>/</a:t>
+            </a:r>
+            <a:r>
+              <a:rPr lang="en-US" baseline="0" dirty="0" err="1" smtClean="0"/>
+              <a:t>mrdoob</a:t>
+            </a:r>
+            <a:r>
+              <a:rPr lang="en-US" baseline="0" dirty="0" smtClean="0"/>
+              <a:t>/</a:t>
+            </a:r>
+            <a:r>
+              <a:rPr lang="en-US" baseline="0" dirty="0" err="1" smtClean="0"/>
+              <a:t>three.js</a:t>
+            </a:r>
+            <a:r>
+              <a:rPr lang="en-US" baseline="0" dirty="0" smtClean="0"/>
+              <a:t>/wiki/JSON-Model-format-3.1</a:t>
+            </a:r>
+          </a:p>
+          <a:p>
+            <a:pPr marL="0" marR="0" indent="0" algn="l" defTabSz="914400" rtl="0" eaLnBrk="0" fontAlgn="base" latinLnBrk="0" hangingPunct="0">
+              <a:lnSpc>
+                <a:spcPct val="100000"/>
+              </a:lnSpc>
+              <a:spcBef>
+                <a:spcPct val="30000"/>
+              </a:spcBef>
+              <a:spcAft>
+                <a:spcPct val="0"/>
+              </a:spcAft>
+              <a:buClrTx/>
+              <a:buSzTx/>
+              <a:buFontTx/>
+              <a:buNone/>
+              <a:tabLst/>
+              <a:defRPr/>
+            </a:pPr>
+            <a:r>
+              <a:rPr lang="en-US" baseline="0" dirty="0" smtClean="0"/>
+              <a:t>[2] https://</a:t>
+            </a:r>
+            <a:r>
+              <a:rPr lang="en-US" baseline="0" dirty="0" err="1" smtClean="0"/>
+              <a:t>github.com</a:t>
+            </a:r>
+            <a:r>
+              <a:rPr lang="en-US" baseline="0" dirty="0" smtClean="0"/>
+              <a:t>/</a:t>
+            </a:r>
+            <a:r>
+              <a:rPr lang="en-US" baseline="0" dirty="0" err="1" smtClean="0"/>
+              <a:t>BabylonJS</a:t>
+            </a:r>
+            <a:r>
+              <a:rPr lang="en-US" baseline="0" dirty="0" smtClean="0"/>
+              <a:t>/</a:t>
+            </a:r>
+            <a:r>
+              <a:rPr lang="en-US" baseline="0" dirty="0" err="1" smtClean="0"/>
+              <a:t>Babylon.js</a:t>
+            </a:r>
+            <a:r>
+              <a:rPr lang="en-US" baseline="0" dirty="0" smtClean="0"/>
+              <a:t>/wiki/</a:t>
+            </a:r>
+            <a:r>
+              <a:rPr lang="en-US" baseline="0" dirty="0" err="1" smtClean="0"/>
+              <a:t>Babylon.js</a:t>
+            </a:r>
+            <a:r>
+              <a:rPr lang="en-US" baseline="0" dirty="0" smtClean="0"/>
+              <a:t>-file-format</a:t>
             </a:r>
           </a:p>
           <a:p>
@@ -4876,13 +5033,13 @@
           <a:p>
             <a:r>
               <a:rPr lang="en-US" dirty="0" smtClean="0"/>
-              <a:t>The content pipeline runs offline,</a:t>
+              <a:t>glTF is an open-standard runtime asset format that strives to be useful to most WebGL engines but providing a schema and content</a:t>
             </a:r>
             <a:r>
               <a:rPr lang="en-US" baseline="0" dirty="0" smtClean="0"/>
-              <a:t> perhaps as part of the build process.  It does not ship with the game.</a:t>
-            </a:r>
-            <a:endParaRPr lang="en-US" dirty="0"/>
+              <a:t> pipeline for the most common asset constructs like geometry and materials, and to be extensible so each engine can add their own custom data.</a:t>
+            </a:r>
+            <a:endParaRPr lang="en-US" dirty="0" smtClean="0"/>
           </a:p>
         </p:txBody>
       </p:sp>
@@ -4918,7 +5075,7 @@
     </p:spTree>
     <p:extLst>
       <p:ext uri="{BB962C8B-B14F-4D97-AF65-F5344CB8AC3E}">
-        <p14:creationId xmlns:p14="http://schemas.microsoft.com/office/powerpoint/2010/main" val="1081727386"/>
+        <p14:creationId xmlns:p14="http://schemas.microsoft.com/office/powerpoint/2010/main" val="186672020"/>
       </p:ext>
     </p:extLst>
   </p:cSld>
@@ -4974,35 +5131,84 @@
           <a:p>
             <a:r>
               <a:rPr lang="en-US" dirty="0" smtClean="0"/>
-              <a:t>Story about how I got involved in glTF - http://</a:t>
-            </a:r>
-            <a:r>
-              <a:rPr lang="en-US" dirty="0" err="1" smtClean="0"/>
-              <a:t>blog.virtualglobebook.com</a:t>
-            </a:r>
-            <a:r>
-              <a:rPr lang="en-US" dirty="0" smtClean="0"/>
-              <a:t>/2013/03/how-</a:t>
-            </a:r>
-            <a:r>
-              <a:rPr lang="en-US" dirty="0" err="1" smtClean="0"/>
-              <a:t>i</a:t>
-            </a:r>
-            <a:r>
-              <a:rPr lang="en-US" dirty="0" smtClean="0"/>
-              <a:t>-got-involved-in-</a:t>
-            </a:r>
-            <a:r>
-              <a:rPr lang="en-US" dirty="0" err="1" smtClean="0"/>
-              <a:t>gltf</a:t>
-            </a:r>
-            <a:r>
-              <a:rPr lang="en-US" dirty="0" smtClean="0"/>
-              <a:t>-and-</a:t>
-            </a:r>
-            <a:r>
-              <a:rPr lang="en-US" dirty="0" err="1" smtClean="0"/>
-              <a:t>khronos.htm</a:t>
+              <a:t>The number one goal of glTF is that assets are easy and efficient to render; we want engines to be “fast by default.”</a:t>
+            </a:r>
+          </a:p>
+          <a:p>
+            <a:endParaRPr lang="en-US" dirty="0" smtClean="0"/>
+          </a:p>
+          <a:p>
+            <a:r>
+              <a:rPr lang="en-US" dirty="0" smtClean="0"/>
+              <a:t>A glTF asset is composed of JSON</a:t>
+            </a:r>
+            <a:r>
+              <a:rPr lang="en-US" baseline="0" dirty="0" smtClean="0"/>
+              <a:t> describing the asset; binary .bin files containing geometry, animations, and skins; .glsl text files containing shaders; and image files for textures.  Binary, glsl, and image files can also be embedded in the JSON.</a:t>
+            </a:r>
+            <a:endParaRPr lang="en-US" dirty="0" smtClean="0"/>
+          </a:p>
+          <a:p>
+            <a:endParaRPr lang="en-US" dirty="0" smtClean="0"/>
+          </a:p>
+          <a:p>
+            <a:r>
+              <a:rPr lang="en-US" dirty="0" smtClean="0"/>
+              <a:t>glTF uses JSON because it is</a:t>
+            </a:r>
+            <a:r>
+              <a:rPr lang="en-US" baseline="0" dirty="0" smtClean="0"/>
+              <a:t> cross</a:t>
+            </a:r>
+            <a:r>
+              <a:rPr lang="en-US" baseline="0" dirty="0" smtClean="0"/>
+              <a:t>-platform, compact, readable, allows validation, and minifies and compresses </a:t>
+            </a:r>
+            <a:r>
+              <a:rPr lang="en-US" baseline="0" dirty="0" smtClean="0"/>
+              <a:t>well.</a:t>
+            </a:r>
+            <a:endParaRPr lang="en-US" dirty="0" smtClean="0"/>
+          </a:p>
+          <a:p>
+            <a:endParaRPr lang="en-US" dirty="0" smtClean="0"/>
+          </a:p>
+          <a:p>
+            <a:r>
+              <a:rPr lang="en-US" dirty="0" smtClean="0"/>
+              <a:t>Binary </a:t>
+            </a:r>
+            <a:r>
+              <a:rPr lang="en-US" dirty="0" smtClean="0"/>
+              <a:t>data is little </a:t>
+            </a:r>
+            <a:r>
+              <a:rPr lang="en-US" dirty="0" smtClean="0"/>
+              <a:t>endian.</a:t>
+            </a:r>
+            <a:r>
+              <a:rPr lang="en-US" baseline="0" dirty="0" smtClean="0"/>
+              <a:t>  </a:t>
+            </a:r>
+            <a:r>
+              <a:rPr lang="en-US" dirty="0" smtClean="0"/>
+              <a:t>Binary </a:t>
+            </a:r>
+            <a:r>
+              <a:rPr lang="en-US" dirty="0" smtClean="0"/>
+              <a:t>blobs </a:t>
+            </a:r>
+            <a:r>
+              <a:rPr lang="en-US" dirty="0" smtClean="0"/>
+              <a:t>allow </a:t>
+            </a:r>
+            <a:r>
+              <a:rPr lang="en-US" dirty="0" smtClean="0"/>
+              <a:t>efficient creation of GL buffers and textures since they require no additional parsing, except perhaps </a:t>
+            </a:r>
+            <a:r>
+              <a:rPr lang="en-US" dirty="0" smtClean="0"/>
+              <a:t>decompression.  An asset can have any number of binary files for flexibility for a wide array of applications.</a:t>
             </a:r>
             <a:endParaRPr lang="en-US" dirty="0" smtClean="0"/>
           </a:p>
@@ -5040,7 +5246,7 @@
     </p:spTree>
     <p:extLst>
       <p:ext uri="{BB962C8B-B14F-4D97-AF65-F5344CB8AC3E}">
-        <p14:creationId xmlns:p14="http://schemas.microsoft.com/office/powerpoint/2010/main" val="186672020"/>
+        <p14:creationId xmlns:p14="http://schemas.microsoft.com/office/powerpoint/2010/main" val="1607407498"/>
       </p:ext>
     </p:extLst>
   </p:cSld>
@@ -5094,71 +5300,90 @@
           <a:bodyPr/>
           <a:lstStyle/>
           <a:p>
-            <a:r>
-              <a:rPr lang="en-US" dirty="0" smtClean="0"/>
-              <a:t>Why JSON</a:t>
+            <a:pPr marL="0" marR="0" indent="0" algn="l" defTabSz="914400" rtl="0" eaLnBrk="0" fontAlgn="base" latinLnBrk="0" hangingPunct="0">
+              <a:lnSpc>
+                <a:spcPct val="100000"/>
+              </a:lnSpc>
+              <a:spcBef>
+                <a:spcPct val="30000"/>
+              </a:spcBef>
+              <a:spcAft>
+                <a:spcPct val="0"/>
+              </a:spcAft>
+              <a:buClrTx/>
+              <a:buSzTx/>
+              <a:buFontTx/>
+              <a:buNone/>
+              <a:tabLst/>
+              <a:defRPr/>
+            </a:pPr>
+            <a:r>
+              <a:rPr lang="en-US" dirty="0" smtClean="0"/>
+              <a:t>glTF has more features than </a:t>
+            </a:r>
+            <a:r>
+              <a:rPr lang="en-US" dirty="0" smtClean="0"/>
+              <a:t>WebGL, </a:t>
+            </a:r>
+            <a:r>
+              <a:rPr lang="en-US" dirty="0" smtClean="0"/>
+              <a:t>like a node hierarchy,</a:t>
             </a:r>
             <a:r>
               <a:rPr lang="en-US" baseline="0" dirty="0" smtClean="0"/>
-              <a:t> - cross-platform, compact, readable, allows validation, and minifies and compresses well</a:t>
-            </a:r>
+              <a:t> animation, and skins, but less features than an interchange format, like physics and spline representations</a:t>
+            </a:r>
+            <a:r>
+              <a:rPr lang="en-US" baseline="0" dirty="0" smtClean="0"/>
+              <a:t>.  It tries to strike a balance between providing enough features and being bloated.</a:t>
+            </a:r>
+            <a:endParaRPr lang="en-US" baseline="0" dirty="0" smtClean="0"/>
+          </a:p>
+          <a:p>
+            <a:pPr marL="0" marR="0" indent="0" algn="l" defTabSz="914400" rtl="0" eaLnBrk="0" fontAlgn="base" latinLnBrk="0" hangingPunct="0">
+              <a:lnSpc>
+                <a:spcPct val="100000"/>
+              </a:lnSpc>
+              <a:spcBef>
+                <a:spcPct val="30000"/>
+              </a:spcBef>
+              <a:spcAft>
+                <a:spcPct val="0"/>
+              </a:spcAft>
+              <a:buClrTx/>
+              <a:buSzTx/>
+              <a:buFontTx/>
+              <a:buNone/>
+              <a:tabLst/>
+              <a:defRPr/>
+            </a:pPr>
             <a:endParaRPr lang="en-US" dirty="0" smtClean="0"/>
           </a:p>
           <a:p>
+            <a:pPr marL="0" marR="0" indent="0" algn="l" defTabSz="914400" rtl="0" eaLnBrk="0" fontAlgn="base" latinLnBrk="0" hangingPunct="0">
+              <a:lnSpc>
+                <a:spcPct val="100000"/>
+              </a:lnSpc>
+              <a:spcBef>
+                <a:spcPct val="30000"/>
+              </a:spcBef>
+              <a:spcAft>
+                <a:spcPct val="0"/>
+              </a:spcAft>
+              <a:buClrTx/>
+              <a:buSzTx/>
+              <a:buFontTx/>
+              <a:buNone/>
+              <a:tabLst/>
+              <a:defRPr/>
+            </a:pPr>
+            <a:r>
+              <a:rPr lang="en-US" dirty="0" smtClean="0"/>
+              <a:t>glTF is extensible by allowing extra JSON properties (literally named “extra : {}”) on each property, which is forward-compatible.</a:t>
+            </a:r>
             <a:endParaRPr lang="en-US" dirty="0" smtClean="0"/>
           </a:p>
           <a:p>
-            <a:r>
-              <a:rPr lang="en-US" dirty="0" smtClean="0"/>
-              <a:t>Geometry, animation, and skins are binary, unlike,</a:t>
-            </a:r>
-            <a:r>
-              <a:rPr lang="en-US" baseline="0" dirty="0" smtClean="0"/>
-              <a:t> COLLADA, for example, which uses XML</a:t>
-            </a:r>
-          </a:p>
-          <a:p>
-            <a:endParaRPr lang="en-US" dirty="0" smtClean="0"/>
-          </a:p>
-          <a:p>
-            <a:r>
-              <a:rPr lang="en-US" dirty="0" smtClean="0"/>
-              <a:t>Binary data is little endian</a:t>
-            </a:r>
-          </a:p>
-          <a:p>
-            <a:endParaRPr lang="en-US" dirty="0" smtClean="0"/>
-          </a:p>
-          <a:p>
-            <a:r>
-              <a:rPr lang="en-US" dirty="0" smtClean="0"/>
-              <a:t>Binary blobs - allow efficient creation of GL buffers and textures since they require no additional parsing, except perhaps decompression</a:t>
-            </a:r>
-          </a:p>
-          <a:p>
-            <a:endParaRPr lang="en-US" dirty="0" smtClean="0"/>
-          </a:p>
-          <a:p>
-            <a:r>
-              <a:rPr lang="en-US" dirty="0" smtClean="0"/>
-              <a:t>Shaders can be in .json or separate .glsl files</a:t>
-            </a:r>
-          </a:p>
-          <a:p>
-            <a:r>
-              <a:rPr lang="en-US" dirty="0" smtClean="0"/>
-              <a:t>Can have any number of .bin files</a:t>
-            </a:r>
-          </a:p>
-          <a:p>
-            <a:r>
-              <a:rPr lang="en-US" dirty="0" smtClean="0"/>
-              <a:t>Flexible</a:t>
-            </a:r>
-            <a:r>
-              <a:rPr lang="en-US" baseline="0" dirty="0" smtClean="0"/>
-              <a:t> for a wide array of applications.</a:t>
-            </a:r>
             <a:endParaRPr lang="en-US" dirty="0"/>
           </a:p>
         </p:txBody>
@@ -5195,7 +5420,7 @@
     </p:spTree>
     <p:extLst>
       <p:ext uri="{BB962C8B-B14F-4D97-AF65-F5344CB8AC3E}">
-        <p14:creationId xmlns:p14="http://schemas.microsoft.com/office/powerpoint/2010/main" val="1607407498"/>
+        <p14:creationId xmlns:p14="http://schemas.microsoft.com/office/powerpoint/2010/main" val="4293225623"/>
       </p:ext>
     </p:extLst>
   </p:cSld>
@@ -5249,127 +5474,116 @@
           <a:bodyPr/>
           <a:lstStyle/>
           <a:p>
-            <a:pPr marL="0" marR="0" indent="0" algn="l" defTabSz="914400" rtl="0" eaLnBrk="0" fontAlgn="base" latinLnBrk="0" hangingPunct="0">
-              <a:lnSpc>
-                <a:spcPct val="100000"/>
-              </a:lnSpc>
-              <a:spcBef>
-                <a:spcPct val="30000"/>
-              </a:spcBef>
-              <a:spcAft>
-                <a:spcPct val="0"/>
-              </a:spcAft>
-              <a:buClrTx/>
-              <a:buSzTx/>
-              <a:buFontTx/>
-              <a:buNone/>
-              <a:tabLst/>
-              <a:defRPr/>
-            </a:pPr>
-            <a:r>
-              <a:rPr lang="en-US" dirty="0" smtClean="0"/>
-              <a:t>glTF has more features than a graphics API, like a node hierarchy,</a:t>
+            <a:r>
+              <a:rPr lang="en-US" dirty="0" smtClean="0"/>
+              <a:t>Like WebGL, glTF itself is really just a spec (and supporting schema).</a:t>
             </a:r>
             <a:r>
               <a:rPr lang="en-US" baseline="0" dirty="0" smtClean="0"/>
-              <a:t> animation, and skins, but less features than an interchange format, like physics and spline representations.</a:t>
-            </a:r>
-          </a:p>
-          <a:p>
-            <a:pPr marL="0" marR="0" indent="0" algn="l" defTabSz="914400" rtl="0" eaLnBrk="0" fontAlgn="base" latinLnBrk="0" hangingPunct="0">
-              <a:lnSpc>
-                <a:spcPct val="100000"/>
-              </a:lnSpc>
-              <a:spcBef>
-                <a:spcPct val="30000"/>
-              </a:spcBef>
-              <a:spcAft>
-                <a:spcPct val="0"/>
-              </a:spcAft>
-              <a:buClrTx/>
-              <a:buSzTx/>
-              <a:buFontTx/>
-              <a:buNone/>
-              <a:tabLst/>
-              <a:defRPr/>
-            </a:pPr>
+              <a:t>  However, a spec alone is not useful to developers.  There is an open-source content-pipeline that converts COLLADA to glTF [1], which allows engine developers to save on the amount of code they have to write; in simple cases, we won’t need any additional content pipeline code.  In addition </a:t>
+            </a:r>
+            <a:r>
+              <a:rPr lang="en-US" baseline="0" dirty="0" err="1" smtClean="0"/>
+              <a:t>Three.js</a:t>
+            </a:r>
+            <a:r>
+              <a:rPr lang="en-US" baseline="0" dirty="0" smtClean="0"/>
+              <a:t> is widely used by the WebGL community so there is an open-source glTF loader for </a:t>
+            </a:r>
+            <a:r>
+              <a:rPr lang="en-US" baseline="0" dirty="0" err="1" smtClean="0"/>
+              <a:t>Three.js</a:t>
+            </a:r>
+            <a:r>
+              <a:rPr lang="en-US" baseline="0" dirty="0" smtClean="0"/>
+              <a:t>.  We also believe that it’s impossible to write a reasonable spec without implementing it so everyone working on the spec, implemented a glTF loader, sometimes even rewriting it from scratch.</a:t>
+            </a:r>
             <a:endParaRPr lang="en-US" dirty="0" smtClean="0"/>
           </a:p>
           <a:p>
-            <a:pPr marL="0" marR="0" indent="0" algn="l" defTabSz="914400" rtl="0" eaLnBrk="0" fontAlgn="base" latinLnBrk="0" hangingPunct="0">
-              <a:lnSpc>
-                <a:spcPct val="100000"/>
-              </a:lnSpc>
-              <a:spcBef>
-                <a:spcPct val="30000"/>
-              </a:spcBef>
-              <a:spcAft>
-                <a:spcPct val="0"/>
-              </a:spcAft>
-              <a:buClrTx/>
-              <a:buSzTx/>
-              <a:buFontTx/>
-              <a:buNone/>
-              <a:tabLst/>
-              <a:defRPr/>
-            </a:pPr>
-            <a:r>
-              <a:rPr lang="en-US" dirty="0" smtClean="0"/>
-              <a:t>Extensible – extra properties – forwards compatible</a:t>
-            </a:r>
-          </a:p>
-          <a:p>
-            <a:pPr marL="0" marR="0" indent="0" algn="l" defTabSz="914400" rtl="0" eaLnBrk="0" fontAlgn="base" latinLnBrk="0" hangingPunct="0">
-              <a:lnSpc>
-                <a:spcPct val="100000"/>
-              </a:lnSpc>
-              <a:spcBef>
-                <a:spcPct val="30000"/>
-              </a:spcBef>
-              <a:spcAft>
-                <a:spcPct val="0"/>
-              </a:spcAft>
-              <a:buClrTx/>
-              <a:buSzTx/>
-              <a:buFontTx/>
-              <a:buNone/>
-              <a:tabLst/>
-              <a:defRPr/>
-            </a:pPr>
             <a:endParaRPr lang="en-US" dirty="0" smtClean="0"/>
           </a:p>
           <a:p>
-            <a:pPr marL="0" marR="0" indent="0" algn="l" defTabSz="914400" rtl="0" eaLnBrk="0" fontAlgn="base" latinLnBrk="0" hangingPunct="0">
-              <a:lnSpc>
-                <a:spcPct val="100000"/>
-              </a:lnSpc>
-              <a:spcBef>
-                <a:spcPct val="30000"/>
-              </a:spcBef>
-              <a:spcAft>
-                <a:spcPct val="0"/>
-              </a:spcAft>
-              <a:buClrTx/>
-              <a:buSzTx/>
-              <a:buFontTx/>
-              <a:buNone/>
-              <a:tabLst/>
-              <a:defRPr/>
-            </a:pPr>
-            <a:r>
-              <a:rPr lang="en-US" dirty="0" smtClean="0"/>
-              <a:t>Logos from http://</a:t>
+            <a:r>
+              <a:rPr lang="en-US" dirty="0" smtClean="0"/>
+              <a:t>All of the spec work, and</a:t>
+            </a:r>
+            <a:r>
+              <a:rPr lang="en-US" baseline="0" dirty="0" smtClean="0"/>
+              <a:t> content pipeline and </a:t>
+            </a:r>
+            <a:r>
+              <a:rPr lang="en-US" baseline="0" dirty="0" err="1" smtClean="0"/>
+              <a:t>Three.js</a:t>
+            </a:r>
+            <a:r>
+              <a:rPr lang="en-US" baseline="0" dirty="0" smtClean="0"/>
+              <a:t> loader code, was done in the open using </a:t>
+            </a:r>
+            <a:r>
+              <a:rPr lang="en-US" baseline="0" dirty="0" err="1" smtClean="0"/>
+              <a:t>github</a:t>
+            </a:r>
+            <a:r>
+              <a:rPr lang="en-US" baseline="0" dirty="0" smtClean="0"/>
+              <a:t>.  This was useful for bug fixes and more folks joining in on discussions.</a:t>
+            </a:r>
+            <a:endParaRPr lang="en-US" dirty="0" smtClean="0"/>
+          </a:p>
+          <a:p>
+            <a:endParaRPr lang="en-US" dirty="0" smtClean="0"/>
+          </a:p>
+          <a:p>
+            <a:r>
+              <a:rPr lang="en-US" dirty="0" smtClean="0"/>
+              <a:t>glTF is designed for WebGL, OpenGL ES, and OpenGL, but initial adoption is primarily with WebGL</a:t>
+            </a:r>
+            <a:r>
+              <a:rPr lang="en-US" baseline="0" dirty="0" smtClean="0"/>
+              <a:t> since the engines are still emerging.  </a:t>
+            </a:r>
+            <a:r>
+              <a:rPr lang="en-US" dirty="0" smtClean="0"/>
+              <a:t>Established</a:t>
+            </a:r>
+            <a:r>
+              <a:rPr lang="en-US" baseline="0" dirty="0" smtClean="0"/>
+              <a:t> </a:t>
+            </a:r>
+            <a:r>
+              <a:rPr lang="en-US" baseline="0" dirty="0" smtClean="0"/>
+              <a:t>engines like Unity and C4 already have a runtime </a:t>
+            </a:r>
+            <a:r>
+              <a:rPr lang="en-US" baseline="0" dirty="0" smtClean="0"/>
+              <a:t>format and have written supporting tools.</a:t>
+            </a:r>
+            <a:endParaRPr lang="en-US" dirty="0" smtClean="0"/>
+          </a:p>
+          <a:p>
+            <a:endParaRPr lang="en-US" dirty="0" smtClean="0"/>
+          </a:p>
+          <a:p>
+            <a:r>
+              <a:rPr lang="en-US" dirty="0" smtClean="0"/>
+              <a:t>[1] https://</a:t>
             </a:r>
             <a:r>
               <a:rPr lang="en-US" dirty="0" err="1" smtClean="0"/>
-              <a:t>www.khronos.org</a:t>
-            </a:r>
-            <a:r>
-              <a:rPr lang="en-US" dirty="0" smtClean="0"/>
-              <a:t>/legal/trademarks/</a:t>
-            </a:r>
-          </a:p>
-          <a:p>
+              <a:t>github.com</a:t>
+            </a:r>
+            <a:r>
+              <a:rPr lang="en-US" dirty="0" smtClean="0"/>
+              <a:t>/</a:t>
+            </a:r>
+            <a:r>
+              <a:rPr lang="en-US" dirty="0" err="1" smtClean="0"/>
+              <a:t>KhronosGroup</a:t>
+            </a:r>
+            <a:r>
+              <a:rPr lang="en-US" dirty="0" smtClean="0"/>
+              <a:t>/glTF</a:t>
+            </a:r>
             <a:endParaRPr lang="en-US" dirty="0"/>
           </a:p>
         </p:txBody>
@@ -5406,7 +5620,7 @@
     </p:spTree>
     <p:extLst>
       <p:ext uri="{BB962C8B-B14F-4D97-AF65-F5344CB8AC3E}">
-        <p14:creationId xmlns:p14="http://schemas.microsoft.com/office/powerpoint/2010/main" val="4293225623"/>
+        <p14:creationId xmlns:p14="http://schemas.microsoft.com/office/powerpoint/2010/main" val="1619271357"/>
       </p:ext>
     </p:extLst>
   </p:cSld>
@@ -8515,7 +8729,6 @@
               <a:rPr lang="en-US" altLang="en-US" sz="4600" dirty="0" smtClean="0"/>
               <a:t>WebGL Content Pipeline with glTF</a:t>
             </a:r>
-            <a:endParaRPr lang="en-US" altLang="en-US" sz="4600" dirty="0" smtClean="0"/>
           </a:p>
         </p:txBody>
       </p:sp>
@@ -8548,11 +8761,7 @@
             </a:pPr>
             <a:r>
               <a:rPr lang="en-US" altLang="en-US" sz="2800" dirty="0" smtClean="0"/>
-              <a:t>Patrick </a:t>
-            </a:r>
-            <a:r>
-              <a:rPr lang="en-US" altLang="en-US" sz="2800" dirty="0" smtClean="0"/>
-              <a:t>Cozzi, </a:t>
+              <a:t>Patrick Cozzi, </a:t>
             </a:r>
             <a:r>
               <a:rPr lang="en-US" altLang="en-US" sz="2800" dirty="0" smtClean="0">
@@ -8562,11 +8771,6 @@
               </a:rPr>
               <a:t>@pjcozzi</a:t>
             </a:r>
-            <a:endParaRPr lang="en-US" altLang="en-US" sz="2800" dirty="0" smtClean="0">
-              <a:solidFill>
-                <a:schemeClr val="accent1"/>
-              </a:solidFill>
-            </a:endParaRPr>
           </a:p>
           <a:p>
             <a:pPr algn="l">
@@ -8591,17 +8795,8 @@
             </a:pPr>
             <a:r>
               <a:rPr lang="en-US" altLang="en-US" sz="2800" dirty="0" smtClean="0"/>
-              <a:t>University </a:t>
-            </a:r>
-            <a:r>
-              <a:rPr lang="en-US" altLang="en-US" sz="2800" dirty="0" smtClean="0"/>
-              <a:t>of </a:t>
-            </a:r>
-            <a:r>
-              <a:rPr lang="en-US" altLang="en-US" sz="2800" dirty="0" smtClean="0"/>
-              <a:t>Pennsylvania</a:t>
-            </a:r>
-            <a:endParaRPr lang="en-US" altLang="en-US" sz="2800" dirty="0" smtClean="0"/>
+              <a:t>University of Pennsylvania</a:t>
+            </a:r>
           </a:p>
         </p:txBody>
       </p:sp>
@@ -8708,96 +8903,11 @@
           <a:bodyPr/>
           <a:lstStyle/>
           <a:p>
-            <a:r>
-              <a:rPr lang="en-US" dirty="0" smtClean="0"/>
-              <a:t>glTF Goals</a:t>
-            </a:r>
-            <a:endParaRPr lang="en-US" dirty="0"/>
-          </a:p>
-        </p:txBody>
-      </p:sp>
-      <p:sp>
-        <p:nvSpPr>
-          <p:cNvPr id="3" name="Content Placeholder 2"/>
-          <p:cNvSpPr>
-            <a:spLocks noGrp="1"/>
-          </p:cNvSpPr>
-          <p:nvPr>
-            <p:ph idx="1"/>
-          </p:nvPr>
-        </p:nvSpPr>
-        <p:spPr/>
-        <p:txBody>
-          <a:bodyPr/>
-          <a:lstStyle/>
-          <a:p>
-            <a:r>
-              <a:rPr lang="en-US" dirty="0" smtClean="0"/>
-              <a:t>Code, Not Just Spec</a:t>
-            </a:r>
-          </a:p>
-          <a:p>
-            <a:pPr lvl="1"/>
-            <a:r>
-              <a:rPr lang="en-US" dirty="0" smtClean="0"/>
-              <a:t>Content Pipeline is key to adoption</a:t>
-            </a:r>
-          </a:p>
-          <a:p>
-            <a:pPr lvl="1"/>
-            <a:r>
-              <a:rPr lang="en-US" dirty="0" err="1" smtClean="0"/>
-              <a:t>Three.js</a:t>
-            </a:r>
-            <a:r>
-              <a:rPr lang="en-US" dirty="0" smtClean="0"/>
-              <a:t> is key to adoption</a:t>
-            </a:r>
-          </a:p>
-          <a:p>
-            <a:pPr lvl="1"/>
-            <a:r>
-              <a:rPr lang="en-US" dirty="0" smtClean="0"/>
-              <a:t>Implementations are needed for a sane </a:t>
-            </a:r>
-            <a:r>
-              <a:rPr lang="en-US" dirty="0" smtClean="0"/>
-              <a:t>spec</a:t>
-            </a:r>
-          </a:p>
-          <a:p>
-            <a:r>
-              <a:rPr lang="en-US" dirty="0" smtClean="0"/>
-              <a:t>Community</a:t>
-            </a:r>
-          </a:p>
-          <a:p>
-            <a:pPr lvl="1"/>
-            <a:r>
-              <a:rPr lang="en-US" dirty="0" smtClean="0"/>
-              <a:t>Grassroots and transparency</a:t>
-            </a:r>
-          </a:p>
-          <a:p>
-            <a:r>
-              <a:rPr lang="en-US" dirty="0" smtClean="0"/>
-              <a:t>WebGL, OpenGL ES, and OpenGL</a:t>
-            </a:r>
-          </a:p>
-          <a:p>
-            <a:pPr lvl="1"/>
-            <a:r>
-              <a:rPr lang="en-US" dirty="0" smtClean="0"/>
-              <a:t>Initial adoption - WebGL</a:t>
-            </a:r>
-          </a:p>
-          <a:p>
-            <a:endParaRPr lang="en-US" dirty="0" smtClean="0"/>
-          </a:p>
-          <a:p>
-            <a:pPr marL="0" indent="0">
-              <a:buNone/>
-            </a:pPr>
+            <a:pPr algn="r"/>
+            <a:r>
+              <a:rPr lang="en-US" dirty="0" smtClean="0"/>
+              <a:t>glTF Schema</a:t>
+            </a:r>
             <a:endParaRPr lang="en-US" dirty="0"/>
           </a:p>
         </p:txBody>
@@ -8826,126 +8936,6 @@
                 <a:defRPr/>
               </a:pPr>
               <a:t>10</a:t>
-            </a:fld>
-            <a:endParaRPr lang="en-US"/>
-          </a:p>
-        </p:txBody>
-      </p:sp>
-      <p:sp>
-        <p:nvSpPr>
-          <p:cNvPr id="7" name="Rectangle 6"/>
-          <p:cNvSpPr/>
-          <p:nvPr/>
-        </p:nvSpPr>
-        <p:spPr>
-          <a:xfrm>
-            <a:off x="131647" y="6073914"/>
-            <a:ext cx="8880706" cy="707886"/>
-          </a:xfrm>
-          <a:prstGeom prst="rect">
-            <a:avLst/>
-          </a:prstGeom>
-        </p:spPr>
-        <p:txBody>
-          <a:bodyPr wrap="none">
-            <a:spAutoFit/>
-          </a:bodyPr>
-          <a:lstStyle/>
-          <a:p>
-            <a:r>
-              <a:rPr lang="en-US" sz="4000" dirty="0">
-                <a:hlinkClick r:id="rId3"/>
-              </a:rPr>
-              <a:t>https://github.com/KhronosGroup/</a:t>
-            </a:r>
-            <a:r>
-              <a:rPr lang="en-US" sz="4000" dirty="0" smtClean="0">
-                <a:hlinkClick r:id="rId3"/>
-              </a:rPr>
-              <a:t>glTF</a:t>
-            </a:r>
-            <a:endParaRPr lang="en-US" sz="4000" dirty="0"/>
-          </a:p>
-        </p:txBody>
-      </p:sp>
-    </p:spTree>
-    <p:extLst>
-      <p:ext uri="{BB962C8B-B14F-4D97-AF65-F5344CB8AC3E}">
-        <p14:creationId xmlns:p14="http://schemas.microsoft.com/office/powerpoint/2010/main" val="1289697648"/>
-      </p:ext>
-    </p:extLst>
-  </p:cSld>
-  <p:clrMapOvr>
-    <a:masterClrMapping/>
-  </p:clrMapOvr>
-</p:sld>
-</file>
-
-<file path=ppt/slides/slide11.xml><?xml version="1.0" encoding="utf-8"?>
-<p:sld xmlns:a="http://schemas.openxmlformats.org/drawingml/2006/main" xmlns:r="http://schemas.openxmlformats.org/officeDocument/2006/relationships" xmlns:p="http://schemas.openxmlformats.org/presentationml/2006/main">
-  <p:cSld>
-    <p:spTree>
-      <p:nvGrpSpPr>
-        <p:cNvPr id="1" name=""/>
-        <p:cNvGrpSpPr/>
-        <p:nvPr/>
-      </p:nvGrpSpPr>
-      <p:grpSpPr>
-        <a:xfrm>
-          <a:off x="0" y="0"/>
-          <a:ext cx="0" cy="0"/>
-          <a:chOff x="0" y="0"/>
-          <a:chExt cx="0" cy="0"/>
-        </a:xfrm>
-      </p:grpSpPr>
-      <p:sp>
-        <p:nvSpPr>
-          <p:cNvPr id="2" name="Title 1"/>
-          <p:cNvSpPr>
-            <a:spLocks noGrp="1"/>
-          </p:cNvSpPr>
-          <p:nvPr>
-            <p:ph type="title"/>
-          </p:nvPr>
-        </p:nvSpPr>
-        <p:spPr/>
-        <p:txBody>
-          <a:bodyPr/>
-          <a:lstStyle/>
-          <a:p>
-            <a:pPr algn="r"/>
-            <a:r>
-              <a:rPr lang="en-US" dirty="0" smtClean="0"/>
-              <a:t>glTF Schema</a:t>
-            </a:r>
-            <a:endParaRPr lang="en-US" dirty="0"/>
-          </a:p>
-        </p:txBody>
-      </p:sp>
-      <p:sp>
-        <p:nvSpPr>
-          <p:cNvPr id="4" name="Slide Number Placeholder 3"/>
-          <p:cNvSpPr>
-            <a:spLocks noGrp="1"/>
-          </p:cNvSpPr>
-          <p:nvPr>
-            <p:ph type="sldNum" sz="quarter" idx="12"/>
-          </p:nvPr>
-        </p:nvSpPr>
-        <p:spPr/>
-        <p:txBody>
-          <a:bodyPr/>
-          <a:lstStyle/>
-          <a:p>
-            <a:pPr>
-              <a:defRPr/>
-            </a:pPr>
-            <a:fld id="{FC28735A-D6AA-419A-87B4-83DEEEB2001E}" type="slidenum">
-              <a:rPr lang="en-US" smtClean="0"/>
-              <a:pPr>
-                <a:defRPr/>
-              </a:pPr>
-              <a:t>11</a:t>
             </a:fld>
             <a:endParaRPr lang="en-US"/>
           </a:p>
@@ -10983,6 +10973,157 @@
 </p:sld>
 </file>
 
+<file path=ppt/slides/slide11.xml><?xml version="1.0" encoding="utf-8"?>
+<p:sld xmlns:a="http://schemas.openxmlformats.org/drawingml/2006/main" xmlns:r="http://schemas.openxmlformats.org/officeDocument/2006/relationships" xmlns:p="http://schemas.openxmlformats.org/presentationml/2006/main">
+  <p:cSld>
+    <p:spTree>
+      <p:nvGrpSpPr>
+        <p:cNvPr id="1" name=""/>
+        <p:cNvGrpSpPr/>
+        <p:nvPr/>
+      </p:nvGrpSpPr>
+      <p:grpSpPr>
+        <a:xfrm>
+          <a:off x="0" y="0"/>
+          <a:ext cx="0" cy="0"/>
+          <a:chOff x="0" y="0"/>
+          <a:chExt cx="0" cy="0"/>
+        </a:xfrm>
+      </p:grpSpPr>
+      <p:sp>
+        <p:nvSpPr>
+          <p:cNvPr id="2" name="Title 1"/>
+          <p:cNvSpPr>
+            <a:spLocks noGrp="1"/>
+          </p:cNvSpPr>
+          <p:nvPr>
+            <p:ph type="title"/>
+          </p:nvPr>
+        </p:nvSpPr>
+        <p:spPr/>
+        <p:txBody>
+          <a:bodyPr/>
+          <a:lstStyle/>
+          <a:p>
+            <a:r>
+              <a:rPr lang="en-US" dirty="0" smtClean="0"/>
+              <a:t>TODO</a:t>
+            </a:r>
+            <a:endParaRPr lang="en-US" dirty="0"/>
+          </a:p>
+        </p:txBody>
+      </p:sp>
+      <p:sp>
+        <p:nvSpPr>
+          <p:cNvPr id="3" name="Content Placeholder 2"/>
+          <p:cNvSpPr>
+            <a:spLocks noGrp="1"/>
+          </p:cNvSpPr>
+          <p:nvPr>
+            <p:ph idx="1"/>
+          </p:nvPr>
+        </p:nvSpPr>
+        <p:spPr/>
+        <p:txBody>
+          <a:bodyPr/>
+          <a:lstStyle/>
+          <a:p>
+            <a:r>
+              <a:rPr lang="en-US" dirty="0" smtClean="0"/>
+              <a:t>Selected schema examples</a:t>
+            </a:r>
+            <a:endParaRPr lang="en-US" dirty="0" smtClean="0"/>
+          </a:p>
+          <a:p>
+            <a:r>
+              <a:rPr lang="en-US" dirty="0" smtClean="0"/>
+              <a:t>Converter </a:t>
+            </a:r>
+            <a:r>
+              <a:rPr lang="en-US" dirty="0" smtClean="0"/>
+              <a:t>command-line example</a:t>
+            </a:r>
+          </a:p>
+          <a:p>
+            <a:r>
+              <a:rPr lang="en-US" dirty="0" smtClean="0"/>
+              <a:t>Demos</a:t>
+            </a:r>
+          </a:p>
+          <a:p>
+            <a:r>
+              <a:rPr lang="en-US" dirty="0" smtClean="0"/>
+              <a:t>Implementation tips?</a:t>
+            </a:r>
+          </a:p>
+          <a:p>
+            <a:r>
+              <a:rPr lang="en-US" dirty="0" smtClean="0"/>
+              <a:t>More artist tips?</a:t>
+            </a:r>
+          </a:p>
+          <a:p>
+            <a:r>
+              <a:rPr lang="en-US" dirty="0" smtClean="0"/>
+              <a:t>Reference “</a:t>
+            </a:r>
+            <a:r>
+              <a:rPr lang="en-US" dirty="0"/>
+              <a:t>An Artist's Guide to </a:t>
+            </a:r>
+            <a:r>
+              <a:rPr lang="en-US" dirty="0" smtClean="0"/>
+              <a:t>glTF”</a:t>
+            </a:r>
+            <a:endParaRPr lang="en-US" dirty="0" smtClean="0"/>
+          </a:p>
+          <a:p>
+            <a:endParaRPr lang="en-US" dirty="0"/>
+          </a:p>
+        </p:txBody>
+      </p:sp>
+      <p:sp>
+        <p:nvSpPr>
+          <p:cNvPr id="4" name="Slide Number Placeholder 3"/>
+          <p:cNvSpPr>
+            <a:spLocks noGrp="1"/>
+          </p:cNvSpPr>
+          <p:nvPr>
+            <p:ph type="sldNum" sz="quarter" idx="12"/>
+          </p:nvPr>
+        </p:nvSpPr>
+        <p:spPr/>
+        <p:txBody>
+          <a:bodyPr/>
+          <a:lstStyle/>
+          <a:p>
+            <a:pPr>
+              <a:defRPr/>
+            </a:pPr>
+            <a:fld id="{FC28735A-D6AA-419A-87B4-83DEEEB2001E}" type="slidenum">
+              <a:rPr lang="en-US" smtClean="0"/>
+              <a:pPr>
+                <a:defRPr/>
+              </a:pPr>
+              <a:t>11</a:t>
+            </a:fld>
+            <a:endParaRPr lang="en-US"/>
+          </a:p>
+        </p:txBody>
+      </p:sp>
+    </p:spTree>
+    <p:extLst>
+      <p:ext uri="{BB962C8B-B14F-4D97-AF65-F5344CB8AC3E}">
+        <p14:creationId xmlns:p14="http://schemas.microsoft.com/office/powerpoint/2010/main" val="2727731808"/>
+      </p:ext>
+    </p:extLst>
+  </p:cSld>
+  <p:clrMapOvr>
+    <a:masterClrMapping/>
+  </p:clrMapOvr>
+</p:sld>
+</file>
+
 <file path=ppt/slides/slide12.xml><?xml version="1.0" encoding="utf-8"?>
 <p:sld xmlns:a="http://schemas.openxmlformats.org/drawingml/2006/main" xmlns:r="http://schemas.openxmlformats.org/officeDocument/2006/relationships" xmlns:p="http://schemas.openxmlformats.org/presentationml/2006/main">
   <p:cSld>
@@ -11017,7 +11158,7 @@
           <a:p>
             <a:r>
               <a:rPr lang="en-US" dirty="0" smtClean="0"/>
-              <a:t>TODO</a:t>
+              <a:t>Content Pipeline</a:t>
             </a:r>
             <a:endParaRPr lang="en-US" dirty="0"/>
           </a:p>
@@ -11040,14 +11181,13 @@
           <a:p>
             <a:r>
               <a:rPr lang="en-US" dirty="0" smtClean="0"/>
-              <a:t>Schema example</a:t>
-            </a:r>
-          </a:p>
-          <a:p>
-            <a:r>
-              <a:rPr lang="en-US" dirty="0" smtClean="0"/>
-              <a:t>Converter example</a:t>
-            </a:r>
+              <a:t>Optimize and package assets for use with the engine</a:t>
+            </a:r>
+          </a:p>
+          <a:p>
+            <a:pPr marL="457200" lvl="1" indent="0">
+              <a:buNone/>
+            </a:pPr>
             <a:endParaRPr lang="en-US" dirty="0"/>
           </a:p>
         </p:txBody>
@@ -11081,10 +11221,1020 @@
           </a:p>
         </p:txBody>
       </p:sp>
+      <p:sp>
+        <p:nvSpPr>
+          <p:cNvPr id="5" name="Rounded Rectangle 4"/>
+          <p:cNvSpPr/>
+          <p:nvPr/>
+        </p:nvSpPr>
+        <p:spPr bwMode="auto">
+          <a:xfrm>
+            <a:off x="2667000" y="3048000"/>
+            <a:ext cx="2029969" cy="838200"/>
+          </a:xfrm>
+          <a:prstGeom prst="roundRect">
+            <a:avLst/>
+          </a:prstGeom>
+          <a:solidFill>
+            <a:schemeClr val="accent1"/>
+          </a:solidFill>
+          <a:ln w="9525" cap="flat" cmpd="sng" algn="ctr">
+            <a:solidFill>
+              <a:schemeClr val="tx1"/>
+            </a:solidFill>
+            <a:prstDash val="solid"/>
+            <a:round/>
+            <a:headEnd type="none" w="med" len="med"/>
+            <a:tailEnd type="none" w="med" len="med"/>
+          </a:ln>
+          <a:effectLst/>
+        </p:spPr>
+        <p:txBody>
+          <a:bodyPr vert="horz" wrap="square" lIns="91440" tIns="45720" rIns="91440" bIns="45720" numCol="1" rtlCol="0" anchor="t" anchorCtr="0" compatLnSpc="1">
+            <a:prstTxWarp prst="textNoShape">
+              <a:avLst/>
+            </a:prstTxWarp>
+          </a:bodyPr>
+          <a:lstStyle/>
+          <a:p>
+            <a:pPr marL="0" marR="0" indent="0" algn="ctr" defTabSz="914400" rtl="0" eaLnBrk="0" fontAlgn="base" latinLnBrk="0" hangingPunct="0">
+              <a:lnSpc>
+                <a:spcPct val="100000"/>
+              </a:lnSpc>
+              <a:spcBef>
+                <a:spcPct val="0"/>
+              </a:spcBef>
+              <a:spcAft>
+                <a:spcPct val="0"/>
+              </a:spcAft>
+              <a:buClrTx/>
+              <a:buSzTx/>
+              <a:buFontTx/>
+              <a:buNone/>
+              <a:tabLst/>
+            </a:pPr>
+            <a:r>
+              <a:rPr kumimoji="0" lang="en-US" sz="1800" b="0" i="0" u="none" strike="noStrike" cap="none" normalizeH="0" baseline="0" dirty="0" smtClean="0">
+                <a:ln>
+                  <a:noFill/>
+                </a:ln>
+                <a:solidFill>
+                  <a:schemeClr val="tx1"/>
+                </a:solidFill>
+                <a:effectLst/>
+                <a:latin typeface="Arial" charset="0"/>
+              </a:rPr>
+              <a:t>COLLADA2GLTF</a:t>
+            </a:r>
+            <a:endParaRPr kumimoji="0" lang="en-US" sz="1800" b="0" i="0" u="none" strike="noStrike" cap="none" normalizeH="0" baseline="0" dirty="0" smtClean="0">
+              <a:ln>
+                <a:noFill/>
+              </a:ln>
+              <a:solidFill>
+                <a:schemeClr val="tx1"/>
+              </a:solidFill>
+              <a:effectLst/>
+              <a:latin typeface="Arial" charset="0"/>
+            </a:endParaRPr>
+          </a:p>
+        </p:txBody>
+      </p:sp>
+      <p:sp>
+        <p:nvSpPr>
+          <p:cNvPr id="7" name="Rounded Rectangle 6"/>
+          <p:cNvSpPr/>
+          <p:nvPr/>
+        </p:nvSpPr>
+        <p:spPr bwMode="auto">
+          <a:xfrm>
+            <a:off x="6934200" y="3048000"/>
+            <a:ext cx="1981200" cy="838200"/>
+          </a:xfrm>
+          <a:prstGeom prst="roundRect">
+            <a:avLst/>
+          </a:prstGeom>
+          <a:solidFill>
+            <a:schemeClr val="accent1"/>
+          </a:solidFill>
+          <a:ln w="9525" cap="flat" cmpd="sng" algn="ctr">
+            <a:solidFill>
+              <a:schemeClr val="tx1"/>
+            </a:solidFill>
+            <a:prstDash val="solid"/>
+            <a:round/>
+            <a:headEnd type="none" w="med" len="med"/>
+            <a:tailEnd type="none" w="med" len="med"/>
+          </a:ln>
+          <a:effectLst/>
+        </p:spPr>
+        <p:txBody>
+          <a:bodyPr vert="horz" wrap="square" lIns="91440" tIns="45720" rIns="91440" bIns="45720" numCol="1" rtlCol="0" anchor="t" anchorCtr="0" compatLnSpc="1">
+            <a:prstTxWarp prst="textNoShape">
+              <a:avLst/>
+            </a:prstTxWarp>
+          </a:bodyPr>
+          <a:lstStyle/>
+          <a:p>
+            <a:pPr marL="0" marR="0" indent="0" algn="ctr" defTabSz="914400" rtl="0" eaLnBrk="0" fontAlgn="base" latinLnBrk="0" hangingPunct="0">
+              <a:lnSpc>
+                <a:spcPct val="100000"/>
+              </a:lnSpc>
+              <a:spcBef>
+                <a:spcPct val="0"/>
+              </a:spcBef>
+              <a:spcAft>
+                <a:spcPct val="0"/>
+              </a:spcAft>
+              <a:buClrTx/>
+              <a:buSzTx/>
+              <a:buFontTx/>
+              <a:buNone/>
+              <a:tabLst/>
+            </a:pPr>
+            <a:r>
+              <a:rPr kumimoji="0" lang="en-US" sz="1800" b="0" i="0" u="none" strike="noStrike" cap="none" normalizeH="0" baseline="0" dirty="0" smtClean="0">
+                <a:ln>
+                  <a:noFill/>
+                </a:ln>
+                <a:solidFill>
+                  <a:schemeClr val="tx1"/>
+                </a:solidFill>
+                <a:effectLst/>
+                <a:latin typeface="Arial" charset="0"/>
+              </a:rPr>
+              <a:t>WebGL</a:t>
+            </a:r>
+          </a:p>
+          <a:p>
+            <a:pPr marL="0" marR="0" indent="0" algn="ctr" defTabSz="914400" rtl="0" eaLnBrk="0" fontAlgn="base" latinLnBrk="0" hangingPunct="0">
+              <a:lnSpc>
+                <a:spcPct val="100000"/>
+              </a:lnSpc>
+              <a:spcBef>
+                <a:spcPct val="0"/>
+              </a:spcBef>
+              <a:spcAft>
+                <a:spcPct val="0"/>
+              </a:spcAft>
+              <a:buClrTx/>
+              <a:buSzTx/>
+              <a:buFontTx/>
+              <a:buNone/>
+              <a:tabLst/>
+            </a:pPr>
+            <a:r>
+              <a:rPr kumimoji="0" lang="en-US" sz="1800" b="0" i="0" u="none" strike="noStrike" cap="none" normalizeH="0" baseline="0" dirty="0" smtClean="0">
+                <a:ln>
+                  <a:noFill/>
+                </a:ln>
+                <a:solidFill>
+                  <a:schemeClr val="tx1"/>
+                </a:solidFill>
+                <a:effectLst/>
+                <a:latin typeface="Arial" charset="0"/>
+              </a:rPr>
+              <a:t>Engine</a:t>
+            </a:r>
+            <a:endParaRPr kumimoji="0" lang="en-US" sz="1800" b="0" i="0" u="none" strike="noStrike" cap="none" normalizeH="0" baseline="0" dirty="0" smtClean="0">
+              <a:ln>
+                <a:noFill/>
+              </a:ln>
+              <a:solidFill>
+                <a:schemeClr val="tx1"/>
+              </a:solidFill>
+              <a:effectLst/>
+              <a:latin typeface="Arial" charset="0"/>
+            </a:endParaRPr>
+          </a:p>
+        </p:txBody>
+      </p:sp>
+      <p:cxnSp>
+        <p:nvCxnSpPr>
+          <p:cNvPr id="8" name="Straight Arrow Connector 7"/>
+          <p:cNvCxnSpPr>
+            <a:stCxn id="5" idx="3"/>
+          </p:cNvCxnSpPr>
+          <p:nvPr/>
+        </p:nvCxnSpPr>
+        <p:spPr bwMode="auto">
+          <a:xfrm>
+            <a:off x="4696969" y="3467100"/>
+            <a:ext cx="283464" cy="0"/>
+          </a:xfrm>
+          <a:prstGeom prst="straightConnector1">
+            <a:avLst/>
+          </a:prstGeom>
+          <a:solidFill>
+            <a:schemeClr val="accent1"/>
+          </a:solidFill>
+          <a:ln w="9525" cap="flat" cmpd="sng" algn="ctr">
+            <a:solidFill>
+              <a:schemeClr val="tx1"/>
+            </a:solidFill>
+            <a:prstDash val="solid"/>
+            <a:round/>
+            <a:headEnd type="none" w="med" len="med"/>
+            <a:tailEnd type="arrow"/>
+          </a:ln>
+          <a:effectLst/>
+        </p:spPr>
+      </p:cxnSp>
+      <p:cxnSp>
+        <p:nvCxnSpPr>
+          <p:cNvPr id="9" name="Straight Arrow Connector 8"/>
+          <p:cNvCxnSpPr>
+            <a:endCxn id="7" idx="1"/>
+          </p:cNvCxnSpPr>
+          <p:nvPr/>
+        </p:nvCxnSpPr>
+        <p:spPr bwMode="auto">
+          <a:xfrm>
+            <a:off x="6650737" y="3467100"/>
+            <a:ext cx="283463" cy="0"/>
+          </a:xfrm>
+          <a:prstGeom prst="straightConnector1">
+            <a:avLst/>
+          </a:prstGeom>
+          <a:solidFill>
+            <a:schemeClr val="accent1"/>
+          </a:solidFill>
+          <a:ln w="9525" cap="flat" cmpd="sng" algn="ctr">
+            <a:solidFill>
+              <a:schemeClr val="tx1"/>
+            </a:solidFill>
+            <a:prstDash val="solid"/>
+            <a:round/>
+            <a:headEnd type="none" w="med" len="med"/>
+            <a:tailEnd type="arrow"/>
+          </a:ln>
+          <a:effectLst/>
+        </p:spPr>
+      </p:cxnSp>
+      <p:pic>
+        <p:nvPicPr>
+          <p:cNvPr id="11" name="Picture 10"/>
+          <p:cNvPicPr>
+            <a:picLocks noChangeAspect="1"/>
+          </p:cNvPicPr>
+          <p:nvPr/>
+        </p:nvPicPr>
+        <p:blipFill>
+          <a:blip r:embed="rId3"/>
+          <a:stretch>
+            <a:fillRect/>
+          </a:stretch>
+        </p:blipFill>
+        <p:spPr>
+          <a:xfrm>
+            <a:off x="5029200" y="2971800"/>
+            <a:ext cx="1625600" cy="952500"/>
+          </a:xfrm>
+          <a:prstGeom prst="rect">
+            <a:avLst/>
+          </a:prstGeom>
+        </p:spPr>
+      </p:pic>
+      <p:pic>
+        <p:nvPicPr>
+          <p:cNvPr id="12" name="Picture 11"/>
+          <p:cNvPicPr>
+            <a:picLocks noChangeAspect="1"/>
+          </p:cNvPicPr>
+          <p:nvPr/>
+        </p:nvPicPr>
+        <p:blipFill>
+          <a:blip r:embed="rId4"/>
+          <a:stretch>
+            <a:fillRect/>
+          </a:stretch>
+        </p:blipFill>
+        <p:spPr>
+          <a:xfrm>
+            <a:off x="228600" y="3200400"/>
+            <a:ext cx="2095500" cy="432873"/>
+          </a:xfrm>
+          <a:prstGeom prst="rect">
+            <a:avLst/>
+          </a:prstGeom>
+        </p:spPr>
+      </p:pic>
+      <p:cxnSp>
+        <p:nvCxnSpPr>
+          <p:cNvPr id="13" name="Straight Arrow Connector 12"/>
+          <p:cNvCxnSpPr/>
+          <p:nvPr/>
+        </p:nvCxnSpPr>
+        <p:spPr bwMode="auto">
+          <a:xfrm>
+            <a:off x="2362200" y="3429000"/>
+            <a:ext cx="283464" cy="0"/>
+          </a:xfrm>
+          <a:prstGeom prst="straightConnector1">
+            <a:avLst/>
+          </a:prstGeom>
+          <a:solidFill>
+            <a:schemeClr val="accent1"/>
+          </a:solidFill>
+          <a:ln w="9525" cap="flat" cmpd="sng" algn="ctr">
+            <a:solidFill>
+              <a:schemeClr val="tx1"/>
+            </a:solidFill>
+            <a:prstDash val="solid"/>
+            <a:round/>
+            <a:headEnd type="none" w="med" len="med"/>
+            <a:tailEnd type="arrow"/>
+          </a:ln>
+          <a:effectLst/>
+        </p:spPr>
+      </p:cxnSp>
+      <p:sp>
+        <p:nvSpPr>
+          <p:cNvPr id="15" name="Rounded Rectangle 14"/>
+          <p:cNvSpPr/>
+          <p:nvPr/>
+        </p:nvSpPr>
+        <p:spPr bwMode="auto">
+          <a:xfrm>
+            <a:off x="2908114" y="5018942"/>
+            <a:ext cx="1405362" cy="580292"/>
+          </a:xfrm>
+          <a:prstGeom prst="roundRect">
+            <a:avLst/>
+          </a:prstGeom>
+          <a:solidFill>
+            <a:schemeClr val="accent1"/>
+          </a:solidFill>
+          <a:ln w="9525" cap="flat" cmpd="sng" algn="ctr">
+            <a:solidFill>
+              <a:schemeClr val="tx1"/>
+            </a:solidFill>
+            <a:prstDash val="solid"/>
+            <a:round/>
+            <a:headEnd type="none" w="med" len="med"/>
+            <a:tailEnd type="none" w="med" len="med"/>
+          </a:ln>
+          <a:effectLst/>
+        </p:spPr>
+        <p:txBody>
+          <a:bodyPr vert="horz" wrap="square" lIns="91440" tIns="45720" rIns="91440" bIns="45720" numCol="1" rtlCol="0" anchor="t" anchorCtr="0" compatLnSpc="1">
+            <a:prstTxWarp prst="textNoShape">
+              <a:avLst/>
+            </a:prstTxWarp>
+          </a:bodyPr>
+          <a:lstStyle/>
+          <a:p>
+            <a:pPr marL="0" marR="0" indent="0" algn="ctr" defTabSz="914400" rtl="0" eaLnBrk="0" fontAlgn="base" latinLnBrk="0" hangingPunct="0">
+              <a:lnSpc>
+                <a:spcPct val="100000"/>
+              </a:lnSpc>
+              <a:spcBef>
+                <a:spcPct val="0"/>
+              </a:spcBef>
+              <a:spcAft>
+                <a:spcPct val="0"/>
+              </a:spcAft>
+              <a:buClrTx/>
+              <a:buSzTx/>
+              <a:buFontTx/>
+              <a:buNone/>
+              <a:tabLst/>
+            </a:pPr>
+            <a:r>
+              <a:rPr kumimoji="0" lang="en-US" sz="1100" b="0" i="0" u="none" strike="noStrike" cap="none" normalizeH="0" baseline="0" dirty="0" smtClean="0">
+                <a:ln>
+                  <a:noFill/>
+                </a:ln>
+                <a:solidFill>
+                  <a:schemeClr val="tx1"/>
+                </a:solidFill>
+                <a:effectLst/>
+                <a:latin typeface="Arial" charset="0"/>
+              </a:rPr>
+              <a:t>COLLADA2GLTF</a:t>
+            </a:r>
+            <a:endParaRPr kumimoji="0" lang="en-US" sz="1100" b="0" i="0" u="none" strike="noStrike" cap="none" normalizeH="0" baseline="0" dirty="0" smtClean="0">
+              <a:ln>
+                <a:noFill/>
+              </a:ln>
+              <a:solidFill>
+                <a:schemeClr val="tx1"/>
+              </a:solidFill>
+              <a:effectLst/>
+              <a:latin typeface="Arial" charset="0"/>
+            </a:endParaRPr>
+          </a:p>
+        </p:txBody>
+      </p:sp>
+      <p:sp>
+        <p:nvSpPr>
+          <p:cNvPr id="16" name="Rounded Rectangle 15"/>
+          <p:cNvSpPr/>
+          <p:nvPr/>
+        </p:nvSpPr>
+        <p:spPr bwMode="auto">
+          <a:xfrm>
+            <a:off x="7620001" y="5018942"/>
+            <a:ext cx="1371599" cy="580292"/>
+          </a:xfrm>
+          <a:prstGeom prst="roundRect">
+            <a:avLst/>
+          </a:prstGeom>
+          <a:solidFill>
+            <a:schemeClr val="accent1"/>
+          </a:solidFill>
+          <a:ln w="9525" cap="flat" cmpd="sng" algn="ctr">
+            <a:solidFill>
+              <a:schemeClr val="tx1"/>
+            </a:solidFill>
+            <a:prstDash val="solid"/>
+            <a:round/>
+            <a:headEnd type="none" w="med" len="med"/>
+            <a:tailEnd type="none" w="med" len="med"/>
+          </a:ln>
+          <a:effectLst/>
+        </p:spPr>
+        <p:txBody>
+          <a:bodyPr vert="horz" wrap="square" lIns="91440" tIns="45720" rIns="91440" bIns="45720" numCol="1" rtlCol="0" anchor="t" anchorCtr="0" compatLnSpc="1">
+            <a:prstTxWarp prst="textNoShape">
+              <a:avLst/>
+            </a:prstTxWarp>
+          </a:bodyPr>
+          <a:lstStyle/>
+          <a:p>
+            <a:pPr marL="0" marR="0" indent="0" algn="ctr" defTabSz="914400" rtl="0" eaLnBrk="0" fontAlgn="base" latinLnBrk="0" hangingPunct="0">
+              <a:lnSpc>
+                <a:spcPct val="100000"/>
+              </a:lnSpc>
+              <a:spcBef>
+                <a:spcPct val="0"/>
+              </a:spcBef>
+              <a:spcAft>
+                <a:spcPct val="0"/>
+              </a:spcAft>
+              <a:buClrTx/>
+              <a:buSzTx/>
+              <a:buFontTx/>
+              <a:buNone/>
+              <a:tabLst/>
+            </a:pPr>
+            <a:r>
+              <a:rPr kumimoji="0" lang="en-US" sz="1100" b="0" i="0" u="none" strike="noStrike" cap="none" normalizeH="0" baseline="0" dirty="0" smtClean="0">
+                <a:ln>
+                  <a:noFill/>
+                </a:ln>
+                <a:solidFill>
+                  <a:schemeClr val="tx1"/>
+                </a:solidFill>
+                <a:effectLst/>
+                <a:latin typeface="Arial" charset="0"/>
+              </a:rPr>
+              <a:t>WebGL</a:t>
+            </a:r>
+          </a:p>
+          <a:p>
+            <a:pPr marL="0" marR="0" indent="0" algn="ctr" defTabSz="914400" rtl="0" eaLnBrk="0" fontAlgn="base" latinLnBrk="0" hangingPunct="0">
+              <a:lnSpc>
+                <a:spcPct val="100000"/>
+              </a:lnSpc>
+              <a:spcBef>
+                <a:spcPct val="0"/>
+              </a:spcBef>
+              <a:spcAft>
+                <a:spcPct val="0"/>
+              </a:spcAft>
+              <a:buClrTx/>
+              <a:buSzTx/>
+              <a:buFontTx/>
+              <a:buNone/>
+              <a:tabLst/>
+            </a:pPr>
+            <a:r>
+              <a:rPr kumimoji="0" lang="en-US" sz="1100" b="0" i="0" u="none" strike="noStrike" cap="none" normalizeH="0" baseline="0" dirty="0" smtClean="0">
+                <a:ln>
+                  <a:noFill/>
+                </a:ln>
+                <a:solidFill>
+                  <a:schemeClr val="tx1"/>
+                </a:solidFill>
+                <a:effectLst/>
+                <a:latin typeface="Arial" charset="0"/>
+              </a:rPr>
+              <a:t>Engine</a:t>
+            </a:r>
+            <a:endParaRPr kumimoji="0" lang="en-US" sz="1100" b="0" i="0" u="none" strike="noStrike" cap="none" normalizeH="0" baseline="0" dirty="0" smtClean="0">
+              <a:ln>
+                <a:noFill/>
+              </a:ln>
+              <a:solidFill>
+                <a:schemeClr val="tx1"/>
+              </a:solidFill>
+              <a:effectLst/>
+              <a:latin typeface="Arial" charset="0"/>
+            </a:endParaRPr>
+          </a:p>
+        </p:txBody>
+      </p:sp>
+      <p:pic>
+        <p:nvPicPr>
+          <p:cNvPr id="19" name="Picture 18"/>
+          <p:cNvPicPr>
+            <a:picLocks noChangeAspect="1"/>
+          </p:cNvPicPr>
+          <p:nvPr/>
+        </p:nvPicPr>
+        <p:blipFill>
+          <a:blip r:embed="rId3"/>
+          <a:stretch>
+            <a:fillRect/>
+          </a:stretch>
+        </p:blipFill>
+        <p:spPr>
+          <a:xfrm>
+            <a:off x="6236004" y="4979377"/>
+            <a:ext cx="1125414" cy="659423"/>
+          </a:xfrm>
+          <a:prstGeom prst="rect">
+            <a:avLst/>
+          </a:prstGeom>
+        </p:spPr>
+      </p:pic>
+      <p:sp>
+        <p:nvSpPr>
+          <p:cNvPr id="22" name="Rounded Rectangle 21"/>
+          <p:cNvSpPr/>
+          <p:nvPr/>
+        </p:nvSpPr>
+        <p:spPr bwMode="auto">
+          <a:xfrm>
+            <a:off x="1244169" y="5018942"/>
+            <a:ext cx="1405362" cy="580292"/>
+          </a:xfrm>
+          <a:prstGeom prst="roundRect">
+            <a:avLst/>
+          </a:prstGeom>
+          <a:solidFill>
+            <a:schemeClr val="accent1">
+              <a:alpha val="50000"/>
+            </a:schemeClr>
+          </a:solidFill>
+          <a:ln w="9525" cap="flat" cmpd="sng" algn="ctr">
+            <a:solidFill>
+              <a:schemeClr val="tx1"/>
+            </a:solidFill>
+            <a:prstDash val="lgDash"/>
+            <a:round/>
+            <a:headEnd type="none" w="med" len="med"/>
+            <a:tailEnd type="none" w="med" len="med"/>
+          </a:ln>
+          <a:effectLst/>
+        </p:spPr>
+        <p:txBody>
+          <a:bodyPr vert="horz" wrap="square" lIns="91440" tIns="45720" rIns="91440" bIns="45720" numCol="1" rtlCol="0" anchor="t" anchorCtr="0" compatLnSpc="1">
+            <a:prstTxWarp prst="textNoShape">
+              <a:avLst/>
+            </a:prstTxWarp>
+          </a:bodyPr>
+          <a:lstStyle/>
+          <a:p>
+            <a:pPr marL="0" marR="0" indent="0" algn="ctr" defTabSz="914400" rtl="0" eaLnBrk="0" fontAlgn="base" latinLnBrk="0" hangingPunct="0">
+              <a:lnSpc>
+                <a:spcPct val="100000"/>
+              </a:lnSpc>
+              <a:spcBef>
+                <a:spcPct val="0"/>
+              </a:spcBef>
+              <a:spcAft>
+                <a:spcPct val="0"/>
+              </a:spcAft>
+              <a:buClrTx/>
+              <a:buSzTx/>
+              <a:buFontTx/>
+              <a:buNone/>
+              <a:tabLst/>
+            </a:pPr>
+            <a:r>
+              <a:rPr kumimoji="0" lang="en-US" sz="1100" b="0" i="0" u="none" strike="noStrike" cap="none" normalizeH="0" baseline="0" dirty="0" smtClean="0">
+                <a:ln>
+                  <a:noFill/>
+                </a:ln>
+                <a:solidFill>
+                  <a:schemeClr val="tx1"/>
+                </a:solidFill>
+                <a:effectLst/>
+                <a:latin typeface="Arial" charset="0"/>
+              </a:rPr>
+              <a:t>Custom</a:t>
+            </a:r>
+          </a:p>
+          <a:p>
+            <a:pPr marL="0" marR="0" indent="0" algn="ctr" defTabSz="914400" rtl="0" eaLnBrk="0" fontAlgn="base" latinLnBrk="0" hangingPunct="0">
+              <a:lnSpc>
+                <a:spcPct val="100000"/>
+              </a:lnSpc>
+              <a:spcBef>
+                <a:spcPct val="0"/>
+              </a:spcBef>
+              <a:spcAft>
+                <a:spcPct val="0"/>
+              </a:spcAft>
+              <a:buClrTx/>
+              <a:buSzTx/>
+              <a:buFontTx/>
+              <a:buNone/>
+              <a:tabLst/>
+            </a:pPr>
+            <a:r>
+              <a:rPr kumimoji="0" lang="en-US" sz="1100" b="0" i="0" u="none" strike="noStrike" cap="none" normalizeH="0" baseline="0" dirty="0" smtClean="0">
+                <a:ln>
+                  <a:noFill/>
+                </a:ln>
+                <a:solidFill>
+                  <a:schemeClr val="tx1"/>
+                </a:solidFill>
+                <a:effectLst/>
+                <a:latin typeface="Arial" charset="0"/>
+              </a:rPr>
+              <a:t>Pipeline</a:t>
+            </a:r>
+          </a:p>
+          <a:p>
+            <a:pPr marL="0" marR="0" indent="0" algn="ctr" defTabSz="914400" rtl="0" eaLnBrk="0" fontAlgn="base" latinLnBrk="0" hangingPunct="0">
+              <a:lnSpc>
+                <a:spcPct val="100000"/>
+              </a:lnSpc>
+              <a:spcBef>
+                <a:spcPct val="0"/>
+              </a:spcBef>
+              <a:spcAft>
+                <a:spcPct val="0"/>
+              </a:spcAft>
+              <a:buClrTx/>
+              <a:buSzTx/>
+              <a:buFontTx/>
+              <a:buNone/>
+              <a:tabLst/>
+            </a:pPr>
+            <a:r>
+              <a:rPr kumimoji="0" lang="en-US" sz="1100" b="0" i="0" u="none" strike="noStrike" cap="none" normalizeH="0" baseline="0" dirty="0" smtClean="0">
+                <a:ln>
+                  <a:noFill/>
+                </a:ln>
+                <a:solidFill>
+                  <a:schemeClr val="tx1"/>
+                </a:solidFill>
+                <a:effectLst/>
+                <a:latin typeface="Arial" charset="0"/>
+              </a:rPr>
+              <a:t>Stage(s)</a:t>
+            </a:r>
+            <a:endParaRPr kumimoji="0" lang="en-US" sz="1100" b="0" i="0" u="none" strike="noStrike" cap="none" normalizeH="0" baseline="0" dirty="0" smtClean="0">
+              <a:ln>
+                <a:noFill/>
+              </a:ln>
+              <a:solidFill>
+                <a:schemeClr val="tx1"/>
+              </a:solidFill>
+              <a:effectLst/>
+              <a:latin typeface="Arial" charset="0"/>
+            </a:endParaRPr>
+          </a:p>
+        </p:txBody>
+      </p:sp>
+      <p:sp>
+        <p:nvSpPr>
+          <p:cNvPr id="23" name="TextBox 22"/>
+          <p:cNvSpPr txBox="1"/>
+          <p:nvPr/>
+        </p:nvSpPr>
+        <p:spPr>
+          <a:xfrm>
+            <a:off x="0" y="5186690"/>
+            <a:ext cx="909385" cy="261610"/>
+          </a:xfrm>
+          <a:prstGeom prst="rect">
+            <a:avLst/>
+          </a:prstGeom>
+          <a:noFill/>
+        </p:spPr>
+        <p:txBody>
+          <a:bodyPr wrap="square" rtlCol="0">
+            <a:spAutoFit/>
+          </a:bodyPr>
+          <a:lstStyle/>
+          <a:p>
+            <a:r>
+              <a:rPr lang="en-US" sz="1100" dirty="0" smtClean="0"/>
+              <a:t>Any format</a:t>
+            </a:r>
+            <a:endParaRPr lang="en-US" sz="1100" dirty="0"/>
+          </a:p>
+        </p:txBody>
+      </p:sp>
+      <p:sp>
+        <p:nvSpPr>
+          <p:cNvPr id="27" name="Rounded Rectangle 26"/>
+          <p:cNvSpPr/>
+          <p:nvPr/>
+        </p:nvSpPr>
+        <p:spPr bwMode="auto">
+          <a:xfrm>
+            <a:off x="4572059" y="5018942"/>
+            <a:ext cx="1405362" cy="580292"/>
+          </a:xfrm>
+          <a:prstGeom prst="roundRect">
+            <a:avLst/>
+          </a:prstGeom>
+          <a:solidFill>
+            <a:schemeClr val="accent1">
+              <a:alpha val="50000"/>
+            </a:schemeClr>
+          </a:solidFill>
+          <a:ln w="9525" cap="flat" cmpd="sng" algn="ctr">
+            <a:solidFill>
+              <a:schemeClr val="tx1"/>
+            </a:solidFill>
+            <a:prstDash val="lgDash"/>
+            <a:round/>
+            <a:headEnd type="none" w="med" len="med"/>
+            <a:tailEnd type="none" w="med" len="med"/>
+          </a:ln>
+          <a:effectLst/>
+        </p:spPr>
+        <p:txBody>
+          <a:bodyPr vert="horz" wrap="square" lIns="91440" tIns="45720" rIns="91440" bIns="45720" numCol="1" rtlCol="0" anchor="t" anchorCtr="0" compatLnSpc="1">
+            <a:prstTxWarp prst="textNoShape">
+              <a:avLst/>
+            </a:prstTxWarp>
+          </a:bodyPr>
+          <a:lstStyle/>
+          <a:p>
+            <a:pPr marL="0" marR="0" indent="0" algn="ctr" defTabSz="914400" rtl="0" eaLnBrk="0" fontAlgn="base" latinLnBrk="0" hangingPunct="0">
+              <a:lnSpc>
+                <a:spcPct val="100000"/>
+              </a:lnSpc>
+              <a:spcBef>
+                <a:spcPct val="0"/>
+              </a:spcBef>
+              <a:spcAft>
+                <a:spcPct val="0"/>
+              </a:spcAft>
+              <a:buClrTx/>
+              <a:buSzTx/>
+              <a:buFontTx/>
+              <a:buNone/>
+              <a:tabLst/>
+            </a:pPr>
+            <a:r>
+              <a:rPr kumimoji="0" lang="en-US" sz="1100" b="0" i="0" u="none" strike="noStrike" cap="none" normalizeH="0" baseline="0" dirty="0" smtClean="0">
+                <a:ln>
+                  <a:noFill/>
+                </a:ln>
+                <a:solidFill>
+                  <a:schemeClr val="tx1"/>
+                </a:solidFill>
+                <a:effectLst/>
+                <a:latin typeface="Arial" charset="0"/>
+              </a:rPr>
+              <a:t>Custom</a:t>
+            </a:r>
+          </a:p>
+          <a:p>
+            <a:pPr marL="0" marR="0" indent="0" algn="ctr" defTabSz="914400" rtl="0" eaLnBrk="0" fontAlgn="base" latinLnBrk="0" hangingPunct="0">
+              <a:lnSpc>
+                <a:spcPct val="100000"/>
+              </a:lnSpc>
+              <a:spcBef>
+                <a:spcPct val="0"/>
+              </a:spcBef>
+              <a:spcAft>
+                <a:spcPct val="0"/>
+              </a:spcAft>
+              <a:buClrTx/>
+              <a:buSzTx/>
+              <a:buFontTx/>
+              <a:buNone/>
+              <a:tabLst/>
+            </a:pPr>
+            <a:r>
+              <a:rPr kumimoji="0" lang="en-US" sz="1100" b="0" i="0" u="none" strike="noStrike" cap="none" normalizeH="0" baseline="0" dirty="0" smtClean="0">
+                <a:ln>
+                  <a:noFill/>
+                </a:ln>
+                <a:solidFill>
+                  <a:schemeClr val="tx1"/>
+                </a:solidFill>
+                <a:effectLst/>
+                <a:latin typeface="Arial" charset="0"/>
+              </a:rPr>
+              <a:t>Pipeline</a:t>
+            </a:r>
+          </a:p>
+          <a:p>
+            <a:pPr marL="0" marR="0" indent="0" algn="ctr" defTabSz="914400" rtl="0" eaLnBrk="0" fontAlgn="base" latinLnBrk="0" hangingPunct="0">
+              <a:lnSpc>
+                <a:spcPct val="100000"/>
+              </a:lnSpc>
+              <a:spcBef>
+                <a:spcPct val="0"/>
+              </a:spcBef>
+              <a:spcAft>
+                <a:spcPct val="0"/>
+              </a:spcAft>
+              <a:buClrTx/>
+              <a:buSzTx/>
+              <a:buFontTx/>
+              <a:buNone/>
+              <a:tabLst/>
+            </a:pPr>
+            <a:r>
+              <a:rPr kumimoji="0" lang="en-US" sz="1100" b="0" i="0" u="none" strike="noStrike" cap="none" normalizeH="0" baseline="0" dirty="0" smtClean="0">
+                <a:ln>
+                  <a:noFill/>
+                </a:ln>
+                <a:solidFill>
+                  <a:schemeClr val="tx1"/>
+                </a:solidFill>
+                <a:effectLst/>
+                <a:latin typeface="Arial" charset="0"/>
+              </a:rPr>
+              <a:t>Stage(s)</a:t>
+            </a:r>
+            <a:endParaRPr kumimoji="0" lang="en-US" sz="1100" b="0" i="0" u="none" strike="noStrike" cap="none" normalizeH="0" baseline="0" dirty="0" smtClean="0">
+              <a:ln>
+                <a:noFill/>
+              </a:ln>
+              <a:solidFill>
+                <a:schemeClr val="tx1"/>
+              </a:solidFill>
+              <a:effectLst/>
+              <a:latin typeface="Arial" charset="0"/>
+            </a:endParaRPr>
+          </a:p>
+        </p:txBody>
+      </p:sp>
+      <p:cxnSp>
+        <p:nvCxnSpPr>
+          <p:cNvPr id="31" name="Straight Arrow Connector 30"/>
+          <p:cNvCxnSpPr>
+            <a:stCxn id="23" idx="3"/>
+            <a:endCxn id="22" idx="1"/>
+          </p:cNvCxnSpPr>
+          <p:nvPr/>
+        </p:nvCxnSpPr>
+        <p:spPr bwMode="auto">
+          <a:xfrm flipV="1">
+            <a:off x="909385" y="5309088"/>
+            <a:ext cx="334784" cy="8407"/>
+          </a:xfrm>
+          <a:prstGeom prst="straightConnector1">
+            <a:avLst/>
+          </a:prstGeom>
+          <a:solidFill>
+            <a:schemeClr val="accent1"/>
+          </a:solidFill>
+          <a:ln w="9525" cap="flat" cmpd="sng" algn="ctr">
+            <a:solidFill>
+              <a:schemeClr val="tx1"/>
+            </a:solidFill>
+            <a:prstDash val="solid"/>
+            <a:round/>
+            <a:headEnd type="none" w="med" len="med"/>
+            <a:tailEnd type="arrow"/>
+          </a:ln>
+          <a:effectLst/>
+        </p:spPr>
+      </p:cxnSp>
+      <p:cxnSp>
+        <p:nvCxnSpPr>
+          <p:cNvPr id="32" name="Straight Arrow Connector 31"/>
+          <p:cNvCxnSpPr>
+            <a:endCxn id="15" idx="1"/>
+          </p:cNvCxnSpPr>
+          <p:nvPr/>
+        </p:nvCxnSpPr>
+        <p:spPr bwMode="auto">
+          <a:xfrm>
+            <a:off x="2667000" y="5309088"/>
+            <a:ext cx="241114" cy="0"/>
+          </a:xfrm>
+          <a:prstGeom prst="straightConnector1">
+            <a:avLst/>
+          </a:prstGeom>
+          <a:solidFill>
+            <a:schemeClr val="accent1"/>
+          </a:solidFill>
+          <a:ln w="9525" cap="flat" cmpd="sng" algn="ctr">
+            <a:solidFill>
+              <a:schemeClr val="tx1"/>
+            </a:solidFill>
+            <a:prstDash val="solid"/>
+            <a:round/>
+            <a:headEnd type="none" w="med" len="med"/>
+            <a:tailEnd type="arrow"/>
+          </a:ln>
+          <a:effectLst/>
+        </p:spPr>
+      </p:cxnSp>
+      <p:cxnSp>
+        <p:nvCxnSpPr>
+          <p:cNvPr id="33" name="Straight Arrow Connector 32"/>
+          <p:cNvCxnSpPr>
+            <a:stCxn id="15" idx="3"/>
+            <a:endCxn id="27" idx="1"/>
+          </p:cNvCxnSpPr>
+          <p:nvPr/>
+        </p:nvCxnSpPr>
+        <p:spPr bwMode="auto">
+          <a:xfrm>
+            <a:off x="4313476" y="5309088"/>
+            <a:ext cx="258583" cy="0"/>
+          </a:xfrm>
+          <a:prstGeom prst="straightConnector1">
+            <a:avLst/>
+          </a:prstGeom>
+          <a:solidFill>
+            <a:schemeClr val="accent1"/>
+          </a:solidFill>
+          <a:ln w="9525" cap="flat" cmpd="sng" algn="ctr">
+            <a:solidFill>
+              <a:schemeClr val="tx1"/>
+            </a:solidFill>
+            <a:prstDash val="solid"/>
+            <a:round/>
+            <a:headEnd type="none" w="med" len="med"/>
+            <a:tailEnd type="arrow"/>
+          </a:ln>
+          <a:effectLst/>
+        </p:spPr>
+      </p:cxnSp>
+      <p:cxnSp>
+        <p:nvCxnSpPr>
+          <p:cNvPr id="35" name="Straight Arrow Connector 34"/>
+          <p:cNvCxnSpPr>
+            <a:stCxn id="19" idx="3"/>
+            <a:endCxn id="16" idx="1"/>
+          </p:cNvCxnSpPr>
+          <p:nvPr/>
+        </p:nvCxnSpPr>
+        <p:spPr bwMode="auto">
+          <a:xfrm flipV="1">
+            <a:off x="7361418" y="5309088"/>
+            <a:ext cx="258583" cy="1"/>
+          </a:xfrm>
+          <a:prstGeom prst="straightConnector1">
+            <a:avLst/>
+          </a:prstGeom>
+          <a:solidFill>
+            <a:schemeClr val="accent1"/>
+          </a:solidFill>
+          <a:ln w="9525" cap="flat" cmpd="sng" algn="ctr">
+            <a:solidFill>
+              <a:schemeClr val="tx1"/>
+            </a:solidFill>
+            <a:prstDash val="solid"/>
+            <a:round/>
+            <a:headEnd type="none" w="med" len="med"/>
+            <a:tailEnd type="arrow"/>
+          </a:ln>
+          <a:effectLst/>
+        </p:spPr>
+      </p:cxnSp>
+      <p:cxnSp>
+        <p:nvCxnSpPr>
+          <p:cNvPr id="38" name="Straight Arrow Connector 37"/>
+          <p:cNvCxnSpPr>
+            <a:stCxn id="27" idx="3"/>
+            <a:endCxn id="19" idx="1"/>
+          </p:cNvCxnSpPr>
+          <p:nvPr/>
+        </p:nvCxnSpPr>
+        <p:spPr bwMode="auto">
+          <a:xfrm>
+            <a:off x="5977421" y="5309088"/>
+            <a:ext cx="258583" cy="1"/>
+          </a:xfrm>
+          <a:prstGeom prst="straightConnector1">
+            <a:avLst/>
+          </a:prstGeom>
+          <a:solidFill>
+            <a:schemeClr val="accent1"/>
+          </a:solidFill>
+          <a:ln w="9525" cap="flat" cmpd="sng" algn="ctr">
+            <a:solidFill>
+              <a:schemeClr val="tx1"/>
+            </a:solidFill>
+            <a:prstDash val="solid"/>
+            <a:round/>
+            <a:headEnd type="none" w="med" len="med"/>
+            <a:tailEnd type="arrow"/>
+          </a:ln>
+          <a:effectLst/>
+        </p:spPr>
+      </p:cxnSp>
     </p:spTree>
     <p:extLst>
       <p:ext uri="{BB962C8B-B14F-4D97-AF65-F5344CB8AC3E}">
-        <p14:creationId xmlns:p14="http://schemas.microsoft.com/office/powerpoint/2010/main" val="2727731808"/>
+        <p14:creationId xmlns:p14="http://schemas.microsoft.com/office/powerpoint/2010/main" val="1181849778"/>
       </p:ext>
     </p:extLst>
   </p:cSld>
@@ -11121,22 +12271,76 @@
             <p:ph type="title"/>
           </p:nvPr>
         </p:nvSpPr>
-        <p:spPr>
-          <a:xfrm>
-            <a:off x="0" y="762000"/>
-            <a:ext cx="9144000" cy="5334000"/>
-          </a:xfrm>
-        </p:spPr>
+        <p:spPr/>
         <p:txBody>
           <a:bodyPr/>
           <a:lstStyle/>
           <a:p>
-            <a:pPr algn="ctr"/>
-            <a:r>
-              <a:rPr lang="en-US" sz="9600" b="1" dirty="0" smtClean="0"/>
+            <a:r>
+              <a:rPr lang="en-US" dirty="0" smtClean="0"/>
               <a:t>Content Pipeline</a:t>
             </a:r>
-            <a:endParaRPr lang="en-US" sz="9600" b="1" dirty="0"/>
+            <a:endParaRPr lang="en-US" dirty="0"/>
+          </a:p>
+        </p:txBody>
+      </p:sp>
+      <p:sp>
+        <p:nvSpPr>
+          <p:cNvPr id="3" name="Content Placeholder 2"/>
+          <p:cNvSpPr>
+            <a:spLocks noGrp="1"/>
+          </p:cNvSpPr>
+          <p:nvPr>
+            <p:ph idx="1"/>
+          </p:nvPr>
+        </p:nvSpPr>
+        <p:spPr/>
+        <p:txBody>
+          <a:bodyPr/>
+          <a:lstStyle/>
+          <a:p>
+            <a:r>
+              <a:rPr lang="en-US" dirty="0" smtClean="0"/>
+              <a:t>Several </a:t>
+            </a:r>
+            <a:r>
+              <a:rPr lang="en-US" dirty="0" smtClean="0"/>
+              <a:t>areas</a:t>
+            </a:r>
+          </a:p>
+          <a:p>
+            <a:pPr lvl="1"/>
+            <a:r>
+              <a:rPr lang="en-US" dirty="0" smtClean="0"/>
+              <a:t>Geometry</a:t>
+            </a:r>
+          </a:p>
+          <a:p>
+            <a:pPr lvl="1"/>
+            <a:r>
+              <a:rPr lang="en-US" dirty="0" smtClean="0"/>
+              <a:t>Animation and skins</a:t>
+            </a:r>
+          </a:p>
+          <a:p>
+            <a:pPr lvl="1"/>
+            <a:r>
+              <a:rPr lang="en-US" dirty="0"/>
+              <a:t>Texture</a:t>
+            </a:r>
+          </a:p>
+          <a:p>
+            <a:pPr lvl="1"/>
+            <a:r>
+              <a:rPr lang="en-US" dirty="0"/>
+              <a:t>Shaders</a:t>
+            </a:r>
+          </a:p>
+          <a:p>
+            <a:pPr marL="457200" lvl="1" indent="0">
+              <a:buNone/>
+            </a:pPr>
+            <a:endParaRPr lang="en-US" dirty="0"/>
           </a:p>
         </p:txBody>
       </p:sp>
@@ -11172,7 +12376,7 @@
     </p:spTree>
     <p:extLst>
       <p:ext uri="{BB962C8B-B14F-4D97-AF65-F5344CB8AC3E}">
-        <p14:creationId xmlns:p14="http://schemas.microsoft.com/office/powerpoint/2010/main" val="922085525"/>
+        <p14:creationId xmlns:p14="http://schemas.microsoft.com/office/powerpoint/2010/main" val="3122621760"/>
       </p:ext>
     </p:extLst>
   </p:cSld>
@@ -11216,7 +12420,7 @@
           <a:p>
             <a:r>
               <a:rPr lang="en-US" dirty="0" smtClean="0"/>
-              <a:t>Content Pipeline</a:t>
+              <a:t>Content Pipeline: Geometry</a:t>
             </a:r>
             <a:endParaRPr lang="en-US" dirty="0"/>
           </a:p>
@@ -11239,45 +12443,25 @@
           <a:p>
             <a:r>
               <a:rPr lang="en-US" dirty="0" smtClean="0"/>
-              <a:t>Optimize and package assets for use with the engine</a:t>
-            </a:r>
-          </a:p>
-          <a:p>
-            <a:r>
-              <a:rPr lang="en-US" dirty="0" smtClean="0"/>
-              <a:t>Several areas</a:t>
+              <a:t>Triangulation</a:t>
             </a:r>
           </a:p>
           <a:p>
             <a:pPr lvl="1"/>
             <a:r>
               <a:rPr lang="en-US" dirty="0" smtClean="0"/>
-              <a:t>Geometry</a:t>
+              <a:t>Polygons      Triangles</a:t>
             </a:r>
           </a:p>
           <a:p>
             <a:pPr lvl="1"/>
             <a:r>
               <a:rPr lang="en-US" dirty="0" smtClean="0"/>
-              <a:t>Animation and skins</a:t>
-            </a:r>
-          </a:p>
-          <a:p>
-            <a:pPr lvl="1"/>
-            <a:r>
-              <a:rPr lang="en-US" dirty="0"/>
-              <a:t>Texture</a:t>
-            </a:r>
-          </a:p>
-          <a:p>
-            <a:pPr lvl="1"/>
-            <a:r>
-              <a:rPr lang="en-US" dirty="0"/>
-              <a:t>Shaders</a:t>
-            </a:r>
-          </a:p>
-          <a:p>
-            <a:pPr marL="457200" lvl="1" indent="0">
+              <a:t>Higher-order surfaces</a:t>
+            </a:r>
+          </a:p>
+          <a:p>
+            <a:pPr marL="0" indent="0">
               <a:buNone/>
             </a:pPr>
             <a:endParaRPr lang="en-US" dirty="0"/>
@@ -11308,271 +12492,6 @@
                 <a:defRPr/>
               </a:pPr>
               <a:t>14</a:t>
-            </a:fld>
-            <a:endParaRPr lang="en-US"/>
-          </a:p>
-        </p:txBody>
-      </p:sp>
-    </p:spTree>
-    <p:extLst>
-      <p:ext uri="{BB962C8B-B14F-4D97-AF65-F5344CB8AC3E}">
-        <p14:creationId xmlns:p14="http://schemas.microsoft.com/office/powerpoint/2010/main" val="1181849778"/>
-      </p:ext>
-    </p:extLst>
-  </p:cSld>
-  <p:clrMapOvr>
-    <a:masterClrMapping/>
-  </p:clrMapOvr>
-</p:sld>
-</file>
-
-<file path=ppt/slides/slide15.xml><?xml version="1.0" encoding="utf-8"?>
-<p:sld xmlns:a="http://schemas.openxmlformats.org/drawingml/2006/main" xmlns:r="http://schemas.openxmlformats.org/officeDocument/2006/relationships" xmlns:p="http://schemas.openxmlformats.org/presentationml/2006/main">
-  <p:cSld>
-    <p:spTree>
-      <p:nvGrpSpPr>
-        <p:cNvPr id="1" name=""/>
-        <p:cNvGrpSpPr/>
-        <p:nvPr/>
-      </p:nvGrpSpPr>
-      <p:grpSpPr>
-        <a:xfrm>
-          <a:off x="0" y="0"/>
-          <a:ext cx="0" cy="0"/>
-          <a:chOff x="0" y="0"/>
-          <a:chExt cx="0" cy="0"/>
-        </a:xfrm>
-      </p:grpSpPr>
-      <p:sp>
-        <p:nvSpPr>
-          <p:cNvPr id="2" name="Title 1"/>
-          <p:cNvSpPr>
-            <a:spLocks noGrp="1"/>
-          </p:cNvSpPr>
-          <p:nvPr>
-            <p:ph type="title"/>
-          </p:nvPr>
-        </p:nvSpPr>
-        <p:spPr/>
-        <p:txBody>
-          <a:bodyPr/>
-          <a:lstStyle/>
-          <a:p>
-            <a:r>
-              <a:rPr lang="en-US" dirty="0" smtClean="0"/>
-              <a:t>Content Pipeline</a:t>
-            </a:r>
-            <a:endParaRPr lang="en-US" dirty="0"/>
-          </a:p>
-        </p:txBody>
-      </p:sp>
-      <p:sp>
-        <p:nvSpPr>
-          <p:cNvPr id="3" name="Content Placeholder 2"/>
-          <p:cNvSpPr>
-            <a:spLocks noGrp="1"/>
-          </p:cNvSpPr>
-          <p:nvPr>
-            <p:ph idx="1"/>
-          </p:nvPr>
-        </p:nvSpPr>
-        <p:spPr>
-          <a:xfrm>
-            <a:off x="457200" y="1981200"/>
-            <a:ext cx="8229600" cy="4495800"/>
-          </a:xfrm>
-        </p:spPr>
-        <p:txBody>
-          <a:bodyPr/>
-          <a:lstStyle/>
-          <a:p>
-            <a:r>
-              <a:rPr lang="en-US" dirty="0" smtClean="0"/>
-              <a:t>Cleanup redundancies created by artist/exporters</a:t>
-            </a:r>
-          </a:p>
-          <a:p>
-            <a:pPr lvl="1"/>
-            <a:r>
-              <a:rPr lang="en-US" dirty="0" smtClean="0"/>
-              <a:t>Remove unused nodes, meshes, materials, techniques, etc.</a:t>
-            </a:r>
-          </a:p>
-          <a:p>
-            <a:pPr lvl="1"/>
-            <a:r>
-              <a:rPr lang="en-US" dirty="0" smtClean="0"/>
-              <a:t>Remove unused vertices.  Remove duplicate vertices</a:t>
-            </a:r>
-          </a:p>
-          <a:p>
-            <a:pPr lvl="1"/>
-            <a:r>
-              <a:rPr lang="en-US" dirty="0" smtClean="0"/>
-              <a:t>Remove duplicate materials and techniques</a:t>
-            </a:r>
-          </a:p>
-          <a:p>
-            <a:pPr lvl="1"/>
-            <a:r>
-              <a:rPr lang="en-US" dirty="0" smtClean="0"/>
-              <a:t>Combine primitives with the same material and vertex format</a:t>
-            </a:r>
-          </a:p>
-          <a:p>
-            <a:pPr lvl="1"/>
-            <a:endParaRPr lang="en-US" dirty="0"/>
-          </a:p>
-        </p:txBody>
-      </p:sp>
-      <p:sp>
-        <p:nvSpPr>
-          <p:cNvPr id="4" name="Slide Number Placeholder 3"/>
-          <p:cNvSpPr>
-            <a:spLocks noGrp="1"/>
-          </p:cNvSpPr>
-          <p:nvPr>
-            <p:ph type="sldNum" sz="quarter" idx="12"/>
-          </p:nvPr>
-        </p:nvSpPr>
-        <p:spPr/>
-        <p:txBody>
-          <a:bodyPr/>
-          <a:lstStyle/>
-          <a:p>
-            <a:pPr>
-              <a:defRPr/>
-            </a:pPr>
-            <a:fld id="{FC28735A-D6AA-419A-87B4-83DEEEB2001E}" type="slidenum">
-              <a:rPr lang="en-US" smtClean="0"/>
-              <a:pPr>
-                <a:defRPr/>
-              </a:pPr>
-              <a:t>15</a:t>
-            </a:fld>
-            <a:endParaRPr lang="en-US"/>
-          </a:p>
-        </p:txBody>
-      </p:sp>
-    </p:spTree>
-    <p:extLst>
-      <p:ext uri="{BB962C8B-B14F-4D97-AF65-F5344CB8AC3E}">
-        <p14:creationId xmlns:p14="http://schemas.microsoft.com/office/powerpoint/2010/main" val="2586429233"/>
-      </p:ext>
-    </p:extLst>
-  </p:cSld>
-  <p:clrMapOvr>
-    <a:masterClrMapping/>
-  </p:clrMapOvr>
-</p:sld>
-</file>
-
-<file path=ppt/slides/slide16.xml><?xml version="1.0" encoding="utf-8"?>
-<p:sld xmlns:a="http://schemas.openxmlformats.org/drawingml/2006/main" xmlns:r="http://schemas.openxmlformats.org/officeDocument/2006/relationships" xmlns:p="http://schemas.openxmlformats.org/presentationml/2006/main">
-  <p:cSld>
-    <p:spTree>
-      <p:nvGrpSpPr>
-        <p:cNvPr id="1" name=""/>
-        <p:cNvGrpSpPr/>
-        <p:nvPr/>
-      </p:nvGrpSpPr>
-      <p:grpSpPr>
-        <a:xfrm>
-          <a:off x="0" y="0"/>
-          <a:ext cx="0" cy="0"/>
-          <a:chOff x="0" y="0"/>
-          <a:chExt cx="0" cy="0"/>
-        </a:xfrm>
-      </p:grpSpPr>
-      <p:sp>
-        <p:nvSpPr>
-          <p:cNvPr id="2" name="Title 1"/>
-          <p:cNvSpPr>
-            <a:spLocks noGrp="1"/>
-          </p:cNvSpPr>
-          <p:nvPr>
-            <p:ph type="title"/>
-          </p:nvPr>
-        </p:nvSpPr>
-        <p:spPr/>
-        <p:txBody>
-          <a:bodyPr/>
-          <a:lstStyle/>
-          <a:p>
-            <a:r>
-              <a:rPr lang="en-US" dirty="0" smtClean="0"/>
-              <a:t>Content Pipeline: Geometry</a:t>
-            </a:r>
-            <a:endParaRPr lang="en-US" dirty="0"/>
-          </a:p>
-        </p:txBody>
-      </p:sp>
-      <p:sp>
-        <p:nvSpPr>
-          <p:cNvPr id="3" name="Content Placeholder 2"/>
-          <p:cNvSpPr>
-            <a:spLocks noGrp="1"/>
-          </p:cNvSpPr>
-          <p:nvPr>
-            <p:ph idx="1"/>
-          </p:nvPr>
-        </p:nvSpPr>
-        <p:spPr/>
-        <p:txBody>
-          <a:bodyPr/>
-          <a:lstStyle/>
-          <a:p>
-            <a:r>
-              <a:rPr lang="en-US" dirty="0" smtClean="0"/>
-              <a:t>Triangulation</a:t>
-            </a:r>
-          </a:p>
-          <a:p>
-            <a:pPr lvl="1"/>
-            <a:r>
-              <a:rPr lang="en-US" dirty="0" smtClean="0"/>
-              <a:t>Polygons      Triangles</a:t>
-            </a:r>
-          </a:p>
-          <a:p>
-            <a:pPr lvl="1"/>
-            <a:r>
-              <a:rPr lang="en-US" dirty="0" smtClean="0"/>
-              <a:t>Higher-order surfaces</a:t>
-            </a:r>
-          </a:p>
-          <a:p>
-            <a:pPr marL="0" indent="0">
-              <a:buNone/>
-            </a:pPr>
-            <a:endParaRPr lang="en-US" dirty="0"/>
-          </a:p>
-        </p:txBody>
-      </p:sp>
-      <p:sp>
-        <p:nvSpPr>
-          <p:cNvPr id="4" name="Slide Number Placeholder 3"/>
-          <p:cNvSpPr>
-            <a:spLocks noGrp="1"/>
-          </p:cNvSpPr>
-          <p:nvPr>
-            <p:ph type="sldNum" sz="quarter" idx="12"/>
-          </p:nvPr>
-        </p:nvSpPr>
-        <p:spPr/>
-        <p:txBody>
-          <a:bodyPr/>
-          <a:lstStyle/>
-          <a:p>
-            <a:pPr>
-              <a:defRPr/>
-            </a:pPr>
-            <a:fld id="{FC28735A-D6AA-419A-87B4-83DEEEB2001E}" type="slidenum">
-              <a:rPr lang="en-US" smtClean="0"/>
-              <a:pPr>
-                <a:defRPr/>
-              </a:pPr>
-              <a:t>16</a:t>
             </a:fld>
             <a:endParaRPr lang="en-US" dirty="0"/>
           </a:p>
@@ -11785,7 +12704,7 @@
 </p:sld>
 </file>
 
-<file path=ppt/slides/slide17.xml><?xml version="1.0" encoding="utf-8"?>
+<file path=ppt/slides/slide15.xml><?xml version="1.0" encoding="utf-8"?>
 <p:sld xmlns:a="http://schemas.openxmlformats.org/drawingml/2006/main" xmlns:r="http://schemas.openxmlformats.org/officeDocument/2006/relationships" xmlns:p="http://schemas.openxmlformats.org/presentationml/2006/main">
   <p:cSld>
     <p:spTree>
@@ -12155,7 +13074,7 @@
               <a:pPr>
                 <a:defRPr/>
               </a:pPr>
-              <a:t>17</a:t>
+              <a:t>15</a:t>
             </a:fld>
             <a:endParaRPr lang="en-US" dirty="0"/>
           </a:p>
@@ -13179,7 +14098,7 @@
 </p:sld>
 </file>
 
-<file path=ppt/slides/slide18.xml><?xml version="1.0" encoding="utf-8"?>
+<file path=ppt/slides/slide16.xml><?xml version="1.0" encoding="utf-8"?>
 <p:sld xmlns:a="http://schemas.openxmlformats.org/drawingml/2006/main" xmlns:r="http://schemas.openxmlformats.org/officeDocument/2006/relationships" xmlns:p="http://schemas.openxmlformats.org/presentationml/2006/main">
   <p:cSld>
     <p:spTree>
@@ -13270,7 +14189,7 @@
               <a:pPr>
                 <a:defRPr/>
               </a:pPr>
-              <a:t>18</a:t>
+              <a:t>16</a:t>
             </a:fld>
             <a:endParaRPr lang="en-US" dirty="0"/>
           </a:p>
@@ -14066,7 +14985,7 @@
 </p:sld>
 </file>
 
-<file path=ppt/slides/slide19.xml><?xml version="1.0" encoding="utf-8"?>
+<file path=ppt/slides/slide17.xml><?xml version="1.0" encoding="utf-8"?>
 <p:sld xmlns:a="http://schemas.openxmlformats.org/drawingml/2006/main" xmlns:r="http://schemas.openxmlformats.org/officeDocument/2006/relationships" xmlns:p="http://schemas.openxmlformats.org/presentationml/2006/main">
   <p:cSld>
     <p:spTree>
@@ -14206,7 +15125,7 @@
               <a:pPr>
                 <a:defRPr/>
               </a:pPr>
-              <a:t>19</a:t>
+              <a:t>17</a:t>
             </a:fld>
             <a:endParaRPr lang="en-US" dirty="0"/>
           </a:p>
@@ -15163,7 +16082,7 @@
 </p:sld>
 </file>
 
-<file path=ppt/slides/slide2.xml><?xml version="1.0" encoding="utf-8"?>
+<file path=ppt/slides/slide18.xml><?xml version="1.0" encoding="utf-8"?>
 <p:sld xmlns:a="http://schemas.openxmlformats.org/drawingml/2006/main" xmlns:r="http://schemas.openxmlformats.org/officeDocument/2006/relationships" xmlns:p="http://schemas.openxmlformats.org/presentationml/2006/main">
   <p:cSld>
     <p:spTree>
@@ -15197,7 +16116,7 @@
           <a:p>
             <a:r>
               <a:rPr lang="en-US" dirty="0" smtClean="0"/>
-              <a:t>Outline</a:t>
+              <a:t>Content Pipeline: Geometry</a:t>
             </a:r>
             <a:endParaRPr lang="en-US" dirty="0"/>
           </a:p>
@@ -15213,26 +16132,85 @@
             <p:ph idx="1"/>
           </p:nvPr>
         </p:nvSpPr>
-        <p:spPr/>
-        <p:txBody>
-          <a:bodyPr/>
-          <a:lstStyle/>
-          <a:p>
-            <a:r>
-              <a:rPr lang="en-US" dirty="0" smtClean="0"/>
-              <a:t>Interchange and runtime formats</a:t>
-            </a:r>
-          </a:p>
-          <a:p>
-            <a:r>
-              <a:rPr lang="en-US" dirty="0" smtClean="0"/>
-              <a:t>glTF goals and schema</a:t>
-            </a:r>
-          </a:p>
-          <a:p>
-            <a:r>
-              <a:rPr lang="en-US" dirty="0" smtClean="0"/>
-              <a:t>COLLADA to glTF content pipeline</a:t>
+        <p:spPr>
+          <a:xfrm>
+            <a:off x="457200" y="1981200"/>
+            <a:ext cx="8686800" cy="3886200"/>
+          </a:xfrm>
+        </p:spPr>
+        <p:txBody>
+          <a:bodyPr>
+            <a:normAutofit fontScale="92500" lnSpcReduction="10000"/>
+          </a:bodyPr>
+          <a:lstStyle/>
+          <a:p>
+            <a:r>
+              <a:rPr lang="en-US" dirty="0" smtClean="0"/>
+              <a:t>Compression</a:t>
+            </a:r>
+          </a:p>
+          <a:p>
+            <a:pPr lvl="1"/>
+            <a:r>
+              <a:rPr lang="en-US" dirty="0" smtClean="0"/>
+              <a:t>Open3DGC (TFAN)</a:t>
+            </a:r>
+          </a:p>
+          <a:p>
+            <a:pPr lvl="1"/>
+            <a:r>
+              <a:rPr lang="en-US" dirty="0" smtClean="0"/>
+              <a:t>Pre-</a:t>
+            </a:r>
+            <a:r>
+              <a:rPr lang="en-US" dirty="0" err="1" smtClean="0"/>
+              <a:t>gzip</a:t>
+            </a:r>
+            <a:r>
+              <a:rPr lang="en-US" dirty="0" smtClean="0"/>
+              <a:t> for web deployment</a:t>
+            </a:r>
+          </a:p>
+          <a:p>
+            <a:pPr lvl="1"/>
+            <a:r>
+              <a:rPr lang="en-US" dirty="0" smtClean="0"/>
+              <a:t>Easy tricks</a:t>
+            </a:r>
+          </a:p>
+          <a:p>
+            <a:pPr lvl="2"/>
+            <a:r>
+              <a:rPr lang="en-US" dirty="0" smtClean="0"/>
+              <a:t>Minify JSON, e.g., whitespace</a:t>
+            </a:r>
+          </a:p>
+          <a:p>
+            <a:pPr lvl="2"/>
+            <a:r>
+              <a:rPr lang="en-US" dirty="0" smtClean="0"/>
+              <a:t>Exclude default values, e.g., identity matrix</a:t>
+            </a:r>
+          </a:p>
+          <a:p>
+            <a:pPr lvl="2"/>
+            <a:r>
+              <a:rPr lang="en-US" dirty="0" smtClean="0"/>
+              <a:t>Uniform scale instead of non-uniform scale</a:t>
+            </a:r>
+          </a:p>
+          <a:p>
+            <a:pPr lvl="2"/>
+            <a:r>
+              <a:rPr lang="en-US" dirty="0" smtClean="0"/>
+              <a:t>4x3 matrices instead of 4x4</a:t>
+            </a:r>
+          </a:p>
+          <a:p>
+            <a:pPr lvl="2"/>
+            <a:r>
+              <a:rPr lang="en-US" dirty="0" smtClean="0"/>
+              <a:t>Quaternions are normalized, only store 3 components</a:t>
             </a:r>
             <a:endParaRPr lang="en-US" dirty="0"/>
           </a:p>
@@ -15261,7 +16239,7 @@
               <a:pPr>
                 <a:defRPr/>
               </a:pPr>
-              <a:t>2</a:t>
+              <a:t>18</a:t>
             </a:fld>
             <a:endParaRPr lang="en-US"/>
           </a:p>
@@ -15270,7 +16248,7 @@
     </p:spTree>
     <p:extLst>
       <p:ext uri="{BB962C8B-B14F-4D97-AF65-F5344CB8AC3E}">
-        <p14:creationId xmlns:p14="http://schemas.microsoft.com/office/powerpoint/2010/main" val="3960671851"/>
+        <p14:creationId xmlns:p14="http://schemas.microsoft.com/office/powerpoint/2010/main" val="2975829640"/>
       </p:ext>
     </p:extLst>
   </p:cSld>
@@ -15280,7 +16258,7 @@
 </p:sld>
 </file>
 
-<file path=ppt/slides/slide20.xml><?xml version="1.0" encoding="utf-8"?>
+<file path=ppt/slides/slide19.xml><?xml version="1.0" encoding="utf-8"?>
 <p:sld xmlns:a="http://schemas.openxmlformats.org/drawingml/2006/main" xmlns:r="http://schemas.openxmlformats.org/officeDocument/2006/relationships" xmlns:p="http://schemas.openxmlformats.org/presentationml/2006/main">
   <p:cSld>
     <p:spTree>
@@ -15299,123 +16277,6 @@
       </p:grpSpPr>
       <p:sp>
         <p:nvSpPr>
-          <p:cNvPr id="2" name="Title 1"/>
-          <p:cNvSpPr>
-            <a:spLocks noGrp="1"/>
-          </p:cNvSpPr>
-          <p:nvPr>
-            <p:ph type="title"/>
-          </p:nvPr>
-        </p:nvSpPr>
-        <p:spPr/>
-        <p:txBody>
-          <a:bodyPr/>
-          <a:lstStyle/>
-          <a:p>
-            <a:r>
-              <a:rPr lang="en-US" dirty="0" smtClean="0"/>
-              <a:t>Content Pipeline: Geometry</a:t>
-            </a:r>
-            <a:endParaRPr lang="en-US" dirty="0"/>
-          </a:p>
-        </p:txBody>
-      </p:sp>
-      <p:sp>
-        <p:nvSpPr>
-          <p:cNvPr id="3" name="Content Placeholder 2"/>
-          <p:cNvSpPr>
-            <a:spLocks noGrp="1"/>
-          </p:cNvSpPr>
-          <p:nvPr>
-            <p:ph idx="1"/>
-          </p:nvPr>
-        </p:nvSpPr>
-        <p:spPr>
-          <a:xfrm>
-            <a:off x="457200" y="1981200"/>
-            <a:ext cx="8686800" cy="3886200"/>
-          </a:xfrm>
-        </p:spPr>
-        <p:txBody>
-          <a:bodyPr>
-            <a:normAutofit fontScale="92500" lnSpcReduction="10000"/>
-          </a:bodyPr>
-          <a:lstStyle/>
-          <a:p>
-            <a:r>
-              <a:rPr lang="en-US" dirty="0" smtClean="0"/>
-              <a:t>Compression</a:t>
-            </a:r>
-          </a:p>
-          <a:p>
-            <a:pPr lvl="1"/>
-            <a:r>
-              <a:rPr lang="en-US" dirty="0" smtClean="0"/>
-              <a:t>Open3DGC (TFAN)</a:t>
-            </a:r>
-          </a:p>
-          <a:p>
-            <a:pPr lvl="1"/>
-            <a:r>
-              <a:rPr lang="en-US" dirty="0" smtClean="0"/>
-              <a:t>Pre-</a:t>
-            </a:r>
-            <a:r>
-              <a:rPr lang="en-US" dirty="0" err="1" smtClean="0"/>
-              <a:t>gzip</a:t>
-            </a:r>
-            <a:r>
-              <a:rPr lang="en-US" dirty="0" smtClean="0"/>
-              <a:t> for web deployment</a:t>
-            </a:r>
-          </a:p>
-          <a:p>
-            <a:pPr lvl="1"/>
-            <a:r>
-              <a:rPr lang="en-US" dirty="0" smtClean="0"/>
-              <a:t>Easy tricks</a:t>
-            </a:r>
-          </a:p>
-          <a:p>
-            <a:pPr lvl="2"/>
-            <a:r>
-              <a:rPr lang="en-US" dirty="0" smtClean="0"/>
-              <a:t>Minify JSON, e.g., whitespace</a:t>
-            </a:r>
-          </a:p>
-          <a:p>
-            <a:pPr lvl="2"/>
-            <a:r>
-              <a:rPr lang="en-US" dirty="0" smtClean="0"/>
-              <a:t>Exclude default values, e.g., identity matrix</a:t>
-            </a:r>
-          </a:p>
-          <a:p>
-            <a:pPr lvl="2"/>
-            <a:r>
-              <a:rPr lang="en-US" dirty="0" smtClean="0"/>
-              <a:t>Uniform scale instead of non-uniform scale</a:t>
-            </a:r>
-          </a:p>
-          <a:p>
-            <a:pPr lvl="2"/>
-            <a:r>
-              <a:rPr lang="en-US" dirty="0" smtClean="0"/>
-              <a:t>4x3 matrices instead of 4x4</a:t>
-            </a:r>
-          </a:p>
-          <a:p>
-            <a:pPr lvl="2"/>
-            <a:r>
-              <a:rPr lang="en-US" dirty="0" smtClean="0"/>
-              <a:t>Quaternions are normalized, only store 3 components</a:t>
-            </a:r>
-            <a:endParaRPr lang="en-US" dirty="0"/>
-          </a:p>
-        </p:txBody>
-      </p:sp>
-      <p:sp>
-        <p:nvSpPr>
           <p:cNvPr id="4" name="Slide Number Placeholder 3"/>
           <p:cNvSpPr>
             <a:spLocks noGrp="1"/>
@@ -15437,66 +16298,7 @@
               <a:pPr>
                 <a:defRPr/>
               </a:pPr>
-              <a:t>20</a:t>
-            </a:fld>
-            <a:endParaRPr lang="en-US"/>
-          </a:p>
-        </p:txBody>
-      </p:sp>
-    </p:spTree>
-    <p:extLst>
-      <p:ext uri="{BB962C8B-B14F-4D97-AF65-F5344CB8AC3E}">
-        <p14:creationId xmlns:p14="http://schemas.microsoft.com/office/powerpoint/2010/main" val="2975829640"/>
-      </p:ext>
-    </p:extLst>
-  </p:cSld>
-  <p:clrMapOvr>
-    <a:masterClrMapping/>
-  </p:clrMapOvr>
-</p:sld>
-</file>
-
-<file path=ppt/slides/slide21.xml><?xml version="1.0" encoding="utf-8"?>
-<p:sld xmlns:a="http://schemas.openxmlformats.org/drawingml/2006/main" xmlns:r="http://schemas.openxmlformats.org/officeDocument/2006/relationships" xmlns:p="http://schemas.openxmlformats.org/presentationml/2006/main">
-  <p:cSld>
-    <p:spTree>
-      <p:nvGrpSpPr>
-        <p:cNvPr id="1" name=""/>
-        <p:cNvGrpSpPr/>
-        <p:nvPr/>
-      </p:nvGrpSpPr>
-      <p:grpSpPr>
-        <a:xfrm>
-          <a:off x="0" y="0"/>
-          <a:ext cx="0" cy="0"/>
-          <a:chOff x="0" y="0"/>
-          <a:chExt cx="0" cy="0"/>
-        </a:xfrm>
-      </p:grpSpPr>
-      <p:sp>
-        <p:nvSpPr>
-          <p:cNvPr id="4" name="Slide Number Placeholder 3"/>
-          <p:cNvSpPr>
-            <a:spLocks noGrp="1"/>
-          </p:cNvSpPr>
-          <p:nvPr>
-            <p:ph type="sldNum" sz="quarter" idx="12"/>
-          </p:nvPr>
-        </p:nvSpPr>
-        <p:spPr/>
-        <p:txBody>
-          <a:bodyPr/>
-          <a:lstStyle/>
-          <a:p>
-            <a:pPr>
-              <a:defRPr/>
-            </a:pPr>
-            <a:fld id="{FC28735A-D6AA-419A-87B4-83DEEEB2001E}" type="slidenum">
-              <a:rPr lang="en-US" smtClean="0"/>
-              <a:pPr>
-                <a:defRPr/>
-              </a:pPr>
-              <a:t>21</a:t>
+              <a:t>19</a:t>
             </a:fld>
             <a:endParaRPr lang="en-US"/>
           </a:p>
@@ -15539,7 +16341,124 @@
 </p:sld>
 </file>
 
-<file path=ppt/slides/slide22.xml><?xml version="1.0" encoding="utf-8"?>
+<file path=ppt/slides/slide2.xml><?xml version="1.0" encoding="utf-8"?>
+<p:sld xmlns:a="http://schemas.openxmlformats.org/drawingml/2006/main" xmlns:r="http://schemas.openxmlformats.org/officeDocument/2006/relationships" xmlns:p="http://schemas.openxmlformats.org/presentationml/2006/main">
+  <p:cSld>
+    <p:spTree>
+      <p:nvGrpSpPr>
+        <p:cNvPr id="1" name=""/>
+        <p:cNvGrpSpPr/>
+        <p:nvPr/>
+      </p:nvGrpSpPr>
+      <p:grpSpPr>
+        <a:xfrm>
+          <a:off x="0" y="0"/>
+          <a:ext cx="0" cy="0"/>
+          <a:chOff x="0" y="0"/>
+          <a:chExt cx="0" cy="0"/>
+        </a:xfrm>
+      </p:grpSpPr>
+      <p:sp>
+        <p:nvSpPr>
+          <p:cNvPr id="2" name="Title 1"/>
+          <p:cNvSpPr>
+            <a:spLocks noGrp="1"/>
+          </p:cNvSpPr>
+          <p:nvPr>
+            <p:ph type="title"/>
+          </p:nvPr>
+        </p:nvSpPr>
+        <p:spPr/>
+        <p:txBody>
+          <a:bodyPr/>
+          <a:lstStyle/>
+          <a:p>
+            <a:r>
+              <a:rPr lang="en-US" dirty="0" smtClean="0"/>
+              <a:t>Outline</a:t>
+            </a:r>
+            <a:endParaRPr lang="en-US" dirty="0"/>
+          </a:p>
+        </p:txBody>
+      </p:sp>
+      <p:sp>
+        <p:nvSpPr>
+          <p:cNvPr id="3" name="Content Placeholder 2"/>
+          <p:cNvSpPr>
+            <a:spLocks noGrp="1"/>
+          </p:cNvSpPr>
+          <p:nvPr>
+            <p:ph idx="1"/>
+          </p:nvPr>
+        </p:nvSpPr>
+        <p:spPr/>
+        <p:txBody>
+          <a:bodyPr/>
+          <a:lstStyle/>
+          <a:p>
+            <a:r>
+              <a:rPr lang="en-US" dirty="0" smtClean="0"/>
+              <a:t>Interchange and runtime formats</a:t>
+            </a:r>
+          </a:p>
+          <a:p>
+            <a:r>
+              <a:rPr lang="en-US" dirty="0" smtClean="0"/>
+              <a:t>glTF goals and schema</a:t>
+            </a:r>
+          </a:p>
+          <a:p>
+            <a:r>
+              <a:rPr lang="en-US" dirty="0" smtClean="0"/>
+              <a:t>COLLADA to glTF content pipeline</a:t>
+            </a:r>
+            <a:endParaRPr lang="en-US" dirty="0"/>
+          </a:p>
+        </p:txBody>
+      </p:sp>
+      <p:sp>
+        <p:nvSpPr>
+          <p:cNvPr id="4" name="Slide Number Placeholder 3"/>
+          <p:cNvSpPr>
+            <a:spLocks noGrp="1"/>
+          </p:cNvSpPr>
+          <p:nvPr>
+            <p:ph type="sldNum" sz="quarter" idx="12"/>
+          </p:nvPr>
+        </p:nvSpPr>
+        <p:spPr/>
+        <p:txBody>
+          <a:bodyPr/>
+          <a:lstStyle/>
+          <a:p>
+            <a:pPr>
+              <a:defRPr/>
+            </a:pPr>
+            <a:fld id="{FC28735A-D6AA-419A-87B4-83DEEEB2001E}" type="slidenum">
+              <a:rPr lang="en-US" smtClean="0"/>
+              <a:pPr>
+                <a:defRPr/>
+              </a:pPr>
+              <a:t>2</a:t>
+            </a:fld>
+            <a:endParaRPr lang="en-US"/>
+          </a:p>
+        </p:txBody>
+      </p:sp>
+    </p:spTree>
+    <p:extLst>
+      <p:ext uri="{BB962C8B-B14F-4D97-AF65-F5344CB8AC3E}">
+        <p14:creationId xmlns:p14="http://schemas.microsoft.com/office/powerpoint/2010/main" val="3960671851"/>
+      </p:ext>
+    </p:extLst>
+  </p:cSld>
+  <p:clrMapOvr>
+    <a:masterClrMapping/>
+  </p:clrMapOvr>
+</p:sld>
+</file>
+
+<file path=ppt/slides/slide20.xml><?xml version="1.0" encoding="utf-8"?>
 <p:sld xmlns:a="http://schemas.openxmlformats.org/drawingml/2006/main" xmlns:r="http://schemas.openxmlformats.org/officeDocument/2006/relationships" xmlns:p="http://schemas.openxmlformats.org/presentationml/2006/main">
   <p:cSld>
     <p:spTree>
@@ -15643,6 +16562,263 @@
 </p:sld>
 </file>
 
+<file path=ppt/slides/slide21.xml><?xml version="1.0" encoding="utf-8"?>
+<p:sld xmlns:a="http://schemas.openxmlformats.org/drawingml/2006/main" xmlns:r="http://schemas.openxmlformats.org/officeDocument/2006/relationships" xmlns:p="http://schemas.openxmlformats.org/presentationml/2006/main">
+  <p:cSld>
+    <p:spTree>
+      <p:nvGrpSpPr>
+        <p:cNvPr id="1" name=""/>
+        <p:cNvGrpSpPr/>
+        <p:nvPr/>
+      </p:nvGrpSpPr>
+      <p:grpSpPr>
+        <a:xfrm>
+          <a:off x="0" y="0"/>
+          <a:ext cx="0" cy="0"/>
+          <a:chOff x="0" y="0"/>
+          <a:chExt cx="0" cy="0"/>
+        </a:xfrm>
+      </p:grpSpPr>
+      <p:sp>
+        <p:nvSpPr>
+          <p:cNvPr id="2" name="Title 1"/>
+          <p:cNvSpPr>
+            <a:spLocks noGrp="1"/>
+          </p:cNvSpPr>
+          <p:nvPr>
+            <p:ph type="title"/>
+          </p:nvPr>
+        </p:nvSpPr>
+        <p:spPr/>
+        <p:txBody>
+          <a:bodyPr/>
+          <a:lstStyle/>
+          <a:p>
+            <a:r>
+              <a:rPr lang="en-US" dirty="0" smtClean="0"/>
+              <a:t>Content Pipeline: Geometry</a:t>
+            </a:r>
+            <a:endParaRPr lang="en-US" dirty="0"/>
+          </a:p>
+        </p:txBody>
+      </p:sp>
+      <p:sp>
+        <p:nvSpPr>
+          <p:cNvPr id="3" name="Content Placeholder 2"/>
+          <p:cNvSpPr>
+            <a:spLocks noGrp="1"/>
+          </p:cNvSpPr>
+          <p:nvPr>
+            <p:ph idx="1"/>
+          </p:nvPr>
+        </p:nvSpPr>
+        <p:spPr>
+          <a:xfrm>
+            <a:off x="457200" y="1981200"/>
+            <a:ext cx="8077200" cy="1600200"/>
+          </a:xfrm>
+        </p:spPr>
+        <p:txBody>
+          <a:bodyPr>
+            <a:normAutofit fontScale="70000" lnSpcReduction="20000"/>
+          </a:bodyPr>
+          <a:lstStyle/>
+          <a:p>
+            <a:r>
+              <a:rPr lang="en-US" dirty="0" smtClean="0"/>
+              <a:t>Others</a:t>
+            </a:r>
+          </a:p>
+          <a:p>
+            <a:pPr lvl="1"/>
+            <a:r>
+              <a:rPr lang="en-US" dirty="0" smtClean="0"/>
+              <a:t>Consistent up axis</a:t>
+            </a:r>
+          </a:p>
+          <a:p>
+            <a:pPr lvl="2"/>
+            <a:r>
+              <a:rPr lang="en-US" dirty="0" smtClean="0"/>
+              <a:t>What’s up?  y?  </a:t>
+            </a:r>
+            <a:r>
+              <a:rPr lang="en-US" dirty="0"/>
+              <a:t>z</a:t>
+            </a:r>
+            <a:r>
+              <a:rPr lang="en-US" dirty="0" smtClean="0"/>
+              <a:t>?  What’s forward?</a:t>
+            </a:r>
+          </a:p>
+          <a:p>
+            <a:pPr lvl="1"/>
+            <a:r>
+              <a:rPr lang="en-US" dirty="0" smtClean="0"/>
+              <a:t>Re-order for the pre- and post-vertex-shader caches</a:t>
+            </a:r>
+          </a:p>
+          <a:p>
+            <a:pPr lvl="1"/>
+            <a:r>
+              <a:rPr lang="en-US" dirty="0" smtClean="0"/>
+              <a:t>Interleave vertex attributes?</a:t>
+            </a:r>
+          </a:p>
+        </p:txBody>
+      </p:sp>
+    </p:spTree>
+    <p:extLst>
+      <p:ext uri="{BB962C8B-B14F-4D97-AF65-F5344CB8AC3E}">
+        <p14:creationId xmlns:p14="http://schemas.microsoft.com/office/powerpoint/2010/main" val="2560702895"/>
+      </p:ext>
+    </p:extLst>
+  </p:cSld>
+  <p:clrMapOvr>
+    <a:masterClrMapping/>
+  </p:clrMapOvr>
+</p:sld>
+</file>
+
+<file path=ppt/slides/slide22.xml><?xml version="1.0" encoding="utf-8"?>
+<p:sld xmlns:a="http://schemas.openxmlformats.org/drawingml/2006/main" xmlns:r="http://schemas.openxmlformats.org/officeDocument/2006/relationships" xmlns:p="http://schemas.openxmlformats.org/presentationml/2006/main">
+  <p:cSld>
+    <p:spTree>
+      <p:nvGrpSpPr>
+        <p:cNvPr id="1" name=""/>
+        <p:cNvGrpSpPr/>
+        <p:nvPr/>
+      </p:nvGrpSpPr>
+      <p:grpSpPr>
+        <a:xfrm>
+          <a:off x="0" y="0"/>
+          <a:ext cx="0" cy="0"/>
+          <a:chOff x="0" y="0"/>
+          <a:chExt cx="0" cy="0"/>
+        </a:xfrm>
+      </p:grpSpPr>
+      <p:sp>
+        <p:nvSpPr>
+          <p:cNvPr id="2" name="Title 1"/>
+          <p:cNvSpPr>
+            <a:spLocks noGrp="1"/>
+          </p:cNvSpPr>
+          <p:nvPr>
+            <p:ph type="title"/>
+          </p:nvPr>
+        </p:nvSpPr>
+        <p:spPr/>
+        <p:txBody>
+          <a:bodyPr/>
+          <a:lstStyle/>
+          <a:p>
+            <a:r>
+              <a:rPr lang="en-US" sz="3600" dirty="0" smtClean="0"/>
+              <a:t>Content Pipeline: Animation and Skins</a:t>
+            </a:r>
+            <a:endParaRPr lang="en-US" sz="3600" dirty="0"/>
+          </a:p>
+        </p:txBody>
+      </p:sp>
+      <p:sp>
+        <p:nvSpPr>
+          <p:cNvPr id="3" name="Content Placeholder 2"/>
+          <p:cNvSpPr>
+            <a:spLocks noGrp="1"/>
+          </p:cNvSpPr>
+          <p:nvPr>
+            <p:ph idx="1"/>
+          </p:nvPr>
+        </p:nvSpPr>
+        <p:spPr/>
+        <p:txBody>
+          <a:bodyPr/>
+          <a:lstStyle/>
+          <a:p>
+            <a:r>
+              <a:rPr lang="en-US" dirty="0" smtClean="0"/>
+              <a:t>Animations</a:t>
+            </a:r>
+          </a:p>
+          <a:p>
+            <a:pPr lvl="1"/>
+            <a:r>
+              <a:rPr lang="en-US" dirty="0" smtClean="0"/>
+              <a:t>Resample key-frames</a:t>
+            </a:r>
+          </a:p>
+          <a:p>
+            <a:pPr lvl="1"/>
+            <a:r>
+              <a:rPr lang="en-US" dirty="0" smtClean="0"/>
+              <a:t>Compress like geometry</a:t>
+            </a:r>
+          </a:p>
+          <a:p>
+            <a:r>
+              <a:rPr lang="en-US" dirty="0" smtClean="0"/>
+              <a:t>Skins</a:t>
+            </a:r>
+          </a:p>
+          <a:p>
+            <a:pPr lvl="1"/>
+            <a:r>
+              <a:rPr lang="en-US" dirty="0" smtClean="0"/>
+              <a:t>Limit joints affecting a vertex</a:t>
+            </a:r>
+          </a:p>
+          <a:p>
+            <a:pPr lvl="1"/>
+            <a:r>
+              <a:rPr lang="en-US" dirty="0" smtClean="0"/>
+              <a:t>Split meshes</a:t>
+            </a:r>
+            <a:endParaRPr lang="en-US" dirty="0"/>
+          </a:p>
+        </p:txBody>
+      </p:sp>
+      <p:sp>
+        <p:nvSpPr>
+          <p:cNvPr id="4" name="Slide Number Placeholder 3"/>
+          <p:cNvSpPr>
+            <a:spLocks noGrp="1"/>
+          </p:cNvSpPr>
+          <p:nvPr>
+            <p:ph type="sldNum" sz="quarter" idx="12"/>
+          </p:nvPr>
+        </p:nvSpPr>
+        <p:spPr/>
+        <p:txBody>
+          <a:bodyPr/>
+          <a:lstStyle/>
+          <a:p>
+            <a:pPr>
+              <a:defRPr/>
+            </a:pPr>
+            <a:fld id="{FC28735A-D6AA-419A-87B4-83DEEEB2001E}" type="slidenum">
+              <a:rPr lang="en-US" smtClean="0"/>
+              <a:pPr>
+                <a:defRPr/>
+              </a:pPr>
+              <a:t>22</a:t>
+            </a:fld>
+            <a:endParaRPr lang="en-US"/>
+          </a:p>
+        </p:txBody>
+      </p:sp>
+    </p:spTree>
+    <p:extLst>
+      <p:ext uri="{BB962C8B-B14F-4D97-AF65-F5344CB8AC3E}">
+        <p14:creationId xmlns:p14="http://schemas.microsoft.com/office/powerpoint/2010/main" val="882553251"/>
+      </p:ext>
+    </p:extLst>
+  </p:cSld>
+  <p:clrMapOvr>
+    <a:masterClrMapping/>
+  </p:clrMapOvr>
+</p:sld>
+</file>
+
 <file path=ppt/slides/slide23.xml><?xml version="1.0" encoding="utf-8"?>
 <p:sld xmlns:a="http://schemas.openxmlformats.org/drawingml/2006/main" xmlns:r="http://schemas.openxmlformats.org/officeDocument/2006/relationships" xmlns:p="http://schemas.openxmlformats.org/presentationml/2006/main">
   <p:cSld>
@@ -15677,7 +16853,7 @@
           <a:p>
             <a:r>
               <a:rPr lang="en-US" dirty="0" smtClean="0"/>
-              <a:t>Content Pipeline: Geometry</a:t>
+              <a:t>Content Pipeline: Texture</a:t>
             </a:r>
             <a:endParaRPr lang="en-US" dirty="0"/>
           </a:p>
@@ -15693,166 +16869,21 @@
             <p:ph idx="1"/>
           </p:nvPr>
         </p:nvSpPr>
-        <p:spPr>
-          <a:xfrm>
-            <a:off x="457200" y="1981200"/>
-            <a:ext cx="8077200" cy="1600200"/>
-          </a:xfrm>
-        </p:spPr>
-        <p:txBody>
-          <a:bodyPr>
-            <a:normAutofit fontScale="70000" lnSpcReduction="20000"/>
-          </a:bodyPr>
-          <a:lstStyle/>
-          <a:p>
-            <a:r>
-              <a:rPr lang="en-US" dirty="0" smtClean="0"/>
-              <a:t>Others</a:t>
+        <p:spPr/>
+        <p:txBody>
+          <a:bodyPr/>
+          <a:lstStyle/>
+          <a:p>
+            <a:r>
+              <a:rPr lang="en-US" dirty="0" smtClean="0"/>
+              <a:t>Create texture atlas</a:t>
             </a:r>
           </a:p>
           <a:p>
             <a:pPr lvl="1"/>
             <a:r>
               <a:rPr lang="en-US" dirty="0" smtClean="0"/>
-              <a:t>Consistent up axis</a:t>
-            </a:r>
-          </a:p>
-          <a:p>
-            <a:pPr lvl="2"/>
-            <a:r>
-              <a:rPr lang="en-US" dirty="0" smtClean="0"/>
-              <a:t>What’s up?  y?  </a:t>
-            </a:r>
-            <a:r>
-              <a:rPr lang="en-US" dirty="0"/>
-              <a:t>z</a:t>
-            </a:r>
-            <a:r>
-              <a:rPr lang="en-US" dirty="0" smtClean="0"/>
-              <a:t>?  What’s forward?</a:t>
-            </a:r>
-          </a:p>
-          <a:p>
-            <a:pPr lvl="1"/>
-            <a:r>
-              <a:rPr lang="en-US" dirty="0" smtClean="0"/>
-              <a:t>Re-order for the pre- and post-vertex-shader caches</a:t>
-            </a:r>
-          </a:p>
-          <a:p>
-            <a:pPr lvl="1"/>
-            <a:r>
-              <a:rPr lang="en-US" dirty="0" smtClean="0"/>
-              <a:t>Interleave vertex attributes?</a:t>
-            </a:r>
-          </a:p>
-        </p:txBody>
-      </p:sp>
-    </p:spTree>
-    <p:extLst>
-      <p:ext uri="{BB962C8B-B14F-4D97-AF65-F5344CB8AC3E}">
-        <p14:creationId xmlns:p14="http://schemas.microsoft.com/office/powerpoint/2010/main" val="2560702895"/>
-      </p:ext>
-    </p:extLst>
-  </p:cSld>
-  <p:clrMapOvr>
-    <a:masterClrMapping/>
-  </p:clrMapOvr>
-</p:sld>
-</file>
-
-<file path=ppt/slides/slide24.xml><?xml version="1.0" encoding="utf-8"?>
-<p:sld xmlns:a="http://schemas.openxmlformats.org/drawingml/2006/main" xmlns:r="http://schemas.openxmlformats.org/officeDocument/2006/relationships" xmlns:p="http://schemas.openxmlformats.org/presentationml/2006/main">
-  <p:cSld>
-    <p:spTree>
-      <p:nvGrpSpPr>
-        <p:cNvPr id="1" name=""/>
-        <p:cNvGrpSpPr/>
-        <p:nvPr/>
-      </p:nvGrpSpPr>
-      <p:grpSpPr>
-        <a:xfrm>
-          <a:off x="0" y="0"/>
-          <a:ext cx="0" cy="0"/>
-          <a:chOff x="0" y="0"/>
-          <a:chExt cx="0" cy="0"/>
-        </a:xfrm>
-      </p:grpSpPr>
-      <p:sp>
-        <p:nvSpPr>
-          <p:cNvPr id="2" name="Title 1"/>
-          <p:cNvSpPr>
-            <a:spLocks noGrp="1"/>
-          </p:cNvSpPr>
-          <p:nvPr>
-            <p:ph type="title"/>
-          </p:nvPr>
-        </p:nvSpPr>
-        <p:spPr/>
-        <p:txBody>
-          <a:bodyPr/>
-          <a:lstStyle/>
-          <a:p>
-            <a:r>
-              <a:rPr lang="en-US" sz="3600" dirty="0" smtClean="0"/>
-              <a:t>Content Pipeline: Animation and Skins</a:t>
-            </a:r>
-            <a:endParaRPr lang="en-US" sz="3600" dirty="0"/>
-          </a:p>
-        </p:txBody>
-      </p:sp>
-      <p:sp>
-        <p:nvSpPr>
-          <p:cNvPr id="3" name="Content Placeholder 2"/>
-          <p:cNvSpPr>
-            <a:spLocks noGrp="1"/>
-          </p:cNvSpPr>
-          <p:nvPr>
-            <p:ph idx="1"/>
-          </p:nvPr>
-        </p:nvSpPr>
-        <p:spPr/>
-        <p:txBody>
-          <a:bodyPr/>
-          <a:lstStyle/>
-          <a:p>
-            <a:r>
-              <a:rPr lang="en-US" dirty="0" smtClean="0"/>
-              <a:t>Animations</a:t>
-            </a:r>
-          </a:p>
-          <a:p>
-            <a:pPr lvl="1"/>
-            <a:r>
-              <a:rPr lang="en-US" dirty="0" smtClean="0"/>
-              <a:t>Resample key-frames</a:t>
-            </a:r>
-          </a:p>
-          <a:p>
-            <a:pPr lvl="1"/>
-            <a:r>
-              <a:rPr lang="en-US" dirty="0" smtClean="0"/>
-              <a:t>Compress like geometry</a:t>
-            </a:r>
-          </a:p>
-          <a:p>
-            <a:r>
-              <a:rPr lang="en-US" dirty="0" smtClean="0"/>
-              <a:t>Skins</a:t>
-            </a:r>
-          </a:p>
-          <a:p>
-            <a:pPr lvl="1"/>
-            <a:r>
-              <a:rPr lang="en-US" dirty="0" smtClean="0"/>
-              <a:t>Limit joints affecting a vertex</a:t>
-            </a:r>
-          </a:p>
-          <a:p>
-            <a:pPr lvl="1"/>
-            <a:r>
-              <a:rPr lang="en-US" dirty="0" smtClean="0"/>
-              <a:t>Split meshes</a:t>
+              <a:t>Increases batch size.  Reduces individual files</a:t>
             </a:r>
             <a:endParaRPr lang="en-US" dirty="0"/>
           </a:p>
@@ -15881,119 +16912,7 @@
               <a:pPr>
                 <a:defRPr/>
               </a:pPr>
-              <a:t>24</a:t>
-            </a:fld>
-            <a:endParaRPr lang="en-US"/>
-          </a:p>
-        </p:txBody>
-      </p:sp>
-    </p:spTree>
-    <p:extLst>
-      <p:ext uri="{BB962C8B-B14F-4D97-AF65-F5344CB8AC3E}">
-        <p14:creationId xmlns:p14="http://schemas.microsoft.com/office/powerpoint/2010/main" val="882553251"/>
-      </p:ext>
-    </p:extLst>
-  </p:cSld>
-  <p:clrMapOvr>
-    <a:masterClrMapping/>
-  </p:clrMapOvr>
-</p:sld>
-</file>
-
-<file path=ppt/slides/slide25.xml><?xml version="1.0" encoding="utf-8"?>
-<p:sld xmlns:a="http://schemas.openxmlformats.org/drawingml/2006/main" xmlns:r="http://schemas.openxmlformats.org/officeDocument/2006/relationships" xmlns:p="http://schemas.openxmlformats.org/presentationml/2006/main">
-  <p:cSld>
-    <p:spTree>
-      <p:nvGrpSpPr>
-        <p:cNvPr id="1" name=""/>
-        <p:cNvGrpSpPr/>
-        <p:nvPr/>
-      </p:nvGrpSpPr>
-      <p:grpSpPr>
-        <a:xfrm>
-          <a:off x="0" y="0"/>
-          <a:ext cx="0" cy="0"/>
-          <a:chOff x="0" y="0"/>
-          <a:chExt cx="0" cy="0"/>
-        </a:xfrm>
-      </p:grpSpPr>
-      <p:sp>
-        <p:nvSpPr>
-          <p:cNvPr id="2" name="Title 1"/>
-          <p:cNvSpPr>
-            <a:spLocks noGrp="1"/>
-          </p:cNvSpPr>
-          <p:nvPr>
-            <p:ph type="title"/>
-          </p:nvPr>
-        </p:nvSpPr>
-        <p:spPr/>
-        <p:txBody>
-          <a:bodyPr/>
-          <a:lstStyle/>
-          <a:p>
-            <a:r>
-              <a:rPr lang="en-US" dirty="0" smtClean="0"/>
-              <a:t>Content Pipeline: Texture</a:t>
-            </a:r>
-            <a:endParaRPr lang="en-US" dirty="0"/>
-          </a:p>
-        </p:txBody>
-      </p:sp>
-      <p:sp>
-        <p:nvSpPr>
-          <p:cNvPr id="3" name="Content Placeholder 2"/>
-          <p:cNvSpPr>
-            <a:spLocks noGrp="1"/>
-          </p:cNvSpPr>
-          <p:nvPr>
-            <p:ph idx="1"/>
-          </p:nvPr>
-        </p:nvSpPr>
-        <p:spPr/>
-        <p:txBody>
-          <a:bodyPr/>
-          <a:lstStyle/>
-          <a:p>
-            <a:r>
-              <a:rPr lang="en-US" dirty="0" smtClean="0"/>
-              <a:t>Create texture atlas</a:t>
-            </a:r>
-          </a:p>
-          <a:p>
-            <a:pPr lvl="1"/>
-            <a:r>
-              <a:rPr lang="en-US" dirty="0" smtClean="0"/>
-              <a:t>Increases batch size.  Reduces individual files</a:t>
-            </a:r>
-            <a:endParaRPr lang="en-US" dirty="0"/>
-          </a:p>
-        </p:txBody>
-      </p:sp>
-      <p:sp>
-        <p:nvSpPr>
-          <p:cNvPr id="4" name="Slide Number Placeholder 3"/>
-          <p:cNvSpPr>
-            <a:spLocks noGrp="1"/>
-          </p:cNvSpPr>
-          <p:nvPr>
-            <p:ph type="sldNum" sz="quarter" idx="12"/>
-          </p:nvPr>
-        </p:nvSpPr>
-        <p:spPr/>
-        <p:txBody>
-          <a:bodyPr/>
-          <a:lstStyle/>
-          <a:p>
-            <a:pPr>
-              <a:defRPr/>
-            </a:pPr>
-            <a:fld id="{FC28735A-D6AA-419A-87B4-83DEEEB2001E}" type="slidenum">
-              <a:rPr lang="en-US" smtClean="0"/>
-              <a:pPr>
-                <a:defRPr/>
-              </a:pPr>
-              <a:t>25</a:t>
+              <a:t>23</a:t>
             </a:fld>
             <a:endParaRPr lang="en-US"/>
           </a:p>
@@ -16075,7 +16994,7 @@
 </p:sld>
 </file>
 
-<file path=ppt/slides/slide26.xml><?xml version="1.0" encoding="utf-8"?>
+<file path=ppt/slides/slide24.xml><?xml version="1.0" encoding="utf-8"?>
 <p:sld xmlns:a="http://schemas.openxmlformats.org/drawingml/2006/main" xmlns:r="http://schemas.openxmlformats.org/officeDocument/2006/relationships" xmlns:p="http://schemas.openxmlformats.org/presentationml/2006/main">
   <p:cSld>
     <p:spTree>
@@ -16175,7 +17094,7 @@
               <a:pPr>
                 <a:defRPr/>
               </a:pPr>
-              <a:t>26</a:t>
+              <a:t>24</a:t>
             </a:fld>
             <a:endParaRPr lang="en-US"/>
           </a:p>
@@ -16218,6 +17137,272 @@
 </p:sld>
 </file>
 
+<file path=ppt/slides/slide25.xml><?xml version="1.0" encoding="utf-8"?>
+<p:sld xmlns:a="http://schemas.openxmlformats.org/drawingml/2006/main" xmlns:r="http://schemas.openxmlformats.org/officeDocument/2006/relationships" xmlns:p="http://schemas.openxmlformats.org/presentationml/2006/main">
+  <p:cSld>
+    <p:spTree>
+      <p:nvGrpSpPr>
+        <p:cNvPr id="1" name=""/>
+        <p:cNvGrpSpPr/>
+        <p:nvPr/>
+      </p:nvGrpSpPr>
+      <p:grpSpPr>
+        <a:xfrm>
+          <a:off x="0" y="0"/>
+          <a:ext cx="0" cy="0"/>
+          <a:chOff x="0" y="0"/>
+          <a:chExt cx="0" cy="0"/>
+        </a:xfrm>
+      </p:grpSpPr>
+      <p:sp>
+        <p:nvSpPr>
+          <p:cNvPr id="2" name="Title 1"/>
+          <p:cNvSpPr>
+            <a:spLocks noGrp="1"/>
+          </p:cNvSpPr>
+          <p:nvPr>
+            <p:ph type="title"/>
+          </p:nvPr>
+        </p:nvSpPr>
+        <p:spPr/>
+        <p:txBody>
+          <a:bodyPr/>
+          <a:lstStyle/>
+          <a:p>
+            <a:r>
+              <a:rPr lang="en-US" dirty="0" smtClean="0"/>
+              <a:t>Content Pipeline: Texture</a:t>
+            </a:r>
+            <a:endParaRPr lang="en-US" dirty="0"/>
+          </a:p>
+        </p:txBody>
+      </p:sp>
+      <p:sp>
+        <p:nvSpPr>
+          <p:cNvPr id="3" name="Content Placeholder 2"/>
+          <p:cNvSpPr>
+            <a:spLocks noGrp="1"/>
+          </p:cNvSpPr>
+          <p:nvPr>
+            <p:ph idx="1"/>
+          </p:nvPr>
+        </p:nvSpPr>
+        <p:spPr/>
+        <p:txBody>
+          <a:bodyPr/>
+          <a:lstStyle/>
+          <a:p>
+            <a:r>
+              <a:rPr lang="en-US" dirty="0" smtClean="0"/>
+              <a:t>Convert image formats</a:t>
+            </a:r>
+          </a:p>
+          <a:p>
+            <a:pPr lvl="1"/>
+            <a:r>
+              <a:rPr lang="en-US" dirty="0" smtClean="0"/>
+              <a:t>For example, .bmp to .jpg</a:t>
+            </a:r>
+          </a:p>
+          <a:p>
+            <a:r>
+              <a:rPr lang="en-US" dirty="0" smtClean="0"/>
+              <a:t>Compress images</a:t>
+            </a:r>
+          </a:p>
+          <a:p>
+            <a:pPr lvl="1"/>
+            <a:r>
+              <a:rPr lang="en-US" dirty="0" smtClean="0"/>
+              <a:t>DXT / S3TC</a:t>
+            </a:r>
+          </a:p>
+          <a:p>
+            <a:pPr lvl="1"/>
+            <a:r>
+              <a:rPr lang="en-US" dirty="0" smtClean="0"/>
+              <a:t>ETC2</a:t>
+            </a:r>
+            <a:endParaRPr lang="en-US" dirty="0"/>
+          </a:p>
+        </p:txBody>
+      </p:sp>
+      <p:sp>
+        <p:nvSpPr>
+          <p:cNvPr id="4" name="Slide Number Placeholder 3"/>
+          <p:cNvSpPr>
+            <a:spLocks noGrp="1"/>
+          </p:cNvSpPr>
+          <p:nvPr>
+            <p:ph type="sldNum" sz="quarter" idx="12"/>
+          </p:nvPr>
+        </p:nvSpPr>
+        <p:spPr/>
+        <p:txBody>
+          <a:bodyPr/>
+          <a:lstStyle/>
+          <a:p>
+            <a:pPr>
+              <a:defRPr/>
+            </a:pPr>
+            <a:fld id="{FC28735A-D6AA-419A-87B4-83DEEEB2001E}" type="slidenum">
+              <a:rPr lang="en-US" smtClean="0"/>
+              <a:pPr>
+                <a:defRPr/>
+              </a:pPr>
+              <a:t>25</a:t>
+            </a:fld>
+            <a:endParaRPr lang="en-US"/>
+          </a:p>
+        </p:txBody>
+      </p:sp>
+    </p:spTree>
+    <p:extLst>
+      <p:ext uri="{BB962C8B-B14F-4D97-AF65-F5344CB8AC3E}">
+        <p14:creationId xmlns:p14="http://schemas.microsoft.com/office/powerpoint/2010/main" val="2406058523"/>
+      </p:ext>
+    </p:extLst>
+  </p:cSld>
+  <p:clrMapOvr>
+    <a:masterClrMapping/>
+  </p:clrMapOvr>
+</p:sld>
+</file>
+
+<file path=ppt/slides/slide26.xml><?xml version="1.0" encoding="utf-8"?>
+<p:sld xmlns:a="http://schemas.openxmlformats.org/drawingml/2006/main" xmlns:r="http://schemas.openxmlformats.org/officeDocument/2006/relationships" xmlns:p="http://schemas.openxmlformats.org/presentationml/2006/main">
+  <p:cSld>
+    <p:spTree>
+      <p:nvGrpSpPr>
+        <p:cNvPr id="1" name=""/>
+        <p:cNvGrpSpPr/>
+        <p:nvPr/>
+      </p:nvGrpSpPr>
+      <p:grpSpPr>
+        <a:xfrm>
+          <a:off x="0" y="0"/>
+          <a:ext cx="0" cy="0"/>
+          <a:chOff x="0" y="0"/>
+          <a:chExt cx="0" cy="0"/>
+        </a:xfrm>
+      </p:grpSpPr>
+      <p:sp>
+        <p:nvSpPr>
+          <p:cNvPr id="2" name="Title 1"/>
+          <p:cNvSpPr>
+            <a:spLocks noGrp="1"/>
+          </p:cNvSpPr>
+          <p:nvPr>
+            <p:ph type="title"/>
+          </p:nvPr>
+        </p:nvSpPr>
+        <p:spPr/>
+        <p:txBody>
+          <a:bodyPr/>
+          <a:lstStyle/>
+          <a:p>
+            <a:r>
+              <a:rPr lang="en-US" dirty="0" smtClean="0"/>
+              <a:t>Content Pipeline: Shaders</a:t>
+            </a:r>
+            <a:endParaRPr lang="en-US" dirty="0"/>
+          </a:p>
+        </p:txBody>
+      </p:sp>
+      <p:sp>
+        <p:nvSpPr>
+          <p:cNvPr id="3" name="Content Placeholder 2"/>
+          <p:cNvSpPr>
+            <a:spLocks noGrp="1"/>
+          </p:cNvSpPr>
+          <p:nvPr>
+            <p:ph idx="1"/>
+          </p:nvPr>
+        </p:nvSpPr>
+        <p:spPr/>
+        <p:txBody>
+          <a:bodyPr/>
+          <a:lstStyle/>
+          <a:p>
+            <a:r>
+              <a:rPr lang="en-US" dirty="0" smtClean="0"/>
+              <a:t>Generate shaders</a:t>
+            </a:r>
+          </a:p>
+          <a:p>
+            <a:pPr lvl="1"/>
+            <a:r>
+              <a:rPr lang="en-US" dirty="0" smtClean="0"/>
+              <a:t>Common profile -&gt; GLSL</a:t>
+            </a:r>
+          </a:p>
+          <a:p>
+            <a:pPr lvl="1"/>
+            <a:r>
+              <a:rPr lang="en-US" dirty="0"/>
+              <a:t>g</a:t>
+            </a:r>
+            <a:r>
+              <a:rPr lang="en-US" dirty="0" smtClean="0"/>
+              <a:t>-buffer formats</a:t>
+            </a:r>
+          </a:p>
+          <a:p>
+            <a:r>
+              <a:rPr lang="en-US" dirty="0" smtClean="0"/>
+              <a:t>Optimize shaders</a:t>
+            </a:r>
+          </a:p>
+          <a:p>
+            <a:pPr marL="0" indent="0">
+              <a:buNone/>
+            </a:pPr>
+            <a:endParaRPr lang="en-US" dirty="0"/>
+          </a:p>
+        </p:txBody>
+      </p:sp>
+      <p:sp>
+        <p:nvSpPr>
+          <p:cNvPr id="4" name="Slide Number Placeholder 3"/>
+          <p:cNvSpPr>
+            <a:spLocks noGrp="1"/>
+          </p:cNvSpPr>
+          <p:nvPr>
+            <p:ph type="sldNum" sz="quarter" idx="12"/>
+          </p:nvPr>
+        </p:nvSpPr>
+        <p:spPr/>
+        <p:txBody>
+          <a:bodyPr/>
+          <a:lstStyle/>
+          <a:p>
+            <a:pPr>
+              <a:defRPr/>
+            </a:pPr>
+            <a:fld id="{FC28735A-D6AA-419A-87B4-83DEEEB2001E}" type="slidenum">
+              <a:rPr lang="en-US" smtClean="0"/>
+              <a:pPr>
+                <a:defRPr/>
+              </a:pPr>
+              <a:t>26</a:t>
+            </a:fld>
+            <a:endParaRPr lang="en-US"/>
+          </a:p>
+        </p:txBody>
+      </p:sp>
+    </p:spTree>
+    <p:extLst>
+      <p:ext uri="{BB962C8B-B14F-4D97-AF65-F5344CB8AC3E}">
+        <p14:creationId xmlns:p14="http://schemas.microsoft.com/office/powerpoint/2010/main" val="2130818593"/>
+      </p:ext>
+    </p:extLst>
+  </p:cSld>
+  <p:clrMapOvr>
+    <a:masterClrMapping/>
+  </p:clrMapOvr>
+</p:sld>
+</file>
+
 <file path=ppt/slides/slide27.xml><?xml version="1.0" encoding="utf-8"?>
 <p:sld xmlns:a="http://schemas.openxmlformats.org/drawingml/2006/main" xmlns:r="http://schemas.openxmlformats.org/officeDocument/2006/relationships" xmlns:p="http://schemas.openxmlformats.org/presentationml/2006/main">
   <p:cSld>
@@ -16252,7 +17437,7 @@
           <a:p>
             <a:r>
               <a:rPr lang="en-US" dirty="0" smtClean="0"/>
-              <a:t>Content Pipeline: Texture</a:t>
+              <a:t>Artist Tips</a:t>
             </a:r>
             <a:endParaRPr lang="en-US" dirty="0"/>
           </a:p>
@@ -16268,42 +17453,52 @@
             <p:ph idx="1"/>
           </p:nvPr>
         </p:nvSpPr>
-        <p:spPr/>
+        <p:spPr>
+          <a:xfrm>
+            <a:off x="457200" y="1981200"/>
+            <a:ext cx="8229600" cy="4495800"/>
+          </a:xfrm>
+        </p:spPr>
         <p:txBody>
           <a:bodyPr/>
           <a:lstStyle/>
           <a:p>
             <a:r>
               <a:rPr lang="en-US" dirty="0" smtClean="0"/>
-              <a:t>Convert image formats</a:t>
-            </a:r>
+              <a:t>Some exports create redundancies</a:t>
+            </a:r>
+            <a:endParaRPr lang="en-US" dirty="0" smtClean="0"/>
           </a:p>
           <a:p>
             <a:pPr lvl="1"/>
             <a:r>
               <a:rPr lang="en-US" dirty="0" smtClean="0"/>
-              <a:t>For example, .bmp to .jpg</a:t>
-            </a:r>
-          </a:p>
-          <a:p>
-            <a:r>
-              <a:rPr lang="en-US" dirty="0" smtClean="0"/>
-              <a:t>Compress images</a:t>
+              <a:t>Remove unused nodes, meshes, materials, techniques, etc.</a:t>
             </a:r>
           </a:p>
           <a:p>
             <a:pPr lvl="1"/>
             <a:r>
               <a:rPr lang="en-US" dirty="0" smtClean="0"/>
-              <a:t>DXT / S3TC</a:t>
+              <a:t>Remove unused vertices.  Remove duplicate vertices</a:t>
             </a:r>
           </a:p>
           <a:p>
             <a:pPr lvl="1"/>
             <a:r>
               <a:rPr lang="en-US" dirty="0" smtClean="0"/>
-              <a:t>ETC2</a:t>
-            </a:r>
+              <a:t>Remove duplicate materials and techniques</a:t>
+            </a:r>
+          </a:p>
+          <a:p>
+            <a:pPr lvl="1"/>
+            <a:r>
+              <a:rPr lang="en-US" dirty="0" smtClean="0"/>
+              <a:t>Combine primitives with the same material and vertex format</a:t>
+            </a:r>
+          </a:p>
+          <a:p>
+            <a:pPr lvl="1"/>
             <a:endParaRPr lang="en-US" dirty="0"/>
           </a:p>
         </p:txBody>
@@ -16340,7 +17535,7 @@
     </p:spTree>
     <p:extLst>
       <p:ext uri="{BB962C8B-B14F-4D97-AF65-F5344CB8AC3E}">
-        <p14:creationId xmlns:p14="http://schemas.microsoft.com/office/powerpoint/2010/main" val="2406058523"/>
+        <p14:creationId xmlns:p14="http://schemas.microsoft.com/office/powerpoint/2010/main" val="1878459444"/>
       </p:ext>
     </p:extLst>
   </p:cSld>
@@ -16384,7 +17579,7 @@
           <a:p>
             <a:r>
               <a:rPr lang="en-US" dirty="0" smtClean="0"/>
-              <a:t>Content Pipeline: Shaders</a:t>
+              <a:t>Summary</a:t>
             </a:r>
             <a:endParaRPr lang="en-US" dirty="0"/>
           </a:p>
@@ -16407,42 +17602,36 @@
           <a:p>
             <a:r>
               <a:rPr lang="en-US" dirty="0" smtClean="0"/>
-              <a:t>Generate shaders</a:t>
+              <a:t>Themes</a:t>
             </a:r>
           </a:p>
           <a:p>
             <a:pPr lvl="1"/>
             <a:r>
               <a:rPr lang="en-US" dirty="0" smtClean="0"/>
-              <a:t>Common profile -&gt; GLSL</a:t>
+              <a:t>Keep </a:t>
+            </a:r>
+            <a:r>
+              <a:rPr lang="en-US" dirty="0" smtClean="0"/>
+              <a:t>the runtime simple</a:t>
             </a:r>
           </a:p>
           <a:p>
             <a:pPr lvl="1"/>
             <a:r>
-              <a:rPr lang="en-US" dirty="0"/>
-              <a:t>g</a:t>
-            </a:r>
-            <a:r>
-              <a:rPr lang="en-US" dirty="0" smtClean="0"/>
-              <a:t>-buffer </a:t>
-            </a:r>
-            <a:r>
-              <a:rPr lang="en-US" dirty="0" smtClean="0"/>
-              <a:t>formats</a:t>
-            </a:r>
-          </a:p>
-          <a:p>
-            <a:r>
-              <a:rPr lang="en-US" dirty="0" smtClean="0"/>
-              <a:t>Optimize shaders</a:t>
-            </a:r>
-            <a:endParaRPr lang="en-US" dirty="0" smtClean="0"/>
-          </a:p>
-          <a:p>
-            <a:pPr marL="0" indent="0">
-              <a:buNone/>
-            </a:pPr>
+              <a:rPr lang="en-US" dirty="0" smtClean="0"/>
+              <a:t>Push work to the Content </a:t>
+            </a:r>
+            <a:r>
+              <a:rPr lang="en-US" dirty="0" smtClean="0"/>
+              <a:t>Pipeline</a:t>
+            </a:r>
+          </a:p>
+          <a:p>
+            <a:r>
+              <a:rPr lang="en-US" dirty="0" smtClean="0"/>
+              <a:t>glTF spec and content pipeline:</a:t>
+            </a:r>
             <a:endParaRPr lang="en-US" dirty="0"/>
           </a:p>
         </p:txBody>
@@ -16476,10 +17665,47 @@
           </a:p>
         </p:txBody>
       </p:sp>
+      <p:sp>
+        <p:nvSpPr>
+          <p:cNvPr id="5" name="Rectangle 4"/>
+          <p:cNvSpPr/>
+          <p:nvPr/>
+        </p:nvSpPr>
+        <p:spPr>
+          <a:xfrm>
+            <a:off x="131647" y="4114800"/>
+            <a:ext cx="8880706" cy="707886"/>
+          </a:xfrm>
+          <a:prstGeom prst="rect">
+            <a:avLst/>
+          </a:prstGeom>
+        </p:spPr>
+        <p:txBody>
+          <a:bodyPr wrap="none">
+            <a:spAutoFit/>
+          </a:bodyPr>
+          <a:lstStyle/>
+          <a:p>
+            <a:r>
+              <a:rPr lang="en-US" sz="4000" dirty="0">
+                <a:hlinkClick r:id="rId3"/>
+              </a:rPr>
+              <a:t>https://github.com/KhronosGroup/</a:t>
+            </a:r>
+            <a:r>
+              <a:rPr lang="en-US" sz="4000" dirty="0" smtClean="0">
+                <a:hlinkClick r:id="rId3"/>
+              </a:rPr>
+              <a:t>glTF</a:t>
+            </a:r>
+            <a:endParaRPr lang="en-US" sz="4000" dirty="0"/>
+          </a:p>
+        </p:txBody>
+      </p:sp>
     </p:spTree>
     <p:extLst>
       <p:ext uri="{BB962C8B-B14F-4D97-AF65-F5344CB8AC3E}">
-        <p14:creationId xmlns:p14="http://schemas.microsoft.com/office/powerpoint/2010/main" val="2130818593"/>
+        <p14:creationId xmlns:p14="http://schemas.microsoft.com/office/powerpoint/2010/main" val="649372569"/>
       </p:ext>
     </p:extLst>
   </p:cSld>
@@ -16523,7 +17749,7 @@
           <a:p>
             <a:r>
               <a:rPr lang="en-US" dirty="0" smtClean="0"/>
-              <a:t>Themes</a:t>
+              <a:t>References</a:t>
             </a:r>
             <a:endParaRPr lang="en-US" dirty="0"/>
           </a:p>
@@ -16541,24 +17767,54 @@
         </p:nvSpPr>
         <p:spPr/>
         <p:txBody>
-          <a:bodyPr/>
-          <a:lstStyle/>
-          <a:p>
-            <a:r>
-              <a:rPr lang="en-US" dirty="0" smtClean="0"/>
-              <a:t>Keep </a:t>
-            </a:r>
-            <a:r>
-              <a:rPr lang="en-US" dirty="0" smtClean="0"/>
-              <a:t>the runtime simple</a:t>
-            </a:r>
-          </a:p>
-          <a:p>
-            <a:r>
-              <a:rPr lang="en-US" dirty="0" smtClean="0"/>
-              <a:t>Push work to the Content Pipeline</a:t>
-            </a:r>
-            <a:endParaRPr lang="en-US" dirty="0"/>
+          <a:bodyPr>
+            <a:normAutofit/>
+          </a:bodyPr>
+          <a:lstStyle/>
+          <a:p>
+            <a:pPr marL="0" indent="0">
+              <a:buNone/>
+            </a:pPr>
+            <a:r>
+              <a:rPr lang="en-US" sz="1600" dirty="0" smtClean="0"/>
+              <a:t>Fabrice Robinet et al. </a:t>
+            </a:r>
+            <a:r>
+              <a:rPr lang="en-US" sz="1600" dirty="0" smtClean="0">
+                <a:hlinkClick r:id="rId3"/>
+              </a:rPr>
+              <a:t>glTF: Designing an Open-Standard Runtime Asset Format</a:t>
+            </a:r>
+            <a:r>
+              <a:rPr lang="en-US" sz="1600" dirty="0" smtClean="0"/>
+              <a:t>. GPU Pro 5, 2014</a:t>
+            </a:r>
+          </a:p>
+          <a:p>
+            <a:pPr marL="0" indent="0">
+              <a:buNone/>
+            </a:pPr>
+            <a:endParaRPr lang="en-US" sz="1600" dirty="0" smtClean="0"/>
+          </a:p>
+          <a:p>
+            <a:pPr marL="0" indent="0">
+              <a:buNone/>
+            </a:pPr>
+            <a:r>
+              <a:rPr lang="en-US" sz="1600" dirty="0" smtClean="0"/>
+              <a:t>Patrick Cozzi. </a:t>
+            </a:r>
+            <a:r>
+              <a:rPr lang="en-US" sz="1600" dirty="0" smtClean="0">
+                <a:hlinkClick r:id="rId4"/>
+              </a:rPr>
+              <a:t>Building a WebGL Santa with Cesium and glTF</a:t>
+            </a:r>
+            <a:r>
+              <a:rPr lang="en-US" sz="1600" dirty="0" smtClean="0"/>
+              <a:t>. 2013</a:t>
+            </a:r>
+            <a:endParaRPr lang="en-US" sz="1600" dirty="0"/>
           </a:p>
         </p:txBody>
       </p:sp>
@@ -16594,7 +17850,7 @@
     </p:spTree>
     <p:extLst>
       <p:ext uri="{BB962C8B-B14F-4D97-AF65-F5344CB8AC3E}">
-        <p14:creationId xmlns:p14="http://schemas.microsoft.com/office/powerpoint/2010/main" val="649372569"/>
+        <p14:creationId xmlns:p14="http://schemas.microsoft.com/office/powerpoint/2010/main" val="2112326044"/>
       </p:ext>
     </p:extLst>
   </p:cSld>
@@ -16638,11 +17894,7 @@
           <a:p>
             <a:r>
               <a:rPr lang="en-US" dirty="0" smtClean="0"/>
-              <a:t>Interchange </a:t>
-            </a:r>
-            <a:r>
-              <a:rPr lang="en-US" dirty="0" smtClean="0"/>
-              <a:t>Formats</a:t>
+              <a:t>Interchange Formats</a:t>
             </a:r>
             <a:endParaRPr lang="en-US" dirty="0"/>
           </a:p>
@@ -17031,16 +18283,6 @@
               </a:rPr>
               <a:t>Maya</a:t>
             </a:r>
-            <a:endParaRPr kumimoji="0" lang="en-US" sz="1800" b="0" i="0" u="none" strike="noStrike" cap="none" normalizeH="0" baseline="0" dirty="0" smtClean="0">
-              <a:ln>
-                <a:noFill/>
-              </a:ln>
-              <a:solidFill>
-                <a:schemeClr val="tx1"/>
-              </a:solidFill>
-              <a:effectLst/>
-              <a:latin typeface="Arial" charset="0"/>
-            </a:endParaRPr>
           </a:p>
         </p:txBody>
       </p:sp>
@@ -17114,16 +18356,6 @@
               </a:rPr>
               <a:t>Blender</a:t>
             </a:r>
-            <a:endParaRPr kumimoji="0" lang="en-US" sz="1800" b="0" i="0" u="none" strike="noStrike" cap="none" normalizeH="0" baseline="0" dirty="0" smtClean="0">
-              <a:ln>
-                <a:noFill/>
-              </a:ln>
-              <a:solidFill>
-                <a:schemeClr val="tx1"/>
-              </a:solidFill>
-              <a:effectLst/>
-              <a:latin typeface="Arial" charset="0"/>
-            </a:endParaRPr>
           </a:p>
         </p:txBody>
       </p:sp>
@@ -17197,16 +18429,6 @@
               </a:rPr>
               <a:t>Modo</a:t>
             </a:r>
-            <a:endParaRPr kumimoji="0" lang="en-US" sz="1800" b="0" i="0" u="none" strike="noStrike" cap="none" normalizeH="0" baseline="0" dirty="0" smtClean="0">
-              <a:ln>
-                <a:noFill/>
-              </a:ln>
-              <a:solidFill>
-                <a:schemeClr val="tx1"/>
-              </a:solidFill>
-              <a:effectLst/>
-              <a:latin typeface="Arial" charset="0"/>
-            </a:endParaRPr>
           </a:p>
         </p:txBody>
       </p:sp>
@@ -17214,151 +18436,6 @@
     <p:extLst>
       <p:ext uri="{BB962C8B-B14F-4D97-AF65-F5344CB8AC3E}">
         <p14:creationId xmlns:p14="http://schemas.microsoft.com/office/powerpoint/2010/main" val="4036592936"/>
-      </p:ext>
-    </p:extLst>
-  </p:cSld>
-  <p:clrMapOvr>
-    <a:masterClrMapping/>
-  </p:clrMapOvr>
-</p:sld>
-</file>
-
-<file path=ppt/slides/slide30.xml><?xml version="1.0" encoding="utf-8"?>
-<p:sld xmlns:a="http://schemas.openxmlformats.org/drawingml/2006/main" xmlns:r="http://schemas.openxmlformats.org/officeDocument/2006/relationships" xmlns:p="http://schemas.openxmlformats.org/presentationml/2006/main">
-  <p:cSld>
-    <p:spTree>
-      <p:nvGrpSpPr>
-        <p:cNvPr id="1" name=""/>
-        <p:cNvGrpSpPr/>
-        <p:nvPr/>
-      </p:nvGrpSpPr>
-      <p:grpSpPr>
-        <a:xfrm>
-          <a:off x="0" y="0"/>
-          <a:ext cx="0" cy="0"/>
-          <a:chOff x="0" y="0"/>
-          <a:chExt cx="0" cy="0"/>
-        </a:xfrm>
-      </p:grpSpPr>
-      <p:sp>
-        <p:nvSpPr>
-          <p:cNvPr id="2" name="Title 1"/>
-          <p:cNvSpPr>
-            <a:spLocks noGrp="1"/>
-          </p:cNvSpPr>
-          <p:nvPr>
-            <p:ph type="title"/>
-          </p:nvPr>
-        </p:nvSpPr>
-        <p:spPr/>
-        <p:txBody>
-          <a:bodyPr/>
-          <a:lstStyle/>
-          <a:p>
-            <a:r>
-              <a:rPr lang="en-US" dirty="0" smtClean="0"/>
-              <a:t>References</a:t>
-            </a:r>
-            <a:endParaRPr lang="en-US" dirty="0"/>
-          </a:p>
-        </p:txBody>
-      </p:sp>
-      <p:sp>
-        <p:nvSpPr>
-          <p:cNvPr id="3" name="Content Placeholder 2"/>
-          <p:cNvSpPr>
-            <a:spLocks noGrp="1"/>
-          </p:cNvSpPr>
-          <p:nvPr>
-            <p:ph idx="1"/>
-          </p:nvPr>
-        </p:nvSpPr>
-        <p:spPr/>
-        <p:txBody>
-          <a:bodyPr>
-            <a:normAutofit/>
-          </a:bodyPr>
-          <a:lstStyle/>
-          <a:p>
-            <a:pPr marL="0" indent="0">
-              <a:buNone/>
-            </a:pPr>
-            <a:r>
-              <a:rPr lang="en-US" sz="1600" dirty="0" smtClean="0"/>
-              <a:t>Fabrice Robinet et al. </a:t>
-            </a:r>
-            <a:r>
-              <a:rPr lang="en-US" sz="1600" dirty="0" smtClean="0">
-                <a:hlinkClick r:id="rId3"/>
-              </a:rPr>
-              <a:t>glTF: Designing an Open-Standard Runtime Asset Format</a:t>
-            </a:r>
-            <a:r>
-              <a:rPr lang="en-US" sz="1600" dirty="0" smtClean="0"/>
-              <a:t>. GPU Pro 5, 2014</a:t>
-            </a:r>
-          </a:p>
-          <a:p>
-            <a:pPr marL="0" indent="0">
-              <a:buNone/>
-            </a:pPr>
-            <a:endParaRPr lang="en-US" sz="1600" dirty="0" smtClean="0"/>
-          </a:p>
-          <a:p>
-            <a:pPr marL="0" indent="0">
-              <a:buNone/>
-            </a:pPr>
-            <a:r>
-              <a:rPr lang="en-US" sz="1600" dirty="0" smtClean="0"/>
-              <a:t>Patrick Cozzi. </a:t>
-            </a:r>
-            <a:r>
-              <a:rPr lang="en-US" sz="1600" dirty="0" smtClean="0">
-                <a:hlinkClick r:id="rId4"/>
-              </a:rPr>
-              <a:t>Building a WebGL Santa with Cesium and glTF</a:t>
-            </a:r>
-            <a:r>
-              <a:rPr lang="en-US" sz="1600" dirty="0" smtClean="0"/>
-              <a:t>. 2013</a:t>
-            </a:r>
-            <a:endParaRPr lang="en-US" sz="1600" dirty="0"/>
-          </a:p>
-        </p:txBody>
-      </p:sp>
-      <p:sp>
-        <p:nvSpPr>
-          <p:cNvPr id="4" name="Slide Number Placeholder 3"/>
-          <p:cNvSpPr>
-            <a:spLocks noGrp="1"/>
-          </p:cNvSpPr>
-          <p:nvPr>
-            <p:ph type="sldNum" sz="quarter" idx="12"/>
-          </p:nvPr>
-        </p:nvSpPr>
-        <p:spPr/>
-        <p:txBody>
-          <a:bodyPr/>
-          <a:lstStyle/>
-          <a:p>
-            <a:pPr>
-              <a:defRPr/>
-            </a:pPr>
-            <a:fld id="{FC28735A-D6AA-419A-87B4-83DEEEB2001E}" type="slidenum">
-              <a:rPr lang="en-US" smtClean="0"/>
-              <a:pPr>
-                <a:defRPr/>
-              </a:pPr>
-              <a:t>30</a:t>
-            </a:fld>
-            <a:endParaRPr lang="en-US"/>
-          </a:p>
-        </p:txBody>
-      </p:sp>
-    </p:spTree>
-    <p:extLst>
-      <p:ext uri="{BB962C8B-B14F-4D97-AF65-F5344CB8AC3E}">
-        <p14:creationId xmlns:p14="http://schemas.microsoft.com/office/powerpoint/2010/main" val="2112326044"/>
       </p:ext>
     </p:extLst>
   </p:cSld>
@@ -17401,14 +18478,113 @@
           <a:lstStyle/>
           <a:p>
             <a:r>
-              <a:rPr lang="en-US" dirty="0"/>
-              <a:t>Interchange</a:t>
-            </a:r>
-            <a:r>
-              <a:rPr lang="en-US" dirty="0" smtClean="0"/>
-              <a:t> Formats</a:t>
+              <a:rPr lang="en-US" dirty="0" smtClean="0"/>
+              <a:t>Interchange Formats</a:t>
             </a:r>
             <a:endParaRPr lang="en-US" dirty="0"/>
+          </a:p>
+        </p:txBody>
+      </p:sp>
+      <p:sp>
+        <p:nvSpPr>
+          <p:cNvPr id="3" name="Content Placeholder 2"/>
+          <p:cNvSpPr>
+            <a:spLocks noGrp="1"/>
+          </p:cNvSpPr>
+          <p:nvPr>
+            <p:ph idx="1"/>
+          </p:nvPr>
+        </p:nvSpPr>
+        <p:spPr>
+          <a:xfrm>
+            <a:off x="457200" y="1981200"/>
+            <a:ext cx="8610600" cy="3886200"/>
+          </a:xfrm>
+        </p:spPr>
+        <p:txBody>
+          <a:bodyPr>
+            <a:normAutofit fontScale="92500" lnSpcReduction="10000"/>
+          </a:bodyPr>
+          <a:lstStyle/>
+          <a:p>
+            <a:r>
+              <a:rPr lang="en-US" sz="2800" dirty="0" smtClean="0"/>
+              <a:t>Target tools, not WebGL</a:t>
+            </a:r>
+          </a:p>
+          <a:p>
+            <a:r>
+              <a:rPr lang="en-US" sz="2800" dirty="0" smtClean="0"/>
+              <a:t>Example: COLLADA</a:t>
+            </a:r>
+          </a:p>
+          <a:p>
+            <a:pPr lvl="1"/>
+            <a:r>
+              <a:rPr lang="en-US" sz="2400" dirty="0" smtClean="0"/>
+              <a:t>XML + image files</a:t>
+            </a:r>
+          </a:p>
+          <a:p>
+            <a:pPr lvl="1"/>
+            <a:r>
+              <a:rPr lang="en-US" sz="2400" dirty="0" smtClean="0"/>
+              <a:t>One index per attribute, not vertex</a:t>
+            </a:r>
+          </a:p>
+          <a:p>
+            <a:pPr lvl="1"/>
+            <a:r>
+              <a:rPr lang="en-US" sz="2400" dirty="0" smtClean="0"/>
+              <a:t>Unsigned </a:t>
+            </a:r>
+            <a:r>
+              <a:rPr lang="en-US" sz="2400" dirty="0" err="1" smtClean="0"/>
+              <a:t>int</a:t>
+            </a:r>
+            <a:r>
+              <a:rPr lang="en-US" sz="2400" dirty="0" smtClean="0"/>
+              <a:t> indices</a:t>
+            </a:r>
+          </a:p>
+          <a:p>
+            <a:pPr lvl="1"/>
+            <a:r>
+              <a:rPr lang="en-US" sz="2400" dirty="0" smtClean="0"/>
+              <a:t>Transform stack per node</a:t>
+            </a:r>
+          </a:p>
+          <a:p>
+            <a:pPr lvl="1"/>
+            <a:r>
+              <a:rPr lang="en-US" sz="2400" dirty="0" smtClean="0"/>
+              <a:t>Polygons and splines</a:t>
+            </a:r>
+          </a:p>
+          <a:p>
+            <a:pPr lvl="1"/>
+            <a:r>
+              <a:rPr lang="en-US" sz="2400" dirty="0" smtClean="0"/>
+              <a:t>Common profile materials</a:t>
+            </a:r>
+          </a:p>
+          <a:p>
+            <a:pPr lvl="1"/>
+            <a:r>
+              <a:rPr lang="en-US" sz="2400" dirty="0" smtClean="0"/>
+              <a:t>Doesn’t specify image file format</a:t>
+            </a:r>
+          </a:p>
+          <a:p>
+            <a:pPr lvl="1"/>
+            <a:r>
+              <a:rPr lang="en-US" sz="2400" dirty="0" smtClean="0"/>
+              <a:t>Lots of flexibility and indirection in animations and skins</a:t>
+            </a:r>
+          </a:p>
+          <a:p>
+            <a:pPr lvl="1"/>
+            <a:endParaRPr lang="en-US" sz="2400" dirty="0"/>
           </a:p>
         </p:txBody>
       </p:sp>
@@ -17441,326 +18617,10 @@
           </a:p>
         </p:txBody>
       </p:sp>
-      <p:sp>
-        <p:nvSpPr>
-          <p:cNvPr id="6" name="TextBox 5"/>
-          <p:cNvSpPr txBox="1"/>
-          <p:nvPr/>
-        </p:nvSpPr>
-        <p:spPr>
-          <a:xfrm>
-            <a:off x="1683787" y="2882941"/>
-            <a:ext cx="556725" cy="369332"/>
-          </a:xfrm>
-          <a:prstGeom prst="rect">
-            <a:avLst/>
-          </a:prstGeom>
-          <a:noFill/>
-        </p:spPr>
-        <p:txBody>
-          <a:bodyPr wrap="none" rtlCol="0">
-            <a:spAutoFit/>
-          </a:bodyPr>
-          <a:lstStyle/>
-          <a:p>
-            <a:r>
-              <a:rPr lang="en-US" dirty="0" smtClean="0"/>
-              <a:t>.fbx</a:t>
-            </a:r>
-          </a:p>
-        </p:txBody>
-      </p:sp>
-      <p:pic>
-        <p:nvPicPr>
-          <p:cNvPr id="7" name="Picture 6"/>
-          <p:cNvPicPr>
-            <a:picLocks noChangeAspect="1"/>
-          </p:cNvPicPr>
-          <p:nvPr/>
-        </p:nvPicPr>
-        <p:blipFill>
-          <a:blip r:embed="rId3"/>
-          <a:stretch>
-            <a:fillRect/>
-          </a:stretch>
-        </p:blipFill>
-        <p:spPr>
-          <a:xfrm>
-            <a:off x="3505200" y="2819400"/>
-            <a:ext cx="2095500" cy="432873"/>
-          </a:xfrm>
-          <a:prstGeom prst="rect">
-            <a:avLst/>
-          </a:prstGeom>
-        </p:spPr>
-      </p:pic>
-      <p:sp>
-        <p:nvSpPr>
-          <p:cNvPr id="8" name="Rounded Rectangle 7"/>
-          <p:cNvSpPr/>
-          <p:nvPr/>
-        </p:nvSpPr>
-        <p:spPr bwMode="auto">
-          <a:xfrm>
-            <a:off x="3562350" y="4114800"/>
-            <a:ext cx="1981200" cy="457200"/>
-          </a:xfrm>
-          <a:prstGeom prst="roundRect">
-            <a:avLst/>
-          </a:prstGeom>
-          <a:solidFill>
-            <a:schemeClr val="accent1"/>
-          </a:solidFill>
-          <a:ln w="9525" cap="flat" cmpd="sng" algn="ctr">
-            <a:solidFill>
-              <a:schemeClr val="tx1"/>
-            </a:solidFill>
-            <a:prstDash val="solid"/>
-            <a:round/>
-            <a:headEnd type="none" w="med" len="med"/>
-            <a:tailEnd type="none" w="med" len="med"/>
-          </a:ln>
-          <a:effectLst/>
-        </p:spPr>
-        <p:txBody>
-          <a:bodyPr vert="horz" wrap="square" lIns="91440" tIns="45720" rIns="91440" bIns="45720" numCol="1" rtlCol="0" anchor="t" anchorCtr="0" compatLnSpc="1">
-            <a:prstTxWarp prst="textNoShape">
-              <a:avLst/>
-            </a:prstTxWarp>
-          </a:bodyPr>
-          <a:lstStyle/>
-          <a:p>
-            <a:pPr marL="0" marR="0" indent="0" algn="ctr" defTabSz="914400" rtl="0" eaLnBrk="0" fontAlgn="base" latinLnBrk="0" hangingPunct="0">
-              <a:lnSpc>
-                <a:spcPct val="100000"/>
-              </a:lnSpc>
-              <a:spcBef>
-                <a:spcPct val="0"/>
-              </a:spcBef>
-              <a:spcAft>
-                <a:spcPct val="0"/>
-              </a:spcAft>
-              <a:buClrTx/>
-              <a:buSzTx/>
-              <a:buFontTx/>
-              <a:buNone/>
-              <a:tabLst/>
-            </a:pPr>
-            <a:r>
-              <a:rPr kumimoji="0" lang="en-US" sz="1800" b="0" i="0" u="none" strike="noStrike" cap="none" normalizeH="0" baseline="0" dirty="0" smtClean="0">
-                <a:ln>
-                  <a:noFill/>
-                </a:ln>
-                <a:solidFill>
-                  <a:schemeClr val="tx1"/>
-                </a:solidFill>
-                <a:effectLst/>
-                <a:latin typeface="Arial" charset="0"/>
-              </a:rPr>
-              <a:t>WebGL Engine</a:t>
-            </a:r>
-            <a:endParaRPr kumimoji="0" lang="en-US" sz="1800" b="0" i="0" u="none" strike="noStrike" cap="none" normalizeH="0" baseline="0" dirty="0" smtClean="0">
-              <a:ln>
-                <a:noFill/>
-              </a:ln>
-              <a:solidFill>
-                <a:schemeClr val="tx1"/>
-              </a:solidFill>
-              <a:effectLst/>
-              <a:latin typeface="Arial" charset="0"/>
-            </a:endParaRPr>
-          </a:p>
-        </p:txBody>
-      </p:sp>
-      <p:sp>
-        <p:nvSpPr>
-          <p:cNvPr id="9" name="TextBox 8"/>
-          <p:cNvSpPr txBox="1"/>
-          <p:nvPr/>
-        </p:nvSpPr>
-        <p:spPr>
-          <a:xfrm>
-            <a:off x="6865387" y="2882941"/>
-            <a:ext cx="556838" cy="369332"/>
-          </a:xfrm>
-          <a:prstGeom prst="rect">
-            <a:avLst/>
-          </a:prstGeom>
-          <a:noFill/>
-        </p:spPr>
-        <p:txBody>
-          <a:bodyPr wrap="none" rtlCol="0">
-            <a:spAutoFit/>
-          </a:bodyPr>
-          <a:lstStyle/>
-          <a:p>
-            <a:r>
-              <a:rPr lang="en-US" dirty="0" smtClean="0"/>
-              <a:t>.obj</a:t>
-            </a:r>
-          </a:p>
-        </p:txBody>
-      </p:sp>
-      <p:cxnSp>
-        <p:nvCxnSpPr>
-          <p:cNvPr id="11" name="Straight Arrow Connector 10"/>
-          <p:cNvCxnSpPr>
-            <a:stCxn id="7" idx="2"/>
-            <a:endCxn id="8" idx="0"/>
-          </p:cNvCxnSpPr>
-          <p:nvPr/>
-        </p:nvCxnSpPr>
-        <p:spPr bwMode="auto">
-          <a:xfrm>
-            <a:off x="4552950" y="3252273"/>
-            <a:ext cx="0" cy="862527"/>
-          </a:xfrm>
-          <a:prstGeom prst="straightConnector1">
-            <a:avLst/>
-          </a:prstGeom>
-          <a:solidFill>
-            <a:schemeClr val="accent1"/>
-          </a:solidFill>
-          <a:ln w="9525" cap="flat" cmpd="sng" algn="ctr">
-            <a:solidFill>
-              <a:schemeClr val="tx1"/>
-            </a:solidFill>
-            <a:prstDash val="solid"/>
-            <a:round/>
-            <a:headEnd type="none" w="med" len="med"/>
-            <a:tailEnd type="arrow"/>
-          </a:ln>
-          <a:effectLst/>
-        </p:spPr>
-      </p:cxnSp>
-      <p:cxnSp>
-        <p:nvCxnSpPr>
-          <p:cNvPr id="13" name="Straight Arrow Connector 12"/>
-          <p:cNvCxnSpPr>
-            <a:stCxn id="6" idx="2"/>
-            <a:endCxn id="8" idx="0"/>
-          </p:cNvCxnSpPr>
-          <p:nvPr/>
-        </p:nvCxnSpPr>
-        <p:spPr bwMode="auto">
-          <a:xfrm>
-            <a:off x="1962150" y="3252273"/>
-            <a:ext cx="2590800" cy="862527"/>
-          </a:xfrm>
-          <a:prstGeom prst="straightConnector1">
-            <a:avLst/>
-          </a:prstGeom>
-          <a:solidFill>
-            <a:schemeClr val="accent1"/>
-          </a:solidFill>
-          <a:ln w="9525" cap="flat" cmpd="sng" algn="ctr">
-            <a:solidFill>
-              <a:schemeClr val="tx1"/>
-            </a:solidFill>
-            <a:prstDash val="solid"/>
-            <a:round/>
-            <a:headEnd type="none" w="med" len="med"/>
-            <a:tailEnd type="arrow"/>
-          </a:ln>
-          <a:effectLst/>
-        </p:spPr>
-      </p:cxnSp>
-      <p:cxnSp>
-        <p:nvCxnSpPr>
-          <p:cNvPr id="15" name="Straight Arrow Connector 14"/>
-          <p:cNvCxnSpPr>
-            <a:stCxn id="9" idx="2"/>
-            <a:endCxn id="8" idx="0"/>
-          </p:cNvCxnSpPr>
-          <p:nvPr/>
-        </p:nvCxnSpPr>
-        <p:spPr bwMode="auto">
-          <a:xfrm flipH="1">
-            <a:off x="4552950" y="3252273"/>
-            <a:ext cx="2590856" cy="862527"/>
-          </a:xfrm>
-          <a:prstGeom prst="straightConnector1">
-            <a:avLst/>
-          </a:prstGeom>
-          <a:solidFill>
-            <a:schemeClr val="accent1"/>
-          </a:solidFill>
-          <a:ln w="9525" cap="flat" cmpd="sng" algn="ctr">
-            <a:solidFill>
-              <a:schemeClr val="tx1"/>
-            </a:solidFill>
-            <a:prstDash val="solid"/>
-            <a:round/>
-            <a:headEnd type="none" w="med" len="med"/>
-            <a:tailEnd type="arrow"/>
-          </a:ln>
-          <a:effectLst/>
-        </p:spPr>
-      </p:cxnSp>
-      <p:sp>
-        <p:nvSpPr>
-          <p:cNvPr id="16" name="TextBox 15"/>
-          <p:cNvSpPr txBox="1"/>
-          <p:nvPr/>
-        </p:nvSpPr>
-        <p:spPr>
-          <a:xfrm>
-            <a:off x="4572000" y="3581400"/>
-            <a:ext cx="355837" cy="461665"/>
-          </a:xfrm>
-          <a:prstGeom prst="rect">
-            <a:avLst/>
-          </a:prstGeom>
-          <a:noFill/>
-        </p:spPr>
-        <p:txBody>
-          <a:bodyPr wrap="none" rtlCol="0">
-            <a:spAutoFit/>
-          </a:bodyPr>
-          <a:lstStyle/>
-          <a:p>
-            <a:r>
-              <a:rPr lang="en-US" sz="2400" dirty="0" smtClean="0"/>
-              <a:t>?</a:t>
-            </a:r>
-            <a:endParaRPr lang="en-US" sz="2400" dirty="0"/>
-          </a:p>
-        </p:txBody>
-      </p:sp>
-      <p:sp>
-        <p:nvSpPr>
-          <p:cNvPr id="17" name="TextBox 16"/>
-          <p:cNvSpPr txBox="1"/>
-          <p:nvPr/>
-        </p:nvSpPr>
-        <p:spPr>
-          <a:xfrm>
-            <a:off x="4191000" y="3581400"/>
-            <a:ext cx="355837" cy="461665"/>
-          </a:xfrm>
-          <a:prstGeom prst="rect">
-            <a:avLst/>
-          </a:prstGeom>
-          <a:noFill/>
-        </p:spPr>
-        <p:txBody>
-          <a:bodyPr wrap="none" rtlCol="0">
-            <a:spAutoFit/>
-          </a:bodyPr>
-          <a:lstStyle/>
-          <a:p>
-            <a:r>
-              <a:rPr lang="en-US" sz="2400" dirty="0" smtClean="0"/>
-              <a:t>?</a:t>
-            </a:r>
-            <a:endParaRPr lang="en-US" sz="2400" dirty="0"/>
-          </a:p>
-        </p:txBody>
-      </p:sp>
     </p:spTree>
     <p:extLst>
       <p:ext uri="{BB962C8B-B14F-4D97-AF65-F5344CB8AC3E}">
-        <p14:creationId xmlns:p14="http://schemas.microsoft.com/office/powerpoint/2010/main" val="2108299053"/>
+        <p14:creationId xmlns:p14="http://schemas.microsoft.com/office/powerpoint/2010/main" val="1896139545"/>
       </p:ext>
     </p:extLst>
   </p:cSld>
@@ -17804,7 +18664,7 @@
           <a:p>
             <a:r>
               <a:rPr lang="en-US" dirty="0" smtClean="0"/>
-              <a:t>Interchange Formats</a:t>
+              <a:t>Runtime Format</a:t>
             </a:r>
             <a:endParaRPr lang="en-US" dirty="0"/>
           </a:p>
@@ -17823,98 +18683,18 @@
         <p:spPr>
           <a:xfrm>
             <a:off x="457200" y="1981200"/>
-            <a:ext cx="8610600" cy="3886200"/>
+            <a:ext cx="8229600" cy="609600"/>
           </a:xfrm>
         </p:spPr>
         <p:txBody>
-          <a:bodyPr>
-            <a:normAutofit fontScale="92500" lnSpcReduction="10000"/>
-          </a:bodyPr>
-          <a:lstStyle/>
-          <a:p>
-            <a:r>
-              <a:rPr lang="en-US" sz="2800" dirty="0" smtClean="0"/>
-              <a:t>Target tools, not </a:t>
-            </a:r>
-            <a:r>
-              <a:rPr lang="en-US" sz="2800" dirty="0" smtClean="0"/>
-              <a:t>WebGL</a:t>
-            </a:r>
-            <a:endParaRPr lang="en-US" sz="2800" dirty="0" smtClean="0"/>
-          </a:p>
-          <a:p>
-            <a:r>
-              <a:rPr lang="en-US" sz="2800" dirty="0" smtClean="0"/>
-              <a:t>Example: COLLADA</a:t>
-            </a:r>
-          </a:p>
-          <a:p>
-            <a:pPr lvl="1"/>
-            <a:r>
-              <a:rPr lang="en-US" sz="2400" dirty="0" smtClean="0"/>
-              <a:t>XML + image files</a:t>
-            </a:r>
-          </a:p>
-          <a:p>
-            <a:pPr lvl="1"/>
-            <a:r>
-              <a:rPr lang="en-US" sz="2400" dirty="0" smtClean="0"/>
-              <a:t>One index per attribute, not vertex</a:t>
-            </a:r>
-          </a:p>
-          <a:p>
-            <a:pPr lvl="1"/>
-            <a:r>
-              <a:rPr lang="en-US" sz="2400" dirty="0" smtClean="0"/>
-              <a:t>Unsigned </a:t>
-            </a:r>
-            <a:r>
-              <a:rPr lang="en-US" sz="2400" dirty="0" err="1" smtClean="0"/>
-              <a:t>int</a:t>
-            </a:r>
-            <a:r>
-              <a:rPr lang="en-US" sz="2400" dirty="0" smtClean="0"/>
-              <a:t> indices</a:t>
-            </a:r>
-          </a:p>
-          <a:p>
-            <a:pPr lvl="1"/>
-            <a:r>
-              <a:rPr lang="en-US" sz="2400" dirty="0" smtClean="0"/>
-              <a:t>Transform stack per node</a:t>
-            </a:r>
-          </a:p>
-          <a:p>
-            <a:pPr lvl="1"/>
-            <a:r>
-              <a:rPr lang="en-US" sz="2400" dirty="0" smtClean="0"/>
-              <a:t>Polygons and splines</a:t>
-            </a:r>
-          </a:p>
-          <a:p>
-            <a:pPr lvl="1"/>
-            <a:r>
-              <a:rPr lang="en-US" sz="2400" dirty="0" smtClean="0"/>
-              <a:t>Common profile materials</a:t>
-            </a:r>
-          </a:p>
-          <a:p>
-            <a:pPr lvl="1"/>
-            <a:r>
-              <a:rPr lang="en-US" sz="2400" dirty="0" smtClean="0"/>
-              <a:t>Doesn’t specify image file format</a:t>
-            </a:r>
-          </a:p>
-          <a:p>
-            <a:pPr lvl="1"/>
-            <a:r>
-              <a:rPr lang="en-US" sz="2400" dirty="0" smtClean="0"/>
-              <a:t>Lots of flexibility and indirection in animations and skins</a:t>
-            </a:r>
-          </a:p>
-          <a:p>
-            <a:pPr lvl="1"/>
-            <a:endParaRPr lang="en-US" sz="2400" dirty="0"/>
+          <a:bodyPr/>
+          <a:lstStyle/>
+          <a:p>
+            <a:r>
+              <a:rPr lang="en-US" dirty="0" smtClean="0"/>
+              <a:t>Optimized for use in an engine</a:t>
+            </a:r>
+            <a:endParaRPr lang="en-US" dirty="0"/>
           </a:p>
         </p:txBody>
       </p:sp>
@@ -17942,116 +18722,6 @@
                 <a:defRPr/>
               </a:pPr>
               <a:t>5</a:t>
-            </a:fld>
-            <a:endParaRPr lang="en-US"/>
-          </a:p>
-        </p:txBody>
-      </p:sp>
-    </p:spTree>
-    <p:extLst>
-      <p:ext uri="{BB962C8B-B14F-4D97-AF65-F5344CB8AC3E}">
-        <p14:creationId xmlns:p14="http://schemas.microsoft.com/office/powerpoint/2010/main" val="1896139545"/>
-      </p:ext>
-    </p:extLst>
-  </p:cSld>
-  <p:clrMapOvr>
-    <a:masterClrMapping/>
-  </p:clrMapOvr>
-</p:sld>
-</file>
-
-<file path=ppt/slides/slide6.xml><?xml version="1.0" encoding="utf-8"?>
-<p:sld xmlns:a="http://schemas.openxmlformats.org/drawingml/2006/main" xmlns:r="http://schemas.openxmlformats.org/officeDocument/2006/relationships" xmlns:p="http://schemas.openxmlformats.org/presentationml/2006/main">
-  <p:cSld>
-    <p:spTree>
-      <p:nvGrpSpPr>
-        <p:cNvPr id="1" name=""/>
-        <p:cNvGrpSpPr/>
-        <p:nvPr/>
-      </p:nvGrpSpPr>
-      <p:grpSpPr>
-        <a:xfrm>
-          <a:off x="0" y="0"/>
-          <a:ext cx="0" cy="0"/>
-          <a:chOff x="0" y="0"/>
-          <a:chExt cx="0" cy="0"/>
-        </a:xfrm>
-      </p:grpSpPr>
-      <p:sp>
-        <p:nvSpPr>
-          <p:cNvPr id="2" name="Title 1"/>
-          <p:cNvSpPr>
-            <a:spLocks noGrp="1"/>
-          </p:cNvSpPr>
-          <p:nvPr>
-            <p:ph type="title"/>
-          </p:nvPr>
-        </p:nvSpPr>
-        <p:spPr/>
-        <p:txBody>
-          <a:bodyPr/>
-          <a:lstStyle/>
-          <a:p>
-            <a:r>
-              <a:rPr lang="en-US" dirty="0" smtClean="0"/>
-              <a:t>Runtime Format</a:t>
-            </a:r>
-            <a:endParaRPr lang="en-US" dirty="0"/>
-          </a:p>
-        </p:txBody>
-      </p:sp>
-      <p:sp>
-        <p:nvSpPr>
-          <p:cNvPr id="3" name="Content Placeholder 2"/>
-          <p:cNvSpPr>
-            <a:spLocks noGrp="1"/>
-          </p:cNvSpPr>
-          <p:nvPr>
-            <p:ph idx="1"/>
-          </p:nvPr>
-        </p:nvSpPr>
-        <p:spPr>
-          <a:xfrm>
-            <a:off x="457200" y="1981200"/>
-            <a:ext cx="8229600" cy="609600"/>
-          </a:xfrm>
-        </p:spPr>
-        <p:txBody>
-          <a:bodyPr/>
-          <a:lstStyle/>
-          <a:p>
-            <a:r>
-              <a:rPr lang="en-US" dirty="0" smtClean="0"/>
-              <a:t>Optimized for use in an engine</a:t>
-            </a:r>
-            <a:endParaRPr lang="en-US" dirty="0"/>
-          </a:p>
-        </p:txBody>
-      </p:sp>
-      <p:sp>
-        <p:nvSpPr>
-          <p:cNvPr id="4" name="Slide Number Placeholder 3"/>
-          <p:cNvSpPr>
-            <a:spLocks noGrp="1"/>
-          </p:cNvSpPr>
-          <p:nvPr>
-            <p:ph type="sldNum" sz="quarter" idx="12"/>
-          </p:nvPr>
-        </p:nvSpPr>
-        <p:spPr/>
-        <p:txBody>
-          <a:bodyPr/>
-          <a:lstStyle/>
-          <a:p>
-            <a:pPr>
-              <a:defRPr/>
-            </a:pPr>
-            <a:fld id="{FC28735A-D6AA-419A-87B4-83DEEEB2001E}" type="slidenum">
-              <a:rPr lang="en-US" smtClean="0"/>
-              <a:pPr>
-                <a:defRPr/>
-              </a:pPr>
-              <a:t>6</a:t>
             </a:fld>
             <a:endParaRPr lang="en-US"/>
           </a:p>
@@ -18484,8 +19154,49 @@
                 <a:effectLst/>
                 <a:latin typeface="Arial" charset="0"/>
               </a:rPr>
+              <a:t>WebGL</a:t>
+            </a:r>
+          </a:p>
+          <a:p>
+            <a:pPr marL="0" marR="0" indent="0" algn="ctr" defTabSz="914400" rtl="0" eaLnBrk="0" fontAlgn="base" latinLnBrk="0" hangingPunct="0">
+              <a:lnSpc>
+                <a:spcPct val="100000"/>
+              </a:lnSpc>
+              <a:spcBef>
+                <a:spcPct val="0"/>
+              </a:spcBef>
+              <a:spcAft>
+                <a:spcPct val="0"/>
+              </a:spcAft>
+              <a:buClrTx/>
+              <a:buSzTx/>
+              <a:buFontTx/>
+              <a:buNone/>
+              <a:tabLst/>
+            </a:pPr>
+            <a:r>
+              <a:rPr kumimoji="0" lang="en-US" sz="1800" b="0" i="0" u="none" strike="noStrike" cap="none" normalizeH="0" baseline="0" dirty="0" smtClean="0">
+                <a:ln>
+                  <a:noFill/>
+                </a:ln>
+                <a:solidFill>
+                  <a:schemeClr val="tx1"/>
+                </a:solidFill>
+                <a:effectLst/>
+                <a:latin typeface="Arial" charset="0"/>
+              </a:rPr>
               <a:t>Engine</a:t>
             </a:r>
+            <a:endParaRPr kumimoji="0" lang="en-US" sz="1800" b="0" i="0" u="none" strike="noStrike" cap="none" normalizeH="0" baseline="0" dirty="0" smtClean="0">
+              <a:ln>
+                <a:noFill/>
+              </a:ln>
+              <a:solidFill>
+                <a:schemeClr val="tx1"/>
+              </a:solidFill>
+              <a:effectLst/>
+              <a:latin typeface="Arial" charset="0"/>
+            </a:endParaRPr>
           </a:p>
         </p:txBody>
       </p:sp>
@@ -18630,7 +19341,7 @@
 </p:sld>
 </file>
 
-<file path=ppt/slides/slide7.xml><?xml version="1.0" encoding="utf-8"?>
+<file path=ppt/slides/slide6.xml><?xml version="1.0" encoding="utf-8"?>
 <p:sld xmlns:a="http://schemas.openxmlformats.org/drawingml/2006/main" xmlns:r="http://schemas.openxmlformats.org/officeDocument/2006/relationships" xmlns:p="http://schemas.openxmlformats.org/presentationml/2006/main">
   <p:cSld>
     <p:spTree>
@@ -18758,7 +19469,7 @@
               <a:pPr>
                 <a:defRPr/>
               </a:pPr>
-              <a:t>7</a:t>
+              <a:t>6</a:t>
             </a:fld>
             <a:endParaRPr lang="en-US"/>
           </a:p>
@@ -18873,7 +19584,7 @@
 </p:sld>
 </file>
 
-<file path=ppt/slides/slide8.xml><?xml version="1.0" encoding="utf-8"?>
+<file path=ppt/slides/slide7.xml><?xml version="1.0" encoding="utf-8"?>
 <p:sld xmlns:a="http://schemas.openxmlformats.org/drawingml/2006/main" xmlns:r="http://schemas.openxmlformats.org/officeDocument/2006/relationships" xmlns:p="http://schemas.openxmlformats.org/presentationml/2006/main">
   <p:cSld>
     <p:spTree>
@@ -18964,7 +19675,7 @@
               <a:pPr>
                 <a:defRPr/>
               </a:pPr>
-              <a:t>8</a:t>
+              <a:t>7</a:t>
             </a:fld>
             <a:endParaRPr lang="en-US"/>
           </a:p>
@@ -19550,7 +20261,7 @@
 </p:sld>
 </file>
 
-<file path=ppt/slides/slide9.xml><?xml version="1.0" encoding="utf-8"?>
+<file path=ppt/slides/slide8.xml><?xml version="1.0" encoding="utf-8"?>
 <p:sld xmlns:a="http://schemas.openxmlformats.org/drawingml/2006/main" xmlns:r="http://schemas.openxmlformats.org/officeDocument/2006/relationships" xmlns:p="http://schemas.openxmlformats.org/presentationml/2006/main">
   <p:cSld>
     <p:spTree>
@@ -19657,7 +20368,7 @@
               <a:pPr>
                 <a:defRPr/>
               </a:pPr>
-              <a:t>9</a:t>
+              <a:t>8</a:t>
             </a:fld>
             <a:endParaRPr lang="en-US"/>
           </a:p>
@@ -19799,6 +20510,207 @@
     <p:extLst>
       <p:ext uri="{BB962C8B-B14F-4D97-AF65-F5344CB8AC3E}">
         <p14:creationId xmlns:p14="http://schemas.microsoft.com/office/powerpoint/2010/main" val="1816863742"/>
+      </p:ext>
+    </p:extLst>
+  </p:cSld>
+  <p:clrMapOvr>
+    <a:masterClrMapping/>
+  </p:clrMapOvr>
+</p:sld>
+</file>
+
+<file path=ppt/slides/slide9.xml><?xml version="1.0" encoding="utf-8"?>
+<p:sld xmlns:a="http://schemas.openxmlformats.org/drawingml/2006/main" xmlns:r="http://schemas.openxmlformats.org/officeDocument/2006/relationships" xmlns:p="http://schemas.openxmlformats.org/presentationml/2006/main">
+  <p:cSld>
+    <p:spTree>
+      <p:nvGrpSpPr>
+        <p:cNvPr id="1" name=""/>
+        <p:cNvGrpSpPr/>
+        <p:nvPr/>
+      </p:nvGrpSpPr>
+      <p:grpSpPr>
+        <a:xfrm>
+          <a:off x="0" y="0"/>
+          <a:ext cx="0" cy="0"/>
+          <a:chOff x="0" y="0"/>
+          <a:chExt cx="0" cy="0"/>
+        </a:xfrm>
+      </p:grpSpPr>
+      <p:sp>
+        <p:nvSpPr>
+          <p:cNvPr id="2" name="Title 1"/>
+          <p:cNvSpPr>
+            <a:spLocks noGrp="1"/>
+          </p:cNvSpPr>
+          <p:nvPr>
+            <p:ph type="title"/>
+          </p:nvPr>
+        </p:nvSpPr>
+        <p:spPr/>
+        <p:txBody>
+          <a:bodyPr/>
+          <a:lstStyle/>
+          <a:p>
+            <a:r>
+              <a:rPr lang="en-US" dirty="0" smtClean="0"/>
+              <a:t>glTF Goals</a:t>
+            </a:r>
+            <a:endParaRPr lang="en-US" dirty="0"/>
+          </a:p>
+        </p:txBody>
+      </p:sp>
+      <p:sp>
+        <p:nvSpPr>
+          <p:cNvPr id="3" name="Content Placeholder 2"/>
+          <p:cNvSpPr>
+            <a:spLocks noGrp="1"/>
+          </p:cNvSpPr>
+          <p:nvPr>
+            <p:ph idx="1"/>
+          </p:nvPr>
+        </p:nvSpPr>
+        <p:spPr/>
+        <p:txBody>
+          <a:bodyPr/>
+          <a:lstStyle/>
+          <a:p>
+            <a:r>
+              <a:rPr lang="en-US" dirty="0" smtClean="0"/>
+              <a:t>Code, Not Just Spec</a:t>
+            </a:r>
+          </a:p>
+          <a:p>
+            <a:pPr lvl="1"/>
+            <a:r>
+              <a:rPr lang="en-US" dirty="0" smtClean="0"/>
+              <a:t>Content Pipeline is key to adoption</a:t>
+            </a:r>
+          </a:p>
+          <a:p>
+            <a:pPr lvl="1"/>
+            <a:r>
+              <a:rPr lang="en-US" dirty="0" err="1" smtClean="0"/>
+              <a:t>Three.js</a:t>
+            </a:r>
+            <a:r>
+              <a:rPr lang="en-US" dirty="0" smtClean="0"/>
+              <a:t> is key to adoption</a:t>
+            </a:r>
+          </a:p>
+          <a:p>
+            <a:pPr lvl="1"/>
+            <a:r>
+              <a:rPr lang="en-US" dirty="0" smtClean="0"/>
+              <a:t>Implementations are needed for a sane spec</a:t>
+            </a:r>
+          </a:p>
+          <a:p>
+            <a:r>
+              <a:rPr lang="en-US" dirty="0" smtClean="0"/>
+              <a:t>Community</a:t>
+            </a:r>
+          </a:p>
+          <a:p>
+            <a:pPr lvl="1"/>
+            <a:r>
+              <a:rPr lang="en-US" dirty="0" smtClean="0"/>
+              <a:t>Grassroots and transparency</a:t>
+            </a:r>
+          </a:p>
+          <a:p>
+            <a:r>
+              <a:rPr lang="en-US" dirty="0" smtClean="0"/>
+              <a:t>WebGL, OpenGL ES, and OpenGL</a:t>
+            </a:r>
+          </a:p>
+          <a:p>
+            <a:pPr lvl="1"/>
+            <a:r>
+              <a:rPr lang="en-US" dirty="0" smtClean="0"/>
+              <a:t>Initial adoption - WebGL</a:t>
+            </a:r>
+          </a:p>
+          <a:p>
+            <a:endParaRPr lang="en-US" dirty="0" smtClean="0"/>
+          </a:p>
+          <a:p>
+            <a:pPr marL="0" indent="0">
+              <a:buNone/>
+            </a:pPr>
+            <a:endParaRPr lang="en-US" dirty="0"/>
+          </a:p>
+        </p:txBody>
+      </p:sp>
+      <p:sp>
+        <p:nvSpPr>
+          <p:cNvPr id="4" name="Slide Number Placeholder 3"/>
+          <p:cNvSpPr>
+            <a:spLocks noGrp="1"/>
+          </p:cNvSpPr>
+          <p:nvPr>
+            <p:ph type="sldNum" sz="quarter" idx="12"/>
+          </p:nvPr>
+        </p:nvSpPr>
+        <p:spPr/>
+        <p:txBody>
+          <a:bodyPr/>
+          <a:lstStyle/>
+          <a:p>
+            <a:pPr>
+              <a:defRPr/>
+            </a:pPr>
+            <a:fld id="{FC28735A-D6AA-419A-87B4-83DEEEB2001E}" type="slidenum">
+              <a:rPr lang="en-US" smtClean="0"/>
+              <a:pPr>
+                <a:defRPr/>
+              </a:pPr>
+              <a:t>9</a:t>
+            </a:fld>
+            <a:endParaRPr lang="en-US"/>
+          </a:p>
+        </p:txBody>
+      </p:sp>
+      <p:sp>
+        <p:nvSpPr>
+          <p:cNvPr id="7" name="Rectangle 6"/>
+          <p:cNvSpPr/>
+          <p:nvPr/>
+        </p:nvSpPr>
+        <p:spPr>
+          <a:xfrm>
+            <a:off x="131647" y="6073914"/>
+            <a:ext cx="8880706" cy="707886"/>
+          </a:xfrm>
+          <a:prstGeom prst="rect">
+            <a:avLst/>
+          </a:prstGeom>
+        </p:spPr>
+        <p:txBody>
+          <a:bodyPr wrap="none">
+            <a:spAutoFit/>
+          </a:bodyPr>
+          <a:lstStyle/>
+          <a:p>
+            <a:r>
+              <a:rPr lang="en-US" sz="4000" dirty="0">
+                <a:hlinkClick r:id="rId3"/>
+              </a:rPr>
+              <a:t>https://github.com/KhronosGroup/</a:t>
+            </a:r>
+            <a:r>
+              <a:rPr lang="en-US" sz="4000" dirty="0" smtClean="0">
+                <a:hlinkClick r:id="rId3"/>
+              </a:rPr>
+              <a:t>glTF</a:t>
+            </a:r>
+            <a:endParaRPr lang="en-US" sz="4000" dirty="0"/>
+          </a:p>
+        </p:txBody>
+      </p:sp>
+    </p:spTree>
+    <p:extLst>
+      <p:ext uri="{BB962C8B-B14F-4D97-AF65-F5344CB8AC3E}">
+        <p14:creationId xmlns:p14="http://schemas.microsoft.com/office/powerpoint/2010/main" val="1289697648"/>
       </p:ext>
     </p:extLst>
   </p:cSld>

--- a/WebGLContentPipeline/WebGLContentPipelineWithglTF.pptx
+++ b/WebGLContentPipeline/WebGLContentPipelineWithglTF.pptx
@@ -5,10 +5,10 @@
     <p:sldMasterId id="2147483890" r:id="rId1"/>
   </p:sldMasterIdLst>
   <p:notesMasterIdLst>
-    <p:notesMasterId r:id="rId31"/>
+    <p:notesMasterId r:id="rId21"/>
   </p:notesMasterIdLst>
   <p:handoutMasterIdLst>
-    <p:handoutMasterId r:id="rId32"/>
+    <p:handoutMasterId r:id="rId22"/>
   </p:handoutMasterIdLst>
   <p:sldIdLst>
     <p:sldId id="421" r:id="rId2"/>
@@ -21,25 +21,15 @@
     <p:sldId id="457" r:id="rId9"/>
     <p:sldId id="458" r:id="rId10"/>
     <p:sldId id="461" r:id="rId11"/>
-    <p:sldId id="464" r:id="rId12"/>
-    <p:sldId id="433" r:id="rId13"/>
-    <p:sldId id="467" r:id="rId14"/>
-    <p:sldId id="435" r:id="rId15"/>
-    <p:sldId id="438" r:id="rId16"/>
-    <p:sldId id="437" r:id="rId17"/>
-    <p:sldId id="439" r:id="rId18"/>
-    <p:sldId id="440" r:id="rId19"/>
-    <p:sldId id="441" r:id="rId20"/>
-    <p:sldId id="445" r:id="rId21"/>
-    <p:sldId id="436" r:id="rId22"/>
-    <p:sldId id="450" r:id="rId23"/>
-    <p:sldId id="442" r:id="rId24"/>
-    <p:sldId id="443" r:id="rId25"/>
-    <p:sldId id="444" r:id="rId26"/>
-    <p:sldId id="448" r:id="rId27"/>
-    <p:sldId id="465" r:id="rId28"/>
-    <p:sldId id="447" r:id="rId29"/>
-    <p:sldId id="462" r:id="rId30"/>
+    <p:sldId id="433" r:id="rId12"/>
+    <p:sldId id="469" r:id="rId13"/>
+    <p:sldId id="470" r:id="rId14"/>
+    <p:sldId id="471" r:id="rId15"/>
+    <p:sldId id="440" r:id="rId16"/>
+    <p:sldId id="441" r:id="rId17"/>
+    <p:sldId id="447" r:id="rId18"/>
+    <p:sldId id="462" r:id="rId19"/>
+    <p:sldId id="472" r:id="rId20"/>
   </p:sldIdLst>
   <p:sldSz cx="9144000" cy="6858000" type="screen4x3"/>
   <p:notesSz cx="7315200" cy="9601200"/>
@@ -939,13 +929,8 @@
             </a:r>
             <a:r>
               <a:rPr lang="en-US" baseline="0" dirty="0" smtClean="0"/>
-              <a:t> of work engine developers have to do by providing an efficient and extensible format based on JSON and binary blobs, and an open-source content pipeline for creating glTF assets from COLLADA</a:t>
-            </a:r>
-            <a:r>
-              <a:rPr lang="en-US" baseline="0" dirty="0" smtClean="0"/>
-              <a:t>.</a:t>
-            </a:r>
-            <a:endParaRPr lang="en-US" baseline="0" dirty="0" smtClean="0"/>
+              <a:t> of work engine developers have to do by providing an efficient and extensible format based on JSON and binary blobs, and an open-source content pipeline for creating glTF assets from COLLADA.</a:t>
+            </a:r>
           </a:p>
         </p:txBody>
       </p:sp>
@@ -1084,15 +1069,7 @@
             </a:pPr>
             <a:r>
               <a:rPr lang="en-US" baseline="0" dirty="0" smtClean="0"/>
-              <a:t>accessor – subset of bufferView with type info, e.g., float-</a:t>
-            </a:r>
-            <a:r>
-              <a:rPr lang="en-US" baseline="0" dirty="0" smtClean="0"/>
-              <a:t>pointing.  </a:t>
-            </a:r>
-            <a:r>
-              <a:rPr lang="en-US" baseline="0" dirty="0" smtClean="0"/>
-              <a:t>Similar to a call to </a:t>
+              <a:t>accessor – subset of bufferView with type info, e.g., float-pointing.  Similar to </a:t>
             </a:r>
             <a:r>
               <a:rPr lang="en-US" baseline="0" dirty="0" err="1" smtClean="0"/>
@@ -1148,8 +1125,13 @@
             </a:pPr>
             <a:r>
               <a:rPr lang="en-US" baseline="0" dirty="0" smtClean="0"/>
-              <a:t>node – one or more meshes, plus transform, plus children</a:t>
-            </a:r>
+              <a:t>node – one or more meshes, plus transform, plus </a:t>
+            </a:r>
+            <a:r>
+              <a:rPr lang="en-US" baseline="0" dirty="0" smtClean="0"/>
+              <a:t>references to child nodes</a:t>
+            </a:r>
+            <a:endParaRPr lang="en-US" baseline="0" dirty="0" smtClean="0"/>
           </a:p>
           <a:p>
             <a:pPr marL="0" lvl="0" indent="0">
@@ -1254,11 +1236,7 @@
             </a:pPr>
             <a:r>
               <a:rPr lang="en-US" dirty="0" smtClean="0"/>
-              <a:t>technique – parameter inputs (attributes + uniforms) + </a:t>
-            </a:r>
-            <a:r>
-              <a:rPr lang="en-US" dirty="0" smtClean="0"/>
-              <a:t>pass,</a:t>
+              <a:t>technique – parameter inputs (attributes + uniforms) + pass,</a:t>
             </a:r>
             <a:r>
               <a:rPr lang="en-US" baseline="0" dirty="0" smtClean="0"/>
@@ -1266,11 +1244,7 @@
             </a:r>
             <a:r>
               <a:rPr lang="en-US" dirty="0" smtClean="0"/>
-              <a:t> </a:t>
-            </a:r>
-            <a:r>
-              <a:rPr lang="en-US" dirty="0" smtClean="0"/>
-              <a:t>program + render state</a:t>
+              <a:t> program + render state</a:t>
             </a:r>
           </a:p>
           <a:p>
@@ -1280,15 +1254,7 @@
             </a:pPr>
             <a:r>
               <a:rPr lang="en-US" dirty="0" smtClean="0"/>
-              <a:t>material </a:t>
-            </a:r>
-            <a:r>
-              <a:rPr lang="en-US" dirty="0" smtClean="0"/>
-              <a:t>– an instance of a technique.  Overrides parameter </a:t>
-            </a:r>
-            <a:r>
-              <a:rPr lang="en-US" dirty="0" smtClean="0"/>
-              <a:t>inputs.  This is a standard material/technique/pass layout like we see in </a:t>
+              <a:t>material – an instance of a technique.  Overrides parameter inputs.  This is a standard material/technique/pass layout like we see in </a:t>
             </a:r>
             <a:r>
               <a:rPr lang="en-US" dirty="0" err="1" smtClean="0"/>
@@ -1395,11 +1361,7 @@
             </a:pPr>
             <a:r>
               <a:rPr lang="en-US" baseline="0" dirty="0" smtClean="0"/>
-              <a:t>node references skins.  skins reference </a:t>
-            </a:r>
-            <a:r>
-              <a:rPr lang="en-US" baseline="0" dirty="0" smtClean="0"/>
-              <a:t>nodes</a:t>
+              <a:t>node references skins.  skins reference nodes</a:t>
             </a:r>
             <a:endParaRPr lang="en-US" dirty="0" smtClean="0"/>
           </a:p>
@@ -1505,6 +1467,31 @@
           <a:bodyPr/>
           <a:lstStyle/>
           <a:p>
+            <a:r>
+              <a:rPr lang="en-US" dirty="0" smtClean="0"/>
+              <a:t>The content pipeline is code outside the engine that processes and creates the final runtime asset.</a:t>
+            </a:r>
+            <a:r>
+              <a:rPr lang="en-US" baseline="0" dirty="0" smtClean="0"/>
+              <a:t>  In general, this is not usually all coded from scratch.  Instead it is a combination of tools, often in different languages, from different third-parties, e.g., texture compression, mesh compression, </a:t>
+            </a:r>
+            <a:r>
+              <a:rPr lang="en-US" baseline="0" dirty="0" smtClean="0"/>
+              <a:t>etc</a:t>
+            </a:r>
+            <a:r>
+              <a:rPr lang="en-US" baseline="0" dirty="0" smtClean="0"/>
+              <a:t>.</a:t>
+            </a:r>
+          </a:p>
+          <a:p>
+            <a:endParaRPr lang="en-US" baseline="0" dirty="0" smtClean="0"/>
+          </a:p>
+          <a:p>
+            <a:r>
+              <a:rPr lang="en-US" baseline="0" dirty="0" smtClean="0"/>
+              <a:t>For glTF, COLLADA2GLTF is the open-source content pipeline for converting COLLADA to glTF.  As shown in the top pipeline, it can be used alone.  It can also be used with other tools to create a content pipeline.  For example, in NORAD Tracks Santa, we added an optimization stage before COLLADA2GLTF to remove leaf nodes with just transforms that where included in the exported model.</a:t>
+            </a:r>
             <a:endParaRPr lang="en-US" dirty="0"/>
           </a:p>
         </p:txBody>
@@ -1541,7 +1528,7 @@
     </p:spTree>
     <p:extLst>
       <p:ext uri="{BB962C8B-B14F-4D97-AF65-F5344CB8AC3E}">
-        <p14:creationId xmlns:p14="http://schemas.microsoft.com/office/powerpoint/2010/main" val="4208148760"/>
+        <p14:creationId xmlns:p14="http://schemas.microsoft.com/office/powerpoint/2010/main" val="186672020"/>
       </p:ext>
     </p:extLst>
   </p:cSld>
@@ -1597,32 +1584,15 @@
           <a:p>
             <a:r>
               <a:rPr lang="en-US" dirty="0" smtClean="0"/>
-              <a:t>The content pipeline is code outside the engine that creates that processes and creates the final runtime asset.</a:t>
-            </a:r>
-            <a:r>
-              <a:rPr lang="en-US" baseline="0" dirty="0" smtClean="0"/>
-              <a:t>  In general, this is not usually all coded from scratch.  Instead it is a combination of tools, often in different languages, from different third-parties, </a:t>
-            </a:r>
-            <a:r>
-              <a:rPr lang="en-US" baseline="0" dirty="0" smtClean="0"/>
-              <a:t>e.g., texture compression, mesh compression, vertex cache optimize, etc</a:t>
-            </a:r>
-            <a:r>
-              <a:rPr lang="en-US" baseline="0" dirty="0" smtClean="0"/>
-              <a:t>.</a:t>
-            </a:r>
-          </a:p>
-          <a:p>
-            <a:endParaRPr lang="en-US" baseline="0" dirty="0" smtClean="0"/>
-          </a:p>
-          <a:p>
-            <a:r>
-              <a:rPr lang="en-US" baseline="0" dirty="0" smtClean="0"/>
-              <a:t>TODO</a:t>
-            </a:r>
-            <a:r>
-              <a:rPr lang="en-US" baseline="0" smtClean="0"/>
-              <a:t>: finish notes</a:t>
+              <a:t>Binaries for COLLADA2GLTF are on </a:t>
+            </a:r>
+            <a:r>
+              <a:rPr lang="en-US" dirty="0" err="1" smtClean="0"/>
+              <a:t>github</a:t>
+            </a:r>
+            <a:r>
+              <a:rPr lang="en-US" dirty="0" smtClean="0"/>
+              <a:t>.  In the simplest case, we use it by pass the input COLLADA file with the –f argument, which then generates the glTF asset (.json file, .bin file, and .glsl files).</a:t>
             </a:r>
             <a:endParaRPr lang="en-US" dirty="0"/>
           </a:p>
@@ -1660,7 +1630,7 @@
     </p:spTree>
     <p:extLst>
       <p:ext uri="{BB962C8B-B14F-4D97-AF65-F5344CB8AC3E}">
-        <p14:creationId xmlns:p14="http://schemas.microsoft.com/office/powerpoint/2010/main" val="186672020"/>
+        <p14:creationId xmlns:p14="http://schemas.microsoft.com/office/powerpoint/2010/main" val="82700565"/>
       </p:ext>
     </p:extLst>
   </p:cSld>
@@ -1714,6 +1684,14 @@
           <a:bodyPr/>
           <a:lstStyle/>
           <a:p>
+            <a:r>
+              <a:rPr lang="en-US" dirty="0" err="1" smtClean="0"/>
+              <a:t>SketchUp</a:t>
+            </a:r>
+            <a:r>
+              <a:rPr lang="en-US" baseline="0" dirty="0" smtClean="0"/>
+              <a:t> story with one triangle per primitive.</a:t>
+            </a:r>
             <a:endParaRPr lang="en-US" dirty="0"/>
           </a:p>
         </p:txBody>
@@ -1750,7 +1728,7 @@
     </p:spTree>
     <p:extLst>
       <p:ext uri="{BB962C8B-B14F-4D97-AF65-F5344CB8AC3E}">
-        <p14:creationId xmlns:p14="http://schemas.microsoft.com/office/powerpoint/2010/main" val="186672020"/>
+        <p14:creationId xmlns:p14="http://schemas.microsoft.com/office/powerpoint/2010/main" val="2455773791"/>
       </p:ext>
     </p:extLst>
   </p:cSld>
@@ -1806,7 +1784,7 @@
           <a:p>
             <a:r>
               <a:rPr lang="en-US" dirty="0" smtClean="0"/>
-              <a:t>Also, triangle strips/fans to triangles.</a:t>
+              <a:t>Node hierarchy or “scene graph.”</a:t>
             </a:r>
           </a:p>
           <a:p>
@@ -1815,31 +1793,56 @@
           <a:p>
             <a:r>
               <a:rPr lang="en-US" dirty="0" smtClean="0"/>
-              <a:t>For polygons, this only adds</a:t>
+              <a:t>Increases the batch size and, therefore, reduces the number of draw calls.</a:t>
+            </a:r>
+          </a:p>
+          <a:p>
+            <a:endParaRPr lang="en-US" dirty="0" smtClean="0"/>
+          </a:p>
+          <a:p>
+            <a:r>
+              <a:rPr lang="en-US" dirty="0" smtClean="0"/>
+              <a:t>Nodes need the same material (and vertex format, which is implied when they share material).</a:t>
+            </a:r>
+          </a:p>
+          <a:p>
+            <a:endParaRPr lang="en-US" dirty="0" smtClean="0"/>
+          </a:p>
+          <a:p>
+            <a:r>
+              <a:rPr lang="en-US" dirty="0" smtClean="0"/>
+              <a:t>Transform combined meshes into the same coordinate system.  Children have their transform applied when they are combined with their parent.</a:t>
+            </a:r>
+          </a:p>
+          <a:p>
+            <a:endParaRPr lang="en-US" dirty="0" smtClean="0"/>
+          </a:p>
+          <a:p>
+            <a:r>
+              <a:rPr lang="en-US" dirty="0" smtClean="0"/>
+              <a:t>If a node is targeted by an animation, it’s sub-tree can be combined, but it can’t be combined with its parent.</a:t>
+            </a:r>
+          </a:p>
+          <a:p>
+            <a:endParaRPr lang="en-US" dirty="0" smtClean="0"/>
+          </a:p>
+          <a:p>
+            <a:r>
+              <a:rPr lang="en-US" dirty="0" smtClean="0"/>
+              <a:t>Texture atlases</a:t>
             </a:r>
             <a:r>
               <a:rPr lang="en-US" baseline="0" dirty="0" smtClean="0"/>
-              <a:t> indices so the payload increase is not that bad.</a:t>
-            </a:r>
-            <a:endParaRPr lang="en-US" dirty="0" smtClean="0"/>
-          </a:p>
-          <a:p>
-            <a:endParaRPr lang="en-US" dirty="0" smtClean="0"/>
-          </a:p>
-          <a:p>
-            <a:r>
-              <a:rPr lang="en-US" dirty="0" smtClean="0"/>
-              <a:t>Ear clipping.  Accelerate with spatial</a:t>
-            </a:r>
+              <a:t> help nodes have the same material since they share the same texture.</a:t>
+            </a:r>
+          </a:p>
+          <a:p>
+            <a:endParaRPr lang="en-US" baseline="0" dirty="0" smtClean="0"/>
+          </a:p>
+          <a:p>
             <a:r>
               <a:rPr lang="en-US" baseline="0" dirty="0" smtClean="0"/>
-              <a:t> data structure.</a:t>
-            </a:r>
-          </a:p>
-          <a:p>
-            <a:r>
-              <a:rPr lang="en-US" baseline="0" dirty="0" smtClean="0"/>
-              <a:t>Randomized algorithm.  Select random cut.  Split polygon if it doesn’t intersect any edges.</a:t>
+              <a:t>Also reduces the number of meshes and combines buffers as needed.</a:t>
             </a:r>
             <a:endParaRPr lang="en-US" dirty="0"/>
           </a:p>
@@ -1931,144 +1934,150 @@
           <a:bodyPr/>
           <a:lstStyle/>
           <a:p>
+            <a:pPr marL="0" marR="0" indent="0" algn="l" defTabSz="914400" rtl="0" eaLnBrk="0" fontAlgn="base" latinLnBrk="0" hangingPunct="0">
+              <a:lnSpc>
+                <a:spcPct val="100000"/>
+              </a:lnSpc>
+              <a:spcBef>
+                <a:spcPct val="30000"/>
+              </a:spcBef>
+              <a:spcAft>
+                <a:spcPct val="0"/>
+              </a:spcAft>
+              <a:buClrTx/>
+              <a:buSzTx/>
+              <a:buFontTx/>
+              <a:buNone/>
+              <a:tabLst/>
+              <a:defRPr/>
+            </a:pPr>
+            <a:r>
+              <a:rPr lang="en-US" dirty="0" smtClean="0"/>
+              <a:t>For WebGL, especially mobile, compression is important to reduce network bandwidth.  Decompression needs to be fast enough so</a:t>
+            </a:r>
+            <a:r>
+              <a:rPr lang="en-US" baseline="0" dirty="0" smtClean="0"/>
+              <a:t> it doesn’t drown out the bandwidth savings.</a:t>
+            </a:r>
+            <a:endParaRPr lang="en-US" dirty="0" smtClean="0"/>
+          </a:p>
+          <a:p>
+            <a:pPr marL="0" marR="0" indent="0" algn="l" defTabSz="914400" rtl="0" eaLnBrk="0" fontAlgn="base" latinLnBrk="0" hangingPunct="0">
+              <a:lnSpc>
+                <a:spcPct val="100000"/>
+              </a:lnSpc>
+              <a:spcBef>
+                <a:spcPct val="30000"/>
+              </a:spcBef>
+              <a:spcAft>
+                <a:spcPct val="0"/>
+              </a:spcAft>
+              <a:buClrTx/>
+              <a:buSzTx/>
+              <a:buFontTx/>
+              <a:buNone/>
+              <a:tabLst/>
+              <a:defRPr/>
+            </a:pPr>
+            <a:endParaRPr lang="en-US" dirty="0" smtClean="0"/>
+          </a:p>
+          <a:p>
+            <a:pPr marL="0" marR="0" indent="0" algn="l" defTabSz="914400" rtl="0" eaLnBrk="0" fontAlgn="base" latinLnBrk="0" hangingPunct="0">
+              <a:lnSpc>
+                <a:spcPct val="100000"/>
+              </a:lnSpc>
+              <a:spcBef>
+                <a:spcPct val="30000"/>
+              </a:spcBef>
+              <a:spcAft>
+                <a:spcPct val="0"/>
+              </a:spcAft>
+              <a:buClrTx/>
+              <a:buSzTx/>
+              <a:buFontTx/>
+              <a:buNone/>
+              <a:tabLst/>
+              <a:defRPr/>
+            </a:pPr>
+            <a:r>
+              <a:rPr lang="en-US" dirty="0" smtClean="0"/>
+              <a:t>COLLADA2GLTF has optional</a:t>
+            </a:r>
+            <a:r>
+              <a:rPr lang="en-US" baseline="0" dirty="0" smtClean="0"/>
+              <a:t> </a:t>
+            </a:r>
+            <a:r>
+              <a:rPr lang="en-US" dirty="0" smtClean="0"/>
+              <a:t>Open3DGC compression [1], which is O(n)</a:t>
+            </a:r>
+            <a:r>
+              <a:rPr lang="en-US" baseline="0" dirty="0" smtClean="0"/>
+              <a:t> to decompress. </a:t>
+            </a:r>
+            <a:r>
+              <a:rPr lang="en-US" dirty="0" smtClean="0"/>
+              <a:t>Open3DGC is a TFAN compression that creates fans, quantizes, and uses parallelogram prediction.</a:t>
+            </a:r>
+          </a:p>
+          <a:p>
+            <a:pPr marL="0" marR="0" indent="0" algn="l" defTabSz="914400" rtl="0" eaLnBrk="0" fontAlgn="base" latinLnBrk="0" hangingPunct="0">
+              <a:lnSpc>
+                <a:spcPct val="100000"/>
+              </a:lnSpc>
+              <a:spcBef>
+                <a:spcPct val="30000"/>
+              </a:spcBef>
+              <a:spcAft>
+                <a:spcPct val="0"/>
+              </a:spcAft>
+              <a:buClrTx/>
+              <a:buSzTx/>
+              <a:buFontTx/>
+              <a:buNone/>
+              <a:tabLst/>
+              <a:defRPr/>
+            </a:pPr>
+            <a:endParaRPr lang="en-US" dirty="0" smtClean="0"/>
+          </a:p>
+          <a:p>
+            <a:pPr marL="0" marR="0" indent="0" algn="l" defTabSz="914400" rtl="0" eaLnBrk="0" fontAlgn="base" latinLnBrk="0" hangingPunct="0">
+              <a:lnSpc>
+                <a:spcPct val="100000"/>
+              </a:lnSpc>
+              <a:spcBef>
+                <a:spcPct val="30000"/>
+              </a:spcBef>
+              <a:spcAft>
+                <a:spcPct val="0"/>
+              </a:spcAft>
+              <a:buClrTx/>
+              <a:buSzTx/>
+              <a:buFontTx/>
+              <a:buNone/>
+              <a:tabLst/>
+              <a:defRPr/>
+            </a:pPr>
+            <a:r>
+              <a:rPr lang="en-US" dirty="0" smtClean="0"/>
+              <a:t>[1] http</a:t>
+            </a:r>
+            <a:r>
+              <a:rPr lang="en-US" dirty="0" smtClean="0"/>
+              <a:t>://</a:t>
+            </a:r>
             <a:r>
               <a:rPr lang="en-US" dirty="0" err="1" smtClean="0"/>
-              <a:t>Deindexing</a:t>
+              <a:t>kmamou.blogspot.com</a:t>
             </a:r>
             <a:r>
               <a:rPr lang="en-US" dirty="0" smtClean="0"/>
-              <a:t> reduces the about of index data but can increase the amount of vertex data.  A single set of indices is required for </a:t>
-            </a:r>
-            <a:r>
-              <a:rPr lang="en-US" dirty="0" err="1" smtClean="0"/>
-              <a:t>glDrawElements</a:t>
+              <a:t>/2013/07/open-3d-graphics-compression-</a:t>
             </a:r>
             <a:r>
               <a:rPr lang="en-US" dirty="0" smtClean="0"/>
-              <a:t> and</a:t>
-            </a:r>
-            <a:r>
-              <a:rPr lang="en-US" baseline="0" dirty="0" smtClean="0"/>
-              <a:t> friends</a:t>
-            </a:r>
-            <a:r>
-              <a:rPr lang="en-US" dirty="0" smtClean="0"/>
-              <a:t>.</a:t>
-            </a:r>
-          </a:p>
-          <a:p>
-            <a:endParaRPr lang="en-US" dirty="0" smtClean="0"/>
-          </a:p>
-          <a:p>
-            <a:r>
-              <a:rPr lang="en-US" dirty="0" smtClean="0"/>
-              <a:t>Example here is one side of a box.  It is 2 triangles with one normal.  </a:t>
-            </a:r>
-            <a:r>
-              <a:rPr lang="en-US" dirty="0" err="1" smtClean="0"/>
-              <a:t>Deindexing</a:t>
-            </a:r>
-            <a:r>
-              <a:rPr lang="en-US" dirty="0" smtClean="0"/>
-              <a:t> requires duplicating the normals.</a:t>
-            </a:r>
-          </a:p>
-          <a:p>
-            <a:endParaRPr lang="en-US" dirty="0" smtClean="0"/>
-          </a:p>
-          <a:p>
-            <a:r>
-              <a:rPr lang="en-US" dirty="0" smtClean="0"/>
-              <a:t>This example:</a:t>
-            </a:r>
-          </a:p>
-          <a:p>
-            <a:r>
-              <a:rPr lang="en-US" dirty="0" smtClean="0"/>
-              <a:t>Before:</a:t>
-            </a:r>
-          </a:p>
-          <a:p>
-            <a:r>
-              <a:rPr lang="en-US" dirty="0" smtClean="0"/>
-              <a:t>Vertex</a:t>
-            </a:r>
-            <a:r>
-              <a:rPr lang="en-US" baseline="0" dirty="0" smtClean="0"/>
-              <a:t> data: 16 + 4 = 20</a:t>
-            </a:r>
-          </a:p>
-          <a:p>
-            <a:r>
-              <a:rPr lang="en-US" baseline="0" dirty="0" smtClean="0"/>
-              <a:t>Index data: 12 +12 = 24</a:t>
-            </a:r>
-          </a:p>
-          <a:p>
-            <a:r>
-              <a:rPr lang="en-US" baseline="0" dirty="0" smtClean="0"/>
-              <a:t>Total: 44</a:t>
-            </a:r>
-          </a:p>
-          <a:p>
-            <a:endParaRPr lang="en-US" baseline="0" dirty="0" smtClean="0"/>
-          </a:p>
-          <a:p>
-            <a:r>
-              <a:rPr lang="en-US" baseline="0" dirty="0" smtClean="0"/>
-              <a:t>After:</a:t>
-            </a:r>
-          </a:p>
-          <a:p>
-            <a:r>
-              <a:rPr lang="en-US" baseline="0" dirty="0" smtClean="0"/>
-              <a:t>Vertex data: 16 + 16 = 32</a:t>
-            </a:r>
-          </a:p>
-          <a:p>
-            <a:r>
-              <a:rPr lang="en-US" baseline="0" dirty="0" smtClean="0"/>
-              <a:t>Index data: 12</a:t>
-            </a:r>
-          </a:p>
-          <a:p>
-            <a:r>
-              <a:rPr lang="en-US" baseline="0" dirty="0" smtClean="0"/>
-              <a:t>Total: 46</a:t>
-            </a:r>
-          </a:p>
-          <a:p>
-            <a:endParaRPr lang="en-US" baseline="0" dirty="0" smtClean="0"/>
-          </a:p>
-          <a:p>
-            <a:r>
-              <a:rPr lang="en-US" baseline="0" dirty="0" smtClean="0"/>
-              <a:t>If most attributes are unique (not shared by multiple vertices), </a:t>
-            </a:r>
-            <a:r>
-              <a:rPr lang="en-US" baseline="0" dirty="0" err="1" smtClean="0"/>
-              <a:t>deindexing</a:t>
-            </a:r>
-            <a:r>
-              <a:rPr lang="en-US" baseline="0" dirty="0" smtClean="0"/>
-              <a:t> can decrease the size.</a:t>
-            </a:r>
-          </a:p>
-          <a:p>
-            <a:endParaRPr lang="en-US" baseline="0" dirty="0" smtClean="0"/>
-          </a:p>
-          <a:p>
-            <a:r>
-              <a:rPr lang="en-US" baseline="0" smtClean="0"/>
-              <a:t>* See </a:t>
-            </a:r>
-            <a:r>
-              <a:rPr lang="en-US" baseline="0" dirty="0" smtClean="0"/>
-              <a:t>“Indexing Multiple Vertex Arrays” in OpenGL Insights.  Chapter 26.</a:t>
-            </a:r>
-          </a:p>
-          <a:p>
-            <a:endParaRPr lang="en-US" dirty="0"/>
+              <a:t>open3dgc.html</a:t>
+            </a:r>
           </a:p>
         </p:txBody>
       </p:sp>
@@ -2104,7 +2113,7 @@
     </p:spTree>
     <p:extLst>
       <p:ext uri="{BB962C8B-B14F-4D97-AF65-F5344CB8AC3E}">
-        <p14:creationId xmlns:p14="http://schemas.microsoft.com/office/powerpoint/2010/main" val="2669552986"/>
+        <p14:creationId xmlns:p14="http://schemas.microsoft.com/office/powerpoint/2010/main" val="2034918674"/>
       </p:ext>
     </p:extLst>
   </p:cSld>
@@ -2160,65 +2169,27 @@
           <a:p>
             <a:r>
               <a:rPr lang="en-US" dirty="0" smtClean="0"/>
-              <a:t>Node hierarchy or “scene graph.”</a:t>
-            </a:r>
-          </a:p>
-          <a:p>
-            <a:endParaRPr lang="en-US" dirty="0" smtClean="0"/>
-          </a:p>
-          <a:p>
+              <a:t>Here, the best results are the use Open3DGC ASCII (</a:t>
+            </a:r>
+            <a:r>
+              <a:rPr lang="en-US" dirty="0" err="1" smtClean="0"/>
+              <a:t>gzipped</a:t>
+            </a:r>
             <a:r>
               <a:rPr lang="en-US" dirty="0" smtClean="0"/>
-              <a:t>Increases the batch size and, therefore, reduces the number of draw calls.</a:t>
-            </a:r>
-          </a:p>
-          <a:p>
-            <a:endParaRPr lang="en-US" dirty="0" smtClean="0"/>
-          </a:p>
-          <a:p>
-            <a:r>
-              <a:rPr lang="en-US" dirty="0" smtClean="0"/>
-              <a:t>Nodes need the same material (and vertex format, which is implied when they share material).</a:t>
-            </a:r>
-          </a:p>
-          <a:p>
-            <a:endParaRPr lang="en-US" dirty="0" smtClean="0"/>
-          </a:p>
-          <a:p>
-            <a:r>
-              <a:rPr lang="en-US" dirty="0" smtClean="0"/>
-              <a:t>Transform combined meshes into the same coordinate system.  Children have their transform applied when they are combined with their parent.</a:t>
-            </a:r>
-          </a:p>
-          <a:p>
-            <a:endParaRPr lang="en-US" dirty="0" smtClean="0"/>
-          </a:p>
-          <a:p>
-            <a:r>
-              <a:rPr lang="en-US" dirty="0" smtClean="0"/>
-              <a:t>If a node is targeted by an animation, it’s sub-tree can be combined, but it can’t be combined with its parent.</a:t>
-            </a:r>
-          </a:p>
-          <a:p>
-            <a:endParaRPr lang="en-US" dirty="0" smtClean="0"/>
-          </a:p>
-          <a:p>
-            <a:r>
-              <a:rPr lang="en-US" dirty="0" smtClean="0"/>
-              <a:t>Texture atlases</a:t>
+              <a:t>), which can be ~4x</a:t>
             </a:r>
             <a:r>
               <a:rPr lang="en-US" baseline="0" dirty="0" smtClean="0"/>
-              <a:t> help nodes have the same material since they share the same texture.</a:t>
-            </a:r>
-          </a:p>
-          <a:p>
-            <a:endParaRPr lang="en-US" baseline="0" dirty="0" smtClean="0"/>
-          </a:p>
-          <a:p>
+              <a:t> smaller than glTF alone (</a:t>
+            </a:r>
+            <a:r>
+              <a:rPr lang="en-US" baseline="0" dirty="0" err="1" smtClean="0"/>
+              <a:t>gzipped</a:t>
+            </a:r>
             <a:r>
               <a:rPr lang="en-US" baseline="0" dirty="0" smtClean="0"/>
-              <a:t>Also reduces the number of meshes and combines buffers as needed.</a:t>
+              <a:t>).</a:t>
             </a:r>
             <a:endParaRPr lang="en-US" dirty="0"/>
           </a:p>
@@ -2256,7 +2227,7 @@
     </p:spTree>
     <p:extLst>
       <p:ext uri="{BB962C8B-B14F-4D97-AF65-F5344CB8AC3E}">
-        <p14:creationId xmlns:p14="http://schemas.microsoft.com/office/powerpoint/2010/main" val="2669552986"/>
+        <p14:creationId xmlns:p14="http://schemas.microsoft.com/office/powerpoint/2010/main" val="1814129139"/>
       </p:ext>
     </p:extLst>
   </p:cSld>
@@ -2310,40 +2281,7 @@
           <a:bodyPr/>
           <a:lstStyle/>
           <a:p>
-            <a:r>
-              <a:rPr lang="en-US" dirty="0" smtClean="0"/>
-              <a:t>Needs to duplicate some vertices.</a:t>
-            </a:r>
-          </a:p>
-          <a:p>
-            <a:endParaRPr lang="en-US" dirty="0" smtClean="0"/>
-          </a:p>
-          <a:p>
-            <a:r>
-              <a:rPr lang="en-US" dirty="0" smtClean="0"/>
-              <a:t>Without extensions,</a:t>
-            </a:r>
-            <a:r>
-              <a:rPr lang="en-US" baseline="0" dirty="0" smtClean="0"/>
-              <a:t> this is n</a:t>
-            </a:r>
-            <a:r>
-              <a:rPr lang="en-US" dirty="0" smtClean="0"/>
-              <a:t>eeded for WebGL 2 and OpenGL ES 2.  The unsigned </a:t>
-            </a:r>
-            <a:r>
-              <a:rPr lang="en-US" dirty="0" err="1" smtClean="0"/>
-              <a:t>int</a:t>
-            </a:r>
-            <a:r>
-              <a:rPr lang="en-US" dirty="0" smtClean="0"/>
-              <a:t> extension</a:t>
-            </a:r>
-            <a:r>
-              <a:rPr lang="en-US" baseline="0" dirty="0" smtClean="0"/>
-              <a:t> is widely supported, and although it uses more memory and potentially contributes to cache pollution, I have not noticed a performance hit, and it allows for larger batches.</a:t>
-            </a:r>
-            <a:endParaRPr lang="en-US" dirty="0"/>
+            <a:endParaRPr lang="en-US"/>
           </a:p>
         </p:txBody>
       </p:sp>
@@ -2379,7 +2317,7 @@
     </p:spTree>
     <p:extLst>
       <p:ext uri="{BB962C8B-B14F-4D97-AF65-F5344CB8AC3E}">
-        <p14:creationId xmlns:p14="http://schemas.microsoft.com/office/powerpoint/2010/main" val="2669552986"/>
+        <p14:creationId xmlns:p14="http://schemas.microsoft.com/office/powerpoint/2010/main" val="415749413"/>
       </p:ext>
     </p:extLst>
   </p:cSld>
@@ -2451,144 +2389,24 @@
               <a:defRPr/>
             </a:pPr>
             <a:r>
+              <a:rPr lang="en-US" dirty="0" err="1" smtClean="0"/>
+              <a:t>Khronos</a:t>
+            </a:r>
+            <a:r>
               <a:rPr lang="en-US" dirty="0" smtClean="0"/>
-              <a:t>Need to consider decompression time along with the payload savings.</a:t>
-            </a:r>
-          </a:p>
-          <a:p>
-            <a:pPr marL="0" marR="0" indent="0" algn="l" defTabSz="914400" rtl="0" eaLnBrk="0" fontAlgn="base" latinLnBrk="0" hangingPunct="0">
-              <a:lnSpc>
-                <a:spcPct val="100000"/>
-              </a:lnSpc>
-              <a:spcBef>
-                <a:spcPct val="30000"/>
-              </a:spcBef>
-              <a:spcAft>
-                <a:spcPct val="0"/>
-              </a:spcAft>
-              <a:buClrTx/>
-              <a:buSzTx/>
-              <a:buFontTx/>
-              <a:buNone/>
-              <a:tabLst/>
-              <a:defRPr/>
-            </a:pPr>
-            <a:endParaRPr lang="en-US" dirty="0" smtClean="0"/>
-          </a:p>
-          <a:p>
-            <a:pPr marL="0" marR="0" indent="0" algn="l" defTabSz="914400" rtl="0" eaLnBrk="0" fontAlgn="base" latinLnBrk="0" hangingPunct="0">
-              <a:lnSpc>
-                <a:spcPct val="100000"/>
-              </a:lnSpc>
-              <a:spcBef>
-                <a:spcPct val="30000"/>
-              </a:spcBef>
-              <a:spcAft>
-                <a:spcPct val="0"/>
-              </a:spcAft>
-              <a:buClrTx/>
-              <a:buSzTx/>
-              <a:buFontTx/>
-              <a:buNone/>
-              <a:tabLst/>
-              <a:defRPr/>
-            </a:pPr>
+              <a:t> logos from http://</a:t>
+            </a:r>
+            <a:r>
+              <a:rPr lang="en-US" dirty="0" err="1" smtClean="0"/>
+              <a:t>www.khronos.org</a:t>
+            </a:r>
             <a:r>
               <a:rPr lang="en-US" dirty="0" smtClean="0"/>
-              <a:t>Open3DGC – http://</a:t>
-            </a:r>
-            <a:r>
-              <a:rPr lang="en-US" dirty="0" err="1" smtClean="0"/>
-              <a:t>kmamou.blogspot.com</a:t>
-            </a:r>
-            <a:r>
-              <a:rPr lang="en-US" dirty="0" smtClean="0"/>
-              <a:t>/2013/07/open-3d-graphics-compression-open3dgc.html</a:t>
-            </a:r>
-          </a:p>
-          <a:p>
-            <a:pPr marL="0" marR="0" indent="0" algn="l" defTabSz="914400" rtl="0" eaLnBrk="0" fontAlgn="base" latinLnBrk="0" hangingPunct="0">
-              <a:lnSpc>
-                <a:spcPct val="100000"/>
-              </a:lnSpc>
-              <a:spcBef>
-                <a:spcPct val="30000"/>
-              </a:spcBef>
-              <a:spcAft>
-                <a:spcPct val="0"/>
-              </a:spcAft>
-              <a:buClrTx/>
-              <a:buSzTx/>
-              <a:buFontTx/>
-              <a:buNone/>
-              <a:tabLst/>
-              <a:defRPr/>
-            </a:pPr>
-            <a:r>
-              <a:rPr lang="en-US" dirty="0" smtClean="0"/>
-              <a:t>TFAN – fans, quantize, parallelogram predict, O(n) </a:t>
-            </a:r>
-            <a:r>
-              <a:rPr lang="en-US" dirty="0" err="1" smtClean="0"/>
-              <a:t>wrt</a:t>
-            </a:r>
-            <a:r>
-              <a:rPr lang="en-US" baseline="0" dirty="0" smtClean="0"/>
-              <a:t> vertices to decompress.</a:t>
-            </a:r>
-            <a:endParaRPr lang="en-US" dirty="0" smtClean="0"/>
-          </a:p>
-          <a:p>
-            <a:pPr marL="0" marR="0" indent="0" algn="l" defTabSz="914400" rtl="0" eaLnBrk="0" fontAlgn="base" latinLnBrk="0" hangingPunct="0">
-              <a:lnSpc>
-                <a:spcPct val="100000"/>
-              </a:lnSpc>
-              <a:spcBef>
-                <a:spcPct val="30000"/>
-              </a:spcBef>
-              <a:spcAft>
-                <a:spcPct val="0"/>
-              </a:spcAft>
-              <a:buClrTx/>
-              <a:buSzTx/>
-              <a:buFontTx/>
-              <a:buNone/>
-              <a:tabLst/>
-              <a:defRPr/>
-            </a:pPr>
-            <a:endParaRPr lang="en-US" dirty="0" smtClean="0"/>
-          </a:p>
-          <a:p>
-            <a:pPr marL="0" marR="0" indent="0" algn="l" defTabSz="914400" rtl="0" eaLnBrk="0" fontAlgn="base" latinLnBrk="0" hangingPunct="0">
-              <a:lnSpc>
-                <a:spcPct val="100000"/>
-              </a:lnSpc>
-              <a:spcBef>
-                <a:spcPct val="30000"/>
-              </a:spcBef>
-              <a:spcAft>
-                <a:spcPct val="0"/>
-              </a:spcAft>
-              <a:buClrTx/>
-              <a:buSzTx/>
-              <a:buFontTx/>
-              <a:buNone/>
-              <a:tabLst/>
-              <a:defRPr/>
-            </a:pPr>
-            <a:r>
-              <a:rPr lang="en-US" dirty="0" smtClean="0"/>
-              <a:t>These transform tricks also apply to animation data.</a:t>
-            </a:r>
-          </a:p>
-          <a:p>
-            <a:endParaRPr lang="en-US" dirty="0" smtClean="0"/>
-          </a:p>
-          <a:p>
-            <a:r>
-              <a:rPr lang="en-US" dirty="0" smtClean="0"/>
-              <a:t>Also see “WebGL Models: End-to-End” in OpenGL Insights (Chapter 30).</a:t>
-            </a:r>
+              <a:t>/legal/trademarks/</a:t>
+            </a:r>
+          </a:p>
+          <a:p>
+            <a:endParaRPr lang="en-US" dirty="0"/>
           </a:p>
         </p:txBody>
       </p:sp>
@@ -2624,7 +2442,7 @@
     </p:spTree>
     <p:extLst>
       <p:ext uri="{BB962C8B-B14F-4D97-AF65-F5344CB8AC3E}">
-        <p14:creationId xmlns:p14="http://schemas.microsoft.com/office/powerpoint/2010/main" val="2034918674"/>
+        <p14:creationId xmlns:p14="http://schemas.microsoft.com/office/powerpoint/2010/main" val="1684194221"/>
       </p:ext>
     </p:extLst>
   </p:cSld>
@@ -2678,22 +2496,6 @@
           <a:bodyPr/>
           <a:lstStyle/>
           <a:p>
-            <a:r>
-              <a:rPr lang="en-US" dirty="0" smtClean="0"/>
-              <a:t>Slide</a:t>
-            </a:r>
-            <a:r>
-              <a:rPr lang="en-US" baseline="0" dirty="0" smtClean="0"/>
-              <a:t> from https://</a:t>
-            </a:r>
-            <a:r>
-              <a:rPr lang="en-US" baseline="0" dirty="0" err="1" smtClean="0"/>
-              <a:t>www.khronos.org</a:t>
-            </a:r>
-            <a:r>
-              <a:rPr lang="en-US" baseline="0" dirty="0" smtClean="0"/>
-              <a:t>/assets/uploads/developers/library/2013-siggraph-collada-bof/COLLADA-BOF_SIGGRAPH-2013.pdf</a:t>
-            </a:r>
             <a:endParaRPr lang="en-US" dirty="0"/>
           </a:p>
         </p:txBody>
@@ -2730,7 +2532,7 @@
     </p:spTree>
     <p:extLst>
       <p:ext uri="{BB962C8B-B14F-4D97-AF65-F5344CB8AC3E}">
-        <p14:creationId xmlns:p14="http://schemas.microsoft.com/office/powerpoint/2010/main" val="1814129139"/>
+        <p14:creationId xmlns:p14="http://schemas.microsoft.com/office/powerpoint/2010/main" val="4208148760"/>
       </p:ext>
     </p:extLst>
   </p:cSld>
@@ -2786,11 +2588,31 @@
           <a:p>
             <a:r>
               <a:rPr lang="en-US" dirty="0" smtClean="0"/>
-              <a:t>We’ll briefly talk about the differences between interchange and runtime formats.  Then, we’ll look at the design goals of glTF and some examples of the schema.  Finally, we’ll look at the open-source</a:t>
+              <a:t>We’ll briefly talk about the differences between interchange and runtime formats.  Then, we’ll look at the design goals of glTF and some examples of the schema.  </a:t>
+            </a:r>
+            <a:r>
+              <a:rPr lang="en-US" dirty="0" smtClean="0"/>
+              <a:t>Finally, </a:t>
+            </a:r>
+            <a:r>
+              <a:rPr lang="en-US" dirty="0" smtClean="0"/>
+              <a:t>we’ll look at the open-source</a:t>
             </a:r>
             <a:r>
               <a:rPr lang="en-US" baseline="0" dirty="0" smtClean="0"/>
-              <a:t> tools and pipeline stages to convert a COLLADA asset to glTF.</a:t>
+              <a:t> tools and pipeline stages to convert </a:t>
+            </a:r>
+            <a:r>
+              <a:rPr lang="en-US" baseline="0" dirty="0" smtClean="0"/>
+              <a:t>COLLADA assets to </a:t>
+            </a:r>
+            <a:r>
+              <a:rPr lang="en-US" baseline="0" dirty="0" smtClean="0"/>
+              <a:t>glTF</a:t>
+            </a:r>
+            <a:r>
+              <a:rPr lang="en-US" baseline="0" dirty="0" smtClean="0"/>
+              <a:t>.</a:t>
             </a:r>
             <a:endParaRPr lang="en-US" dirty="0"/>
           </a:p>
@@ -2829,1593 +2651,6 @@
     <p:extLst>
       <p:ext uri="{BB962C8B-B14F-4D97-AF65-F5344CB8AC3E}">
         <p14:creationId xmlns:p14="http://schemas.microsoft.com/office/powerpoint/2010/main" val="529066349"/>
-      </p:ext>
-    </p:extLst>
-  </p:cSld>
-  <p:clrMapOvr>
-    <a:masterClrMapping/>
-  </p:clrMapOvr>
-</p:notes>
-</file>
-
-<file path=ppt/notesSlides/notesSlide20.xml><?xml version="1.0" encoding="utf-8"?>
-<p:notes xmlns:a="http://schemas.openxmlformats.org/drawingml/2006/main" xmlns:r="http://schemas.openxmlformats.org/officeDocument/2006/relationships" xmlns:p="http://schemas.openxmlformats.org/presentationml/2006/main">
-  <p:cSld>
-    <p:spTree>
-      <p:nvGrpSpPr>
-        <p:cNvPr id="1" name=""/>
-        <p:cNvGrpSpPr/>
-        <p:nvPr/>
-      </p:nvGrpSpPr>
-      <p:grpSpPr>
-        <a:xfrm>
-          <a:off x="0" y="0"/>
-          <a:ext cx="0" cy="0"/>
-          <a:chOff x="0" y="0"/>
-          <a:chExt cx="0" cy="0"/>
-        </a:xfrm>
-      </p:grpSpPr>
-      <p:sp>
-        <p:nvSpPr>
-          <p:cNvPr id="2" name="Slide Image Placeholder 1"/>
-          <p:cNvSpPr>
-            <a:spLocks noGrp="1" noRot="1" noChangeAspect="1"/>
-          </p:cNvSpPr>
-          <p:nvPr>
-            <p:ph type="sldImg"/>
-          </p:nvPr>
-        </p:nvSpPr>
-        <p:spPr/>
-      </p:sp>
-      <p:sp>
-        <p:nvSpPr>
-          <p:cNvPr id="3" name="Notes Placeholder 2"/>
-          <p:cNvSpPr>
-            <a:spLocks noGrp="1"/>
-          </p:cNvSpPr>
-          <p:nvPr>
-            <p:ph type="body" idx="1"/>
-          </p:nvPr>
-        </p:nvSpPr>
-        <p:spPr/>
-        <p:txBody>
-          <a:bodyPr/>
-          <a:lstStyle/>
-          <a:p>
-            <a:r>
-              <a:rPr lang="en-US" dirty="0" smtClean="0"/>
-              <a:t>Vertex clustering from my master’s thesis is shown here.</a:t>
-            </a:r>
-          </a:p>
-          <a:p>
-            <a:endParaRPr lang="en-US" dirty="0" smtClean="0"/>
-          </a:p>
-          <a:p>
-            <a:r>
-              <a:rPr lang="en-US" dirty="0" smtClean="0"/>
-              <a:t>QEM is most popular.</a:t>
-            </a:r>
-          </a:p>
-          <a:p>
-            <a:endParaRPr lang="en-US" dirty="0" smtClean="0"/>
-          </a:p>
-          <a:p>
-            <a:r>
-              <a:rPr lang="en-US" dirty="0" smtClean="0"/>
-              <a:t>Many games are not using geometric LOD on their characters.</a:t>
-            </a:r>
-          </a:p>
-          <a:p>
-            <a:endParaRPr lang="en-US" dirty="0" smtClean="0"/>
-          </a:p>
-          <a:p>
-            <a:r>
-              <a:rPr lang="en-US" dirty="0" smtClean="0"/>
-              <a:t>Many generate different models for different platforms – mobile vs. console vs. desktop.</a:t>
-            </a:r>
-            <a:endParaRPr lang="en-US" dirty="0"/>
-          </a:p>
-        </p:txBody>
-      </p:sp>
-      <p:sp>
-        <p:nvSpPr>
-          <p:cNvPr id="4" name="Slide Number Placeholder 3"/>
-          <p:cNvSpPr>
-            <a:spLocks noGrp="1"/>
-          </p:cNvSpPr>
-          <p:nvPr>
-            <p:ph type="sldNum" sz="quarter" idx="10"/>
-          </p:nvPr>
-        </p:nvSpPr>
-        <p:spPr/>
-        <p:txBody>
-          <a:bodyPr/>
-          <a:lstStyle/>
-          <a:p>
-            <a:pPr>
-              <a:defRPr/>
-            </a:pPr>
-            <a:fld id="{61388809-6B81-4C55-A44B-C841547B66BA}" type="slidenum">
-              <a:rPr lang="en-US" smtClean="0"/>
-              <a:pPr>
-                <a:defRPr/>
-              </a:pPr>
-              <a:t>20</a:t>
-            </a:fld>
-            <a:endParaRPr lang="en-US"/>
-          </a:p>
-        </p:txBody>
-      </p:sp>
-    </p:spTree>
-    <p:extLst>
-      <p:ext uri="{BB962C8B-B14F-4D97-AF65-F5344CB8AC3E}">
-        <p14:creationId xmlns:p14="http://schemas.microsoft.com/office/powerpoint/2010/main" val="2669552986"/>
-      </p:ext>
-    </p:extLst>
-  </p:cSld>
-  <p:clrMapOvr>
-    <a:masterClrMapping/>
-  </p:clrMapOvr>
-</p:notes>
-</file>
-
-<file path=ppt/notesSlides/notesSlide21.xml><?xml version="1.0" encoding="utf-8"?>
-<p:notes xmlns:a="http://schemas.openxmlformats.org/drawingml/2006/main" xmlns:r="http://schemas.openxmlformats.org/officeDocument/2006/relationships" xmlns:p="http://schemas.openxmlformats.org/presentationml/2006/main">
-  <p:cSld>
-    <p:spTree>
-      <p:nvGrpSpPr>
-        <p:cNvPr id="1" name=""/>
-        <p:cNvGrpSpPr/>
-        <p:nvPr/>
-      </p:nvGrpSpPr>
-      <p:grpSpPr>
-        <a:xfrm>
-          <a:off x="0" y="0"/>
-          <a:ext cx="0" cy="0"/>
-          <a:chOff x="0" y="0"/>
-          <a:chExt cx="0" cy="0"/>
-        </a:xfrm>
-      </p:grpSpPr>
-      <p:sp>
-        <p:nvSpPr>
-          <p:cNvPr id="2" name="Slide Image Placeholder 1"/>
-          <p:cNvSpPr>
-            <a:spLocks noGrp="1" noRot="1" noChangeAspect="1"/>
-          </p:cNvSpPr>
-          <p:nvPr>
-            <p:ph type="sldImg"/>
-          </p:nvPr>
-        </p:nvSpPr>
-        <p:spPr/>
-      </p:sp>
-      <p:sp>
-        <p:nvSpPr>
-          <p:cNvPr id="3" name="Notes Placeholder 2"/>
-          <p:cNvSpPr>
-            <a:spLocks noGrp="1"/>
-          </p:cNvSpPr>
-          <p:nvPr>
-            <p:ph type="body" idx="1"/>
-          </p:nvPr>
-        </p:nvSpPr>
-        <p:spPr/>
-        <p:txBody>
-          <a:bodyPr/>
-          <a:lstStyle/>
-          <a:p>
-            <a:r>
-              <a:rPr lang="en-US" dirty="0" smtClean="0"/>
-              <a:t>Vertex cache optimization</a:t>
-            </a:r>
-          </a:p>
-          <a:p>
-            <a:r>
-              <a:rPr lang="en-US" dirty="0" smtClean="0"/>
-              <a:t>* http://</a:t>
-            </a:r>
-            <a:r>
-              <a:rPr lang="en-US" dirty="0" err="1" smtClean="0"/>
-              <a:t>home.comcast.net</a:t>
-            </a:r>
-            <a:r>
-              <a:rPr lang="en-US" dirty="0" smtClean="0"/>
-              <a:t>/~</a:t>
-            </a:r>
-            <a:r>
-              <a:rPr lang="en-US" dirty="0" err="1" smtClean="0"/>
-              <a:t>tom_forsyth</a:t>
-            </a:r>
-            <a:r>
-              <a:rPr lang="en-US" dirty="0" smtClean="0"/>
-              <a:t>/papers/</a:t>
-            </a:r>
-            <a:r>
-              <a:rPr lang="en-US" dirty="0" err="1" smtClean="0"/>
-              <a:t>fast_vert_cache_opt.html</a:t>
-            </a:r>
-            <a:endParaRPr lang="en-US" dirty="0" smtClean="0"/>
-          </a:p>
-          <a:p>
-            <a:pPr marL="0" indent="0">
-              <a:buFontTx/>
-              <a:buNone/>
-            </a:pPr>
-            <a:r>
-              <a:rPr lang="en-US" dirty="0" smtClean="0"/>
-              <a:t>* http://</a:t>
-            </a:r>
-            <a:r>
-              <a:rPr lang="en-US" dirty="0" err="1" smtClean="0"/>
-              <a:t>gfx.cs.princeton.edu</a:t>
-            </a:r>
-            <a:r>
-              <a:rPr lang="en-US" dirty="0" smtClean="0"/>
-              <a:t>/pubs/Sander_2007_%3ETR/</a:t>
-            </a:r>
-          </a:p>
-          <a:p>
-            <a:pPr marL="171450" indent="-171450">
-              <a:buFontTx/>
-              <a:buChar char="•"/>
-            </a:pPr>
-            <a:endParaRPr lang="en-US" dirty="0" smtClean="0"/>
-          </a:p>
-          <a:p>
-            <a:r>
-              <a:rPr lang="en-US" dirty="0" smtClean="0"/>
-              <a:t>Interleaving – see Chapter 3 - http://</a:t>
-            </a:r>
-            <a:r>
-              <a:rPr lang="en-US" dirty="0" err="1" smtClean="0"/>
-              <a:t>www.sci.utah.edu</a:t>
-            </a:r>
-            <a:r>
-              <a:rPr lang="en-US" dirty="0" smtClean="0"/>
-              <a:t>/~</a:t>
-            </a:r>
-            <a:r>
-              <a:rPr lang="en-US" dirty="0" err="1" smtClean="0"/>
-              <a:t>csilva</a:t>
-            </a:r>
-            <a:r>
-              <a:rPr lang="en-US" dirty="0" smtClean="0"/>
-              <a:t>/papers/thesis/</a:t>
-            </a:r>
-            <a:r>
-              <a:rPr lang="en-US" dirty="0" err="1" smtClean="0"/>
-              <a:t>louis-bavoil-ms-thesis.pdf</a:t>
-            </a:r>
-            <a:endParaRPr lang="en-US" dirty="0"/>
-          </a:p>
-        </p:txBody>
-      </p:sp>
-      <p:sp>
-        <p:nvSpPr>
-          <p:cNvPr id="4" name="Slide Number Placeholder 3"/>
-          <p:cNvSpPr>
-            <a:spLocks noGrp="1"/>
-          </p:cNvSpPr>
-          <p:nvPr>
-            <p:ph type="sldNum" sz="quarter" idx="10"/>
-          </p:nvPr>
-        </p:nvSpPr>
-        <p:spPr/>
-        <p:txBody>
-          <a:bodyPr/>
-          <a:lstStyle/>
-          <a:p>
-            <a:pPr>
-              <a:defRPr/>
-            </a:pPr>
-            <a:fld id="{61388809-6B81-4C55-A44B-C841547B66BA}" type="slidenum">
-              <a:rPr lang="en-US" smtClean="0"/>
-              <a:pPr>
-                <a:defRPr/>
-              </a:pPr>
-              <a:t>21</a:t>
-            </a:fld>
-            <a:endParaRPr lang="en-US"/>
-          </a:p>
-        </p:txBody>
-      </p:sp>
-    </p:spTree>
-    <p:extLst>
-      <p:ext uri="{BB962C8B-B14F-4D97-AF65-F5344CB8AC3E}">
-        <p14:creationId xmlns:p14="http://schemas.microsoft.com/office/powerpoint/2010/main" val="2669552986"/>
-      </p:ext>
-    </p:extLst>
-  </p:cSld>
-  <p:clrMapOvr>
-    <a:masterClrMapping/>
-  </p:clrMapOvr>
-</p:notes>
-</file>
-
-<file path=ppt/notesSlides/notesSlide22.xml><?xml version="1.0" encoding="utf-8"?>
-<p:notes xmlns:a="http://schemas.openxmlformats.org/drawingml/2006/main" xmlns:r="http://schemas.openxmlformats.org/officeDocument/2006/relationships" xmlns:p="http://schemas.openxmlformats.org/presentationml/2006/main">
-  <p:cSld>
-    <p:spTree>
-      <p:nvGrpSpPr>
-        <p:cNvPr id="1" name=""/>
-        <p:cNvGrpSpPr/>
-        <p:nvPr/>
-      </p:nvGrpSpPr>
-      <p:grpSpPr>
-        <a:xfrm>
-          <a:off x="0" y="0"/>
-          <a:ext cx="0" cy="0"/>
-          <a:chOff x="0" y="0"/>
-          <a:chExt cx="0" cy="0"/>
-        </a:xfrm>
-      </p:grpSpPr>
-      <p:sp>
-        <p:nvSpPr>
-          <p:cNvPr id="2" name="Slide Image Placeholder 1"/>
-          <p:cNvSpPr>
-            <a:spLocks noGrp="1" noRot="1" noChangeAspect="1"/>
-          </p:cNvSpPr>
-          <p:nvPr>
-            <p:ph type="sldImg"/>
-          </p:nvPr>
-        </p:nvSpPr>
-        <p:spPr/>
-      </p:sp>
-      <p:sp>
-        <p:nvSpPr>
-          <p:cNvPr id="3" name="Notes Placeholder 2"/>
-          <p:cNvSpPr>
-            <a:spLocks noGrp="1"/>
-          </p:cNvSpPr>
-          <p:nvPr>
-            <p:ph type="body" idx="1"/>
-          </p:nvPr>
-        </p:nvSpPr>
-        <p:spPr/>
-        <p:txBody>
-          <a:bodyPr/>
-          <a:lstStyle/>
-          <a:p>
-            <a:r>
-              <a:rPr lang="en-US" dirty="0" smtClean="0"/>
-              <a:t>Animation:</a:t>
-            </a:r>
-          </a:p>
-          <a:p>
-            <a:endParaRPr lang="en-US" dirty="0" smtClean="0"/>
-          </a:p>
-          <a:p>
-            <a:r>
-              <a:rPr lang="en-US" dirty="0" smtClean="0"/>
-              <a:t>15 fps may be fine instead of 30 or 60</a:t>
-            </a:r>
-          </a:p>
-          <a:p>
-            <a:endParaRPr lang="en-US" dirty="0" smtClean="0"/>
-          </a:p>
-          <a:p>
-            <a:r>
-              <a:rPr lang="en-US" dirty="0" smtClean="0"/>
-              <a:t>Control points don’t need to be uniformly sampled,</a:t>
-            </a:r>
-            <a:r>
-              <a:rPr lang="en-US" baseline="0" dirty="0" smtClean="0"/>
-              <a:t> e.g., samples can be removed for linear parts.</a:t>
-            </a:r>
-            <a:endParaRPr lang="en-US" dirty="0" smtClean="0"/>
-          </a:p>
-          <a:p>
-            <a:endParaRPr lang="en-US" dirty="0" smtClean="0"/>
-          </a:p>
-          <a:p>
-            <a:r>
-              <a:rPr lang="en-US" dirty="0" smtClean="0"/>
-              <a:t>Don’t store a channel for scale, for example, if</a:t>
-            </a:r>
-            <a:r>
-              <a:rPr lang="en-US" baseline="0" dirty="0" smtClean="0"/>
-              <a:t> it never changes.</a:t>
-            </a:r>
-            <a:endParaRPr lang="en-US" dirty="0" smtClean="0"/>
-          </a:p>
-          <a:p>
-            <a:endParaRPr lang="en-US" dirty="0" smtClean="0"/>
-          </a:p>
-          <a:p>
-            <a:r>
-              <a:rPr lang="en-US" dirty="0" smtClean="0"/>
-              <a:t>See Section 11.8 in Game Engine Architecture</a:t>
-            </a:r>
-          </a:p>
-          <a:p>
-            <a:endParaRPr lang="en-US" dirty="0" smtClean="0"/>
-          </a:p>
-          <a:p>
-            <a:r>
-              <a:rPr lang="en-US" dirty="0" smtClean="0"/>
-              <a:t>Skins:</a:t>
-            </a:r>
-          </a:p>
-          <a:p>
-            <a:endParaRPr lang="en-US" dirty="0" smtClean="0"/>
-          </a:p>
-          <a:p>
-            <a:r>
-              <a:rPr lang="en-US" dirty="0" smtClean="0"/>
-              <a:t>2 joints for an elbow.  3 weights for a hip.  Games rarely use more than 4 weights.</a:t>
-            </a:r>
-          </a:p>
-          <a:p>
-            <a:endParaRPr lang="en-US" dirty="0" smtClean="0"/>
-          </a:p>
-          <a:p>
-            <a:r>
-              <a:rPr lang="en-US" dirty="0" smtClean="0"/>
-              <a:t>Mesh splits are required to keep joint matrices in a uniform array.</a:t>
-            </a:r>
-            <a:endParaRPr lang="en-US" dirty="0"/>
-          </a:p>
-        </p:txBody>
-      </p:sp>
-      <p:sp>
-        <p:nvSpPr>
-          <p:cNvPr id="4" name="Slide Number Placeholder 3"/>
-          <p:cNvSpPr>
-            <a:spLocks noGrp="1"/>
-          </p:cNvSpPr>
-          <p:nvPr>
-            <p:ph type="sldNum" sz="quarter" idx="10"/>
-          </p:nvPr>
-        </p:nvSpPr>
-        <p:spPr/>
-        <p:txBody>
-          <a:bodyPr/>
-          <a:lstStyle/>
-          <a:p>
-            <a:pPr>
-              <a:defRPr/>
-            </a:pPr>
-            <a:fld id="{61388809-6B81-4C55-A44B-C841547B66BA}" type="slidenum">
-              <a:rPr lang="en-US" smtClean="0"/>
-              <a:pPr>
-                <a:defRPr/>
-              </a:pPr>
-              <a:t>22</a:t>
-            </a:fld>
-            <a:endParaRPr lang="en-US"/>
-          </a:p>
-        </p:txBody>
-      </p:sp>
-    </p:spTree>
-    <p:extLst>
-      <p:ext uri="{BB962C8B-B14F-4D97-AF65-F5344CB8AC3E}">
-        <p14:creationId xmlns:p14="http://schemas.microsoft.com/office/powerpoint/2010/main" val="1241094565"/>
-      </p:ext>
-    </p:extLst>
-  </p:cSld>
-  <p:clrMapOvr>
-    <a:masterClrMapping/>
-  </p:clrMapOvr>
-</p:notes>
-</file>
-
-<file path=ppt/notesSlides/notesSlide23.xml><?xml version="1.0" encoding="utf-8"?>
-<p:notes xmlns:a="http://schemas.openxmlformats.org/drawingml/2006/main" xmlns:r="http://schemas.openxmlformats.org/officeDocument/2006/relationships" xmlns:p="http://schemas.openxmlformats.org/presentationml/2006/main">
-  <p:cSld>
-    <p:spTree>
-      <p:nvGrpSpPr>
-        <p:cNvPr id="1" name=""/>
-        <p:cNvGrpSpPr/>
-        <p:nvPr/>
-      </p:nvGrpSpPr>
-      <p:grpSpPr>
-        <a:xfrm>
-          <a:off x="0" y="0"/>
-          <a:ext cx="0" cy="0"/>
-          <a:chOff x="0" y="0"/>
-          <a:chExt cx="0" cy="0"/>
-        </a:xfrm>
-      </p:grpSpPr>
-      <p:sp>
-        <p:nvSpPr>
-          <p:cNvPr id="2" name="Slide Image Placeholder 1"/>
-          <p:cNvSpPr>
-            <a:spLocks noGrp="1" noRot="1" noChangeAspect="1"/>
-          </p:cNvSpPr>
-          <p:nvPr>
-            <p:ph type="sldImg"/>
-          </p:nvPr>
-        </p:nvSpPr>
-        <p:spPr/>
-      </p:sp>
-      <p:sp>
-        <p:nvSpPr>
-          <p:cNvPr id="3" name="Notes Placeholder 2"/>
-          <p:cNvSpPr>
-            <a:spLocks noGrp="1"/>
-          </p:cNvSpPr>
-          <p:nvPr>
-            <p:ph type="body" idx="1"/>
-          </p:nvPr>
-        </p:nvSpPr>
-        <p:spPr/>
-        <p:txBody>
-          <a:bodyPr/>
-          <a:lstStyle/>
-          <a:p>
-            <a:r>
-              <a:rPr lang="en-US" dirty="0" smtClean="0"/>
-              <a:t>Care needs to be taken when </a:t>
-            </a:r>
-            <a:r>
-              <a:rPr lang="en-US" dirty="0" err="1" smtClean="0"/>
-              <a:t>mipmapping</a:t>
-            </a:r>
-            <a:r>
-              <a:rPr lang="en-US" dirty="0" smtClean="0"/>
-              <a:t>.</a:t>
-            </a:r>
-          </a:p>
-          <a:p>
-            <a:endParaRPr lang="en-US" dirty="0" smtClean="0"/>
-          </a:p>
-          <a:p>
-            <a:r>
-              <a:rPr lang="en-US" dirty="0" smtClean="0"/>
-              <a:t>Packing a texture atlas is NP hard,</a:t>
-            </a:r>
-            <a:r>
-              <a:rPr lang="en-US" baseline="0" dirty="0" smtClean="0"/>
-              <a:t> see</a:t>
-            </a:r>
-          </a:p>
-          <a:p>
-            <a:pPr marL="171450" indent="-171450">
-              <a:buFontTx/>
-              <a:buChar char="•"/>
-            </a:pPr>
-            <a:r>
-              <a:rPr lang="en-US" baseline="0" dirty="0" smtClean="0"/>
-              <a:t>http://</a:t>
-            </a:r>
-            <a:r>
-              <a:rPr lang="en-US" baseline="0" dirty="0" err="1" smtClean="0"/>
-              <a:t>clb.demon.fi</a:t>
-            </a:r>
-            <a:r>
-              <a:rPr lang="en-US" baseline="0" dirty="0" smtClean="0"/>
-              <a:t>/files/</a:t>
-            </a:r>
-            <a:r>
-              <a:rPr lang="en-US" baseline="0" dirty="0" err="1" smtClean="0"/>
-              <a:t>RectangleBinPack.pdf</a:t>
-            </a:r>
-            <a:endParaRPr lang="en-US" baseline="0" dirty="0" smtClean="0"/>
-          </a:p>
-          <a:p>
-            <a:pPr marL="171450" indent="-171450">
-              <a:buFontTx/>
-              <a:buChar char="•"/>
-            </a:pPr>
-            <a:r>
-              <a:rPr lang="en-US" dirty="0" smtClean="0"/>
-              <a:t>http://</a:t>
-            </a:r>
-            <a:r>
-              <a:rPr lang="en-US" dirty="0" err="1" smtClean="0"/>
-              <a:t>clb.demon.fi</a:t>
-            </a:r>
-            <a:r>
-              <a:rPr lang="en-US" dirty="0" smtClean="0"/>
-              <a:t>/projects/even-more-rectangle-bin-packing</a:t>
-            </a:r>
-          </a:p>
-          <a:p>
-            <a:pPr marL="171450" indent="-171450">
-              <a:buFontTx/>
-              <a:buChar char="•"/>
-            </a:pPr>
-            <a:r>
-              <a:rPr lang="en-US" dirty="0" smtClean="0"/>
-              <a:t>http://</a:t>
-            </a:r>
-            <a:r>
-              <a:rPr lang="en-US" dirty="0" err="1" smtClean="0"/>
-              <a:t>www.blackpawn.com</a:t>
-            </a:r>
-            <a:r>
-              <a:rPr lang="en-US" dirty="0" smtClean="0"/>
-              <a:t>/texts/</a:t>
-            </a:r>
-            <a:r>
-              <a:rPr lang="en-US" dirty="0" err="1" smtClean="0"/>
-              <a:t>lightmaps</a:t>
-            </a:r>
-            <a:r>
-              <a:rPr lang="en-US" dirty="0" smtClean="0"/>
-              <a:t>/</a:t>
-            </a:r>
-          </a:p>
-          <a:p>
-            <a:endParaRPr lang="en-US" dirty="0" smtClean="0"/>
-          </a:p>
-          <a:p>
-            <a:pPr marL="171450" indent="-171450">
-              <a:buFontTx/>
-              <a:buChar char="•"/>
-            </a:pPr>
-            <a:r>
-              <a:rPr lang="en-US" dirty="0" smtClean="0"/>
-              <a:t>See https://</a:t>
-            </a:r>
-            <a:r>
-              <a:rPr lang="en-US" dirty="0" err="1" smtClean="0"/>
-              <a:t>developer.nvidia.com</a:t>
-            </a:r>
-            <a:r>
-              <a:rPr lang="en-US" dirty="0" smtClean="0"/>
-              <a:t>/sites/default/files/</a:t>
-            </a:r>
-            <a:r>
-              <a:rPr lang="en-US" dirty="0" err="1" smtClean="0"/>
-              <a:t>akamai</a:t>
-            </a:r>
-            <a:r>
-              <a:rPr lang="en-US" dirty="0" smtClean="0"/>
-              <a:t>/tools/files/</a:t>
-            </a:r>
-            <a:r>
-              <a:rPr lang="en-US" dirty="0" err="1" smtClean="0"/>
-              <a:t>Texture_Atlas_Whitepaper.pdf</a:t>
-            </a:r>
-            <a:endParaRPr lang="en-US" dirty="0" smtClean="0"/>
-          </a:p>
-          <a:p>
-            <a:pPr marL="0" indent="0">
-              <a:buFontTx/>
-              <a:buNone/>
-            </a:pPr>
-            <a:endParaRPr lang="en-US" dirty="0" smtClean="0"/>
-          </a:p>
-        </p:txBody>
-      </p:sp>
-      <p:sp>
-        <p:nvSpPr>
-          <p:cNvPr id="4" name="Slide Number Placeholder 3"/>
-          <p:cNvSpPr>
-            <a:spLocks noGrp="1"/>
-          </p:cNvSpPr>
-          <p:nvPr>
-            <p:ph type="sldNum" sz="quarter" idx="10"/>
-          </p:nvPr>
-        </p:nvSpPr>
-        <p:spPr/>
-        <p:txBody>
-          <a:bodyPr/>
-          <a:lstStyle/>
-          <a:p>
-            <a:pPr>
-              <a:defRPr/>
-            </a:pPr>
-            <a:fld id="{61388809-6B81-4C55-A44B-C841547B66BA}" type="slidenum">
-              <a:rPr lang="en-US" smtClean="0"/>
-              <a:pPr>
-                <a:defRPr/>
-              </a:pPr>
-              <a:t>23</a:t>
-            </a:fld>
-            <a:endParaRPr lang="en-US"/>
-          </a:p>
-        </p:txBody>
-      </p:sp>
-    </p:spTree>
-    <p:extLst>
-      <p:ext uri="{BB962C8B-B14F-4D97-AF65-F5344CB8AC3E}">
-        <p14:creationId xmlns:p14="http://schemas.microsoft.com/office/powerpoint/2010/main" val="3525526836"/>
-      </p:ext>
-    </p:extLst>
-  </p:cSld>
-  <p:clrMapOvr>
-    <a:masterClrMapping/>
-  </p:clrMapOvr>
-</p:notes>
-</file>
-
-<file path=ppt/notesSlides/notesSlide24.xml><?xml version="1.0" encoding="utf-8"?>
-<p:notes xmlns:a="http://schemas.openxmlformats.org/drawingml/2006/main" xmlns:r="http://schemas.openxmlformats.org/officeDocument/2006/relationships" xmlns:p="http://schemas.openxmlformats.org/presentationml/2006/main">
-  <p:cSld>
-    <p:spTree>
-      <p:nvGrpSpPr>
-        <p:cNvPr id="1" name=""/>
-        <p:cNvGrpSpPr/>
-        <p:nvPr/>
-      </p:nvGrpSpPr>
-      <p:grpSpPr>
-        <a:xfrm>
-          <a:off x="0" y="0"/>
-          <a:ext cx="0" cy="0"/>
-          <a:chOff x="0" y="0"/>
-          <a:chExt cx="0" cy="0"/>
-        </a:xfrm>
-      </p:grpSpPr>
-      <p:sp>
-        <p:nvSpPr>
-          <p:cNvPr id="2" name="Slide Image Placeholder 1"/>
-          <p:cNvSpPr>
-            <a:spLocks noGrp="1" noRot="1" noChangeAspect="1"/>
-          </p:cNvSpPr>
-          <p:nvPr>
-            <p:ph type="sldImg"/>
-          </p:nvPr>
-        </p:nvSpPr>
-        <p:spPr/>
-      </p:sp>
-      <p:sp>
-        <p:nvSpPr>
-          <p:cNvPr id="3" name="Notes Placeholder 2"/>
-          <p:cNvSpPr>
-            <a:spLocks noGrp="1"/>
-          </p:cNvSpPr>
-          <p:nvPr>
-            <p:ph type="body" idx="1"/>
-          </p:nvPr>
-        </p:nvSpPr>
-        <p:spPr/>
-        <p:txBody>
-          <a:bodyPr/>
-          <a:lstStyle/>
-          <a:p>
-            <a:r>
-              <a:rPr lang="en-US" dirty="0" err="1" smtClean="0"/>
-              <a:t>glGenerateMipmap</a:t>
-            </a:r>
-            <a:r>
-              <a:rPr lang="en-US" dirty="0" smtClean="0"/>
-              <a:t> may use a low-quality filter and/or</a:t>
-            </a:r>
-            <a:r>
-              <a:rPr lang="en-US" baseline="0" dirty="0" smtClean="0"/>
-              <a:t> be slow.</a:t>
-            </a:r>
-          </a:p>
-          <a:p>
-            <a:endParaRPr lang="en-US" baseline="0" dirty="0" smtClean="0"/>
-          </a:p>
-          <a:p>
-            <a:r>
-              <a:rPr lang="en-US" baseline="0" dirty="0" smtClean="0"/>
-              <a:t>In addition to visual quality, mipmaps also help the GPU cache since sampling from the </a:t>
-            </a:r>
-            <a:r>
-              <a:rPr lang="en-US" baseline="0" dirty="0" err="1" smtClean="0"/>
-              <a:t>mip</a:t>
-            </a:r>
-            <a:r>
-              <a:rPr lang="en-US" baseline="0" dirty="0" smtClean="0"/>
-              <a:t> level has better spatial coherence than sampling from the full texture.</a:t>
-            </a:r>
-          </a:p>
-          <a:p>
-            <a:endParaRPr lang="en-US" baseline="0" dirty="0" smtClean="0"/>
-          </a:p>
-          <a:p>
-            <a:pPr marL="0" marR="0" indent="0" algn="l" defTabSz="914400" rtl="0" eaLnBrk="0" fontAlgn="base" latinLnBrk="0" hangingPunct="0">
-              <a:lnSpc>
-                <a:spcPct val="100000"/>
-              </a:lnSpc>
-              <a:spcBef>
-                <a:spcPct val="30000"/>
-              </a:spcBef>
-              <a:spcAft>
-                <a:spcPct val="0"/>
-              </a:spcAft>
-              <a:buClrTx/>
-              <a:buSzTx/>
-              <a:buFontTx/>
-              <a:buNone/>
-              <a:tabLst/>
-              <a:defRPr/>
-            </a:pPr>
-            <a:r>
-              <a:rPr lang="en-US" dirty="0" smtClean="0"/>
-              <a:t>Image from Real-Time Rendering - http://</a:t>
-            </a:r>
-            <a:r>
-              <a:rPr lang="en-US" dirty="0" err="1" smtClean="0"/>
-              <a:t>www.realtimerendering.com</a:t>
-            </a:r>
-            <a:r>
-              <a:rPr lang="en-US" dirty="0" smtClean="0"/>
-              <a:t>/</a:t>
-            </a:r>
-          </a:p>
-          <a:p>
-            <a:endParaRPr lang="en-US" dirty="0"/>
-          </a:p>
-        </p:txBody>
-      </p:sp>
-      <p:sp>
-        <p:nvSpPr>
-          <p:cNvPr id="4" name="Slide Number Placeholder 3"/>
-          <p:cNvSpPr>
-            <a:spLocks noGrp="1"/>
-          </p:cNvSpPr>
-          <p:nvPr>
-            <p:ph type="sldNum" sz="quarter" idx="10"/>
-          </p:nvPr>
-        </p:nvSpPr>
-        <p:spPr/>
-        <p:txBody>
-          <a:bodyPr/>
-          <a:lstStyle/>
-          <a:p>
-            <a:pPr>
-              <a:defRPr/>
-            </a:pPr>
-            <a:fld id="{61388809-6B81-4C55-A44B-C841547B66BA}" type="slidenum">
-              <a:rPr lang="en-US" smtClean="0"/>
-              <a:pPr>
-                <a:defRPr/>
-              </a:pPr>
-              <a:t>24</a:t>
-            </a:fld>
-            <a:endParaRPr lang="en-US"/>
-          </a:p>
-        </p:txBody>
-      </p:sp>
-    </p:spTree>
-    <p:extLst>
-      <p:ext uri="{BB962C8B-B14F-4D97-AF65-F5344CB8AC3E}">
-        <p14:creationId xmlns:p14="http://schemas.microsoft.com/office/powerpoint/2010/main" val="3525526836"/>
-      </p:ext>
-    </p:extLst>
-  </p:cSld>
-  <p:clrMapOvr>
-    <a:masterClrMapping/>
-  </p:clrMapOvr>
-</p:notes>
-</file>
-
-<file path=ppt/notesSlides/notesSlide25.xml><?xml version="1.0" encoding="utf-8"?>
-<p:notes xmlns:a="http://schemas.openxmlformats.org/drawingml/2006/main" xmlns:r="http://schemas.openxmlformats.org/officeDocument/2006/relationships" xmlns:p="http://schemas.openxmlformats.org/presentationml/2006/main">
-  <p:cSld>
-    <p:spTree>
-      <p:nvGrpSpPr>
-        <p:cNvPr id="1" name=""/>
-        <p:cNvGrpSpPr/>
-        <p:nvPr/>
-      </p:nvGrpSpPr>
-      <p:grpSpPr>
-        <a:xfrm>
-          <a:off x="0" y="0"/>
-          <a:ext cx="0" cy="0"/>
-          <a:chOff x="0" y="0"/>
-          <a:chExt cx="0" cy="0"/>
-        </a:xfrm>
-      </p:grpSpPr>
-      <p:sp>
-        <p:nvSpPr>
-          <p:cNvPr id="2" name="Slide Image Placeholder 1"/>
-          <p:cNvSpPr>
-            <a:spLocks noGrp="1" noRot="1" noChangeAspect="1"/>
-          </p:cNvSpPr>
-          <p:nvPr>
-            <p:ph type="sldImg"/>
-          </p:nvPr>
-        </p:nvSpPr>
-        <p:spPr/>
-      </p:sp>
-      <p:sp>
-        <p:nvSpPr>
-          <p:cNvPr id="3" name="Notes Placeholder 2"/>
-          <p:cNvSpPr>
-            <a:spLocks noGrp="1"/>
-          </p:cNvSpPr>
-          <p:nvPr>
-            <p:ph type="body" idx="1"/>
-          </p:nvPr>
-        </p:nvSpPr>
-        <p:spPr/>
-        <p:txBody>
-          <a:bodyPr/>
-          <a:lstStyle/>
-          <a:p>
-            <a:r>
-              <a:rPr lang="en-US" dirty="0" smtClean="0"/>
-              <a:t>Format for modeling: lossless.  Format for runtime: can</a:t>
-            </a:r>
-            <a:r>
-              <a:rPr lang="en-US" baseline="0" dirty="0" smtClean="0"/>
-              <a:t> be </a:t>
-            </a:r>
-            <a:r>
-              <a:rPr lang="en-US" baseline="0" dirty="0" err="1" smtClean="0"/>
-              <a:t>lossly</a:t>
-            </a:r>
-            <a:r>
-              <a:rPr lang="en-US" baseline="0" dirty="0" smtClean="0"/>
-              <a:t>.  In our engine, we would compress satellite imagery except for the leaf nodes.</a:t>
-            </a:r>
-          </a:p>
-          <a:p>
-            <a:endParaRPr lang="en-US" dirty="0" smtClean="0"/>
-          </a:p>
-          <a:p>
-            <a:r>
-              <a:rPr lang="en-US" dirty="0" smtClean="0"/>
-              <a:t>Often, we convert .</a:t>
-            </a:r>
-            <a:r>
-              <a:rPr lang="en-US" dirty="0" err="1" smtClean="0"/>
-              <a:t>tga</a:t>
-            </a:r>
-            <a:r>
-              <a:rPr lang="en-US" dirty="0" smtClean="0"/>
-              <a:t> to .png.</a:t>
-            </a:r>
-          </a:p>
-          <a:p>
-            <a:endParaRPr lang="en-US" dirty="0" smtClean="0"/>
-          </a:p>
-          <a:p>
-            <a:r>
-              <a:rPr lang="en-US" dirty="0" smtClean="0"/>
-              <a:t>.jpg can have an alpha channel nowadays.</a:t>
-            </a:r>
-          </a:p>
-          <a:p>
-            <a:endParaRPr lang="en-US" dirty="0" smtClean="0"/>
-          </a:p>
-          <a:p>
-            <a:r>
-              <a:rPr lang="en-US" dirty="0" smtClean="0"/>
-              <a:t>JPEG compression is better than DXT.</a:t>
-            </a:r>
-          </a:p>
-          <a:p>
-            <a:endParaRPr lang="en-US" dirty="0" smtClean="0"/>
-          </a:p>
-          <a:p>
-            <a:r>
-              <a:rPr lang="en-US" dirty="0" smtClean="0"/>
-              <a:t>DXT – use PCA to fit a line through color space.  </a:t>
-            </a:r>
-            <a:r>
-              <a:rPr lang="en-US" dirty="0" err="1" smtClean="0"/>
-              <a:t>Lossy</a:t>
-            </a:r>
-            <a:r>
-              <a:rPr lang="en-US" dirty="0" smtClean="0"/>
-              <a:t>.  Slow to compress but fast to decompress on</a:t>
-            </a:r>
-            <a:r>
-              <a:rPr lang="en-US" baseline="0" dirty="0" smtClean="0"/>
-              <a:t>-the-fly in hardware.  Also higher visual quality if compressing a larger texture, compared to a smaller uncompressed texture.  Several versions of DXT, with and without alpha.</a:t>
-            </a:r>
-          </a:p>
-          <a:p>
-            <a:endParaRPr lang="en-US" baseline="0" dirty="0" smtClean="0"/>
-          </a:p>
-          <a:p>
-            <a:pPr marL="0" marR="0" indent="0" algn="l" defTabSz="914400" rtl="0" eaLnBrk="0" fontAlgn="base" latinLnBrk="0" hangingPunct="0">
-              <a:lnSpc>
-                <a:spcPct val="100000"/>
-              </a:lnSpc>
-              <a:spcBef>
-                <a:spcPct val="30000"/>
-              </a:spcBef>
-              <a:spcAft>
-                <a:spcPct val="0"/>
-              </a:spcAft>
-              <a:buClrTx/>
-              <a:buSzTx/>
-              <a:buFontTx/>
-              <a:buNone/>
-              <a:tabLst/>
-              <a:defRPr/>
-            </a:pPr>
-            <a:r>
-              <a:rPr lang="en-US" baseline="0" dirty="0" smtClean="0"/>
-              <a:t>ETC2 required in ES 3.0 and GL 4.3.  Higher quality than DXT at same bitrate.  More flexibility in texture format, e.g., R and RG formats.</a:t>
-            </a:r>
-            <a:endParaRPr lang="en-US" dirty="0" smtClean="0"/>
-          </a:p>
-          <a:p>
-            <a:endParaRPr lang="en-US" baseline="0" dirty="0" smtClean="0"/>
-          </a:p>
-          <a:p>
-            <a:r>
-              <a:rPr lang="en-US" baseline="0" dirty="0" smtClean="0"/>
-              <a:t>Also, ASTC (Adaptive Scalable Texture Compression), but is optional in GL.</a:t>
-            </a:r>
-          </a:p>
-          <a:p>
-            <a:endParaRPr lang="en-US" baseline="0" dirty="0" smtClean="0"/>
-          </a:p>
-          <a:p>
-            <a:r>
-              <a:rPr lang="en-US" baseline="0" dirty="0" smtClean="0"/>
-              <a:t>“Recent research shows that special-purpose packing methods can compress ETC-files to sizes smaller than JPEG for equal quality, at around 2.2 </a:t>
-            </a:r>
-            <a:r>
-              <a:rPr lang="en-US" baseline="0" dirty="0" err="1" smtClean="0"/>
-              <a:t>bpp</a:t>
-            </a:r>
-            <a:r>
-              <a:rPr lang="en-US" baseline="0" dirty="0" smtClean="0"/>
-              <a:t>.”</a:t>
-            </a:r>
-          </a:p>
-          <a:p>
-            <a:r>
-              <a:rPr lang="en-US" baseline="0" dirty="0" smtClean="0"/>
-              <a:t>* See https://</a:t>
-            </a:r>
-            <a:r>
-              <a:rPr lang="en-US" baseline="0" dirty="0" err="1" smtClean="0"/>
-              <a:t>www.khronos.org</a:t>
-            </a:r>
-            <a:r>
-              <a:rPr lang="en-US" baseline="0" dirty="0" smtClean="0"/>
-              <a:t>/assets/uploads/developers/library/2012-siggraph-opengl-es-bof/Ericsson-ETC2-SIGGRAPH_Aug12.pdf</a:t>
-            </a:r>
-            <a:endParaRPr lang="en-US" dirty="0"/>
-          </a:p>
-        </p:txBody>
-      </p:sp>
-      <p:sp>
-        <p:nvSpPr>
-          <p:cNvPr id="4" name="Slide Number Placeholder 3"/>
-          <p:cNvSpPr>
-            <a:spLocks noGrp="1"/>
-          </p:cNvSpPr>
-          <p:nvPr>
-            <p:ph type="sldNum" sz="quarter" idx="10"/>
-          </p:nvPr>
-        </p:nvSpPr>
-        <p:spPr/>
-        <p:txBody>
-          <a:bodyPr/>
-          <a:lstStyle/>
-          <a:p>
-            <a:pPr>
-              <a:defRPr/>
-            </a:pPr>
-            <a:fld id="{61388809-6B81-4C55-A44B-C841547B66BA}" type="slidenum">
-              <a:rPr lang="en-US" smtClean="0"/>
-              <a:pPr>
-                <a:defRPr/>
-              </a:pPr>
-              <a:t>25</a:t>
-            </a:fld>
-            <a:endParaRPr lang="en-US"/>
-          </a:p>
-        </p:txBody>
-      </p:sp>
-    </p:spTree>
-    <p:extLst>
-      <p:ext uri="{BB962C8B-B14F-4D97-AF65-F5344CB8AC3E}">
-        <p14:creationId xmlns:p14="http://schemas.microsoft.com/office/powerpoint/2010/main" val="3525526836"/>
-      </p:ext>
-    </p:extLst>
-  </p:cSld>
-  <p:clrMapOvr>
-    <a:masterClrMapping/>
-  </p:clrMapOvr>
-</p:notes>
-</file>
-
-<file path=ppt/notesSlides/notesSlide26.xml><?xml version="1.0" encoding="utf-8"?>
-<p:notes xmlns:a="http://schemas.openxmlformats.org/drawingml/2006/main" xmlns:r="http://schemas.openxmlformats.org/officeDocument/2006/relationships" xmlns:p="http://schemas.openxmlformats.org/presentationml/2006/main">
-  <p:cSld>
-    <p:spTree>
-      <p:nvGrpSpPr>
-        <p:cNvPr id="1" name=""/>
-        <p:cNvGrpSpPr/>
-        <p:nvPr/>
-      </p:nvGrpSpPr>
-      <p:grpSpPr>
-        <a:xfrm>
-          <a:off x="0" y="0"/>
-          <a:ext cx="0" cy="0"/>
-          <a:chOff x="0" y="0"/>
-          <a:chExt cx="0" cy="0"/>
-        </a:xfrm>
-      </p:grpSpPr>
-      <p:sp>
-        <p:nvSpPr>
-          <p:cNvPr id="2" name="Slide Image Placeholder 1"/>
-          <p:cNvSpPr>
-            <a:spLocks noGrp="1" noRot="1" noChangeAspect="1"/>
-          </p:cNvSpPr>
-          <p:nvPr>
-            <p:ph type="sldImg"/>
-          </p:nvPr>
-        </p:nvSpPr>
-        <p:spPr/>
-      </p:sp>
-      <p:sp>
-        <p:nvSpPr>
-          <p:cNvPr id="3" name="Notes Placeholder 2"/>
-          <p:cNvSpPr>
-            <a:spLocks noGrp="1"/>
-          </p:cNvSpPr>
-          <p:nvPr>
-            <p:ph type="body" idx="1"/>
-          </p:nvPr>
-        </p:nvSpPr>
-        <p:spPr/>
-        <p:txBody>
-          <a:bodyPr/>
-          <a:lstStyle/>
-          <a:p>
-            <a:r>
-              <a:rPr lang="en-US" dirty="0" smtClean="0"/>
-              <a:t>g-buffer format is engine-specific.</a:t>
-            </a:r>
-          </a:p>
-          <a:p>
-            <a:endParaRPr lang="en-US" dirty="0" smtClean="0"/>
-          </a:p>
-          <a:p>
-            <a:r>
-              <a:rPr lang="en-US" dirty="0" smtClean="0"/>
-              <a:t>Less important if shaders are hand-coded.</a:t>
-            </a:r>
-          </a:p>
-          <a:p>
-            <a:endParaRPr lang="en-US" dirty="0" smtClean="0"/>
-          </a:p>
-          <a:p>
-            <a:r>
-              <a:rPr lang="en-US" dirty="0" smtClean="0"/>
-              <a:t>Combine uniforms.  Replace uniforms with constants if they aren’t targeted for animation (don’t add</a:t>
-            </a:r>
-            <a:r>
-              <a:rPr lang="en-US" baseline="0" dirty="0" smtClean="0"/>
-              <a:t> more materials or techniques though).</a:t>
-            </a:r>
-          </a:p>
-          <a:p>
-            <a:endParaRPr lang="en-US" baseline="0" dirty="0" smtClean="0"/>
-          </a:p>
-          <a:p>
-            <a:r>
-              <a:rPr lang="en-US" baseline="0" dirty="0" smtClean="0"/>
-              <a:t>Minify or just remove whitespace.  Size is nothing compared to textures, geometry, and animations.</a:t>
-            </a:r>
-          </a:p>
-          <a:p>
-            <a:endParaRPr lang="en-US" baseline="0" dirty="0" smtClean="0"/>
-          </a:p>
-          <a:p>
-            <a:r>
-              <a:rPr lang="en-US" baseline="0" dirty="0" smtClean="0"/>
-              <a:t>See</a:t>
-            </a:r>
-          </a:p>
-          <a:p>
-            <a:r>
-              <a:rPr lang="en-US" baseline="0" dirty="0" smtClean="0"/>
-              <a:t>* https://</a:t>
-            </a:r>
-            <a:r>
-              <a:rPr lang="en-US" baseline="0" dirty="0" err="1" smtClean="0"/>
-              <a:t>github.com</a:t>
-            </a:r>
-            <a:r>
-              <a:rPr lang="en-US" baseline="0" dirty="0" smtClean="0"/>
-              <a:t>/</a:t>
-            </a:r>
-            <a:r>
-              <a:rPr lang="en-US" baseline="0" dirty="0" err="1" smtClean="0"/>
-              <a:t>KhronosGroup</a:t>
-            </a:r>
-            <a:r>
-              <a:rPr lang="en-US" baseline="0" dirty="0" smtClean="0"/>
-              <a:t>/glTF/issues/34</a:t>
-            </a:r>
-          </a:p>
-          <a:p>
-            <a:pPr marL="0" marR="0" indent="0" algn="l" defTabSz="914400" rtl="0" eaLnBrk="0" fontAlgn="base" latinLnBrk="0" hangingPunct="0">
-              <a:lnSpc>
-                <a:spcPct val="100000"/>
-              </a:lnSpc>
-              <a:spcBef>
-                <a:spcPct val="30000"/>
-              </a:spcBef>
-              <a:spcAft>
-                <a:spcPct val="0"/>
-              </a:spcAft>
-              <a:buClrTx/>
-              <a:buSzTx/>
-              <a:buFontTx/>
-              <a:buNone/>
-              <a:tabLst/>
-              <a:defRPr/>
-            </a:pPr>
-            <a:r>
-              <a:rPr lang="en-US" dirty="0" smtClean="0"/>
-              <a:t>*</a:t>
-            </a:r>
-            <a:r>
-              <a:rPr lang="en-US" baseline="0" dirty="0" smtClean="0"/>
-              <a:t> </a:t>
-            </a:r>
-            <a:r>
-              <a:rPr lang="en-US" dirty="0" smtClean="0"/>
-              <a:t>https://</a:t>
-            </a:r>
-            <a:r>
-              <a:rPr lang="en-US" dirty="0" err="1" smtClean="0"/>
-              <a:t>github.com</a:t>
-            </a:r>
-            <a:r>
-              <a:rPr lang="en-US" dirty="0" smtClean="0"/>
-              <a:t>/</a:t>
-            </a:r>
-            <a:r>
-              <a:rPr lang="en-US" dirty="0" err="1" smtClean="0"/>
-              <a:t>KhronosGroup</a:t>
-            </a:r>
-            <a:r>
-              <a:rPr lang="en-US" dirty="0" smtClean="0"/>
-              <a:t>/glTF/issues/36</a:t>
-            </a:r>
-          </a:p>
-          <a:p>
-            <a:endParaRPr lang="en-US" dirty="0" smtClean="0"/>
-          </a:p>
-          <a:p>
-            <a:endParaRPr lang="en-US" dirty="0" smtClean="0"/>
-          </a:p>
-        </p:txBody>
-      </p:sp>
-      <p:sp>
-        <p:nvSpPr>
-          <p:cNvPr id="4" name="Slide Number Placeholder 3"/>
-          <p:cNvSpPr>
-            <a:spLocks noGrp="1"/>
-          </p:cNvSpPr>
-          <p:nvPr>
-            <p:ph type="sldNum" sz="quarter" idx="10"/>
-          </p:nvPr>
-        </p:nvSpPr>
-        <p:spPr/>
-        <p:txBody>
-          <a:bodyPr/>
-          <a:lstStyle/>
-          <a:p>
-            <a:pPr>
-              <a:defRPr/>
-            </a:pPr>
-            <a:fld id="{61388809-6B81-4C55-A44B-C841547B66BA}" type="slidenum">
-              <a:rPr lang="en-US" smtClean="0"/>
-              <a:pPr>
-                <a:defRPr/>
-              </a:pPr>
-              <a:t>26</a:t>
-            </a:fld>
-            <a:endParaRPr lang="en-US"/>
-          </a:p>
-        </p:txBody>
-      </p:sp>
-    </p:spTree>
-    <p:extLst>
-      <p:ext uri="{BB962C8B-B14F-4D97-AF65-F5344CB8AC3E}">
-        <p14:creationId xmlns:p14="http://schemas.microsoft.com/office/powerpoint/2010/main" val="3525526836"/>
-      </p:ext>
-    </p:extLst>
-  </p:cSld>
-  <p:clrMapOvr>
-    <a:masterClrMapping/>
-  </p:clrMapOvr>
-</p:notes>
-</file>
-
-<file path=ppt/notesSlides/notesSlide27.xml><?xml version="1.0" encoding="utf-8"?>
-<p:notes xmlns:a="http://schemas.openxmlformats.org/drawingml/2006/main" xmlns:r="http://schemas.openxmlformats.org/officeDocument/2006/relationships" xmlns:p="http://schemas.openxmlformats.org/presentationml/2006/main">
-  <p:cSld>
-    <p:spTree>
-      <p:nvGrpSpPr>
-        <p:cNvPr id="1" name=""/>
-        <p:cNvGrpSpPr/>
-        <p:nvPr/>
-      </p:nvGrpSpPr>
-      <p:grpSpPr>
-        <a:xfrm>
-          <a:off x="0" y="0"/>
-          <a:ext cx="0" cy="0"/>
-          <a:chOff x="0" y="0"/>
-          <a:chExt cx="0" cy="0"/>
-        </a:xfrm>
-      </p:grpSpPr>
-      <p:sp>
-        <p:nvSpPr>
-          <p:cNvPr id="2" name="Slide Image Placeholder 1"/>
-          <p:cNvSpPr>
-            <a:spLocks noGrp="1" noRot="1" noChangeAspect="1"/>
-          </p:cNvSpPr>
-          <p:nvPr>
-            <p:ph type="sldImg"/>
-          </p:nvPr>
-        </p:nvSpPr>
-        <p:spPr/>
-      </p:sp>
-      <p:sp>
-        <p:nvSpPr>
-          <p:cNvPr id="3" name="Notes Placeholder 2"/>
-          <p:cNvSpPr>
-            <a:spLocks noGrp="1"/>
-          </p:cNvSpPr>
-          <p:nvPr>
-            <p:ph type="body" idx="1"/>
-          </p:nvPr>
-        </p:nvSpPr>
-        <p:spPr/>
-        <p:txBody>
-          <a:bodyPr/>
-          <a:lstStyle/>
-          <a:p>
-            <a:r>
-              <a:rPr lang="en-US" dirty="0" err="1" smtClean="0"/>
-              <a:t>SketchUp</a:t>
-            </a:r>
-            <a:r>
-              <a:rPr lang="en-US" baseline="0" dirty="0" smtClean="0"/>
-              <a:t> story with one triangle per primitive.</a:t>
-            </a:r>
-            <a:endParaRPr lang="en-US" dirty="0"/>
-          </a:p>
-        </p:txBody>
-      </p:sp>
-      <p:sp>
-        <p:nvSpPr>
-          <p:cNvPr id="4" name="Slide Number Placeholder 3"/>
-          <p:cNvSpPr>
-            <a:spLocks noGrp="1"/>
-          </p:cNvSpPr>
-          <p:nvPr>
-            <p:ph type="sldNum" sz="quarter" idx="10"/>
-          </p:nvPr>
-        </p:nvSpPr>
-        <p:spPr/>
-        <p:txBody>
-          <a:bodyPr/>
-          <a:lstStyle/>
-          <a:p>
-            <a:pPr>
-              <a:defRPr/>
-            </a:pPr>
-            <a:fld id="{61388809-6B81-4C55-A44B-C841547B66BA}" type="slidenum">
-              <a:rPr lang="en-US" smtClean="0"/>
-              <a:pPr>
-                <a:defRPr/>
-              </a:pPr>
-              <a:t>27</a:t>
-            </a:fld>
-            <a:endParaRPr lang="en-US"/>
-          </a:p>
-        </p:txBody>
-      </p:sp>
-    </p:spTree>
-    <p:extLst>
-      <p:ext uri="{BB962C8B-B14F-4D97-AF65-F5344CB8AC3E}">
-        <p14:creationId xmlns:p14="http://schemas.microsoft.com/office/powerpoint/2010/main" val="2455773791"/>
-      </p:ext>
-    </p:extLst>
-  </p:cSld>
-  <p:clrMapOvr>
-    <a:masterClrMapping/>
-  </p:clrMapOvr>
-</p:notes>
-</file>
-
-<file path=ppt/notesSlides/notesSlide28.xml><?xml version="1.0" encoding="utf-8"?>
-<p:notes xmlns:a="http://schemas.openxmlformats.org/drawingml/2006/main" xmlns:r="http://schemas.openxmlformats.org/officeDocument/2006/relationships" xmlns:p="http://schemas.openxmlformats.org/presentationml/2006/main">
-  <p:cSld>
-    <p:spTree>
-      <p:nvGrpSpPr>
-        <p:cNvPr id="1" name=""/>
-        <p:cNvGrpSpPr/>
-        <p:nvPr/>
-      </p:nvGrpSpPr>
-      <p:grpSpPr>
-        <a:xfrm>
-          <a:off x="0" y="0"/>
-          <a:ext cx="0" cy="0"/>
-          <a:chOff x="0" y="0"/>
-          <a:chExt cx="0" cy="0"/>
-        </a:xfrm>
-      </p:grpSpPr>
-      <p:sp>
-        <p:nvSpPr>
-          <p:cNvPr id="2" name="Slide Image Placeholder 1"/>
-          <p:cNvSpPr>
-            <a:spLocks noGrp="1" noRot="1" noChangeAspect="1"/>
-          </p:cNvSpPr>
-          <p:nvPr>
-            <p:ph type="sldImg"/>
-          </p:nvPr>
-        </p:nvSpPr>
-        <p:spPr/>
-      </p:sp>
-      <p:sp>
-        <p:nvSpPr>
-          <p:cNvPr id="3" name="Notes Placeholder 2"/>
-          <p:cNvSpPr>
-            <a:spLocks noGrp="1"/>
-          </p:cNvSpPr>
-          <p:nvPr>
-            <p:ph type="body" idx="1"/>
-          </p:nvPr>
-        </p:nvSpPr>
-        <p:spPr/>
-        <p:txBody>
-          <a:bodyPr/>
-          <a:lstStyle/>
-          <a:p>
-            <a:endParaRPr lang="en-US"/>
-          </a:p>
-        </p:txBody>
-      </p:sp>
-      <p:sp>
-        <p:nvSpPr>
-          <p:cNvPr id="4" name="Slide Number Placeholder 3"/>
-          <p:cNvSpPr>
-            <a:spLocks noGrp="1"/>
-          </p:cNvSpPr>
-          <p:nvPr>
-            <p:ph type="sldNum" sz="quarter" idx="10"/>
-          </p:nvPr>
-        </p:nvSpPr>
-        <p:spPr/>
-        <p:txBody>
-          <a:bodyPr/>
-          <a:lstStyle/>
-          <a:p>
-            <a:pPr>
-              <a:defRPr/>
-            </a:pPr>
-            <a:fld id="{61388809-6B81-4C55-A44B-C841547B66BA}" type="slidenum">
-              <a:rPr lang="en-US" smtClean="0"/>
-              <a:pPr>
-                <a:defRPr/>
-              </a:pPr>
-              <a:t>28</a:t>
-            </a:fld>
-            <a:endParaRPr lang="en-US"/>
-          </a:p>
-        </p:txBody>
-      </p:sp>
-    </p:spTree>
-    <p:extLst>
-      <p:ext uri="{BB962C8B-B14F-4D97-AF65-F5344CB8AC3E}">
-        <p14:creationId xmlns:p14="http://schemas.microsoft.com/office/powerpoint/2010/main" val="415749413"/>
-      </p:ext>
-    </p:extLst>
-  </p:cSld>
-  <p:clrMapOvr>
-    <a:masterClrMapping/>
-  </p:clrMapOvr>
-</p:notes>
-</file>
-
-<file path=ppt/notesSlides/notesSlide29.xml><?xml version="1.0" encoding="utf-8"?>
-<p:notes xmlns:a="http://schemas.openxmlformats.org/drawingml/2006/main" xmlns:r="http://schemas.openxmlformats.org/officeDocument/2006/relationships" xmlns:p="http://schemas.openxmlformats.org/presentationml/2006/main">
-  <p:cSld>
-    <p:spTree>
-      <p:nvGrpSpPr>
-        <p:cNvPr id="1" name=""/>
-        <p:cNvGrpSpPr/>
-        <p:nvPr/>
-      </p:nvGrpSpPr>
-      <p:grpSpPr>
-        <a:xfrm>
-          <a:off x="0" y="0"/>
-          <a:ext cx="0" cy="0"/>
-          <a:chOff x="0" y="0"/>
-          <a:chExt cx="0" cy="0"/>
-        </a:xfrm>
-      </p:grpSpPr>
-      <p:sp>
-        <p:nvSpPr>
-          <p:cNvPr id="2" name="Slide Image Placeholder 1"/>
-          <p:cNvSpPr>
-            <a:spLocks noGrp="1" noRot="1" noChangeAspect="1"/>
-          </p:cNvSpPr>
-          <p:nvPr>
-            <p:ph type="sldImg"/>
-          </p:nvPr>
-        </p:nvSpPr>
-        <p:spPr/>
-      </p:sp>
-      <p:sp>
-        <p:nvSpPr>
-          <p:cNvPr id="3" name="Notes Placeholder 2"/>
-          <p:cNvSpPr>
-            <a:spLocks noGrp="1"/>
-          </p:cNvSpPr>
-          <p:nvPr>
-            <p:ph type="body" idx="1"/>
-          </p:nvPr>
-        </p:nvSpPr>
-        <p:spPr/>
-        <p:txBody>
-          <a:bodyPr/>
-          <a:lstStyle/>
-          <a:p>
-            <a:pPr marL="0" marR="0" indent="0" algn="l" defTabSz="914400" rtl="0" eaLnBrk="0" fontAlgn="base" latinLnBrk="0" hangingPunct="0">
-              <a:lnSpc>
-                <a:spcPct val="100000"/>
-              </a:lnSpc>
-              <a:spcBef>
-                <a:spcPct val="30000"/>
-              </a:spcBef>
-              <a:spcAft>
-                <a:spcPct val="0"/>
-              </a:spcAft>
-              <a:buClrTx/>
-              <a:buSzTx/>
-              <a:buFontTx/>
-              <a:buNone/>
-              <a:tabLst/>
-              <a:defRPr/>
-            </a:pPr>
-            <a:r>
-              <a:rPr lang="en-US" dirty="0" err="1" smtClean="0"/>
-              <a:t>Khronos</a:t>
-            </a:r>
-            <a:r>
-              <a:rPr lang="en-US" dirty="0" smtClean="0"/>
-              <a:t> logos from http://</a:t>
-            </a:r>
-            <a:r>
-              <a:rPr lang="en-US" dirty="0" err="1" smtClean="0"/>
-              <a:t>www.khronos.org</a:t>
-            </a:r>
-            <a:r>
-              <a:rPr lang="en-US" dirty="0" smtClean="0"/>
-              <a:t>/legal/trademarks/</a:t>
-            </a:r>
-          </a:p>
-          <a:p>
-            <a:endParaRPr lang="en-US" dirty="0"/>
-          </a:p>
-        </p:txBody>
-      </p:sp>
-      <p:sp>
-        <p:nvSpPr>
-          <p:cNvPr id="4" name="Slide Number Placeholder 3"/>
-          <p:cNvSpPr>
-            <a:spLocks noGrp="1"/>
-          </p:cNvSpPr>
-          <p:nvPr>
-            <p:ph type="sldNum" sz="quarter" idx="10"/>
-          </p:nvPr>
-        </p:nvSpPr>
-        <p:spPr/>
-        <p:txBody>
-          <a:bodyPr/>
-          <a:lstStyle/>
-          <a:p>
-            <a:pPr>
-              <a:defRPr/>
-            </a:pPr>
-            <a:fld id="{61388809-6B81-4C55-A44B-C841547B66BA}" type="slidenum">
-              <a:rPr lang="en-US" smtClean="0"/>
-              <a:pPr>
-                <a:defRPr/>
-              </a:pPr>
-              <a:t>29</a:t>
-            </a:fld>
-            <a:endParaRPr lang="en-US"/>
-          </a:p>
-        </p:txBody>
-      </p:sp>
-    </p:spTree>
-    <p:extLst>
-      <p:ext uri="{BB962C8B-B14F-4D97-AF65-F5344CB8AC3E}">
-        <p14:creationId xmlns:p14="http://schemas.microsoft.com/office/powerpoint/2010/main" val="1684194221"/>
       </p:ext>
     </p:extLst>
   </p:cSld>
@@ -4475,7 +2710,15 @@
             </a:r>
             <a:r>
               <a:rPr lang="en-US" baseline="0" dirty="0" smtClean="0"/>
-              <a:t> formats strive to preserve the full authoring contents of an assets but are not optimized for runtime engines, especially for use on the web with WebGL.</a:t>
+              <a:t> formats strive to preserve the full authoring contents of an </a:t>
+            </a:r>
+            <a:r>
+              <a:rPr lang="en-US" baseline="0" dirty="0" smtClean="0"/>
+              <a:t>asset </a:t>
+            </a:r>
+            <a:r>
+              <a:rPr lang="en-US" baseline="0" dirty="0" smtClean="0"/>
+              <a:t>but are not optimized for runtime engines, especially for use on the web with WebGL.</a:t>
             </a:r>
           </a:p>
         </p:txBody>
@@ -4572,39 +2815,19 @@
             </a:r>
             <a:r>
               <a:rPr lang="en-US" baseline="0" dirty="0" smtClean="0"/>
-              <a:t> verbose and slow to load for runtime </a:t>
-            </a:r>
-            <a:r>
-              <a:rPr lang="en-US" baseline="0" dirty="0" smtClean="0"/>
-              <a:t>use.  </a:t>
+              <a:t> verbose and slow to load for runtime use.  </a:t>
             </a:r>
             <a:r>
               <a:rPr lang="en-US" dirty="0" smtClean="0"/>
-              <a:t>They need </a:t>
+              <a:t>They need to go through many conversion steps before being ready for WebGL.  </a:t>
             </a:r>
             <a:r>
               <a:rPr lang="en-US" dirty="0" smtClean="0"/>
-              <a:t>to go through many conversion steps before </a:t>
+              <a:t>This processing doesn’t </a:t>
             </a:r>
             <a:r>
               <a:rPr lang="en-US" dirty="0" smtClean="0"/>
-              <a:t>being ready for WebGL.  </a:t>
-            </a:r>
-            <a:r>
-              <a:rPr lang="en-US" dirty="0" smtClean="0"/>
-              <a:t>This doesn’t belong in </a:t>
-            </a:r>
-            <a:r>
-              <a:rPr lang="en-US" dirty="0" smtClean="0"/>
-              <a:t>the runtime engine; </a:t>
-            </a:r>
-            <a:r>
-              <a:rPr lang="en-US" dirty="0" smtClean="0"/>
-              <a:t>it belongs in the content pipeline</a:t>
-            </a:r>
-            <a:r>
-              <a:rPr lang="en-US" dirty="0" smtClean="0"/>
-              <a:t>.</a:t>
+              <a:t>belong in the runtime engine; it belongs in the content pipeline.</a:t>
             </a:r>
           </a:p>
           <a:p>
@@ -4617,7 +2840,23 @@
             </a:r>
             <a:r>
               <a:rPr lang="en-US" baseline="0" dirty="0" smtClean="0"/>
-              <a:t> are shown here.  With this format, XML is verbose; indices are specified per attribute, not vertex vertex as WebGL requires; unsigned </a:t>
+              <a:t> are shown here. </a:t>
+            </a:r>
+            <a:r>
+              <a:rPr lang="en-US" baseline="0" dirty="0" smtClean="0"/>
+              <a:t> XML </a:t>
+            </a:r>
+            <a:r>
+              <a:rPr lang="en-US" baseline="0" dirty="0" smtClean="0"/>
+              <a:t>is verbose; indices are specified per attribute, not </a:t>
+            </a:r>
+            <a:r>
+              <a:rPr lang="en-US" baseline="0" dirty="0" smtClean="0"/>
+              <a:t>per vertex </a:t>
+            </a:r>
+            <a:r>
+              <a:rPr lang="en-US" baseline="0" dirty="0" smtClean="0"/>
+              <a:t>as WebGL requires; unsigned </a:t>
             </a:r>
             <a:r>
               <a:rPr lang="en-US" baseline="0" dirty="0" err="1" smtClean="0"/>
@@ -4886,7 +3125,15 @@
             </a:pPr>
             <a:r>
               <a:rPr lang="en-US" baseline="0" dirty="0" smtClean="0"/>
-              <a:t>With WebGL, there are a handful of ah hoc runtime formats, usually based on JSON, for a few of the major engines like </a:t>
+              <a:t>With WebGL, there are a handful of </a:t>
+            </a:r>
+            <a:r>
+              <a:rPr lang="en-US" baseline="0" dirty="0" smtClean="0"/>
+              <a:t>ad-hoc </a:t>
+            </a:r>
+            <a:r>
+              <a:rPr lang="en-US" baseline="0" dirty="0" smtClean="0"/>
+              <a:t>runtime formats, usually based on JSON, for a few of the major engines like </a:t>
             </a:r>
             <a:r>
               <a:rPr lang="en-US" baseline="0" dirty="0" err="1" smtClean="0"/>
@@ -4904,6 +3151,34 @@
               <a:rPr lang="en-US" baseline="0" dirty="0" smtClean="0"/>
               <a:t> [2]</a:t>
             </a:r>
+          </a:p>
+          <a:p>
+            <a:endParaRPr lang="en-US" dirty="0" smtClean="0"/>
+          </a:p>
+          <a:p>
+            <a:r>
+              <a:rPr lang="en-US" dirty="0" smtClean="0"/>
+              <a:t>glTF is an open-standard runtime asset format that strives to be useful to most WebGL engines </a:t>
+            </a:r>
+            <a:r>
+              <a:rPr lang="en-US" dirty="0" smtClean="0"/>
+              <a:t>by providing </a:t>
+            </a:r>
+            <a:r>
+              <a:rPr lang="en-US" dirty="0" smtClean="0"/>
+              <a:t>a schema and content</a:t>
+            </a:r>
+            <a:r>
+              <a:rPr lang="en-US" baseline="0" dirty="0" smtClean="0"/>
+              <a:t> pipeline for the most common asset constructs like geometry and materials, and to be extensible so each engine can add their own custom data</a:t>
+            </a:r>
+            <a:r>
+              <a:rPr lang="en-US" baseline="0" dirty="0" smtClean="0"/>
+              <a:t>.</a:t>
+            </a:r>
+          </a:p>
+          <a:p>
+            <a:endParaRPr lang="en-US" baseline="0" dirty="0" smtClean="0"/>
           </a:p>
           <a:p>
             <a:pPr marL="0" marR="0" indent="0" algn="l" defTabSz="914400" rtl="0" eaLnBrk="0" fontAlgn="base" latinLnBrk="0" hangingPunct="0">
@@ -4923,7 +3198,34 @@
               <a:tabLst/>
               <a:defRPr/>
             </a:pPr>
-            <a:endParaRPr lang="en-US" baseline="0" dirty="0" smtClean="0"/>
+            <a:r>
+              <a:rPr lang="en-US" baseline="0" dirty="0" smtClean="0"/>
+              <a:t>[1] https://</a:t>
+            </a:r>
+            <a:r>
+              <a:rPr lang="en-US" baseline="0" dirty="0" err="1" smtClean="0"/>
+              <a:t>github.com</a:t>
+            </a:r>
+            <a:r>
+              <a:rPr lang="en-US" baseline="0" dirty="0" smtClean="0"/>
+              <a:t>/</a:t>
+            </a:r>
+            <a:r>
+              <a:rPr lang="en-US" baseline="0" dirty="0" err="1" smtClean="0"/>
+              <a:t>mrdoob</a:t>
+            </a:r>
+            <a:r>
+              <a:rPr lang="en-US" baseline="0" dirty="0" smtClean="0"/>
+              <a:t>/</a:t>
+            </a:r>
+            <a:r>
+              <a:rPr lang="en-US" baseline="0" dirty="0" err="1" smtClean="0"/>
+              <a:t>three.js</a:t>
+            </a:r>
+            <a:r>
+              <a:rPr lang="en-US" baseline="0" dirty="0" smtClean="0"/>
+              <a:t>/wiki/JSON-Model-format-3.1</a:t>
+            </a:r>
           </a:p>
           <a:p>
             <a:pPr marL="0" marR="0" indent="0" algn="l" defTabSz="914400" rtl="0" eaLnBrk="0" fontAlgn="base" latinLnBrk="0" hangingPunct="0">
@@ -4945,7 +3247,7 @@
             </a:pPr>
             <a:r>
               <a:rPr lang="en-US" baseline="0" dirty="0" smtClean="0"/>
-              <a:t>[1] https://</a:t>
+              <a:t>[2] https://</a:t>
             </a:r>
             <a:r>
               <a:rPr lang="en-US" baseline="0" dirty="0" err="1" smtClean="0"/>
@@ -4957,7 +3259,7 @@
             </a:r>
             <a:r>
               <a:rPr lang="en-US" baseline="0" dirty="0" err="1" smtClean="0"/>
-              <a:t>mrdoob</a:t>
+              <a:t>BabylonJS</a:t>
             </a:r>
             <a:r>
               <a:rPr lang="en-US" baseline="0" dirty="0" smtClean="0"/>
@@ -4965,50 +3267,11 @@
             </a:r>
             <a:r>
               <a:rPr lang="en-US" baseline="0" dirty="0" err="1" smtClean="0"/>
-              <a:t>three.js</a:t>
+              <a:t>Babylon.js</a:t>
             </a:r>
             <a:r>
               <a:rPr lang="en-US" baseline="0" dirty="0" smtClean="0"/>
-              <a:t>/wiki/JSON-Model-format-3.1</a:t>
-            </a:r>
-          </a:p>
-          <a:p>
-            <a:pPr marL="0" marR="0" indent="0" algn="l" defTabSz="914400" rtl="0" eaLnBrk="0" fontAlgn="base" latinLnBrk="0" hangingPunct="0">
-              <a:lnSpc>
-                <a:spcPct val="100000"/>
-              </a:lnSpc>
-              <a:spcBef>
-                <a:spcPct val="30000"/>
-              </a:spcBef>
-              <a:spcAft>
-                <a:spcPct val="0"/>
-              </a:spcAft>
-              <a:buClrTx/>
-              <a:buSzTx/>
-              <a:buFontTx/>
-              <a:buNone/>
-              <a:tabLst/>
-              <a:defRPr/>
-            </a:pPr>
-            <a:r>
-              <a:rPr lang="en-US" baseline="0" dirty="0" smtClean="0"/>
-              <a:t>[2] https://</a:t>
-            </a:r>
-            <a:r>
-              <a:rPr lang="en-US" baseline="0" dirty="0" err="1" smtClean="0"/>
-              <a:t>github.com</a:t>
-            </a:r>
-            <a:r>
-              <a:rPr lang="en-US" baseline="0" dirty="0" smtClean="0"/>
-              <a:t>/</a:t>
-            </a:r>
-            <a:r>
-              <a:rPr lang="en-US" baseline="0" dirty="0" err="1" smtClean="0"/>
-              <a:t>BabylonJS</a:t>
-            </a:r>
-            <a:r>
-              <a:rPr lang="en-US" baseline="0" dirty="0" smtClean="0"/>
-              <a:t>/</a:t>
+              <a:t>/wiki/</a:t>
             </a:r>
             <a:r>
               <a:rPr lang="en-US" baseline="0" dirty="0" err="1" smtClean="0"/>
@@ -5016,29 +3279,10 @@
             </a:r>
             <a:r>
               <a:rPr lang="en-US" baseline="0" dirty="0" smtClean="0"/>
-              <a:t>/wiki/</a:t>
-            </a:r>
-            <a:r>
-              <a:rPr lang="en-US" baseline="0" dirty="0" err="1" smtClean="0"/>
-              <a:t>Babylon.js</a:t>
-            </a:r>
-            <a:r>
-              <a:rPr lang="en-US" baseline="0" dirty="0" smtClean="0"/>
               <a:t>-file-format</a:t>
             </a:r>
           </a:p>
           <a:p>
-            <a:endParaRPr lang="en-US" dirty="0" smtClean="0"/>
-          </a:p>
-          <a:p>
-            <a:r>
-              <a:rPr lang="en-US" dirty="0" smtClean="0"/>
-              <a:t>glTF is an open-standard runtime asset format that strives to be useful to most WebGL engines but providing a schema and content</a:t>
-            </a:r>
-            <a:r>
-              <a:rPr lang="en-US" baseline="0" dirty="0" smtClean="0"/>
-              <a:t> pipeline for the most common asset constructs like geometry and materials, and to be extensible so each engine can add their own custom data.</a:t>
-            </a:r>
             <a:endParaRPr lang="en-US" dirty="0" smtClean="0"/>
           </a:p>
         </p:txBody>
@@ -5131,7 +3375,15 @@
           <a:p>
             <a:r>
               <a:rPr lang="en-US" dirty="0" smtClean="0"/>
-              <a:t>The number one goal of glTF is that assets are easy and efficient to render; we want engines to be “fast by default.”</a:t>
+              <a:t>The number one goal of glTF is that assets are easy and efficient to </a:t>
+            </a:r>
+            <a:r>
+              <a:rPr lang="en-US" dirty="0" smtClean="0"/>
+              <a:t>render in WebGL; </a:t>
+            </a:r>
+            <a:r>
+              <a:rPr lang="en-US" dirty="0" smtClean="0"/>
+              <a:t>we want engines to be “fast by default.”</a:t>
             </a:r>
           </a:p>
           <a:p>
@@ -5158,15 +3410,7 @@
             </a:r>
             <a:r>
               <a:rPr lang="en-US" baseline="0" dirty="0" smtClean="0"/>
-              <a:t> cross</a:t>
-            </a:r>
-            <a:r>
-              <a:rPr lang="en-US" baseline="0" dirty="0" smtClean="0"/>
-              <a:t>-platform, compact, readable, allows validation, and minifies and compresses </a:t>
-            </a:r>
-            <a:r>
-              <a:rPr lang="en-US" baseline="0" dirty="0" smtClean="0"/>
-              <a:t>well.</a:t>
+              <a:t> cross-platform, compact, readable, allows validation, and minifies and compresses well.</a:t>
             </a:r>
             <a:endParaRPr lang="en-US" dirty="0" smtClean="0"/>
           </a:p>
@@ -5176,15 +3420,7 @@
           <a:p>
             <a:r>
               <a:rPr lang="en-US" dirty="0" smtClean="0"/>
-              <a:t>Binary </a:t>
-            </a:r>
-            <a:r>
-              <a:rPr lang="en-US" dirty="0" smtClean="0"/>
-              <a:t>data is little </a:t>
-            </a:r>
-            <a:r>
-              <a:rPr lang="en-US" dirty="0" smtClean="0"/>
-              <a:t>endian.</a:t>
+              <a:t>Binary data is little endian.</a:t>
             </a:r>
             <a:r>
               <a:rPr lang="en-US" baseline="0" dirty="0" smtClean="0"/>
@@ -5192,25 +3428,8 @@
             </a:r>
             <a:r>
               <a:rPr lang="en-US" dirty="0" smtClean="0"/>
-              <a:t>Binary </a:t>
-            </a:r>
-            <a:r>
-              <a:rPr lang="en-US" dirty="0" smtClean="0"/>
-              <a:t>blobs </a:t>
-            </a:r>
-            <a:r>
-              <a:rPr lang="en-US" dirty="0" smtClean="0"/>
-              <a:t>allow </a:t>
-            </a:r>
-            <a:r>
-              <a:rPr lang="en-US" dirty="0" smtClean="0"/>
-              <a:t>efficient creation of GL buffers and textures since they require no additional parsing, except perhaps </a:t>
-            </a:r>
-            <a:r>
-              <a:rPr lang="en-US" dirty="0" smtClean="0"/>
-              <a:t>decompression.  An asset can have any number of binary files for flexibility for a wide array of applications.</a:t>
-            </a:r>
-            <a:endParaRPr lang="en-US" dirty="0" smtClean="0"/>
+              <a:t>Binary blobs allow efficient creation of GL buffers and textures since they require no additional parsing, except perhaps decompression.  An asset can have any number of binary files for flexibility for a wide array of applications.</a:t>
+            </a:r>
           </a:p>
         </p:txBody>
       </p:sp>
@@ -5319,25 +3538,12 @@
             </a:pPr>
             <a:r>
               <a:rPr lang="en-US" dirty="0" smtClean="0"/>
-              <a:t>glTF has more features than </a:t>
-            </a:r>
-            <a:r>
-              <a:rPr lang="en-US" dirty="0" smtClean="0"/>
-              <a:t>WebGL, </a:t>
-            </a:r>
-            <a:r>
-              <a:rPr lang="en-US" dirty="0" smtClean="0"/>
-              <a:t>like a node hierarchy,</a:t>
+              <a:t>glTF has more features than WebGL, like a node hierarchy,</a:t>
             </a:r>
             <a:r>
               <a:rPr lang="en-US" baseline="0" dirty="0" smtClean="0"/>
-              <a:t> animation, and skins, but less features than an interchange format, like physics and spline representations</a:t>
-            </a:r>
-            <a:r>
-              <a:rPr lang="en-US" baseline="0" dirty="0" smtClean="0"/>
-              <a:t>.  It tries to strike a balance between providing enough features and being bloated.</a:t>
-            </a:r>
-            <a:endParaRPr lang="en-US" baseline="0" dirty="0" smtClean="0"/>
+              <a:t> animation, and skins, but less features than an interchange format, like physics and spline representations.  It tries to strike a balance between providing enough features and being bloated.</a:t>
+            </a:r>
           </a:p>
           <a:p>
             <a:pPr marL="0" marR="0" indent="0" algn="l" defTabSz="914400" rtl="0" eaLnBrk="0" fontAlgn="base" latinLnBrk="0" hangingPunct="0">
@@ -5381,7 +3587,6 @@
               <a:rPr lang="en-US" dirty="0" smtClean="0"/>
               <a:t>glTF is extensible by allowing extra JSON properties (literally named “extra : {}”) on each property, which is forward-compatible.</a:t>
             </a:r>
-            <a:endParaRPr lang="en-US" dirty="0" smtClean="0"/>
           </a:p>
           <a:p>
             <a:endParaRPr lang="en-US" dirty="0"/>
@@ -5480,15 +3685,25 @@
             </a:r>
             <a:r>
               <a:rPr lang="en-US" baseline="0" dirty="0" smtClean="0"/>
-              <a:t>  However, a spec alone is not useful to developers.  There is an open-source content-pipeline that converts COLLADA to glTF [1], which allows engine developers to save on the amount of code they have to write; in simple cases, we won’t need any additional content pipeline code.  In addition </a:t>
-            </a:r>
+              <a:t>  However, a spec alone is not useful to developers.  There is an open-source content-pipeline that converts COLLADA to glTF [1], which allows engine developers to save on the amount of code they have to write; in simple cases, we won’t need any additional content pipeline code.  </a:t>
+            </a:r>
+            <a:endParaRPr lang="en-US" baseline="0" dirty="0" smtClean="0"/>
+          </a:p>
+          <a:p>
+            <a:endParaRPr lang="en-US" baseline="0" dirty="0" smtClean="0"/>
+          </a:p>
+          <a:p>
             <a:r>
               <a:rPr lang="en-US" baseline="0" dirty="0" err="1" smtClean="0"/>
               <a:t>Three.js</a:t>
             </a:r>
             <a:r>
               <a:rPr lang="en-US" baseline="0" dirty="0" smtClean="0"/>
-              <a:t> is widely used by the WebGL community so there is an open-source glTF loader for </a:t>
+              <a:t> </a:t>
+            </a:r>
+            <a:r>
+              <a:rPr lang="en-US" baseline="0" dirty="0" smtClean="0"/>
+              <a:t>is widely used by the WebGL community so there is an open-source glTF loader for </a:t>
             </a:r>
             <a:r>
               <a:rPr lang="en-US" baseline="0" dirty="0" err="1" smtClean="0"/>
@@ -5496,7 +3711,19 @@
             </a:r>
             <a:r>
               <a:rPr lang="en-US" baseline="0" dirty="0" smtClean="0"/>
-              <a:t>.  We also believe that it’s impossible to write a reasonable spec without implementing it so everyone working on the spec, implemented a glTF loader, sometimes even rewriting it from scratch.</a:t>
+              <a:t>.  We also believe that it’s impossible to write a reasonable spec without implementing it so everyone working on the </a:t>
+            </a:r>
+            <a:r>
+              <a:rPr lang="en-US" baseline="0" dirty="0" smtClean="0"/>
+              <a:t>spec </a:t>
+            </a:r>
+            <a:r>
+              <a:rPr lang="en-US" baseline="0" dirty="0" smtClean="0"/>
+              <a:t>implemented a glTF loader, sometimes even </a:t>
+            </a:r>
+            <a:r>
+              <a:rPr lang="en-US" baseline="0" dirty="0" smtClean="0"/>
+              <a:t>more than one.</a:t>
             </a:r>
             <a:endParaRPr lang="en-US" dirty="0" smtClean="0"/>
           </a:p>
@@ -5518,7 +3745,11 @@
             </a:r>
             <a:r>
               <a:rPr lang="en-US" baseline="0" dirty="0" smtClean="0"/>
-              <a:t> loader code, was done in the open using </a:t>
+              <a:t> loader code, was done in the open </a:t>
+            </a:r>
+            <a:r>
+              <a:rPr lang="en-US" baseline="0" dirty="0" smtClean="0"/>
+              <a:t>on </a:t>
             </a:r>
             <a:r>
               <a:rPr lang="en-US" baseline="0" dirty="0" err="1" smtClean="0"/>
@@ -5526,7 +3757,15 @@
             </a:r>
             <a:r>
               <a:rPr lang="en-US" baseline="0" dirty="0" smtClean="0"/>
-              <a:t>.  This was useful for bug fixes and more folks joining in on discussions.</a:t>
+              <a:t>.  This was useful for </a:t>
+            </a:r>
+            <a:r>
+              <a:rPr lang="en-US" baseline="0" dirty="0" smtClean="0"/>
+              <a:t>external bug </a:t>
+            </a:r>
+            <a:r>
+              <a:rPr lang="en-US" baseline="0" dirty="0" smtClean="0"/>
+              <a:t>fixes and more folks joining in on discussions.</a:t>
             </a:r>
             <a:endParaRPr lang="en-US" dirty="0" smtClean="0"/>
           </a:p>
@@ -5548,15 +3787,7 @@
             </a:r>
             <a:r>
               <a:rPr lang="en-US" baseline="0" dirty="0" smtClean="0"/>
-              <a:t> </a:t>
-            </a:r>
-            <a:r>
-              <a:rPr lang="en-US" baseline="0" dirty="0" smtClean="0"/>
-              <a:t>engines like Unity and C4 already have a runtime </a:t>
-            </a:r>
-            <a:r>
-              <a:rPr lang="en-US" baseline="0" dirty="0" smtClean="0"/>
-              <a:t>format and have written supporting tools.</a:t>
+              <a:t> engines like Unity and C4 already have a runtime format and have written supporting tools.</a:t>
             </a:r>
             <a:endParaRPr lang="en-US" dirty="0" smtClean="0"/>
           </a:p>
@@ -11007,7 +9238,7 @@
           <a:p>
             <a:r>
               <a:rPr lang="en-US" dirty="0" smtClean="0"/>
-              <a:t>TODO</a:t>
+              <a:t>Content Pipeline</a:t>
             </a:r>
             <a:endParaRPr lang="en-US" dirty="0"/>
           </a:p>
@@ -11030,54 +9261,13 @@
           <a:p>
             <a:r>
               <a:rPr lang="en-US" dirty="0" smtClean="0"/>
-              <a:t>Selected schema examples</a:t>
-            </a:r>
-            <a:endParaRPr lang="en-US" dirty="0" smtClean="0"/>
-          </a:p>
-          <a:p>
-            <a:r>
-              <a:rPr lang="en-US" dirty="0" smtClean="0"/>
-              <a:t>Converter </a:t>
-            </a:r>
-            <a:r>
-              <a:rPr lang="en-US" dirty="0" smtClean="0"/>
-              <a:t>command-line example</a:t>
-            </a:r>
-          </a:p>
-          <a:p>
-            <a:r>
-              <a:rPr lang="en-US" dirty="0" smtClean="0"/>
-              <a:t>Demos</a:t>
-            </a:r>
-          </a:p>
-          <a:p>
-            <a:r>
-              <a:rPr lang="en-US" dirty="0" smtClean="0"/>
-              <a:t>Implementation tips?</a:t>
-            </a:r>
-          </a:p>
-          <a:p>
-            <a:r>
-              <a:rPr lang="en-US" dirty="0" smtClean="0"/>
-              <a:t>More artist tips?</a:t>
-            </a:r>
-          </a:p>
-          <a:p>
-            <a:r>
-              <a:rPr lang="en-US" dirty="0" smtClean="0"/>
-              <a:t>Reference “</a:t>
-            </a:r>
-            <a:r>
-              <a:rPr lang="en-US" dirty="0"/>
-              <a:t>An Artist's Guide to </a:t>
-            </a:r>
-            <a:r>
-              <a:rPr lang="en-US" dirty="0" smtClean="0"/>
-              <a:t>glTF”</a:t>
-            </a:r>
-            <a:endParaRPr lang="en-US" dirty="0" smtClean="0"/>
-          </a:p>
-          <a:p>
+              <a:t>Optimize and package assets for use with the engine</a:t>
+            </a:r>
+          </a:p>
+          <a:p>
+            <a:pPr marL="457200" lvl="1" indent="0">
+              <a:buNone/>
+            </a:pPr>
             <a:endParaRPr lang="en-US" dirty="0"/>
           </a:p>
         </p:txBody>
@@ -11106,116 +9296,6 @@
                 <a:defRPr/>
               </a:pPr>
               <a:t>11</a:t>
-            </a:fld>
-            <a:endParaRPr lang="en-US"/>
-          </a:p>
-        </p:txBody>
-      </p:sp>
-    </p:spTree>
-    <p:extLst>
-      <p:ext uri="{BB962C8B-B14F-4D97-AF65-F5344CB8AC3E}">
-        <p14:creationId xmlns:p14="http://schemas.microsoft.com/office/powerpoint/2010/main" val="2727731808"/>
-      </p:ext>
-    </p:extLst>
-  </p:cSld>
-  <p:clrMapOvr>
-    <a:masterClrMapping/>
-  </p:clrMapOvr>
-</p:sld>
-</file>
-
-<file path=ppt/slides/slide12.xml><?xml version="1.0" encoding="utf-8"?>
-<p:sld xmlns:a="http://schemas.openxmlformats.org/drawingml/2006/main" xmlns:r="http://schemas.openxmlformats.org/officeDocument/2006/relationships" xmlns:p="http://schemas.openxmlformats.org/presentationml/2006/main">
-  <p:cSld>
-    <p:spTree>
-      <p:nvGrpSpPr>
-        <p:cNvPr id="1" name=""/>
-        <p:cNvGrpSpPr/>
-        <p:nvPr/>
-      </p:nvGrpSpPr>
-      <p:grpSpPr>
-        <a:xfrm>
-          <a:off x="0" y="0"/>
-          <a:ext cx="0" cy="0"/>
-          <a:chOff x="0" y="0"/>
-          <a:chExt cx="0" cy="0"/>
-        </a:xfrm>
-      </p:grpSpPr>
-      <p:sp>
-        <p:nvSpPr>
-          <p:cNvPr id="2" name="Title 1"/>
-          <p:cNvSpPr>
-            <a:spLocks noGrp="1"/>
-          </p:cNvSpPr>
-          <p:nvPr>
-            <p:ph type="title"/>
-          </p:nvPr>
-        </p:nvSpPr>
-        <p:spPr/>
-        <p:txBody>
-          <a:bodyPr/>
-          <a:lstStyle/>
-          <a:p>
-            <a:r>
-              <a:rPr lang="en-US" dirty="0" smtClean="0"/>
-              <a:t>Content Pipeline</a:t>
-            </a:r>
-            <a:endParaRPr lang="en-US" dirty="0"/>
-          </a:p>
-        </p:txBody>
-      </p:sp>
-      <p:sp>
-        <p:nvSpPr>
-          <p:cNvPr id="3" name="Content Placeholder 2"/>
-          <p:cNvSpPr>
-            <a:spLocks noGrp="1"/>
-          </p:cNvSpPr>
-          <p:nvPr>
-            <p:ph idx="1"/>
-          </p:nvPr>
-        </p:nvSpPr>
-        <p:spPr/>
-        <p:txBody>
-          <a:bodyPr/>
-          <a:lstStyle/>
-          <a:p>
-            <a:r>
-              <a:rPr lang="en-US" dirty="0" smtClean="0"/>
-              <a:t>Optimize and package assets for use with the engine</a:t>
-            </a:r>
-          </a:p>
-          <a:p>
-            <a:pPr marL="457200" lvl="1" indent="0">
-              <a:buNone/>
-            </a:pPr>
-            <a:endParaRPr lang="en-US" dirty="0"/>
-          </a:p>
-        </p:txBody>
-      </p:sp>
-      <p:sp>
-        <p:nvSpPr>
-          <p:cNvPr id="4" name="Slide Number Placeholder 3"/>
-          <p:cNvSpPr>
-            <a:spLocks noGrp="1"/>
-          </p:cNvSpPr>
-          <p:nvPr>
-            <p:ph type="sldNum" sz="quarter" idx="12"/>
-          </p:nvPr>
-        </p:nvSpPr>
-        <p:spPr/>
-        <p:txBody>
-          <a:bodyPr/>
-          <a:lstStyle/>
-          <a:p>
-            <a:pPr>
-              <a:defRPr/>
-            </a:pPr>
-            <a:fld id="{FC28735A-D6AA-419A-87B4-83DEEEB2001E}" type="slidenum">
-              <a:rPr lang="en-US" smtClean="0"/>
-              <a:pPr>
-                <a:defRPr/>
-              </a:pPr>
-              <a:t>12</a:t>
             </a:fld>
             <a:endParaRPr lang="en-US"/>
           </a:p>
@@ -11286,16 +9366,6 @@
               </a:rPr>
               <a:t>COLLADA2GLTF</a:t>
             </a:r>
-            <a:endParaRPr kumimoji="0" lang="en-US" sz="1800" b="0" i="0" u="none" strike="noStrike" cap="none" normalizeH="0" baseline="0" dirty="0" smtClean="0">
-              <a:ln>
-                <a:noFill/>
-              </a:ln>
-              <a:solidFill>
-                <a:schemeClr val="tx1"/>
-              </a:solidFill>
-              <a:effectLst/>
-              <a:latin typeface="Arial" charset="0"/>
-            </a:endParaRPr>
           </a:p>
         </p:txBody>
       </p:sp>
@@ -11395,16 +9465,6 @@
               </a:rPr>
               <a:t>Engine</a:t>
             </a:r>
-            <a:endParaRPr kumimoji="0" lang="en-US" sz="1800" b="0" i="0" u="none" strike="noStrike" cap="none" normalizeH="0" baseline="0" dirty="0" smtClean="0">
-              <a:ln>
-                <a:noFill/>
-              </a:ln>
-              <a:solidFill>
-                <a:schemeClr val="tx1"/>
-              </a:solidFill>
-              <a:effectLst/>
-              <a:latin typeface="Arial" charset="0"/>
-            </a:endParaRPr>
           </a:p>
         </p:txBody>
       </p:sp>
@@ -11612,16 +9672,6 @@
               </a:rPr>
               <a:t>COLLADA2GLTF</a:t>
             </a:r>
-            <a:endParaRPr kumimoji="0" lang="en-US" sz="1100" b="0" i="0" u="none" strike="noStrike" cap="none" normalizeH="0" baseline="0" dirty="0" smtClean="0">
-              <a:ln>
-                <a:noFill/>
-              </a:ln>
-              <a:solidFill>
-                <a:schemeClr val="tx1"/>
-              </a:solidFill>
-              <a:effectLst/>
-              <a:latin typeface="Arial" charset="0"/>
-            </a:endParaRPr>
           </a:p>
         </p:txBody>
       </p:sp>
@@ -11721,16 +9771,6 @@
               </a:rPr>
               <a:t>Engine</a:t>
             </a:r>
-            <a:endParaRPr kumimoji="0" lang="en-US" sz="1100" b="0" i="0" u="none" strike="noStrike" cap="none" normalizeH="0" baseline="0" dirty="0" smtClean="0">
-              <a:ln>
-                <a:noFill/>
-              </a:ln>
-              <a:solidFill>
-                <a:schemeClr val="tx1"/>
-              </a:solidFill>
-              <a:effectLst/>
-              <a:latin typeface="Arial" charset="0"/>
-            </a:endParaRPr>
           </a:p>
         </p:txBody>
       </p:sp>
@@ -11887,16 +9927,6 @@
               </a:rPr>
               <a:t>Stage(s)</a:t>
             </a:r>
-            <a:endParaRPr kumimoji="0" lang="en-US" sz="1100" b="0" i="0" u="none" strike="noStrike" cap="none" normalizeH="0" baseline="0" dirty="0" smtClean="0">
-              <a:ln>
-                <a:noFill/>
-              </a:ln>
-              <a:solidFill>
-                <a:schemeClr val="tx1"/>
-              </a:solidFill>
-              <a:effectLst/>
-              <a:latin typeface="Arial" charset="0"/>
-            </a:endParaRPr>
           </a:p>
         </p:txBody>
       </p:sp>
@@ -12059,16 +10089,6 @@
               </a:rPr>
               <a:t>Stage(s)</a:t>
             </a:r>
-            <a:endParaRPr kumimoji="0" lang="en-US" sz="1100" b="0" i="0" u="none" strike="noStrike" cap="none" normalizeH="0" baseline="0" dirty="0" smtClean="0">
-              <a:ln>
-                <a:noFill/>
-              </a:ln>
-              <a:solidFill>
-                <a:schemeClr val="tx1"/>
-              </a:solidFill>
-              <a:effectLst/>
-              <a:latin typeface="Arial" charset="0"/>
-            </a:endParaRPr>
           </a:p>
         </p:txBody>
       </p:sp>
@@ -12244,6 +10264,168 @@
 </p:sld>
 </file>
 
+<file path=ppt/slides/slide12.xml><?xml version="1.0" encoding="utf-8"?>
+<p:sld xmlns:a="http://schemas.openxmlformats.org/drawingml/2006/main" xmlns:r="http://schemas.openxmlformats.org/officeDocument/2006/relationships" xmlns:p="http://schemas.openxmlformats.org/presentationml/2006/main">
+  <p:cSld>
+    <p:spTree>
+      <p:nvGrpSpPr>
+        <p:cNvPr id="1" name=""/>
+        <p:cNvGrpSpPr/>
+        <p:nvPr/>
+      </p:nvGrpSpPr>
+      <p:grpSpPr>
+        <a:xfrm>
+          <a:off x="0" y="0"/>
+          <a:ext cx="0" cy="0"/>
+          <a:chOff x="0" y="0"/>
+          <a:chExt cx="0" cy="0"/>
+        </a:xfrm>
+      </p:grpSpPr>
+      <p:sp>
+        <p:nvSpPr>
+          <p:cNvPr id="2" name="Title 1"/>
+          <p:cNvSpPr>
+            <a:spLocks noGrp="1"/>
+          </p:cNvSpPr>
+          <p:nvPr>
+            <p:ph type="title"/>
+          </p:nvPr>
+        </p:nvSpPr>
+        <p:spPr/>
+        <p:txBody>
+          <a:bodyPr/>
+          <a:lstStyle/>
+          <a:p>
+            <a:r>
+              <a:rPr lang="en-US" dirty="0" smtClean="0"/>
+              <a:t>Content Pipeline</a:t>
+            </a:r>
+            <a:endParaRPr lang="en-US" dirty="0"/>
+          </a:p>
+        </p:txBody>
+      </p:sp>
+      <p:sp>
+        <p:nvSpPr>
+          <p:cNvPr id="3" name="Content Placeholder 2"/>
+          <p:cNvSpPr>
+            <a:spLocks noGrp="1"/>
+          </p:cNvSpPr>
+          <p:nvPr>
+            <p:ph idx="1"/>
+          </p:nvPr>
+        </p:nvSpPr>
+        <p:spPr/>
+        <p:txBody>
+          <a:bodyPr/>
+          <a:lstStyle/>
+          <a:p>
+            <a:r>
+              <a:rPr lang="en-US" dirty="0" smtClean="0"/>
+              <a:t>Using COLLADA2GLTF</a:t>
+            </a:r>
+          </a:p>
+          <a:p>
+            <a:pPr lvl="1"/>
+            <a:r>
+              <a:rPr lang="en-US" dirty="0" smtClean="0"/>
+              <a:t>Download the binaries</a:t>
+            </a:r>
+          </a:p>
+          <a:p>
+            <a:pPr lvl="2"/>
+            <a:r>
+              <a:rPr lang="en-US" dirty="0">
+                <a:hlinkClick r:id="rId3"/>
+              </a:rPr>
+              <a:t>https://github.com/KhronosGroup/glTF/wiki/Converter-</a:t>
+            </a:r>
+            <a:r>
+              <a:rPr lang="en-US" dirty="0" smtClean="0">
+                <a:hlinkClick r:id="rId3"/>
+              </a:rPr>
+              <a:t>builds</a:t>
+            </a:r>
+            <a:endParaRPr lang="en-US" dirty="0" smtClean="0"/>
+          </a:p>
+          <a:p>
+            <a:pPr lvl="1"/>
+            <a:r>
+              <a:rPr lang="en-US" dirty="0" smtClean="0"/>
+              <a:t>Convert a COLLADA file</a:t>
+            </a:r>
+          </a:p>
+          <a:p>
+            <a:pPr lvl="2"/>
+            <a:r>
+              <a:rPr lang="en-US" dirty="0">
+                <a:latin typeface="Courier New"/>
+                <a:cs typeface="Courier New"/>
+              </a:rPr>
+              <a:t>c</a:t>
+            </a:r>
+            <a:r>
+              <a:rPr lang="en-US" dirty="0" smtClean="0">
+                <a:latin typeface="Courier New"/>
+                <a:cs typeface="Courier New"/>
+              </a:rPr>
+              <a:t>ollada2gltf –f </a:t>
+            </a:r>
+            <a:r>
+              <a:rPr lang="en-US" dirty="0" err="1" smtClean="0">
+                <a:latin typeface="Courier New"/>
+                <a:cs typeface="Courier New"/>
+              </a:rPr>
+              <a:t>duck.dae</a:t>
+            </a:r>
+            <a:endParaRPr lang="en-US" dirty="0">
+              <a:latin typeface="Courier New"/>
+              <a:cs typeface="Courier New"/>
+            </a:endParaRPr>
+          </a:p>
+        </p:txBody>
+      </p:sp>
+      <p:sp>
+        <p:nvSpPr>
+          <p:cNvPr id="4" name="Slide Number Placeholder 3"/>
+          <p:cNvSpPr>
+            <a:spLocks noGrp="1"/>
+          </p:cNvSpPr>
+          <p:nvPr>
+            <p:ph type="sldNum" sz="quarter" idx="12"/>
+          </p:nvPr>
+        </p:nvSpPr>
+        <p:spPr/>
+        <p:txBody>
+          <a:bodyPr/>
+          <a:lstStyle/>
+          <a:p>
+            <a:pPr>
+              <a:defRPr/>
+            </a:pPr>
+            <a:fld id="{FC28735A-D6AA-419A-87B4-83DEEEB2001E}" type="slidenum">
+              <a:rPr lang="en-US" smtClean="0"/>
+              <a:pPr>
+                <a:defRPr/>
+              </a:pPr>
+              <a:t>12</a:t>
+            </a:fld>
+            <a:endParaRPr lang="en-US"/>
+          </a:p>
+        </p:txBody>
+      </p:sp>
+    </p:spTree>
+    <p:extLst>
+      <p:ext uri="{BB962C8B-B14F-4D97-AF65-F5344CB8AC3E}">
+        <p14:creationId xmlns:p14="http://schemas.microsoft.com/office/powerpoint/2010/main" val="229154956"/>
+      </p:ext>
+    </p:extLst>
+  </p:cSld>
+  <p:clrMapOvr>
+    <a:masterClrMapping/>
+  </p:clrMapOvr>
+</p:sld>
+</file>
+
 <file path=ppt/slides/slide13.xml><?xml version="1.0" encoding="utf-8"?>
 <p:sld xmlns:a="http://schemas.openxmlformats.org/drawingml/2006/main" xmlns:r="http://schemas.openxmlformats.org/officeDocument/2006/relationships" xmlns:p="http://schemas.openxmlformats.org/presentationml/2006/main">
   <p:cSld>
@@ -12294,52 +10476,59 @@
             <p:ph idx="1"/>
           </p:nvPr>
         </p:nvSpPr>
-        <p:spPr/>
+        <p:spPr>
+          <a:xfrm>
+            <a:off x="457200" y="1981200"/>
+            <a:ext cx="8229600" cy="4495800"/>
+          </a:xfrm>
+        </p:spPr>
         <p:txBody>
           <a:bodyPr/>
           <a:lstStyle/>
           <a:p>
             <a:r>
               <a:rPr lang="en-US" dirty="0" smtClean="0"/>
-              <a:t>Several </a:t>
+              <a:t>Some </a:t>
             </a:r>
             <a:r>
               <a:rPr lang="en-US" dirty="0" smtClean="0"/>
-              <a:t>areas</a:t>
+              <a:t>exporters </a:t>
+            </a:r>
+            <a:r>
+              <a:rPr lang="en-US" dirty="0" smtClean="0"/>
+              <a:t>create redundancies</a:t>
             </a:r>
           </a:p>
           <a:p>
             <a:pPr lvl="1"/>
             <a:r>
               <a:rPr lang="en-US" dirty="0" smtClean="0"/>
-              <a:t>Geometry</a:t>
+              <a:t>Remove unused nodes, meshes, materials, techniques, etc.</a:t>
             </a:r>
           </a:p>
           <a:p>
             <a:pPr lvl="1"/>
             <a:r>
               <a:rPr lang="en-US" dirty="0" smtClean="0"/>
-              <a:t>Animation and skins</a:t>
+              <a:t>Remove unused vertices.  Remove duplicate vertices</a:t>
             </a:r>
           </a:p>
           <a:p>
             <a:pPr lvl="1"/>
             <a:r>
-              <a:rPr lang="en-US" dirty="0"/>
-              <a:t>Texture</a:t>
+              <a:rPr lang="en-US" dirty="0" smtClean="0"/>
+              <a:t>Remove duplicate materials and techniques</a:t>
             </a:r>
           </a:p>
           <a:p>
             <a:pPr lvl="1"/>
             <a:r>
-              <a:rPr lang="en-US" dirty="0"/>
-              <a:t>Shaders</a:t>
-            </a:r>
-          </a:p>
-          <a:p>
-            <a:pPr marL="457200" lvl="1" indent="0">
-              <a:buNone/>
-            </a:pPr>
+              <a:rPr lang="en-US" dirty="0" smtClean="0"/>
+              <a:t>Combine primitives with the same material and vertex format</a:t>
+            </a:r>
+          </a:p>
+          <a:p>
+            <a:pPr lvl="1"/>
             <a:endParaRPr lang="en-US" dirty="0"/>
           </a:p>
         </p:txBody>
@@ -12376,7 +10565,7 @@
     </p:spTree>
     <p:extLst>
       <p:ext uri="{BB962C8B-B14F-4D97-AF65-F5344CB8AC3E}">
-        <p14:creationId xmlns:p14="http://schemas.microsoft.com/office/powerpoint/2010/main" val="3122621760"/>
+        <p14:creationId xmlns:p14="http://schemas.microsoft.com/office/powerpoint/2010/main" val="154483365"/>
       </p:ext>
     </p:extLst>
   </p:cSld>
@@ -12420,7 +10609,7 @@
           <a:p>
             <a:r>
               <a:rPr lang="en-US" dirty="0" smtClean="0"/>
-              <a:t>Content Pipeline: Geometry</a:t>
+              <a:t>Content Pipeline</a:t>
             </a:r>
             <a:endParaRPr lang="en-US" dirty="0"/>
           </a:p>
@@ -12443,21 +10632,7 @@
           <a:p>
             <a:r>
               <a:rPr lang="en-US" dirty="0" smtClean="0"/>
-              <a:t>Triangulation</a:t>
-            </a:r>
-          </a:p>
-          <a:p>
-            <a:pPr lvl="1"/>
-            <a:r>
-              <a:rPr lang="en-US" dirty="0" smtClean="0"/>
-              <a:t>Polygons      Triangles</a:t>
-            </a:r>
-          </a:p>
-          <a:p>
-            <a:pPr lvl="1"/>
-            <a:r>
-              <a:rPr lang="en-US" dirty="0" smtClean="0"/>
-              <a:t>Higher-order surfaces</a:t>
+              <a:t>Flatten node hierarchy</a:t>
             </a:r>
           </a:p>
           <a:p>
@@ -12492,1704 +10667,6 @@
                 <a:defRPr/>
               </a:pPr>
               <a:t>14</a:t>
-            </a:fld>
-            <a:endParaRPr lang="en-US" dirty="0"/>
-          </a:p>
-        </p:txBody>
-      </p:sp>
-      <p:sp>
-        <p:nvSpPr>
-          <p:cNvPr id="5" name="Right Arrow 4"/>
-          <p:cNvSpPr/>
-          <p:nvPr/>
-        </p:nvSpPr>
-        <p:spPr bwMode="auto">
-          <a:xfrm>
-            <a:off x="2667000" y="2362200"/>
-            <a:ext cx="304800" cy="228600"/>
-          </a:xfrm>
-          <a:prstGeom prst="rightArrow">
-            <a:avLst/>
-          </a:prstGeom>
-          <a:solidFill>
-            <a:schemeClr val="accent1"/>
-          </a:solidFill>
-          <a:ln w="9525" cap="flat" cmpd="sng" algn="ctr">
-            <a:solidFill>
-              <a:schemeClr val="tx1"/>
-            </a:solidFill>
-            <a:prstDash val="solid"/>
-            <a:round/>
-            <a:headEnd type="none" w="med" len="med"/>
-            <a:tailEnd type="none" w="med" len="med"/>
-          </a:ln>
-          <a:effectLst/>
-        </p:spPr>
-        <p:txBody>
-          <a:bodyPr vert="horz" wrap="square" lIns="91440" tIns="45720" rIns="91440" bIns="45720" numCol="1" rtlCol="0" anchor="t" anchorCtr="0" compatLnSpc="1">
-            <a:prstTxWarp prst="textNoShape">
-              <a:avLst/>
-            </a:prstTxWarp>
-          </a:bodyPr>
-          <a:lstStyle/>
-          <a:p>
-            <a:pPr marL="0" marR="0" indent="0" algn="l" defTabSz="914400" rtl="0" eaLnBrk="0" fontAlgn="base" latinLnBrk="0" hangingPunct="0">
-              <a:lnSpc>
-                <a:spcPct val="100000"/>
-              </a:lnSpc>
-              <a:spcBef>
-                <a:spcPct val="0"/>
-              </a:spcBef>
-              <a:spcAft>
-                <a:spcPct val="0"/>
-              </a:spcAft>
-              <a:buClrTx/>
-              <a:buSzTx/>
-              <a:buFontTx/>
-              <a:buNone/>
-              <a:tabLst/>
-            </a:pPr>
-            <a:endParaRPr kumimoji="0" lang="en-US" sz="1800" b="0" i="0" u="none" strike="noStrike" cap="none" normalizeH="0" baseline="0" smtClean="0">
-              <a:ln>
-                <a:noFill/>
-              </a:ln>
-              <a:solidFill>
-                <a:schemeClr val="tx1"/>
-              </a:solidFill>
-              <a:effectLst/>
-              <a:latin typeface="Arial" charset="0"/>
-            </a:endParaRPr>
-          </a:p>
-        </p:txBody>
-      </p:sp>
-      <p:sp>
-        <p:nvSpPr>
-          <p:cNvPr id="12" name="Regular Pentagon 11"/>
-          <p:cNvSpPr/>
-          <p:nvPr/>
-        </p:nvSpPr>
-        <p:spPr bwMode="auto">
-          <a:xfrm>
-            <a:off x="3581400" y="4572000"/>
-            <a:ext cx="1981200" cy="1676400"/>
-          </a:xfrm>
-          <a:prstGeom prst="pentagon">
-            <a:avLst/>
-          </a:prstGeom>
-          <a:solidFill>
-            <a:schemeClr val="accent1"/>
-          </a:solidFill>
-          <a:ln w="9525" cap="flat" cmpd="sng" algn="ctr">
-            <a:solidFill>
-              <a:schemeClr val="tx1"/>
-            </a:solidFill>
-            <a:prstDash val="solid"/>
-            <a:round/>
-            <a:headEnd type="none" w="med" len="med"/>
-            <a:tailEnd type="none" w="med" len="med"/>
-          </a:ln>
-          <a:effectLst/>
-        </p:spPr>
-        <p:txBody>
-          <a:bodyPr vert="horz" wrap="square" lIns="91440" tIns="45720" rIns="91440" bIns="45720" numCol="1" rtlCol="0" anchor="t" anchorCtr="0" compatLnSpc="1">
-            <a:prstTxWarp prst="textNoShape">
-              <a:avLst/>
-            </a:prstTxWarp>
-          </a:bodyPr>
-          <a:lstStyle/>
-          <a:p>
-            <a:pPr marL="0" marR="0" indent="0" algn="l" defTabSz="914400" rtl="0" eaLnBrk="0" fontAlgn="base" latinLnBrk="0" hangingPunct="0">
-              <a:lnSpc>
-                <a:spcPct val="100000"/>
-              </a:lnSpc>
-              <a:spcBef>
-                <a:spcPct val="0"/>
-              </a:spcBef>
-              <a:spcAft>
-                <a:spcPct val="0"/>
-              </a:spcAft>
-              <a:buClrTx/>
-              <a:buSzTx/>
-              <a:buFontTx/>
-              <a:buNone/>
-              <a:tabLst/>
-            </a:pPr>
-            <a:endParaRPr kumimoji="0" lang="en-US" sz="1800" b="0" i="0" u="none" strike="noStrike" cap="none" normalizeH="0" baseline="0" smtClean="0">
-              <a:ln>
-                <a:noFill/>
-              </a:ln>
-              <a:solidFill>
-                <a:schemeClr val="tx1"/>
-              </a:solidFill>
-              <a:effectLst/>
-              <a:latin typeface="Arial" charset="0"/>
-            </a:endParaRPr>
-          </a:p>
-        </p:txBody>
-      </p:sp>
-      <p:cxnSp>
-        <p:nvCxnSpPr>
-          <p:cNvPr id="14" name="Straight Connector 13"/>
-          <p:cNvCxnSpPr>
-            <a:stCxn id="12" idx="0"/>
-            <a:endCxn id="12" idx="2"/>
-          </p:cNvCxnSpPr>
-          <p:nvPr/>
-        </p:nvCxnSpPr>
-        <p:spPr bwMode="auto">
-          <a:xfrm flipH="1">
-            <a:off x="3959777" y="4572000"/>
-            <a:ext cx="612223" cy="1676396"/>
-          </a:xfrm>
-          <a:prstGeom prst="line">
-            <a:avLst/>
-          </a:prstGeom>
-          <a:solidFill>
-            <a:schemeClr val="accent1"/>
-          </a:solidFill>
-          <a:ln w="9525" cap="flat" cmpd="sng" algn="ctr">
-            <a:solidFill>
-              <a:schemeClr val="tx1"/>
-            </a:solidFill>
-            <a:prstDash val="solid"/>
-            <a:round/>
-            <a:headEnd type="none" w="med" len="med"/>
-            <a:tailEnd type="none" w="med" len="med"/>
-          </a:ln>
-          <a:effectLst/>
-        </p:spPr>
-      </p:cxnSp>
-      <p:cxnSp>
-        <p:nvCxnSpPr>
-          <p:cNvPr id="16" name="Straight Connector 15"/>
-          <p:cNvCxnSpPr>
-            <a:stCxn id="12" idx="0"/>
-            <a:endCxn id="12" idx="4"/>
-          </p:cNvCxnSpPr>
-          <p:nvPr/>
-        </p:nvCxnSpPr>
-        <p:spPr bwMode="auto">
-          <a:xfrm>
-            <a:off x="4572000" y="4572000"/>
-            <a:ext cx="612223" cy="1676396"/>
-          </a:xfrm>
-          <a:prstGeom prst="line">
-            <a:avLst/>
-          </a:prstGeom>
-          <a:solidFill>
-            <a:schemeClr val="accent1"/>
-          </a:solidFill>
-          <a:ln w="9525" cap="flat" cmpd="sng" algn="ctr">
-            <a:solidFill>
-              <a:schemeClr val="tx1"/>
-            </a:solidFill>
-            <a:prstDash val="solid"/>
-            <a:round/>
-            <a:headEnd type="none" w="med" len="med"/>
-            <a:tailEnd type="none" w="med" len="med"/>
-          </a:ln>
-          <a:effectLst/>
-        </p:spPr>
-      </p:cxnSp>
-    </p:spTree>
-    <p:extLst>
-      <p:ext uri="{BB962C8B-B14F-4D97-AF65-F5344CB8AC3E}">
-        <p14:creationId xmlns:p14="http://schemas.microsoft.com/office/powerpoint/2010/main" val="4164482876"/>
-      </p:ext>
-    </p:extLst>
-  </p:cSld>
-  <p:clrMapOvr>
-    <a:masterClrMapping/>
-  </p:clrMapOvr>
-</p:sld>
-</file>
-
-<file path=ppt/slides/slide15.xml><?xml version="1.0" encoding="utf-8"?>
-<p:sld xmlns:a="http://schemas.openxmlformats.org/drawingml/2006/main" xmlns:r="http://schemas.openxmlformats.org/officeDocument/2006/relationships" xmlns:p="http://schemas.openxmlformats.org/presentationml/2006/main">
-  <p:cSld>
-    <p:spTree>
-      <p:nvGrpSpPr>
-        <p:cNvPr id="1" name=""/>
-        <p:cNvGrpSpPr/>
-        <p:nvPr/>
-      </p:nvGrpSpPr>
-      <p:grpSpPr>
-        <a:xfrm>
-          <a:off x="0" y="0"/>
-          <a:ext cx="0" cy="0"/>
-          <a:chOff x="0" y="0"/>
-          <a:chExt cx="0" cy="0"/>
-        </a:xfrm>
-      </p:grpSpPr>
-      <p:sp>
-        <p:nvSpPr>
-          <p:cNvPr id="55" name="Rectangle 54"/>
-          <p:cNvSpPr/>
-          <p:nvPr/>
-        </p:nvSpPr>
-        <p:spPr bwMode="auto">
-          <a:xfrm>
-            <a:off x="2667000" y="5589564"/>
-            <a:ext cx="304800" cy="254096"/>
-          </a:xfrm>
-          <a:prstGeom prst="rect">
-            <a:avLst/>
-          </a:prstGeom>
-          <a:solidFill>
-            <a:srgbClr val="CC0099"/>
-          </a:solidFill>
-          <a:ln w="9525" cap="flat" cmpd="sng" algn="ctr">
-            <a:solidFill>
-              <a:schemeClr val="tx1"/>
-            </a:solidFill>
-            <a:prstDash val="solid"/>
-            <a:round/>
-            <a:headEnd type="none" w="med" len="med"/>
-            <a:tailEnd type="none" w="med" len="med"/>
-          </a:ln>
-          <a:effectLst/>
-          <a:extLst/>
-        </p:spPr>
-        <p:txBody>
-          <a:bodyPr vert="horz" wrap="square" lIns="91440" tIns="45720" rIns="91440" bIns="45720" numCol="1" rtlCol="0" anchor="t" anchorCtr="0" compatLnSpc="1">
-            <a:prstTxWarp prst="textNoShape">
-              <a:avLst/>
-            </a:prstTxWarp>
-          </a:bodyPr>
-          <a:lstStyle/>
-          <a:p>
-            <a:pPr marL="0" marR="0" indent="0" algn="l" defTabSz="914400" rtl="0" eaLnBrk="0" fontAlgn="base" latinLnBrk="0" hangingPunct="0">
-              <a:lnSpc>
-                <a:spcPct val="100000"/>
-              </a:lnSpc>
-              <a:spcBef>
-                <a:spcPct val="0"/>
-              </a:spcBef>
-              <a:spcAft>
-                <a:spcPct val="0"/>
-              </a:spcAft>
-              <a:buClrTx/>
-              <a:buSzTx/>
-              <a:buFontTx/>
-              <a:buNone/>
-              <a:tabLst/>
-            </a:pPr>
-            <a:endParaRPr kumimoji="0" lang="en-US" sz="1800" b="0" i="0" u="none" strike="noStrike" cap="none" normalizeH="0" baseline="0" smtClean="0">
-              <a:ln>
-                <a:noFill/>
-              </a:ln>
-              <a:solidFill>
-                <a:schemeClr val="tx1"/>
-              </a:solidFill>
-              <a:effectLst/>
-              <a:latin typeface="Arial" charset="0"/>
-            </a:endParaRPr>
-          </a:p>
-        </p:txBody>
-      </p:sp>
-      <p:sp>
-        <p:nvSpPr>
-          <p:cNvPr id="56" name="Rectangle 55"/>
-          <p:cNvSpPr/>
-          <p:nvPr/>
-        </p:nvSpPr>
-        <p:spPr bwMode="auto">
-          <a:xfrm>
-            <a:off x="2971800" y="5589564"/>
-            <a:ext cx="304800" cy="254096"/>
-          </a:xfrm>
-          <a:prstGeom prst="rect">
-            <a:avLst/>
-          </a:prstGeom>
-          <a:solidFill>
-            <a:srgbClr val="3366FF"/>
-          </a:solidFill>
-          <a:ln w="9525" cap="flat" cmpd="sng" algn="ctr">
-            <a:solidFill>
-              <a:schemeClr val="tx1"/>
-            </a:solidFill>
-            <a:prstDash val="solid"/>
-            <a:round/>
-            <a:headEnd type="none" w="med" len="med"/>
-            <a:tailEnd type="none" w="med" len="med"/>
-          </a:ln>
-          <a:effectLst/>
-          <a:extLst/>
-        </p:spPr>
-        <p:txBody>
-          <a:bodyPr vert="horz" wrap="square" lIns="91440" tIns="45720" rIns="91440" bIns="45720" numCol="1" rtlCol="0" anchor="t" anchorCtr="0" compatLnSpc="1">
-            <a:prstTxWarp prst="textNoShape">
-              <a:avLst/>
-            </a:prstTxWarp>
-          </a:bodyPr>
-          <a:lstStyle/>
-          <a:p>
-            <a:pPr marL="0" marR="0" indent="0" algn="l" defTabSz="914400" rtl="0" eaLnBrk="0" fontAlgn="base" latinLnBrk="0" hangingPunct="0">
-              <a:lnSpc>
-                <a:spcPct val="100000"/>
-              </a:lnSpc>
-              <a:spcBef>
-                <a:spcPct val="0"/>
-              </a:spcBef>
-              <a:spcAft>
-                <a:spcPct val="0"/>
-              </a:spcAft>
-              <a:buClrTx/>
-              <a:buSzTx/>
-              <a:buFontTx/>
-              <a:buNone/>
-              <a:tabLst/>
-            </a:pPr>
-            <a:endParaRPr kumimoji="0" lang="en-US" sz="1800" b="0" i="0" u="none" strike="noStrike" cap="none" normalizeH="0" baseline="0" smtClean="0">
-              <a:ln>
-                <a:noFill/>
-              </a:ln>
-              <a:solidFill>
-                <a:schemeClr val="tx1"/>
-              </a:solidFill>
-              <a:effectLst/>
-              <a:latin typeface="Arial" charset="0"/>
-            </a:endParaRPr>
-          </a:p>
-        </p:txBody>
-      </p:sp>
-      <p:sp>
-        <p:nvSpPr>
-          <p:cNvPr id="57" name="Rectangle 56"/>
-          <p:cNvSpPr/>
-          <p:nvPr/>
-        </p:nvSpPr>
-        <p:spPr bwMode="auto">
-          <a:xfrm>
-            <a:off x="3276600" y="5589564"/>
-            <a:ext cx="304800" cy="254096"/>
-          </a:xfrm>
-          <a:prstGeom prst="rect">
-            <a:avLst/>
-          </a:prstGeom>
-          <a:solidFill>
-            <a:srgbClr val="D9D9D9"/>
-          </a:solidFill>
-          <a:ln w="9525" cap="flat" cmpd="sng" algn="ctr">
-            <a:solidFill>
-              <a:schemeClr val="tx1"/>
-            </a:solidFill>
-            <a:prstDash val="solid"/>
-            <a:round/>
-            <a:headEnd type="none" w="med" len="med"/>
-            <a:tailEnd type="none" w="med" len="med"/>
-          </a:ln>
-          <a:effectLst/>
-          <a:extLst/>
-        </p:spPr>
-        <p:txBody>
-          <a:bodyPr vert="horz" wrap="square" lIns="91440" tIns="45720" rIns="91440" bIns="45720" numCol="1" rtlCol="0" anchor="t" anchorCtr="0" compatLnSpc="1">
-            <a:prstTxWarp prst="textNoShape">
-              <a:avLst/>
-            </a:prstTxWarp>
-          </a:bodyPr>
-          <a:lstStyle/>
-          <a:p>
-            <a:pPr marL="0" marR="0" indent="0" algn="l" defTabSz="914400" rtl="0" eaLnBrk="0" fontAlgn="base" latinLnBrk="0" hangingPunct="0">
-              <a:lnSpc>
-                <a:spcPct val="100000"/>
-              </a:lnSpc>
-              <a:spcBef>
-                <a:spcPct val="0"/>
-              </a:spcBef>
-              <a:spcAft>
-                <a:spcPct val="0"/>
-              </a:spcAft>
-              <a:buClrTx/>
-              <a:buSzTx/>
-              <a:buFontTx/>
-              <a:buNone/>
-              <a:tabLst/>
-            </a:pPr>
-            <a:endParaRPr kumimoji="0" lang="en-US" sz="1800" b="0" i="0" u="none" strike="noStrike" cap="none" normalizeH="0" baseline="0" smtClean="0">
-              <a:ln>
-                <a:noFill/>
-              </a:ln>
-              <a:solidFill>
-                <a:schemeClr val="tx1"/>
-              </a:solidFill>
-              <a:effectLst/>
-              <a:latin typeface="Arial" charset="0"/>
-            </a:endParaRPr>
-          </a:p>
-        </p:txBody>
-      </p:sp>
-      <p:sp>
-        <p:nvSpPr>
-          <p:cNvPr id="58" name="Rectangle 57"/>
-          <p:cNvSpPr/>
-          <p:nvPr/>
-        </p:nvSpPr>
-        <p:spPr bwMode="auto">
-          <a:xfrm>
-            <a:off x="3581400" y="5589564"/>
-            <a:ext cx="304800" cy="254096"/>
-          </a:xfrm>
-          <a:prstGeom prst="rect">
-            <a:avLst/>
-          </a:prstGeom>
-          <a:solidFill>
-            <a:srgbClr val="FFFF99"/>
-          </a:solidFill>
-          <a:ln w="9525" cap="flat" cmpd="sng" algn="ctr">
-            <a:solidFill>
-              <a:schemeClr val="tx1"/>
-            </a:solidFill>
-            <a:prstDash val="solid"/>
-            <a:round/>
-            <a:headEnd type="none" w="med" len="med"/>
-            <a:tailEnd type="none" w="med" len="med"/>
-          </a:ln>
-          <a:effectLst/>
-          <a:extLst/>
-        </p:spPr>
-        <p:txBody>
-          <a:bodyPr vert="horz" wrap="square" lIns="91440" tIns="45720" rIns="91440" bIns="45720" numCol="1" rtlCol="0" anchor="t" anchorCtr="0" compatLnSpc="1">
-            <a:prstTxWarp prst="textNoShape">
-              <a:avLst/>
-            </a:prstTxWarp>
-          </a:bodyPr>
-          <a:lstStyle/>
-          <a:p>
-            <a:pPr marL="0" marR="0" indent="0" algn="l" defTabSz="914400" rtl="0" eaLnBrk="0" fontAlgn="base" latinLnBrk="0" hangingPunct="0">
-              <a:lnSpc>
-                <a:spcPct val="100000"/>
-              </a:lnSpc>
-              <a:spcBef>
-                <a:spcPct val="0"/>
-              </a:spcBef>
-              <a:spcAft>
-                <a:spcPct val="0"/>
-              </a:spcAft>
-              <a:buClrTx/>
-              <a:buSzTx/>
-              <a:buFontTx/>
-              <a:buNone/>
-              <a:tabLst/>
-            </a:pPr>
-            <a:endParaRPr kumimoji="0" lang="en-US" sz="1800" b="0" i="0" u="none" strike="noStrike" cap="none" normalizeH="0" baseline="0" smtClean="0">
-              <a:ln>
-                <a:noFill/>
-              </a:ln>
-              <a:solidFill>
-                <a:schemeClr val="tx1"/>
-              </a:solidFill>
-              <a:effectLst/>
-              <a:latin typeface="Arial" charset="0"/>
-            </a:endParaRPr>
-          </a:p>
-        </p:txBody>
-      </p:sp>
-      <p:sp>
-        <p:nvSpPr>
-          <p:cNvPr id="2" name="Title 1"/>
-          <p:cNvSpPr>
-            <a:spLocks noGrp="1"/>
-          </p:cNvSpPr>
-          <p:nvPr>
-            <p:ph type="title"/>
-          </p:nvPr>
-        </p:nvSpPr>
-        <p:spPr/>
-        <p:txBody>
-          <a:bodyPr/>
-          <a:lstStyle/>
-          <a:p>
-            <a:r>
-              <a:rPr lang="en-US" dirty="0" smtClean="0"/>
-              <a:t>Content Pipeline: Geometry</a:t>
-            </a:r>
-            <a:endParaRPr lang="en-US" dirty="0"/>
-          </a:p>
-        </p:txBody>
-      </p:sp>
-      <p:sp>
-        <p:nvSpPr>
-          <p:cNvPr id="3" name="Content Placeholder 2"/>
-          <p:cNvSpPr>
-            <a:spLocks noGrp="1"/>
-          </p:cNvSpPr>
-          <p:nvPr>
-            <p:ph idx="1"/>
-          </p:nvPr>
-        </p:nvSpPr>
-        <p:spPr>
-          <a:xfrm>
-            <a:off x="457200" y="1981200"/>
-            <a:ext cx="4724400" cy="1600200"/>
-          </a:xfrm>
-        </p:spPr>
-        <p:txBody>
-          <a:bodyPr/>
-          <a:lstStyle/>
-          <a:p>
-            <a:r>
-              <a:rPr lang="en-US" dirty="0" err="1" smtClean="0"/>
-              <a:t>Deindex</a:t>
-            </a:r>
-            <a:endParaRPr lang="en-US" dirty="0" smtClean="0"/>
-          </a:p>
-          <a:p>
-            <a:pPr lvl="1"/>
-            <a:r>
-              <a:rPr lang="en-US" dirty="0" smtClean="0"/>
-              <a:t>One index per attribute</a:t>
-            </a:r>
-            <a:r>
-              <a:rPr lang="en-US" dirty="0"/>
-              <a:t> </a:t>
-            </a:r>
-            <a:r>
-              <a:rPr lang="en-US" dirty="0" smtClean="0"/>
-              <a:t>one index per vertex</a:t>
-            </a:r>
-          </a:p>
-        </p:txBody>
-      </p:sp>
-      <p:sp>
-        <p:nvSpPr>
-          <p:cNvPr id="4" name="Slide Number Placeholder 3"/>
-          <p:cNvSpPr>
-            <a:spLocks noGrp="1"/>
-          </p:cNvSpPr>
-          <p:nvPr>
-            <p:ph type="sldNum" sz="quarter" idx="12"/>
-          </p:nvPr>
-        </p:nvSpPr>
-        <p:spPr/>
-        <p:txBody>
-          <a:bodyPr/>
-          <a:lstStyle/>
-          <a:p>
-            <a:pPr>
-              <a:defRPr/>
-            </a:pPr>
-            <a:fld id="{FC28735A-D6AA-419A-87B4-83DEEEB2001E}" type="slidenum">
-              <a:rPr lang="en-US" smtClean="0"/>
-              <a:pPr>
-                <a:defRPr/>
-              </a:pPr>
-              <a:t>15</a:t>
-            </a:fld>
-            <a:endParaRPr lang="en-US" dirty="0"/>
-          </a:p>
-        </p:txBody>
-      </p:sp>
-      <p:sp>
-        <p:nvSpPr>
-          <p:cNvPr id="5" name="Right Arrow 4"/>
-          <p:cNvSpPr/>
-          <p:nvPr/>
-        </p:nvSpPr>
-        <p:spPr bwMode="auto">
-          <a:xfrm>
-            <a:off x="4800600" y="2743200"/>
-            <a:ext cx="304800" cy="228600"/>
-          </a:xfrm>
-          <a:prstGeom prst="rightArrow">
-            <a:avLst/>
-          </a:prstGeom>
-          <a:solidFill>
-            <a:schemeClr val="accent1"/>
-          </a:solidFill>
-          <a:ln w="9525" cap="flat" cmpd="sng" algn="ctr">
-            <a:solidFill>
-              <a:schemeClr val="tx1"/>
-            </a:solidFill>
-            <a:prstDash val="solid"/>
-            <a:round/>
-            <a:headEnd type="none" w="med" len="med"/>
-            <a:tailEnd type="none" w="med" len="med"/>
-          </a:ln>
-          <a:effectLst/>
-        </p:spPr>
-        <p:txBody>
-          <a:bodyPr vert="horz" wrap="square" lIns="91440" tIns="45720" rIns="91440" bIns="45720" numCol="1" rtlCol="0" anchor="t" anchorCtr="0" compatLnSpc="1">
-            <a:prstTxWarp prst="textNoShape">
-              <a:avLst/>
-            </a:prstTxWarp>
-          </a:bodyPr>
-          <a:lstStyle/>
-          <a:p>
-            <a:pPr marL="0" marR="0" indent="0" algn="l" defTabSz="914400" rtl="0" eaLnBrk="0" fontAlgn="base" latinLnBrk="0" hangingPunct="0">
-              <a:lnSpc>
-                <a:spcPct val="100000"/>
-              </a:lnSpc>
-              <a:spcBef>
-                <a:spcPct val="0"/>
-              </a:spcBef>
-              <a:spcAft>
-                <a:spcPct val="0"/>
-              </a:spcAft>
-              <a:buClrTx/>
-              <a:buSzTx/>
-              <a:buFontTx/>
-              <a:buNone/>
-              <a:tabLst/>
-            </a:pPr>
-            <a:endParaRPr kumimoji="0" lang="en-US" sz="1800" b="0" i="0" u="none" strike="noStrike" cap="none" normalizeH="0" baseline="0" smtClean="0">
-              <a:ln>
-                <a:noFill/>
-              </a:ln>
-              <a:solidFill>
-                <a:schemeClr val="tx1"/>
-              </a:solidFill>
-              <a:effectLst/>
-              <a:latin typeface="Arial" charset="0"/>
-            </a:endParaRPr>
-          </a:p>
-        </p:txBody>
-      </p:sp>
-      <p:sp>
-        <p:nvSpPr>
-          <p:cNvPr id="9" name="Rectangle 8"/>
-          <p:cNvSpPr/>
-          <p:nvPr/>
-        </p:nvSpPr>
-        <p:spPr bwMode="auto">
-          <a:xfrm>
-            <a:off x="2680420" y="3810000"/>
-            <a:ext cx="304800" cy="254096"/>
-          </a:xfrm>
-          <a:prstGeom prst="rect">
-            <a:avLst/>
-          </a:prstGeom>
-          <a:solidFill>
-            <a:srgbClr val="CC0099"/>
-          </a:solidFill>
-          <a:ln w="9525" cap="flat" cmpd="sng" algn="ctr">
-            <a:solidFill>
-              <a:schemeClr val="tx1"/>
-            </a:solidFill>
-            <a:prstDash val="solid"/>
-            <a:round/>
-            <a:headEnd type="none" w="med" len="med"/>
-            <a:tailEnd type="none" w="med" len="med"/>
-          </a:ln>
-          <a:effectLst/>
-          <a:extLst/>
-        </p:spPr>
-        <p:txBody>
-          <a:bodyPr vert="horz" wrap="square" lIns="91440" tIns="45720" rIns="91440" bIns="45720" numCol="1" rtlCol="0" anchor="t" anchorCtr="0" compatLnSpc="1">
-            <a:prstTxWarp prst="textNoShape">
-              <a:avLst/>
-            </a:prstTxWarp>
-          </a:bodyPr>
-          <a:lstStyle/>
-          <a:p>
-            <a:pPr marL="0" marR="0" indent="0" algn="l" defTabSz="914400" rtl="0" eaLnBrk="0" fontAlgn="base" latinLnBrk="0" hangingPunct="0">
-              <a:lnSpc>
-                <a:spcPct val="100000"/>
-              </a:lnSpc>
-              <a:spcBef>
-                <a:spcPct val="0"/>
-              </a:spcBef>
-              <a:spcAft>
-                <a:spcPct val="0"/>
-              </a:spcAft>
-              <a:buClrTx/>
-              <a:buSzTx/>
-              <a:buFontTx/>
-              <a:buNone/>
-              <a:tabLst/>
-            </a:pPr>
-            <a:endParaRPr kumimoji="0" lang="en-US" sz="1800" b="0" i="0" u="none" strike="noStrike" cap="none" normalizeH="0" baseline="0" smtClean="0">
-              <a:ln>
-                <a:noFill/>
-              </a:ln>
-              <a:solidFill>
-                <a:schemeClr val="tx1"/>
-              </a:solidFill>
-              <a:effectLst/>
-              <a:latin typeface="Arial" charset="0"/>
-            </a:endParaRPr>
-          </a:p>
-        </p:txBody>
-      </p:sp>
-      <p:sp>
-        <p:nvSpPr>
-          <p:cNvPr id="10" name="Rectangle 9"/>
-          <p:cNvSpPr/>
-          <p:nvPr/>
-        </p:nvSpPr>
-        <p:spPr bwMode="auto">
-          <a:xfrm>
-            <a:off x="2985220" y="3810000"/>
-            <a:ext cx="304800" cy="254096"/>
-          </a:xfrm>
-          <a:prstGeom prst="rect">
-            <a:avLst/>
-          </a:prstGeom>
-          <a:solidFill>
-            <a:srgbClr val="3366FF"/>
-          </a:solidFill>
-          <a:ln w="9525" cap="flat" cmpd="sng" algn="ctr">
-            <a:solidFill>
-              <a:schemeClr val="tx1"/>
-            </a:solidFill>
-            <a:prstDash val="solid"/>
-            <a:round/>
-            <a:headEnd type="none" w="med" len="med"/>
-            <a:tailEnd type="none" w="med" len="med"/>
-          </a:ln>
-          <a:effectLst/>
-          <a:extLst/>
-        </p:spPr>
-        <p:txBody>
-          <a:bodyPr vert="horz" wrap="square" lIns="91440" tIns="45720" rIns="91440" bIns="45720" numCol="1" rtlCol="0" anchor="t" anchorCtr="0" compatLnSpc="1">
-            <a:prstTxWarp prst="textNoShape">
-              <a:avLst/>
-            </a:prstTxWarp>
-          </a:bodyPr>
-          <a:lstStyle/>
-          <a:p>
-            <a:pPr marL="0" marR="0" indent="0" algn="l" defTabSz="914400" rtl="0" eaLnBrk="0" fontAlgn="base" latinLnBrk="0" hangingPunct="0">
-              <a:lnSpc>
-                <a:spcPct val="100000"/>
-              </a:lnSpc>
-              <a:spcBef>
-                <a:spcPct val="0"/>
-              </a:spcBef>
-              <a:spcAft>
-                <a:spcPct val="0"/>
-              </a:spcAft>
-              <a:buClrTx/>
-              <a:buSzTx/>
-              <a:buFontTx/>
-              <a:buNone/>
-              <a:tabLst/>
-            </a:pPr>
-            <a:endParaRPr kumimoji="0" lang="en-US" sz="1800" b="0" i="0" u="none" strike="noStrike" cap="none" normalizeH="0" baseline="0" smtClean="0">
-              <a:ln>
-                <a:noFill/>
-              </a:ln>
-              <a:solidFill>
-                <a:schemeClr val="tx1"/>
-              </a:solidFill>
-              <a:effectLst/>
-              <a:latin typeface="Arial" charset="0"/>
-            </a:endParaRPr>
-          </a:p>
-        </p:txBody>
-      </p:sp>
-      <p:sp>
-        <p:nvSpPr>
-          <p:cNvPr id="11" name="Rectangle 10"/>
-          <p:cNvSpPr/>
-          <p:nvPr/>
-        </p:nvSpPr>
-        <p:spPr bwMode="auto">
-          <a:xfrm>
-            <a:off x="3290020" y="3810000"/>
-            <a:ext cx="304800" cy="254096"/>
-          </a:xfrm>
-          <a:prstGeom prst="rect">
-            <a:avLst/>
-          </a:prstGeom>
-          <a:solidFill>
-            <a:srgbClr val="D9D9D9"/>
-          </a:solidFill>
-          <a:ln w="9525" cap="flat" cmpd="sng" algn="ctr">
-            <a:solidFill>
-              <a:schemeClr val="tx1"/>
-            </a:solidFill>
-            <a:prstDash val="solid"/>
-            <a:round/>
-            <a:headEnd type="none" w="med" len="med"/>
-            <a:tailEnd type="none" w="med" len="med"/>
-          </a:ln>
-          <a:effectLst/>
-          <a:extLst/>
-        </p:spPr>
-        <p:txBody>
-          <a:bodyPr vert="horz" wrap="square" lIns="91440" tIns="45720" rIns="91440" bIns="45720" numCol="1" rtlCol="0" anchor="t" anchorCtr="0" compatLnSpc="1">
-            <a:prstTxWarp prst="textNoShape">
-              <a:avLst/>
-            </a:prstTxWarp>
-          </a:bodyPr>
-          <a:lstStyle/>
-          <a:p>
-            <a:pPr marL="0" marR="0" indent="0" algn="l" defTabSz="914400" rtl="0" eaLnBrk="0" fontAlgn="base" latinLnBrk="0" hangingPunct="0">
-              <a:lnSpc>
-                <a:spcPct val="100000"/>
-              </a:lnSpc>
-              <a:spcBef>
-                <a:spcPct val="0"/>
-              </a:spcBef>
-              <a:spcAft>
-                <a:spcPct val="0"/>
-              </a:spcAft>
-              <a:buClrTx/>
-              <a:buSzTx/>
-              <a:buFontTx/>
-              <a:buNone/>
-              <a:tabLst/>
-            </a:pPr>
-            <a:endParaRPr kumimoji="0" lang="en-US" sz="1800" b="0" i="0" u="none" strike="noStrike" cap="none" normalizeH="0" baseline="0" smtClean="0">
-              <a:ln>
-                <a:noFill/>
-              </a:ln>
-              <a:solidFill>
-                <a:schemeClr val="tx1"/>
-              </a:solidFill>
-              <a:effectLst/>
-              <a:latin typeface="Arial" charset="0"/>
-            </a:endParaRPr>
-          </a:p>
-        </p:txBody>
-      </p:sp>
-      <p:sp>
-        <p:nvSpPr>
-          <p:cNvPr id="13" name="Rectangle 12"/>
-          <p:cNvSpPr/>
-          <p:nvPr/>
-        </p:nvSpPr>
-        <p:spPr bwMode="auto">
-          <a:xfrm>
-            <a:off x="3594820" y="3810000"/>
-            <a:ext cx="304800" cy="254096"/>
-          </a:xfrm>
-          <a:prstGeom prst="rect">
-            <a:avLst/>
-          </a:prstGeom>
-          <a:solidFill>
-            <a:srgbClr val="FFFF99"/>
-          </a:solidFill>
-          <a:ln w="9525" cap="flat" cmpd="sng" algn="ctr">
-            <a:solidFill>
-              <a:schemeClr val="tx1"/>
-            </a:solidFill>
-            <a:prstDash val="solid"/>
-            <a:round/>
-            <a:headEnd type="none" w="med" len="med"/>
-            <a:tailEnd type="none" w="med" len="med"/>
-          </a:ln>
-          <a:effectLst/>
-          <a:extLst/>
-        </p:spPr>
-        <p:txBody>
-          <a:bodyPr vert="horz" wrap="square" lIns="91440" tIns="45720" rIns="91440" bIns="45720" numCol="1" rtlCol="0" anchor="t" anchorCtr="0" compatLnSpc="1">
-            <a:prstTxWarp prst="textNoShape">
-              <a:avLst/>
-            </a:prstTxWarp>
-          </a:bodyPr>
-          <a:lstStyle/>
-          <a:p>
-            <a:pPr marL="0" marR="0" indent="0" algn="l" defTabSz="914400" rtl="0" eaLnBrk="0" fontAlgn="base" latinLnBrk="0" hangingPunct="0">
-              <a:lnSpc>
-                <a:spcPct val="100000"/>
-              </a:lnSpc>
-              <a:spcBef>
-                <a:spcPct val="0"/>
-              </a:spcBef>
-              <a:spcAft>
-                <a:spcPct val="0"/>
-              </a:spcAft>
-              <a:buClrTx/>
-              <a:buSzTx/>
-              <a:buFontTx/>
-              <a:buNone/>
-              <a:tabLst/>
-            </a:pPr>
-            <a:endParaRPr kumimoji="0" lang="en-US" sz="1800" b="0" i="0" u="none" strike="noStrike" cap="none" normalizeH="0" baseline="0" smtClean="0">
-              <a:ln>
-                <a:noFill/>
-              </a:ln>
-              <a:solidFill>
-                <a:schemeClr val="tx1"/>
-              </a:solidFill>
-              <a:effectLst/>
-              <a:latin typeface="Arial" charset="0"/>
-            </a:endParaRPr>
-          </a:p>
-        </p:txBody>
-      </p:sp>
-      <p:sp>
-        <p:nvSpPr>
-          <p:cNvPr id="21" name="TextBox 20"/>
-          <p:cNvSpPr txBox="1"/>
-          <p:nvPr/>
-        </p:nvSpPr>
-        <p:spPr>
-          <a:xfrm>
-            <a:off x="1658987" y="3810000"/>
-            <a:ext cx="1021433" cy="276999"/>
-          </a:xfrm>
-          <a:prstGeom prst="rect">
-            <a:avLst/>
-          </a:prstGeom>
-          <a:noFill/>
-        </p:spPr>
-        <p:txBody>
-          <a:bodyPr wrap="none" rtlCol="0">
-            <a:spAutoFit/>
-          </a:bodyPr>
-          <a:lstStyle/>
-          <a:p>
-            <a:pPr algn="r"/>
-            <a:r>
-              <a:rPr lang="en-US" sz="1200" dirty="0" smtClean="0">
-                <a:latin typeface="Courier New" pitchFamily="49" charset="0"/>
-                <a:cs typeface="Courier New" pitchFamily="49" charset="0"/>
-              </a:rPr>
-              <a:t>positions</a:t>
-            </a:r>
-            <a:endParaRPr lang="en-US" sz="1200" dirty="0">
-              <a:latin typeface="Courier New" pitchFamily="49" charset="0"/>
-              <a:cs typeface="Courier New" pitchFamily="49" charset="0"/>
-            </a:endParaRPr>
-          </a:p>
-        </p:txBody>
-      </p:sp>
-      <p:sp>
-        <p:nvSpPr>
-          <p:cNvPr id="22" name="Rectangle 21"/>
-          <p:cNvSpPr/>
-          <p:nvPr/>
-        </p:nvSpPr>
-        <p:spPr bwMode="auto">
-          <a:xfrm>
-            <a:off x="2680420" y="4218801"/>
-            <a:ext cx="304800" cy="254096"/>
-          </a:xfrm>
-          <a:prstGeom prst="rect">
-            <a:avLst/>
-          </a:prstGeom>
-          <a:solidFill>
-            <a:srgbClr val="FF9933"/>
-          </a:solidFill>
-          <a:ln w="9525" cap="flat" cmpd="sng" algn="ctr">
-            <a:solidFill>
-              <a:schemeClr val="tx1"/>
-            </a:solidFill>
-            <a:prstDash val="solid"/>
-            <a:round/>
-            <a:headEnd type="none" w="med" len="med"/>
-            <a:tailEnd type="none" w="med" len="med"/>
-          </a:ln>
-          <a:effectLst/>
-          <a:extLst/>
-        </p:spPr>
-        <p:txBody>
-          <a:bodyPr vert="horz" wrap="square" lIns="91440" tIns="45720" rIns="91440" bIns="45720" numCol="1" rtlCol="0" anchor="t" anchorCtr="0" compatLnSpc="1">
-            <a:prstTxWarp prst="textNoShape">
-              <a:avLst/>
-            </a:prstTxWarp>
-          </a:bodyPr>
-          <a:lstStyle/>
-          <a:p>
-            <a:pPr marL="0" marR="0" indent="0" algn="l" defTabSz="914400" rtl="0" eaLnBrk="0" fontAlgn="base" latinLnBrk="0" hangingPunct="0">
-              <a:lnSpc>
-                <a:spcPct val="100000"/>
-              </a:lnSpc>
-              <a:spcBef>
-                <a:spcPct val="0"/>
-              </a:spcBef>
-              <a:spcAft>
-                <a:spcPct val="0"/>
-              </a:spcAft>
-              <a:buClrTx/>
-              <a:buSzTx/>
-              <a:buFontTx/>
-              <a:buNone/>
-              <a:tabLst/>
-            </a:pPr>
-            <a:endParaRPr kumimoji="0" lang="en-US" sz="1800" b="0" i="0" u="none" strike="noStrike" cap="none" normalizeH="0" baseline="0" smtClean="0">
-              <a:ln>
-                <a:noFill/>
-              </a:ln>
-              <a:solidFill>
-                <a:schemeClr val="tx1"/>
-              </a:solidFill>
-              <a:effectLst/>
-              <a:latin typeface="Arial" charset="0"/>
-            </a:endParaRPr>
-          </a:p>
-        </p:txBody>
-      </p:sp>
-      <p:sp>
-        <p:nvSpPr>
-          <p:cNvPr id="31" name="TextBox 30"/>
-          <p:cNvSpPr txBox="1"/>
-          <p:nvPr/>
-        </p:nvSpPr>
-        <p:spPr>
-          <a:xfrm>
-            <a:off x="1849318" y="4218801"/>
-            <a:ext cx="831102" cy="276999"/>
-          </a:xfrm>
-          <a:prstGeom prst="rect">
-            <a:avLst/>
-          </a:prstGeom>
-          <a:noFill/>
-        </p:spPr>
-        <p:txBody>
-          <a:bodyPr wrap="none" rtlCol="0">
-            <a:spAutoFit/>
-          </a:bodyPr>
-          <a:lstStyle/>
-          <a:p>
-            <a:pPr algn="r"/>
-            <a:r>
-              <a:rPr lang="en-US" sz="1200" dirty="0" smtClean="0">
-                <a:latin typeface="Courier New" pitchFamily="49" charset="0"/>
-                <a:cs typeface="Courier New" pitchFamily="49" charset="0"/>
-              </a:rPr>
-              <a:t>normals</a:t>
-            </a:r>
-            <a:endParaRPr lang="en-US" sz="1200" dirty="0">
-              <a:latin typeface="Courier New" pitchFamily="49" charset="0"/>
-              <a:cs typeface="Courier New" pitchFamily="49" charset="0"/>
-            </a:endParaRPr>
-          </a:p>
-        </p:txBody>
-      </p:sp>
-      <p:sp>
-        <p:nvSpPr>
-          <p:cNvPr id="36" name="TextBox 35"/>
-          <p:cNvSpPr txBox="1"/>
-          <p:nvPr/>
-        </p:nvSpPr>
-        <p:spPr>
-          <a:xfrm>
-            <a:off x="3975820" y="3810000"/>
-            <a:ext cx="3509194" cy="276999"/>
-          </a:xfrm>
-          <a:prstGeom prst="rect">
-            <a:avLst/>
-          </a:prstGeom>
-          <a:noFill/>
-        </p:spPr>
-        <p:txBody>
-          <a:bodyPr wrap="none" rtlCol="0">
-            <a:spAutoFit/>
-          </a:bodyPr>
-          <a:lstStyle/>
-          <a:p>
-            <a:pPr algn="r"/>
-            <a:r>
-              <a:rPr lang="en-US" sz="1200" dirty="0" smtClean="0">
-                <a:latin typeface="Courier New" pitchFamily="49" charset="0"/>
-                <a:cs typeface="Courier New" pitchFamily="49" charset="0"/>
-              </a:rPr>
-              <a:t>position indices: [0, 1, 2, 0, 2, 3]</a:t>
-            </a:r>
-            <a:endParaRPr lang="en-US" sz="1200" dirty="0">
-              <a:latin typeface="Courier New" pitchFamily="49" charset="0"/>
-              <a:cs typeface="Courier New" pitchFamily="49" charset="0"/>
-            </a:endParaRPr>
-          </a:p>
-        </p:txBody>
-      </p:sp>
-      <p:sp>
-        <p:nvSpPr>
-          <p:cNvPr id="38" name="TextBox 37"/>
-          <p:cNvSpPr txBox="1"/>
-          <p:nvPr/>
-        </p:nvSpPr>
-        <p:spPr>
-          <a:xfrm>
-            <a:off x="3975820" y="4191000"/>
-            <a:ext cx="3509194" cy="276999"/>
-          </a:xfrm>
-          <a:prstGeom prst="rect">
-            <a:avLst/>
-          </a:prstGeom>
-          <a:noFill/>
-        </p:spPr>
-        <p:txBody>
-          <a:bodyPr wrap="none" rtlCol="0">
-            <a:spAutoFit/>
-          </a:bodyPr>
-          <a:lstStyle/>
-          <a:p>
-            <a:pPr algn="r"/>
-            <a:r>
-              <a:rPr lang="en-US" sz="1200" dirty="0">
-                <a:latin typeface="Courier New" pitchFamily="49" charset="0"/>
-                <a:cs typeface="Courier New" pitchFamily="49" charset="0"/>
-              </a:rPr>
-              <a:t>n</a:t>
-            </a:r>
-            <a:r>
-              <a:rPr lang="en-US" sz="1200" dirty="0" smtClean="0">
-                <a:latin typeface="Courier New" pitchFamily="49" charset="0"/>
-                <a:cs typeface="Courier New" pitchFamily="49" charset="0"/>
-              </a:rPr>
-              <a:t>ormal indices:   [0, 0, 0, 0, 0, 0]</a:t>
-            </a:r>
-            <a:endParaRPr lang="en-US" sz="1200" dirty="0">
-              <a:latin typeface="Courier New" pitchFamily="49" charset="0"/>
-              <a:cs typeface="Courier New" pitchFamily="49" charset="0"/>
-            </a:endParaRPr>
-          </a:p>
-        </p:txBody>
-      </p:sp>
-      <p:sp>
-        <p:nvSpPr>
-          <p:cNvPr id="44" name="TextBox 43"/>
-          <p:cNvSpPr txBox="1"/>
-          <p:nvPr/>
-        </p:nvSpPr>
-        <p:spPr>
-          <a:xfrm>
-            <a:off x="1645567" y="5590401"/>
-            <a:ext cx="1021433" cy="276999"/>
-          </a:xfrm>
-          <a:prstGeom prst="rect">
-            <a:avLst/>
-          </a:prstGeom>
-          <a:noFill/>
-        </p:spPr>
-        <p:txBody>
-          <a:bodyPr wrap="none" rtlCol="0">
-            <a:spAutoFit/>
-          </a:bodyPr>
-          <a:lstStyle/>
-          <a:p>
-            <a:pPr algn="r"/>
-            <a:r>
-              <a:rPr lang="en-US" sz="1200" dirty="0" smtClean="0">
-                <a:latin typeface="Courier New" pitchFamily="49" charset="0"/>
-                <a:cs typeface="Courier New" pitchFamily="49" charset="0"/>
-              </a:rPr>
-              <a:t>positions</a:t>
-            </a:r>
-            <a:endParaRPr lang="en-US" sz="1200" dirty="0">
-              <a:latin typeface="Courier New" pitchFamily="49" charset="0"/>
-              <a:cs typeface="Courier New" pitchFamily="49" charset="0"/>
-            </a:endParaRPr>
-          </a:p>
-        </p:txBody>
-      </p:sp>
-      <p:sp>
-        <p:nvSpPr>
-          <p:cNvPr id="46" name="TextBox 45"/>
-          <p:cNvSpPr txBox="1"/>
-          <p:nvPr/>
-        </p:nvSpPr>
-        <p:spPr>
-          <a:xfrm>
-            <a:off x="1835898" y="5999202"/>
-            <a:ext cx="831102" cy="276999"/>
-          </a:xfrm>
-          <a:prstGeom prst="rect">
-            <a:avLst/>
-          </a:prstGeom>
-          <a:noFill/>
-        </p:spPr>
-        <p:txBody>
-          <a:bodyPr wrap="none" rtlCol="0">
-            <a:spAutoFit/>
-          </a:bodyPr>
-          <a:lstStyle/>
-          <a:p>
-            <a:pPr algn="r"/>
-            <a:r>
-              <a:rPr lang="en-US" sz="1200" dirty="0" smtClean="0">
-                <a:latin typeface="Courier New" pitchFamily="49" charset="0"/>
-                <a:cs typeface="Courier New" pitchFamily="49" charset="0"/>
-              </a:rPr>
-              <a:t>normals</a:t>
-            </a:r>
-            <a:endParaRPr lang="en-US" sz="1200" dirty="0">
-              <a:latin typeface="Courier New" pitchFamily="49" charset="0"/>
-              <a:cs typeface="Courier New" pitchFamily="49" charset="0"/>
-            </a:endParaRPr>
-          </a:p>
-        </p:txBody>
-      </p:sp>
-      <p:sp>
-        <p:nvSpPr>
-          <p:cNvPr id="47" name="TextBox 46"/>
-          <p:cNvSpPr txBox="1"/>
-          <p:nvPr/>
-        </p:nvSpPr>
-        <p:spPr>
-          <a:xfrm>
-            <a:off x="1797967" y="6504801"/>
-            <a:ext cx="2678062" cy="276999"/>
-          </a:xfrm>
-          <a:prstGeom prst="rect">
-            <a:avLst/>
-          </a:prstGeom>
-          <a:noFill/>
-        </p:spPr>
-        <p:txBody>
-          <a:bodyPr wrap="none" rtlCol="0">
-            <a:spAutoFit/>
-          </a:bodyPr>
-          <a:lstStyle/>
-          <a:p>
-            <a:pPr algn="r"/>
-            <a:r>
-              <a:rPr lang="en-US" sz="1200" dirty="0" smtClean="0">
-                <a:latin typeface="Courier New" pitchFamily="49" charset="0"/>
-                <a:cs typeface="Courier New" pitchFamily="49" charset="0"/>
-              </a:rPr>
-              <a:t>indices: [0, 1, 2, 0, 2, 3]</a:t>
-            </a:r>
-            <a:endParaRPr lang="en-US" sz="1200" dirty="0">
-              <a:latin typeface="Courier New" pitchFamily="49" charset="0"/>
-              <a:cs typeface="Courier New" pitchFamily="49" charset="0"/>
-            </a:endParaRPr>
-          </a:p>
-        </p:txBody>
-      </p:sp>
-      <p:grpSp>
-        <p:nvGrpSpPr>
-          <p:cNvPr id="7" name="Group 6"/>
-          <p:cNvGrpSpPr/>
-          <p:nvPr/>
-        </p:nvGrpSpPr>
-        <p:grpSpPr>
-          <a:xfrm>
-            <a:off x="2667000" y="6047601"/>
-            <a:ext cx="1219200" cy="254096"/>
-            <a:chOff x="2895600" y="5715000"/>
-            <a:chExt cx="1219200" cy="254096"/>
-          </a:xfrm>
-        </p:grpSpPr>
-        <p:sp>
-          <p:nvSpPr>
-            <p:cNvPr id="50" name="Rectangle 49"/>
-            <p:cNvSpPr/>
-            <p:nvPr/>
-          </p:nvSpPr>
-          <p:spPr bwMode="auto">
-            <a:xfrm>
-              <a:off x="2895600" y="5715000"/>
-              <a:ext cx="304800" cy="254096"/>
-            </a:xfrm>
-            <a:prstGeom prst="rect">
-              <a:avLst/>
-            </a:prstGeom>
-            <a:solidFill>
-              <a:srgbClr val="FF9933"/>
-            </a:solidFill>
-            <a:ln w="9525" cap="flat" cmpd="sng" algn="ctr">
-              <a:solidFill>
-                <a:schemeClr val="tx1"/>
-              </a:solidFill>
-              <a:prstDash val="solid"/>
-              <a:round/>
-              <a:headEnd type="none" w="med" len="med"/>
-              <a:tailEnd type="none" w="med" len="med"/>
-            </a:ln>
-            <a:effectLst/>
-            <a:extLst/>
-          </p:spPr>
-          <p:txBody>
-            <a:bodyPr vert="horz" wrap="square" lIns="91440" tIns="45720" rIns="91440" bIns="45720" numCol="1" rtlCol="0" anchor="t" anchorCtr="0" compatLnSpc="1">
-              <a:prstTxWarp prst="textNoShape">
-                <a:avLst/>
-              </a:prstTxWarp>
-            </a:bodyPr>
-            <a:lstStyle/>
-            <a:p>
-              <a:pPr marL="0" marR="0" indent="0" algn="l" defTabSz="914400" rtl="0" eaLnBrk="0" fontAlgn="base" latinLnBrk="0" hangingPunct="0">
-                <a:lnSpc>
-                  <a:spcPct val="100000"/>
-                </a:lnSpc>
-                <a:spcBef>
-                  <a:spcPct val="0"/>
-                </a:spcBef>
-                <a:spcAft>
-                  <a:spcPct val="0"/>
-                </a:spcAft>
-                <a:buClrTx/>
-                <a:buSzTx/>
-                <a:buFontTx/>
-                <a:buNone/>
-                <a:tabLst/>
-              </a:pPr>
-              <a:endParaRPr kumimoji="0" lang="en-US" sz="1800" b="0" i="0" u="none" strike="noStrike" cap="none" normalizeH="0" baseline="0" smtClean="0">
-                <a:ln>
-                  <a:noFill/>
-                </a:ln>
-                <a:solidFill>
-                  <a:schemeClr val="tx1"/>
-                </a:solidFill>
-                <a:effectLst/>
-                <a:latin typeface="Arial" charset="0"/>
-              </a:endParaRPr>
-            </a:p>
-          </p:txBody>
-        </p:sp>
-        <p:sp>
-          <p:nvSpPr>
-            <p:cNvPr id="51" name="Rectangle 50"/>
-            <p:cNvSpPr/>
-            <p:nvPr/>
-          </p:nvSpPr>
-          <p:spPr bwMode="auto">
-            <a:xfrm>
-              <a:off x="3200400" y="5715000"/>
-              <a:ext cx="304800" cy="254096"/>
-            </a:xfrm>
-            <a:prstGeom prst="rect">
-              <a:avLst/>
-            </a:prstGeom>
-            <a:solidFill>
-              <a:srgbClr val="FF9933"/>
-            </a:solidFill>
-            <a:ln w="9525" cap="flat" cmpd="sng" algn="ctr">
-              <a:solidFill>
-                <a:schemeClr val="tx1"/>
-              </a:solidFill>
-              <a:prstDash val="solid"/>
-              <a:round/>
-              <a:headEnd type="none" w="med" len="med"/>
-              <a:tailEnd type="none" w="med" len="med"/>
-            </a:ln>
-            <a:effectLst/>
-            <a:extLst/>
-          </p:spPr>
-          <p:txBody>
-            <a:bodyPr vert="horz" wrap="square" lIns="91440" tIns="45720" rIns="91440" bIns="45720" numCol="1" rtlCol="0" anchor="t" anchorCtr="0" compatLnSpc="1">
-              <a:prstTxWarp prst="textNoShape">
-                <a:avLst/>
-              </a:prstTxWarp>
-            </a:bodyPr>
-            <a:lstStyle/>
-            <a:p>
-              <a:pPr marL="0" marR="0" indent="0" algn="l" defTabSz="914400" rtl="0" eaLnBrk="0" fontAlgn="base" latinLnBrk="0" hangingPunct="0">
-                <a:lnSpc>
-                  <a:spcPct val="100000"/>
-                </a:lnSpc>
-                <a:spcBef>
-                  <a:spcPct val="0"/>
-                </a:spcBef>
-                <a:spcAft>
-                  <a:spcPct val="0"/>
-                </a:spcAft>
-                <a:buClrTx/>
-                <a:buSzTx/>
-                <a:buFontTx/>
-                <a:buNone/>
-                <a:tabLst/>
-              </a:pPr>
-              <a:endParaRPr kumimoji="0" lang="en-US" sz="1800" b="0" i="0" u="none" strike="noStrike" cap="none" normalizeH="0" baseline="0" smtClean="0">
-                <a:ln>
-                  <a:noFill/>
-                </a:ln>
-                <a:solidFill>
-                  <a:schemeClr val="tx1"/>
-                </a:solidFill>
-                <a:effectLst/>
-                <a:latin typeface="Arial" charset="0"/>
-              </a:endParaRPr>
-            </a:p>
-          </p:txBody>
-        </p:sp>
-        <p:sp>
-          <p:nvSpPr>
-            <p:cNvPr id="52" name="Rectangle 51"/>
-            <p:cNvSpPr/>
-            <p:nvPr/>
-          </p:nvSpPr>
-          <p:spPr bwMode="auto">
-            <a:xfrm>
-              <a:off x="3505200" y="5715000"/>
-              <a:ext cx="304800" cy="254096"/>
-            </a:xfrm>
-            <a:prstGeom prst="rect">
-              <a:avLst/>
-            </a:prstGeom>
-            <a:solidFill>
-              <a:srgbClr val="FF9933"/>
-            </a:solidFill>
-            <a:ln w="9525" cap="flat" cmpd="sng" algn="ctr">
-              <a:solidFill>
-                <a:schemeClr val="tx1"/>
-              </a:solidFill>
-              <a:prstDash val="solid"/>
-              <a:round/>
-              <a:headEnd type="none" w="med" len="med"/>
-              <a:tailEnd type="none" w="med" len="med"/>
-            </a:ln>
-            <a:effectLst/>
-            <a:extLst/>
-          </p:spPr>
-          <p:txBody>
-            <a:bodyPr vert="horz" wrap="square" lIns="91440" tIns="45720" rIns="91440" bIns="45720" numCol="1" rtlCol="0" anchor="t" anchorCtr="0" compatLnSpc="1">
-              <a:prstTxWarp prst="textNoShape">
-                <a:avLst/>
-              </a:prstTxWarp>
-            </a:bodyPr>
-            <a:lstStyle/>
-            <a:p>
-              <a:pPr marL="0" marR="0" indent="0" algn="l" defTabSz="914400" rtl="0" eaLnBrk="0" fontAlgn="base" latinLnBrk="0" hangingPunct="0">
-                <a:lnSpc>
-                  <a:spcPct val="100000"/>
-                </a:lnSpc>
-                <a:spcBef>
-                  <a:spcPct val="0"/>
-                </a:spcBef>
-                <a:spcAft>
-                  <a:spcPct val="0"/>
-                </a:spcAft>
-                <a:buClrTx/>
-                <a:buSzTx/>
-                <a:buFontTx/>
-                <a:buNone/>
-                <a:tabLst/>
-              </a:pPr>
-              <a:endParaRPr kumimoji="0" lang="en-US" sz="1800" b="0" i="0" u="none" strike="noStrike" cap="none" normalizeH="0" baseline="0" smtClean="0">
-                <a:ln>
-                  <a:noFill/>
-                </a:ln>
-                <a:solidFill>
-                  <a:schemeClr val="tx1"/>
-                </a:solidFill>
-                <a:effectLst/>
-                <a:latin typeface="Arial" charset="0"/>
-              </a:endParaRPr>
-            </a:p>
-          </p:txBody>
-        </p:sp>
-        <p:sp>
-          <p:nvSpPr>
-            <p:cNvPr id="53" name="Rectangle 52"/>
-            <p:cNvSpPr/>
-            <p:nvPr/>
-          </p:nvSpPr>
-          <p:spPr bwMode="auto">
-            <a:xfrm>
-              <a:off x="3810000" y="5715000"/>
-              <a:ext cx="304800" cy="254096"/>
-            </a:xfrm>
-            <a:prstGeom prst="rect">
-              <a:avLst/>
-            </a:prstGeom>
-            <a:solidFill>
-              <a:srgbClr val="FF9933"/>
-            </a:solidFill>
-            <a:ln w="9525" cap="flat" cmpd="sng" algn="ctr">
-              <a:solidFill>
-                <a:schemeClr val="tx1"/>
-              </a:solidFill>
-              <a:prstDash val="solid"/>
-              <a:round/>
-              <a:headEnd type="none" w="med" len="med"/>
-              <a:tailEnd type="none" w="med" len="med"/>
-            </a:ln>
-            <a:effectLst/>
-            <a:extLst/>
-          </p:spPr>
-          <p:txBody>
-            <a:bodyPr vert="horz" wrap="square" lIns="91440" tIns="45720" rIns="91440" bIns="45720" numCol="1" rtlCol="0" anchor="t" anchorCtr="0" compatLnSpc="1">
-              <a:prstTxWarp prst="textNoShape">
-                <a:avLst/>
-              </a:prstTxWarp>
-            </a:bodyPr>
-            <a:lstStyle/>
-            <a:p>
-              <a:pPr marL="0" marR="0" indent="0" algn="l" defTabSz="914400" rtl="0" eaLnBrk="0" fontAlgn="base" latinLnBrk="0" hangingPunct="0">
-                <a:lnSpc>
-                  <a:spcPct val="100000"/>
-                </a:lnSpc>
-                <a:spcBef>
-                  <a:spcPct val="0"/>
-                </a:spcBef>
-                <a:spcAft>
-                  <a:spcPct val="0"/>
-                </a:spcAft>
-                <a:buClrTx/>
-                <a:buSzTx/>
-                <a:buFontTx/>
-                <a:buNone/>
-                <a:tabLst/>
-              </a:pPr>
-              <a:endParaRPr kumimoji="0" lang="en-US" sz="1800" b="0" i="0" u="none" strike="noStrike" cap="none" normalizeH="0" baseline="0" smtClean="0">
-                <a:ln>
-                  <a:noFill/>
-                </a:ln>
-                <a:solidFill>
-                  <a:schemeClr val="tx1"/>
-                </a:solidFill>
-                <a:effectLst/>
-                <a:latin typeface="Arial" charset="0"/>
-              </a:endParaRPr>
-            </a:p>
-          </p:txBody>
-        </p:sp>
-      </p:grpSp>
-      <p:sp>
-        <p:nvSpPr>
-          <p:cNvPr id="54" name="Right Arrow 53"/>
-          <p:cNvSpPr/>
-          <p:nvPr/>
-        </p:nvSpPr>
-        <p:spPr bwMode="auto">
-          <a:xfrm rot="5400000">
-            <a:off x="2971800" y="4914900"/>
-            <a:ext cx="304800" cy="228600"/>
-          </a:xfrm>
-          <a:prstGeom prst="rightArrow">
-            <a:avLst/>
-          </a:prstGeom>
-          <a:solidFill>
-            <a:schemeClr val="accent1"/>
-          </a:solidFill>
-          <a:ln w="9525" cap="flat" cmpd="sng" algn="ctr">
-            <a:solidFill>
-              <a:schemeClr val="tx1"/>
-            </a:solidFill>
-            <a:prstDash val="solid"/>
-            <a:round/>
-            <a:headEnd type="none" w="med" len="med"/>
-            <a:tailEnd type="none" w="med" len="med"/>
-          </a:ln>
-          <a:effectLst/>
-        </p:spPr>
-        <p:txBody>
-          <a:bodyPr vert="horz" wrap="square" lIns="91440" tIns="45720" rIns="91440" bIns="45720" numCol="1" rtlCol="0" anchor="t" anchorCtr="0" compatLnSpc="1">
-            <a:prstTxWarp prst="textNoShape">
-              <a:avLst/>
-            </a:prstTxWarp>
-          </a:bodyPr>
-          <a:lstStyle/>
-          <a:p>
-            <a:pPr marL="0" marR="0" indent="0" algn="l" defTabSz="914400" rtl="0" eaLnBrk="0" fontAlgn="base" latinLnBrk="0" hangingPunct="0">
-              <a:lnSpc>
-                <a:spcPct val="100000"/>
-              </a:lnSpc>
-              <a:spcBef>
-                <a:spcPct val="0"/>
-              </a:spcBef>
-              <a:spcAft>
-                <a:spcPct val="0"/>
-              </a:spcAft>
-              <a:buClrTx/>
-              <a:buSzTx/>
-              <a:buFontTx/>
-              <a:buNone/>
-              <a:tabLst/>
-            </a:pPr>
-            <a:endParaRPr kumimoji="0" lang="en-US" sz="1800" b="0" i="0" u="none" strike="noStrike" cap="none" normalizeH="0" baseline="0" smtClean="0">
-              <a:ln>
-                <a:noFill/>
-              </a:ln>
-              <a:solidFill>
-                <a:schemeClr val="tx1"/>
-              </a:solidFill>
-              <a:effectLst/>
-              <a:latin typeface="Arial" charset="0"/>
-            </a:endParaRPr>
-          </a:p>
-        </p:txBody>
-      </p:sp>
-    </p:spTree>
-    <p:extLst>
-      <p:ext uri="{BB962C8B-B14F-4D97-AF65-F5344CB8AC3E}">
-        <p14:creationId xmlns:p14="http://schemas.microsoft.com/office/powerpoint/2010/main" val="32674471"/>
-      </p:ext>
-    </p:extLst>
-  </p:cSld>
-  <p:clrMapOvr>
-    <a:masterClrMapping/>
-  </p:clrMapOvr>
-</p:sld>
-</file>
-
-<file path=ppt/slides/slide16.xml><?xml version="1.0" encoding="utf-8"?>
-<p:sld xmlns:a="http://schemas.openxmlformats.org/drawingml/2006/main" xmlns:r="http://schemas.openxmlformats.org/officeDocument/2006/relationships" xmlns:p="http://schemas.openxmlformats.org/presentationml/2006/main">
-  <p:cSld>
-    <p:spTree>
-      <p:nvGrpSpPr>
-        <p:cNvPr id="1" name=""/>
-        <p:cNvGrpSpPr/>
-        <p:nvPr/>
-      </p:nvGrpSpPr>
-      <p:grpSpPr>
-        <a:xfrm>
-          <a:off x="0" y="0"/>
-          <a:ext cx="0" cy="0"/>
-          <a:chOff x="0" y="0"/>
-          <a:chExt cx="0" cy="0"/>
-        </a:xfrm>
-      </p:grpSpPr>
-      <p:sp>
-        <p:nvSpPr>
-          <p:cNvPr id="2" name="Title 1"/>
-          <p:cNvSpPr>
-            <a:spLocks noGrp="1"/>
-          </p:cNvSpPr>
-          <p:nvPr>
-            <p:ph type="title"/>
-          </p:nvPr>
-        </p:nvSpPr>
-        <p:spPr/>
-        <p:txBody>
-          <a:bodyPr/>
-          <a:lstStyle/>
-          <a:p>
-            <a:r>
-              <a:rPr lang="en-US" dirty="0" smtClean="0"/>
-              <a:t>Content Pipeline: Geometry</a:t>
-            </a:r>
-            <a:endParaRPr lang="en-US" dirty="0"/>
-          </a:p>
-        </p:txBody>
-      </p:sp>
-      <p:sp>
-        <p:nvSpPr>
-          <p:cNvPr id="3" name="Content Placeholder 2"/>
-          <p:cNvSpPr>
-            <a:spLocks noGrp="1"/>
-          </p:cNvSpPr>
-          <p:nvPr>
-            <p:ph idx="1"/>
-          </p:nvPr>
-        </p:nvSpPr>
-        <p:spPr/>
-        <p:txBody>
-          <a:bodyPr/>
-          <a:lstStyle/>
-          <a:p>
-            <a:r>
-              <a:rPr lang="en-US" dirty="0" smtClean="0"/>
-              <a:t>Flatten node hierarchy</a:t>
-            </a:r>
-          </a:p>
-          <a:p>
-            <a:pPr marL="0" indent="0">
-              <a:buNone/>
-            </a:pPr>
-            <a:endParaRPr lang="en-US" dirty="0"/>
-          </a:p>
-        </p:txBody>
-      </p:sp>
-      <p:sp>
-        <p:nvSpPr>
-          <p:cNvPr id="4" name="Slide Number Placeholder 3"/>
-          <p:cNvSpPr>
-            <a:spLocks noGrp="1"/>
-          </p:cNvSpPr>
-          <p:nvPr>
-            <p:ph type="sldNum" sz="quarter" idx="12"/>
-          </p:nvPr>
-        </p:nvSpPr>
-        <p:spPr/>
-        <p:txBody>
-          <a:bodyPr/>
-          <a:lstStyle/>
-          <a:p>
-            <a:pPr>
-              <a:defRPr/>
-            </a:pPr>
-            <a:fld id="{FC28735A-D6AA-419A-87B4-83DEEEB2001E}" type="slidenum">
-              <a:rPr lang="en-US" smtClean="0"/>
-              <a:pPr>
-                <a:defRPr/>
-              </a:pPr>
-              <a:t>16</a:t>
             </a:fld>
             <a:endParaRPr lang="en-US" dirty="0"/>
           </a:p>
@@ -14975,7 +11452,7 @@
     </p:spTree>
     <p:extLst>
       <p:ext uri="{BB962C8B-B14F-4D97-AF65-F5344CB8AC3E}">
-        <p14:creationId xmlns:p14="http://schemas.microsoft.com/office/powerpoint/2010/main" val="1890032355"/>
+        <p14:creationId xmlns:p14="http://schemas.microsoft.com/office/powerpoint/2010/main" val="663461722"/>
       </p:ext>
     </p:extLst>
   </p:cSld>
@@ -14985,7 +11462,7 @@
 </p:sld>
 </file>
 
-<file path=ppt/slides/slide17.xml><?xml version="1.0" encoding="utf-8"?>
+<file path=ppt/slides/slide15.xml><?xml version="1.0" encoding="utf-8"?>
 <p:sld xmlns:a="http://schemas.openxmlformats.org/drawingml/2006/main" xmlns:r="http://schemas.openxmlformats.org/officeDocument/2006/relationships" xmlns:p="http://schemas.openxmlformats.org/presentationml/2006/main">
   <p:cSld>
     <p:spTree>
@@ -15004,43 +11481,6 @@
       </p:grpSpPr>
       <p:sp>
         <p:nvSpPr>
-          <p:cNvPr id="28" name="TextBox 27"/>
-          <p:cNvSpPr txBox="1"/>
-          <p:nvPr/>
-        </p:nvSpPr>
-        <p:spPr>
-          <a:xfrm>
-            <a:off x="457200" y="3381438"/>
-            <a:ext cx="3509194" cy="276999"/>
-          </a:xfrm>
-          <a:prstGeom prst="rect">
-            <a:avLst/>
-          </a:prstGeom>
-          <a:noFill/>
-        </p:spPr>
-        <p:txBody>
-          <a:bodyPr wrap="none" rtlCol="0">
-            <a:spAutoFit/>
-          </a:bodyPr>
-          <a:lstStyle/>
-          <a:p>
-            <a:pPr algn="r"/>
-            <a:r>
-              <a:rPr lang="en-US" sz="1200" dirty="0" smtClean="0">
-                <a:latin typeface="Courier New" pitchFamily="49" charset="0"/>
-                <a:cs typeface="Courier New" pitchFamily="49" charset="0"/>
-              </a:rPr>
-              <a:t>vertices            ...         ...</a:t>
-            </a:r>
-            <a:endParaRPr lang="en-US" sz="1200" dirty="0">
-              <a:latin typeface="Courier New" pitchFamily="49" charset="0"/>
-              <a:cs typeface="Courier New" pitchFamily="49" charset="0"/>
-            </a:endParaRPr>
-          </a:p>
-        </p:txBody>
-      </p:sp>
-      <p:sp>
-        <p:nvSpPr>
           <p:cNvPr id="2" name="Title 1"/>
           <p:cNvSpPr>
             <a:spLocks noGrp="1"/>
@@ -15056,7 +11496,7 @@
           <a:p>
             <a:r>
               <a:rPr lang="en-US" dirty="0" smtClean="0"/>
-              <a:t>Content Pipeline: Geometry</a:t>
+              <a:t>Compression</a:t>
             </a:r>
             <a:endParaRPr lang="en-US" dirty="0"/>
           </a:p>
@@ -15075,30 +11515,57 @@
         <p:spPr>
           <a:xfrm>
             <a:off x="457200" y="1981200"/>
-            <a:ext cx="8229600" cy="1143000"/>
+            <a:ext cx="8686800" cy="3886200"/>
           </a:xfrm>
         </p:spPr>
         <p:txBody>
-          <a:bodyPr/>
+          <a:bodyPr>
+            <a:normAutofit/>
+          </a:bodyPr>
           <a:lstStyle/>
           <a:p>
             <a:r>
               <a:rPr lang="en-US" dirty="0" smtClean="0"/>
-              <a:t>Split meshes</a:t>
+              <a:t>Open3DGC </a:t>
+            </a:r>
+            <a:r>
+              <a:rPr lang="en-US" dirty="0" smtClean="0"/>
+              <a:t>(TFAN)</a:t>
+            </a:r>
+          </a:p>
+          <a:p>
+            <a:r>
+              <a:rPr lang="en-US" dirty="0" smtClean="0"/>
+              <a:t>Pre-</a:t>
+            </a:r>
+            <a:r>
+              <a:rPr lang="en-US" dirty="0" err="1" smtClean="0"/>
+              <a:t>gzip</a:t>
+            </a:r>
+            <a:r>
+              <a:rPr lang="en-US" dirty="0" smtClean="0"/>
+              <a:t> for web deployment</a:t>
+            </a:r>
+          </a:p>
+          <a:p>
+            <a:r>
+              <a:rPr lang="en-US" dirty="0" smtClean="0"/>
+              <a:t>Easy tricks</a:t>
             </a:r>
           </a:p>
           <a:p>
             <a:pPr lvl="1"/>
             <a:r>
               <a:rPr lang="en-US" dirty="0" smtClean="0"/>
-              <a:t>So indices fit into unsigned short</a:t>
-            </a:r>
-          </a:p>
-          <a:p>
-            <a:pPr marL="0" indent="0">
-              <a:buNone/>
-            </a:pPr>
-            <a:endParaRPr lang="en-US" dirty="0"/>
+              <a:t>Minify JSON, e.g., whitespace</a:t>
+            </a:r>
+          </a:p>
+          <a:p>
+            <a:pPr lvl="1"/>
+            <a:r>
+              <a:rPr lang="en-US" dirty="0" smtClean="0"/>
+              <a:t>Exclude default values, e.g., identity matrix</a:t>
+            </a:r>
           </a:p>
         </p:txBody>
       </p:sp>
@@ -15125,954 +11592,16 @@
               <a:pPr>
                 <a:defRPr/>
               </a:pPr>
-              <a:t>17</a:t>
+              <a:t>15</a:t>
             </a:fld>
-            <a:endParaRPr lang="en-US" dirty="0"/>
-          </a:p>
-        </p:txBody>
-      </p:sp>
-      <p:sp>
-        <p:nvSpPr>
-          <p:cNvPr id="21" name="Rectangle 20"/>
-          <p:cNvSpPr/>
-          <p:nvPr/>
-        </p:nvSpPr>
-        <p:spPr bwMode="auto">
-          <a:xfrm>
-            <a:off x="1447800" y="3380601"/>
-            <a:ext cx="304800" cy="254096"/>
-          </a:xfrm>
-          <a:prstGeom prst="rect">
-            <a:avLst/>
-          </a:prstGeom>
-          <a:solidFill>
-            <a:srgbClr val="CC0099"/>
-          </a:solidFill>
-          <a:ln w="9525" cap="flat" cmpd="sng" algn="ctr">
-            <a:solidFill>
-              <a:schemeClr val="tx1"/>
-            </a:solidFill>
-            <a:prstDash val="solid"/>
-            <a:round/>
-            <a:headEnd type="none" w="med" len="med"/>
-            <a:tailEnd type="none" w="med" len="med"/>
-          </a:ln>
-          <a:effectLst/>
-          <a:extLst/>
-        </p:spPr>
-        <p:txBody>
-          <a:bodyPr vert="horz" wrap="square" lIns="91440" tIns="45720" rIns="91440" bIns="45720" numCol="1" rtlCol="0" anchor="t" anchorCtr="0" compatLnSpc="1">
-            <a:prstTxWarp prst="textNoShape">
-              <a:avLst/>
-            </a:prstTxWarp>
-          </a:bodyPr>
-          <a:lstStyle/>
-          <a:p>
-            <a:pPr marL="0" marR="0" indent="0" algn="l" defTabSz="914400" rtl="0" eaLnBrk="0" fontAlgn="base" latinLnBrk="0" hangingPunct="0">
-              <a:lnSpc>
-                <a:spcPct val="100000"/>
-              </a:lnSpc>
-              <a:spcBef>
-                <a:spcPct val="0"/>
-              </a:spcBef>
-              <a:spcAft>
-                <a:spcPct val="0"/>
-              </a:spcAft>
-              <a:buClrTx/>
-              <a:buSzTx/>
-              <a:buFontTx/>
-              <a:buNone/>
-              <a:tabLst/>
-            </a:pPr>
-            <a:endParaRPr kumimoji="0" lang="en-US" sz="1800" b="0" i="0" u="none" strike="noStrike" cap="none" normalizeH="0" baseline="0" smtClean="0">
-              <a:ln>
-                <a:noFill/>
-              </a:ln>
-              <a:solidFill>
-                <a:schemeClr val="tx1"/>
-              </a:solidFill>
-              <a:effectLst/>
-              <a:latin typeface="Arial" charset="0"/>
-            </a:endParaRPr>
-          </a:p>
-        </p:txBody>
-      </p:sp>
-      <p:sp>
-        <p:nvSpPr>
-          <p:cNvPr id="23" name="Rectangle 22"/>
-          <p:cNvSpPr/>
-          <p:nvPr/>
-        </p:nvSpPr>
-        <p:spPr bwMode="auto">
-          <a:xfrm>
-            <a:off x="1752600" y="3380601"/>
-            <a:ext cx="304800" cy="254096"/>
-          </a:xfrm>
-          <a:prstGeom prst="rect">
-            <a:avLst/>
-          </a:prstGeom>
-          <a:solidFill>
-            <a:srgbClr val="3366FF"/>
-          </a:solidFill>
-          <a:ln w="9525" cap="flat" cmpd="sng" algn="ctr">
-            <a:solidFill>
-              <a:schemeClr val="tx1"/>
-            </a:solidFill>
-            <a:prstDash val="solid"/>
-            <a:round/>
-            <a:headEnd type="none" w="med" len="med"/>
-            <a:tailEnd type="none" w="med" len="med"/>
-          </a:ln>
-          <a:effectLst/>
-          <a:extLst/>
-        </p:spPr>
-        <p:txBody>
-          <a:bodyPr vert="horz" wrap="square" lIns="91440" tIns="45720" rIns="91440" bIns="45720" numCol="1" rtlCol="0" anchor="t" anchorCtr="0" compatLnSpc="1">
-            <a:prstTxWarp prst="textNoShape">
-              <a:avLst/>
-            </a:prstTxWarp>
-          </a:bodyPr>
-          <a:lstStyle/>
-          <a:p>
-            <a:pPr marL="0" marR="0" indent="0" algn="l" defTabSz="914400" rtl="0" eaLnBrk="0" fontAlgn="base" latinLnBrk="0" hangingPunct="0">
-              <a:lnSpc>
-                <a:spcPct val="100000"/>
-              </a:lnSpc>
-              <a:spcBef>
-                <a:spcPct val="0"/>
-              </a:spcBef>
-              <a:spcAft>
-                <a:spcPct val="0"/>
-              </a:spcAft>
-              <a:buClrTx/>
-              <a:buSzTx/>
-              <a:buFontTx/>
-              <a:buNone/>
-              <a:tabLst/>
-            </a:pPr>
-            <a:endParaRPr kumimoji="0" lang="en-US" sz="1800" b="0" i="0" u="none" strike="noStrike" cap="none" normalizeH="0" baseline="0" smtClean="0">
-              <a:ln>
-                <a:noFill/>
-              </a:ln>
-              <a:solidFill>
-                <a:schemeClr val="tx1"/>
-              </a:solidFill>
-              <a:effectLst/>
-              <a:latin typeface="Arial" charset="0"/>
-            </a:endParaRPr>
-          </a:p>
-        </p:txBody>
-      </p:sp>
-      <p:sp>
-        <p:nvSpPr>
-          <p:cNvPr id="25" name="Rectangle 24"/>
-          <p:cNvSpPr/>
-          <p:nvPr/>
-        </p:nvSpPr>
-        <p:spPr bwMode="auto">
-          <a:xfrm>
-            <a:off x="2057400" y="3380601"/>
-            <a:ext cx="304800" cy="254096"/>
-          </a:xfrm>
-          <a:prstGeom prst="rect">
-            <a:avLst/>
-          </a:prstGeom>
-          <a:solidFill>
-            <a:srgbClr val="D9D9D9"/>
-          </a:solidFill>
-          <a:ln w="9525" cap="flat" cmpd="sng" algn="ctr">
-            <a:solidFill>
-              <a:schemeClr val="tx1"/>
-            </a:solidFill>
-            <a:prstDash val="solid"/>
-            <a:round/>
-            <a:headEnd type="none" w="med" len="med"/>
-            <a:tailEnd type="none" w="med" len="med"/>
-          </a:ln>
-          <a:effectLst/>
-          <a:extLst/>
-        </p:spPr>
-        <p:txBody>
-          <a:bodyPr vert="horz" wrap="square" lIns="91440" tIns="45720" rIns="91440" bIns="45720" numCol="1" rtlCol="0" anchor="t" anchorCtr="0" compatLnSpc="1">
-            <a:prstTxWarp prst="textNoShape">
-              <a:avLst/>
-            </a:prstTxWarp>
-          </a:bodyPr>
-          <a:lstStyle/>
-          <a:p>
-            <a:pPr marL="0" marR="0" indent="0" algn="l" defTabSz="914400" rtl="0" eaLnBrk="0" fontAlgn="base" latinLnBrk="0" hangingPunct="0">
-              <a:lnSpc>
-                <a:spcPct val="100000"/>
-              </a:lnSpc>
-              <a:spcBef>
-                <a:spcPct val="0"/>
-              </a:spcBef>
-              <a:spcAft>
-                <a:spcPct val="0"/>
-              </a:spcAft>
-              <a:buClrTx/>
-              <a:buSzTx/>
-              <a:buFontTx/>
-              <a:buNone/>
-              <a:tabLst/>
-            </a:pPr>
-            <a:endParaRPr kumimoji="0" lang="en-US" sz="1800" b="0" i="0" u="none" strike="noStrike" cap="none" normalizeH="0" baseline="0" smtClean="0">
-              <a:ln>
-                <a:noFill/>
-              </a:ln>
-              <a:solidFill>
-                <a:schemeClr val="tx1"/>
-              </a:solidFill>
-              <a:effectLst/>
-              <a:latin typeface="Arial" charset="0"/>
-            </a:endParaRPr>
-          </a:p>
-        </p:txBody>
-      </p:sp>
-      <p:sp>
-        <p:nvSpPr>
-          <p:cNvPr id="30" name="TextBox 29"/>
-          <p:cNvSpPr txBox="1"/>
-          <p:nvPr/>
-        </p:nvSpPr>
-        <p:spPr>
-          <a:xfrm>
-            <a:off x="533400" y="3761601"/>
-            <a:ext cx="8218942" cy="276999"/>
-          </a:xfrm>
-          <a:prstGeom prst="rect">
-            <a:avLst/>
-          </a:prstGeom>
-          <a:noFill/>
-        </p:spPr>
-        <p:txBody>
-          <a:bodyPr wrap="none" rtlCol="0">
-            <a:spAutoFit/>
-          </a:bodyPr>
-          <a:lstStyle/>
-          <a:p>
-            <a:pPr algn="r"/>
-            <a:r>
-              <a:rPr lang="en-US" sz="1200" dirty="0" smtClean="0">
-                <a:latin typeface="Courier New" pitchFamily="49" charset="0"/>
-                <a:cs typeface="Courier New" pitchFamily="49" charset="0"/>
-              </a:rPr>
-              <a:t>indices: [0, 1, 2, ...</a:t>
-            </a:r>
-            <a:r>
-              <a:rPr lang="en-US" sz="1200" dirty="0">
-                <a:latin typeface="Courier New" pitchFamily="49" charset="0"/>
-                <a:cs typeface="Courier New" pitchFamily="49" charset="0"/>
-              </a:rPr>
-              <a:t>, </a:t>
-            </a:r>
-            <a:r>
-              <a:rPr lang="en-US" sz="1200" dirty="0" smtClean="0">
-                <a:latin typeface="Courier New" pitchFamily="49" charset="0"/>
-                <a:cs typeface="Courier New" pitchFamily="49" charset="0"/>
-              </a:rPr>
-              <a:t>64K - 3, 64K - 2, 64K - 1, 3, 4, 5, 64K, 64K + 1, 64K + 2, ...]</a:t>
-            </a:r>
-            <a:endParaRPr lang="en-US" sz="1200" dirty="0">
-              <a:latin typeface="Courier New" pitchFamily="49" charset="0"/>
-              <a:cs typeface="Courier New" pitchFamily="49" charset="0"/>
-            </a:endParaRPr>
-          </a:p>
-        </p:txBody>
-      </p:sp>
-      <p:sp>
-        <p:nvSpPr>
-          <p:cNvPr id="39" name="Rectangle 38"/>
-          <p:cNvSpPr/>
-          <p:nvPr/>
-        </p:nvSpPr>
-        <p:spPr bwMode="auto">
-          <a:xfrm>
-            <a:off x="2895600" y="3380601"/>
-            <a:ext cx="304800" cy="254096"/>
-          </a:xfrm>
-          <a:prstGeom prst="rect">
-            <a:avLst/>
-          </a:prstGeom>
-          <a:solidFill>
-            <a:srgbClr val="FF9933"/>
-          </a:solidFill>
-          <a:ln w="9525" cap="flat" cmpd="sng" algn="ctr">
-            <a:solidFill>
-              <a:schemeClr val="tx1"/>
-            </a:solidFill>
-            <a:prstDash val="solid"/>
-            <a:round/>
-            <a:headEnd type="none" w="med" len="med"/>
-            <a:tailEnd type="none" w="med" len="med"/>
-          </a:ln>
-          <a:effectLst/>
-          <a:extLst/>
-        </p:spPr>
-        <p:txBody>
-          <a:bodyPr vert="horz" wrap="square" lIns="91440" tIns="45720" rIns="91440" bIns="45720" numCol="1" rtlCol="0" anchor="t" anchorCtr="0" compatLnSpc="1">
-            <a:prstTxWarp prst="textNoShape">
-              <a:avLst/>
-            </a:prstTxWarp>
-          </a:bodyPr>
-          <a:lstStyle/>
-          <a:p>
-            <a:pPr marL="0" marR="0" indent="0" algn="l" defTabSz="914400" rtl="0" eaLnBrk="0" fontAlgn="base" latinLnBrk="0" hangingPunct="0">
-              <a:lnSpc>
-                <a:spcPct val="100000"/>
-              </a:lnSpc>
-              <a:spcBef>
-                <a:spcPct val="0"/>
-              </a:spcBef>
-              <a:spcAft>
-                <a:spcPct val="0"/>
-              </a:spcAft>
-              <a:buClrTx/>
-              <a:buSzTx/>
-              <a:buFontTx/>
-              <a:buNone/>
-              <a:tabLst/>
-            </a:pPr>
-            <a:endParaRPr kumimoji="0" lang="en-US" sz="1800" b="0" i="0" u="none" strike="noStrike" cap="none" normalizeH="0" baseline="0" smtClean="0">
-              <a:ln>
-                <a:noFill/>
-              </a:ln>
-              <a:solidFill>
-                <a:schemeClr val="tx1"/>
-              </a:solidFill>
-              <a:effectLst/>
-              <a:latin typeface="Arial" charset="0"/>
-            </a:endParaRPr>
-          </a:p>
-        </p:txBody>
-      </p:sp>
-      <p:sp>
-        <p:nvSpPr>
-          <p:cNvPr id="41" name="Rectangle 40"/>
-          <p:cNvSpPr/>
-          <p:nvPr/>
-        </p:nvSpPr>
-        <p:spPr bwMode="auto">
-          <a:xfrm>
-            <a:off x="3200400" y="3380601"/>
-            <a:ext cx="304800" cy="254096"/>
-          </a:xfrm>
-          <a:prstGeom prst="rect">
-            <a:avLst/>
-          </a:prstGeom>
-          <a:solidFill>
-            <a:srgbClr val="008000"/>
-          </a:solidFill>
-          <a:ln w="9525" cap="flat" cmpd="sng" algn="ctr">
-            <a:solidFill>
-              <a:schemeClr val="tx1"/>
-            </a:solidFill>
-            <a:prstDash val="solid"/>
-            <a:round/>
-            <a:headEnd type="none" w="med" len="med"/>
-            <a:tailEnd type="none" w="med" len="med"/>
-          </a:ln>
-          <a:effectLst/>
-          <a:extLst/>
-        </p:spPr>
-        <p:txBody>
-          <a:bodyPr vert="horz" wrap="square" lIns="91440" tIns="45720" rIns="91440" bIns="45720" numCol="1" rtlCol="0" anchor="t" anchorCtr="0" compatLnSpc="1">
-            <a:prstTxWarp prst="textNoShape">
-              <a:avLst/>
-            </a:prstTxWarp>
-          </a:bodyPr>
-          <a:lstStyle/>
-          <a:p>
-            <a:pPr marL="0" marR="0" indent="0" algn="l" defTabSz="914400" rtl="0" eaLnBrk="0" fontAlgn="base" latinLnBrk="0" hangingPunct="0">
-              <a:lnSpc>
-                <a:spcPct val="100000"/>
-              </a:lnSpc>
-              <a:spcBef>
-                <a:spcPct val="0"/>
-              </a:spcBef>
-              <a:spcAft>
-                <a:spcPct val="0"/>
-              </a:spcAft>
-              <a:buClrTx/>
-              <a:buSzTx/>
-              <a:buFontTx/>
-              <a:buNone/>
-              <a:tabLst/>
-            </a:pPr>
-            <a:endParaRPr kumimoji="0" lang="en-US" sz="1800" b="0" i="0" u="none" strike="noStrike" cap="none" normalizeH="0" baseline="0" smtClean="0">
-              <a:ln>
-                <a:noFill/>
-              </a:ln>
-              <a:solidFill>
-                <a:schemeClr val="tx1"/>
-              </a:solidFill>
-              <a:effectLst/>
-              <a:latin typeface="Arial" charset="0"/>
-            </a:endParaRPr>
-          </a:p>
-        </p:txBody>
-      </p:sp>
-      <p:sp>
-        <p:nvSpPr>
-          <p:cNvPr id="43" name="Right Arrow 42"/>
-          <p:cNvSpPr/>
-          <p:nvPr/>
-        </p:nvSpPr>
-        <p:spPr bwMode="auto">
-          <a:xfrm rot="5400000">
-            <a:off x="1562100" y="4333101"/>
-            <a:ext cx="304800" cy="228600"/>
-          </a:xfrm>
-          <a:prstGeom prst="rightArrow">
-            <a:avLst/>
-          </a:prstGeom>
-          <a:solidFill>
-            <a:schemeClr val="accent1"/>
-          </a:solidFill>
-          <a:ln w="9525" cap="flat" cmpd="sng" algn="ctr">
-            <a:solidFill>
-              <a:schemeClr val="tx1"/>
-            </a:solidFill>
-            <a:prstDash val="solid"/>
-            <a:round/>
-            <a:headEnd type="none" w="med" len="med"/>
-            <a:tailEnd type="none" w="med" len="med"/>
-          </a:ln>
-          <a:effectLst/>
-        </p:spPr>
-        <p:txBody>
-          <a:bodyPr vert="horz" wrap="square" lIns="91440" tIns="45720" rIns="91440" bIns="45720" numCol="1" rtlCol="0" anchor="t" anchorCtr="0" compatLnSpc="1">
-            <a:prstTxWarp prst="textNoShape">
-              <a:avLst/>
-            </a:prstTxWarp>
-          </a:bodyPr>
-          <a:lstStyle/>
-          <a:p>
-            <a:pPr marL="0" marR="0" indent="0" algn="l" defTabSz="914400" rtl="0" eaLnBrk="0" fontAlgn="base" latinLnBrk="0" hangingPunct="0">
-              <a:lnSpc>
-                <a:spcPct val="100000"/>
-              </a:lnSpc>
-              <a:spcBef>
-                <a:spcPct val="0"/>
-              </a:spcBef>
-              <a:spcAft>
-                <a:spcPct val="0"/>
-              </a:spcAft>
-              <a:buClrTx/>
-              <a:buSzTx/>
-              <a:buFontTx/>
-              <a:buNone/>
-              <a:tabLst/>
-            </a:pPr>
-            <a:endParaRPr kumimoji="0" lang="en-US" sz="1800" b="0" i="0" u="none" strike="noStrike" cap="none" normalizeH="0" baseline="0" smtClean="0">
-              <a:ln>
-                <a:noFill/>
-              </a:ln>
-              <a:solidFill>
-                <a:schemeClr val="tx1"/>
-              </a:solidFill>
-              <a:effectLst/>
-              <a:latin typeface="Arial" charset="0"/>
-            </a:endParaRPr>
-          </a:p>
-        </p:txBody>
-      </p:sp>
-      <p:sp>
-        <p:nvSpPr>
-          <p:cNvPr id="44" name="TextBox 43"/>
-          <p:cNvSpPr txBox="1"/>
-          <p:nvPr/>
-        </p:nvSpPr>
-        <p:spPr>
-          <a:xfrm>
-            <a:off x="533400" y="4856202"/>
-            <a:ext cx="2308670" cy="276999"/>
-          </a:xfrm>
-          <a:prstGeom prst="rect">
-            <a:avLst/>
-          </a:prstGeom>
-          <a:noFill/>
-        </p:spPr>
-        <p:txBody>
-          <a:bodyPr wrap="none" rtlCol="0">
-            <a:spAutoFit/>
-          </a:bodyPr>
-          <a:lstStyle/>
-          <a:p>
-            <a:pPr algn="r"/>
-            <a:r>
-              <a:rPr lang="en-US" sz="1200" dirty="0" smtClean="0">
-                <a:latin typeface="Courier New" pitchFamily="49" charset="0"/>
-                <a:cs typeface="Courier New" pitchFamily="49" charset="0"/>
-              </a:rPr>
-              <a:t>vertices            ...         </a:t>
-            </a:r>
-            <a:endParaRPr lang="en-US" sz="1200" dirty="0">
-              <a:latin typeface="Courier New" pitchFamily="49" charset="0"/>
-              <a:cs typeface="Courier New" pitchFamily="49" charset="0"/>
-            </a:endParaRPr>
-          </a:p>
-        </p:txBody>
-      </p:sp>
-      <p:sp>
-        <p:nvSpPr>
-          <p:cNvPr id="45" name="Rectangle 44"/>
-          <p:cNvSpPr/>
-          <p:nvPr/>
-        </p:nvSpPr>
-        <p:spPr bwMode="auto">
-          <a:xfrm>
-            <a:off x="1447800" y="4855365"/>
-            <a:ext cx="304800" cy="254096"/>
-          </a:xfrm>
-          <a:prstGeom prst="rect">
-            <a:avLst/>
-          </a:prstGeom>
-          <a:solidFill>
-            <a:srgbClr val="CC0099"/>
-          </a:solidFill>
-          <a:ln w="9525" cap="flat" cmpd="sng" algn="ctr">
-            <a:solidFill>
-              <a:schemeClr val="tx1"/>
-            </a:solidFill>
-            <a:prstDash val="solid"/>
-            <a:round/>
-            <a:headEnd type="none" w="med" len="med"/>
-            <a:tailEnd type="none" w="med" len="med"/>
-          </a:ln>
-          <a:effectLst/>
-          <a:extLst/>
-        </p:spPr>
-        <p:txBody>
-          <a:bodyPr vert="horz" wrap="square" lIns="91440" tIns="45720" rIns="91440" bIns="45720" numCol="1" rtlCol="0" anchor="t" anchorCtr="0" compatLnSpc="1">
-            <a:prstTxWarp prst="textNoShape">
-              <a:avLst/>
-            </a:prstTxWarp>
-          </a:bodyPr>
-          <a:lstStyle/>
-          <a:p>
-            <a:pPr marL="0" marR="0" indent="0" algn="l" defTabSz="914400" rtl="0" eaLnBrk="0" fontAlgn="base" latinLnBrk="0" hangingPunct="0">
-              <a:lnSpc>
-                <a:spcPct val="100000"/>
-              </a:lnSpc>
-              <a:spcBef>
-                <a:spcPct val="0"/>
-              </a:spcBef>
-              <a:spcAft>
-                <a:spcPct val="0"/>
-              </a:spcAft>
-              <a:buClrTx/>
-              <a:buSzTx/>
-              <a:buFontTx/>
-              <a:buNone/>
-              <a:tabLst/>
-            </a:pPr>
-            <a:endParaRPr kumimoji="0" lang="en-US" sz="1800" b="0" i="0" u="none" strike="noStrike" cap="none" normalizeH="0" baseline="0" smtClean="0">
-              <a:ln>
-                <a:noFill/>
-              </a:ln>
-              <a:solidFill>
-                <a:schemeClr val="tx1"/>
-              </a:solidFill>
-              <a:effectLst/>
-              <a:latin typeface="Arial" charset="0"/>
-            </a:endParaRPr>
-          </a:p>
-        </p:txBody>
-      </p:sp>
-      <p:sp>
-        <p:nvSpPr>
-          <p:cNvPr id="46" name="Rectangle 45"/>
-          <p:cNvSpPr/>
-          <p:nvPr/>
-        </p:nvSpPr>
-        <p:spPr bwMode="auto">
-          <a:xfrm>
-            <a:off x="1752600" y="4855365"/>
-            <a:ext cx="304800" cy="254096"/>
-          </a:xfrm>
-          <a:prstGeom prst="rect">
-            <a:avLst/>
-          </a:prstGeom>
-          <a:solidFill>
-            <a:srgbClr val="3366FF"/>
-          </a:solidFill>
-          <a:ln w="9525" cap="flat" cmpd="sng" algn="ctr">
-            <a:solidFill>
-              <a:schemeClr val="tx1"/>
-            </a:solidFill>
-            <a:prstDash val="solid"/>
-            <a:round/>
-            <a:headEnd type="none" w="med" len="med"/>
-            <a:tailEnd type="none" w="med" len="med"/>
-          </a:ln>
-          <a:effectLst/>
-          <a:extLst/>
-        </p:spPr>
-        <p:txBody>
-          <a:bodyPr vert="horz" wrap="square" lIns="91440" tIns="45720" rIns="91440" bIns="45720" numCol="1" rtlCol="0" anchor="t" anchorCtr="0" compatLnSpc="1">
-            <a:prstTxWarp prst="textNoShape">
-              <a:avLst/>
-            </a:prstTxWarp>
-          </a:bodyPr>
-          <a:lstStyle/>
-          <a:p>
-            <a:pPr marL="0" marR="0" indent="0" algn="l" defTabSz="914400" rtl="0" eaLnBrk="0" fontAlgn="base" latinLnBrk="0" hangingPunct="0">
-              <a:lnSpc>
-                <a:spcPct val="100000"/>
-              </a:lnSpc>
-              <a:spcBef>
-                <a:spcPct val="0"/>
-              </a:spcBef>
-              <a:spcAft>
-                <a:spcPct val="0"/>
-              </a:spcAft>
-              <a:buClrTx/>
-              <a:buSzTx/>
-              <a:buFontTx/>
-              <a:buNone/>
-              <a:tabLst/>
-            </a:pPr>
-            <a:endParaRPr kumimoji="0" lang="en-US" sz="1800" b="0" i="0" u="none" strike="noStrike" cap="none" normalizeH="0" baseline="0" smtClean="0">
-              <a:ln>
-                <a:noFill/>
-              </a:ln>
-              <a:solidFill>
-                <a:schemeClr val="tx1"/>
-              </a:solidFill>
-              <a:effectLst/>
-              <a:latin typeface="Arial" charset="0"/>
-            </a:endParaRPr>
-          </a:p>
-        </p:txBody>
-      </p:sp>
-      <p:sp>
-        <p:nvSpPr>
-          <p:cNvPr id="47" name="Rectangle 46"/>
-          <p:cNvSpPr/>
-          <p:nvPr/>
-        </p:nvSpPr>
-        <p:spPr bwMode="auto">
-          <a:xfrm>
-            <a:off x="2057400" y="4855365"/>
-            <a:ext cx="304800" cy="254096"/>
-          </a:xfrm>
-          <a:prstGeom prst="rect">
-            <a:avLst/>
-          </a:prstGeom>
-          <a:solidFill>
-            <a:srgbClr val="D9D9D9"/>
-          </a:solidFill>
-          <a:ln w="9525" cap="flat" cmpd="sng" algn="ctr">
-            <a:solidFill>
-              <a:schemeClr val="tx1"/>
-            </a:solidFill>
-            <a:prstDash val="solid"/>
-            <a:round/>
-            <a:headEnd type="none" w="med" len="med"/>
-            <a:tailEnd type="none" w="med" len="med"/>
-          </a:ln>
-          <a:effectLst/>
-          <a:extLst/>
-        </p:spPr>
-        <p:txBody>
-          <a:bodyPr vert="horz" wrap="square" lIns="91440" tIns="45720" rIns="91440" bIns="45720" numCol="1" rtlCol="0" anchor="t" anchorCtr="0" compatLnSpc="1">
-            <a:prstTxWarp prst="textNoShape">
-              <a:avLst/>
-            </a:prstTxWarp>
-          </a:bodyPr>
-          <a:lstStyle/>
-          <a:p>
-            <a:pPr marL="0" marR="0" indent="0" algn="l" defTabSz="914400" rtl="0" eaLnBrk="0" fontAlgn="base" latinLnBrk="0" hangingPunct="0">
-              <a:lnSpc>
-                <a:spcPct val="100000"/>
-              </a:lnSpc>
-              <a:spcBef>
-                <a:spcPct val="0"/>
-              </a:spcBef>
-              <a:spcAft>
-                <a:spcPct val="0"/>
-              </a:spcAft>
-              <a:buClrTx/>
-              <a:buSzTx/>
-              <a:buFontTx/>
-              <a:buNone/>
-              <a:tabLst/>
-            </a:pPr>
-            <a:endParaRPr kumimoji="0" lang="en-US" sz="1800" b="0" i="0" u="none" strike="noStrike" cap="none" normalizeH="0" baseline="0" smtClean="0">
-              <a:ln>
-                <a:noFill/>
-              </a:ln>
-              <a:solidFill>
-                <a:schemeClr val="tx1"/>
-              </a:solidFill>
-              <a:effectLst/>
-              <a:latin typeface="Arial" charset="0"/>
-            </a:endParaRPr>
-          </a:p>
-        </p:txBody>
-      </p:sp>
-      <p:sp>
-        <p:nvSpPr>
-          <p:cNvPr id="48" name="Rectangle 47"/>
-          <p:cNvSpPr/>
-          <p:nvPr/>
-        </p:nvSpPr>
-        <p:spPr bwMode="auto">
-          <a:xfrm>
-            <a:off x="2895600" y="4855365"/>
-            <a:ext cx="304800" cy="254096"/>
-          </a:xfrm>
-          <a:prstGeom prst="rect">
-            <a:avLst/>
-          </a:prstGeom>
-          <a:solidFill>
-            <a:srgbClr val="FF9933"/>
-          </a:solidFill>
-          <a:ln w="9525" cap="flat" cmpd="sng" algn="ctr">
-            <a:solidFill>
-              <a:schemeClr val="tx1"/>
-            </a:solidFill>
-            <a:prstDash val="solid"/>
-            <a:round/>
-            <a:headEnd type="none" w="med" len="med"/>
-            <a:tailEnd type="none" w="med" len="med"/>
-          </a:ln>
-          <a:effectLst/>
-          <a:extLst/>
-        </p:spPr>
-        <p:txBody>
-          <a:bodyPr vert="horz" wrap="square" lIns="91440" tIns="45720" rIns="91440" bIns="45720" numCol="1" rtlCol="0" anchor="t" anchorCtr="0" compatLnSpc="1">
-            <a:prstTxWarp prst="textNoShape">
-              <a:avLst/>
-            </a:prstTxWarp>
-          </a:bodyPr>
-          <a:lstStyle/>
-          <a:p>
-            <a:pPr marL="0" marR="0" indent="0" algn="l" defTabSz="914400" rtl="0" eaLnBrk="0" fontAlgn="base" latinLnBrk="0" hangingPunct="0">
-              <a:lnSpc>
-                <a:spcPct val="100000"/>
-              </a:lnSpc>
-              <a:spcBef>
-                <a:spcPct val="0"/>
-              </a:spcBef>
-              <a:spcAft>
-                <a:spcPct val="0"/>
-              </a:spcAft>
-              <a:buClrTx/>
-              <a:buSzTx/>
-              <a:buFontTx/>
-              <a:buNone/>
-              <a:tabLst/>
-            </a:pPr>
-            <a:endParaRPr kumimoji="0" lang="en-US" sz="1800" b="0" i="0" u="none" strike="noStrike" cap="none" normalizeH="0" baseline="0" smtClean="0">
-              <a:ln>
-                <a:noFill/>
-              </a:ln>
-              <a:solidFill>
-                <a:schemeClr val="tx1"/>
-              </a:solidFill>
-              <a:effectLst/>
-              <a:latin typeface="Arial" charset="0"/>
-            </a:endParaRPr>
-          </a:p>
-        </p:txBody>
-      </p:sp>
-      <p:sp>
-        <p:nvSpPr>
-          <p:cNvPr id="50" name="TextBox 49"/>
-          <p:cNvSpPr txBox="1"/>
-          <p:nvPr/>
-        </p:nvSpPr>
-        <p:spPr>
-          <a:xfrm>
-            <a:off x="533400" y="5819838"/>
-            <a:ext cx="1754582" cy="276999"/>
-          </a:xfrm>
-          <a:prstGeom prst="rect">
-            <a:avLst/>
-          </a:prstGeom>
-          <a:noFill/>
-        </p:spPr>
-        <p:txBody>
-          <a:bodyPr wrap="none" rtlCol="0">
-            <a:spAutoFit/>
-          </a:bodyPr>
-          <a:lstStyle/>
-          <a:p>
-            <a:pPr algn="r"/>
-            <a:r>
-              <a:rPr lang="en-US" sz="1200" dirty="0" smtClean="0">
-                <a:latin typeface="Courier New" pitchFamily="49" charset="0"/>
-                <a:cs typeface="Courier New" pitchFamily="49" charset="0"/>
-              </a:rPr>
-              <a:t>vertices      ...</a:t>
-            </a:r>
-            <a:endParaRPr lang="en-US" sz="1200" dirty="0">
-              <a:latin typeface="Courier New" pitchFamily="49" charset="0"/>
-              <a:cs typeface="Courier New" pitchFamily="49" charset="0"/>
-            </a:endParaRPr>
-          </a:p>
-        </p:txBody>
-      </p:sp>
-      <p:sp>
-        <p:nvSpPr>
-          <p:cNvPr id="55" name="Rectangle 54"/>
-          <p:cNvSpPr/>
-          <p:nvPr/>
-        </p:nvSpPr>
-        <p:spPr bwMode="auto">
-          <a:xfrm>
-            <a:off x="1447800" y="5819001"/>
-            <a:ext cx="304800" cy="254096"/>
-          </a:xfrm>
-          <a:prstGeom prst="rect">
-            <a:avLst/>
-          </a:prstGeom>
-          <a:solidFill>
-            <a:srgbClr val="008000"/>
-          </a:solidFill>
-          <a:ln w="9525" cap="flat" cmpd="sng" algn="ctr">
-            <a:solidFill>
-              <a:schemeClr val="tx1"/>
-            </a:solidFill>
-            <a:prstDash val="solid"/>
-            <a:round/>
-            <a:headEnd type="none" w="med" len="med"/>
-            <a:tailEnd type="none" w="med" len="med"/>
-          </a:ln>
-          <a:effectLst/>
-          <a:extLst/>
-        </p:spPr>
-        <p:txBody>
-          <a:bodyPr vert="horz" wrap="square" lIns="91440" tIns="45720" rIns="91440" bIns="45720" numCol="1" rtlCol="0" anchor="t" anchorCtr="0" compatLnSpc="1">
-            <a:prstTxWarp prst="textNoShape">
-              <a:avLst/>
-            </a:prstTxWarp>
-          </a:bodyPr>
-          <a:lstStyle/>
-          <a:p>
-            <a:pPr marL="0" marR="0" indent="0" algn="l" defTabSz="914400" rtl="0" eaLnBrk="0" fontAlgn="base" latinLnBrk="0" hangingPunct="0">
-              <a:lnSpc>
-                <a:spcPct val="100000"/>
-              </a:lnSpc>
-              <a:spcBef>
-                <a:spcPct val="0"/>
-              </a:spcBef>
-              <a:spcAft>
-                <a:spcPct val="0"/>
-              </a:spcAft>
-              <a:buClrTx/>
-              <a:buSzTx/>
-              <a:buFontTx/>
-              <a:buNone/>
-              <a:tabLst/>
-            </a:pPr>
-            <a:endParaRPr kumimoji="0" lang="en-US" sz="1800" b="0" i="0" u="none" strike="noStrike" cap="none" normalizeH="0" baseline="0" smtClean="0">
-              <a:ln>
-                <a:noFill/>
-              </a:ln>
-              <a:solidFill>
-                <a:schemeClr val="tx1"/>
-              </a:solidFill>
-              <a:effectLst/>
-              <a:latin typeface="Arial" charset="0"/>
-            </a:endParaRPr>
-          </a:p>
-        </p:txBody>
-      </p:sp>
-      <p:sp>
-        <p:nvSpPr>
-          <p:cNvPr id="56" name="TextBox 55"/>
-          <p:cNvSpPr txBox="1"/>
-          <p:nvPr/>
-        </p:nvSpPr>
-        <p:spPr>
-          <a:xfrm>
-            <a:off x="533400" y="5161002"/>
-            <a:ext cx="6094938" cy="276999"/>
-          </a:xfrm>
-          <a:prstGeom prst="rect">
-            <a:avLst/>
-          </a:prstGeom>
-          <a:noFill/>
-        </p:spPr>
-        <p:txBody>
-          <a:bodyPr wrap="none" rtlCol="0">
-            <a:spAutoFit/>
-          </a:bodyPr>
-          <a:lstStyle/>
-          <a:p>
-            <a:pPr algn="r"/>
-            <a:r>
-              <a:rPr lang="en-US" sz="1200" dirty="0" smtClean="0">
-                <a:latin typeface="Courier New" pitchFamily="49" charset="0"/>
-                <a:cs typeface="Courier New" pitchFamily="49" charset="0"/>
-              </a:rPr>
-              <a:t>indices: [0, 1, 2, ...</a:t>
-            </a:r>
-            <a:r>
-              <a:rPr lang="en-US" sz="1200" dirty="0">
-                <a:latin typeface="Courier New" pitchFamily="49" charset="0"/>
-                <a:cs typeface="Courier New" pitchFamily="49" charset="0"/>
-              </a:rPr>
-              <a:t>, </a:t>
-            </a:r>
-            <a:r>
-              <a:rPr lang="en-US" sz="1200" dirty="0" smtClean="0">
-                <a:latin typeface="Courier New" pitchFamily="49" charset="0"/>
-                <a:cs typeface="Courier New" pitchFamily="49" charset="0"/>
-              </a:rPr>
-              <a:t>64K - 3, 64K - 2, 64K - 1, 3, 4, 5, ...]</a:t>
-            </a:r>
-            <a:endParaRPr lang="en-US" sz="1200" dirty="0">
-              <a:latin typeface="Courier New" pitchFamily="49" charset="0"/>
-              <a:cs typeface="Courier New" pitchFamily="49" charset="0"/>
-            </a:endParaRPr>
-          </a:p>
-        </p:txBody>
-      </p:sp>
-      <p:sp>
-        <p:nvSpPr>
-          <p:cNvPr id="57" name="TextBox 56"/>
-          <p:cNvSpPr txBox="1"/>
-          <p:nvPr/>
-        </p:nvSpPr>
-        <p:spPr>
-          <a:xfrm>
-            <a:off x="586930" y="6123801"/>
-            <a:ext cx="2308670" cy="276999"/>
-          </a:xfrm>
-          <a:prstGeom prst="rect">
-            <a:avLst/>
-          </a:prstGeom>
-          <a:noFill/>
-        </p:spPr>
-        <p:txBody>
-          <a:bodyPr wrap="none" rtlCol="0">
-            <a:spAutoFit/>
-          </a:bodyPr>
-          <a:lstStyle/>
-          <a:p>
-            <a:pPr algn="r"/>
-            <a:r>
-              <a:rPr lang="en-US" sz="1200" dirty="0" smtClean="0">
-                <a:latin typeface="Courier New" pitchFamily="49" charset="0"/>
-                <a:cs typeface="Courier New" pitchFamily="49" charset="0"/>
-              </a:rPr>
-              <a:t>indices: [0, 1, 2, ...]</a:t>
-            </a:r>
-            <a:endParaRPr lang="en-US" sz="1200" dirty="0">
-              <a:latin typeface="Courier New" pitchFamily="49" charset="0"/>
-              <a:cs typeface="Courier New" pitchFamily="49" charset="0"/>
-            </a:endParaRPr>
+            <a:endParaRPr lang="en-US"/>
           </a:p>
         </p:txBody>
       </p:sp>
     </p:spTree>
     <p:extLst>
       <p:ext uri="{BB962C8B-B14F-4D97-AF65-F5344CB8AC3E}">
-        <p14:creationId xmlns:p14="http://schemas.microsoft.com/office/powerpoint/2010/main" val="595130090"/>
+        <p14:creationId xmlns:p14="http://schemas.microsoft.com/office/powerpoint/2010/main" val="2975829640"/>
       </p:ext>
     </p:extLst>
   </p:cSld>
@@ -16082,7 +11611,7 @@
 </p:sld>
 </file>
 
-<file path=ppt/slides/slide18.xml><?xml version="1.0" encoding="utf-8"?>
+<file path=ppt/slides/slide16.xml><?xml version="1.0" encoding="utf-8"?>
 <p:sld xmlns:a="http://schemas.openxmlformats.org/drawingml/2006/main" xmlns:r="http://schemas.openxmlformats.org/officeDocument/2006/relationships" xmlns:p="http://schemas.openxmlformats.org/presentationml/2006/main">
   <p:cSld>
     <p:spTree>
@@ -16101,123 +11630,6 @@
       </p:grpSpPr>
       <p:sp>
         <p:nvSpPr>
-          <p:cNvPr id="2" name="Title 1"/>
-          <p:cNvSpPr>
-            <a:spLocks noGrp="1"/>
-          </p:cNvSpPr>
-          <p:nvPr>
-            <p:ph type="title"/>
-          </p:nvPr>
-        </p:nvSpPr>
-        <p:spPr/>
-        <p:txBody>
-          <a:bodyPr/>
-          <a:lstStyle/>
-          <a:p>
-            <a:r>
-              <a:rPr lang="en-US" dirty="0" smtClean="0"/>
-              <a:t>Content Pipeline: Geometry</a:t>
-            </a:r>
-            <a:endParaRPr lang="en-US" dirty="0"/>
-          </a:p>
-        </p:txBody>
-      </p:sp>
-      <p:sp>
-        <p:nvSpPr>
-          <p:cNvPr id="3" name="Content Placeholder 2"/>
-          <p:cNvSpPr>
-            <a:spLocks noGrp="1"/>
-          </p:cNvSpPr>
-          <p:nvPr>
-            <p:ph idx="1"/>
-          </p:nvPr>
-        </p:nvSpPr>
-        <p:spPr>
-          <a:xfrm>
-            <a:off x="457200" y="1981200"/>
-            <a:ext cx="8686800" cy="3886200"/>
-          </a:xfrm>
-        </p:spPr>
-        <p:txBody>
-          <a:bodyPr>
-            <a:normAutofit fontScale="92500" lnSpcReduction="10000"/>
-          </a:bodyPr>
-          <a:lstStyle/>
-          <a:p>
-            <a:r>
-              <a:rPr lang="en-US" dirty="0" smtClean="0"/>
-              <a:t>Compression</a:t>
-            </a:r>
-          </a:p>
-          <a:p>
-            <a:pPr lvl="1"/>
-            <a:r>
-              <a:rPr lang="en-US" dirty="0" smtClean="0"/>
-              <a:t>Open3DGC (TFAN)</a:t>
-            </a:r>
-          </a:p>
-          <a:p>
-            <a:pPr lvl="1"/>
-            <a:r>
-              <a:rPr lang="en-US" dirty="0" smtClean="0"/>
-              <a:t>Pre-</a:t>
-            </a:r>
-            <a:r>
-              <a:rPr lang="en-US" dirty="0" err="1" smtClean="0"/>
-              <a:t>gzip</a:t>
-            </a:r>
-            <a:r>
-              <a:rPr lang="en-US" dirty="0" smtClean="0"/>
-              <a:t> for web deployment</a:t>
-            </a:r>
-          </a:p>
-          <a:p>
-            <a:pPr lvl="1"/>
-            <a:r>
-              <a:rPr lang="en-US" dirty="0" smtClean="0"/>
-              <a:t>Easy tricks</a:t>
-            </a:r>
-          </a:p>
-          <a:p>
-            <a:pPr lvl="2"/>
-            <a:r>
-              <a:rPr lang="en-US" dirty="0" smtClean="0"/>
-              <a:t>Minify JSON, e.g., whitespace</a:t>
-            </a:r>
-          </a:p>
-          <a:p>
-            <a:pPr lvl="2"/>
-            <a:r>
-              <a:rPr lang="en-US" dirty="0" smtClean="0"/>
-              <a:t>Exclude default values, e.g., identity matrix</a:t>
-            </a:r>
-          </a:p>
-          <a:p>
-            <a:pPr lvl="2"/>
-            <a:r>
-              <a:rPr lang="en-US" dirty="0" smtClean="0"/>
-              <a:t>Uniform scale instead of non-uniform scale</a:t>
-            </a:r>
-          </a:p>
-          <a:p>
-            <a:pPr lvl="2"/>
-            <a:r>
-              <a:rPr lang="en-US" dirty="0" smtClean="0"/>
-              <a:t>4x3 matrices instead of 4x4</a:t>
-            </a:r>
-          </a:p>
-          <a:p>
-            <a:pPr lvl="2"/>
-            <a:r>
-              <a:rPr lang="en-US" dirty="0" smtClean="0"/>
-              <a:t>Quaternions are normalized, only store 3 components</a:t>
-            </a:r>
-            <a:endParaRPr lang="en-US" dirty="0"/>
-          </a:p>
-        </p:txBody>
-      </p:sp>
-      <p:sp>
-        <p:nvSpPr>
           <p:cNvPr id="4" name="Slide Number Placeholder 3"/>
           <p:cNvSpPr>
             <a:spLocks noGrp="1"/>
@@ -16239,66 +11651,7 @@
               <a:pPr>
                 <a:defRPr/>
               </a:pPr>
-              <a:t>18</a:t>
-            </a:fld>
-            <a:endParaRPr lang="en-US"/>
-          </a:p>
-        </p:txBody>
-      </p:sp>
-    </p:spTree>
-    <p:extLst>
-      <p:ext uri="{BB962C8B-B14F-4D97-AF65-F5344CB8AC3E}">
-        <p14:creationId xmlns:p14="http://schemas.microsoft.com/office/powerpoint/2010/main" val="2975829640"/>
-      </p:ext>
-    </p:extLst>
-  </p:cSld>
-  <p:clrMapOvr>
-    <a:masterClrMapping/>
-  </p:clrMapOvr>
-</p:sld>
-</file>
-
-<file path=ppt/slides/slide19.xml><?xml version="1.0" encoding="utf-8"?>
-<p:sld xmlns:a="http://schemas.openxmlformats.org/drawingml/2006/main" xmlns:r="http://schemas.openxmlformats.org/officeDocument/2006/relationships" xmlns:p="http://schemas.openxmlformats.org/presentationml/2006/main">
-  <p:cSld>
-    <p:spTree>
-      <p:nvGrpSpPr>
-        <p:cNvPr id="1" name=""/>
-        <p:cNvGrpSpPr/>
-        <p:nvPr/>
-      </p:nvGrpSpPr>
-      <p:grpSpPr>
-        <a:xfrm>
-          <a:off x="0" y="0"/>
-          <a:ext cx="0" cy="0"/>
-          <a:chOff x="0" y="0"/>
-          <a:chExt cx="0" cy="0"/>
-        </a:xfrm>
-      </p:grpSpPr>
-      <p:sp>
-        <p:nvSpPr>
-          <p:cNvPr id="4" name="Slide Number Placeholder 3"/>
-          <p:cNvSpPr>
-            <a:spLocks noGrp="1"/>
-          </p:cNvSpPr>
-          <p:nvPr>
-            <p:ph type="sldNum" sz="quarter" idx="12"/>
-          </p:nvPr>
-        </p:nvSpPr>
-        <p:spPr/>
-        <p:txBody>
-          <a:bodyPr/>
-          <a:lstStyle/>
-          <a:p>
-            <a:pPr>
-              <a:defRPr/>
-            </a:pPr>
-            <a:fld id="{FC28735A-D6AA-419A-87B4-83DEEEB2001E}" type="slidenum">
-              <a:rPr lang="en-US" smtClean="0"/>
-              <a:pPr>
-                <a:defRPr/>
-              </a:pPr>
-              <a:t>19</a:t>
+              <a:t>16</a:t>
             </a:fld>
             <a:endParaRPr lang="en-US"/>
           </a:p>
@@ -16341,6 +11694,460 @@
 </p:sld>
 </file>
 
+<file path=ppt/slides/slide17.xml><?xml version="1.0" encoding="utf-8"?>
+<p:sld xmlns:a="http://schemas.openxmlformats.org/drawingml/2006/main" xmlns:r="http://schemas.openxmlformats.org/officeDocument/2006/relationships" xmlns:p="http://schemas.openxmlformats.org/presentationml/2006/main">
+  <p:cSld>
+    <p:spTree>
+      <p:nvGrpSpPr>
+        <p:cNvPr id="1" name=""/>
+        <p:cNvGrpSpPr/>
+        <p:nvPr/>
+      </p:nvGrpSpPr>
+      <p:grpSpPr>
+        <a:xfrm>
+          <a:off x="0" y="0"/>
+          <a:ext cx="0" cy="0"/>
+          <a:chOff x="0" y="0"/>
+          <a:chExt cx="0" cy="0"/>
+        </a:xfrm>
+      </p:grpSpPr>
+      <p:sp>
+        <p:nvSpPr>
+          <p:cNvPr id="2" name="Title 1"/>
+          <p:cNvSpPr>
+            <a:spLocks noGrp="1"/>
+          </p:cNvSpPr>
+          <p:nvPr>
+            <p:ph type="title"/>
+          </p:nvPr>
+        </p:nvSpPr>
+        <p:spPr/>
+        <p:txBody>
+          <a:bodyPr/>
+          <a:lstStyle/>
+          <a:p>
+            <a:r>
+              <a:rPr lang="en-US" dirty="0" smtClean="0"/>
+              <a:t>Summary</a:t>
+            </a:r>
+            <a:endParaRPr lang="en-US" dirty="0"/>
+          </a:p>
+        </p:txBody>
+      </p:sp>
+      <p:sp>
+        <p:nvSpPr>
+          <p:cNvPr id="3" name="Content Placeholder 2"/>
+          <p:cNvSpPr>
+            <a:spLocks noGrp="1"/>
+          </p:cNvSpPr>
+          <p:nvPr>
+            <p:ph idx="1"/>
+          </p:nvPr>
+        </p:nvSpPr>
+        <p:spPr/>
+        <p:txBody>
+          <a:bodyPr/>
+          <a:lstStyle/>
+          <a:p>
+            <a:r>
+              <a:rPr lang="en-US" dirty="0" smtClean="0"/>
+              <a:t>Themes</a:t>
+            </a:r>
+          </a:p>
+          <a:p>
+            <a:pPr lvl="1"/>
+            <a:r>
+              <a:rPr lang="en-US" dirty="0" smtClean="0"/>
+              <a:t>Keep the runtime simple</a:t>
+            </a:r>
+          </a:p>
+          <a:p>
+            <a:pPr lvl="1"/>
+            <a:r>
+              <a:rPr lang="en-US" dirty="0" smtClean="0"/>
+              <a:t>Push work to the Content Pipeline</a:t>
+            </a:r>
+          </a:p>
+          <a:p>
+            <a:r>
+              <a:rPr lang="en-US" dirty="0" smtClean="0"/>
+              <a:t>glTF spec and </a:t>
+            </a:r>
+            <a:r>
+              <a:rPr lang="en-US" dirty="0" smtClean="0"/>
+              <a:t>COLLADA2GLTF:</a:t>
+            </a:r>
+            <a:endParaRPr lang="en-US" dirty="0"/>
+          </a:p>
+        </p:txBody>
+      </p:sp>
+      <p:sp>
+        <p:nvSpPr>
+          <p:cNvPr id="4" name="Slide Number Placeholder 3"/>
+          <p:cNvSpPr>
+            <a:spLocks noGrp="1"/>
+          </p:cNvSpPr>
+          <p:nvPr>
+            <p:ph type="sldNum" sz="quarter" idx="12"/>
+          </p:nvPr>
+        </p:nvSpPr>
+        <p:spPr/>
+        <p:txBody>
+          <a:bodyPr/>
+          <a:lstStyle/>
+          <a:p>
+            <a:pPr>
+              <a:defRPr/>
+            </a:pPr>
+            <a:fld id="{FC28735A-D6AA-419A-87B4-83DEEEB2001E}" type="slidenum">
+              <a:rPr lang="en-US" smtClean="0"/>
+              <a:pPr>
+                <a:defRPr/>
+              </a:pPr>
+              <a:t>17</a:t>
+            </a:fld>
+            <a:endParaRPr lang="en-US"/>
+          </a:p>
+        </p:txBody>
+      </p:sp>
+      <p:sp>
+        <p:nvSpPr>
+          <p:cNvPr id="5" name="Rectangle 4"/>
+          <p:cNvSpPr/>
+          <p:nvPr/>
+        </p:nvSpPr>
+        <p:spPr>
+          <a:xfrm>
+            <a:off x="1001251" y="4114800"/>
+            <a:ext cx="7141498" cy="584776"/>
+          </a:xfrm>
+          <a:prstGeom prst="rect">
+            <a:avLst/>
+          </a:prstGeom>
+        </p:spPr>
+        <p:txBody>
+          <a:bodyPr wrap="none">
+            <a:spAutoFit/>
+          </a:bodyPr>
+          <a:lstStyle/>
+          <a:p>
+            <a:r>
+              <a:rPr lang="en-US" sz="3200" dirty="0">
+                <a:hlinkClick r:id="rId3"/>
+              </a:rPr>
+              <a:t>https://github.com/KhronosGroup/</a:t>
+            </a:r>
+            <a:r>
+              <a:rPr lang="en-US" sz="3200" dirty="0" smtClean="0">
+                <a:hlinkClick r:id="rId3"/>
+              </a:rPr>
+              <a:t>glTF</a:t>
+            </a:r>
+            <a:endParaRPr lang="en-US" sz="3200" dirty="0"/>
+          </a:p>
+        </p:txBody>
+      </p:sp>
+    </p:spTree>
+    <p:extLst>
+      <p:ext uri="{BB962C8B-B14F-4D97-AF65-F5344CB8AC3E}">
+        <p14:creationId xmlns:p14="http://schemas.microsoft.com/office/powerpoint/2010/main" val="649372569"/>
+      </p:ext>
+    </p:extLst>
+  </p:cSld>
+  <p:clrMapOvr>
+    <a:masterClrMapping/>
+  </p:clrMapOvr>
+</p:sld>
+</file>
+
+<file path=ppt/slides/slide18.xml><?xml version="1.0" encoding="utf-8"?>
+<p:sld xmlns:a="http://schemas.openxmlformats.org/drawingml/2006/main" xmlns:r="http://schemas.openxmlformats.org/officeDocument/2006/relationships" xmlns:p="http://schemas.openxmlformats.org/presentationml/2006/main">
+  <p:cSld>
+    <p:spTree>
+      <p:nvGrpSpPr>
+        <p:cNvPr id="1" name=""/>
+        <p:cNvGrpSpPr/>
+        <p:nvPr/>
+      </p:nvGrpSpPr>
+      <p:grpSpPr>
+        <a:xfrm>
+          <a:off x="0" y="0"/>
+          <a:ext cx="0" cy="0"/>
+          <a:chOff x="0" y="0"/>
+          <a:chExt cx="0" cy="0"/>
+        </a:xfrm>
+      </p:grpSpPr>
+      <p:sp>
+        <p:nvSpPr>
+          <p:cNvPr id="2" name="Title 1"/>
+          <p:cNvSpPr>
+            <a:spLocks noGrp="1"/>
+          </p:cNvSpPr>
+          <p:nvPr>
+            <p:ph type="title"/>
+          </p:nvPr>
+        </p:nvSpPr>
+        <p:spPr/>
+        <p:txBody>
+          <a:bodyPr/>
+          <a:lstStyle/>
+          <a:p>
+            <a:r>
+              <a:rPr lang="en-US" dirty="0" smtClean="0"/>
+              <a:t>References</a:t>
+            </a:r>
+            <a:endParaRPr lang="en-US" dirty="0"/>
+          </a:p>
+        </p:txBody>
+      </p:sp>
+      <p:sp>
+        <p:nvSpPr>
+          <p:cNvPr id="3" name="Content Placeholder 2"/>
+          <p:cNvSpPr>
+            <a:spLocks noGrp="1"/>
+          </p:cNvSpPr>
+          <p:nvPr>
+            <p:ph idx="1"/>
+          </p:nvPr>
+        </p:nvSpPr>
+        <p:spPr/>
+        <p:txBody>
+          <a:bodyPr>
+            <a:normAutofit/>
+          </a:bodyPr>
+          <a:lstStyle/>
+          <a:p>
+            <a:pPr marL="0" indent="0">
+              <a:buNone/>
+            </a:pPr>
+            <a:r>
+              <a:rPr lang="en-US" sz="1600" dirty="0" smtClean="0"/>
+              <a:t>Fabrice Robinet et al. </a:t>
+            </a:r>
+            <a:r>
+              <a:rPr lang="en-US" sz="1600" dirty="0" smtClean="0">
+                <a:hlinkClick r:id="rId3"/>
+              </a:rPr>
+              <a:t>glTF: Designing an Open-Standard Runtime Asset Format</a:t>
+            </a:r>
+            <a:r>
+              <a:rPr lang="en-US" sz="1600" dirty="0" smtClean="0"/>
+              <a:t>. GPU Pro 5, 2014</a:t>
+            </a:r>
+          </a:p>
+          <a:p>
+            <a:pPr marL="0" indent="0">
+              <a:buNone/>
+            </a:pPr>
+            <a:endParaRPr lang="en-US" sz="1600" dirty="0" smtClean="0"/>
+          </a:p>
+          <a:p>
+            <a:pPr marL="0" indent="0">
+              <a:buNone/>
+            </a:pPr>
+            <a:r>
+              <a:rPr lang="en-US" sz="1600" dirty="0" smtClean="0"/>
+              <a:t>Patrick Cozzi. </a:t>
+            </a:r>
+            <a:r>
+              <a:rPr lang="en-US" sz="1600" dirty="0" smtClean="0">
+                <a:hlinkClick r:id="rId4"/>
+              </a:rPr>
+              <a:t>Building a WebGL Santa with Cesium and glTF</a:t>
+            </a:r>
+            <a:r>
+              <a:rPr lang="en-US" sz="1600" dirty="0" smtClean="0"/>
+              <a:t>. 2013</a:t>
+            </a:r>
+            <a:endParaRPr lang="en-US" sz="1600" dirty="0"/>
+          </a:p>
+        </p:txBody>
+      </p:sp>
+      <p:sp>
+        <p:nvSpPr>
+          <p:cNvPr id="4" name="Slide Number Placeholder 3"/>
+          <p:cNvSpPr>
+            <a:spLocks noGrp="1"/>
+          </p:cNvSpPr>
+          <p:nvPr>
+            <p:ph type="sldNum" sz="quarter" idx="12"/>
+          </p:nvPr>
+        </p:nvSpPr>
+        <p:spPr/>
+        <p:txBody>
+          <a:bodyPr/>
+          <a:lstStyle/>
+          <a:p>
+            <a:pPr>
+              <a:defRPr/>
+            </a:pPr>
+            <a:fld id="{FC28735A-D6AA-419A-87B4-83DEEEB2001E}" type="slidenum">
+              <a:rPr lang="en-US" smtClean="0"/>
+              <a:pPr>
+                <a:defRPr/>
+              </a:pPr>
+              <a:t>18</a:t>
+            </a:fld>
+            <a:endParaRPr lang="en-US"/>
+          </a:p>
+        </p:txBody>
+      </p:sp>
+    </p:spTree>
+    <p:extLst>
+      <p:ext uri="{BB962C8B-B14F-4D97-AF65-F5344CB8AC3E}">
+        <p14:creationId xmlns:p14="http://schemas.microsoft.com/office/powerpoint/2010/main" val="2112326044"/>
+      </p:ext>
+    </p:extLst>
+  </p:cSld>
+  <p:clrMapOvr>
+    <a:masterClrMapping/>
+  </p:clrMapOvr>
+</p:sld>
+</file>
+
+<file path=ppt/slides/slide19.xml><?xml version="1.0" encoding="utf-8"?>
+<p:sld xmlns:a="http://schemas.openxmlformats.org/drawingml/2006/main" xmlns:r="http://schemas.openxmlformats.org/officeDocument/2006/relationships" xmlns:p="http://schemas.openxmlformats.org/presentationml/2006/main">
+  <p:cSld>
+    <p:spTree>
+      <p:nvGrpSpPr>
+        <p:cNvPr id="1" name=""/>
+        <p:cNvGrpSpPr/>
+        <p:nvPr/>
+      </p:nvGrpSpPr>
+      <p:grpSpPr>
+        <a:xfrm>
+          <a:off x="0" y="0"/>
+          <a:ext cx="0" cy="0"/>
+          <a:chOff x="0" y="0"/>
+          <a:chExt cx="0" cy="0"/>
+        </a:xfrm>
+      </p:grpSpPr>
+      <p:sp>
+        <p:nvSpPr>
+          <p:cNvPr id="2" name="Title 1"/>
+          <p:cNvSpPr>
+            <a:spLocks noGrp="1"/>
+          </p:cNvSpPr>
+          <p:nvPr>
+            <p:ph type="title"/>
+          </p:nvPr>
+        </p:nvSpPr>
+        <p:spPr/>
+        <p:txBody>
+          <a:bodyPr/>
+          <a:lstStyle/>
+          <a:p>
+            <a:r>
+              <a:rPr lang="en-US" dirty="0" smtClean="0"/>
+              <a:t>TODO</a:t>
+            </a:r>
+            <a:endParaRPr lang="en-US" dirty="0"/>
+          </a:p>
+        </p:txBody>
+      </p:sp>
+      <p:sp>
+        <p:nvSpPr>
+          <p:cNvPr id="3" name="Content Placeholder 2"/>
+          <p:cNvSpPr>
+            <a:spLocks noGrp="1"/>
+          </p:cNvSpPr>
+          <p:nvPr>
+            <p:ph idx="1"/>
+          </p:nvPr>
+        </p:nvSpPr>
+        <p:spPr/>
+        <p:txBody>
+          <a:bodyPr/>
+          <a:lstStyle/>
+          <a:p>
+            <a:r>
+              <a:rPr lang="en-US" dirty="0" smtClean="0"/>
+              <a:t>Selected schema examples</a:t>
+            </a:r>
+          </a:p>
+          <a:p>
+            <a:r>
+              <a:rPr lang="en-US" dirty="0" smtClean="0"/>
+              <a:t>Demos</a:t>
+            </a:r>
+            <a:endParaRPr lang="en-US" dirty="0" smtClean="0"/>
+          </a:p>
+          <a:p>
+            <a:r>
+              <a:rPr lang="en-US" dirty="0" smtClean="0"/>
+              <a:t>Implementation </a:t>
+            </a:r>
+            <a:r>
+              <a:rPr lang="en-US" dirty="0" smtClean="0"/>
+              <a:t>tips</a:t>
+            </a:r>
+            <a:endParaRPr lang="en-US" dirty="0" smtClean="0"/>
+          </a:p>
+          <a:p>
+            <a:r>
+              <a:rPr lang="en-US" dirty="0" smtClean="0"/>
+              <a:t>Reference </a:t>
+            </a:r>
+            <a:r>
+              <a:rPr lang="en-US" dirty="0" smtClean="0"/>
+              <a:t>“</a:t>
+            </a:r>
+            <a:r>
+              <a:rPr lang="en-US" dirty="0"/>
+              <a:t>An Artist's Guide to </a:t>
+            </a:r>
+            <a:r>
+              <a:rPr lang="en-US" dirty="0" smtClean="0"/>
+              <a:t>glTF”</a:t>
+            </a:r>
+          </a:p>
+          <a:p>
+            <a:endParaRPr lang="en-US" dirty="0"/>
+          </a:p>
+        </p:txBody>
+      </p:sp>
+      <p:sp>
+        <p:nvSpPr>
+          <p:cNvPr id="4" name="Slide Number Placeholder 3"/>
+          <p:cNvSpPr>
+            <a:spLocks noGrp="1"/>
+          </p:cNvSpPr>
+          <p:nvPr>
+            <p:ph type="sldNum" sz="quarter" idx="12"/>
+          </p:nvPr>
+        </p:nvSpPr>
+        <p:spPr/>
+        <p:txBody>
+          <a:bodyPr/>
+          <a:lstStyle/>
+          <a:p>
+            <a:pPr>
+              <a:defRPr/>
+            </a:pPr>
+            <a:fld id="{FC28735A-D6AA-419A-87B4-83DEEEB2001E}" type="slidenum">
+              <a:rPr lang="en-US" smtClean="0"/>
+              <a:pPr>
+                <a:defRPr/>
+              </a:pPr>
+              <a:t>19</a:t>
+            </a:fld>
+            <a:endParaRPr lang="en-US"/>
+          </a:p>
+        </p:txBody>
+      </p:sp>
+    </p:spTree>
+    <p:extLst>
+      <p:ext uri="{BB962C8B-B14F-4D97-AF65-F5344CB8AC3E}">
+        <p14:creationId xmlns:p14="http://schemas.microsoft.com/office/powerpoint/2010/main" val="3423546022"/>
+      </p:ext>
+    </p:extLst>
+  </p:cSld>
+  <p:clrMapOvr>
+    <a:masterClrMapping/>
+  </p:clrMapOvr>
+</p:sld>
+</file>
+
 <file path=ppt/slides/slide2.xml><?xml version="1.0" encoding="utf-8"?>
 <p:sld xmlns:a="http://schemas.openxmlformats.org/drawingml/2006/main" xmlns:r="http://schemas.openxmlformats.org/officeDocument/2006/relationships" xmlns:p="http://schemas.openxmlformats.org/presentationml/2006/main">
   <p:cSld>
@@ -16410,7 +12217,21 @@
           <a:p>
             <a:r>
               <a:rPr lang="en-US" dirty="0" smtClean="0"/>
-              <a:t>COLLADA to glTF content pipeline</a:t>
+              <a:t>COLLADA-to-glTF </a:t>
+            </a:r>
+            <a:r>
+              <a:rPr lang="en-US" dirty="0" smtClean="0"/>
+              <a:t>content </a:t>
+            </a:r>
+            <a:r>
+              <a:rPr lang="en-US" dirty="0" smtClean="0"/>
+              <a:t>pipeline</a:t>
+            </a:r>
+          </a:p>
+          <a:p>
+            <a:r>
+              <a:rPr lang="en-US" dirty="0" smtClean="0"/>
+              <a:t>Art tips</a:t>
             </a:r>
             <a:endParaRPr lang="en-US" dirty="0"/>
           </a:p>
@@ -16449,1408 +12270,6 @@
     <p:extLst>
       <p:ext uri="{BB962C8B-B14F-4D97-AF65-F5344CB8AC3E}">
         <p14:creationId xmlns:p14="http://schemas.microsoft.com/office/powerpoint/2010/main" val="3960671851"/>
-      </p:ext>
-    </p:extLst>
-  </p:cSld>
-  <p:clrMapOvr>
-    <a:masterClrMapping/>
-  </p:clrMapOvr>
-</p:sld>
-</file>
-
-<file path=ppt/slides/slide20.xml><?xml version="1.0" encoding="utf-8"?>
-<p:sld xmlns:a="http://schemas.openxmlformats.org/drawingml/2006/main" xmlns:r="http://schemas.openxmlformats.org/officeDocument/2006/relationships" xmlns:p="http://schemas.openxmlformats.org/presentationml/2006/main">
-  <p:cSld>
-    <p:spTree>
-      <p:nvGrpSpPr>
-        <p:cNvPr id="1" name=""/>
-        <p:cNvGrpSpPr/>
-        <p:nvPr/>
-      </p:nvGrpSpPr>
-      <p:grpSpPr>
-        <a:xfrm>
-          <a:off x="0" y="0"/>
-          <a:ext cx="0" cy="0"/>
-          <a:chOff x="0" y="0"/>
-          <a:chExt cx="0" cy="0"/>
-        </a:xfrm>
-      </p:grpSpPr>
-      <p:sp>
-        <p:nvSpPr>
-          <p:cNvPr id="2" name="Title 1"/>
-          <p:cNvSpPr>
-            <a:spLocks noGrp="1"/>
-          </p:cNvSpPr>
-          <p:nvPr>
-            <p:ph type="title"/>
-          </p:nvPr>
-        </p:nvSpPr>
-        <p:spPr/>
-        <p:txBody>
-          <a:bodyPr/>
-          <a:lstStyle/>
-          <a:p>
-            <a:r>
-              <a:rPr lang="en-US" dirty="0" smtClean="0"/>
-              <a:t>Content Pipeline: Geometry</a:t>
-            </a:r>
-            <a:endParaRPr lang="en-US" dirty="0"/>
-          </a:p>
-        </p:txBody>
-      </p:sp>
-      <p:sp>
-        <p:nvSpPr>
-          <p:cNvPr id="3" name="Content Placeholder 2"/>
-          <p:cNvSpPr>
-            <a:spLocks noGrp="1"/>
-          </p:cNvSpPr>
-          <p:nvPr>
-            <p:ph idx="1"/>
-          </p:nvPr>
-        </p:nvSpPr>
-        <p:spPr>
-          <a:xfrm>
-            <a:off x="457200" y="1981200"/>
-            <a:ext cx="8077200" cy="1600200"/>
-          </a:xfrm>
-        </p:spPr>
-        <p:txBody>
-          <a:bodyPr/>
-          <a:lstStyle/>
-          <a:p>
-            <a:r>
-              <a:rPr lang="en-US" dirty="0" smtClean="0"/>
-              <a:t>Generate LODs</a:t>
-            </a:r>
-          </a:p>
-        </p:txBody>
-      </p:sp>
-      <p:pic>
-        <p:nvPicPr>
-          <p:cNvPr id="4" name="Picture 3"/>
-          <p:cNvPicPr>
-            <a:picLocks noChangeAspect="1"/>
-          </p:cNvPicPr>
-          <p:nvPr/>
-        </p:nvPicPr>
-        <p:blipFill>
-          <a:blip r:embed="rId3"/>
-          <a:stretch>
-            <a:fillRect/>
-          </a:stretch>
-        </p:blipFill>
-        <p:spPr>
-          <a:xfrm>
-            <a:off x="901700" y="3086100"/>
-            <a:ext cx="7327900" cy="2324100"/>
-          </a:xfrm>
-          <a:prstGeom prst="rect">
-            <a:avLst/>
-          </a:prstGeom>
-        </p:spPr>
-      </p:pic>
-    </p:spTree>
-    <p:extLst>
-      <p:ext uri="{BB962C8B-B14F-4D97-AF65-F5344CB8AC3E}">
-        <p14:creationId xmlns:p14="http://schemas.microsoft.com/office/powerpoint/2010/main" val="853743560"/>
-      </p:ext>
-    </p:extLst>
-  </p:cSld>
-  <p:clrMapOvr>
-    <a:masterClrMapping/>
-  </p:clrMapOvr>
-</p:sld>
-</file>
-
-<file path=ppt/slides/slide21.xml><?xml version="1.0" encoding="utf-8"?>
-<p:sld xmlns:a="http://schemas.openxmlformats.org/drawingml/2006/main" xmlns:r="http://schemas.openxmlformats.org/officeDocument/2006/relationships" xmlns:p="http://schemas.openxmlformats.org/presentationml/2006/main">
-  <p:cSld>
-    <p:spTree>
-      <p:nvGrpSpPr>
-        <p:cNvPr id="1" name=""/>
-        <p:cNvGrpSpPr/>
-        <p:nvPr/>
-      </p:nvGrpSpPr>
-      <p:grpSpPr>
-        <a:xfrm>
-          <a:off x="0" y="0"/>
-          <a:ext cx="0" cy="0"/>
-          <a:chOff x="0" y="0"/>
-          <a:chExt cx="0" cy="0"/>
-        </a:xfrm>
-      </p:grpSpPr>
-      <p:sp>
-        <p:nvSpPr>
-          <p:cNvPr id="2" name="Title 1"/>
-          <p:cNvSpPr>
-            <a:spLocks noGrp="1"/>
-          </p:cNvSpPr>
-          <p:nvPr>
-            <p:ph type="title"/>
-          </p:nvPr>
-        </p:nvSpPr>
-        <p:spPr/>
-        <p:txBody>
-          <a:bodyPr/>
-          <a:lstStyle/>
-          <a:p>
-            <a:r>
-              <a:rPr lang="en-US" dirty="0" smtClean="0"/>
-              <a:t>Content Pipeline: Geometry</a:t>
-            </a:r>
-            <a:endParaRPr lang="en-US" dirty="0"/>
-          </a:p>
-        </p:txBody>
-      </p:sp>
-      <p:sp>
-        <p:nvSpPr>
-          <p:cNvPr id="3" name="Content Placeholder 2"/>
-          <p:cNvSpPr>
-            <a:spLocks noGrp="1"/>
-          </p:cNvSpPr>
-          <p:nvPr>
-            <p:ph idx="1"/>
-          </p:nvPr>
-        </p:nvSpPr>
-        <p:spPr>
-          <a:xfrm>
-            <a:off x="457200" y="1981200"/>
-            <a:ext cx="8077200" cy="1600200"/>
-          </a:xfrm>
-        </p:spPr>
-        <p:txBody>
-          <a:bodyPr>
-            <a:normAutofit fontScale="70000" lnSpcReduction="20000"/>
-          </a:bodyPr>
-          <a:lstStyle/>
-          <a:p>
-            <a:r>
-              <a:rPr lang="en-US" dirty="0" smtClean="0"/>
-              <a:t>Others</a:t>
-            </a:r>
-          </a:p>
-          <a:p>
-            <a:pPr lvl="1"/>
-            <a:r>
-              <a:rPr lang="en-US" dirty="0" smtClean="0"/>
-              <a:t>Consistent up axis</a:t>
-            </a:r>
-          </a:p>
-          <a:p>
-            <a:pPr lvl="2"/>
-            <a:r>
-              <a:rPr lang="en-US" dirty="0" smtClean="0"/>
-              <a:t>What’s up?  y?  </a:t>
-            </a:r>
-            <a:r>
-              <a:rPr lang="en-US" dirty="0"/>
-              <a:t>z</a:t>
-            </a:r>
-            <a:r>
-              <a:rPr lang="en-US" dirty="0" smtClean="0"/>
-              <a:t>?  What’s forward?</a:t>
-            </a:r>
-          </a:p>
-          <a:p>
-            <a:pPr lvl="1"/>
-            <a:r>
-              <a:rPr lang="en-US" dirty="0" smtClean="0"/>
-              <a:t>Re-order for the pre- and post-vertex-shader caches</a:t>
-            </a:r>
-          </a:p>
-          <a:p>
-            <a:pPr lvl="1"/>
-            <a:r>
-              <a:rPr lang="en-US" dirty="0" smtClean="0"/>
-              <a:t>Interleave vertex attributes?</a:t>
-            </a:r>
-          </a:p>
-        </p:txBody>
-      </p:sp>
-    </p:spTree>
-    <p:extLst>
-      <p:ext uri="{BB962C8B-B14F-4D97-AF65-F5344CB8AC3E}">
-        <p14:creationId xmlns:p14="http://schemas.microsoft.com/office/powerpoint/2010/main" val="2560702895"/>
-      </p:ext>
-    </p:extLst>
-  </p:cSld>
-  <p:clrMapOvr>
-    <a:masterClrMapping/>
-  </p:clrMapOvr>
-</p:sld>
-</file>
-
-<file path=ppt/slides/slide22.xml><?xml version="1.0" encoding="utf-8"?>
-<p:sld xmlns:a="http://schemas.openxmlformats.org/drawingml/2006/main" xmlns:r="http://schemas.openxmlformats.org/officeDocument/2006/relationships" xmlns:p="http://schemas.openxmlformats.org/presentationml/2006/main">
-  <p:cSld>
-    <p:spTree>
-      <p:nvGrpSpPr>
-        <p:cNvPr id="1" name=""/>
-        <p:cNvGrpSpPr/>
-        <p:nvPr/>
-      </p:nvGrpSpPr>
-      <p:grpSpPr>
-        <a:xfrm>
-          <a:off x="0" y="0"/>
-          <a:ext cx="0" cy="0"/>
-          <a:chOff x="0" y="0"/>
-          <a:chExt cx="0" cy="0"/>
-        </a:xfrm>
-      </p:grpSpPr>
-      <p:sp>
-        <p:nvSpPr>
-          <p:cNvPr id="2" name="Title 1"/>
-          <p:cNvSpPr>
-            <a:spLocks noGrp="1"/>
-          </p:cNvSpPr>
-          <p:nvPr>
-            <p:ph type="title"/>
-          </p:nvPr>
-        </p:nvSpPr>
-        <p:spPr/>
-        <p:txBody>
-          <a:bodyPr/>
-          <a:lstStyle/>
-          <a:p>
-            <a:r>
-              <a:rPr lang="en-US" sz="3600" dirty="0" smtClean="0"/>
-              <a:t>Content Pipeline: Animation and Skins</a:t>
-            </a:r>
-            <a:endParaRPr lang="en-US" sz="3600" dirty="0"/>
-          </a:p>
-        </p:txBody>
-      </p:sp>
-      <p:sp>
-        <p:nvSpPr>
-          <p:cNvPr id="3" name="Content Placeholder 2"/>
-          <p:cNvSpPr>
-            <a:spLocks noGrp="1"/>
-          </p:cNvSpPr>
-          <p:nvPr>
-            <p:ph idx="1"/>
-          </p:nvPr>
-        </p:nvSpPr>
-        <p:spPr/>
-        <p:txBody>
-          <a:bodyPr/>
-          <a:lstStyle/>
-          <a:p>
-            <a:r>
-              <a:rPr lang="en-US" dirty="0" smtClean="0"/>
-              <a:t>Animations</a:t>
-            </a:r>
-          </a:p>
-          <a:p>
-            <a:pPr lvl="1"/>
-            <a:r>
-              <a:rPr lang="en-US" dirty="0" smtClean="0"/>
-              <a:t>Resample key-frames</a:t>
-            </a:r>
-          </a:p>
-          <a:p>
-            <a:pPr lvl="1"/>
-            <a:r>
-              <a:rPr lang="en-US" dirty="0" smtClean="0"/>
-              <a:t>Compress like geometry</a:t>
-            </a:r>
-          </a:p>
-          <a:p>
-            <a:r>
-              <a:rPr lang="en-US" dirty="0" smtClean="0"/>
-              <a:t>Skins</a:t>
-            </a:r>
-          </a:p>
-          <a:p>
-            <a:pPr lvl="1"/>
-            <a:r>
-              <a:rPr lang="en-US" dirty="0" smtClean="0"/>
-              <a:t>Limit joints affecting a vertex</a:t>
-            </a:r>
-          </a:p>
-          <a:p>
-            <a:pPr lvl="1"/>
-            <a:r>
-              <a:rPr lang="en-US" dirty="0" smtClean="0"/>
-              <a:t>Split meshes</a:t>
-            </a:r>
-            <a:endParaRPr lang="en-US" dirty="0"/>
-          </a:p>
-        </p:txBody>
-      </p:sp>
-      <p:sp>
-        <p:nvSpPr>
-          <p:cNvPr id="4" name="Slide Number Placeholder 3"/>
-          <p:cNvSpPr>
-            <a:spLocks noGrp="1"/>
-          </p:cNvSpPr>
-          <p:nvPr>
-            <p:ph type="sldNum" sz="quarter" idx="12"/>
-          </p:nvPr>
-        </p:nvSpPr>
-        <p:spPr/>
-        <p:txBody>
-          <a:bodyPr/>
-          <a:lstStyle/>
-          <a:p>
-            <a:pPr>
-              <a:defRPr/>
-            </a:pPr>
-            <a:fld id="{FC28735A-D6AA-419A-87B4-83DEEEB2001E}" type="slidenum">
-              <a:rPr lang="en-US" smtClean="0"/>
-              <a:pPr>
-                <a:defRPr/>
-              </a:pPr>
-              <a:t>22</a:t>
-            </a:fld>
-            <a:endParaRPr lang="en-US"/>
-          </a:p>
-        </p:txBody>
-      </p:sp>
-    </p:spTree>
-    <p:extLst>
-      <p:ext uri="{BB962C8B-B14F-4D97-AF65-F5344CB8AC3E}">
-        <p14:creationId xmlns:p14="http://schemas.microsoft.com/office/powerpoint/2010/main" val="882553251"/>
-      </p:ext>
-    </p:extLst>
-  </p:cSld>
-  <p:clrMapOvr>
-    <a:masterClrMapping/>
-  </p:clrMapOvr>
-</p:sld>
-</file>
-
-<file path=ppt/slides/slide23.xml><?xml version="1.0" encoding="utf-8"?>
-<p:sld xmlns:a="http://schemas.openxmlformats.org/drawingml/2006/main" xmlns:r="http://schemas.openxmlformats.org/officeDocument/2006/relationships" xmlns:p="http://schemas.openxmlformats.org/presentationml/2006/main">
-  <p:cSld>
-    <p:spTree>
-      <p:nvGrpSpPr>
-        <p:cNvPr id="1" name=""/>
-        <p:cNvGrpSpPr/>
-        <p:nvPr/>
-      </p:nvGrpSpPr>
-      <p:grpSpPr>
-        <a:xfrm>
-          <a:off x="0" y="0"/>
-          <a:ext cx="0" cy="0"/>
-          <a:chOff x="0" y="0"/>
-          <a:chExt cx="0" cy="0"/>
-        </a:xfrm>
-      </p:grpSpPr>
-      <p:sp>
-        <p:nvSpPr>
-          <p:cNvPr id="2" name="Title 1"/>
-          <p:cNvSpPr>
-            <a:spLocks noGrp="1"/>
-          </p:cNvSpPr>
-          <p:nvPr>
-            <p:ph type="title"/>
-          </p:nvPr>
-        </p:nvSpPr>
-        <p:spPr/>
-        <p:txBody>
-          <a:bodyPr/>
-          <a:lstStyle/>
-          <a:p>
-            <a:r>
-              <a:rPr lang="en-US" dirty="0" smtClean="0"/>
-              <a:t>Content Pipeline: Texture</a:t>
-            </a:r>
-            <a:endParaRPr lang="en-US" dirty="0"/>
-          </a:p>
-        </p:txBody>
-      </p:sp>
-      <p:sp>
-        <p:nvSpPr>
-          <p:cNvPr id="3" name="Content Placeholder 2"/>
-          <p:cNvSpPr>
-            <a:spLocks noGrp="1"/>
-          </p:cNvSpPr>
-          <p:nvPr>
-            <p:ph idx="1"/>
-          </p:nvPr>
-        </p:nvSpPr>
-        <p:spPr/>
-        <p:txBody>
-          <a:bodyPr/>
-          <a:lstStyle/>
-          <a:p>
-            <a:r>
-              <a:rPr lang="en-US" dirty="0" smtClean="0"/>
-              <a:t>Create texture atlas</a:t>
-            </a:r>
-          </a:p>
-          <a:p>
-            <a:pPr lvl="1"/>
-            <a:r>
-              <a:rPr lang="en-US" dirty="0" smtClean="0"/>
-              <a:t>Increases batch size.  Reduces individual files</a:t>
-            </a:r>
-            <a:endParaRPr lang="en-US" dirty="0"/>
-          </a:p>
-        </p:txBody>
-      </p:sp>
-      <p:sp>
-        <p:nvSpPr>
-          <p:cNvPr id="4" name="Slide Number Placeholder 3"/>
-          <p:cNvSpPr>
-            <a:spLocks noGrp="1"/>
-          </p:cNvSpPr>
-          <p:nvPr>
-            <p:ph type="sldNum" sz="quarter" idx="12"/>
-          </p:nvPr>
-        </p:nvSpPr>
-        <p:spPr/>
-        <p:txBody>
-          <a:bodyPr/>
-          <a:lstStyle/>
-          <a:p>
-            <a:pPr>
-              <a:defRPr/>
-            </a:pPr>
-            <a:fld id="{FC28735A-D6AA-419A-87B4-83DEEEB2001E}" type="slidenum">
-              <a:rPr lang="en-US" smtClean="0"/>
-              <a:pPr>
-                <a:defRPr/>
-              </a:pPr>
-              <a:t>23</a:t>
-            </a:fld>
-            <a:endParaRPr lang="en-US"/>
-          </a:p>
-        </p:txBody>
-      </p:sp>
-      <p:grpSp>
-        <p:nvGrpSpPr>
-          <p:cNvPr id="8" name="Group 7"/>
-          <p:cNvGrpSpPr/>
-          <p:nvPr/>
-        </p:nvGrpSpPr>
-        <p:grpSpPr>
-          <a:xfrm>
-            <a:off x="644632" y="3200400"/>
-            <a:ext cx="7854737" cy="2895600"/>
-            <a:chOff x="838200" y="3200400"/>
-            <a:chExt cx="7854737" cy="2895600"/>
-          </a:xfrm>
-        </p:grpSpPr>
-        <p:pic>
-          <p:nvPicPr>
-            <p:cNvPr id="6" name="Picture 5"/>
-            <p:cNvPicPr>
-              <a:picLocks noChangeAspect="1"/>
-            </p:cNvPicPr>
-            <p:nvPr/>
-          </p:nvPicPr>
-          <p:blipFill>
-            <a:blip r:embed="rId3"/>
-            <a:stretch>
-              <a:fillRect/>
-            </a:stretch>
-          </p:blipFill>
-          <p:spPr>
-            <a:xfrm>
-              <a:off x="838200" y="3200400"/>
-              <a:ext cx="2895600" cy="2895600"/>
-            </a:xfrm>
-            <a:prstGeom prst="rect">
-              <a:avLst/>
-            </a:prstGeom>
-          </p:spPr>
-        </p:pic>
-        <p:pic>
-          <p:nvPicPr>
-            <p:cNvPr id="7" name="Picture 6"/>
-            <p:cNvPicPr>
-              <a:picLocks noChangeAspect="1"/>
-            </p:cNvPicPr>
-            <p:nvPr/>
-          </p:nvPicPr>
-          <p:blipFill>
-            <a:blip r:embed="rId4"/>
-            <a:stretch>
-              <a:fillRect/>
-            </a:stretch>
-          </p:blipFill>
-          <p:spPr>
-            <a:xfrm>
-              <a:off x="3962400" y="3473450"/>
-              <a:ext cx="4730537" cy="2349500"/>
-            </a:xfrm>
-            <a:prstGeom prst="rect">
-              <a:avLst/>
-            </a:prstGeom>
-          </p:spPr>
-        </p:pic>
-      </p:grpSp>
-    </p:spTree>
-    <p:extLst>
-      <p:ext uri="{BB962C8B-B14F-4D97-AF65-F5344CB8AC3E}">
-        <p14:creationId xmlns:p14="http://schemas.microsoft.com/office/powerpoint/2010/main" val="2212361787"/>
-      </p:ext>
-    </p:extLst>
-  </p:cSld>
-  <p:clrMapOvr>
-    <a:masterClrMapping/>
-  </p:clrMapOvr>
-</p:sld>
-</file>
-
-<file path=ppt/slides/slide24.xml><?xml version="1.0" encoding="utf-8"?>
-<p:sld xmlns:a="http://schemas.openxmlformats.org/drawingml/2006/main" xmlns:r="http://schemas.openxmlformats.org/officeDocument/2006/relationships" xmlns:p="http://schemas.openxmlformats.org/presentationml/2006/main">
-  <p:cSld>
-    <p:spTree>
-      <p:nvGrpSpPr>
-        <p:cNvPr id="1" name=""/>
-        <p:cNvGrpSpPr/>
-        <p:nvPr/>
-      </p:nvGrpSpPr>
-      <p:grpSpPr>
-        <a:xfrm>
-          <a:off x="0" y="0"/>
-          <a:ext cx="0" cy="0"/>
-          <a:chOff x="0" y="0"/>
-          <a:chExt cx="0" cy="0"/>
-        </a:xfrm>
-      </p:grpSpPr>
-      <p:sp>
-        <p:nvSpPr>
-          <p:cNvPr id="2" name="Title 1"/>
-          <p:cNvSpPr>
-            <a:spLocks noGrp="1"/>
-          </p:cNvSpPr>
-          <p:nvPr>
-            <p:ph type="title"/>
-          </p:nvPr>
-        </p:nvSpPr>
-        <p:spPr/>
-        <p:txBody>
-          <a:bodyPr/>
-          <a:lstStyle/>
-          <a:p>
-            <a:r>
-              <a:rPr lang="en-US" dirty="0" smtClean="0"/>
-              <a:t>Content Pipeline: Texture</a:t>
-            </a:r>
-            <a:endParaRPr lang="en-US" dirty="0"/>
-          </a:p>
-        </p:txBody>
-      </p:sp>
-      <p:sp>
-        <p:nvSpPr>
-          <p:cNvPr id="3" name="Content Placeholder 2"/>
-          <p:cNvSpPr>
-            <a:spLocks noGrp="1"/>
-          </p:cNvSpPr>
-          <p:nvPr>
-            <p:ph idx="1"/>
-          </p:nvPr>
-        </p:nvSpPr>
-        <p:spPr/>
-        <p:txBody>
-          <a:bodyPr/>
-          <a:lstStyle/>
-          <a:p>
-            <a:r>
-              <a:rPr lang="en-US" dirty="0" smtClean="0"/>
-              <a:t>Generate mipmaps</a:t>
-            </a:r>
-          </a:p>
-          <a:p>
-            <a:pPr lvl="1"/>
-            <a:r>
-              <a:rPr lang="en-US" dirty="0" smtClean="0"/>
-              <a:t>Higher quality than doing it online</a:t>
-            </a:r>
-          </a:p>
-          <a:p>
-            <a:pPr lvl="1"/>
-            <a:r>
-              <a:rPr lang="en-US" dirty="0" smtClean="0"/>
-              <a:t>Increase size by 1/3</a:t>
-            </a:r>
-            <a:endParaRPr lang="en-US" dirty="0"/>
-          </a:p>
-        </p:txBody>
-      </p:sp>
-      <p:sp>
-        <p:nvSpPr>
-          <p:cNvPr id="4" name="Slide Number Placeholder 3"/>
-          <p:cNvSpPr>
-            <a:spLocks noGrp="1"/>
-          </p:cNvSpPr>
-          <p:nvPr>
-            <p:ph type="sldNum" sz="quarter" idx="12"/>
-          </p:nvPr>
-        </p:nvSpPr>
-        <p:spPr/>
-        <p:txBody>
-          <a:bodyPr/>
-          <a:lstStyle/>
-          <a:p>
-            <a:pPr>
-              <a:defRPr/>
-            </a:pPr>
-            <a:fld id="{FC28735A-D6AA-419A-87B4-83DEEEB2001E}" type="slidenum">
-              <a:rPr lang="en-US" smtClean="0"/>
-              <a:pPr>
-                <a:defRPr/>
-              </a:pPr>
-              <a:t>24</a:t>
-            </a:fld>
-            <a:endParaRPr lang="en-US"/>
-          </a:p>
-        </p:txBody>
-      </p:sp>
-      <p:pic>
-        <p:nvPicPr>
-          <p:cNvPr id="6" name="Picture 5"/>
-          <p:cNvPicPr>
-            <a:picLocks noChangeAspect="1"/>
-          </p:cNvPicPr>
-          <p:nvPr/>
-        </p:nvPicPr>
-        <p:blipFill>
-          <a:blip r:embed="rId3"/>
-          <a:stretch>
-            <a:fillRect/>
-          </a:stretch>
-        </p:blipFill>
-        <p:spPr>
-          <a:xfrm>
-            <a:off x="4724400" y="3276600"/>
-            <a:ext cx="3683000" cy="2656678"/>
-          </a:xfrm>
-          <a:prstGeom prst="rect">
-            <a:avLst/>
-          </a:prstGeom>
-        </p:spPr>
-      </p:pic>
-    </p:spTree>
-    <p:extLst>
-      <p:ext uri="{BB962C8B-B14F-4D97-AF65-F5344CB8AC3E}">
-        <p14:creationId xmlns:p14="http://schemas.microsoft.com/office/powerpoint/2010/main" val="2259114450"/>
-      </p:ext>
-    </p:extLst>
-  </p:cSld>
-  <p:clrMapOvr>
-    <a:masterClrMapping/>
-  </p:clrMapOvr>
-</p:sld>
-</file>
-
-<file path=ppt/slides/slide25.xml><?xml version="1.0" encoding="utf-8"?>
-<p:sld xmlns:a="http://schemas.openxmlformats.org/drawingml/2006/main" xmlns:r="http://schemas.openxmlformats.org/officeDocument/2006/relationships" xmlns:p="http://schemas.openxmlformats.org/presentationml/2006/main">
-  <p:cSld>
-    <p:spTree>
-      <p:nvGrpSpPr>
-        <p:cNvPr id="1" name=""/>
-        <p:cNvGrpSpPr/>
-        <p:nvPr/>
-      </p:nvGrpSpPr>
-      <p:grpSpPr>
-        <a:xfrm>
-          <a:off x="0" y="0"/>
-          <a:ext cx="0" cy="0"/>
-          <a:chOff x="0" y="0"/>
-          <a:chExt cx="0" cy="0"/>
-        </a:xfrm>
-      </p:grpSpPr>
-      <p:sp>
-        <p:nvSpPr>
-          <p:cNvPr id="2" name="Title 1"/>
-          <p:cNvSpPr>
-            <a:spLocks noGrp="1"/>
-          </p:cNvSpPr>
-          <p:nvPr>
-            <p:ph type="title"/>
-          </p:nvPr>
-        </p:nvSpPr>
-        <p:spPr/>
-        <p:txBody>
-          <a:bodyPr/>
-          <a:lstStyle/>
-          <a:p>
-            <a:r>
-              <a:rPr lang="en-US" dirty="0" smtClean="0"/>
-              <a:t>Content Pipeline: Texture</a:t>
-            </a:r>
-            <a:endParaRPr lang="en-US" dirty="0"/>
-          </a:p>
-        </p:txBody>
-      </p:sp>
-      <p:sp>
-        <p:nvSpPr>
-          <p:cNvPr id="3" name="Content Placeholder 2"/>
-          <p:cNvSpPr>
-            <a:spLocks noGrp="1"/>
-          </p:cNvSpPr>
-          <p:nvPr>
-            <p:ph idx="1"/>
-          </p:nvPr>
-        </p:nvSpPr>
-        <p:spPr/>
-        <p:txBody>
-          <a:bodyPr/>
-          <a:lstStyle/>
-          <a:p>
-            <a:r>
-              <a:rPr lang="en-US" dirty="0" smtClean="0"/>
-              <a:t>Convert image formats</a:t>
-            </a:r>
-          </a:p>
-          <a:p>
-            <a:pPr lvl="1"/>
-            <a:r>
-              <a:rPr lang="en-US" dirty="0" smtClean="0"/>
-              <a:t>For example, .bmp to .jpg</a:t>
-            </a:r>
-          </a:p>
-          <a:p>
-            <a:r>
-              <a:rPr lang="en-US" dirty="0" smtClean="0"/>
-              <a:t>Compress images</a:t>
-            </a:r>
-          </a:p>
-          <a:p>
-            <a:pPr lvl="1"/>
-            <a:r>
-              <a:rPr lang="en-US" dirty="0" smtClean="0"/>
-              <a:t>DXT / S3TC</a:t>
-            </a:r>
-          </a:p>
-          <a:p>
-            <a:pPr lvl="1"/>
-            <a:r>
-              <a:rPr lang="en-US" dirty="0" smtClean="0"/>
-              <a:t>ETC2</a:t>
-            </a:r>
-            <a:endParaRPr lang="en-US" dirty="0"/>
-          </a:p>
-        </p:txBody>
-      </p:sp>
-      <p:sp>
-        <p:nvSpPr>
-          <p:cNvPr id="4" name="Slide Number Placeholder 3"/>
-          <p:cNvSpPr>
-            <a:spLocks noGrp="1"/>
-          </p:cNvSpPr>
-          <p:nvPr>
-            <p:ph type="sldNum" sz="quarter" idx="12"/>
-          </p:nvPr>
-        </p:nvSpPr>
-        <p:spPr/>
-        <p:txBody>
-          <a:bodyPr/>
-          <a:lstStyle/>
-          <a:p>
-            <a:pPr>
-              <a:defRPr/>
-            </a:pPr>
-            <a:fld id="{FC28735A-D6AA-419A-87B4-83DEEEB2001E}" type="slidenum">
-              <a:rPr lang="en-US" smtClean="0"/>
-              <a:pPr>
-                <a:defRPr/>
-              </a:pPr>
-              <a:t>25</a:t>
-            </a:fld>
-            <a:endParaRPr lang="en-US"/>
-          </a:p>
-        </p:txBody>
-      </p:sp>
-    </p:spTree>
-    <p:extLst>
-      <p:ext uri="{BB962C8B-B14F-4D97-AF65-F5344CB8AC3E}">
-        <p14:creationId xmlns:p14="http://schemas.microsoft.com/office/powerpoint/2010/main" val="2406058523"/>
-      </p:ext>
-    </p:extLst>
-  </p:cSld>
-  <p:clrMapOvr>
-    <a:masterClrMapping/>
-  </p:clrMapOvr>
-</p:sld>
-</file>
-
-<file path=ppt/slides/slide26.xml><?xml version="1.0" encoding="utf-8"?>
-<p:sld xmlns:a="http://schemas.openxmlformats.org/drawingml/2006/main" xmlns:r="http://schemas.openxmlformats.org/officeDocument/2006/relationships" xmlns:p="http://schemas.openxmlformats.org/presentationml/2006/main">
-  <p:cSld>
-    <p:spTree>
-      <p:nvGrpSpPr>
-        <p:cNvPr id="1" name=""/>
-        <p:cNvGrpSpPr/>
-        <p:nvPr/>
-      </p:nvGrpSpPr>
-      <p:grpSpPr>
-        <a:xfrm>
-          <a:off x="0" y="0"/>
-          <a:ext cx="0" cy="0"/>
-          <a:chOff x="0" y="0"/>
-          <a:chExt cx="0" cy="0"/>
-        </a:xfrm>
-      </p:grpSpPr>
-      <p:sp>
-        <p:nvSpPr>
-          <p:cNvPr id="2" name="Title 1"/>
-          <p:cNvSpPr>
-            <a:spLocks noGrp="1"/>
-          </p:cNvSpPr>
-          <p:nvPr>
-            <p:ph type="title"/>
-          </p:nvPr>
-        </p:nvSpPr>
-        <p:spPr/>
-        <p:txBody>
-          <a:bodyPr/>
-          <a:lstStyle/>
-          <a:p>
-            <a:r>
-              <a:rPr lang="en-US" dirty="0" smtClean="0"/>
-              <a:t>Content Pipeline: Shaders</a:t>
-            </a:r>
-            <a:endParaRPr lang="en-US" dirty="0"/>
-          </a:p>
-        </p:txBody>
-      </p:sp>
-      <p:sp>
-        <p:nvSpPr>
-          <p:cNvPr id="3" name="Content Placeholder 2"/>
-          <p:cNvSpPr>
-            <a:spLocks noGrp="1"/>
-          </p:cNvSpPr>
-          <p:nvPr>
-            <p:ph idx="1"/>
-          </p:nvPr>
-        </p:nvSpPr>
-        <p:spPr/>
-        <p:txBody>
-          <a:bodyPr/>
-          <a:lstStyle/>
-          <a:p>
-            <a:r>
-              <a:rPr lang="en-US" dirty="0" smtClean="0"/>
-              <a:t>Generate shaders</a:t>
-            </a:r>
-          </a:p>
-          <a:p>
-            <a:pPr lvl="1"/>
-            <a:r>
-              <a:rPr lang="en-US" dirty="0" smtClean="0"/>
-              <a:t>Common profile -&gt; GLSL</a:t>
-            </a:r>
-          </a:p>
-          <a:p>
-            <a:pPr lvl="1"/>
-            <a:r>
-              <a:rPr lang="en-US" dirty="0"/>
-              <a:t>g</a:t>
-            </a:r>
-            <a:r>
-              <a:rPr lang="en-US" dirty="0" smtClean="0"/>
-              <a:t>-buffer formats</a:t>
-            </a:r>
-          </a:p>
-          <a:p>
-            <a:r>
-              <a:rPr lang="en-US" dirty="0" smtClean="0"/>
-              <a:t>Optimize shaders</a:t>
-            </a:r>
-          </a:p>
-          <a:p>
-            <a:pPr marL="0" indent="0">
-              <a:buNone/>
-            </a:pPr>
-            <a:endParaRPr lang="en-US" dirty="0"/>
-          </a:p>
-        </p:txBody>
-      </p:sp>
-      <p:sp>
-        <p:nvSpPr>
-          <p:cNvPr id="4" name="Slide Number Placeholder 3"/>
-          <p:cNvSpPr>
-            <a:spLocks noGrp="1"/>
-          </p:cNvSpPr>
-          <p:nvPr>
-            <p:ph type="sldNum" sz="quarter" idx="12"/>
-          </p:nvPr>
-        </p:nvSpPr>
-        <p:spPr/>
-        <p:txBody>
-          <a:bodyPr/>
-          <a:lstStyle/>
-          <a:p>
-            <a:pPr>
-              <a:defRPr/>
-            </a:pPr>
-            <a:fld id="{FC28735A-D6AA-419A-87B4-83DEEEB2001E}" type="slidenum">
-              <a:rPr lang="en-US" smtClean="0"/>
-              <a:pPr>
-                <a:defRPr/>
-              </a:pPr>
-              <a:t>26</a:t>
-            </a:fld>
-            <a:endParaRPr lang="en-US"/>
-          </a:p>
-        </p:txBody>
-      </p:sp>
-    </p:spTree>
-    <p:extLst>
-      <p:ext uri="{BB962C8B-B14F-4D97-AF65-F5344CB8AC3E}">
-        <p14:creationId xmlns:p14="http://schemas.microsoft.com/office/powerpoint/2010/main" val="2130818593"/>
-      </p:ext>
-    </p:extLst>
-  </p:cSld>
-  <p:clrMapOvr>
-    <a:masterClrMapping/>
-  </p:clrMapOvr>
-</p:sld>
-</file>
-
-<file path=ppt/slides/slide27.xml><?xml version="1.0" encoding="utf-8"?>
-<p:sld xmlns:a="http://schemas.openxmlformats.org/drawingml/2006/main" xmlns:r="http://schemas.openxmlformats.org/officeDocument/2006/relationships" xmlns:p="http://schemas.openxmlformats.org/presentationml/2006/main">
-  <p:cSld>
-    <p:spTree>
-      <p:nvGrpSpPr>
-        <p:cNvPr id="1" name=""/>
-        <p:cNvGrpSpPr/>
-        <p:nvPr/>
-      </p:nvGrpSpPr>
-      <p:grpSpPr>
-        <a:xfrm>
-          <a:off x="0" y="0"/>
-          <a:ext cx="0" cy="0"/>
-          <a:chOff x="0" y="0"/>
-          <a:chExt cx="0" cy="0"/>
-        </a:xfrm>
-      </p:grpSpPr>
-      <p:sp>
-        <p:nvSpPr>
-          <p:cNvPr id="2" name="Title 1"/>
-          <p:cNvSpPr>
-            <a:spLocks noGrp="1"/>
-          </p:cNvSpPr>
-          <p:nvPr>
-            <p:ph type="title"/>
-          </p:nvPr>
-        </p:nvSpPr>
-        <p:spPr/>
-        <p:txBody>
-          <a:bodyPr/>
-          <a:lstStyle/>
-          <a:p>
-            <a:r>
-              <a:rPr lang="en-US" dirty="0" smtClean="0"/>
-              <a:t>Artist Tips</a:t>
-            </a:r>
-            <a:endParaRPr lang="en-US" dirty="0"/>
-          </a:p>
-        </p:txBody>
-      </p:sp>
-      <p:sp>
-        <p:nvSpPr>
-          <p:cNvPr id="3" name="Content Placeholder 2"/>
-          <p:cNvSpPr>
-            <a:spLocks noGrp="1"/>
-          </p:cNvSpPr>
-          <p:nvPr>
-            <p:ph idx="1"/>
-          </p:nvPr>
-        </p:nvSpPr>
-        <p:spPr>
-          <a:xfrm>
-            <a:off x="457200" y="1981200"/>
-            <a:ext cx="8229600" cy="4495800"/>
-          </a:xfrm>
-        </p:spPr>
-        <p:txBody>
-          <a:bodyPr/>
-          <a:lstStyle/>
-          <a:p>
-            <a:r>
-              <a:rPr lang="en-US" dirty="0" smtClean="0"/>
-              <a:t>Some exports create redundancies</a:t>
-            </a:r>
-            <a:endParaRPr lang="en-US" dirty="0" smtClean="0"/>
-          </a:p>
-          <a:p>
-            <a:pPr lvl="1"/>
-            <a:r>
-              <a:rPr lang="en-US" dirty="0" smtClean="0"/>
-              <a:t>Remove unused nodes, meshes, materials, techniques, etc.</a:t>
-            </a:r>
-          </a:p>
-          <a:p>
-            <a:pPr lvl="1"/>
-            <a:r>
-              <a:rPr lang="en-US" dirty="0" smtClean="0"/>
-              <a:t>Remove unused vertices.  Remove duplicate vertices</a:t>
-            </a:r>
-          </a:p>
-          <a:p>
-            <a:pPr lvl="1"/>
-            <a:r>
-              <a:rPr lang="en-US" dirty="0" smtClean="0"/>
-              <a:t>Remove duplicate materials and techniques</a:t>
-            </a:r>
-          </a:p>
-          <a:p>
-            <a:pPr lvl="1"/>
-            <a:r>
-              <a:rPr lang="en-US" dirty="0" smtClean="0"/>
-              <a:t>Combine primitives with the same material and vertex format</a:t>
-            </a:r>
-          </a:p>
-          <a:p>
-            <a:pPr lvl="1"/>
-            <a:endParaRPr lang="en-US" dirty="0"/>
-          </a:p>
-        </p:txBody>
-      </p:sp>
-      <p:sp>
-        <p:nvSpPr>
-          <p:cNvPr id="4" name="Slide Number Placeholder 3"/>
-          <p:cNvSpPr>
-            <a:spLocks noGrp="1"/>
-          </p:cNvSpPr>
-          <p:nvPr>
-            <p:ph type="sldNum" sz="quarter" idx="12"/>
-          </p:nvPr>
-        </p:nvSpPr>
-        <p:spPr/>
-        <p:txBody>
-          <a:bodyPr/>
-          <a:lstStyle/>
-          <a:p>
-            <a:pPr>
-              <a:defRPr/>
-            </a:pPr>
-            <a:fld id="{FC28735A-D6AA-419A-87B4-83DEEEB2001E}" type="slidenum">
-              <a:rPr lang="en-US" smtClean="0"/>
-              <a:pPr>
-                <a:defRPr/>
-              </a:pPr>
-              <a:t>27</a:t>
-            </a:fld>
-            <a:endParaRPr lang="en-US"/>
-          </a:p>
-        </p:txBody>
-      </p:sp>
-    </p:spTree>
-    <p:extLst>
-      <p:ext uri="{BB962C8B-B14F-4D97-AF65-F5344CB8AC3E}">
-        <p14:creationId xmlns:p14="http://schemas.microsoft.com/office/powerpoint/2010/main" val="1878459444"/>
-      </p:ext>
-    </p:extLst>
-  </p:cSld>
-  <p:clrMapOvr>
-    <a:masterClrMapping/>
-  </p:clrMapOvr>
-</p:sld>
-</file>
-
-<file path=ppt/slides/slide28.xml><?xml version="1.0" encoding="utf-8"?>
-<p:sld xmlns:a="http://schemas.openxmlformats.org/drawingml/2006/main" xmlns:r="http://schemas.openxmlformats.org/officeDocument/2006/relationships" xmlns:p="http://schemas.openxmlformats.org/presentationml/2006/main">
-  <p:cSld>
-    <p:spTree>
-      <p:nvGrpSpPr>
-        <p:cNvPr id="1" name=""/>
-        <p:cNvGrpSpPr/>
-        <p:nvPr/>
-      </p:nvGrpSpPr>
-      <p:grpSpPr>
-        <a:xfrm>
-          <a:off x="0" y="0"/>
-          <a:ext cx="0" cy="0"/>
-          <a:chOff x="0" y="0"/>
-          <a:chExt cx="0" cy="0"/>
-        </a:xfrm>
-      </p:grpSpPr>
-      <p:sp>
-        <p:nvSpPr>
-          <p:cNvPr id="2" name="Title 1"/>
-          <p:cNvSpPr>
-            <a:spLocks noGrp="1"/>
-          </p:cNvSpPr>
-          <p:nvPr>
-            <p:ph type="title"/>
-          </p:nvPr>
-        </p:nvSpPr>
-        <p:spPr/>
-        <p:txBody>
-          <a:bodyPr/>
-          <a:lstStyle/>
-          <a:p>
-            <a:r>
-              <a:rPr lang="en-US" dirty="0" smtClean="0"/>
-              <a:t>Summary</a:t>
-            </a:r>
-            <a:endParaRPr lang="en-US" dirty="0"/>
-          </a:p>
-        </p:txBody>
-      </p:sp>
-      <p:sp>
-        <p:nvSpPr>
-          <p:cNvPr id="3" name="Content Placeholder 2"/>
-          <p:cNvSpPr>
-            <a:spLocks noGrp="1"/>
-          </p:cNvSpPr>
-          <p:nvPr>
-            <p:ph idx="1"/>
-          </p:nvPr>
-        </p:nvSpPr>
-        <p:spPr/>
-        <p:txBody>
-          <a:bodyPr/>
-          <a:lstStyle/>
-          <a:p>
-            <a:r>
-              <a:rPr lang="en-US" dirty="0" smtClean="0"/>
-              <a:t>Themes</a:t>
-            </a:r>
-          </a:p>
-          <a:p>
-            <a:pPr lvl="1"/>
-            <a:r>
-              <a:rPr lang="en-US" dirty="0" smtClean="0"/>
-              <a:t>Keep </a:t>
-            </a:r>
-            <a:r>
-              <a:rPr lang="en-US" dirty="0" smtClean="0"/>
-              <a:t>the runtime simple</a:t>
-            </a:r>
-          </a:p>
-          <a:p>
-            <a:pPr lvl="1"/>
-            <a:r>
-              <a:rPr lang="en-US" dirty="0" smtClean="0"/>
-              <a:t>Push work to the Content </a:t>
-            </a:r>
-            <a:r>
-              <a:rPr lang="en-US" dirty="0" smtClean="0"/>
-              <a:t>Pipeline</a:t>
-            </a:r>
-          </a:p>
-          <a:p>
-            <a:r>
-              <a:rPr lang="en-US" dirty="0" smtClean="0"/>
-              <a:t>glTF spec and content pipeline:</a:t>
-            </a:r>
-            <a:endParaRPr lang="en-US" dirty="0"/>
-          </a:p>
-        </p:txBody>
-      </p:sp>
-      <p:sp>
-        <p:nvSpPr>
-          <p:cNvPr id="4" name="Slide Number Placeholder 3"/>
-          <p:cNvSpPr>
-            <a:spLocks noGrp="1"/>
-          </p:cNvSpPr>
-          <p:nvPr>
-            <p:ph type="sldNum" sz="quarter" idx="12"/>
-          </p:nvPr>
-        </p:nvSpPr>
-        <p:spPr/>
-        <p:txBody>
-          <a:bodyPr/>
-          <a:lstStyle/>
-          <a:p>
-            <a:pPr>
-              <a:defRPr/>
-            </a:pPr>
-            <a:fld id="{FC28735A-D6AA-419A-87B4-83DEEEB2001E}" type="slidenum">
-              <a:rPr lang="en-US" smtClean="0"/>
-              <a:pPr>
-                <a:defRPr/>
-              </a:pPr>
-              <a:t>28</a:t>
-            </a:fld>
-            <a:endParaRPr lang="en-US"/>
-          </a:p>
-        </p:txBody>
-      </p:sp>
-      <p:sp>
-        <p:nvSpPr>
-          <p:cNvPr id="5" name="Rectangle 4"/>
-          <p:cNvSpPr/>
-          <p:nvPr/>
-        </p:nvSpPr>
-        <p:spPr>
-          <a:xfrm>
-            <a:off x="131647" y="4114800"/>
-            <a:ext cx="8880706" cy="707886"/>
-          </a:xfrm>
-          <a:prstGeom prst="rect">
-            <a:avLst/>
-          </a:prstGeom>
-        </p:spPr>
-        <p:txBody>
-          <a:bodyPr wrap="none">
-            <a:spAutoFit/>
-          </a:bodyPr>
-          <a:lstStyle/>
-          <a:p>
-            <a:r>
-              <a:rPr lang="en-US" sz="4000" dirty="0">
-                <a:hlinkClick r:id="rId3"/>
-              </a:rPr>
-              <a:t>https://github.com/KhronosGroup/</a:t>
-            </a:r>
-            <a:r>
-              <a:rPr lang="en-US" sz="4000" dirty="0" smtClean="0">
-                <a:hlinkClick r:id="rId3"/>
-              </a:rPr>
-              <a:t>glTF</a:t>
-            </a:r>
-            <a:endParaRPr lang="en-US" sz="4000" dirty="0"/>
-          </a:p>
-        </p:txBody>
-      </p:sp>
-    </p:spTree>
-    <p:extLst>
-      <p:ext uri="{BB962C8B-B14F-4D97-AF65-F5344CB8AC3E}">
-        <p14:creationId xmlns:p14="http://schemas.microsoft.com/office/powerpoint/2010/main" val="649372569"/>
-      </p:ext>
-    </p:extLst>
-  </p:cSld>
-  <p:clrMapOvr>
-    <a:masterClrMapping/>
-  </p:clrMapOvr>
-</p:sld>
-</file>
-
-<file path=ppt/slides/slide29.xml><?xml version="1.0" encoding="utf-8"?>
-<p:sld xmlns:a="http://schemas.openxmlformats.org/drawingml/2006/main" xmlns:r="http://schemas.openxmlformats.org/officeDocument/2006/relationships" xmlns:p="http://schemas.openxmlformats.org/presentationml/2006/main">
-  <p:cSld>
-    <p:spTree>
-      <p:nvGrpSpPr>
-        <p:cNvPr id="1" name=""/>
-        <p:cNvGrpSpPr/>
-        <p:nvPr/>
-      </p:nvGrpSpPr>
-      <p:grpSpPr>
-        <a:xfrm>
-          <a:off x="0" y="0"/>
-          <a:ext cx="0" cy="0"/>
-          <a:chOff x="0" y="0"/>
-          <a:chExt cx="0" cy="0"/>
-        </a:xfrm>
-      </p:grpSpPr>
-      <p:sp>
-        <p:nvSpPr>
-          <p:cNvPr id="2" name="Title 1"/>
-          <p:cNvSpPr>
-            <a:spLocks noGrp="1"/>
-          </p:cNvSpPr>
-          <p:nvPr>
-            <p:ph type="title"/>
-          </p:nvPr>
-        </p:nvSpPr>
-        <p:spPr/>
-        <p:txBody>
-          <a:bodyPr/>
-          <a:lstStyle/>
-          <a:p>
-            <a:r>
-              <a:rPr lang="en-US" dirty="0" smtClean="0"/>
-              <a:t>References</a:t>
-            </a:r>
-            <a:endParaRPr lang="en-US" dirty="0"/>
-          </a:p>
-        </p:txBody>
-      </p:sp>
-      <p:sp>
-        <p:nvSpPr>
-          <p:cNvPr id="3" name="Content Placeholder 2"/>
-          <p:cNvSpPr>
-            <a:spLocks noGrp="1"/>
-          </p:cNvSpPr>
-          <p:nvPr>
-            <p:ph idx="1"/>
-          </p:nvPr>
-        </p:nvSpPr>
-        <p:spPr/>
-        <p:txBody>
-          <a:bodyPr>
-            <a:normAutofit/>
-          </a:bodyPr>
-          <a:lstStyle/>
-          <a:p>
-            <a:pPr marL="0" indent="0">
-              <a:buNone/>
-            </a:pPr>
-            <a:r>
-              <a:rPr lang="en-US" sz="1600" dirty="0" smtClean="0"/>
-              <a:t>Fabrice Robinet et al. </a:t>
-            </a:r>
-            <a:r>
-              <a:rPr lang="en-US" sz="1600" dirty="0" smtClean="0">
-                <a:hlinkClick r:id="rId3"/>
-              </a:rPr>
-              <a:t>glTF: Designing an Open-Standard Runtime Asset Format</a:t>
-            </a:r>
-            <a:r>
-              <a:rPr lang="en-US" sz="1600" dirty="0" smtClean="0"/>
-              <a:t>. GPU Pro 5, 2014</a:t>
-            </a:r>
-          </a:p>
-          <a:p>
-            <a:pPr marL="0" indent="0">
-              <a:buNone/>
-            </a:pPr>
-            <a:endParaRPr lang="en-US" sz="1600" dirty="0" smtClean="0"/>
-          </a:p>
-          <a:p>
-            <a:pPr marL="0" indent="0">
-              <a:buNone/>
-            </a:pPr>
-            <a:r>
-              <a:rPr lang="en-US" sz="1600" dirty="0" smtClean="0"/>
-              <a:t>Patrick Cozzi. </a:t>
-            </a:r>
-            <a:r>
-              <a:rPr lang="en-US" sz="1600" dirty="0" smtClean="0">
-                <a:hlinkClick r:id="rId4"/>
-              </a:rPr>
-              <a:t>Building a WebGL Santa with Cesium and glTF</a:t>
-            </a:r>
-            <a:r>
-              <a:rPr lang="en-US" sz="1600" dirty="0" smtClean="0"/>
-              <a:t>. 2013</a:t>
-            </a:r>
-            <a:endParaRPr lang="en-US" sz="1600" dirty="0"/>
-          </a:p>
-        </p:txBody>
-      </p:sp>
-      <p:sp>
-        <p:nvSpPr>
-          <p:cNvPr id="4" name="Slide Number Placeholder 3"/>
-          <p:cNvSpPr>
-            <a:spLocks noGrp="1"/>
-          </p:cNvSpPr>
-          <p:nvPr>
-            <p:ph type="sldNum" sz="quarter" idx="12"/>
-          </p:nvPr>
-        </p:nvSpPr>
-        <p:spPr/>
-        <p:txBody>
-          <a:bodyPr/>
-          <a:lstStyle/>
-          <a:p>
-            <a:pPr>
-              <a:defRPr/>
-            </a:pPr>
-            <a:fld id="{FC28735A-D6AA-419A-87B4-83DEEEB2001E}" type="slidenum">
-              <a:rPr lang="en-US" smtClean="0"/>
-              <a:pPr>
-                <a:defRPr/>
-              </a:pPr>
-              <a:t>29</a:t>
-            </a:fld>
-            <a:endParaRPr lang="en-US"/>
-          </a:p>
-        </p:txBody>
-      </p:sp>
-    </p:spTree>
-    <p:extLst>
-      <p:ext uri="{BB962C8B-B14F-4D97-AF65-F5344CB8AC3E}">
-        <p14:creationId xmlns:p14="http://schemas.microsoft.com/office/powerpoint/2010/main" val="2112326044"/>
       </p:ext>
     </p:extLst>
   </p:cSld>
@@ -19187,16 +13606,6 @@
               </a:rPr>
               <a:t>Engine</a:t>
             </a:r>
-            <a:endParaRPr kumimoji="0" lang="en-US" sz="1800" b="0" i="0" u="none" strike="noStrike" cap="none" normalizeH="0" baseline="0" dirty="0" smtClean="0">
-              <a:ln>
-                <a:noFill/>
-              </a:ln>
-              <a:solidFill>
-                <a:schemeClr val="tx1"/>
-              </a:solidFill>
-              <a:effectLst/>
-              <a:latin typeface="Arial" charset="0"/>
-            </a:endParaRPr>
           </a:p>
         </p:txBody>
       </p:sp>
@@ -19446,107 +13855,6 @@
           </a:p>
         </p:txBody>
       </p:sp>
-      <p:sp>
-        <p:nvSpPr>
-          <p:cNvPr id="4" name="Slide Number Placeholder 3"/>
-          <p:cNvSpPr>
-            <a:spLocks noGrp="1"/>
-          </p:cNvSpPr>
-          <p:nvPr>
-            <p:ph type="sldNum" sz="quarter" idx="12"/>
-          </p:nvPr>
-        </p:nvSpPr>
-        <p:spPr/>
-        <p:txBody>
-          <a:bodyPr/>
-          <a:lstStyle/>
-          <a:p>
-            <a:pPr>
-              <a:defRPr/>
-            </a:pPr>
-            <a:fld id="{FC28735A-D6AA-419A-87B4-83DEEEB2001E}" type="slidenum">
-              <a:rPr lang="en-US" smtClean="0"/>
-              <a:pPr>
-                <a:defRPr/>
-              </a:pPr>
-              <a:t>6</a:t>
-            </a:fld>
-            <a:endParaRPr lang="en-US"/>
-          </a:p>
-        </p:txBody>
-      </p:sp>
-      <p:pic>
-        <p:nvPicPr>
-          <p:cNvPr id="6" name="Picture 5"/>
-          <p:cNvPicPr>
-            <a:picLocks noChangeAspect="1"/>
-          </p:cNvPicPr>
-          <p:nvPr/>
-        </p:nvPicPr>
-        <p:blipFill>
-          <a:blip r:embed="rId3"/>
-          <a:stretch>
-            <a:fillRect/>
-          </a:stretch>
-        </p:blipFill>
-        <p:spPr>
-          <a:xfrm>
-            <a:off x="990600" y="5892800"/>
-            <a:ext cx="1879600" cy="889000"/>
-          </a:xfrm>
-          <a:prstGeom prst="rect">
-            <a:avLst/>
-          </a:prstGeom>
-        </p:spPr>
-      </p:pic>
-      <p:pic>
-        <p:nvPicPr>
-          <p:cNvPr id="7" name="Picture 6"/>
-          <p:cNvPicPr>
-            <a:picLocks noChangeAspect="1"/>
-          </p:cNvPicPr>
-          <p:nvPr/>
-        </p:nvPicPr>
-        <p:blipFill>
-          <a:blip r:embed="rId4"/>
-          <a:stretch>
-            <a:fillRect/>
-          </a:stretch>
-        </p:blipFill>
-        <p:spPr>
-          <a:xfrm>
-            <a:off x="3302000" y="5918200"/>
-            <a:ext cx="2514600" cy="863600"/>
-          </a:xfrm>
-          <a:prstGeom prst="rect">
-            <a:avLst/>
-          </a:prstGeom>
-        </p:spPr>
-      </p:pic>
-      <p:pic>
-        <p:nvPicPr>
-          <p:cNvPr id="8" name="Picture 7"/>
-          <p:cNvPicPr>
-            <a:picLocks noChangeAspect="1"/>
-          </p:cNvPicPr>
-          <p:nvPr/>
-        </p:nvPicPr>
-        <p:blipFill>
-          <a:blip r:embed="rId5"/>
-          <a:stretch>
-            <a:fillRect/>
-          </a:stretch>
-        </p:blipFill>
-        <p:spPr>
-          <a:xfrm>
-            <a:off x="6248400" y="5880100"/>
-            <a:ext cx="1905000" cy="901700"/>
-          </a:xfrm>
-          <a:prstGeom prst="rect">
-            <a:avLst/>
-          </a:prstGeom>
-        </p:spPr>
-      </p:pic>
       <p:pic>
         <p:nvPicPr>
           <p:cNvPr id="13" name="Picture 12"/>
@@ -19556,7 +13864,7 @@
           <p:nvPr/>
         </p:nvPicPr>
         <p:blipFill>
-          <a:blip r:embed="rId6"/>
+          <a:blip r:embed="rId3"/>
           <a:stretch>
             <a:fillRect/>
           </a:stretch>
@@ -20583,8 +14891,13 @@
             <a:pPr lvl="1"/>
             <a:r>
               <a:rPr lang="en-US" dirty="0" smtClean="0"/>
-              <a:t>Content Pipeline is key to adoption</a:t>
-            </a:r>
+              <a:t>Content </a:t>
+            </a:r>
+            <a:r>
+              <a:rPr lang="en-US" dirty="0" smtClean="0"/>
+              <a:t>Pipeline</a:t>
+            </a:r>
+            <a:endParaRPr lang="en-US" dirty="0" smtClean="0"/>
           </a:p>
           <a:p>
             <a:pPr lvl="1"/>
@@ -20594,14 +14907,22 @@
             </a:r>
             <a:r>
               <a:rPr lang="en-US" dirty="0" smtClean="0"/>
-              <a:t> is key to adoption</a:t>
+              <a:t> </a:t>
+            </a:r>
+            <a:r>
+              <a:rPr lang="en-US" dirty="0" smtClean="0"/>
+              <a:t>is</a:t>
             </a:r>
           </a:p>
           <a:p>
             <a:pPr lvl="1"/>
             <a:r>
               <a:rPr lang="en-US" dirty="0" smtClean="0"/>
-              <a:t>Implementations are needed for a sane spec</a:t>
+              <a:t>Implementations </a:t>
+            </a:r>
+            <a:r>
+              <a:rPr lang="en-US" dirty="0" smtClean="0"/>
+              <a:t>are needed for a sane spec</a:t>
             </a:r>
           </a:p>
           <a:p>
@@ -20627,7 +14948,15 @@
             <a:pPr lvl="1"/>
             <a:r>
               <a:rPr lang="en-US" dirty="0" smtClean="0"/>
-              <a:t>Initial adoption - WebGL</a:t>
+              <a:t>Initial </a:t>
+            </a:r>
+            <a:r>
+              <a:rPr lang="en-US" dirty="0" smtClean="0"/>
+              <a:t>interest </a:t>
+            </a:r>
+            <a:r>
+              <a:rPr lang="en-US" dirty="0" smtClean="0"/>
+              <a:t>- WebGL</a:t>
             </a:r>
           </a:p>
           <a:p>

--- a/WebGLContentPipeline/WebGLContentPipelineWithglTF.pptx
+++ b/WebGLContentPipeline/WebGLContentPipelineWithglTF.pptx
@@ -5,10 +5,10 @@
     <p:sldMasterId id="2147483890" r:id="rId1"/>
   </p:sldMasterIdLst>
   <p:notesMasterIdLst>
-    <p:notesMasterId r:id="rId21"/>
+    <p:notesMasterId r:id="rId19"/>
   </p:notesMasterIdLst>
   <p:handoutMasterIdLst>
-    <p:handoutMasterId r:id="rId22"/>
+    <p:handoutMasterId r:id="rId20"/>
   </p:handoutMasterIdLst>
   <p:sldIdLst>
     <p:sldId id="421" r:id="rId2"/>
@@ -23,13 +23,11 @@
     <p:sldId id="461" r:id="rId11"/>
     <p:sldId id="433" r:id="rId12"/>
     <p:sldId id="469" r:id="rId13"/>
-    <p:sldId id="470" r:id="rId14"/>
-    <p:sldId id="471" r:id="rId15"/>
-    <p:sldId id="440" r:id="rId16"/>
-    <p:sldId id="441" r:id="rId17"/>
-    <p:sldId id="447" r:id="rId18"/>
-    <p:sldId id="462" r:id="rId19"/>
-    <p:sldId id="472" r:id="rId20"/>
+    <p:sldId id="440" r:id="rId14"/>
+    <p:sldId id="441" r:id="rId15"/>
+    <p:sldId id="447" r:id="rId16"/>
+    <p:sldId id="462" r:id="rId17"/>
+    <p:sldId id="472" r:id="rId18"/>
   </p:sldIdLst>
   <p:sldSz cx="9144000" cy="6858000" type="screen4x3"/>
   <p:notesSz cx="7315200" cy="9601200"/>
@@ -1026,7 +1024,15 @@
             </a:r>
             <a:r>
               <a:rPr lang="en-US" baseline="0" dirty="0" smtClean="0"/>
-              <a:t> of a glTF assets.  From the bottom up:</a:t>
+              <a:t> of a glTF </a:t>
+            </a:r>
+            <a:r>
+              <a:rPr lang="en-US" baseline="0" dirty="0" smtClean="0"/>
+              <a:t>asset.  </a:t>
+            </a:r>
+            <a:r>
+              <a:rPr lang="en-US" baseline="0" dirty="0" smtClean="0"/>
+              <a:t>From the bottom up:</a:t>
             </a:r>
           </a:p>
           <a:p>
@@ -1125,13 +1131,8 @@
             </a:pPr>
             <a:r>
               <a:rPr lang="en-US" baseline="0" dirty="0" smtClean="0"/>
-              <a:t>node – one or more meshes, plus transform, plus </a:t>
-            </a:r>
-            <a:r>
-              <a:rPr lang="en-US" baseline="0" dirty="0" smtClean="0"/>
-              <a:t>references to child nodes</a:t>
-            </a:r>
-            <a:endParaRPr lang="en-US" baseline="0" dirty="0" smtClean="0"/>
+              <a:t>node – one or more meshes, plus transform, plus references to child nodes</a:t>
+            </a:r>
           </a:p>
           <a:p>
             <a:pPr marL="0" lvl="0" indent="0">
@@ -1469,19 +1470,23 @@
           <a:p>
             <a:r>
               <a:rPr lang="en-US" dirty="0" smtClean="0"/>
-              <a:t>The content pipeline is code outside the engine that processes and creates the final runtime asset.</a:t>
+              <a:t>In general, the </a:t>
+            </a:r>
+            <a:r>
+              <a:rPr lang="en-US" dirty="0" smtClean="0"/>
+              <a:t>content pipeline is code outside the engine that processes and creates the final runtime asset.</a:t>
             </a:r>
             <a:r>
               <a:rPr lang="en-US" baseline="0" dirty="0" smtClean="0"/>
-              <a:t>  In general, this is not usually all coded from scratch.  Instead it is a combination of tools, often in different languages, from different third-parties, e.g., texture compression, mesh compression, </a:t>
+              <a:t>  </a:t>
             </a:r>
             <a:r>
               <a:rPr lang="en-US" baseline="0" dirty="0" smtClean="0"/>
-              <a:t>etc</a:t>
+              <a:t>This </a:t>
             </a:r>
             <a:r>
               <a:rPr lang="en-US" baseline="0" dirty="0" smtClean="0"/>
-              <a:t>.</a:t>
+              <a:t>is not usually all coded from scratch.  Instead it is a combination of tools, often in different languages, from different third-parties, e.g., texture compression, mesh compression, etc.</a:t>
             </a:r>
           </a:p>
           <a:p>
@@ -1490,7 +1495,23 @@
           <a:p>
             <a:r>
               <a:rPr lang="en-US" baseline="0" dirty="0" smtClean="0"/>
-              <a:t>For glTF, COLLADA2GLTF is the open-source content pipeline for converting COLLADA to glTF.  As shown in the top pipeline, it can be used alone.  It can also be used with other tools to create a content pipeline.  For example, in NORAD Tracks Santa, we added an optimization stage before COLLADA2GLTF to remove leaf nodes with just transforms that where included in the exported model.</a:t>
+              <a:t>For glTF, COLLADA2GLTF is the open-source </a:t>
+            </a:r>
+            <a:r>
+              <a:rPr lang="en-US" baseline="0" dirty="0" smtClean="0"/>
+              <a:t>COLLADA-to-glTF converter.  </a:t>
+            </a:r>
+            <a:r>
+              <a:rPr lang="en-US" baseline="0" dirty="0" smtClean="0"/>
+              <a:t>As shown in the top pipeline, it can be used </a:t>
+            </a:r>
+            <a:r>
+              <a:rPr lang="en-US" baseline="0" dirty="0" smtClean="0"/>
+              <a:t>alone as a content pipeline.  </a:t>
+            </a:r>
+            <a:r>
+              <a:rPr lang="en-US" baseline="0" dirty="0" smtClean="0"/>
+              <a:t>It can also be used with other tools to create a content pipeline.  For example, in NORAD Tracks Santa, we added an optimization stage before COLLADA2GLTF to remove leaf nodes with just transforms that where included in the exported model.</a:t>
             </a:r>
             <a:endParaRPr lang="en-US" dirty="0"/>
           </a:p>
@@ -1592,7 +1613,15 @@
             </a:r>
             <a:r>
               <a:rPr lang="en-US" dirty="0" smtClean="0"/>
-              <a:t>.  In the simplest case, we use it by pass the input COLLADA file with the –f argument, which then generates the glTF asset (.json file, .bin file, and .glsl files).</a:t>
+              <a:t>.  In the simplest case, we use it by </a:t>
+            </a:r>
+            <a:r>
+              <a:rPr lang="en-US" dirty="0" smtClean="0"/>
+              <a:t>passing </a:t>
+            </a:r>
+            <a:r>
+              <a:rPr lang="en-US" dirty="0" smtClean="0"/>
+              <a:t>the input COLLADA file with the –f argument, which then generates the glTF asset (.json file, .bin file, and .glsl files).</a:t>
             </a:r>
             <a:endParaRPr lang="en-US" dirty="0"/>
           </a:p>
@@ -1684,15 +1713,142 @@
           <a:bodyPr/>
           <a:lstStyle/>
           <a:p>
+            <a:pPr marL="0" marR="0" indent="0" algn="l" defTabSz="914400" rtl="0" eaLnBrk="0" fontAlgn="base" latinLnBrk="0" hangingPunct="0">
+              <a:lnSpc>
+                <a:spcPct val="100000"/>
+              </a:lnSpc>
+              <a:spcBef>
+                <a:spcPct val="30000"/>
+              </a:spcBef>
+              <a:spcAft>
+                <a:spcPct val="0"/>
+              </a:spcAft>
+              <a:buClrTx/>
+              <a:buSzTx/>
+              <a:buFontTx/>
+              <a:buNone/>
+              <a:tabLst/>
+              <a:defRPr/>
+            </a:pPr>
+            <a:r>
+              <a:rPr lang="en-US" dirty="0" smtClean="0"/>
+              <a:t>For WebGL, especially mobile, compression is important to reduce network bandwidth.  Decompression needs to be fast enough so</a:t>
+            </a:r>
+            <a:r>
+              <a:rPr lang="en-US" baseline="0" dirty="0" smtClean="0"/>
+              <a:t> it doesn’t drown out the bandwidth savings.</a:t>
+            </a:r>
+            <a:endParaRPr lang="en-US" dirty="0" smtClean="0"/>
+          </a:p>
+          <a:p>
+            <a:pPr marL="0" marR="0" indent="0" algn="l" defTabSz="914400" rtl="0" eaLnBrk="0" fontAlgn="base" latinLnBrk="0" hangingPunct="0">
+              <a:lnSpc>
+                <a:spcPct val="100000"/>
+              </a:lnSpc>
+              <a:spcBef>
+                <a:spcPct val="30000"/>
+              </a:spcBef>
+              <a:spcAft>
+                <a:spcPct val="0"/>
+              </a:spcAft>
+              <a:buClrTx/>
+              <a:buSzTx/>
+              <a:buFontTx/>
+              <a:buNone/>
+              <a:tabLst/>
+              <a:defRPr/>
+            </a:pPr>
+            <a:endParaRPr lang="en-US" dirty="0" smtClean="0"/>
+          </a:p>
+          <a:p>
+            <a:pPr marL="0" marR="0" indent="0" algn="l" defTabSz="914400" rtl="0" eaLnBrk="0" fontAlgn="base" latinLnBrk="0" hangingPunct="0">
+              <a:lnSpc>
+                <a:spcPct val="100000"/>
+              </a:lnSpc>
+              <a:spcBef>
+                <a:spcPct val="30000"/>
+              </a:spcBef>
+              <a:spcAft>
+                <a:spcPct val="0"/>
+              </a:spcAft>
+              <a:buClrTx/>
+              <a:buSzTx/>
+              <a:buFontTx/>
+              <a:buNone/>
+              <a:tabLst/>
+              <a:defRPr/>
+            </a:pPr>
+            <a:r>
+              <a:rPr lang="en-US" dirty="0" smtClean="0"/>
+              <a:t>COLLADA2GLTF has optional</a:t>
+            </a:r>
+            <a:r>
+              <a:rPr lang="en-US" baseline="0" dirty="0" smtClean="0"/>
+              <a:t> </a:t>
+            </a:r>
+            <a:r>
+              <a:rPr lang="en-US" dirty="0" smtClean="0"/>
+              <a:t>Open3DGC compression [1], which is O(n)</a:t>
+            </a:r>
+            <a:r>
+              <a:rPr lang="en-US" baseline="0" dirty="0" smtClean="0"/>
+              <a:t> to decompress. </a:t>
+            </a:r>
+            <a:r>
+              <a:rPr lang="en-US" dirty="0" smtClean="0"/>
+              <a:t>Open3DGC is a TFAN compression that creates fans, quantizes, and uses parallelogram prediction.</a:t>
+            </a:r>
+          </a:p>
+          <a:p>
+            <a:pPr marL="0" marR="0" indent="0" algn="l" defTabSz="914400" rtl="0" eaLnBrk="0" fontAlgn="base" latinLnBrk="0" hangingPunct="0">
+              <a:lnSpc>
+                <a:spcPct val="100000"/>
+              </a:lnSpc>
+              <a:spcBef>
+                <a:spcPct val="30000"/>
+              </a:spcBef>
+              <a:spcAft>
+                <a:spcPct val="0"/>
+              </a:spcAft>
+              <a:buClrTx/>
+              <a:buSzTx/>
+              <a:buFontTx/>
+              <a:buNone/>
+              <a:tabLst/>
+              <a:defRPr/>
+            </a:pPr>
+            <a:endParaRPr lang="en-US" dirty="0" smtClean="0"/>
+          </a:p>
+          <a:p>
+            <a:pPr marL="0" marR="0" indent="0" algn="l" defTabSz="914400" rtl="0" eaLnBrk="0" fontAlgn="base" latinLnBrk="0" hangingPunct="0">
+              <a:lnSpc>
+                <a:spcPct val="100000"/>
+              </a:lnSpc>
+              <a:spcBef>
+                <a:spcPct val="30000"/>
+              </a:spcBef>
+              <a:spcAft>
+                <a:spcPct val="0"/>
+              </a:spcAft>
+              <a:buClrTx/>
+              <a:buSzTx/>
+              <a:buFontTx/>
+              <a:buNone/>
+              <a:tabLst/>
+              <a:defRPr/>
+            </a:pPr>
+            <a:r>
+              <a:rPr lang="en-US" dirty="0" smtClean="0"/>
+              <a:t>[1] http://</a:t>
+            </a:r>
             <a:r>
               <a:rPr lang="en-US" dirty="0" err="1" smtClean="0"/>
-              <a:t>SketchUp</a:t>
-            </a:r>
-            <a:r>
-              <a:rPr lang="en-US" baseline="0" dirty="0" smtClean="0"/>
-              <a:t> story with one triangle per primitive.</a:t>
-            </a:r>
-            <a:endParaRPr lang="en-US" dirty="0"/>
+              <a:t>kmamou.blogspot.com</a:t>
+            </a:r>
+            <a:r>
+              <a:rPr lang="en-US" dirty="0" smtClean="0"/>
+              <a:t>/2013/07/open-3d-graphics-compression-open3dgc.html</a:t>
+            </a:r>
           </a:p>
         </p:txBody>
       </p:sp>
@@ -1728,7 +1884,7 @@
     </p:spTree>
     <p:extLst>
       <p:ext uri="{BB962C8B-B14F-4D97-AF65-F5344CB8AC3E}">
-        <p14:creationId xmlns:p14="http://schemas.microsoft.com/office/powerpoint/2010/main" val="2455773791"/>
+        <p14:creationId xmlns:p14="http://schemas.microsoft.com/office/powerpoint/2010/main" val="2034918674"/>
       </p:ext>
     </p:extLst>
   </p:cSld>
@@ -1784,65 +1940,27 @@
           <a:p>
             <a:r>
               <a:rPr lang="en-US" dirty="0" smtClean="0"/>
-              <a:t>Node hierarchy or “scene graph.”</a:t>
-            </a:r>
-          </a:p>
-          <a:p>
-            <a:endParaRPr lang="en-US" dirty="0" smtClean="0"/>
-          </a:p>
-          <a:p>
+              <a:t>Here, the best results are the use Open3DGC ASCII (</a:t>
+            </a:r>
+            <a:r>
+              <a:rPr lang="en-US" dirty="0" err="1" smtClean="0"/>
+              <a:t>gzipped</a:t>
+            </a:r>
             <a:r>
               <a:rPr lang="en-US" dirty="0" smtClean="0"/>
-              <a:t>Increases the batch size and, therefore, reduces the number of draw calls.</a:t>
-            </a:r>
-          </a:p>
-          <a:p>
-            <a:endParaRPr lang="en-US" dirty="0" smtClean="0"/>
-          </a:p>
-          <a:p>
-            <a:r>
-              <a:rPr lang="en-US" dirty="0" smtClean="0"/>
-              <a:t>Nodes need the same material (and vertex format, which is implied when they share material).</a:t>
-            </a:r>
-          </a:p>
-          <a:p>
-            <a:endParaRPr lang="en-US" dirty="0" smtClean="0"/>
-          </a:p>
-          <a:p>
-            <a:r>
-              <a:rPr lang="en-US" dirty="0" smtClean="0"/>
-              <a:t>Transform combined meshes into the same coordinate system.  Children have their transform applied when they are combined with their parent.</a:t>
-            </a:r>
-          </a:p>
-          <a:p>
-            <a:endParaRPr lang="en-US" dirty="0" smtClean="0"/>
-          </a:p>
-          <a:p>
-            <a:r>
-              <a:rPr lang="en-US" dirty="0" smtClean="0"/>
-              <a:t>If a node is targeted by an animation, it’s sub-tree can be combined, but it can’t be combined with its parent.</a:t>
-            </a:r>
-          </a:p>
-          <a:p>
-            <a:endParaRPr lang="en-US" dirty="0" smtClean="0"/>
-          </a:p>
-          <a:p>
-            <a:r>
-              <a:rPr lang="en-US" dirty="0" smtClean="0"/>
-              <a:t>Texture atlases</a:t>
+              <a:t>), which can be ~4x</a:t>
             </a:r>
             <a:r>
               <a:rPr lang="en-US" baseline="0" dirty="0" smtClean="0"/>
-              <a:t> help nodes have the same material since they share the same texture.</a:t>
-            </a:r>
-          </a:p>
-          <a:p>
-            <a:endParaRPr lang="en-US" baseline="0" dirty="0" smtClean="0"/>
-          </a:p>
-          <a:p>
+              <a:t> smaller than glTF alone (</a:t>
+            </a:r>
+            <a:r>
+              <a:rPr lang="en-US" baseline="0" dirty="0" err="1" smtClean="0"/>
+              <a:t>gzipped</a:t>
+            </a:r>
             <a:r>
               <a:rPr lang="en-US" baseline="0" dirty="0" smtClean="0"/>
-              <a:t>Also reduces the number of meshes and combines buffers as needed.</a:t>
+              <a:t>).</a:t>
             </a:r>
             <a:endParaRPr lang="en-US" dirty="0"/>
           </a:p>
@@ -1880,7 +1998,7 @@
     </p:spTree>
     <p:extLst>
       <p:ext uri="{BB962C8B-B14F-4D97-AF65-F5344CB8AC3E}">
-        <p14:creationId xmlns:p14="http://schemas.microsoft.com/office/powerpoint/2010/main" val="2669552986"/>
+        <p14:creationId xmlns:p14="http://schemas.microsoft.com/office/powerpoint/2010/main" val="1814129139"/>
       </p:ext>
     </p:extLst>
   </p:cSld>
@@ -1934,150 +2052,7 @@
           <a:bodyPr/>
           <a:lstStyle/>
           <a:p>
-            <a:pPr marL="0" marR="0" indent="0" algn="l" defTabSz="914400" rtl="0" eaLnBrk="0" fontAlgn="base" latinLnBrk="0" hangingPunct="0">
-              <a:lnSpc>
-                <a:spcPct val="100000"/>
-              </a:lnSpc>
-              <a:spcBef>
-                <a:spcPct val="30000"/>
-              </a:spcBef>
-              <a:spcAft>
-                <a:spcPct val="0"/>
-              </a:spcAft>
-              <a:buClrTx/>
-              <a:buSzTx/>
-              <a:buFontTx/>
-              <a:buNone/>
-              <a:tabLst/>
-              <a:defRPr/>
-            </a:pPr>
-            <a:r>
-              <a:rPr lang="en-US" dirty="0" smtClean="0"/>
-              <a:t>For WebGL, especially mobile, compression is important to reduce network bandwidth.  Decompression needs to be fast enough so</a:t>
-            </a:r>
-            <a:r>
-              <a:rPr lang="en-US" baseline="0" dirty="0" smtClean="0"/>
-              <a:t> it doesn’t drown out the bandwidth savings.</a:t>
-            </a:r>
-            <a:endParaRPr lang="en-US" dirty="0" smtClean="0"/>
-          </a:p>
-          <a:p>
-            <a:pPr marL="0" marR="0" indent="0" algn="l" defTabSz="914400" rtl="0" eaLnBrk="0" fontAlgn="base" latinLnBrk="0" hangingPunct="0">
-              <a:lnSpc>
-                <a:spcPct val="100000"/>
-              </a:lnSpc>
-              <a:spcBef>
-                <a:spcPct val="30000"/>
-              </a:spcBef>
-              <a:spcAft>
-                <a:spcPct val="0"/>
-              </a:spcAft>
-              <a:buClrTx/>
-              <a:buSzTx/>
-              <a:buFontTx/>
-              <a:buNone/>
-              <a:tabLst/>
-              <a:defRPr/>
-            </a:pPr>
-            <a:endParaRPr lang="en-US" dirty="0" smtClean="0"/>
-          </a:p>
-          <a:p>
-            <a:pPr marL="0" marR="0" indent="0" algn="l" defTabSz="914400" rtl="0" eaLnBrk="0" fontAlgn="base" latinLnBrk="0" hangingPunct="0">
-              <a:lnSpc>
-                <a:spcPct val="100000"/>
-              </a:lnSpc>
-              <a:spcBef>
-                <a:spcPct val="30000"/>
-              </a:spcBef>
-              <a:spcAft>
-                <a:spcPct val="0"/>
-              </a:spcAft>
-              <a:buClrTx/>
-              <a:buSzTx/>
-              <a:buFontTx/>
-              <a:buNone/>
-              <a:tabLst/>
-              <a:defRPr/>
-            </a:pPr>
-            <a:r>
-              <a:rPr lang="en-US" dirty="0" smtClean="0"/>
-              <a:t>COLLADA2GLTF has optional</a:t>
-            </a:r>
-            <a:r>
-              <a:rPr lang="en-US" baseline="0" dirty="0" smtClean="0"/>
-              <a:t> </a:t>
-            </a:r>
-            <a:r>
-              <a:rPr lang="en-US" dirty="0" smtClean="0"/>
-              <a:t>Open3DGC compression [1], which is O(n)</a:t>
-            </a:r>
-            <a:r>
-              <a:rPr lang="en-US" baseline="0" dirty="0" smtClean="0"/>
-              <a:t> to decompress. </a:t>
-            </a:r>
-            <a:r>
-              <a:rPr lang="en-US" dirty="0" smtClean="0"/>
-              <a:t>Open3DGC is a TFAN compression that creates fans, quantizes, and uses parallelogram prediction.</a:t>
-            </a:r>
-          </a:p>
-          <a:p>
-            <a:pPr marL="0" marR="0" indent="0" algn="l" defTabSz="914400" rtl="0" eaLnBrk="0" fontAlgn="base" latinLnBrk="0" hangingPunct="0">
-              <a:lnSpc>
-                <a:spcPct val="100000"/>
-              </a:lnSpc>
-              <a:spcBef>
-                <a:spcPct val="30000"/>
-              </a:spcBef>
-              <a:spcAft>
-                <a:spcPct val="0"/>
-              </a:spcAft>
-              <a:buClrTx/>
-              <a:buSzTx/>
-              <a:buFontTx/>
-              <a:buNone/>
-              <a:tabLst/>
-              <a:defRPr/>
-            </a:pPr>
-            <a:endParaRPr lang="en-US" dirty="0" smtClean="0"/>
-          </a:p>
-          <a:p>
-            <a:pPr marL="0" marR="0" indent="0" algn="l" defTabSz="914400" rtl="0" eaLnBrk="0" fontAlgn="base" latinLnBrk="0" hangingPunct="0">
-              <a:lnSpc>
-                <a:spcPct val="100000"/>
-              </a:lnSpc>
-              <a:spcBef>
-                <a:spcPct val="30000"/>
-              </a:spcBef>
-              <a:spcAft>
-                <a:spcPct val="0"/>
-              </a:spcAft>
-              <a:buClrTx/>
-              <a:buSzTx/>
-              <a:buFontTx/>
-              <a:buNone/>
-              <a:tabLst/>
-              <a:defRPr/>
-            </a:pPr>
-            <a:r>
-              <a:rPr lang="en-US" dirty="0" smtClean="0"/>
-              <a:t>[1] http</a:t>
-            </a:r>
-            <a:r>
-              <a:rPr lang="en-US" dirty="0" smtClean="0"/>
-              <a:t>://</a:t>
-            </a:r>
-            <a:r>
-              <a:rPr lang="en-US" dirty="0" err="1" smtClean="0"/>
-              <a:t>kmamou.blogspot.com</a:t>
-            </a:r>
-            <a:r>
-              <a:rPr lang="en-US" dirty="0" smtClean="0"/>
-              <a:t>/2013/07/open-3d-graphics-compression-</a:t>
-            </a:r>
-            <a:r>
-              <a:rPr lang="en-US" dirty="0" smtClean="0"/>
-              <a:t>open3dgc.html</a:t>
-            </a:r>
+            <a:endParaRPr lang="en-US"/>
           </a:p>
         </p:txBody>
       </p:sp>
@@ -2113,7 +2088,7 @@
     </p:spTree>
     <p:extLst>
       <p:ext uri="{BB962C8B-B14F-4D97-AF65-F5344CB8AC3E}">
-        <p14:creationId xmlns:p14="http://schemas.microsoft.com/office/powerpoint/2010/main" val="2034918674"/>
+        <p14:creationId xmlns:p14="http://schemas.microsoft.com/office/powerpoint/2010/main" val="415749413"/>
       </p:ext>
     </p:extLst>
   </p:cSld>
@@ -2167,30 +2142,41 @@
           <a:bodyPr/>
           <a:lstStyle/>
           <a:p>
+            <a:pPr marL="0" marR="0" indent="0" algn="l" defTabSz="914400" rtl="0" eaLnBrk="0" fontAlgn="base" latinLnBrk="0" hangingPunct="0">
+              <a:lnSpc>
+                <a:spcPct val="100000"/>
+              </a:lnSpc>
+              <a:spcBef>
+                <a:spcPct val="30000"/>
+              </a:spcBef>
+              <a:spcAft>
+                <a:spcPct val="0"/>
+              </a:spcAft>
+              <a:buClrTx/>
+              <a:buSzTx/>
+              <a:buFontTx/>
+              <a:buNone/>
+              <a:tabLst/>
+              <a:defRPr/>
+            </a:pPr>
+            <a:r>
+              <a:rPr lang="en-US" dirty="0" err="1" smtClean="0"/>
+              <a:t>Khronos</a:t>
+            </a:r>
             <a:r>
               <a:rPr lang="en-US" dirty="0" smtClean="0"/>
-              <a:t>Here, the best results are the use Open3DGC ASCII (</a:t>
+              <a:t> logos from http://</a:t>
             </a:r>
             <a:r>
               <a:rPr lang="en-US" dirty="0" err="1" smtClean="0"/>
-              <a:t>gzipped</a:t>
+              <a:t>www.khronos.org</a:t>
             </a:r>
             <a:r>
               <a:rPr lang="en-US" dirty="0" smtClean="0"/>
-              <a:t>), which can be ~4x</a:t>
-            </a:r>
-            <a:r>
-              <a:rPr lang="en-US" baseline="0" dirty="0" smtClean="0"/>
-              <a:t> smaller than glTF alone (</a:t>
-            </a:r>
-            <a:r>
-              <a:rPr lang="en-US" baseline="0" dirty="0" err="1" smtClean="0"/>
-              <a:t>gzipped</a:t>
-            </a:r>
-            <a:r>
-              <a:rPr lang="en-US" baseline="0" dirty="0" smtClean="0"/>
-              <a:t>).</a:t>
-            </a:r>
+              <a:t>/legal/trademarks/</a:t>
+            </a:r>
+          </a:p>
+          <a:p>
             <a:endParaRPr lang="en-US" dirty="0"/>
           </a:p>
         </p:txBody>
@@ -2227,7 +2213,7 @@
     </p:spTree>
     <p:extLst>
       <p:ext uri="{BB962C8B-B14F-4D97-AF65-F5344CB8AC3E}">
-        <p14:creationId xmlns:p14="http://schemas.microsoft.com/office/powerpoint/2010/main" val="1814129139"/>
+        <p14:creationId xmlns:p14="http://schemas.microsoft.com/office/powerpoint/2010/main" val="1684194221"/>
       </p:ext>
     </p:extLst>
   </p:cSld>
@@ -2281,7 +2267,7 @@
           <a:bodyPr/>
           <a:lstStyle/>
           <a:p>
-            <a:endParaRPr lang="en-US"/>
+            <a:endParaRPr lang="en-US" dirty="0"/>
           </a:p>
         </p:txBody>
       </p:sp>
@@ -2309,221 +2295,6 @@
                 <a:defRPr/>
               </a:pPr>
               <a:t>17</a:t>
-            </a:fld>
-            <a:endParaRPr lang="en-US"/>
-          </a:p>
-        </p:txBody>
-      </p:sp>
-    </p:spTree>
-    <p:extLst>
-      <p:ext uri="{BB962C8B-B14F-4D97-AF65-F5344CB8AC3E}">
-        <p14:creationId xmlns:p14="http://schemas.microsoft.com/office/powerpoint/2010/main" val="415749413"/>
-      </p:ext>
-    </p:extLst>
-  </p:cSld>
-  <p:clrMapOvr>
-    <a:masterClrMapping/>
-  </p:clrMapOvr>
-</p:notes>
-</file>
-
-<file path=ppt/notesSlides/notesSlide18.xml><?xml version="1.0" encoding="utf-8"?>
-<p:notes xmlns:a="http://schemas.openxmlformats.org/drawingml/2006/main" xmlns:r="http://schemas.openxmlformats.org/officeDocument/2006/relationships" xmlns:p="http://schemas.openxmlformats.org/presentationml/2006/main">
-  <p:cSld>
-    <p:spTree>
-      <p:nvGrpSpPr>
-        <p:cNvPr id="1" name=""/>
-        <p:cNvGrpSpPr/>
-        <p:nvPr/>
-      </p:nvGrpSpPr>
-      <p:grpSpPr>
-        <a:xfrm>
-          <a:off x="0" y="0"/>
-          <a:ext cx="0" cy="0"/>
-          <a:chOff x="0" y="0"/>
-          <a:chExt cx="0" cy="0"/>
-        </a:xfrm>
-      </p:grpSpPr>
-      <p:sp>
-        <p:nvSpPr>
-          <p:cNvPr id="2" name="Slide Image Placeholder 1"/>
-          <p:cNvSpPr>
-            <a:spLocks noGrp="1" noRot="1" noChangeAspect="1"/>
-          </p:cNvSpPr>
-          <p:nvPr>
-            <p:ph type="sldImg"/>
-          </p:nvPr>
-        </p:nvSpPr>
-        <p:spPr/>
-      </p:sp>
-      <p:sp>
-        <p:nvSpPr>
-          <p:cNvPr id="3" name="Notes Placeholder 2"/>
-          <p:cNvSpPr>
-            <a:spLocks noGrp="1"/>
-          </p:cNvSpPr>
-          <p:nvPr>
-            <p:ph type="body" idx="1"/>
-          </p:nvPr>
-        </p:nvSpPr>
-        <p:spPr/>
-        <p:txBody>
-          <a:bodyPr/>
-          <a:lstStyle/>
-          <a:p>
-            <a:pPr marL="0" marR="0" indent="0" algn="l" defTabSz="914400" rtl="0" eaLnBrk="0" fontAlgn="base" latinLnBrk="0" hangingPunct="0">
-              <a:lnSpc>
-                <a:spcPct val="100000"/>
-              </a:lnSpc>
-              <a:spcBef>
-                <a:spcPct val="30000"/>
-              </a:spcBef>
-              <a:spcAft>
-                <a:spcPct val="0"/>
-              </a:spcAft>
-              <a:buClrTx/>
-              <a:buSzTx/>
-              <a:buFontTx/>
-              <a:buNone/>
-              <a:tabLst/>
-              <a:defRPr/>
-            </a:pPr>
-            <a:r>
-              <a:rPr lang="en-US" dirty="0" err="1" smtClean="0"/>
-              <a:t>Khronos</a:t>
-            </a:r>
-            <a:r>
-              <a:rPr lang="en-US" dirty="0" smtClean="0"/>
-              <a:t> logos from http://</a:t>
-            </a:r>
-            <a:r>
-              <a:rPr lang="en-US" dirty="0" err="1" smtClean="0"/>
-              <a:t>www.khronos.org</a:t>
-            </a:r>
-            <a:r>
-              <a:rPr lang="en-US" dirty="0" smtClean="0"/>
-              <a:t>/legal/trademarks/</a:t>
-            </a:r>
-          </a:p>
-          <a:p>
-            <a:endParaRPr lang="en-US" dirty="0"/>
-          </a:p>
-        </p:txBody>
-      </p:sp>
-      <p:sp>
-        <p:nvSpPr>
-          <p:cNvPr id="4" name="Slide Number Placeholder 3"/>
-          <p:cNvSpPr>
-            <a:spLocks noGrp="1"/>
-          </p:cNvSpPr>
-          <p:nvPr>
-            <p:ph type="sldNum" sz="quarter" idx="10"/>
-          </p:nvPr>
-        </p:nvSpPr>
-        <p:spPr/>
-        <p:txBody>
-          <a:bodyPr/>
-          <a:lstStyle/>
-          <a:p>
-            <a:pPr>
-              <a:defRPr/>
-            </a:pPr>
-            <a:fld id="{61388809-6B81-4C55-A44B-C841547B66BA}" type="slidenum">
-              <a:rPr lang="en-US" smtClean="0"/>
-              <a:pPr>
-                <a:defRPr/>
-              </a:pPr>
-              <a:t>18</a:t>
-            </a:fld>
-            <a:endParaRPr lang="en-US"/>
-          </a:p>
-        </p:txBody>
-      </p:sp>
-    </p:spTree>
-    <p:extLst>
-      <p:ext uri="{BB962C8B-B14F-4D97-AF65-F5344CB8AC3E}">
-        <p14:creationId xmlns:p14="http://schemas.microsoft.com/office/powerpoint/2010/main" val="1684194221"/>
-      </p:ext>
-    </p:extLst>
-  </p:cSld>
-  <p:clrMapOvr>
-    <a:masterClrMapping/>
-  </p:clrMapOvr>
-</p:notes>
-</file>
-
-<file path=ppt/notesSlides/notesSlide19.xml><?xml version="1.0" encoding="utf-8"?>
-<p:notes xmlns:a="http://schemas.openxmlformats.org/drawingml/2006/main" xmlns:r="http://schemas.openxmlformats.org/officeDocument/2006/relationships" xmlns:p="http://schemas.openxmlformats.org/presentationml/2006/main">
-  <p:cSld>
-    <p:spTree>
-      <p:nvGrpSpPr>
-        <p:cNvPr id="1" name=""/>
-        <p:cNvGrpSpPr/>
-        <p:nvPr/>
-      </p:nvGrpSpPr>
-      <p:grpSpPr>
-        <a:xfrm>
-          <a:off x="0" y="0"/>
-          <a:ext cx="0" cy="0"/>
-          <a:chOff x="0" y="0"/>
-          <a:chExt cx="0" cy="0"/>
-        </a:xfrm>
-      </p:grpSpPr>
-      <p:sp>
-        <p:nvSpPr>
-          <p:cNvPr id="2" name="Slide Image Placeholder 1"/>
-          <p:cNvSpPr>
-            <a:spLocks noGrp="1" noRot="1" noChangeAspect="1"/>
-          </p:cNvSpPr>
-          <p:nvPr>
-            <p:ph type="sldImg"/>
-          </p:nvPr>
-        </p:nvSpPr>
-        <p:spPr/>
-      </p:sp>
-      <p:sp>
-        <p:nvSpPr>
-          <p:cNvPr id="3" name="Notes Placeholder 2"/>
-          <p:cNvSpPr>
-            <a:spLocks noGrp="1"/>
-          </p:cNvSpPr>
-          <p:nvPr>
-            <p:ph type="body" idx="1"/>
-          </p:nvPr>
-        </p:nvSpPr>
-        <p:spPr/>
-        <p:txBody>
-          <a:bodyPr/>
-          <a:lstStyle/>
-          <a:p>
-            <a:endParaRPr lang="en-US" dirty="0"/>
-          </a:p>
-        </p:txBody>
-      </p:sp>
-      <p:sp>
-        <p:nvSpPr>
-          <p:cNvPr id="4" name="Slide Number Placeholder 3"/>
-          <p:cNvSpPr>
-            <a:spLocks noGrp="1"/>
-          </p:cNvSpPr>
-          <p:nvPr>
-            <p:ph type="sldNum" sz="quarter" idx="10"/>
-          </p:nvPr>
-        </p:nvSpPr>
-        <p:spPr/>
-        <p:txBody>
-          <a:bodyPr/>
-          <a:lstStyle/>
-          <a:p>
-            <a:pPr>
-              <a:defRPr/>
-            </a:pPr>
-            <a:fld id="{61388809-6B81-4C55-A44B-C841547B66BA}" type="slidenum">
-              <a:rPr lang="en-US" smtClean="0"/>
-              <a:pPr>
-                <a:defRPr/>
-              </a:pPr>
-              <a:t>19</a:t>
             </a:fld>
             <a:endParaRPr lang="en-US"/>
           </a:p>
@@ -2588,31 +2359,15 @@
           <a:p>
             <a:r>
               <a:rPr lang="en-US" dirty="0" smtClean="0"/>
-              <a:t>We’ll briefly talk about the differences between interchange and runtime formats.  Then, we’ll look at the design goals of glTF and some examples of the schema.  </a:t>
-            </a:r>
-            <a:r>
-              <a:rPr lang="en-US" dirty="0" smtClean="0"/>
-              <a:t>Finally, </a:t>
-            </a:r>
-            <a:r>
-              <a:rPr lang="en-US" dirty="0" smtClean="0"/>
-              <a:t>we’ll look at the open-source</a:t>
+              <a:t>We’ll briefly talk about the differences between interchange and runtime formats.  Then, we’ll look at the design goals of glTF and some examples of the schema.  Finally, we’ll look at the open-source</a:t>
             </a:r>
             <a:r>
               <a:rPr lang="en-US" baseline="0" dirty="0" smtClean="0"/>
-              <a:t> tools and pipeline stages to convert </a:t>
+              <a:t> </a:t>
             </a:r>
             <a:r>
               <a:rPr lang="en-US" baseline="0" dirty="0" smtClean="0"/>
-              <a:t>COLLADA assets to </a:t>
-            </a:r>
-            <a:r>
-              <a:rPr lang="en-US" baseline="0" dirty="0" smtClean="0"/>
-              <a:t>glTF</a:t>
-            </a:r>
-            <a:r>
-              <a:rPr lang="en-US" baseline="0" dirty="0" smtClean="0"/>
-              <a:t>.</a:t>
+              <a:t>COLLADA-to-glTF converter and how it fits into a content pipeline.</a:t>
             </a:r>
             <a:endParaRPr lang="en-US" dirty="0"/>
           </a:p>
@@ -2710,15 +2465,7 @@
             </a:r>
             <a:r>
               <a:rPr lang="en-US" baseline="0" dirty="0" smtClean="0"/>
-              <a:t> formats strive to preserve the full authoring contents of an </a:t>
-            </a:r>
-            <a:r>
-              <a:rPr lang="en-US" baseline="0" dirty="0" smtClean="0"/>
-              <a:t>asset </a:t>
-            </a:r>
-            <a:r>
-              <a:rPr lang="en-US" baseline="0" dirty="0" smtClean="0"/>
-              <a:t>but are not optimized for runtime engines, especially for use on the web with WebGL.</a:t>
+              <a:t> formats strive to preserve the full authoring contents of an asset but are not optimized for runtime engines, especially for use on the web with WebGL.</a:t>
             </a:r>
           </a:p>
         </p:txBody>
@@ -2819,16 +2566,13 @@
             </a:r>
             <a:r>
               <a:rPr lang="en-US" dirty="0" smtClean="0"/>
-              <a:t>They need to go through many conversion steps before being ready for WebGL.  </a:t>
+              <a:t>They need to go through many conversion steps before being ready for WebGL.  This processing doesn’t belong in the runtime engine; it belongs in the content </a:t>
             </a:r>
             <a:r>
               <a:rPr lang="en-US" dirty="0" smtClean="0"/>
-              <a:t>This processing doesn’t </a:t>
-            </a:r>
-            <a:r>
-              <a:rPr lang="en-US" dirty="0" smtClean="0"/>
-              <a:t>belong in the runtime engine; it belongs in the content pipeline.</a:t>
-            </a:r>
+              <a:t>pipeline that runs offline or in the cloud.</a:t>
+            </a:r>
+            <a:endParaRPr lang="en-US" dirty="0" smtClean="0"/>
           </a:p>
           <a:p>
             <a:endParaRPr lang="en-US" dirty="0" smtClean="0"/>
@@ -2840,23 +2584,7 @@
             </a:r>
             <a:r>
               <a:rPr lang="en-US" baseline="0" dirty="0" smtClean="0"/>
-              <a:t> are shown here. </a:t>
-            </a:r>
-            <a:r>
-              <a:rPr lang="en-US" baseline="0" dirty="0" smtClean="0"/>
-              <a:t> XML </a:t>
-            </a:r>
-            <a:r>
-              <a:rPr lang="en-US" baseline="0" dirty="0" smtClean="0"/>
-              <a:t>is verbose; indices are specified per attribute, not </a:t>
-            </a:r>
-            <a:r>
-              <a:rPr lang="en-US" baseline="0" dirty="0" smtClean="0"/>
-              <a:t>per vertex </a:t>
-            </a:r>
-            <a:r>
-              <a:rPr lang="en-US" baseline="0" dirty="0" smtClean="0"/>
-              <a:t>as WebGL requires; unsigned </a:t>
+              <a:t> are shown here.  XML is verbose; indices are specified per attribute, not per vertex as WebGL requires; unsigned </a:t>
             </a:r>
             <a:r>
               <a:rPr lang="en-US" baseline="0" dirty="0" err="1" smtClean="0"/>
@@ -2868,7 +2596,15 @@
             </a:r>
             <a:r>
               <a:rPr lang="en-US" dirty="0" smtClean="0"/>
-              <a:t>owever, some engines will want to do this to match their g-buffer</a:t>
+              <a:t>owever, some engines will want to do this </a:t>
+            </a:r>
+            <a:r>
+              <a:rPr lang="en-US" dirty="0" smtClean="0"/>
+              <a:t>at runtime to </a:t>
+            </a:r>
+            <a:r>
+              <a:rPr lang="en-US" dirty="0" smtClean="0"/>
+              <a:t>match their g-buffer</a:t>
             </a:r>
             <a:r>
               <a:rPr lang="en-US" baseline="0" dirty="0" smtClean="0"/>
@@ -2991,7 +2727,15 @@
             </a:pPr>
             <a:r>
               <a:rPr lang="en-US" dirty="0" smtClean="0"/>
-              <a:t>Instead of loading interchange formats, most engines use an offline content-pipeline to convert</a:t>
+              <a:t>Instead of loading interchange formats, most engines use </a:t>
+            </a:r>
+            <a:r>
+              <a:rPr lang="en-US" dirty="0" smtClean="0"/>
+              <a:t>a content</a:t>
+            </a:r>
+            <a:r>
+              <a:rPr lang="en-US" dirty="0" smtClean="0"/>
+              <a:t>-pipeline to convert</a:t>
             </a:r>
             <a:r>
               <a:rPr lang="en-US" baseline="0" dirty="0" smtClean="0"/>
@@ -3125,15 +2869,7 @@
             </a:pPr>
             <a:r>
               <a:rPr lang="en-US" baseline="0" dirty="0" smtClean="0"/>
-              <a:t>With WebGL, there are a handful of </a:t>
-            </a:r>
-            <a:r>
-              <a:rPr lang="en-US" baseline="0" dirty="0" smtClean="0"/>
-              <a:t>ad-hoc </a:t>
-            </a:r>
-            <a:r>
-              <a:rPr lang="en-US" baseline="0" dirty="0" smtClean="0"/>
-              <a:t>runtime formats, usually based on JSON, for a few of the major engines like </a:t>
+              <a:t>With WebGL, there are a handful of ad-hoc runtime formats, usually based on JSON, for a few of the major engines like </a:t>
             </a:r>
             <a:r>
               <a:rPr lang="en-US" baseline="0" dirty="0" err="1" smtClean="0"/>
@@ -3149,8 +2885,13 @@
             </a:r>
             <a:r>
               <a:rPr lang="en-US" baseline="0" dirty="0" smtClean="0"/>
-              <a:t> [2]</a:t>
-            </a:r>
+              <a:t> [2</a:t>
+            </a:r>
+            <a:r>
+              <a:rPr lang="en-US" baseline="0" dirty="0" smtClean="0"/>
+              <a:t>].</a:t>
+            </a:r>
+            <a:endParaRPr lang="en-US" baseline="0" dirty="0" smtClean="0"/>
           </a:p>
           <a:p>
             <a:endParaRPr lang="en-US" dirty="0" smtClean="0"/>
@@ -3158,23 +2899,11 @@
           <a:p>
             <a:r>
               <a:rPr lang="en-US" dirty="0" smtClean="0"/>
-              <a:t>glTF is an open-standard runtime asset format that strives to be useful to most WebGL engines </a:t>
-            </a:r>
-            <a:r>
-              <a:rPr lang="en-US" dirty="0" smtClean="0"/>
-              <a:t>by providing </a:t>
-            </a:r>
-            <a:r>
-              <a:rPr lang="en-US" dirty="0" smtClean="0"/>
-              <a:t>a schema and content</a:t>
+              <a:t>glTF is an open-standard runtime asset format that strives to be useful to most WebGL engines by providing a schema and content</a:t>
             </a:r>
             <a:r>
               <a:rPr lang="en-US" baseline="0" dirty="0" smtClean="0"/>
-              <a:t> pipeline for the most common asset constructs like geometry and materials, and to be extensible so each engine can add their own custom data</a:t>
-            </a:r>
-            <a:r>
-              <a:rPr lang="en-US" baseline="0" dirty="0" smtClean="0"/>
-              <a:t>.</a:t>
+              <a:t> pipeline for the most common asset constructs like geometry and materials, and to be extensible so each engine can add their own custom data.</a:t>
             </a:r>
           </a:p>
           <a:p>
@@ -3375,15 +3104,7 @@
           <a:p>
             <a:r>
               <a:rPr lang="en-US" dirty="0" smtClean="0"/>
-              <a:t>The number one goal of glTF is that assets are easy and efficient to </a:t>
-            </a:r>
-            <a:r>
-              <a:rPr lang="en-US" dirty="0" smtClean="0"/>
-              <a:t>render in WebGL; </a:t>
-            </a:r>
-            <a:r>
-              <a:rPr lang="en-US" dirty="0" smtClean="0"/>
-              <a:t>we want engines to be “fast by default.”</a:t>
+              <a:t>The number one goal of glTF is that assets are easy and efficient to render in WebGL; we want engines to be “fast by default.”</a:t>
             </a:r>
           </a:p>
           <a:p>
@@ -3685,9 +3406,16 @@
             </a:r>
             <a:r>
               <a:rPr lang="en-US" baseline="0" dirty="0" smtClean="0"/>
-              <a:t>  However, a spec alone is not useful to developers.  There is an open-source content-pipeline that converts COLLADA to glTF [1], which allows engine developers to save on the amount of code they have to write; in simple cases, we won’t need any additional content pipeline code.  </a:t>
-            </a:r>
-            <a:endParaRPr lang="en-US" baseline="0" dirty="0" smtClean="0"/>
+              <a:t>  However, a spec alone is not useful to developers.  There is an open-source </a:t>
+            </a:r>
+            <a:r>
+              <a:rPr lang="en-US" baseline="0" dirty="0" smtClean="0"/>
+              <a:t>COLLADA-to-glTF converter [</a:t>
+            </a:r>
+            <a:r>
+              <a:rPr lang="en-US" baseline="0" dirty="0" smtClean="0"/>
+              <a:t>1], which allows engine developers to save on the amount of code they have to write; in simple cases, we won’t need any additional content pipeline code.  </a:t>
+            </a:r>
           </a:p>
           <a:p>
             <a:endParaRPr lang="en-US" baseline="0" dirty="0" smtClean="0"/>
@@ -3699,11 +3427,7 @@
             </a:r>
             <a:r>
               <a:rPr lang="en-US" baseline="0" dirty="0" smtClean="0"/>
-              <a:t> </a:t>
-            </a:r>
-            <a:r>
-              <a:rPr lang="en-US" baseline="0" dirty="0" smtClean="0"/>
-              <a:t>is widely used by the WebGL community so there is an open-source glTF loader for </a:t>
+              <a:t> is widely used by the WebGL community so there is an open-source glTF loader for </a:t>
             </a:r>
             <a:r>
               <a:rPr lang="en-US" baseline="0" dirty="0" err="1" smtClean="0"/>
@@ -3711,19 +3435,7 @@
             </a:r>
             <a:r>
               <a:rPr lang="en-US" baseline="0" dirty="0" smtClean="0"/>
-              <a:t>.  We also believe that it’s impossible to write a reasonable spec without implementing it so everyone working on the </a:t>
-            </a:r>
-            <a:r>
-              <a:rPr lang="en-US" baseline="0" dirty="0" smtClean="0"/>
-              <a:t>spec </a:t>
-            </a:r>
-            <a:r>
-              <a:rPr lang="en-US" baseline="0" dirty="0" smtClean="0"/>
-              <a:t>implemented a glTF loader, sometimes even </a:t>
-            </a:r>
-            <a:r>
-              <a:rPr lang="en-US" baseline="0" dirty="0" smtClean="0"/>
-              <a:t>more than one.</a:t>
+              <a:t>.  We also believe that it’s impossible to write a reasonable spec without implementing it so everyone working on the spec implemented a glTF loader, sometimes even more than one.</a:t>
             </a:r>
             <a:endParaRPr lang="en-US" dirty="0" smtClean="0"/>
           </a:p>
@@ -3737,7 +3449,15 @@
             </a:r>
             <a:r>
               <a:rPr lang="en-US" baseline="0" dirty="0" smtClean="0"/>
-              <a:t> content pipeline and </a:t>
+              <a:t> </a:t>
+            </a:r>
+            <a:r>
+              <a:rPr lang="en-US" baseline="0" dirty="0" smtClean="0"/>
+              <a:t>COLLADA2GLTF </a:t>
+            </a:r>
+            <a:r>
+              <a:rPr lang="en-US" baseline="0" dirty="0" smtClean="0"/>
+              <a:t>and </a:t>
             </a:r>
             <a:r>
               <a:rPr lang="en-US" baseline="0" dirty="0" err="1" smtClean="0"/>
@@ -3745,11 +3465,7 @@
             </a:r>
             <a:r>
               <a:rPr lang="en-US" baseline="0" dirty="0" smtClean="0"/>
-              <a:t> loader code, was done in the open </a:t>
-            </a:r>
-            <a:r>
-              <a:rPr lang="en-US" baseline="0" dirty="0" smtClean="0"/>
-              <a:t>on </a:t>
+              <a:t> loader code, was done in the open on </a:t>
             </a:r>
             <a:r>
               <a:rPr lang="en-US" baseline="0" dirty="0" err="1" smtClean="0"/>
@@ -3757,15 +3473,7 @@
             </a:r>
             <a:r>
               <a:rPr lang="en-US" baseline="0" dirty="0" smtClean="0"/>
-              <a:t>.  This was useful for </a:t>
-            </a:r>
-            <a:r>
-              <a:rPr lang="en-US" baseline="0" dirty="0" smtClean="0"/>
-              <a:t>external bug </a:t>
-            </a:r>
-            <a:r>
-              <a:rPr lang="en-US" baseline="0" dirty="0" smtClean="0"/>
-              <a:t>fixes and more folks joining in on discussions.</a:t>
+              <a:t>.  This was useful for external bug fixes and more folks joining in on discussions.</a:t>
             </a:r>
             <a:endParaRPr lang="en-US" dirty="0" smtClean="0"/>
           </a:p>
@@ -10460,7 +10168,7 @@
           <a:p>
             <a:r>
               <a:rPr lang="en-US" dirty="0" smtClean="0"/>
-              <a:t>Content Pipeline</a:t>
+              <a:t>Compression</a:t>
             </a:r>
             <a:endParaRPr lang="en-US" dirty="0"/>
           </a:p>
@@ -10479,57 +10187,65 @@
         <p:spPr>
           <a:xfrm>
             <a:off x="457200" y="1981200"/>
-            <a:ext cx="8229600" cy="4495800"/>
+            <a:ext cx="8686800" cy="3886200"/>
           </a:xfrm>
         </p:spPr>
         <p:txBody>
-          <a:bodyPr/>
+          <a:bodyPr>
+            <a:normAutofit/>
+          </a:bodyPr>
           <a:lstStyle/>
           <a:p>
             <a:r>
               <a:rPr lang="en-US" dirty="0" smtClean="0"/>
-              <a:t>Some </a:t>
+              <a:t>Open3DGC (TFAN)</a:t>
+            </a:r>
+          </a:p>
+          <a:p>
+            <a:r>
+              <a:rPr lang="en-US" dirty="0"/>
+              <a:t>Convert </a:t>
             </a:r>
             <a:r>
               <a:rPr lang="en-US" dirty="0" smtClean="0"/>
-              <a:t>exporters </a:t>
-            </a:r>
-            <a:r>
-              <a:rPr lang="en-US" dirty="0" smtClean="0"/>
-              <a:t>create redundancies</a:t>
-            </a:r>
+              <a:t>with compression</a:t>
+            </a:r>
+            <a:endParaRPr lang="en-US" dirty="0"/>
           </a:p>
           <a:p>
             <a:pPr lvl="1"/>
             <a:r>
-              <a:rPr lang="en-US" dirty="0" smtClean="0"/>
-              <a:t>Remove unused nodes, meshes, materials, techniques, etc.</a:t>
-            </a:r>
-          </a:p>
-          <a:p>
-            <a:pPr lvl="1"/>
-            <a:r>
-              <a:rPr lang="en-US" dirty="0" smtClean="0"/>
-              <a:t>Remove unused vertices.  Remove duplicate vertices</a:t>
-            </a:r>
-          </a:p>
-          <a:p>
-            <a:pPr lvl="1"/>
-            <a:r>
-              <a:rPr lang="en-US" dirty="0" smtClean="0"/>
-              <a:t>Remove duplicate materials and techniques</a:t>
-            </a:r>
-          </a:p>
-          <a:p>
-            <a:pPr lvl="1"/>
-            <a:r>
-              <a:rPr lang="en-US" dirty="0" smtClean="0"/>
-              <a:t>Combine primitives with the same material and vertex format</a:t>
-            </a:r>
-          </a:p>
-          <a:p>
-            <a:pPr lvl="1"/>
-            <a:endParaRPr lang="en-US" dirty="0"/>
+              <a:rPr lang="en-US" dirty="0">
+                <a:latin typeface="Courier New"/>
+                <a:cs typeface="Courier New"/>
+              </a:rPr>
+              <a:t>collada2gltf </a:t>
+            </a:r>
+            <a:r>
+              <a:rPr lang="en-US" dirty="0" smtClean="0">
+                <a:latin typeface="Courier New"/>
+                <a:cs typeface="Courier New"/>
+              </a:rPr>
+              <a:t>–c Open3DGC –</a:t>
+            </a:r>
+            <a:r>
+              <a:rPr lang="en-US" dirty="0">
+                <a:latin typeface="Courier New"/>
+                <a:cs typeface="Courier New"/>
+              </a:rPr>
+              <a:t>f </a:t>
+            </a:r>
+            <a:r>
+              <a:rPr lang="en-US" dirty="0" err="1">
+                <a:latin typeface="Courier New"/>
+                <a:cs typeface="Courier New"/>
+              </a:rPr>
+              <a:t>duck.dae</a:t>
+            </a:r>
+            <a:endParaRPr lang="en-US" dirty="0">
+              <a:latin typeface="Courier New"/>
+              <a:cs typeface="Courier New"/>
+            </a:endParaRPr>
           </a:p>
         </p:txBody>
       </p:sp>
@@ -10565,7 +10281,7 @@
     </p:spTree>
     <p:extLst>
       <p:ext uri="{BB962C8B-B14F-4D97-AF65-F5344CB8AC3E}">
-        <p14:creationId xmlns:p14="http://schemas.microsoft.com/office/powerpoint/2010/main" val="154483365"/>
+        <p14:creationId xmlns:p14="http://schemas.microsoft.com/office/powerpoint/2010/main" val="2975829640"/>
       </p:ext>
     </p:extLst>
   </p:cSld>
@@ -10594,57 +10310,6 @@
       </p:grpSpPr>
       <p:sp>
         <p:nvSpPr>
-          <p:cNvPr id="2" name="Title 1"/>
-          <p:cNvSpPr>
-            <a:spLocks noGrp="1"/>
-          </p:cNvSpPr>
-          <p:nvPr>
-            <p:ph type="title"/>
-          </p:nvPr>
-        </p:nvSpPr>
-        <p:spPr/>
-        <p:txBody>
-          <a:bodyPr/>
-          <a:lstStyle/>
-          <a:p>
-            <a:r>
-              <a:rPr lang="en-US" dirty="0" smtClean="0"/>
-              <a:t>Content Pipeline</a:t>
-            </a:r>
-            <a:endParaRPr lang="en-US" dirty="0"/>
-          </a:p>
-        </p:txBody>
-      </p:sp>
-      <p:sp>
-        <p:nvSpPr>
-          <p:cNvPr id="3" name="Content Placeholder 2"/>
-          <p:cNvSpPr>
-            <a:spLocks noGrp="1"/>
-          </p:cNvSpPr>
-          <p:nvPr>
-            <p:ph idx="1"/>
-          </p:nvPr>
-        </p:nvSpPr>
-        <p:spPr/>
-        <p:txBody>
-          <a:bodyPr/>
-          <a:lstStyle/>
-          <a:p>
-            <a:r>
-              <a:rPr lang="en-US" dirty="0" smtClean="0"/>
-              <a:t>Flatten node hierarchy</a:t>
-            </a:r>
-          </a:p>
-          <a:p>
-            <a:pPr marL="0" indent="0">
-              <a:buNone/>
-            </a:pPr>
-            <a:endParaRPr lang="en-US" dirty="0"/>
-          </a:p>
-        </p:txBody>
-      </p:sp>
-      <p:sp>
-        <p:nvSpPr>
           <p:cNvPr id="4" name="Slide Number Placeholder 3"/>
           <p:cNvSpPr>
             <a:spLocks noGrp="1"/>
@@ -10667,991 +10332,6 @@
                 <a:defRPr/>
               </a:pPr>
               <a:t>14</a:t>
-            </a:fld>
-            <a:endParaRPr lang="en-US" dirty="0"/>
-          </a:p>
-        </p:txBody>
-      </p:sp>
-      <p:sp>
-        <p:nvSpPr>
-          <p:cNvPr id="11" name="Oval 10"/>
-          <p:cNvSpPr/>
-          <p:nvPr/>
-        </p:nvSpPr>
-        <p:spPr bwMode="auto">
-          <a:xfrm>
-            <a:off x="1905000" y="3124200"/>
-            <a:ext cx="381000" cy="381000"/>
-          </a:xfrm>
-          <a:prstGeom prst="ellipse">
-            <a:avLst/>
-          </a:prstGeom>
-          <a:solidFill>
-            <a:srgbClr val="FFFF99"/>
-          </a:solidFill>
-          <a:ln w="9525" cap="flat" cmpd="sng" algn="ctr">
-            <a:solidFill>
-              <a:schemeClr val="tx1"/>
-            </a:solidFill>
-            <a:prstDash val="solid"/>
-            <a:round/>
-            <a:headEnd type="none" w="med" len="med"/>
-            <a:tailEnd type="none" w="med" len="med"/>
-          </a:ln>
-          <a:effectLst/>
-        </p:spPr>
-        <p:txBody>
-          <a:bodyPr vert="horz" wrap="square" lIns="91440" tIns="45720" rIns="91440" bIns="45720" numCol="1" rtlCol="0" anchor="t" anchorCtr="0" compatLnSpc="1">
-            <a:prstTxWarp prst="textNoShape">
-              <a:avLst/>
-            </a:prstTxWarp>
-          </a:bodyPr>
-          <a:lstStyle/>
-          <a:p>
-            <a:pPr marL="0" marR="0" indent="0" algn="l" defTabSz="914400" rtl="0" eaLnBrk="0" fontAlgn="base" latinLnBrk="0" hangingPunct="0">
-              <a:lnSpc>
-                <a:spcPct val="100000"/>
-              </a:lnSpc>
-              <a:spcBef>
-                <a:spcPct val="0"/>
-              </a:spcBef>
-              <a:spcAft>
-                <a:spcPct val="0"/>
-              </a:spcAft>
-              <a:buClrTx/>
-              <a:buSzTx/>
-              <a:buFontTx/>
-              <a:buNone/>
-              <a:tabLst/>
-            </a:pPr>
-            <a:endParaRPr kumimoji="0" lang="en-US" sz="1800" b="0" i="0" u="none" strike="noStrike" cap="none" normalizeH="0" baseline="0" smtClean="0">
-              <a:ln>
-                <a:noFill/>
-              </a:ln>
-              <a:solidFill>
-                <a:schemeClr val="tx1"/>
-              </a:solidFill>
-              <a:effectLst/>
-              <a:latin typeface="Arial" charset="0"/>
-            </a:endParaRPr>
-          </a:p>
-        </p:txBody>
-      </p:sp>
-      <p:sp>
-        <p:nvSpPr>
-          <p:cNvPr id="13" name="Oval 12"/>
-          <p:cNvSpPr/>
-          <p:nvPr/>
-        </p:nvSpPr>
-        <p:spPr bwMode="auto">
-          <a:xfrm>
-            <a:off x="914400" y="4114800"/>
-            <a:ext cx="381000" cy="381000"/>
-          </a:xfrm>
-          <a:prstGeom prst="ellipse">
-            <a:avLst/>
-          </a:prstGeom>
-          <a:solidFill>
-            <a:schemeClr val="accent1"/>
-          </a:solidFill>
-          <a:ln w="9525" cap="flat" cmpd="sng" algn="ctr">
-            <a:solidFill>
-              <a:schemeClr val="tx1"/>
-            </a:solidFill>
-            <a:prstDash val="solid"/>
-            <a:round/>
-            <a:headEnd type="none" w="med" len="med"/>
-            <a:tailEnd type="none" w="med" len="med"/>
-          </a:ln>
-          <a:effectLst/>
-        </p:spPr>
-        <p:txBody>
-          <a:bodyPr vert="horz" wrap="square" lIns="91440" tIns="45720" rIns="91440" bIns="45720" numCol="1" rtlCol="0" anchor="t" anchorCtr="0" compatLnSpc="1">
-            <a:prstTxWarp prst="textNoShape">
-              <a:avLst/>
-            </a:prstTxWarp>
-          </a:bodyPr>
-          <a:lstStyle/>
-          <a:p>
-            <a:pPr marL="0" marR="0" indent="0" algn="l" defTabSz="914400" rtl="0" eaLnBrk="0" fontAlgn="base" latinLnBrk="0" hangingPunct="0">
-              <a:lnSpc>
-                <a:spcPct val="100000"/>
-              </a:lnSpc>
-              <a:spcBef>
-                <a:spcPct val="0"/>
-              </a:spcBef>
-              <a:spcAft>
-                <a:spcPct val="0"/>
-              </a:spcAft>
-              <a:buClrTx/>
-              <a:buSzTx/>
-              <a:buFontTx/>
-              <a:buNone/>
-              <a:tabLst/>
-            </a:pPr>
-            <a:endParaRPr kumimoji="0" lang="en-US" sz="1800" b="0" i="0" u="none" strike="noStrike" cap="none" normalizeH="0" baseline="0" smtClean="0">
-              <a:ln>
-                <a:noFill/>
-              </a:ln>
-              <a:solidFill>
-                <a:schemeClr val="tx1"/>
-              </a:solidFill>
-              <a:effectLst/>
-              <a:latin typeface="Arial" charset="0"/>
-            </a:endParaRPr>
-          </a:p>
-        </p:txBody>
-      </p:sp>
-      <p:sp>
-        <p:nvSpPr>
-          <p:cNvPr id="15" name="Oval 14"/>
-          <p:cNvSpPr/>
-          <p:nvPr/>
-        </p:nvSpPr>
-        <p:spPr bwMode="auto">
-          <a:xfrm>
-            <a:off x="1905000" y="4114800"/>
-            <a:ext cx="381000" cy="381000"/>
-          </a:xfrm>
-          <a:prstGeom prst="ellipse">
-            <a:avLst/>
-          </a:prstGeom>
-          <a:solidFill>
-            <a:schemeClr val="accent1"/>
-          </a:solidFill>
-          <a:ln w="9525" cap="flat" cmpd="sng" algn="ctr">
-            <a:solidFill>
-              <a:schemeClr val="tx1"/>
-            </a:solidFill>
-            <a:prstDash val="solid"/>
-            <a:round/>
-            <a:headEnd type="none" w="med" len="med"/>
-            <a:tailEnd type="none" w="med" len="med"/>
-          </a:ln>
-          <a:effectLst/>
-        </p:spPr>
-        <p:txBody>
-          <a:bodyPr vert="horz" wrap="square" lIns="91440" tIns="45720" rIns="91440" bIns="45720" numCol="1" rtlCol="0" anchor="t" anchorCtr="0" compatLnSpc="1">
-            <a:prstTxWarp prst="textNoShape">
-              <a:avLst/>
-            </a:prstTxWarp>
-          </a:bodyPr>
-          <a:lstStyle/>
-          <a:p>
-            <a:pPr marL="0" marR="0" indent="0" algn="l" defTabSz="914400" rtl="0" eaLnBrk="0" fontAlgn="base" latinLnBrk="0" hangingPunct="0">
-              <a:lnSpc>
-                <a:spcPct val="100000"/>
-              </a:lnSpc>
-              <a:spcBef>
-                <a:spcPct val="0"/>
-              </a:spcBef>
-              <a:spcAft>
-                <a:spcPct val="0"/>
-              </a:spcAft>
-              <a:buClrTx/>
-              <a:buSzTx/>
-              <a:buFontTx/>
-              <a:buNone/>
-              <a:tabLst/>
-            </a:pPr>
-            <a:endParaRPr kumimoji="0" lang="en-US" sz="1800" b="0" i="0" u="none" strike="noStrike" cap="none" normalizeH="0" baseline="0" smtClean="0">
-              <a:ln>
-                <a:noFill/>
-              </a:ln>
-              <a:solidFill>
-                <a:schemeClr val="tx1"/>
-              </a:solidFill>
-              <a:effectLst/>
-              <a:latin typeface="Arial" charset="0"/>
-            </a:endParaRPr>
-          </a:p>
-        </p:txBody>
-      </p:sp>
-      <p:sp>
-        <p:nvSpPr>
-          <p:cNvPr id="17" name="Oval 16"/>
-          <p:cNvSpPr/>
-          <p:nvPr/>
-        </p:nvSpPr>
-        <p:spPr bwMode="auto">
-          <a:xfrm>
-            <a:off x="3124200" y="4114800"/>
-            <a:ext cx="381000" cy="381000"/>
-          </a:xfrm>
-          <a:prstGeom prst="ellipse">
-            <a:avLst/>
-          </a:prstGeom>
-          <a:solidFill>
-            <a:srgbClr val="FFFF99"/>
-          </a:solidFill>
-          <a:ln w="9525" cap="flat" cmpd="sng" algn="ctr">
-            <a:solidFill>
-              <a:schemeClr val="tx1"/>
-            </a:solidFill>
-            <a:prstDash val="solid"/>
-            <a:round/>
-            <a:headEnd type="none" w="med" len="med"/>
-            <a:tailEnd type="none" w="med" len="med"/>
-          </a:ln>
-          <a:effectLst/>
-        </p:spPr>
-        <p:txBody>
-          <a:bodyPr vert="horz" wrap="square" lIns="91440" tIns="45720" rIns="91440" bIns="45720" numCol="1" rtlCol="0" anchor="t" anchorCtr="0" compatLnSpc="1">
-            <a:prstTxWarp prst="textNoShape">
-              <a:avLst/>
-            </a:prstTxWarp>
-          </a:bodyPr>
-          <a:lstStyle/>
-          <a:p>
-            <a:pPr marL="0" marR="0" indent="0" algn="l" defTabSz="914400" rtl="0" eaLnBrk="0" fontAlgn="base" latinLnBrk="0" hangingPunct="0">
-              <a:lnSpc>
-                <a:spcPct val="100000"/>
-              </a:lnSpc>
-              <a:spcBef>
-                <a:spcPct val="0"/>
-              </a:spcBef>
-              <a:spcAft>
-                <a:spcPct val="0"/>
-              </a:spcAft>
-              <a:buClrTx/>
-              <a:buSzTx/>
-              <a:buFontTx/>
-              <a:buNone/>
-              <a:tabLst/>
-            </a:pPr>
-            <a:endParaRPr kumimoji="0" lang="en-US" sz="1800" b="0" i="0" u="none" strike="noStrike" cap="none" normalizeH="0" baseline="0" smtClean="0">
-              <a:ln>
-                <a:noFill/>
-              </a:ln>
-              <a:solidFill>
-                <a:schemeClr val="tx1"/>
-              </a:solidFill>
-              <a:effectLst/>
-              <a:latin typeface="Arial" charset="0"/>
-            </a:endParaRPr>
-          </a:p>
-        </p:txBody>
-      </p:sp>
-      <p:sp>
-        <p:nvSpPr>
-          <p:cNvPr id="18" name="Oval 17"/>
-          <p:cNvSpPr/>
-          <p:nvPr/>
-        </p:nvSpPr>
-        <p:spPr bwMode="auto">
-          <a:xfrm>
-            <a:off x="381000" y="5105400"/>
-            <a:ext cx="381000" cy="381000"/>
-          </a:xfrm>
-          <a:prstGeom prst="ellipse">
-            <a:avLst/>
-          </a:prstGeom>
-          <a:solidFill>
-            <a:schemeClr val="accent1"/>
-          </a:solidFill>
-          <a:ln w="9525" cap="flat" cmpd="sng" algn="ctr">
-            <a:solidFill>
-              <a:schemeClr val="tx1"/>
-            </a:solidFill>
-            <a:prstDash val="solid"/>
-            <a:round/>
-            <a:headEnd type="none" w="med" len="med"/>
-            <a:tailEnd type="none" w="med" len="med"/>
-          </a:ln>
-          <a:effectLst/>
-        </p:spPr>
-        <p:txBody>
-          <a:bodyPr vert="horz" wrap="square" lIns="91440" tIns="45720" rIns="91440" bIns="45720" numCol="1" rtlCol="0" anchor="t" anchorCtr="0" compatLnSpc="1">
-            <a:prstTxWarp prst="textNoShape">
-              <a:avLst/>
-            </a:prstTxWarp>
-          </a:bodyPr>
-          <a:lstStyle/>
-          <a:p>
-            <a:pPr marL="0" marR="0" indent="0" algn="l" defTabSz="914400" rtl="0" eaLnBrk="0" fontAlgn="base" latinLnBrk="0" hangingPunct="0">
-              <a:lnSpc>
-                <a:spcPct val="100000"/>
-              </a:lnSpc>
-              <a:spcBef>
-                <a:spcPct val="0"/>
-              </a:spcBef>
-              <a:spcAft>
-                <a:spcPct val="0"/>
-              </a:spcAft>
-              <a:buClrTx/>
-              <a:buSzTx/>
-              <a:buFontTx/>
-              <a:buNone/>
-              <a:tabLst/>
-            </a:pPr>
-            <a:endParaRPr kumimoji="0" lang="en-US" sz="1800" b="0" i="0" u="none" strike="noStrike" cap="none" normalizeH="0" baseline="0" smtClean="0">
-              <a:ln>
-                <a:noFill/>
-              </a:ln>
-              <a:solidFill>
-                <a:schemeClr val="tx1"/>
-              </a:solidFill>
-              <a:effectLst/>
-              <a:latin typeface="Arial" charset="0"/>
-            </a:endParaRPr>
-          </a:p>
-        </p:txBody>
-      </p:sp>
-      <p:sp>
-        <p:nvSpPr>
-          <p:cNvPr id="19" name="Oval 18"/>
-          <p:cNvSpPr/>
-          <p:nvPr/>
-        </p:nvSpPr>
-        <p:spPr bwMode="auto">
-          <a:xfrm>
-            <a:off x="1447800" y="5105400"/>
-            <a:ext cx="381000" cy="381000"/>
-          </a:xfrm>
-          <a:prstGeom prst="ellipse">
-            <a:avLst/>
-          </a:prstGeom>
-          <a:solidFill>
-            <a:schemeClr val="accent1"/>
-          </a:solidFill>
-          <a:ln w="9525" cap="flat" cmpd="sng" algn="ctr">
-            <a:solidFill>
-              <a:schemeClr val="tx1"/>
-            </a:solidFill>
-            <a:prstDash val="solid"/>
-            <a:round/>
-            <a:headEnd type="none" w="med" len="med"/>
-            <a:tailEnd type="none" w="med" len="med"/>
-          </a:ln>
-          <a:effectLst/>
-        </p:spPr>
-        <p:txBody>
-          <a:bodyPr vert="horz" wrap="square" lIns="91440" tIns="45720" rIns="91440" bIns="45720" numCol="1" rtlCol="0" anchor="t" anchorCtr="0" compatLnSpc="1">
-            <a:prstTxWarp prst="textNoShape">
-              <a:avLst/>
-            </a:prstTxWarp>
-          </a:bodyPr>
-          <a:lstStyle/>
-          <a:p>
-            <a:pPr marL="0" marR="0" indent="0" algn="l" defTabSz="914400" rtl="0" eaLnBrk="0" fontAlgn="base" latinLnBrk="0" hangingPunct="0">
-              <a:lnSpc>
-                <a:spcPct val="100000"/>
-              </a:lnSpc>
-              <a:spcBef>
-                <a:spcPct val="0"/>
-              </a:spcBef>
-              <a:spcAft>
-                <a:spcPct val="0"/>
-              </a:spcAft>
-              <a:buClrTx/>
-              <a:buSzTx/>
-              <a:buFontTx/>
-              <a:buNone/>
-              <a:tabLst/>
-            </a:pPr>
-            <a:endParaRPr kumimoji="0" lang="en-US" sz="1800" b="0" i="0" u="none" strike="noStrike" cap="none" normalizeH="0" baseline="0" smtClean="0">
-              <a:ln>
-                <a:noFill/>
-              </a:ln>
-              <a:solidFill>
-                <a:schemeClr val="tx1"/>
-              </a:solidFill>
-              <a:effectLst/>
-              <a:latin typeface="Arial" charset="0"/>
-            </a:endParaRPr>
-          </a:p>
-        </p:txBody>
-      </p:sp>
-      <p:cxnSp>
-        <p:nvCxnSpPr>
-          <p:cNvPr id="9" name="Straight Connector 8"/>
-          <p:cNvCxnSpPr>
-            <a:stCxn id="11" idx="4"/>
-            <a:endCxn id="15" idx="0"/>
-          </p:cNvCxnSpPr>
-          <p:nvPr/>
-        </p:nvCxnSpPr>
-        <p:spPr bwMode="auto">
-          <a:xfrm>
-            <a:off x="2095500" y="3505200"/>
-            <a:ext cx="0" cy="609600"/>
-          </a:xfrm>
-          <a:prstGeom prst="line">
-            <a:avLst/>
-          </a:prstGeom>
-          <a:solidFill>
-            <a:schemeClr val="accent1"/>
-          </a:solidFill>
-          <a:ln w="9525" cap="flat" cmpd="sng" algn="ctr">
-            <a:solidFill>
-              <a:schemeClr val="tx1"/>
-            </a:solidFill>
-            <a:prstDash val="solid"/>
-            <a:round/>
-            <a:headEnd type="none" w="med" len="med"/>
-            <a:tailEnd type="none" w="med" len="med"/>
-          </a:ln>
-          <a:effectLst/>
-        </p:spPr>
-      </p:cxnSp>
-      <p:cxnSp>
-        <p:nvCxnSpPr>
-          <p:cNvPr id="20" name="Straight Connector 19"/>
-          <p:cNvCxnSpPr>
-            <a:stCxn id="11" idx="4"/>
-            <a:endCxn id="13" idx="0"/>
-          </p:cNvCxnSpPr>
-          <p:nvPr/>
-        </p:nvCxnSpPr>
-        <p:spPr bwMode="auto">
-          <a:xfrm flipH="1">
-            <a:off x="1104900" y="3505200"/>
-            <a:ext cx="990600" cy="609600"/>
-          </a:xfrm>
-          <a:prstGeom prst="line">
-            <a:avLst/>
-          </a:prstGeom>
-          <a:solidFill>
-            <a:schemeClr val="accent1"/>
-          </a:solidFill>
-          <a:ln w="9525" cap="flat" cmpd="sng" algn="ctr">
-            <a:solidFill>
-              <a:schemeClr val="tx1"/>
-            </a:solidFill>
-            <a:prstDash val="solid"/>
-            <a:round/>
-            <a:headEnd type="none" w="med" len="med"/>
-            <a:tailEnd type="none" w="med" len="med"/>
-          </a:ln>
-          <a:effectLst/>
-        </p:spPr>
-      </p:cxnSp>
-      <p:cxnSp>
-        <p:nvCxnSpPr>
-          <p:cNvPr id="22" name="Straight Connector 21"/>
-          <p:cNvCxnSpPr>
-            <a:stCxn id="11" idx="4"/>
-            <a:endCxn id="17" idx="0"/>
-          </p:cNvCxnSpPr>
-          <p:nvPr/>
-        </p:nvCxnSpPr>
-        <p:spPr bwMode="auto">
-          <a:xfrm>
-            <a:off x="2095500" y="3505200"/>
-            <a:ext cx="1219200" cy="609600"/>
-          </a:xfrm>
-          <a:prstGeom prst="line">
-            <a:avLst/>
-          </a:prstGeom>
-          <a:solidFill>
-            <a:schemeClr val="accent1"/>
-          </a:solidFill>
-          <a:ln w="9525" cap="flat" cmpd="sng" algn="ctr">
-            <a:solidFill>
-              <a:schemeClr val="tx1"/>
-            </a:solidFill>
-            <a:prstDash val="solid"/>
-            <a:round/>
-            <a:headEnd type="none" w="med" len="med"/>
-            <a:tailEnd type="none" w="med" len="med"/>
-          </a:ln>
-          <a:effectLst/>
-        </p:spPr>
-      </p:cxnSp>
-      <p:cxnSp>
-        <p:nvCxnSpPr>
-          <p:cNvPr id="24" name="Straight Connector 23"/>
-          <p:cNvCxnSpPr>
-            <a:stCxn id="13" idx="4"/>
-            <a:endCxn id="19" idx="0"/>
-          </p:cNvCxnSpPr>
-          <p:nvPr/>
-        </p:nvCxnSpPr>
-        <p:spPr bwMode="auto">
-          <a:xfrm>
-            <a:off x="1104900" y="4495800"/>
-            <a:ext cx="533400" cy="609600"/>
-          </a:xfrm>
-          <a:prstGeom prst="line">
-            <a:avLst/>
-          </a:prstGeom>
-          <a:solidFill>
-            <a:schemeClr val="accent1"/>
-          </a:solidFill>
-          <a:ln w="9525" cap="flat" cmpd="sng" algn="ctr">
-            <a:solidFill>
-              <a:schemeClr val="tx1"/>
-            </a:solidFill>
-            <a:prstDash val="solid"/>
-            <a:round/>
-            <a:headEnd type="none" w="med" len="med"/>
-            <a:tailEnd type="none" w="med" len="med"/>
-          </a:ln>
-          <a:effectLst/>
-        </p:spPr>
-      </p:cxnSp>
-      <p:cxnSp>
-        <p:nvCxnSpPr>
-          <p:cNvPr id="26" name="Straight Connector 25"/>
-          <p:cNvCxnSpPr>
-            <a:stCxn id="13" idx="4"/>
-            <a:endCxn id="18" idx="0"/>
-          </p:cNvCxnSpPr>
-          <p:nvPr/>
-        </p:nvCxnSpPr>
-        <p:spPr bwMode="auto">
-          <a:xfrm flipH="1">
-            <a:off x="571500" y="4495800"/>
-            <a:ext cx="533400" cy="609600"/>
-          </a:xfrm>
-          <a:prstGeom prst="line">
-            <a:avLst/>
-          </a:prstGeom>
-          <a:solidFill>
-            <a:schemeClr val="accent1"/>
-          </a:solidFill>
-          <a:ln w="9525" cap="flat" cmpd="sng" algn="ctr">
-            <a:solidFill>
-              <a:schemeClr val="tx1"/>
-            </a:solidFill>
-            <a:prstDash val="solid"/>
-            <a:round/>
-            <a:headEnd type="none" w="med" len="med"/>
-            <a:tailEnd type="none" w="med" len="med"/>
-          </a:ln>
-          <a:effectLst/>
-        </p:spPr>
-      </p:cxnSp>
-      <p:sp>
-        <p:nvSpPr>
-          <p:cNvPr id="32" name="Right Arrow 31"/>
-          <p:cNvSpPr/>
-          <p:nvPr/>
-        </p:nvSpPr>
-        <p:spPr bwMode="auto">
-          <a:xfrm>
-            <a:off x="4191000" y="3657600"/>
-            <a:ext cx="304800" cy="228600"/>
-          </a:xfrm>
-          <a:prstGeom prst="rightArrow">
-            <a:avLst/>
-          </a:prstGeom>
-          <a:solidFill>
-            <a:schemeClr val="accent1"/>
-          </a:solidFill>
-          <a:ln w="9525" cap="flat" cmpd="sng" algn="ctr">
-            <a:solidFill>
-              <a:schemeClr val="tx1"/>
-            </a:solidFill>
-            <a:prstDash val="solid"/>
-            <a:round/>
-            <a:headEnd type="none" w="med" len="med"/>
-            <a:tailEnd type="none" w="med" len="med"/>
-          </a:ln>
-          <a:effectLst/>
-        </p:spPr>
-        <p:txBody>
-          <a:bodyPr vert="horz" wrap="square" lIns="91440" tIns="45720" rIns="91440" bIns="45720" numCol="1" rtlCol="0" anchor="t" anchorCtr="0" compatLnSpc="1">
-            <a:prstTxWarp prst="textNoShape">
-              <a:avLst/>
-            </a:prstTxWarp>
-          </a:bodyPr>
-          <a:lstStyle/>
-          <a:p>
-            <a:pPr marL="0" marR="0" indent="0" algn="l" defTabSz="914400" rtl="0" eaLnBrk="0" fontAlgn="base" latinLnBrk="0" hangingPunct="0">
-              <a:lnSpc>
-                <a:spcPct val="100000"/>
-              </a:lnSpc>
-              <a:spcBef>
-                <a:spcPct val="0"/>
-              </a:spcBef>
-              <a:spcAft>
-                <a:spcPct val="0"/>
-              </a:spcAft>
-              <a:buClrTx/>
-              <a:buSzTx/>
-              <a:buFontTx/>
-              <a:buNone/>
-              <a:tabLst/>
-            </a:pPr>
-            <a:endParaRPr kumimoji="0" lang="en-US" sz="1800" b="0" i="0" u="none" strike="noStrike" cap="none" normalizeH="0" baseline="0" smtClean="0">
-              <a:ln>
-                <a:noFill/>
-              </a:ln>
-              <a:solidFill>
-                <a:schemeClr val="tx1"/>
-              </a:solidFill>
-              <a:effectLst/>
-              <a:latin typeface="Arial" charset="0"/>
-            </a:endParaRPr>
-          </a:p>
-        </p:txBody>
-      </p:sp>
-      <p:sp>
-        <p:nvSpPr>
-          <p:cNvPr id="33" name="Oval 32"/>
-          <p:cNvSpPr/>
-          <p:nvPr/>
-        </p:nvSpPr>
-        <p:spPr bwMode="auto">
-          <a:xfrm>
-            <a:off x="6324600" y="3124200"/>
-            <a:ext cx="381000" cy="381000"/>
-          </a:xfrm>
-          <a:prstGeom prst="ellipse">
-            <a:avLst/>
-          </a:prstGeom>
-          <a:solidFill>
-            <a:srgbClr val="FFFF99"/>
-          </a:solidFill>
-          <a:ln w="9525" cap="flat" cmpd="sng" algn="ctr">
-            <a:solidFill>
-              <a:schemeClr val="tx1"/>
-            </a:solidFill>
-            <a:prstDash val="solid"/>
-            <a:round/>
-            <a:headEnd type="none" w="med" len="med"/>
-            <a:tailEnd type="none" w="med" len="med"/>
-          </a:ln>
-          <a:effectLst/>
-        </p:spPr>
-        <p:txBody>
-          <a:bodyPr vert="horz" wrap="square" lIns="91440" tIns="45720" rIns="91440" bIns="45720" numCol="1" rtlCol="0" anchor="t" anchorCtr="0" compatLnSpc="1">
-            <a:prstTxWarp prst="textNoShape">
-              <a:avLst/>
-            </a:prstTxWarp>
-          </a:bodyPr>
-          <a:lstStyle/>
-          <a:p>
-            <a:pPr marL="0" marR="0" indent="0" algn="l" defTabSz="914400" rtl="0" eaLnBrk="0" fontAlgn="base" latinLnBrk="0" hangingPunct="0">
-              <a:lnSpc>
-                <a:spcPct val="100000"/>
-              </a:lnSpc>
-              <a:spcBef>
-                <a:spcPct val="0"/>
-              </a:spcBef>
-              <a:spcAft>
-                <a:spcPct val="0"/>
-              </a:spcAft>
-              <a:buClrTx/>
-              <a:buSzTx/>
-              <a:buFontTx/>
-              <a:buNone/>
-              <a:tabLst/>
-            </a:pPr>
-            <a:endParaRPr kumimoji="0" lang="en-US" sz="1800" b="0" i="0" u="none" strike="noStrike" cap="none" normalizeH="0" baseline="0" smtClean="0">
-              <a:ln>
-                <a:noFill/>
-              </a:ln>
-              <a:solidFill>
-                <a:schemeClr val="tx1"/>
-              </a:solidFill>
-              <a:effectLst/>
-              <a:latin typeface="Arial" charset="0"/>
-            </a:endParaRPr>
-          </a:p>
-        </p:txBody>
-      </p:sp>
-      <p:sp>
-        <p:nvSpPr>
-          <p:cNvPr id="34" name="Oval 33"/>
-          <p:cNvSpPr/>
-          <p:nvPr/>
-        </p:nvSpPr>
-        <p:spPr bwMode="auto">
-          <a:xfrm>
-            <a:off x="5334000" y="4114800"/>
-            <a:ext cx="381000" cy="381000"/>
-          </a:xfrm>
-          <a:prstGeom prst="ellipse">
-            <a:avLst/>
-          </a:prstGeom>
-          <a:solidFill>
-            <a:schemeClr val="accent1"/>
-          </a:solidFill>
-          <a:ln w="9525" cap="flat" cmpd="sng" algn="ctr">
-            <a:solidFill>
-              <a:schemeClr val="tx1"/>
-            </a:solidFill>
-            <a:prstDash val="solid"/>
-            <a:round/>
-            <a:headEnd type="none" w="med" len="med"/>
-            <a:tailEnd type="none" w="med" len="med"/>
-          </a:ln>
-          <a:effectLst/>
-        </p:spPr>
-        <p:txBody>
-          <a:bodyPr vert="horz" wrap="square" lIns="91440" tIns="45720" rIns="91440" bIns="45720" numCol="1" rtlCol="0" anchor="t" anchorCtr="0" compatLnSpc="1">
-            <a:prstTxWarp prst="textNoShape">
-              <a:avLst/>
-            </a:prstTxWarp>
-          </a:bodyPr>
-          <a:lstStyle/>
-          <a:p>
-            <a:pPr marL="0" marR="0" indent="0" algn="l" defTabSz="914400" rtl="0" eaLnBrk="0" fontAlgn="base" latinLnBrk="0" hangingPunct="0">
-              <a:lnSpc>
-                <a:spcPct val="100000"/>
-              </a:lnSpc>
-              <a:spcBef>
-                <a:spcPct val="0"/>
-              </a:spcBef>
-              <a:spcAft>
-                <a:spcPct val="0"/>
-              </a:spcAft>
-              <a:buClrTx/>
-              <a:buSzTx/>
-              <a:buFontTx/>
-              <a:buNone/>
-              <a:tabLst/>
-            </a:pPr>
-            <a:endParaRPr kumimoji="0" lang="en-US" sz="1800" b="0" i="0" u="none" strike="noStrike" cap="none" normalizeH="0" baseline="0" smtClean="0">
-              <a:ln>
-                <a:noFill/>
-              </a:ln>
-              <a:solidFill>
-                <a:schemeClr val="tx1"/>
-              </a:solidFill>
-              <a:effectLst/>
-              <a:latin typeface="Arial" charset="0"/>
-            </a:endParaRPr>
-          </a:p>
-        </p:txBody>
-      </p:sp>
-      <p:cxnSp>
-        <p:nvCxnSpPr>
-          <p:cNvPr id="40" name="Straight Connector 39"/>
-          <p:cNvCxnSpPr>
-            <a:stCxn id="33" idx="4"/>
-            <a:endCxn id="34" idx="0"/>
-          </p:cNvCxnSpPr>
-          <p:nvPr/>
-        </p:nvCxnSpPr>
-        <p:spPr bwMode="auto">
-          <a:xfrm flipH="1">
-            <a:off x="5524500" y="3505200"/>
-            <a:ext cx="990600" cy="609600"/>
-          </a:xfrm>
-          <a:prstGeom prst="line">
-            <a:avLst/>
-          </a:prstGeom>
-          <a:solidFill>
-            <a:schemeClr val="accent1"/>
-          </a:solidFill>
-          <a:ln w="9525" cap="flat" cmpd="sng" algn="ctr">
-            <a:solidFill>
-              <a:schemeClr val="tx1"/>
-            </a:solidFill>
-            <a:prstDash val="solid"/>
-            <a:round/>
-            <a:headEnd type="none" w="med" len="med"/>
-            <a:tailEnd type="none" w="med" len="med"/>
-          </a:ln>
-          <a:effectLst/>
-        </p:spPr>
-      </p:cxnSp>
-    </p:spTree>
-    <p:extLst>
-      <p:ext uri="{BB962C8B-B14F-4D97-AF65-F5344CB8AC3E}">
-        <p14:creationId xmlns:p14="http://schemas.microsoft.com/office/powerpoint/2010/main" val="663461722"/>
-      </p:ext>
-    </p:extLst>
-  </p:cSld>
-  <p:clrMapOvr>
-    <a:masterClrMapping/>
-  </p:clrMapOvr>
-</p:sld>
-</file>
-
-<file path=ppt/slides/slide15.xml><?xml version="1.0" encoding="utf-8"?>
-<p:sld xmlns:a="http://schemas.openxmlformats.org/drawingml/2006/main" xmlns:r="http://schemas.openxmlformats.org/officeDocument/2006/relationships" xmlns:p="http://schemas.openxmlformats.org/presentationml/2006/main">
-  <p:cSld>
-    <p:spTree>
-      <p:nvGrpSpPr>
-        <p:cNvPr id="1" name=""/>
-        <p:cNvGrpSpPr/>
-        <p:nvPr/>
-      </p:nvGrpSpPr>
-      <p:grpSpPr>
-        <a:xfrm>
-          <a:off x="0" y="0"/>
-          <a:ext cx="0" cy="0"/>
-          <a:chOff x="0" y="0"/>
-          <a:chExt cx="0" cy="0"/>
-        </a:xfrm>
-      </p:grpSpPr>
-      <p:sp>
-        <p:nvSpPr>
-          <p:cNvPr id="2" name="Title 1"/>
-          <p:cNvSpPr>
-            <a:spLocks noGrp="1"/>
-          </p:cNvSpPr>
-          <p:nvPr>
-            <p:ph type="title"/>
-          </p:nvPr>
-        </p:nvSpPr>
-        <p:spPr/>
-        <p:txBody>
-          <a:bodyPr/>
-          <a:lstStyle/>
-          <a:p>
-            <a:r>
-              <a:rPr lang="en-US" dirty="0" smtClean="0"/>
-              <a:t>Compression</a:t>
-            </a:r>
-            <a:endParaRPr lang="en-US" dirty="0"/>
-          </a:p>
-        </p:txBody>
-      </p:sp>
-      <p:sp>
-        <p:nvSpPr>
-          <p:cNvPr id="3" name="Content Placeholder 2"/>
-          <p:cNvSpPr>
-            <a:spLocks noGrp="1"/>
-          </p:cNvSpPr>
-          <p:nvPr>
-            <p:ph idx="1"/>
-          </p:nvPr>
-        </p:nvSpPr>
-        <p:spPr>
-          <a:xfrm>
-            <a:off x="457200" y="1981200"/>
-            <a:ext cx="8686800" cy="3886200"/>
-          </a:xfrm>
-        </p:spPr>
-        <p:txBody>
-          <a:bodyPr>
-            <a:normAutofit/>
-          </a:bodyPr>
-          <a:lstStyle/>
-          <a:p>
-            <a:r>
-              <a:rPr lang="en-US" dirty="0" smtClean="0"/>
-              <a:t>Open3DGC </a:t>
-            </a:r>
-            <a:r>
-              <a:rPr lang="en-US" dirty="0" smtClean="0"/>
-              <a:t>(TFAN)</a:t>
-            </a:r>
-          </a:p>
-          <a:p>
-            <a:r>
-              <a:rPr lang="en-US" dirty="0" smtClean="0"/>
-              <a:t>Pre-</a:t>
-            </a:r>
-            <a:r>
-              <a:rPr lang="en-US" dirty="0" err="1" smtClean="0"/>
-              <a:t>gzip</a:t>
-            </a:r>
-            <a:r>
-              <a:rPr lang="en-US" dirty="0" smtClean="0"/>
-              <a:t> for web deployment</a:t>
-            </a:r>
-          </a:p>
-          <a:p>
-            <a:r>
-              <a:rPr lang="en-US" dirty="0" smtClean="0"/>
-              <a:t>Easy tricks</a:t>
-            </a:r>
-          </a:p>
-          <a:p>
-            <a:pPr lvl="1"/>
-            <a:r>
-              <a:rPr lang="en-US" dirty="0" smtClean="0"/>
-              <a:t>Minify JSON, e.g., whitespace</a:t>
-            </a:r>
-          </a:p>
-          <a:p>
-            <a:pPr lvl="1"/>
-            <a:r>
-              <a:rPr lang="en-US" dirty="0" smtClean="0"/>
-              <a:t>Exclude default values, e.g., identity matrix</a:t>
-            </a:r>
-          </a:p>
-        </p:txBody>
-      </p:sp>
-      <p:sp>
-        <p:nvSpPr>
-          <p:cNvPr id="4" name="Slide Number Placeholder 3"/>
-          <p:cNvSpPr>
-            <a:spLocks noGrp="1"/>
-          </p:cNvSpPr>
-          <p:nvPr>
-            <p:ph type="sldNum" sz="quarter" idx="12"/>
-          </p:nvPr>
-        </p:nvSpPr>
-        <p:spPr/>
-        <p:txBody>
-          <a:bodyPr/>
-          <a:lstStyle/>
-          <a:p>
-            <a:pPr>
-              <a:defRPr/>
-            </a:pPr>
-            <a:fld id="{FC28735A-D6AA-419A-87B4-83DEEEB2001E}" type="slidenum">
-              <a:rPr lang="en-US" smtClean="0"/>
-              <a:pPr>
-                <a:defRPr/>
-              </a:pPr>
-              <a:t>15</a:t>
-            </a:fld>
-            <a:endParaRPr lang="en-US"/>
-          </a:p>
-        </p:txBody>
-      </p:sp>
-    </p:spTree>
-    <p:extLst>
-      <p:ext uri="{BB962C8B-B14F-4D97-AF65-F5344CB8AC3E}">
-        <p14:creationId xmlns:p14="http://schemas.microsoft.com/office/powerpoint/2010/main" val="2975829640"/>
-      </p:ext>
-    </p:extLst>
-  </p:cSld>
-  <p:clrMapOvr>
-    <a:masterClrMapping/>
-  </p:clrMapOvr>
-</p:sld>
-</file>
-
-<file path=ppt/slides/slide16.xml><?xml version="1.0" encoding="utf-8"?>
-<p:sld xmlns:a="http://schemas.openxmlformats.org/drawingml/2006/main" xmlns:r="http://schemas.openxmlformats.org/officeDocument/2006/relationships" xmlns:p="http://schemas.openxmlformats.org/presentationml/2006/main">
-  <p:cSld>
-    <p:spTree>
-      <p:nvGrpSpPr>
-        <p:cNvPr id="1" name=""/>
-        <p:cNvGrpSpPr/>
-        <p:nvPr/>
-      </p:nvGrpSpPr>
-      <p:grpSpPr>
-        <a:xfrm>
-          <a:off x="0" y="0"/>
-          <a:ext cx="0" cy="0"/>
-          <a:chOff x="0" y="0"/>
-          <a:chExt cx="0" cy="0"/>
-        </a:xfrm>
-      </p:grpSpPr>
-      <p:sp>
-        <p:nvSpPr>
-          <p:cNvPr id="4" name="Slide Number Placeholder 3"/>
-          <p:cNvSpPr>
-            <a:spLocks noGrp="1"/>
-          </p:cNvSpPr>
-          <p:nvPr>
-            <p:ph type="sldNum" sz="quarter" idx="12"/>
-          </p:nvPr>
-        </p:nvSpPr>
-        <p:spPr/>
-        <p:txBody>
-          <a:bodyPr/>
-          <a:lstStyle/>
-          <a:p>
-            <a:pPr>
-              <a:defRPr/>
-            </a:pPr>
-            <a:fld id="{FC28735A-D6AA-419A-87B4-83DEEEB2001E}" type="slidenum">
-              <a:rPr lang="en-US" smtClean="0"/>
-              <a:pPr>
-                <a:defRPr/>
-              </a:pPr>
-              <a:t>16</a:t>
             </a:fld>
             <a:endParaRPr lang="en-US"/>
           </a:p>
@@ -11694,6 +10374,323 @@
 </p:sld>
 </file>
 
+<file path=ppt/slides/slide15.xml><?xml version="1.0" encoding="utf-8"?>
+<p:sld xmlns:a="http://schemas.openxmlformats.org/drawingml/2006/main" xmlns:r="http://schemas.openxmlformats.org/officeDocument/2006/relationships" xmlns:p="http://schemas.openxmlformats.org/presentationml/2006/main">
+  <p:cSld>
+    <p:spTree>
+      <p:nvGrpSpPr>
+        <p:cNvPr id="1" name=""/>
+        <p:cNvGrpSpPr/>
+        <p:nvPr/>
+      </p:nvGrpSpPr>
+      <p:grpSpPr>
+        <a:xfrm>
+          <a:off x="0" y="0"/>
+          <a:ext cx="0" cy="0"/>
+          <a:chOff x="0" y="0"/>
+          <a:chExt cx="0" cy="0"/>
+        </a:xfrm>
+      </p:grpSpPr>
+      <p:sp>
+        <p:nvSpPr>
+          <p:cNvPr id="2" name="Title 1"/>
+          <p:cNvSpPr>
+            <a:spLocks noGrp="1"/>
+          </p:cNvSpPr>
+          <p:nvPr>
+            <p:ph type="title"/>
+          </p:nvPr>
+        </p:nvSpPr>
+        <p:spPr/>
+        <p:txBody>
+          <a:bodyPr/>
+          <a:lstStyle/>
+          <a:p>
+            <a:r>
+              <a:rPr lang="en-US" dirty="0" smtClean="0"/>
+              <a:t>Summary</a:t>
+            </a:r>
+            <a:endParaRPr lang="en-US" dirty="0"/>
+          </a:p>
+        </p:txBody>
+      </p:sp>
+      <p:sp>
+        <p:nvSpPr>
+          <p:cNvPr id="3" name="Content Placeholder 2"/>
+          <p:cNvSpPr>
+            <a:spLocks noGrp="1"/>
+          </p:cNvSpPr>
+          <p:nvPr>
+            <p:ph idx="1"/>
+          </p:nvPr>
+        </p:nvSpPr>
+        <p:spPr/>
+        <p:txBody>
+          <a:bodyPr/>
+          <a:lstStyle/>
+          <a:p>
+            <a:r>
+              <a:rPr lang="en-US" dirty="0" smtClean="0"/>
+              <a:t>Themes</a:t>
+            </a:r>
+          </a:p>
+          <a:p>
+            <a:pPr lvl="1"/>
+            <a:r>
+              <a:rPr lang="en-US" dirty="0" smtClean="0"/>
+              <a:t>Keep the runtime </a:t>
+            </a:r>
+            <a:r>
+              <a:rPr lang="en-US" dirty="0" smtClean="0"/>
+              <a:t>fast and simple</a:t>
+            </a:r>
+            <a:endParaRPr lang="en-US" dirty="0" smtClean="0"/>
+          </a:p>
+          <a:p>
+            <a:pPr lvl="1"/>
+            <a:r>
+              <a:rPr lang="en-US" dirty="0" smtClean="0"/>
+              <a:t>Push work to the </a:t>
+            </a:r>
+            <a:r>
+              <a:rPr lang="en-US" dirty="0" smtClean="0"/>
+              <a:t>content pipeline</a:t>
+            </a:r>
+            <a:endParaRPr lang="en-US" dirty="0" smtClean="0"/>
+          </a:p>
+          <a:p>
+            <a:r>
+              <a:rPr lang="en-US" dirty="0" smtClean="0"/>
+              <a:t>glTF spec and COLLADA2GLTF:</a:t>
+            </a:r>
+            <a:endParaRPr lang="en-US" dirty="0"/>
+          </a:p>
+        </p:txBody>
+      </p:sp>
+      <p:sp>
+        <p:nvSpPr>
+          <p:cNvPr id="4" name="Slide Number Placeholder 3"/>
+          <p:cNvSpPr>
+            <a:spLocks noGrp="1"/>
+          </p:cNvSpPr>
+          <p:nvPr>
+            <p:ph type="sldNum" sz="quarter" idx="12"/>
+          </p:nvPr>
+        </p:nvSpPr>
+        <p:spPr/>
+        <p:txBody>
+          <a:bodyPr/>
+          <a:lstStyle/>
+          <a:p>
+            <a:pPr>
+              <a:defRPr/>
+            </a:pPr>
+            <a:fld id="{FC28735A-D6AA-419A-87B4-83DEEEB2001E}" type="slidenum">
+              <a:rPr lang="en-US" smtClean="0"/>
+              <a:pPr>
+                <a:defRPr/>
+              </a:pPr>
+              <a:t>15</a:t>
+            </a:fld>
+            <a:endParaRPr lang="en-US"/>
+          </a:p>
+        </p:txBody>
+      </p:sp>
+      <p:sp>
+        <p:nvSpPr>
+          <p:cNvPr id="5" name="Rectangle 4"/>
+          <p:cNvSpPr/>
+          <p:nvPr/>
+        </p:nvSpPr>
+        <p:spPr>
+          <a:xfrm>
+            <a:off x="1001251" y="4114800"/>
+            <a:ext cx="7141498" cy="584776"/>
+          </a:xfrm>
+          <a:prstGeom prst="rect">
+            <a:avLst/>
+          </a:prstGeom>
+        </p:spPr>
+        <p:txBody>
+          <a:bodyPr wrap="none">
+            <a:spAutoFit/>
+          </a:bodyPr>
+          <a:lstStyle/>
+          <a:p>
+            <a:r>
+              <a:rPr lang="en-US" sz="3200" dirty="0">
+                <a:hlinkClick r:id="rId3"/>
+              </a:rPr>
+              <a:t>https://github.com/KhronosGroup/</a:t>
+            </a:r>
+            <a:r>
+              <a:rPr lang="en-US" sz="3200" dirty="0" smtClean="0">
+                <a:hlinkClick r:id="rId3"/>
+              </a:rPr>
+              <a:t>glTF</a:t>
+            </a:r>
+            <a:endParaRPr lang="en-US" sz="3200" dirty="0"/>
+          </a:p>
+        </p:txBody>
+      </p:sp>
+    </p:spTree>
+    <p:extLst>
+      <p:ext uri="{BB962C8B-B14F-4D97-AF65-F5344CB8AC3E}">
+        <p14:creationId xmlns:p14="http://schemas.microsoft.com/office/powerpoint/2010/main" val="649372569"/>
+      </p:ext>
+    </p:extLst>
+  </p:cSld>
+  <p:clrMapOvr>
+    <a:masterClrMapping/>
+  </p:clrMapOvr>
+</p:sld>
+</file>
+
+<file path=ppt/slides/slide16.xml><?xml version="1.0" encoding="utf-8"?>
+<p:sld xmlns:a="http://schemas.openxmlformats.org/drawingml/2006/main" xmlns:r="http://schemas.openxmlformats.org/officeDocument/2006/relationships" xmlns:p="http://schemas.openxmlformats.org/presentationml/2006/main">
+  <p:cSld>
+    <p:spTree>
+      <p:nvGrpSpPr>
+        <p:cNvPr id="1" name=""/>
+        <p:cNvGrpSpPr/>
+        <p:nvPr/>
+      </p:nvGrpSpPr>
+      <p:grpSpPr>
+        <a:xfrm>
+          <a:off x="0" y="0"/>
+          <a:ext cx="0" cy="0"/>
+          <a:chOff x="0" y="0"/>
+          <a:chExt cx="0" cy="0"/>
+        </a:xfrm>
+      </p:grpSpPr>
+      <p:sp>
+        <p:nvSpPr>
+          <p:cNvPr id="2" name="Title 1"/>
+          <p:cNvSpPr>
+            <a:spLocks noGrp="1"/>
+          </p:cNvSpPr>
+          <p:nvPr>
+            <p:ph type="title"/>
+          </p:nvPr>
+        </p:nvSpPr>
+        <p:spPr/>
+        <p:txBody>
+          <a:bodyPr/>
+          <a:lstStyle/>
+          <a:p>
+            <a:r>
+              <a:rPr lang="en-US" dirty="0" smtClean="0"/>
+              <a:t>References</a:t>
+            </a:r>
+            <a:endParaRPr lang="en-US" dirty="0"/>
+          </a:p>
+        </p:txBody>
+      </p:sp>
+      <p:sp>
+        <p:nvSpPr>
+          <p:cNvPr id="3" name="Content Placeholder 2"/>
+          <p:cNvSpPr>
+            <a:spLocks noGrp="1"/>
+          </p:cNvSpPr>
+          <p:nvPr>
+            <p:ph idx="1"/>
+          </p:nvPr>
+        </p:nvSpPr>
+        <p:spPr/>
+        <p:txBody>
+          <a:bodyPr>
+            <a:normAutofit/>
+          </a:bodyPr>
+          <a:lstStyle/>
+          <a:p>
+            <a:pPr marL="0" indent="0">
+              <a:buNone/>
+            </a:pPr>
+            <a:r>
+              <a:rPr lang="en-US" sz="1600" dirty="0" smtClean="0"/>
+              <a:t>Fabrice Robinet et al. </a:t>
+            </a:r>
+            <a:r>
+              <a:rPr lang="en-US" sz="1600" dirty="0" smtClean="0">
+                <a:hlinkClick r:id="rId3"/>
+              </a:rPr>
+              <a:t>glTF: Designing an Open-Standard Runtime Asset Format</a:t>
+            </a:r>
+            <a:r>
+              <a:rPr lang="en-US" sz="1600" dirty="0" smtClean="0"/>
+              <a:t>. GPU Pro 5, 2014</a:t>
+            </a:r>
+          </a:p>
+          <a:p>
+            <a:pPr marL="0" indent="0">
+              <a:buNone/>
+            </a:pPr>
+            <a:endParaRPr lang="en-US" sz="1600" dirty="0" smtClean="0"/>
+          </a:p>
+          <a:p>
+            <a:pPr marL="0" indent="0">
+              <a:buNone/>
+            </a:pPr>
+            <a:r>
+              <a:rPr lang="en-US" sz="1600" dirty="0" smtClean="0"/>
+              <a:t>Patrick Cozzi. </a:t>
+            </a:r>
+            <a:r>
+              <a:rPr lang="en-US" sz="1600" dirty="0" smtClean="0">
+                <a:hlinkClick r:id="rId4"/>
+              </a:rPr>
+              <a:t>Building a WebGL Santa with Cesium and glTF</a:t>
+            </a:r>
+            <a:r>
+              <a:rPr lang="en-US" sz="1600" dirty="0" smtClean="0"/>
+              <a:t>. 2013</a:t>
+            </a:r>
+            <a:endParaRPr lang="en-US" sz="1600" dirty="0"/>
+          </a:p>
+        </p:txBody>
+      </p:sp>
+      <p:sp>
+        <p:nvSpPr>
+          <p:cNvPr id="4" name="Slide Number Placeholder 3"/>
+          <p:cNvSpPr>
+            <a:spLocks noGrp="1"/>
+          </p:cNvSpPr>
+          <p:nvPr>
+            <p:ph type="sldNum" sz="quarter" idx="12"/>
+          </p:nvPr>
+        </p:nvSpPr>
+        <p:spPr/>
+        <p:txBody>
+          <a:bodyPr/>
+          <a:lstStyle/>
+          <a:p>
+            <a:pPr>
+              <a:defRPr/>
+            </a:pPr>
+            <a:fld id="{FC28735A-D6AA-419A-87B4-83DEEEB2001E}" type="slidenum">
+              <a:rPr lang="en-US" smtClean="0"/>
+              <a:pPr>
+                <a:defRPr/>
+              </a:pPr>
+              <a:t>16</a:t>
+            </a:fld>
+            <a:endParaRPr lang="en-US"/>
+          </a:p>
+        </p:txBody>
+      </p:sp>
+    </p:spTree>
+    <p:extLst>
+      <p:ext uri="{BB962C8B-B14F-4D97-AF65-F5344CB8AC3E}">
+        <p14:creationId xmlns:p14="http://schemas.microsoft.com/office/powerpoint/2010/main" val="2112326044"/>
+      </p:ext>
+    </p:extLst>
+  </p:cSld>
+  <p:clrMapOvr>
+    <a:masterClrMapping/>
+  </p:clrMapOvr>
+</p:sld>
+</file>
+
 <file path=ppt/slides/slide17.xml><?xml version="1.0" encoding="utf-8"?>
 <p:sld xmlns:a="http://schemas.openxmlformats.org/drawingml/2006/main" xmlns:r="http://schemas.openxmlformats.org/officeDocument/2006/relationships" xmlns:p="http://schemas.openxmlformats.org/presentationml/2006/main">
   <p:cSld>
@@ -11728,7 +10725,7 @@
           <a:p>
             <a:r>
               <a:rPr lang="en-US" dirty="0" smtClean="0"/>
-              <a:t>Summary</a:t>
+              <a:t>TODO</a:t>
             </a:r>
             <a:endParaRPr lang="en-US" dirty="0"/>
           </a:p>
@@ -11751,32 +10748,43 @@
           <a:p>
             <a:r>
               <a:rPr lang="en-US" dirty="0" smtClean="0"/>
-              <a:t>Themes</a:t>
-            </a:r>
-          </a:p>
-          <a:p>
-            <a:pPr lvl="1"/>
+              <a:t>Selected schema examples</a:t>
+            </a:r>
+          </a:p>
+          <a:p>
             <a:r>
               <a:rPr lang="en-US" dirty="0" smtClean="0"/>
-              <a:t>Keep the runtime simple</a:t>
-            </a:r>
-          </a:p>
-          <a:p>
-            <a:pPr lvl="1"/>
+              <a:t>Demos</a:t>
+            </a:r>
+          </a:p>
+          <a:p>
             <a:r>
               <a:rPr lang="en-US" dirty="0" smtClean="0"/>
-              <a:t>Push work to the Content Pipeline</a:t>
-            </a:r>
-          </a:p>
-          <a:p>
+              <a:t>Implementation </a:t>
+            </a:r>
             <a:r>
               <a:rPr lang="en-US" dirty="0" smtClean="0"/>
-              <a:t>glTF spec and </a:t>
+              <a:t>tips</a:t>
+            </a:r>
+          </a:p>
+          <a:p>
+            <a:r>
+              <a:rPr lang="en-US" dirty="0"/>
+              <a:t>Reference “An Artist's Guide to glTF</a:t>
             </a:r>
             <a:r>
               <a:rPr lang="en-US" dirty="0" smtClean="0"/>
-              <a:t>COLLADA2GLTF:</a:t>
-            </a:r>
+              <a:t>”</a:t>
+            </a:r>
+          </a:p>
+          <a:p>
+            <a:r>
+              <a:rPr lang="en-US" dirty="0" smtClean="0"/>
+              <a:t>Content from my CIS 565 lecture?</a:t>
+            </a:r>
+            <a:endParaRPr lang="en-US" dirty="0" smtClean="0"/>
+          </a:p>
+          <a:p>
             <a:endParaRPr lang="en-US" dirty="0"/>
           </a:p>
         </p:txBody>
@@ -11805,331 +10813,6 @@
                 <a:defRPr/>
               </a:pPr>
               <a:t>17</a:t>
-            </a:fld>
-            <a:endParaRPr lang="en-US"/>
-          </a:p>
-        </p:txBody>
-      </p:sp>
-      <p:sp>
-        <p:nvSpPr>
-          <p:cNvPr id="5" name="Rectangle 4"/>
-          <p:cNvSpPr/>
-          <p:nvPr/>
-        </p:nvSpPr>
-        <p:spPr>
-          <a:xfrm>
-            <a:off x="1001251" y="4114800"/>
-            <a:ext cx="7141498" cy="584776"/>
-          </a:xfrm>
-          <a:prstGeom prst="rect">
-            <a:avLst/>
-          </a:prstGeom>
-        </p:spPr>
-        <p:txBody>
-          <a:bodyPr wrap="none">
-            <a:spAutoFit/>
-          </a:bodyPr>
-          <a:lstStyle/>
-          <a:p>
-            <a:r>
-              <a:rPr lang="en-US" sz="3200" dirty="0">
-                <a:hlinkClick r:id="rId3"/>
-              </a:rPr>
-              <a:t>https://github.com/KhronosGroup/</a:t>
-            </a:r>
-            <a:r>
-              <a:rPr lang="en-US" sz="3200" dirty="0" smtClean="0">
-                <a:hlinkClick r:id="rId3"/>
-              </a:rPr>
-              <a:t>glTF</a:t>
-            </a:r>
-            <a:endParaRPr lang="en-US" sz="3200" dirty="0"/>
-          </a:p>
-        </p:txBody>
-      </p:sp>
-    </p:spTree>
-    <p:extLst>
-      <p:ext uri="{BB962C8B-B14F-4D97-AF65-F5344CB8AC3E}">
-        <p14:creationId xmlns:p14="http://schemas.microsoft.com/office/powerpoint/2010/main" val="649372569"/>
-      </p:ext>
-    </p:extLst>
-  </p:cSld>
-  <p:clrMapOvr>
-    <a:masterClrMapping/>
-  </p:clrMapOvr>
-</p:sld>
-</file>
-
-<file path=ppt/slides/slide18.xml><?xml version="1.0" encoding="utf-8"?>
-<p:sld xmlns:a="http://schemas.openxmlformats.org/drawingml/2006/main" xmlns:r="http://schemas.openxmlformats.org/officeDocument/2006/relationships" xmlns:p="http://schemas.openxmlformats.org/presentationml/2006/main">
-  <p:cSld>
-    <p:spTree>
-      <p:nvGrpSpPr>
-        <p:cNvPr id="1" name=""/>
-        <p:cNvGrpSpPr/>
-        <p:nvPr/>
-      </p:nvGrpSpPr>
-      <p:grpSpPr>
-        <a:xfrm>
-          <a:off x="0" y="0"/>
-          <a:ext cx="0" cy="0"/>
-          <a:chOff x="0" y="0"/>
-          <a:chExt cx="0" cy="0"/>
-        </a:xfrm>
-      </p:grpSpPr>
-      <p:sp>
-        <p:nvSpPr>
-          <p:cNvPr id="2" name="Title 1"/>
-          <p:cNvSpPr>
-            <a:spLocks noGrp="1"/>
-          </p:cNvSpPr>
-          <p:nvPr>
-            <p:ph type="title"/>
-          </p:nvPr>
-        </p:nvSpPr>
-        <p:spPr/>
-        <p:txBody>
-          <a:bodyPr/>
-          <a:lstStyle/>
-          <a:p>
-            <a:r>
-              <a:rPr lang="en-US" dirty="0" smtClean="0"/>
-              <a:t>References</a:t>
-            </a:r>
-            <a:endParaRPr lang="en-US" dirty="0"/>
-          </a:p>
-        </p:txBody>
-      </p:sp>
-      <p:sp>
-        <p:nvSpPr>
-          <p:cNvPr id="3" name="Content Placeholder 2"/>
-          <p:cNvSpPr>
-            <a:spLocks noGrp="1"/>
-          </p:cNvSpPr>
-          <p:nvPr>
-            <p:ph idx="1"/>
-          </p:nvPr>
-        </p:nvSpPr>
-        <p:spPr/>
-        <p:txBody>
-          <a:bodyPr>
-            <a:normAutofit/>
-          </a:bodyPr>
-          <a:lstStyle/>
-          <a:p>
-            <a:pPr marL="0" indent="0">
-              <a:buNone/>
-            </a:pPr>
-            <a:r>
-              <a:rPr lang="en-US" sz="1600" dirty="0" smtClean="0"/>
-              <a:t>Fabrice Robinet et al. </a:t>
-            </a:r>
-            <a:r>
-              <a:rPr lang="en-US" sz="1600" dirty="0" smtClean="0">
-                <a:hlinkClick r:id="rId3"/>
-              </a:rPr>
-              <a:t>glTF: Designing an Open-Standard Runtime Asset Format</a:t>
-            </a:r>
-            <a:r>
-              <a:rPr lang="en-US" sz="1600" dirty="0" smtClean="0"/>
-              <a:t>. GPU Pro 5, 2014</a:t>
-            </a:r>
-          </a:p>
-          <a:p>
-            <a:pPr marL="0" indent="0">
-              <a:buNone/>
-            </a:pPr>
-            <a:endParaRPr lang="en-US" sz="1600" dirty="0" smtClean="0"/>
-          </a:p>
-          <a:p>
-            <a:pPr marL="0" indent="0">
-              <a:buNone/>
-            </a:pPr>
-            <a:r>
-              <a:rPr lang="en-US" sz="1600" dirty="0" smtClean="0"/>
-              <a:t>Patrick Cozzi. </a:t>
-            </a:r>
-            <a:r>
-              <a:rPr lang="en-US" sz="1600" dirty="0" smtClean="0">
-                <a:hlinkClick r:id="rId4"/>
-              </a:rPr>
-              <a:t>Building a WebGL Santa with Cesium and glTF</a:t>
-            </a:r>
-            <a:r>
-              <a:rPr lang="en-US" sz="1600" dirty="0" smtClean="0"/>
-              <a:t>. 2013</a:t>
-            </a:r>
-            <a:endParaRPr lang="en-US" sz="1600" dirty="0"/>
-          </a:p>
-        </p:txBody>
-      </p:sp>
-      <p:sp>
-        <p:nvSpPr>
-          <p:cNvPr id="4" name="Slide Number Placeholder 3"/>
-          <p:cNvSpPr>
-            <a:spLocks noGrp="1"/>
-          </p:cNvSpPr>
-          <p:nvPr>
-            <p:ph type="sldNum" sz="quarter" idx="12"/>
-          </p:nvPr>
-        </p:nvSpPr>
-        <p:spPr/>
-        <p:txBody>
-          <a:bodyPr/>
-          <a:lstStyle/>
-          <a:p>
-            <a:pPr>
-              <a:defRPr/>
-            </a:pPr>
-            <a:fld id="{FC28735A-D6AA-419A-87B4-83DEEEB2001E}" type="slidenum">
-              <a:rPr lang="en-US" smtClean="0"/>
-              <a:pPr>
-                <a:defRPr/>
-              </a:pPr>
-              <a:t>18</a:t>
-            </a:fld>
-            <a:endParaRPr lang="en-US"/>
-          </a:p>
-        </p:txBody>
-      </p:sp>
-    </p:spTree>
-    <p:extLst>
-      <p:ext uri="{BB962C8B-B14F-4D97-AF65-F5344CB8AC3E}">
-        <p14:creationId xmlns:p14="http://schemas.microsoft.com/office/powerpoint/2010/main" val="2112326044"/>
-      </p:ext>
-    </p:extLst>
-  </p:cSld>
-  <p:clrMapOvr>
-    <a:masterClrMapping/>
-  </p:clrMapOvr>
-</p:sld>
-</file>
-
-<file path=ppt/slides/slide19.xml><?xml version="1.0" encoding="utf-8"?>
-<p:sld xmlns:a="http://schemas.openxmlformats.org/drawingml/2006/main" xmlns:r="http://schemas.openxmlformats.org/officeDocument/2006/relationships" xmlns:p="http://schemas.openxmlformats.org/presentationml/2006/main">
-  <p:cSld>
-    <p:spTree>
-      <p:nvGrpSpPr>
-        <p:cNvPr id="1" name=""/>
-        <p:cNvGrpSpPr/>
-        <p:nvPr/>
-      </p:nvGrpSpPr>
-      <p:grpSpPr>
-        <a:xfrm>
-          <a:off x="0" y="0"/>
-          <a:ext cx="0" cy="0"/>
-          <a:chOff x="0" y="0"/>
-          <a:chExt cx="0" cy="0"/>
-        </a:xfrm>
-      </p:grpSpPr>
-      <p:sp>
-        <p:nvSpPr>
-          <p:cNvPr id="2" name="Title 1"/>
-          <p:cNvSpPr>
-            <a:spLocks noGrp="1"/>
-          </p:cNvSpPr>
-          <p:nvPr>
-            <p:ph type="title"/>
-          </p:nvPr>
-        </p:nvSpPr>
-        <p:spPr/>
-        <p:txBody>
-          <a:bodyPr/>
-          <a:lstStyle/>
-          <a:p>
-            <a:r>
-              <a:rPr lang="en-US" dirty="0" smtClean="0"/>
-              <a:t>TODO</a:t>
-            </a:r>
-            <a:endParaRPr lang="en-US" dirty="0"/>
-          </a:p>
-        </p:txBody>
-      </p:sp>
-      <p:sp>
-        <p:nvSpPr>
-          <p:cNvPr id="3" name="Content Placeholder 2"/>
-          <p:cNvSpPr>
-            <a:spLocks noGrp="1"/>
-          </p:cNvSpPr>
-          <p:nvPr>
-            <p:ph idx="1"/>
-          </p:nvPr>
-        </p:nvSpPr>
-        <p:spPr/>
-        <p:txBody>
-          <a:bodyPr/>
-          <a:lstStyle/>
-          <a:p>
-            <a:r>
-              <a:rPr lang="en-US" dirty="0" smtClean="0"/>
-              <a:t>Selected schema examples</a:t>
-            </a:r>
-          </a:p>
-          <a:p>
-            <a:r>
-              <a:rPr lang="en-US" dirty="0" smtClean="0"/>
-              <a:t>Demos</a:t>
-            </a:r>
-            <a:endParaRPr lang="en-US" dirty="0" smtClean="0"/>
-          </a:p>
-          <a:p>
-            <a:r>
-              <a:rPr lang="en-US" dirty="0" smtClean="0"/>
-              <a:t>Implementation </a:t>
-            </a:r>
-            <a:r>
-              <a:rPr lang="en-US" dirty="0" smtClean="0"/>
-              <a:t>tips</a:t>
-            </a:r>
-            <a:endParaRPr lang="en-US" dirty="0" smtClean="0"/>
-          </a:p>
-          <a:p>
-            <a:r>
-              <a:rPr lang="en-US" dirty="0" smtClean="0"/>
-              <a:t>Reference </a:t>
-            </a:r>
-            <a:r>
-              <a:rPr lang="en-US" dirty="0" smtClean="0"/>
-              <a:t>“</a:t>
-            </a:r>
-            <a:r>
-              <a:rPr lang="en-US" dirty="0"/>
-              <a:t>An Artist's Guide to </a:t>
-            </a:r>
-            <a:r>
-              <a:rPr lang="en-US" dirty="0" smtClean="0"/>
-              <a:t>glTF”</a:t>
-            </a:r>
-          </a:p>
-          <a:p>
-            <a:endParaRPr lang="en-US" dirty="0"/>
-          </a:p>
-        </p:txBody>
-      </p:sp>
-      <p:sp>
-        <p:nvSpPr>
-          <p:cNvPr id="4" name="Slide Number Placeholder 3"/>
-          <p:cNvSpPr>
-            <a:spLocks noGrp="1"/>
-          </p:cNvSpPr>
-          <p:nvPr>
-            <p:ph type="sldNum" sz="quarter" idx="12"/>
-          </p:nvPr>
-        </p:nvSpPr>
-        <p:spPr/>
-        <p:txBody>
-          <a:bodyPr/>
-          <a:lstStyle/>
-          <a:p>
-            <a:pPr>
-              <a:defRPr/>
-            </a:pPr>
-            <a:fld id="{FC28735A-D6AA-419A-87B4-83DEEEB2001E}" type="slidenum">
-              <a:rPr lang="en-US" smtClean="0"/>
-              <a:pPr>
-                <a:defRPr/>
-              </a:pPr>
-              <a:t>19</a:t>
             </a:fld>
             <a:endParaRPr lang="en-US"/>
           </a:p>
@@ -12217,7 +10900,7 @@
           <a:p>
             <a:r>
               <a:rPr lang="en-US" dirty="0" smtClean="0"/>
-              <a:t>COLLADA-to-glTF </a:t>
+              <a:t>COLLADA2GLTF and </a:t>
             </a:r>
             <a:r>
               <a:rPr lang="en-US" dirty="0" smtClean="0"/>
@@ -12225,15 +10908,9 @@
             </a:r>
             <a:r>
               <a:rPr lang="en-US" dirty="0" smtClean="0"/>
-              <a:t>pipeline</a:t>
-            </a:r>
-          </a:p>
-          <a:p>
-            <a:r>
-              <a:rPr lang="en-US" dirty="0" smtClean="0"/>
-              <a:t>Art tips</a:t>
-            </a:r>
-            <a:endParaRPr lang="en-US" dirty="0"/>
+              <a:t>pipelines</a:t>
+            </a:r>
+            <a:endParaRPr lang="en-US" dirty="0" smtClean="0"/>
           </a:p>
         </p:txBody>
       </p:sp>
@@ -14891,11 +13568,7 @@
             <a:pPr lvl="1"/>
             <a:r>
               <a:rPr lang="en-US" dirty="0" smtClean="0"/>
-              <a:t>Content </a:t>
-            </a:r>
-            <a:r>
-              <a:rPr lang="en-US" dirty="0" smtClean="0"/>
-              <a:t>Pipeline</a:t>
+              <a:t>COLLADA2GLTF</a:t>
             </a:r>
             <a:endParaRPr lang="en-US" dirty="0" smtClean="0"/>
           </a:p>
@@ -14905,24 +13578,13 @@
               <a:rPr lang="en-US" dirty="0" err="1" smtClean="0"/>
               <a:t>Three.js</a:t>
             </a:r>
+            <a:endParaRPr lang="en-US" dirty="0" smtClean="0"/>
+          </a:p>
+          <a:p>
+            <a:pPr lvl="1"/>
             <a:r>
               <a:rPr lang="en-US" dirty="0" smtClean="0"/>
-              <a:t> </a:t>
-            </a:r>
-            <a:r>
-              <a:rPr lang="en-US" dirty="0" smtClean="0"/>
-              <a:t>is</a:t>
-            </a:r>
-          </a:p>
-          <a:p>
-            <a:pPr lvl="1"/>
-            <a:r>
-              <a:rPr lang="en-US" dirty="0" smtClean="0"/>
-              <a:t>Implementations </a:t>
-            </a:r>
-            <a:r>
-              <a:rPr lang="en-US" dirty="0" smtClean="0"/>
-              <a:t>are needed for a sane spec</a:t>
+              <a:t>Implementations are needed for a sane spec</a:t>
             </a:r>
           </a:p>
           <a:p>
@@ -14952,11 +13614,11 @@
             </a:r>
             <a:r>
               <a:rPr lang="en-US" dirty="0" smtClean="0"/>
-              <a:t>interest </a:t>
+              <a:t>interest: </a:t>
             </a:r>
             <a:r>
               <a:rPr lang="en-US" dirty="0" smtClean="0"/>
-              <a:t>- WebGL</a:t>
+              <a:t>WebGL</a:t>
             </a:r>
           </a:p>
           <a:p>
